--- a/230612.pptx
+++ b/230612.pptx
@@ -3399,6 +3399,9 @@
           <a:p>
             <a:r>
               <a:rPr lang="ko-Kore-KR" altLang="en-US" sz="1600" dirty="0">
+                <a:solidFill>
+                  <a:srgbClr val="FF0000"/>
+                </a:solidFill>
                 <a:latin typeface="DM Mono" panose="020B0509040201040103" pitchFamily="49" charset="0"/>
               </a:rPr>
               <a:t>    int* p = &amp;n;</a:t>
@@ -3584,7 +3587,7 @@
             <a:r>
               <a:rPr kumimoji="1" lang="en-US" altLang="ko-Kore-KR" sz="1200" dirty="0">
                 <a:solidFill>
-                  <a:schemeClr val="tx1"/>
+                  <a:srgbClr val="FF0000"/>
                 </a:solidFill>
                 <a:latin typeface="DM Mono" panose="020B0509040201040103" pitchFamily="49" charset="0"/>
               </a:rPr>
@@ -3592,7 +3595,7 @@
             </a:r>
             <a:endParaRPr kumimoji="1" lang="ko-Kore-KR" altLang="en-US" sz="1200" dirty="0">
               <a:solidFill>
-                <a:schemeClr val="tx1"/>
+                <a:srgbClr val="FF0000"/>
               </a:solidFill>
               <a:latin typeface="DM Mono" panose="020B0509040201040103" pitchFamily="49" charset="0"/>
             </a:endParaRPr>

--- a/230612.pptx
+++ b/230612.pptx
@@ -107,6 +107,11 @@
       </a:defRPr>
     </a:lvl9pPr>
   </p:defaultTextStyle>
+  <p:extLst>
+    <p:ext uri="{EFAFB233-063F-42B5-8137-9DF3F51BA10A}">
+      <p15:sldGuideLst xmlns:p15="http://schemas.microsoft.com/office/powerpoint/2012/main"/>
+    </p:ext>
+  </p:extLst>
 </p:presentation>
 </file>
 
@@ -259,7 +264,7 @@
           <a:p>
             <a:fld id="{3FC803BF-0477-6F43-A895-D2496DADD24E}" type="datetimeFigureOut">
               <a:rPr kumimoji="1" lang="ko-Kore-KR" altLang="en-US" smtClean="0"/>
-              <a:t>2023. 6. 12.</a:t>
+              <a:t>2023. 6. 13.</a:t>
             </a:fld>
             <a:endParaRPr kumimoji="1" lang="ko-Kore-KR" altLang="en-US"/>
           </a:p>
@@ -459,7 +464,7 @@
           <a:p>
             <a:fld id="{3FC803BF-0477-6F43-A895-D2496DADD24E}" type="datetimeFigureOut">
               <a:rPr kumimoji="1" lang="ko-Kore-KR" altLang="en-US" smtClean="0"/>
-              <a:t>2023. 6. 12.</a:t>
+              <a:t>2023. 6. 13.</a:t>
             </a:fld>
             <a:endParaRPr kumimoji="1" lang="ko-Kore-KR" altLang="en-US"/>
           </a:p>
@@ -669,7 +674,7 @@
           <a:p>
             <a:fld id="{3FC803BF-0477-6F43-A895-D2496DADD24E}" type="datetimeFigureOut">
               <a:rPr kumimoji="1" lang="ko-Kore-KR" altLang="en-US" smtClean="0"/>
-              <a:t>2023. 6. 12.</a:t>
+              <a:t>2023. 6. 13.</a:t>
             </a:fld>
             <a:endParaRPr kumimoji="1" lang="ko-Kore-KR" altLang="en-US"/>
           </a:p>
@@ -869,7 +874,7 @@
           <a:p>
             <a:fld id="{3FC803BF-0477-6F43-A895-D2496DADD24E}" type="datetimeFigureOut">
               <a:rPr kumimoji="1" lang="ko-Kore-KR" altLang="en-US" smtClean="0"/>
-              <a:t>2023. 6. 12.</a:t>
+              <a:t>2023. 6. 13.</a:t>
             </a:fld>
             <a:endParaRPr kumimoji="1" lang="ko-Kore-KR" altLang="en-US"/>
           </a:p>
@@ -1145,7 +1150,7 @@
           <a:p>
             <a:fld id="{3FC803BF-0477-6F43-A895-D2496DADD24E}" type="datetimeFigureOut">
               <a:rPr kumimoji="1" lang="ko-Kore-KR" altLang="en-US" smtClean="0"/>
-              <a:t>2023. 6. 12.</a:t>
+              <a:t>2023. 6. 13.</a:t>
             </a:fld>
             <a:endParaRPr kumimoji="1" lang="ko-Kore-KR" altLang="en-US"/>
           </a:p>
@@ -1413,7 +1418,7 @@
           <a:p>
             <a:fld id="{3FC803BF-0477-6F43-A895-D2496DADD24E}" type="datetimeFigureOut">
               <a:rPr kumimoji="1" lang="ko-Kore-KR" altLang="en-US" smtClean="0"/>
-              <a:t>2023. 6. 12.</a:t>
+              <a:t>2023. 6. 13.</a:t>
             </a:fld>
             <a:endParaRPr kumimoji="1" lang="ko-Kore-KR" altLang="en-US"/>
           </a:p>
@@ -1828,7 +1833,7 @@
           <a:p>
             <a:fld id="{3FC803BF-0477-6F43-A895-D2496DADD24E}" type="datetimeFigureOut">
               <a:rPr kumimoji="1" lang="ko-Kore-KR" altLang="en-US" smtClean="0"/>
-              <a:t>2023. 6. 12.</a:t>
+              <a:t>2023. 6. 13.</a:t>
             </a:fld>
             <a:endParaRPr kumimoji="1" lang="ko-Kore-KR" altLang="en-US"/>
           </a:p>
@@ -1970,7 +1975,7 @@
           <a:p>
             <a:fld id="{3FC803BF-0477-6F43-A895-D2496DADD24E}" type="datetimeFigureOut">
               <a:rPr kumimoji="1" lang="ko-Kore-KR" altLang="en-US" smtClean="0"/>
-              <a:t>2023. 6. 12.</a:t>
+              <a:t>2023. 6. 13.</a:t>
             </a:fld>
             <a:endParaRPr kumimoji="1" lang="ko-Kore-KR" altLang="en-US"/>
           </a:p>
@@ -2083,7 +2088,7 @@
           <a:p>
             <a:fld id="{3FC803BF-0477-6F43-A895-D2496DADD24E}" type="datetimeFigureOut">
               <a:rPr kumimoji="1" lang="ko-Kore-KR" altLang="en-US" smtClean="0"/>
-              <a:t>2023. 6. 12.</a:t>
+              <a:t>2023. 6. 13.</a:t>
             </a:fld>
             <a:endParaRPr kumimoji="1" lang="ko-Kore-KR" altLang="en-US"/>
           </a:p>
@@ -2396,7 +2401,7 @@
           <a:p>
             <a:fld id="{3FC803BF-0477-6F43-A895-D2496DADD24E}" type="datetimeFigureOut">
               <a:rPr kumimoji="1" lang="ko-Kore-KR" altLang="en-US" smtClean="0"/>
-              <a:t>2023. 6. 12.</a:t>
+              <a:t>2023. 6. 13.</a:t>
             </a:fld>
             <a:endParaRPr kumimoji="1" lang="ko-Kore-KR" altLang="en-US"/>
           </a:p>
@@ -2685,7 +2690,7 @@
           <a:p>
             <a:fld id="{3FC803BF-0477-6F43-A895-D2496DADD24E}" type="datetimeFigureOut">
               <a:rPr kumimoji="1" lang="ko-Kore-KR" altLang="en-US" smtClean="0"/>
-              <a:t>2023. 6. 12.</a:t>
+              <a:t>2023. 6. 13.</a:t>
             </a:fld>
             <a:endParaRPr kumimoji="1" lang="ko-Kore-KR" altLang="en-US"/>
           </a:p>
@@ -2928,7 +2933,7 @@
           <a:p>
             <a:fld id="{3FC803BF-0477-6F43-A895-D2496DADD24E}" type="datetimeFigureOut">
               <a:rPr kumimoji="1" lang="ko-Kore-KR" altLang="en-US" smtClean="0"/>
-              <a:t>2023. 6. 12.</a:t>
+              <a:t>2023. 6. 13.</a:t>
             </a:fld>
             <a:endParaRPr kumimoji="1" lang="ko-Kore-KR" altLang="en-US"/>
           </a:p>

--- a/230612.pptx
+++ b/230612.pptx
@@ -9,6 +9,12 @@
     <p:sldId id="257" r:id="rId3"/>
     <p:sldId id="258" r:id="rId4"/>
     <p:sldId id="259" r:id="rId5"/>
+    <p:sldId id="260" r:id="rId6"/>
+    <p:sldId id="261" r:id="rId7"/>
+    <p:sldId id="262" r:id="rId8"/>
+    <p:sldId id="263" r:id="rId9"/>
+    <p:sldId id="264" r:id="rId10"/>
+    <p:sldId id="265" r:id="rId11"/>
   </p:sldIdLst>
   <p:sldSz cx="12192000" cy="6858000"/>
   <p:notesSz cx="6858000" cy="9144000"/>
@@ -3710,6 +3716,600 @@
 </p:sld>
 </file>
 
+<file path=ppt/slides/slide10.xml><?xml version="1.0" encoding="utf-8"?>
+<p:sld xmlns:a="http://schemas.openxmlformats.org/drawingml/2006/main" xmlns:r="http://schemas.openxmlformats.org/officeDocument/2006/relationships" xmlns:p="http://schemas.openxmlformats.org/presentationml/2006/main">
+  <p:cSld>
+    <p:spTree>
+      <p:nvGrpSpPr>
+        <p:cNvPr id="1" name=""/>
+        <p:cNvGrpSpPr/>
+        <p:nvPr/>
+      </p:nvGrpSpPr>
+      <p:grpSpPr>
+        <a:xfrm>
+          <a:off x="0" y="0"/>
+          <a:ext cx="0" cy="0"/>
+          <a:chOff x="0" y="0"/>
+          <a:chExt cx="0" cy="0"/>
+        </a:xfrm>
+      </p:grpSpPr>
+      <p:sp>
+        <p:nvSpPr>
+          <p:cNvPr id="9" name="직사각형 8">
+            <a:extLst>
+              <a:ext uri="{FF2B5EF4-FFF2-40B4-BE49-F238E27FC236}">
+                <a16:creationId xmlns:a16="http://schemas.microsoft.com/office/drawing/2014/main" id="{645973E7-6718-7E5F-89EE-A9CE51B4BA50}"/>
+              </a:ext>
+            </a:extLst>
+          </p:cNvPr>
+          <p:cNvSpPr/>
+          <p:nvPr/>
+        </p:nvSpPr>
+        <p:spPr>
+          <a:xfrm>
+            <a:off x="2555821" y="3429000"/>
+            <a:ext cx="2313482" cy="2263515"/>
+          </a:xfrm>
+          <a:prstGeom prst="rect">
+            <a:avLst/>
+          </a:prstGeom>
+          <a:solidFill>
+            <a:schemeClr val="bg1"/>
+          </a:solidFill>
+        </p:spPr>
+        <p:style>
+          <a:lnRef idx="2">
+            <a:schemeClr val="accent4">
+              <a:shade val="15000"/>
+            </a:schemeClr>
+          </a:lnRef>
+          <a:fillRef idx="1">
+            <a:schemeClr val="accent4"/>
+          </a:fillRef>
+          <a:effectRef idx="0">
+            <a:schemeClr val="accent4"/>
+          </a:effectRef>
+          <a:fontRef idx="minor">
+            <a:schemeClr val="lt1"/>
+          </a:fontRef>
+        </p:style>
+        <p:txBody>
+          <a:bodyPr rtlCol="0" anchor="ctr"/>
+          <a:lstStyle/>
+          <a:p>
+            <a:pPr algn="ctr"/>
+            <a:endParaRPr kumimoji="1" lang="ko-Kore-KR" altLang="en-US">
+              <a:solidFill>
+                <a:schemeClr val="tx1"/>
+              </a:solidFill>
+            </a:endParaRPr>
+          </a:p>
+        </p:txBody>
+      </p:sp>
+      <p:sp>
+        <p:nvSpPr>
+          <p:cNvPr id="5" name="TextBox 4">
+            <a:extLst>
+              <a:ext uri="{FF2B5EF4-FFF2-40B4-BE49-F238E27FC236}">
+                <a16:creationId xmlns:a16="http://schemas.microsoft.com/office/drawing/2014/main" id="{A4504D01-264D-0D29-4446-EED4E8FD5949}"/>
+              </a:ext>
+            </a:extLst>
+          </p:cNvPr>
+          <p:cNvSpPr txBox="1"/>
+          <p:nvPr/>
+        </p:nvSpPr>
+        <p:spPr>
+          <a:xfrm>
+            <a:off x="484681" y="216668"/>
+            <a:ext cx="6096000" cy="2677656"/>
+          </a:xfrm>
+          <a:prstGeom prst="rect">
+            <a:avLst/>
+          </a:prstGeom>
+          <a:noFill/>
+        </p:spPr>
+        <p:txBody>
+          <a:bodyPr wrap="square">
+            <a:spAutoFit/>
+          </a:bodyPr>
+          <a:lstStyle/>
+          <a:p>
+            <a:r>
+              <a:rPr lang="en" altLang="ko-Kore-KR" sz="1400" dirty="0">
+                <a:latin typeface="DM Mono" panose="020B0509040201040103" pitchFamily="49" charset="0"/>
+              </a:rPr>
+              <a:t>void Inc3(int&amp; r)</a:t>
+            </a:r>
+          </a:p>
+          <a:p>
+            <a:r>
+              <a:rPr lang="en" altLang="ko-Kore-KR" sz="1400" dirty="0">
+                <a:latin typeface="DM Mono" panose="020B0509040201040103" pitchFamily="49" charset="0"/>
+              </a:rPr>
+              <a:t>{</a:t>
+            </a:r>
+          </a:p>
+          <a:p>
+            <a:r>
+              <a:rPr lang="en" altLang="ko-Kore-KR" sz="1400" dirty="0">
+                <a:solidFill>
+                  <a:srgbClr val="FF0000"/>
+                </a:solidFill>
+                <a:latin typeface="DM Mono" panose="020B0509040201040103" pitchFamily="49" charset="0"/>
+              </a:rPr>
+              <a:t>    ++r;</a:t>
+            </a:r>
+          </a:p>
+          <a:p>
+            <a:r>
+              <a:rPr lang="en" altLang="ko-Kore-KR" sz="1400" dirty="0">
+                <a:latin typeface="DM Mono" panose="020B0509040201040103" pitchFamily="49" charset="0"/>
+              </a:rPr>
+              <a:t>}</a:t>
+            </a:r>
+          </a:p>
+          <a:p>
+            <a:endParaRPr lang="en" altLang="ko-Kore-KR" sz="1400" dirty="0">
+              <a:latin typeface="DM Mono" panose="020B0509040201040103" pitchFamily="49" charset="0"/>
+            </a:endParaRPr>
+          </a:p>
+          <a:p>
+            <a:r>
+              <a:rPr lang="en" altLang="ko-Kore-KR" sz="1400" dirty="0">
+                <a:latin typeface="DM Mono" panose="020B0509040201040103" pitchFamily="49" charset="0"/>
+              </a:rPr>
+              <a:t>int main(void)</a:t>
+            </a:r>
+          </a:p>
+          <a:p>
+            <a:r>
+              <a:rPr lang="en" altLang="ko-Kore-KR" sz="1400" dirty="0">
+                <a:latin typeface="DM Mono" panose="020B0509040201040103" pitchFamily="49" charset="0"/>
+              </a:rPr>
+              <a:t>{</a:t>
+            </a:r>
+          </a:p>
+          <a:p>
+            <a:r>
+              <a:rPr lang="en" altLang="ko-Kore-KR" sz="1400" dirty="0">
+                <a:latin typeface="DM Mono" panose="020B0509040201040103" pitchFamily="49" charset="0"/>
+              </a:rPr>
+              <a:t>    int n = 10;</a:t>
+            </a:r>
+          </a:p>
+          <a:p>
+            <a:endParaRPr lang="en" altLang="ko-Kore-KR" sz="1400" dirty="0">
+              <a:latin typeface="DM Mono" panose="020B0509040201040103" pitchFamily="49" charset="0"/>
+            </a:endParaRPr>
+          </a:p>
+          <a:p>
+            <a:r>
+              <a:rPr lang="en" altLang="ko-Kore-KR" sz="1400" dirty="0">
+                <a:latin typeface="DM Mono" panose="020B0509040201040103" pitchFamily="49" charset="0"/>
+              </a:rPr>
+              <a:t>    Inc3(n); // int&amp; r = n;</a:t>
+            </a:r>
+          </a:p>
+          <a:p>
+            <a:r>
+              <a:rPr lang="en" altLang="ko-Kore-KR" sz="1400" dirty="0">
+                <a:latin typeface="DM Mono" panose="020B0509040201040103" pitchFamily="49" charset="0"/>
+              </a:rPr>
+              <a:t>    </a:t>
+            </a:r>
+            <a:r>
+              <a:rPr lang="en" altLang="ko-Kore-KR" sz="1400" dirty="0" err="1">
+                <a:latin typeface="DM Mono" panose="020B0509040201040103" pitchFamily="49" charset="0"/>
+              </a:rPr>
+              <a:t>cout</a:t>
+            </a:r>
+            <a:r>
+              <a:rPr lang="en" altLang="ko-Kore-KR" sz="1400" dirty="0">
+                <a:latin typeface="DM Mono" panose="020B0509040201040103" pitchFamily="49" charset="0"/>
+              </a:rPr>
+              <a:t> &lt;&lt; n &lt;&lt; </a:t>
+            </a:r>
+            <a:r>
+              <a:rPr lang="en" altLang="ko-Kore-KR" sz="1400" dirty="0" err="1">
+                <a:latin typeface="DM Mono" panose="020B0509040201040103" pitchFamily="49" charset="0"/>
+              </a:rPr>
+              <a:t>endl</a:t>
+            </a:r>
+            <a:r>
+              <a:rPr lang="en" altLang="ko-Kore-KR" sz="1400" dirty="0">
+                <a:latin typeface="DM Mono" panose="020B0509040201040103" pitchFamily="49" charset="0"/>
+              </a:rPr>
+              <a:t>;</a:t>
+            </a:r>
+          </a:p>
+          <a:p>
+            <a:r>
+              <a:rPr lang="en" altLang="ko-Kore-KR" sz="1400" dirty="0">
+                <a:latin typeface="DM Mono" panose="020B0509040201040103" pitchFamily="49" charset="0"/>
+              </a:rPr>
+              <a:t>}</a:t>
+            </a:r>
+          </a:p>
+        </p:txBody>
+      </p:sp>
+      <p:sp>
+        <p:nvSpPr>
+          <p:cNvPr id="6" name="직사각형 5">
+            <a:extLst>
+              <a:ext uri="{FF2B5EF4-FFF2-40B4-BE49-F238E27FC236}">
+                <a16:creationId xmlns:a16="http://schemas.microsoft.com/office/drawing/2014/main" id="{9910AFF1-A1CE-7082-0552-BA4F11F70FEE}"/>
+              </a:ext>
+            </a:extLst>
+          </p:cNvPr>
+          <p:cNvSpPr/>
+          <p:nvPr/>
+        </p:nvSpPr>
+        <p:spPr>
+          <a:xfrm>
+            <a:off x="3327815" y="3802505"/>
+            <a:ext cx="769495" cy="419724"/>
+          </a:xfrm>
+          <a:prstGeom prst="rect">
+            <a:avLst/>
+          </a:prstGeom>
+        </p:spPr>
+        <p:style>
+          <a:lnRef idx="2">
+            <a:schemeClr val="accent4">
+              <a:shade val="15000"/>
+            </a:schemeClr>
+          </a:lnRef>
+          <a:fillRef idx="1">
+            <a:schemeClr val="accent4"/>
+          </a:fillRef>
+          <a:effectRef idx="0">
+            <a:schemeClr val="accent4"/>
+          </a:effectRef>
+          <a:fontRef idx="minor">
+            <a:schemeClr val="lt1"/>
+          </a:fontRef>
+        </p:style>
+        <p:txBody>
+          <a:bodyPr rtlCol="0" anchor="ctr"/>
+          <a:lstStyle/>
+          <a:p>
+            <a:pPr algn="ctr"/>
+            <a:r>
+              <a:rPr kumimoji="1" lang="en-US" altLang="ko-Kore-KR" sz="1200" dirty="0">
+                <a:solidFill>
+                  <a:srgbClr val="FF0000"/>
+                </a:solidFill>
+                <a:latin typeface="DM Mono" panose="020B0509040201040103" pitchFamily="49" charset="0"/>
+              </a:rPr>
+              <a:t>11</a:t>
+            </a:r>
+            <a:endParaRPr kumimoji="1" lang="ko-Kore-KR" altLang="en-US" sz="1200" dirty="0">
+              <a:solidFill>
+                <a:srgbClr val="FF0000"/>
+              </a:solidFill>
+              <a:latin typeface="DM Mono" panose="020B0509040201040103" pitchFamily="49" charset="0"/>
+            </a:endParaRPr>
+          </a:p>
+        </p:txBody>
+      </p:sp>
+      <p:sp>
+        <p:nvSpPr>
+          <p:cNvPr id="7" name="TextBox 6">
+            <a:extLst>
+              <a:ext uri="{FF2B5EF4-FFF2-40B4-BE49-F238E27FC236}">
+                <a16:creationId xmlns:a16="http://schemas.microsoft.com/office/drawing/2014/main" id="{EC601A8E-20A8-32D3-34D5-9A15DC9379CA}"/>
+              </a:ext>
+            </a:extLst>
+          </p:cNvPr>
+          <p:cNvSpPr txBox="1"/>
+          <p:nvPr/>
+        </p:nvSpPr>
+        <p:spPr>
+          <a:xfrm>
+            <a:off x="2983042" y="3827701"/>
+            <a:ext cx="384748" cy="369332"/>
+          </a:xfrm>
+          <a:prstGeom prst="rect">
+            <a:avLst/>
+          </a:prstGeom>
+          <a:noFill/>
+        </p:spPr>
+        <p:txBody>
+          <a:bodyPr wrap="square">
+            <a:spAutoFit/>
+          </a:bodyPr>
+          <a:lstStyle/>
+          <a:p>
+            <a:pPr algn="ctr"/>
+            <a:r>
+              <a:rPr kumimoji="1" lang="en-US" altLang="ko-Kore-KR" dirty="0">
+                <a:latin typeface="DM Mono" panose="020B0509040201040103" pitchFamily="49" charset="0"/>
+              </a:rPr>
+              <a:t>n</a:t>
+            </a:r>
+            <a:endParaRPr kumimoji="1" lang="ko-Kore-KR" altLang="en-US" dirty="0">
+              <a:solidFill>
+                <a:schemeClr val="tx1"/>
+              </a:solidFill>
+              <a:latin typeface="DM Mono" panose="020B0509040201040103" pitchFamily="49" charset="0"/>
+            </a:endParaRPr>
+          </a:p>
+        </p:txBody>
+      </p:sp>
+      <p:sp>
+        <p:nvSpPr>
+          <p:cNvPr id="8" name="TextBox 7">
+            <a:extLst>
+              <a:ext uri="{FF2B5EF4-FFF2-40B4-BE49-F238E27FC236}">
+                <a16:creationId xmlns:a16="http://schemas.microsoft.com/office/drawing/2014/main" id="{5A8232C2-C6C9-D39F-DBC9-D2ED584E8920}"/>
+              </a:ext>
+            </a:extLst>
+          </p:cNvPr>
+          <p:cNvSpPr txBox="1"/>
+          <p:nvPr/>
+        </p:nvSpPr>
+        <p:spPr>
+          <a:xfrm>
+            <a:off x="2983042" y="3553493"/>
+            <a:ext cx="769495" cy="261610"/>
+          </a:xfrm>
+          <a:prstGeom prst="rect">
+            <a:avLst/>
+          </a:prstGeom>
+          <a:noFill/>
+        </p:spPr>
+        <p:txBody>
+          <a:bodyPr wrap="square">
+            <a:spAutoFit/>
+          </a:bodyPr>
+          <a:lstStyle/>
+          <a:p>
+            <a:r>
+              <a:rPr kumimoji="1" lang="en-US" altLang="ko-Kore-KR" sz="1050" dirty="0">
+                <a:solidFill>
+                  <a:schemeClr val="tx1"/>
+                </a:solidFill>
+                <a:latin typeface="DM Mono" panose="020B0509040201040103" pitchFamily="49" charset="0"/>
+              </a:rPr>
+              <a:t>0x100</a:t>
+            </a:r>
+            <a:endParaRPr lang="ko-Kore-KR" altLang="en-US" sz="1050" dirty="0">
+              <a:latin typeface="DM Mono" panose="020B0509040201040103" pitchFamily="49" charset="0"/>
+            </a:endParaRPr>
+          </a:p>
+        </p:txBody>
+      </p:sp>
+      <p:sp>
+        <p:nvSpPr>
+          <p:cNvPr id="11" name="TextBox 10">
+            <a:extLst>
+              <a:ext uri="{FF2B5EF4-FFF2-40B4-BE49-F238E27FC236}">
+                <a16:creationId xmlns:a16="http://schemas.microsoft.com/office/drawing/2014/main" id="{F177BB29-1FF6-60DA-3B98-8770C7C18E9F}"/>
+              </a:ext>
+            </a:extLst>
+          </p:cNvPr>
+          <p:cNvSpPr txBox="1"/>
+          <p:nvPr/>
+        </p:nvSpPr>
+        <p:spPr>
+          <a:xfrm>
+            <a:off x="2733206" y="3145702"/>
+            <a:ext cx="1821303" cy="276999"/>
+          </a:xfrm>
+          <a:prstGeom prst="rect">
+            <a:avLst/>
+          </a:prstGeom>
+          <a:noFill/>
+        </p:spPr>
+        <p:txBody>
+          <a:bodyPr wrap="square">
+            <a:spAutoFit/>
+          </a:bodyPr>
+          <a:lstStyle/>
+          <a:p>
+            <a:pPr algn="ctr"/>
+            <a:r>
+              <a:rPr lang="ko-Kore-KR" altLang="en-US" sz="1200" dirty="0">
+                <a:latin typeface="DM Mono" panose="020B0509040201040103" pitchFamily="49" charset="0"/>
+              </a:rPr>
+              <a:t>main</a:t>
+            </a:r>
+          </a:p>
+        </p:txBody>
+      </p:sp>
+      <p:sp>
+        <p:nvSpPr>
+          <p:cNvPr id="12" name="직사각형 11">
+            <a:extLst>
+              <a:ext uri="{FF2B5EF4-FFF2-40B4-BE49-F238E27FC236}">
+                <a16:creationId xmlns:a16="http://schemas.microsoft.com/office/drawing/2014/main" id="{27BE137A-E34C-90BA-13A1-2E337045D80A}"/>
+              </a:ext>
+            </a:extLst>
+          </p:cNvPr>
+          <p:cNvSpPr/>
+          <p:nvPr/>
+        </p:nvSpPr>
+        <p:spPr>
+          <a:xfrm>
+            <a:off x="6335840" y="2063832"/>
+            <a:ext cx="2313482" cy="2263515"/>
+          </a:xfrm>
+          <a:prstGeom prst="rect">
+            <a:avLst/>
+          </a:prstGeom>
+          <a:solidFill>
+            <a:schemeClr val="bg1"/>
+          </a:solidFill>
+        </p:spPr>
+        <p:style>
+          <a:lnRef idx="2">
+            <a:schemeClr val="accent4">
+              <a:shade val="15000"/>
+            </a:schemeClr>
+          </a:lnRef>
+          <a:fillRef idx="1">
+            <a:schemeClr val="accent4"/>
+          </a:fillRef>
+          <a:effectRef idx="0">
+            <a:schemeClr val="accent4"/>
+          </a:effectRef>
+          <a:fontRef idx="minor">
+            <a:schemeClr val="lt1"/>
+          </a:fontRef>
+        </p:style>
+        <p:txBody>
+          <a:bodyPr rtlCol="0" anchor="ctr"/>
+          <a:lstStyle/>
+          <a:p>
+            <a:pPr algn="ctr"/>
+            <a:endParaRPr kumimoji="1" lang="ko-Kore-KR" altLang="en-US">
+              <a:solidFill>
+                <a:schemeClr val="tx1"/>
+              </a:solidFill>
+            </a:endParaRPr>
+          </a:p>
+        </p:txBody>
+      </p:sp>
+      <p:sp>
+        <p:nvSpPr>
+          <p:cNvPr id="13" name="TextBox 12">
+            <a:extLst>
+              <a:ext uri="{FF2B5EF4-FFF2-40B4-BE49-F238E27FC236}">
+                <a16:creationId xmlns:a16="http://schemas.microsoft.com/office/drawing/2014/main" id="{7B752333-3289-4F61-3177-D4C26D630168}"/>
+              </a:ext>
+            </a:extLst>
+          </p:cNvPr>
+          <p:cNvSpPr txBox="1"/>
+          <p:nvPr/>
+        </p:nvSpPr>
+        <p:spPr>
+          <a:xfrm>
+            <a:off x="6513225" y="1780534"/>
+            <a:ext cx="1821303" cy="276999"/>
+          </a:xfrm>
+          <a:prstGeom prst="rect">
+            <a:avLst/>
+          </a:prstGeom>
+          <a:noFill/>
+        </p:spPr>
+        <p:txBody>
+          <a:bodyPr wrap="square">
+            <a:spAutoFit/>
+          </a:bodyPr>
+          <a:lstStyle/>
+          <a:p>
+            <a:pPr algn="ctr"/>
+            <a:r>
+              <a:rPr lang="en-US" altLang="ko-Kore-KR" sz="1200" dirty="0">
+                <a:latin typeface="DM Mono" panose="020B0509040201040103" pitchFamily="49" charset="0"/>
+              </a:rPr>
+              <a:t>Inc3</a:t>
+            </a:r>
+            <a:endParaRPr lang="ko-Kore-KR" altLang="en-US" sz="1200" dirty="0">
+              <a:latin typeface="DM Mono" panose="020B0509040201040103" pitchFamily="49" charset="0"/>
+            </a:endParaRPr>
+          </a:p>
+        </p:txBody>
+      </p:sp>
+      <p:sp>
+        <p:nvSpPr>
+          <p:cNvPr id="15" name="TextBox 14">
+            <a:extLst>
+              <a:ext uri="{FF2B5EF4-FFF2-40B4-BE49-F238E27FC236}">
+                <a16:creationId xmlns:a16="http://schemas.microsoft.com/office/drawing/2014/main" id="{4A5B30D7-DF1A-7A85-9780-7220F2F65854}"/>
+              </a:ext>
+            </a:extLst>
+          </p:cNvPr>
+          <p:cNvSpPr txBox="1"/>
+          <p:nvPr/>
+        </p:nvSpPr>
+        <p:spPr>
+          <a:xfrm>
+            <a:off x="6465757" y="2284353"/>
+            <a:ext cx="524654" cy="369332"/>
+          </a:xfrm>
+          <a:prstGeom prst="rect">
+            <a:avLst/>
+          </a:prstGeom>
+          <a:noFill/>
+        </p:spPr>
+        <p:txBody>
+          <a:bodyPr wrap="square">
+            <a:spAutoFit/>
+          </a:bodyPr>
+          <a:lstStyle/>
+          <a:p>
+            <a:pPr algn="ctr"/>
+            <a:r>
+              <a:rPr kumimoji="1" lang="en-US" altLang="ko-Kore-KR" dirty="0">
+                <a:latin typeface="DM Mono" panose="020B0509040201040103" pitchFamily="49" charset="0"/>
+              </a:rPr>
+              <a:t>r</a:t>
+            </a:r>
+            <a:endParaRPr kumimoji="1" lang="ko-Kore-KR" altLang="en-US" dirty="0">
+              <a:solidFill>
+                <a:schemeClr val="tx1"/>
+              </a:solidFill>
+              <a:latin typeface="DM Mono" panose="020B0509040201040103" pitchFamily="49" charset="0"/>
+            </a:endParaRPr>
+          </a:p>
+        </p:txBody>
+      </p:sp>
+      <p:cxnSp>
+        <p:nvCxnSpPr>
+          <p:cNvPr id="4" name="구부러진 연결선[U] 3">
+            <a:extLst>
+              <a:ext uri="{FF2B5EF4-FFF2-40B4-BE49-F238E27FC236}">
+                <a16:creationId xmlns:a16="http://schemas.microsoft.com/office/drawing/2014/main" id="{69B50D1F-01CD-081F-91D8-C65C10707366}"/>
+              </a:ext>
+            </a:extLst>
+          </p:cNvPr>
+          <p:cNvCxnSpPr>
+            <a:stCxn id="15" idx="2"/>
+            <a:endCxn id="6" idx="0"/>
+          </p:cNvCxnSpPr>
+          <p:nvPr/>
+        </p:nvCxnSpPr>
+        <p:spPr>
+          <a:xfrm rot="5400000">
+            <a:off x="4645914" y="1720335"/>
+            <a:ext cx="1148820" cy="3015521"/>
+          </a:xfrm>
+          <a:prstGeom prst="curvedConnector3">
+            <a:avLst/>
+          </a:prstGeom>
+          <a:ln>
+            <a:tailEnd type="triangle"/>
+          </a:ln>
+        </p:spPr>
+        <p:style>
+          <a:lnRef idx="1">
+            <a:schemeClr val="dk1"/>
+          </a:lnRef>
+          <a:fillRef idx="0">
+            <a:schemeClr val="dk1"/>
+          </a:fillRef>
+          <a:effectRef idx="0">
+            <a:schemeClr val="dk1"/>
+          </a:effectRef>
+          <a:fontRef idx="minor">
+            <a:schemeClr val="tx1"/>
+          </a:fontRef>
+        </p:style>
+      </p:cxnSp>
+    </p:spTree>
+    <p:extLst>
+      <p:ext uri="{BB962C8B-B14F-4D97-AF65-F5344CB8AC3E}">
+        <p14:creationId xmlns:p14="http://schemas.microsoft.com/office/powerpoint/2010/main" val="2304453562"/>
+      </p:ext>
+    </p:extLst>
+  </p:cSld>
+  <p:clrMapOvr>
+    <a:masterClrMapping/>
+  </p:clrMapOvr>
+</p:sld>
+</file>
+
 <file path=ppt/slides/slide2.xml><?xml version="1.0" encoding="utf-8"?>
 <p:sld xmlns:a="http://schemas.openxmlformats.org/drawingml/2006/main" xmlns:r="http://schemas.openxmlformats.org/officeDocument/2006/relationships" xmlns:p="http://schemas.openxmlformats.org/presentationml/2006/main">
   <p:cSld>
@@ -4802,6 +5402,3131 @@
     <p:extLst>
       <p:ext uri="{BB962C8B-B14F-4D97-AF65-F5344CB8AC3E}">
         <p14:creationId xmlns:p14="http://schemas.microsoft.com/office/powerpoint/2010/main" val="3540101570"/>
+      </p:ext>
+    </p:extLst>
+  </p:cSld>
+  <p:clrMapOvr>
+    <a:masterClrMapping/>
+  </p:clrMapOvr>
+</p:sld>
+</file>
+
+<file path=ppt/slides/slide5.xml><?xml version="1.0" encoding="utf-8"?>
+<p:sld xmlns:a="http://schemas.openxmlformats.org/drawingml/2006/main" xmlns:r="http://schemas.openxmlformats.org/officeDocument/2006/relationships" xmlns:p="http://schemas.openxmlformats.org/presentationml/2006/main">
+  <p:cSld>
+    <p:spTree>
+      <p:nvGrpSpPr>
+        <p:cNvPr id="1" name=""/>
+        <p:cNvGrpSpPr/>
+        <p:nvPr/>
+      </p:nvGrpSpPr>
+      <p:grpSpPr>
+        <a:xfrm>
+          <a:off x="0" y="0"/>
+          <a:ext cx="0" cy="0"/>
+          <a:chOff x="0" y="0"/>
+          <a:chExt cx="0" cy="0"/>
+        </a:xfrm>
+      </p:grpSpPr>
+      <p:sp>
+        <p:nvSpPr>
+          <p:cNvPr id="9" name="직사각형 8">
+            <a:extLst>
+              <a:ext uri="{FF2B5EF4-FFF2-40B4-BE49-F238E27FC236}">
+                <a16:creationId xmlns:a16="http://schemas.microsoft.com/office/drawing/2014/main" id="{645973E7-6718-7E5F-89EE-A9CE51B4BA50}"/>
+              </a:ext>
+            </a:extLst>
+          </p:cNvPr>
+          <p:cNvSpPr/>
+          <p:nvPr/>
+        </p:nvSpPr>
+        <p:spPr>
+          <a:xfrm>
+            <a:off x="2555821" y="3429000"/>
+            <a:ext cx="2313482" cy="2263515"/>
+          </a:xfrm>
+          <a:prstGeom prst="rect">
+            <a:avLst/>
+          </a:prstGeom>
+          <a:solidFill>
+            <a:schemeClr val="bg1"/>
+          </a:solidFill>
+        </p:spPr>
+        <p:style>
+          <a:lnRef idx="2">
+            <a:schemeClr val="accent4">
+              <a:shade val="15000"/>
+            </a:schemeClr>
+          </a:lnRef>
+          <a:fillRef idx="1">
+            <a:schemeClr val="accent4"/>
+          </a:fillRef>
+          <a:effectRef idx="0">
+            <a:schemeClr val="accent4"/>
+          </a:effectRef>
+          <a:fontRef idx="minor">
+            <a:schemeClr val="lt1"/>
+          </a:fontRef>
+        </p:style>
+        <p:txBody>
+          <a:bodyPr rtlCol="0" anchor="ctr"/>
+          <a:lstStyle/>
+          <a:p>
+            <a:pPr algn="ctr"/>
+            <a:endParaRPr kumimoji="1" lang="ko-Kore-KR" altLang="en-US">
+              <a:solidFill>
+                <a:schemeClr val="tx1"/>
+              </a:solidFill>
+            </a:endParaRPr>
+          </a:p>
+        </p:txBody>
+      </p:sp>
+      <p:sp>
+        <p:nvSpPr>
+          <p:cNvPr id="5" name="TextBox 4">
+            <a:extLst>
+              <a:ext uri="{FF2B5EF4-FFF2-40B4-BE49-F238E27FC236}">
+                <a16:creationId xmlns:a16="http://schemas.microsoft.com/office/drawing/2014/main" id="{A4504D01-264D-0D29-4446-EED4E8FD5949}"/>
+              </a:ext>
+            </a:extLst>
+          </p:cNvPr>
+          <p:cNvSpPr txBox="1"/>
+          <p:nvPr/>
+        </p:nvSpPr>
+        <p:spPr>
+          <a:xfrm>
+            <a:off x="484681" y="216668"/>
+            <a:ext cx="6096000" cy="2462213"/>
+          </a:xfrm>
+          <a:prstGeom prst="rect">
+            <a:avLst/>
+          </a:prstGeom>
+          <a:noFill/>
+        </p:spPr>
+        <p:txBody>
+          <a:bodyPr wrap="square">
+            <a:spAutoFit/>
+          </a:bodyPr>
+          <a:lstStyle/>
+          <a:p>
+            <a:r>
+              <a:rPr lang="ko-Kore-KR" altLang="en-US" sz="1400" dirty="0">
+                <a:latin typeface="DM Mono" panose="020B0509040201040103" pitchFamily="49" charset="0"/>
+              </a:rPr>
+              <a:t>void Inc1(int x)</a:t>
+            </a:r>
+          </a:p>
+          <a:p>
+            <a:r>
+              <a:rPr lang="ko-Kore-KR" altLang="en-US" sz="1400" dirty="0">
+                <a:latin typeface="DM Mono" panose="020B0509040201040103" pitchFamily="49" charset="0"/>
+              </a:rPr>
+              <a:t>{</a:t>
+            </a:r>
+          </a:p>
+          <a:p>
+            <a:r>
+              <a:rPr lang="ko-Kore-KR" altLang="en-US" sz="1400" dirty="0">
+                <a:latin typeface="DM Mono" panose="020B0509040201040103" pitchFamily="49" charset="0"/>
+              </a:rPr>
+              <a:t>    ++x;</a:t>
+            </a:r>
+          </a:p>
+          <a:p>
+            <a:r>
+              <a:rPr lang="ko-Kore-KR" altLang="en-US" sz="1400" dirty="0">
+                <a:latin typeface="DM Mono" panose="020B0509040201040103" pitchFamily="49" charset="0"/>
+              </a:rPr>
+              <a:t>}</a:t>
+            </a:r>
+          </a:p>
+          <a:p>
+            <a:endParaRPr lang="ko-Kore-KR" altLang="en-US" sz="1400" dirty="0">
+              <a:latin typeface="DM Mono" panose="020B0509040201040103" pitchFamily="49" charset="0"/>
+            </a:endParaRPr>
+          </a:p>
+          <a:p>
+            <a:r>
+              <a:rPr lang="ko-Kore-KR" altLang="en-US" sz="1400" dirty="0">
+                <a:latin typeface="DM Mono" panose="020B0509040201040103" pitchFamily="49" charset="0"/>
+              </a:rPr>
+              <a:t>int main(void)</a:t>
+            </a:r>
+          </a:p>
+          <a:p>
+            <a:r>
+              <a:rPr lang="ko-Kore-KR" altLang="en-US" sz="1400" dirty="0">
+                <a:latin typeface="DM Mono" panose="020B0509040201040103" pitchFamily="49" charset="0"/>
+              </a:rPr>
+              <a:t>{</a:t>
+            </a:r>
+          </a:p>
+          <a:p>
+            <a:r>
+              <a:rPr lang="ko-Kore-KR" altLang="en-US" sz="1400" dirty="0">
+                <a:latin typeface="DM Mono" panose="020B0509040201040103" pitchFamily="49" charset="0"/>
+              </a:rPr>
+              <a:t>    int n = 10;</a:t>
+            </a:r>
+          </a:p>
+          <a:p>
+            <a:r>
+              <a:rPr lang="ko-Kore-KR" altLang="en-US" sz="1400" dirty="0">
+                <a:latin typeface="DM Mono" panose="020B0509040201040103" pitchFamily="49" charset="0"/>
+              </a:rPr>
+              <a:t>    Inc1(n);</a:t>
+            </a:r>
+          </a:p>
+          <a:p>
+            <a:r>
+              <a:rPr lang="ko-Kore-KR" altLang="en-US" sz="1400" dirty="0">
+                <a:latin typeface="DM Mono" panose="020B0509040201040103" pitchFamily="49" charset="0"/>
+              </a:rPr>
+              <a:t>    cout &lt;&lt; n &lt;&lt; endl;</a:t>
+            </a:r>
+          </a:p>
+          <a:p>
+            <a:r>
+              <a:rPr lang="ko-Kore-KR" altLang="en-US" sz="1400" dirty="0">
+                <a:latin typeface="DM Mono" panose="020B0509040201040103" pitchFamily="49" charset="0"/>
+              </a:rPr>
+              <a:t>}</a:t>
+            </a:r>
+          </a:p>
+        </p:txBody>
+      </p:sp>
+      <p:sp>
+        <p:nvSpPr>
+          <p:cNvPr id="6" name="직사각형 5">
+            <a:extLst>
+              <a:ext uri="{FF2B5EF4-FFF2-40B4-BE49-F238E27FC236}">
+                <a16:creationId xmlns:a16="http://schemas.microsoft.com/office/drawing/2014/main" id="{9910AFF1-A1CE-7082-0552-BA4F11F70FEE}"/>
+              </a:ext>
+            </a:extLst>
+          </p:cNvPr>
+          <p:cNvSpPr/>
+          <p:nvPr/>
+        </p:nvSpPr>
+        <p:spPr>
+          <a:xfrm>
+            <a:off x="3327815" y="3802505"/>
+            <a:ext cx="769495" cy="419724"/>
+          </a:xfrm>
+          <a:prstGeom prst="rect">
+            <a:avLst/>
+          </a:prstGeom>
+        </p:spPr>
+        <p:style>
+          <a:lnRef idx="2">
+            <a:schemeClr val="accent4">
+              <a:shade val="15000"/>
+            </a:schemeClr>
+          </a:lnRef>
+          <a:fillRef idx="1">
+            <a:schemeClr val="accent4"/>
+          </a:fillRef>
+          <a:effectRef idx="0">
+            <a:schemeClr val="accent4"/>
+          </a:effectRef>
+          <a:fontRef idx="minor">
+            <a:schemeClr val="lt1"/>
+          </a:fontRef>
+        </p:style>
+        <p:txBody>
+          <a:bodyPr rtlCol="0" anchor="ctr"/>
+          <a:lstStyle/>
+          <a:p>
+            <a:pPr algn="ctr"/>
+            <a:r>
+              <a:rPr kumimoji="1" lang="en-US" altLang="ko-Kore-KR" sz="1200" dirty="0">
+                <a:solidFill>
+                  <a:schemeClr val="tx1"/>
+                </a:solidFill>
+                <a:latin typeface="DM Mono" panose="020B0509040201040103" pitchFamily="49" charset="0"/>
+              </a:rPr>
+              <a:t>10</a:t>
+            </a:r>
+            <a:endParaRPr kumimoji="1" lang="ko-Kore-KR" altLang="en-US" sz="1200" dirty="0">
+              <a:solidFill>
+                <a:schemeClr val="tx1"/>
+              </a:solidFill>
+              <a:latin typeface="DM Mono" panose="020B0509040201040103" pitchFamily="49" charset="0"/>
+            </a:endParaRPr>
+          </a:p>
+        </p:txBody>
+      </p:sp>
+      <p:sp>
+        <p:nvSpPr>
+          <p:cNvPr id="7" name="TextBox 6">
+            <a:extLst>
+              <a:ext uri="{FF2B5EF4-FFF2-40B4-BE49-F238E27FC236}">
+                <a16:creationId xmlns:a16="http://schemas.microsoft.com/office/drawing/2014/main" id="{EC601A8E-20A8-32D3-34D5-9A15DC9379CA}"/>
+              </a:ext>
+            </a:extLst>
+          </p:cNvPr>
+          <p:cNvSpPr txBox="1"/>
+          <p:nvPr/>
+        </p:nvSpPr>
+        <p:spPr>
+          <a:xfrm>
+            <a:off x="2983042" y="3827701"/>
+            <a:ext cx="384748" cy="369332"/>
+          </a:xfrm>
+          <a:prstGeom prst="rect">
+            <a:avLst/>
+          </a:prstGeom>
+          <a:noFill/>
+        </p:spPr>
+        <p:txBody>
+          <a:bodyPr wrap="square">
+            <a:spAutoFit/>
+          </a:bodyPr>
+          <a:lstStyle/>
+          <a:p>
+            <a:pPr algn="ctr"/>
+            <a:r>
+              <a:rPr kumimoji="1" lang="en-US" altLang="ko-Kore-KR" dirty="0">
+                <a:latin typeface="DM Mono" panose="020B0509040201040103" pitchFamily="49" charset="0"/>
+              </a:rPr>
+              <a:t>n</a:t>
+            </a:r>
+            <a:endParaRPr kumimoji="1" lang="ko-Kore-KR" altLang="en-US" dirty="0">
+              <a:solidFill>
+                <a:schemeClr val="tx1"/>
+              </a:solidFill>
+              <a:latin typeface="DM Mono" panose="020B0509040201040103" pitchFamily="49" charset="0"/>
+            </a:endParaRPr>
+          </a:p>
+        </p:txBody>
+      </p:sp>
+      <p:sp>
+        <p:nvSpPr>
+          <p:cNvPr id="8" name="TextBox 7">
+            <a:extLst>
+              <a:ext uri="{FF2B5EF4-FFF2-40B4-BE49-F238E27FC236}">
+                <a16:creationId xmlns:a16="http://schemas.microsoft.com/office/drawing/2014/main" id="{5A8232C2-C6C9-D39F-DBC9-D2ED584E8920}"/>
+              </a:ext>
+            </a:extLst>
+          </p:cNvPr>
+          <p:cNvSpPr txBox="1"/>
+          <p:nvPr/>
+        </p:nvSpPr>
+        <p:spPr>
+          <a:xfrm>
+            <a:off x="2983042" y="3553493"/>
+            <a:ext cx="769495" cy="261610"/>
+          </a:xfrm>
+          <a:prstGeom prst="rect">
+            <a:avLst/>
+          </a:prstGeom>
+          <a:noFill/>
+        </p:spPr>
+        <p:txBody>
+          <a:bodyPr wrap="square">
+            <a:spAutoFit/>
+          </a:bodyPr>
+          <a:lstStyle/>
+          <a:p>
+            <a:r>
+              <a:rPr kumimoji="1" lang="en-US" altLang="ko-Kore-KR" sz="1050" dirty="0">
+                <a:solidFill>
+                  <a:schemeClr val="tx1"/>
+                </a:solidFill>
+                <a:latin typeface="DM Mono" panose="020B0509040201040103" pitchFamily="49" charset="0"/>
+              </a:rPr>
+              <a:t>0x100</a:t>
+            </a:r>
+            <a:endParaRPr lang="ko-Kore-KR" altLang="en-US" sz="1050" dirty="0">
+              <a:latin typeface="DM Mono" panose="020B0509040201040103" pitchFamily="49" charset="0"/>
+            </a:endParaRPr>
+          </a:p>
+        </p:txBody>
+      </p:sp>
+      <p:sp>
+        <p:nvSpPr>
+          <p:cNvPr id="11" name="TextBox 10">
+            <a:extLst>
+              <a:ext uri="{FF2B5EF4-FFF2-40B4-BE49-F238E27FC236}">
+                <a16:creationId xmlns:a16="http://schemas.microsoft.com/office/drawing/2014/main" id="{F177BB29-1FF6-60DA-3B98-8770C7C18E9F}"/>
+              </a:ext>
+            </a:extLst>
+          </p:cNvPr>
+          <p:cNvSpPr txBox="1"/>
+          <p:nvPr/>
+        </p:nvSpPr>
+        <p:spPr>
+          <a:xfrm>
+            <a:off x="2733206" y="3145702"/>
+            <a:ext cx="1821303" cy="276999"/>
+          </a:xfrm>
+          <a:prstGeom prst="rect">
+            <a:avLst/>
+          </a:prstGeom>
+          <a:noFill/>
+        </p:spPr>
+        <p:txBody>
+          <a:bodyPr wrap="square">
+            <a:spAutoFit/>
+          </a:bodyPr>
+          <a:lstStyle/>
+          <a:p>
+            <a:pPr algn="ctr"/>
+            <a:r>
+              <a:rPr lang="ko-Kore-KR" altLang="en-US" sz="1200" dirty="0">
+                <a:latin typeface="DM Mono" panose="020B0509040201040103" pitchFamily="49" charset="0"/>
+              </a:rPr>
+              <a:t>main</a:t>
+            </a:r>
+          </a:p>
+        </p:txBody>
+      </p:sp>
+      <p:sp>
+        <p:nvSpPr>
+          <p:cNvPr id="12" name="직사각형 11">
+            <a:extLst>
+              <a:ext uri="{FF2B5EF4-FFF2-40B4-BE49-F238E27FC236}">
+                <a16:creationId xmlns:a16="http://schemas.microsoft.com/office/drawing/2014/main" id="{27BE137A-E34C-90BA-13A1-2E337045D80A}"/>
+              </a:ext>
+            </a:extLst>
+          </p:cNvPr>
+          <p:cNvSpPr/>
+          <p:nvPr/>
+        </p:nvSpPr>
+        <p:spPr>
+          <a:xfrm>
+            <a:off x="6335840" y="2063832"/>
+            <a:ext cx="2313482" cy="2263515"/>
+          </a:xfrm>
+          <a:prstGeom prst="rect">
+            <a:avLst/>
+          </a:prstGeom>
+          <a:solidFill>
+            <a:schemeClr val="bg1"/>
+          </a:solidFill>
+        </p:spPr>
+        <p:style>
+          <a:lnRef idx="2">
+            <a:schemeClr val="accent4">
+              <a:shade val="15000"/>
+            </a:schemeClr>
+          </a:lnRef>
+          <a:fillRef idx="1">
+            <a:schemeClr val="accent4"/>
+          </a:fillRef>
+          <a:effectRef idx="0">
+            <a:schemeClr val="accent4"/>
+          </a:effectRef>
+          <a:fontRef idx="minor">
+            <a:schemeClr val="lt1"/>
+          </a:fontRef>
+        </p:style>
+        <p:txBody>
+          <a:bodyPr rtlCol="0" anchor="ctr"/>
+          <a:lstStyle/>
+          <a:p>
+            <a:pPr algn="ctr"/>
+            <a:endParaRPr kumimoji="1" lang="ko-Kore-KR" altLang="en-US">
+              <a:solidFill>
+                <a:schemeClr val="tx1"/>
+              </a:solidFill>
+            </a:endParaRPr>
+          </a:p>
+        </p:txBody>
+      </p:sp>
+      <p:sp>
+        <p:nvSpPr>
+          <p:cNvPr id="13" name="TextBox 12">
+            <a:extLst>
+              <a:ext uri="{FF2B5EF4-FFF2-40B4-BE49-F238E27FC236}">
+                <a16:creationId xmlns:a16="http://schemas.microsoft.com/office/drawing/2014/main" id="{7B752333-3289-4F61-3177-D4C26D630168}"/>
+              </a:ext>
+            </a:extLst>
+          </p:cNvPr>
+          <p:cNvSpPr txBox="1"/>
+          <p:nvPr/>
+        </p:nvSpPr>
+        <p:spPr>
+          <a:xfrm>
+            <a:off x="6513225" y="1780534"/>
+            <a:ext cx="1821303" cy="276999"/>
+          </a:xfrm>
+          <a:prstGeom prst="rect">
+            <a:avLst/>
+          </a:prstGeom>
+          <a:noFill/>
+        </p:spPr>
+        <p:txBody>
+          <a:bodyPr wrap="square">
+            <a:spAutoFit/>
+          </a:bodyPr>
+          <a:lstStyle/>
+          <a:p>
+            <a:pPr algn="ctr"/>
+            <a:r>
+              <a:rPr lang="en-US" altLang="ko-Kore-KR" sz="1200" dirty="0">
+                <a:latin typeface="DM Mono" panose="020B0509040201040103" pitchFamily="49" charset="0"/>
+              </a:rPr>
+              <a:t>Inc1</a:t>
+            </a:r>
+            <a:endParaRPr lang="ko-Kore-KR" altLang="en-US" sz="1200" dirty="0">
+              <a:latin typeface="DM Mono" panose="020B0509040201040103" pitchFamily="49" charset="0"/>
+            </a:endParaRPr>
+          </a:p>
+        </p:txBody>
+      </p:sp>
+      <p:sp>
+        <p:nvSpPr>
+          <p:cNvPr id="14" name="직사각형 13">
+            <a:extLst>
+              <a:ext uri="{FF2B5EF4-FFF2-40B4-BE49-F238E27FC236}">
+                <a16:creationId xmlns:a16="http://schemas.microsoft.com/office/drawing/2014/main" id="{97342C2C-57A6-EF4A-D4C4-23D5CFCE7FFF}"/>
+              </a:ext>
+            </a:extLst>
+          </p:cNvPr>
+          <p:cNvSpPr/>
+          <p:nvPr/>
+        </p:nvSpPr>
+        <p:spPr>
+          <a:xfrm>
+            <a:off x="6950436" y="2259157"/>
+            <a:ext cx="769495" cy="419724"/>
+          </a:xfrm>
+          <a:prstGeom prst="rect">
+            <a:avLst/>
+          </a:prstGeom>
+        </p:spPr>
+        <p:style>
+          <a:lnRef idx="2">
+            <a:schemeClr val="accent4">
+              <a:shade val="15000"/>
+            </a:schemeClr>
+          </a:lnRef>
+          <a:fillRef idx="1">
+            <a:schemeClr val="accent4"/>
+          </a:fillRef>
+          <a:effectRef idx="0">
+            <a:schemeClr val="accent4"/>
+          </a:effectRef>
+          <a:fontRef idx="minor">
+            <a:schemeClr val="lt1"/>
+          </a:fontRef>
+        </p:style>
+        <p:txBody>
+          <a:bodyPr rtlCol="0" anchor="ctr"/>
+          <a:lstStyle/>
+          <a:p>
+            <a:pPr algn="ctr"/>
+            <a:r>
+              <a:rPr kumimoji="1" lang="en-US" altLang="ko-Kore-KR" sz="1200" dirty="0">
+                <a:solidFill>
+                  <a:schemeClr val="tx1"/>
+                </a:solidFill>
+                <a:latin typeface="DM Mono" panose="020B0509040201040103" pitchFamily="49" charset="0"/>
+              </a:rPr>
+              <a:t>10</a:t>
+            </a:r>
+            <a:endParaRPr kumimoji="1" lang="ko-Kore-KR" altLang="en-US" sz="1200" dirty="0">
+              <a:solidFill>
+                <a:schemeClr val="tx1"/>
+              </a:solidFill>
+              <a:latin typeface="DM Mono" panose="020B0509040201040103" pitchFamily="49" charset="0"/>
+            </a:endParaRPr>
+          </a:p>
+        </p:txBody>
+      </p:sp>
+      <p:sp>
+        <p:nvSpPr>
+          <p:cNvPr id="15" name="TextBox 14">
+            <a:extLst>
+              <a:ext uri="{FF2B5EF4-FFF2-40B4-BE49-F238E27FC236}">
+                <a16:creationId xmlns:a16="http://schemas.microsoft.com/office/drawing/2014/main" id="{4A5B30D7-DF1A-7A85-9780-7220F2F65854}"/>
+              </a:ext>
+            </a:extLst>
+          </p:cNvPr>
+          <p:cNvSpPr txBox="1"/>
+          <p:nvPr/>
+        </p:nvSpPr>
+        <p:spPr>
+          <a:xfrm>
+            <a:off x="6605663" y="2284353"/>
+            <a:ext cx="384748" cy="369332"/>
+          </a:xfrm>
+          <a:prstGeom prst="rect">
+            <a:avLst/>
+          </a:prstGeom>
+          <a:noFill/>
+        </p:spPr>
+        <p:txBody>
+          <a:bodyPr wrap="square">
+            <a:spAutoFit/>
+          </a:bodyPr>
+          <a:lstStyle/>
+          <a:p>
+            <a:pPr algn="ctr"/>
+            <a:r>
+              <a:rPr kumimoji="1" lang="en-US" altLang="ko-Kore-KR" dirty="0">
+                <a:latin typeface="DM Mono" panose="020B0509040201040103" pitchFamily="49" charset="0"/>
+              </a:rPr>
+              <a:t>x</a:t>
+            </a:r>
+            <a:endParaRPr kumimoji="1" lang="ko-Kore-KR" altLang="en-US" dirty="0">
+              <a:solidFill>
+                <a:schemeClr val="tx1"/>
+              </a:solidFill>
+              <a:latin typeface="DM Mono" panose="020B0509040201040103" pitchFamily="49" charset="0"/>
+            </a:endParaRPr>
+          </a:p>
+        </p:txBody>
+      </p:sp>
+    </p:spTree>
+    <p:extLst>
+      <p:ext uri="{BB962C8B-B14F-4D97-AF65-F5344CB8AC3E}">
+        <p14:creationId xmlns:p14="http://schemas.microsoft.com/office/powerpoint/2010/main" val="3377731421"/>
+      </p:ext>
+    </p:extLst>
+  </p:cSld>
+  <p:clrMapOvr>
+    <a:masterClrMapping/>
+  </p:clrMapOvr>
+</p:sld>
+</file>
+
+<file path=ppt/slides/slide6.xml><?xml version="1.0" encoding="utf-8"?>
+<p:sld xmlns:a="http://schemas.openxmlformats.org/drawingml/2006/main" xmlns:r="http://schemas.openxmlformats.org/officeDocument/2006/relationships" xmlns:p="http://schemas.openxmlformats.org/presentationml/2006/main">
+  <p:cSld>
+    <p:spTree>
+      <p:nvGrpSpPr>
+        <p:cNvPr id="1" name=""/>
+        <p:cNvGrpSpPr/>
+        <p:nvPr/>
+      </p:nvGrpSpPr>
+      <p:grpSpPr>
+        <a:xfrm>
+          <a:off x="0" y="0"/>
+          <a:ext cx="0" cy="0"/>
+          <a:chOff x="0" y="0"/>
+          <a:chExt cx="0" cy="0"/>
+        </a:xfrm>
+      </p:grpSpPr>
+      <p:sp>
+        <p:nvSpPr>
+          <p:cNvPr id="9" name="직사각형 8">
+            <a:extLst>
+              <a:ext uri="{FF2B5EF4-FFF2-40B4-BE49-F238E27FC236}">
+                <a16:creationId xmlns:a16="http://schemas.microsoft.com/office/drawing/2014/main" id="{645973E7-6718-7E5F-89EE-A9CE51B4BA50}"/>
+              </a:ext>
+            </a:extLst>
+          </p:cNvPr>
+          <p:cNvSpPr/>
+          <p:nvPr/>
+        </p:nvSpPr>
+        <p:spPr>
+          <a:xfrm>
+            <a:off x="2555821" y="3429000"/>
+            <a:ext cx="2313482" cy="2263515"/>
+          </a:xfrm>
+          <a:prstGeom prst="rect">
+            <a:avLst/>
+          </a:prstGeom>
+          <a:solidFill>
+            <a:schemeClr val="bg1"/>
+          </a:solidFill>
+        </p:spPr>
+        <p:style>
+          <a:lnRef idx="2">
+            <a:schemeClr val="accent4">
+              <a:shade val="15000"/>
+            </a:schemeClr>
+          </a:lnRef>
+          <a:fillRef idx="1">
+            <a:schemeClr val="accent4"/>
+          </a:fillRef>
+          <a:effectRef idx="0">
+            <a:schemeClr val="accent4"/>
+          </a:effectRef>
+          <a:fontRef idx="minor">
+            <a:schemeClr val="lt1"/>
+          </a:fontRef>
+        </p:style>
+        <p:txBody>
+          <a:bodyPr rtlCol="0" anchor="ctr"/>
+          <a:lstStyle/>
+          <a:p>
+            <a:pPr algn="ctr"/>
+            <a:endParaRPr kumimoji="1" lang="ko-Kore-KR" altLang="en-US">
+              <a:solidFill>
+                <a:schemeClr val="tx1"/>
+              </a:solidFill>
+            </a:endParaRPr>
+          </a:p>
+        </p:txBody>
+      </p:sp>
+      <p:sp>
+        <p:nvSpPr>
+          <p:cNvPr id="5" name="TextBox 4">
+            <a:extLst>
+              <a:ext uri="{FF2B5EF4-FFF2-40B4-BE49-F238E27FC236}">
+                <a16:creationId xmlns:a16="http://schemas.microsoft.com/office/drawing/2014/main" id="{A4504D01-264D-0D29-4446-EED4E8FD5949}"/>
+              </a:ext>
+            </a:extLst>
+          </p:cNvPr>
+          <p:cNvSpPr txBox="1"/>
+          <p:nvPr/>
+        </p:nvSpPr>
+        <p:spPr>
+          <a:xfrm>
+            <a:off x="484681" y="216668"/>
+            <a:ext cx="6096000" cy="2462213"/>
+          </a:xfrm>
+          <a:prstGeom prst="rect">
+            <a:avLst/>
+          </a:prstGeom>
+          <a:noFill/>
+        </p:spPr>
+        <p:txBody>
+          <a:bodyPr wrap="square">
+            <a:spAutoFit/>
+          </a:bodyPr>
+          <a:lstStyle/>
+          <a:p>
+            <a:r>
+              <a:rPr lang="ko-Kore-KR" altLang="en-US" sz="1400" dirty="0">
+                <a:latin typeface="DM Mono" panose="020B0509040201040103" pitchFamily="49" charset="0"/>
+              </a:rPr>
+              <a:t>void Inc1(int x)</a:t>
+            </a:r>
+          </a:p>
+          <a:p>
+            <a:r>
+              <a:rPr lang="ko-Kore-KR" altLang="en-US" sz="1400" dirty="0">
+                <a:latin typeface="DM Mono" panose="020B0509040201040103" pitchFamily="49" charset="0"/>
+              </a:rPr>
+              <a:t>{</a:t>
+            </a:r>
+          </a:p>
+          <a:p>
+            <a:r>
+              <a:rPr lang="ko-Kore-KR" altLang="en-US" sz="1400" dirty="0">
+                <a:solidFill>
+                  <a:srgbClr val="FF0000"/>
+                </a:solidFill>
+                <a:latin typeface="DM Mono" panose="020B0509040201040103" pitchFamily="49" charset="0"/>
+              </a:rPr>
+              <a:t>    ++x;</a:t>
+            </a:r>
+          </a:p>
+          <a:p>
+            <a:r>
+              <a:rPr lang="ko-Kore-KR" altLang="en-US" sz="1400" dirty="0">
+                <a:latin typeface="DM Mono" panose="020B0509040201040103" pitchFamily="49" charset="0"/>
+              </a:rPr>
+              <a:t>}</a:t>
+            </a:r>
+          </a:p>
+          <a:p>
+            <a:endParaRPr lang="ko-Kore-KR" altLang="en-US" sz="1400" dirty="0">
+              <a:latin typeface="DM Mono" panose="020B0509040201040103" pitchFamily="49" charset="0"/>
+            </a:endParaRPr>
+          </a:p>
+          <a:p>
+            <a:r>
+              <a:rPr lang="ko-Kore-KR" altLang="en-US" sz="1400" dirty="0">
+                <a:latin typeface="DM Mono" panose="020B0509040201040103" pitchFamily="49" charset="0"/>
+              </a:rPr>
+              <a:t>int main(void)</a:t>
+            </a:r>
+          </a:p>
+          <a:p>
+            <a:r>
+              <a:rPr lang="ko-Kore-KR" altLang="en-US" sz="1400" dirty="0">
+                <a:latin typeface="DM Mono" panose="020B0509040201040103" pitchFamily="49" charset="0"/>
+              </a:rPr>
+              <a:t>{</a:t>
+            </a:r>
+          </a:p>
+          <a:p>
+            <a:r>
+              <a:rPr lang="ko-Kore-KR" altLang="en-US" sz="1400" dirty="0">
+                <a:latin typeface="DM Mono" panose="020B0509040201040103" pitchFamily="49" charset="0"/>
+              </a:rPr>
+              <a:t>    int n = 10;</a:t>
+            </a:r>
+          </a:p>
+          <a:p>
+            <a:r>
+              <a:rPr lang="ko-Kore-KR" altLang="en-US" sz="1400" dirty="0">
+                <a:latin typeface="DM Mono" panose="020B0509040201040103" pitchFamily="49" charset="0"/>
+              </a:rPr>
+              <a:t>    Inc1(n);</a:t>
+            </a:r>
+          </a:p>
+          <a:p>
+            <a:r>
+              <a:rPr lang="ko-Kore-KR" altLang="en-US" sz="1400" dirty="0">
+                <a:latin typeface="DM Mono" panose="020B0509040201040103" pitchFamily="49" charset="0"/>
+              </a:rPr>
+              <a:t>    cout &lt;&lt; n &lt;&lt; endl;</a:t>
+            </a:r>
+          </a:p>
+          <a:p>
+            <a:r>
+              <a:rPr lang="ko-Kore-KR" altLang="en-US" sz="1400" dirty="0">
+                <a:latin typeface="DM Mono" panose="020B0509040201040103" pitchFamily="49" charset="0"/>
+              </a:rPr>
+              <a:t>}</a:t>
+            </a:r>
+          </a:p>
+        </p:txBody>
+      </p:sp>
+      <p:sp>
+        <p:nvSpPr>
+          <p:cNvPr id="6" name="직사각형 5">
+            <a:extLst>
+              <a:ext uri="{FF2B5EF4-FFF2-40B4-BE49-F238E27FC236}">
+                <a16:creationId xmlns:a16="http://schemas.microsoft.com/office/drawing/2014/main" id="{9910AFF1-A1CE-7082-0552-BA4F11F70FEE}"/>
+              </a:ext>
+            </a:extLst>
+          </p:cNvPr>
+          <p:cNvSpPr/>
+          <p:nvPr/>
+        </p:nvSpPr>
+        <p:spPr>
+          <a:xfrm>
+            <a:off x="3327815" y="3802505"/>
+            <a:ext cx="769495" cy="419724"/>
+          </a:xfrm>
+          <a:prstGeom prst="rect">
+            <a:avLst/>
+          </a:prstGeom>
+        </p:spPr>
+        <p:style>
+          <a:lnRef idx="2">
+            <a:schemeClr val="accent4">
+              <a:shade val="15000"/>
+            </a:schemeClr>
+          </a:lnRef>
+          <a:fillRef idx="1">
+            <a:schemeClr val="accent4"/>
+          </a:fillRef>
+          <a:effectRef idx="0">
+            <a:schemeClr val="accent4"/>
+          </a:effectRef>
+          <a:fontRef idx="minor">
+            <a:schemeClr val="lt1"/>
+          </a:fontRef>
+        </p:style>
+        <p:txBody>
+          <a:bodyPr rtlCol="0" anchor="ctr"/>
+          <a:lstStyle/>
+          <a:p>
+            <a:pPr algn="ctr"/>
+            <a:r>
+              <a:rPr kumimoji="1" lang="en-US" altLang="ko-Kore-KR" sz="1200" dirty="0">
+                <a:solidFill>
+                  <a:schemeClr val="tx1"/>
+                </a:solidFill>
+                <a:latin typeface="DM Mono" panose="020B0509040201040103" pitchFamily="49" charset="0"/>
+              </a:rPr>
+              <a:t>10</a:t>
+            </a:r>
+            <a:endParaRPr kumimoji="1" lang="ko-Kore-KR" altLang="en-US" sz="1200" dirty="0">
+              <a:solidFill>
+                <a:schemeClr val="tx1"/>
+              </a:solidFill>
+              <a:latin typeface="DM Mono" panose="020B0509040201040103" pitchFamily="49" charset="0"/>
+            </a:endParaRPr>
+          </a:p>
+        </p:txBody>
+      </p:sp>
+      <p:sp>
+        <p:nvSpPr>
+          <p:cNvPr id="7" name="TextBox 6">
+            <a:extLst>
+              <a:ext uri="{FF2B5EF4-FFF2-40B4-BE49-F238E27FC236}">
+                <a16:creationId xmlns:a16="http://schemas.microsoft.com/office/drawing/2014/main" id="{EC601A8E-20A8-32D3-34D5-9A15DC9379CA}"/>
+              </a:ext>
+            </a:extLst>
+          </p:cNvPr>
+          <p:cNvSpPr txBox="1"/>
+          <p:nvPr/>
+        </p:nvSpPr>
+        <p:spPr>
+          <a:xfrm>
+            <a:off x="2983042" y="3827701"/>
+            <a:ext cx="384748" cy="369332"/>
+          </a:xfrm>
+          <a:prstGeom prst="rect">
+            <a:avLst/>
+          </a:prstGeom>
+          <a:noFill/>
+        </p:spPr>
+        <p:txBody>
+          <a:bodyPr wrap="square">
+            <a:spAutoFit/>
+          </a:bodyPr>
+          <a:lstStyle/>
+          <a:p>
+            <a:pPr algn="ctr"/>
+            <a:r>
+              <a:rPr kumimoji="1" lang="en-US" altLang="ko-Kore-KR" dirty="0">
+                <a:latin typeface="DM Mono" panose="020B0509040201040103" pitchFamily="49" charset="0"/>
+              </a:rPr>
+              <a:t>n</a:t>
+            </a:r>
+            <a:endParaRPr kumimoji="1" lang="ko-Kore-KR" altLang="en-US" dirty="0">
+              <a:solidFill>
+                <a:schemeClr val="tx1"/>
+              </a:solidFill>
+              <a:latin typeface="DM Mono" panose="020B0509040201040103" pitchFamily="49" charset="0"/>
+            </a:endParaRPr>
+          </a:p>
+        </p:txBody>
+      </p:sp>
+      <p:sp>
+        <p:nvSpPr>
+          <p:cNvPr id="8" name="TextBox 7">
+            <a:extLst>
+              <a:ext uri="{FF2B5EF4-FFF2-40B4-BE49-F238E27FC236}">
+                <a16:creationId xmlns:a16="http://schemas.microsoft.com/office/drawing/2014/main" id="{5A8232C2-C6C9-D39F-DBC9-D2ED584E8920}"/>
+              </a:ext>
+            </a:extLst>
+          </p:cNvPr>
+          <p:cNvSpPr txBox="1"/>
+          <p:nvPr/>
+        </p:nvSpPr>
+        <p:spPr>
+          <a:xfrm>
+            <a:off x="2983042" y="3553493"/>
+            <a:ext cx="769495" cy="261610"/>
+          </a:xfrm>
+          <a:prstGeom prst="rect">
+            <a:avLst/>
+          </a:prstGeom>
+          <a:noFill/>
+        </p:spPr>
+        <p:txBody>
+          <a:bodyPr wrap="square">
+            <a:spAutoFit/>
+          </a:bodyPr>
+          <a:lstStyle/>
+          <a:p>
+            <a:r>
+              <a:rPr kumimoji="1" lang="en-US" altLang="ko-Kore-KR" sz="1050" dirty="0">
+                <a:solidFill>
+                  <a:schemeClr val="tx1"/>
+                </a:solidFill>
+                <a:latin typeface="DM Mono" panose="020B0509040201040103" pitchFamily="49" charset="0"/>
+              </a:rPr>
+              <a:t>0x100</a:t>
+            </a:r>
+            <a:endParaRPr lang="ko-Kore-KR" altLang="en-US" sz="1050" dirty="0">
+              <a:latin typeface="DM Mono" panose="020B0509040201040103" pitchFamily="49" charset="0"/>
+            </a:endParaRPr>
+          </a:p>
+        </p:txBody>
+      </p:sp>
+      <p:sp>
+        <p:nvSpPr>
+          <p:cNvPr id="11" name="TextBox 10">
+            <a:extLst>
+              <a:ext uri="{FF2B5EF4-FFF2-40B4-BE49-F238E27FC236}">
+                <a16:creationId xmlns:a16="http://schemas.microsoft.com/office/drawing/2014/main" id="{F177BB29-1FF6-60DA-3B98-8770C7C18E9F}"/>
+              </a:ext>
+            </a:extLst>
+          </p:cNvPr>
+          <p:cNvSpPr txBox="1"/>
+          <p:nvPr/>
+        </p:nvSpPr>
+        <p:spPr>
+          <a:xfrm>
+            <a:off x="2733206" y="3145702"/>
+            <a:ext cx="1821303" cy="276999"/>
+          </a:xfrm>
+          <a:prstGeom prst="rect">
+            <a:avLst/>
+          </a:prstGeom>
+          <a:noFill/>
+        </p:spPr>
+        <p:txBody>
+          <a:bodyPr wrap="square">
+            <a:spAutoFit/>
+          </a:bodyPr>
+          <a:lstStyle/>
+          <a:p>
+            <a:pPr algn="ctr"/>
+            <a:r>
+              <a:rPr lang="ko-Kore-KR" altLang="en-US" sz="1200" dirty="0">
+                <a:latin typeface="DM Mono" panose="020B0509040201040103" pitchFamily="49" charset="0"/>
+              </a:rPr>
+              <a:t>main</a:t>
+            </a:r>
+          </a:p>
+        </p:txBody>
+      </p:sp>
+      <p:sp>
+        <p:nvSpPr>
+          <p:cNvPr id="12" name="직사각형 11">
+            <a:extLst>
+              <a:ext uri="{FF2B5EF4-FFF2-40B4-BE49-F238E27FC236}">
+                <a16:creationId xmlns:a16="http://schemas.microsoft.com/office/drawing/2014/main" id="{27BE137A-E34C-90BA-13A1-2E337045D80A}"/>
+              </a:ext>
+            </a:extLst>
+          </p:cNvPr>
+          <p:cNvSpPr/>
+          <p:nvPr/>
+        </p:nvSpPr>
+        <p:spPr>
+          <a:xfrm>
+            <a:off x="6335840" y="2063832"/>
+            <a:ext cx="2313482" cy="2263515"/>
+          </a:xfrm>
+          <a:prstGeom prst="rect">
+            <a:avLst/>
+          </a:prstGeom>
+          <a:solidFill>
+            <a:schemeClr val="bg1"/>
+          </a:solidFill>
+        </p:spPr>
+        <p:style>
+          <a:lnRef idx="2">
+            <a:schemeClr val="accent4">
+              <a:shade val="15000"/>
+            </a:schemeClr>
+          </a:lnRef>
+          <a:fillRef idx="1">
+            <a:schemeClr val="accent4"/>
+          </a:fillRef>
+          <a:effectRef idx="0">
+            <a:schemeClr val="accent4"/>
+          </a:effectRef>
+          <a:fontRef idx="minor">
+            <a:schemeClr val="lt1"/>
+          </a:fontRef>
+        </p:style>
+        <p:txBody>
+          <a:bodyPr rtlCol="0" anchor="ctr"/>
+          <a:lstStyle/>
+          <a:p>
+            <a:pPr algn="ctr"/>
+            <a:endParaRPr kumimoji="1" lang="ko-Kore-KR" altLang="en-US">
+              <a:solidFill>
+                <a:schemeClr val="tx1"/>
+              </a:solidFill>
+            </a:endParaRPr>
+          </a:p>
+        </p:txBody>
+      </p:sp>
+      <p:sp>
+        <p:nvSpPr>
+          <p:cNvPr id="13" name="TextBox 12">
+            <a:extLst>
+              <a:ext uri="{FF2B5EF4-FFF2-40B4-BE49-F238E27FC236}">
+                <a16:creationId xmlns:a16="http://schemas.microsoft.com/office/drawing/2014/main" id="{7B752333-3289-4F61-3177-D4C26D630168}"/>
+              </a:ext>
+            </a:extLst>
+          </p:cNvPr>
+          <p:cNvSpPr txBox="1"/>
+          <p:nvPr/>
+        </p:nvSpPr>
+        <p:spPr>
+          <a:xfrm>
+            <a:off x="6513225" y="1780534"/>
+            <a:ext cx="1821303" cy="276999"/>
+          </a:xfrm>
+          <a:prstGeom prst="rect">
+            <a:avLst/>
+          </a:prstGeom>
+          <a:noFill/>
+        </p:spPr>
+        <p:txBody>
+          <a:bodyPr wrap="square">
+            <a:spAutoFit/>
+          </a:bodyPr>
+          <a:lstStyle/>
+          <a:p>
+            <a:pPr algn="ctr"/>
+            <a:r>
+              <a:rPr lang="en-US" altLang="ko-Kore-KR" sz="1200" dirty="0">
+                <a:latin typeface="DM Mono" panose="020B0509040201040103" pitchFamily="49" charset="0"/>
+              </a:rPr>
+              <a:t>Inc1</a:t>
+            </a:r>
+            <a:endParaRPr lang="ko-Kore-KR" altLang="en-US" sz="1200" dirty="0">
+              <a:latin typeface="DM Mono" panose="020B0509040201040103" pitchFamily="49" charset="0"/>
+            </a:endParaRPr>
+          </a:p>
+        </p:txBody>
+      </p:sp>
+      <p:sp>
+        <p:nvSpPr>
+          <p:cNvPr id="14" name="직사각형 13">
+            <a:extLst>
+              <a:ext uri="{FF2B5EF4-FFF2-40B4-BE49-F238E27FC236}">
+                <a16:creationId xmlns:a16="http://schemas.microsoft.com/office/drawing/2014/main" id="{97342C2C-57A6-EF4A-D4C4-23D5CFCE7FFF}"/>
+              </a:ext>
+            </a:extLst>
+          </p:cNvPr>
+          <p:cNvSpPr/>
+          <p:nvPr/>
+        </p:nvSpPr>
+        <p:spPr>
+          <a:xfrm>
+            <a:off x="6950436" y="2259157"/>
+            <a:ext cx="769495" cy="419724"/>
+          </a:xfrm>
+          <a:prstGeom prst="rect">
+            <a:avLst/>
+          </a:prstGeom>
+        </p:spPr>
+        <p:style>
+          <a:lnRef idx="2">
+            <a:schemeClr val="accent4">
+              <a:shade val="15000"/>
+            </a:schemeClr>
+          </a:lnRef>
+          <a:fillRef idx="1">
+            <a:schemeClr val="accent4"/>
+          </a:fillRef>
+          <a:effectRef idx="0">
+            <a:schemeClr val="accent4"/>
+          </a:effectRef>
+          <a:fontRef idx="minor">
+            <a:schemeClr val="lt1"/>
+          </a:fontRef>
+        </p:style>
+        <p:txBody>
+          <a:bodyPr rtlCol="0" anchor="ctr"/>
+          <a:lstStyle/>
+          <a:p>
+            <a:pPr algn="ctr"/>
+            <a:r>
+              <a:rPr kumimoji="1" lang="en-US" altLang="ko-Kore-KR" sz="1200" dirty="0">
+                <a:solidFill>
+                  <a:srgbClr val="FF0000"/>
+                </a:solidFill>
+                <a:latin typeface="DM Mono" panose="020B0509040201040103" pitchFamily="49" charset="0"/>
+              </a:rPr>
+              <a:t>11</a:t>
+            </a:r>
+            <a:endParaRPr kumimoji="1" lang="ko-Kore-KR" altLang="en-US" sz="1200" dirty="0">
+              <a:solidFill>
+                <a:srgbClr val="FF0000"/>
+              </a:solidFill>
+              <a:latin typeface="DM Mono" panose="020B0509040201040103" pitchFamily="49" charset="0"/>
+            </a:endParaRPr>
+          </a:p>
+        </p:txBody>
+      </p:sp>
+      <p:sp>
+        <p:nvSpPr>
+          <p:cNvPr id="15" name="TextBox 14">
+            <a:extLst>
+              <a:ext uri="{FF2B5EF4-FFF2-40B4-BE49-F238E27FC236}">
+                <a16:creationId xmlns:a16="http://schemas.microsoft.com/office/drawing/2014/main" id="{4A5B30D7-DF1A-7A85-9780-7220F2F65854}"/>
+              </a:ext>
+            </a:extLst>
+          </p:cNvPr>
+          <p:cNvSpPr txBox="1"/>
+          <p:nvPr/>
+        </p:nvSpPr>
+        <p:spPr>
+          <a:xfrm>
+            <a:off x="6605663" y="2284353"/>
+            <a:ext cx="384748" cy="369332"/>
+          </a:xfrm>
+          <a:prstGeom prst="rect">
+            <a:avLst/>
+          </a:prstGeom>
+          <a:noFill/>
+        </p:spPr>
+        <p:txBody>
+          <a:bodyPr wrap="square">
+            <a:spAutoFit/>
+          </a:bodyPr>
+          <a:lstStyle/>
+          <a:p>
+            <a:pPr algn="ctr"/>
+            <a:r>
+              <a:rPr kumimoji="1" lang="en-US" altLang="ko-Kore-KR" dirty="0">
+                <a:latin typeface="DM Mono" panose="020B0509040201040103" pitchFamily="49" charset="0"/>
+              </a:rPr>
+              <a:t>x</a:t>
+            </a:r>
+            <a:endParaRPr kumimoji="1" lang="ko-Kore-KR" altLang="en-US" dirty="0">
+              <a:solidFill>
+                <a:schemeClr val="tx1"/>
+              </a:solidFill>
+              <a:latin typeface="DM Mono" panose="020B0509040201040103" pitchFamily="49" charset="0"/>
+            </a:endParaRPr>
+          </a:p>
+        </p:txBody>
+      </p:sp>
+    </p:spTree>
+    <p:extLst>
+      <p:ext uri="{BB962C8B-B14F-4D97-AF65-F5344CB8AC3E}">
+        <p14:creationId xmlns:p14="http://schemas.microsoft.com/office/powerpoint/2010/main" val="4170357558"/>
+      </p:ext>
+    </p:extLst>
+  </p:cSld>
+  <p:clrMapOvr>
+    <a:masterClrMapping/>
+  </p:clrMapOvr>
+</p:sld>
+</file>
+
+<file path=ppt/slides/slide7.xml><?xml version="1.0" encoding="utf-8"?>
+<p:sld xmlns:a="http://schemas.openxmlformats.org/drawingml/2006/main" xmlns:r="http://schemas.openxmlformats.org/officeDocument/2006/relationships" xmlns:p="http://schemas.openxmlformats.org/presentationml/2006/main">
+  <p:cSld>
+    <p:spTree>
+      <p:nvGrpSpPr>
+        <p:cNvPr id="1" name=""/>
+        <p:cNvGrpSpPr/>
+        <p:nvPr/>
+      </p:nvGrpSpPr>
+      <p:grpSpPr>
+        <a:xfrm>
+          <a:off x="0" y="0"/>
+          <a:ext cx="0" cy="0"/>
+          <a:chOff x="0" y="0"/>
+          <a:chExt cx="0" cy="0"/>
+        </a:xfrm>
+      </p:grpSpPr>
+      <p:sp>
+        <p:nvSpPr>
+          <p:cNvPr id="9" name="직사각형 8">
+            <a:extLst>
+              <a:ext uri="{FF2B5EF4-FFF2-40B4-BE49-F238E27FC236}">
+                <a16:creationId xmlns:a16="http://schemas.microsoft.com/office/drawing/2014/main" id="{645973E7-6718-7E5F-89EE-A9CE51B4BA50}"/>
+              </a:ext>
+            </a:extLst>
+          </p:cNvPr>
+          <p:cNvSpPr/>
+          <p:nvPr/>
+        </p:nvSpPr>
+        <p:spPr>
+          <a:xfrm>
+            <a:off x="2555821" y="3429000"/>
+            <a:ext cx="2313482" cy="2263515"/>
+          </a:xfrm>
+          <a:prstGeom prst="rect">
+            <a:avLst/>
+          </a:prstGeom>
+          <a:solidFill>
+            <a:schemeClr val="bg1"/>
+          </a:solidFill>
+        </p:spPr>
+        <p:style>
+          <a:lnRef idx="2">
+            <a:schemeClr val="accent4">
+              <a:shade val="15000"/>
+            </a:schemeClr>
+          </a:lnRef>
+          <a:fillRef idx="1">
+            <a:schemeClr val="accent4"/>
+          </a:fillRef>
+          <a:effectRef idx="0">
+            <a:schemeClr val="accent4"/>
+          </a:effectRef>
+          <a:fontRef idx="minor">
+            <a:schemeClr val="lt1"/>
+          </a:fontRef>
+        </p:style>
+        <p:txBody>
+          <a:bodyPr rtlCol="0" anchor="ctr"/>
+          <a:lstStyle/>
+          <a:p>
+            <a:pPr algn="ctr"/>
+            <a:endParaRPr kumimoji="1" lang="ko-Kore-KR" altLang="en-US">
+              <a:solidFill>
+                <a:schemeClr val="tx1"/>
+              </a:solidFill>
+            </a:endParaRPr>
+          </a:p>
+        </p:txBody>
+      </p:sp>
+      <p:sp>
+        <p:nvSpPr>
+          <p:cNvPr id="5" name="TextBox 4">
+            <a:extLst>
+              <a:ext uri="{FF2B5EF4-FFF2-40B4-BE49-F238E27FC236}">
+                <a16:creationId xmlns:a16="http://schemas.microsoft.com/office/drawing/2014/main" id="{A4504D01-264D-0D29-4446-EED4E8FD5949}"/>
+              </a:ext>
+            </a:extLst>
+          </p:cNvPr>
+          <p:cNvSpPr txBox="1"/>
+          <p:nvPr/>
+        </p:nvSpPr>
+        <p:spPr>
+          <a:xfrm>
+            <a:off x="484681" y="216668"/>
+            <a:ext cx="6096000" cy="2677656"/>
+          </a:xfrm>
+          <a:prstGeom prst="rect">
+            <a:avLst/>
+          </a:prstGeom>
+          <a:noFill/>
+        </p:spPr>
+        <p:txBody>
+          <a:bodyPr wrap="square">
+            <a:spAutoFit/>
+          </a:bodyPr>
+          <a:lstStyle/>
+          <a:p>
+            <a:r>
+              <a:rPr lang="en" altLang="ko-Kore-KR" sz="1400" dirty="0">
+                <a:latin typeface="DM Mono" panose="020B0509040201040103" pitchFamily="49" charset="0"/>
+              </a:rPr>
+              <a:t>void Inc2(int* </a:t>
+            </a:r>
+            <a:r>
+              <a:rPr lang="en" altLang="ko-Kore-KR" sz="1400" dirty="0" err="1">
+                <a:latin typeface="DM Mono" panose="020B0509040201040103" pitchFamily="49" charset="0"/>
+              </a:rPr>
+              <a:t>px</a:t>
+            </a:r>
+            <a:r>
+              <a:rPr lang="en" altLang="ko-Kore-KR" sz="1400" dirty="0">
+                <a:latin typeface="DM Mono" panose="020B0509040201040103" pitchFamily="49" charset="0"/>
+              </a:rPr>
+              <a:t>)</a:t>
+            </a:r>
+          </a:p>
+          <a:p>
+            <a:r>
+              <a:rPr lang="en" altLang="ko-Kore-KR" sz="1400" dirty="0">
+                <a:latin typeface="DM Mono" panose="020B0509040201040103" pitchFamily="49" charset="0"/>
+              </a:rPr>
+              <a:t>{</a:t>
+            </a:r>
+          </a:p>
+          <a:p>
+            <a:r>
+              <a:rPr lang="en" altLang="ko-Kore-KR" sz="1400" dirty="0">
+                <a:latin typeface="DM Mono" panose="020B0509040201040103" pitchFamily="49" charset="0"/>
+              </a:rPr>
+              <a:t>    ++(*</a:t>
+            </a:r>
+            <a:r>
+              <a:rPr lang="en" altLang="ko-Kore-KR" sz="1400" dirty="0" err="1">
+                <a:latin typeface="DM Mono" panose="020B0509040201040103" pitchFamily="49" charset="0"/>
+              </a:rPr>
+              <a:t>px</a:t>
+            </a:r>
+            <a:r>
+              <a:rPr lang="en" altLang="ko-Kore-KR" sz="1400" dirty="0">
+                <a:latin typeface="DM Mono" panose="020B0509040201040103" pitchFamily="49" charset="0"/>
+              </a:rPr>
+              <a:t>);</a:t>
+            </a:r>
+          </a:p>
+          <a:p>
+            <a:r>
+              <a:rPr lang="en" altLang="ko-Kore-KR" sz="1400" dirty="0">
+                <a:latin typeface="DM Mono" panose="020B0509040201040103" pitchFamily="49" charset="0"/>
+              </a:rPr>
+              <a:t>}</a:t>
+            </a:r>
+          </a:p>
+          <a:p>
+            <a:endParaRPr lang="en" altLang="ko-Kore-KR" sz="1400" dirty="0">
+              <a:latin typeface="DM Mono" panose="020B0509040201040103" pitchFamily="49" charset="0"/>
+            </a:endParaRPr>
+          </a:p>
+          <a:p>
+            <a:r>
+              <a:rPr lang="en" altLang="ko-Kore-KR" sz="1400" dirty="0">
+                <a:latin typeface="DM Mono" panose="020B0509040201040103" pitchFamily="49" charset="0"/>
+              </a:rPr>
+              <a:t>int main(void)</a:t>
+            </a:r>
+          </a:p>
+          <a:p>
+            <a:r>
+              <a:rPr lang="en" altLang="ko-Kore-KR" sz="1400" dirty="0">
+                <a:latin typeface="DM Mono" panose="020B0509040201040103" pitchFamily="49" charset="0"/>
+              </a:rPr>
+              <a:t>{</a:t>
+            </a:r>
+          </a:p>
+          <a:p>
+            <a:r>
+              <a:rPr lang="en" altLang="ko-Kore-KR" sz="1400" dirty="0">
+                <a:latin typeface="DM Mono" panose="020B0509040201040103" pitchFamily="49" charset="0"/>
+              </a:rPr>
+              <a:t>    int n = 10;</a:t>
+            </a:r>
+          </a:p>
+          <a:p>
+            <a:endParaRPr lang="en" altLang="ko-Kore-KR" sz="1400" dirty="0">
+              <a:latin typeface="DM Mono" panose="020B0509040201040103" pitchFamily="49" charset="0"/>
+            </a:endParaRPr>
+          </a:p>
+          <a:p>
+            <a:r>
+              <a:rPr lang="en" altLang="ko-Kore-KR" sz="1400" dirty="0">
+                <a:solidFill>
+                  <a:srgbClr val="FF0000"/>
+                </a:solidFill>
+                <a:latin typeface="DM Mono" panose="020B0509040201040103" pitchFamily="49" charset="0"/>
+              </a:rPr>
+              <a:t>    Inc2(&amp;n);</a:t>
+            </a:r>
+          </a:p>
+          <a:p>
+            <a:r>
+              <a:rPr lang="en" altLang="ko-Kore-KR" sz="1400" dirty="0">
+                <a:latin typeface="DM Mono" panose="020B0509040201040103" pitchFamily="49" charset="0"/>
+              </a:rPr>
+              <a:t>    </a:t>
+            </a:r>
+            <a:r>
+              <a:rPr lang="en" altLang="ko-Kore-KR" sz="1400" dirty="0" err="1">
+                <a:latin typeface="DM Mono" panose="020B0509040201040103" pitchFamily="49" charset="0"/>
+              </a:rPr>
+              <a:t>cout</a:t>
+            </a:r>
+            <a:r>
+              <a:rPr lang="en" altLang="ko-Kore-KR" sz="1400" dirty="0">
+                <a:latin typeface="DM Mono" panose="020B0509040201040103" pitchFamily="49" charset="0"/>
+              </a:rPr>
+              <a:t> &lt;&lt; n &lt;&lt; </a:t>
+            </a:r>
+            <a:r>
+              <a:rPr lang="en" altLang="ko-Kore-KR" sz="1400" dirty="0" err="1">
+                <a:latin typeface="DM Mono" panose="020B0509040201040103" pitchFamily="49" charset="0"/>
+              </a:rPr>
+              <a:t>endl</a:t>
+            </a:r>
+            <a:r>
+              <a:rPr lang="en" altLang="ko-Kore-KR" sz="1400" dirty="0">
+                <a:latin typeface="DM Mono" panose="020B0509040201040103" pitchFamily="49" charset="0"/>
+              </a:rPr>
+              <a:t>;</a:t>
+            </a:r>
+          </a:p>
+          <a:p>
+            <a:r>
+              <a:rPr lang="en" altLang="ko-Kore-KR" sz="1400" dirty="0">
+                <a:latin typeface="DM Mono" panose="020B0509040201040103" pitchFamily="49" charset="0"/>
+              </a:rPr>
+              <a:t>}</a:t>
+            </a:r>
+          </a:p>
+        </p:txBody>
+      </p:sp>
+      <p:sp>
+        <p:nvSpPr>
+          <p:cNvPr id="6" name="직사각형 5">
+            <a:extLst>
+              <a:ext uri="{FF2B5EF4-FFF2-40B4-BE49-F238E27FC236}">
+                <a16:creationId xmlns:a16="http://schemas.microsoft.com/office/drawing/2014/main" id="{9910AFF1-A1CE-7082-0552-BA4F11F70FEE}"/>
+              </a:ext>
+            </a:extLst>
+          </p:cNvPr>
+          <p:cNvSpPr/>
+          <p:nvPr/>
+        </p:nvSpPr>
+        <p:spPr>
+          <a:xfrm>
+            <a:off x="3327815" y="3802505"/>
+            <a:ext cx="769495" cy="419724"/>
+          </a:xfrm>
+          <a:prstGeom prst="rect">
+            <a:avLst/>
+          </a:prstGeom>
+        </p:spPr>
+        <p:style>
+          <a:lnRef idx="2">
+            <a:schemeClr val="accent4">
+              <a:shade val="15000"/>
+            </a:schemeClr>
+          </a:lnRef>
+          <a:fillRef idx="1">
+            <a:schemeClr val="accent4"/>
+          </a:fillRef>
+          <a:effectRef idx="0">
+            <a:schemeClr val="accent4"/>
+          </a:effectRef>
+          <a:fontRef idx="minor">
+            <a:schemeClr val="lt1"/>
+          </a:fontRef>
+        </p:style>
+        <p:txBody>
+          <a:bodyPr rtlCol="0" anchor="ctr"/>
+          <a:lstStyle/>
+          <a:p>
+            <a:pPr algn="ctr"/>
+            <a:r>
+              <a:rPr kumimoji="1" lang="en-US" altLang="ko-Kore-KR" sz="1200" dirty="0">
+                <a:solidFill>
+                  <a:schemeClr val="tx1"/>
+                </a:solidFill>
+                <a:latin typeface="DM Mono" panose="020B0509040201040103" pitchFamily="49" charset="0"/>
+              </a:rPr>
+              <a:t>10</a:t>
+            </a:r>
+            <a:endParaRPr kumimoji="1" lang="ko-Kore-KR" altLang="en-US" sz="1200" dirty="0">
+              <a:solidFill>
+                <a:schemeClr val="tx1"/>
+              </a:solidFill>
+              <a:latin typeface="DM Mono" panose="020B0509040201040103" pitchFamily="49" charset="0"/>
+            </a:endParaRPr>
+          </a:p>
+        </p:txBody>
+      </p:sp>
+      <p:sp>
+        <p:nvSpPr>
+          <p:cNvPr id="7" name="TextBox 6">
+            <a:extLst>
+              <a:ext uri="{FF2B5EF4-FFF2-40B4-BE49-F238E27FC236}">
+                <a16:creationId xmlns:a16="http://schemas.microsoft.com/office/drawing/2014/main" id="{EC601A8E-20A8-32D3-34D5-9A15DC9379CA}"/>
+              </a:ext>
+            </a:extLst>
+          </p:cNvPr>
+          <p:cNvSpPr txBox="1"/>
+          <p:nvPr/>
+        </p:nvSpPr>
+        <p:spPr>
+          <a:xfrm>
+            <a:off x="2983042" y="3827701"/>
+            <a:ext cx="384748" cy="369332"/>
+          </a:xfrm>
+          <a:prstGeom prst="rect">
+            <a:avLst/>
+          </a:prstGeom>
+          <a:noFill/>
+        </p:spPr>
+        <p:txBody>
+          <a:bodyPr wrap="square">
+            <a:spAutoFit/>
+          </a:bodyPr>
+          <a:lstStyle/>
+          <a:p>
+            <a:pPr algn="ctr"/>
+            <a:r>
+              <a:rPr kumimoji="1" lang="en-US" altLang="ko-Kore-KR" dirty="0">
+                <a:latin typeface="DM Mono" panose="020B0509040201040103" pitchFamily="49" charset="0"/>
+              </a:rPr>
+              <a:t>n</a:t>
+            </a:r>
+            <a:endParaRPr kumimoji="1" lang="ko-Kore-KR" altLang="en-US" dirty="0">
+              <a:solidFill>
+                <a:schemeClr val="tx1"/>
+              </a:solidFill>
+              <a:latin typeface="DM Mono" panose="020B0509040201040103" pitchFamily="49" charset="0"/>
+            </a:endParaRPr>
+          </a:p>
+        </p:txBody>
+      </p:sp>
+      <p:sp>
+        <p:nvSpPr>
+          <p:cNvPr id="8" name="TextBox 7">
+            <a:extLst>
+              <a:ext uri="{FF2B5EF4-FFF2-40B4-BE49-F238E27FC236}">
+                <a16:creationId xmlns:a16="http://schemas.microsoft.com/office/drawing/2014/main" id="{5A8232C2-C6C9-D39F-DBC9-D2ED584E8920}"/>
+              </a:ext>
+            </a:extLst>
+          </p:cNvPr>
+          <p:cNvSpPr txBox="1"/>
+          <p:nvPr/>
+        </p:nvSpPr>
+        <p:spPr>
+          <a:xfrm>
+            <a:off x="2983042" y="3553493"/>
+            <a:ext cx="769495" cy="261610"/>
+          </a:xfrm>
+          <a:prstGeom prst="rect">
+            <a:avLst/>
+          </a:prstGeom>
+          <a:noFill/>
+        </p:spPr>
+        <p:txBody>
+          <a:bodyPr wrap="square">
+            <a:spAutoFit/>
+          </a:bodyPr>
+          <a:lstStyle/>
+          <a:p>
+            <a:r>
+              <a:rPr kumimoji="1" lang="en-US" altLang="ko-Kore-KR" sz="1050" dirty="0">
+                <a:solidFill>
+                  <a:srgbClr val="FF0000"/>
+                </a:solidFill>
+                <a:latin typeface="DM Mono" panose="020B0509040201040103" pitchFamily="49" charset="0"/>
+              </a:rPr>
+              <a:t>0x100</a:t>
+            </a:r>
+            <a:endParaRPr lang="ko-Kore-KR" altLang="en-US" sz="1050" dirty="0">
+              <a:solidFill>
+                <a:srgbClr val="FF0000"/>
+              </a:solidFill>
+              <a:latin typeface="DM Mono" panose="020B0509040201040103" pitchFamily="49" charset="0"/>
+            </a:endParaRPr>
+          </a:p>
+        </p:txBody>
+      </p:sp>
+      <p:sp>
+        <p:nvSpPr>
+          <p:cNvPr id="11" name="TextBox 10">
+            <a:extLst>
+              <a:ext uri="{FF2B5EF4-FFF2-40B4-BE49-F238E27FC236}">
+                <a16:creationId xmlns:a16="http://schemas.microsoft.com/office/drawing/2014/main" id="{F177BB29-1FF6-60DA-3B98-8770C7C18E9F}"/>
+              </a:ext>
+            </a:extLst>
+          </p:cNvPr>
+          <p:cNvSpPr txBox="1"/>
+          <p:nvPr/>
+        </p:nvSpPr>
+        <p:spPr>
+          <a:xfrm>
+            <a:off x="2733206" y="3145702"/>
+            <a:ext cx="1821303" cy="276999"/>
+          </a:xfrm>
+          <a:prstGeom prst="rect">
+            <a:avLst/>
+          </a:prstGeom>
+          <a:noFill/>
+        </p:spPr>
+        <p:txBody>
+          <a:bodyPr wrap="square">
+            <a:spAutoFit/>
+          </a:bodyPr>
+          <a:lstStyle/>
+          <a:p>
+            <a:pPr algn="ctr"/>
+            <a:r>
+              <a:rPr lang="ko-Kore-KR" altLang="en-US" sz="1200" dirty="0">
+                <a:latin typeface="DM Mono" panose="020B0509040201040103" pitchFamily="49" charset="0"/>
+              </a:rPr>
+              <a:t>main</a:t>
+            </a:r>
+          </a:p>
+        </p:txBody>
+      </p:sp>
+      <p:sp>
+        <p:nvSpPr>
+          <p:cNvPr id="12" name="직사각형 11">
+            <a:extLst>
+              <a:ext uri="{FF2B5EF4-FFF2-40B4-BE49-F238E27FC236}">
+                <a16:creationId xmlns:a16="http://schemas.microsoft.com/office/drawing/2014/main" id="{27BE137A-E34C-90BA-13A1-2E337045D80A}"/>
+              </a:ext>
+            </a:extLst>
+          </p:cNvPr>
+          <p:cNvSpPr/>
+          <p:nvPr/>
+        </p:nvSpPr>
+        <p:spPr>
+          <a:xfrm>
+            <a:off x="6335840" y="2063832"/>
+            <a:ext cx="2313482" cy="2263515"/>
+          </a:xfrm>
+          <a:prstGeom prst="rect">
+            <a:avLst/>
+          </a:prstGeom>
+          <a:solidFill>
+            <a:schemeClr val="bg1"/>
+          </a:solidFill>
+        </p:spPr>
+        <p:style>
+          <a:lnRef idx="2">
+            <a:schemeClr val="accent4">
+              <a:shade val="15000"/>
+            </a:schemeClr>
+          </a:lnRef>
+          <a:fillRef idx="1">
+            <a:schemeClr val="accent4"/>
+          </a:fillRef>
+          <a:effectRef idx="0">
+            <a:schemeClr val="accent4"/>
+          </a:effectRef>
+          <a:fontRef idx="minor">
+            <a:schemeClr val="lt1"/>
+          </a:fontRef>
+        </p:style>
+        <p:txBody>
+          <a:bodyPr rtlCol="0" anchor="ctr"/>
+          <a:lstStyle/>
+          <a:p>
+            <a:pPr algn="ctr"/>
+            <a:endParaRPr kumimoji="1" lang="ko-Kore-KR" altLang="en-US">
+              <a:solidFill>
+                <a:schemeClr val="tx1"/>
+              </a:solidFill>
+            </a:endParaRPr>
+          </a:p>
+        </p:txBody>
+      </p:sp>
+      <p:sp>
+        <p:nvSpPr>
+          <p:cNvPr id="13" name="TextBox 12">
+            <a:extLst>
+              <a:ext uri="{FF2B5EF4-FFF2-40B4-BE49-F238E27FC236}">
+                <a16:creationId xmlns:a16="http://schemas.microsoft.com/office/drawing/2014/main" id="{7B752333-3289-4F61-3177-D4C26D630168}"/>
+              </a:ext>
+            </a:extLst>
+          </p:cNvPr>
+          <p:cNvSpPr txBox="1"/>
+          <p:nvPr/>
+        </p:nvSpPr>
+        <p:spPr>
+          <a:xfrm>
+            <a:off x="6513225" y="1780534"/>
+            <a:ext cx="1821303" cy="276999"/>
+          </a:xfrm>
+          <a:prstGeom prst="rect">
+            <a:avLst/>
+          </a:prstGeom>
+          <a:noFill/>
+        </p:spPr>
+        <p:txBody>
+          <a:bodyPr wrap="square">
+            <a:spAutoFit/>
+          </a:bodyPr>
+          <a:lstStyle/>
+          <a:p>
+            <a:pPr algn="ctr"/>
+            <a:r>
+              <a:rPr lang="en-US" altLang="ko-Kore-KR" sz="1200" dirty="0">
+                <a:latin typeface="DM Mono" panose="020B0509040201040103" pitchFamily="49" charset="0"/>
+              </a:rPr>
+              <a:t>Inc2</a:t>
+            </a:r>
+            <a:endParaRPr lang="ko-Kore-KR" altLang="en-US" sz="1200" dirty="0">
+              <a:latin typeface="DM Mono" panose="020B0509040201040103" pitchFamily="49" charset="0"/>
+            </a:endParaRPr>
+          </a:p>
+        </p:txBody>
+      </p:sp>
+      <p:sp>
+        <p:nvSpPr>
+          <p:cNvPr id="14" name="직사각형 13">
+            <a:extLst>
+              <a:ext uri="{FF2B5EF4-FFF2-40B4-BE49-F238E27FC236}">
+                <a16:creationId xmlns:a16="http://schemas.microsoft.com/office/drawing/2014/main" id="{97342C2C-57A6-EF4A-D4C4-23D5CFCE7FFF}"/>
+              </a:ext>
+            </a:extLst>
+          </p:cNvPr>
+          <p:cNvSpPr/>
+          <p:nvPr/>
+        </p:nvSpPr>
+        <p:spPr>
+          <a:xfrm>
+            <a:off x="6950436" y="2259157"/>
+            <a:ext cx="769495" cy="419724"/>
+          </a:xfrm>
+          <a:prstGeom prst="rect">
+            <a:avLst/>
+          </a:prstGeom>
+        </p:spPr>
+        <p:style>
+          <a:lnRef idx="2">
+            <a:schemeClr val="accent4">
+              <a:shade val="15000"/>
+            </a:schemeClr>
+          </a:lnRef>
+          <a:fillRef idx="1">
+            <a:schemeClr val="accent4"/>
+          </a:fillRef>
+          <a:effectRef idx="0">
+            <a:schemeClr val="accent4"/>
+          </a:effectRef>
+          <a:fontRef idx="minor">
+            <a:schemeClr val="lt1"/>
+          </a:fontRef>
+        </p:style>
+        <p:txBody>
+          <a:bodyPr rtlCol="0" anchor="ctr"/>
+          <a:lstStyle/>
+          <a:p>
+            <a:pPr algn="ctr"/>
+            <a:r>
+              <a:rPr kumimoji="1" lang="en-US" altLang="ko-Kore-KR" sz="1200" dirty="0">
+                <a:solidFill>
+                  <a:srgbClr val="FF0000"/>
+                </a:solidFill>
+                <a:latin typeface="DM Mono" panose="020B0509040201040103" pitchFamily="49" charset="0"/>
+              </a:rPr>
+              <a:t>0x100</a:t>
+            </a:r>
+            <a:endParaRPr kumimoji="1" lang="ko-Kore-KR" altLang="en-US" sz="1200" dirty="0">
+              <a:solidFill>
+                <a:srgbClr val="FF0000"/>
+              </a:solidFill>
+              <a:latin typeface="DM Mono" panose="020B0509040201040103" pitchFamily="49" charset="0"/>
+            </a:endParaRPr>
+          </a:p>
+        </p:txBody>
+      </p:sp>
+      <p:sp>
+        <p:nvSpPr>
+          <p:cNvPr id="15" name="TextBox 14">
+            <a:extLst>
+              <a:ext uri="{FF2B5EF4-FFF2-40B4-BE49-F238E27FC236}">
+                <a16:creationId xmlns:a16="http://schemas.microsoft.com/office/drawing/2014/main" id="{4A5B30D7-DF1A-7A85-9780-7220F2F65854}"/>
+              </a:ext>
+            </a:extLst>
+          </p:cNvPr>
+          <p:cNvSpPr txBox="1"/>
+          <p:nvPr/>
+        </p:nvSpPr>
+        <p:spPr>
+          <a:xfrm>
+            <a:off x="6465757" y="2284353"/>
+            <a:ext cx="524654" cy="369332"/>
+          </a:xfrm>
+          <a:prstGeom prst="rect">
+            <a:avLst/>
+          </a:prstGeom>
+          <a:noFill/>
+        </p:spPr>
+        <p:txBody>
+          <a:bodyPr wrap="square">
+            <a:spAutoFit/>
+          </a:bodyPr>
+          <a:lstStyle/>
+          <a:p>
+            <a:pPr algn="ctr"/>
+            <a:r>
+              <a:rPr kumimoji="1" lang="en-US" altLang="ko-Kore-KR" dirty="0" err="1">
+                <a:latin typeface="DM Mono" panose="020B0509040201040103" pitchFamily="49" charset="0"/>
+              </a:rPr>
+              <a:t>px</a:t>
+            </a:r>
+            <a:endParaRPr kumimoji="1" lang="ko-Kore-KR" altLang="en-US" dirty="0">
+              <a:solidFill>
+                <a:schemeClr val="tx1"/>
+              </a:solidFill>
+              <a:latin typeface="DM Mono" panose="020B0509040201040103" pitchFamily="49" charset="0"/>
+            </a:endParaRPr>
+          </a:p>
+        </p:txBody>
+      </p:sp>
+      <p:cxnSp>
+        <p:nvCxnSpPr>
+          <p:cNvPr id="3" name="구부러진 연결선[U] 2">
+            <a:extLst>
+              <a:ext uri="{FF2B5EF4-FFF2-40B4-BE49-F238E27FC236}">
+                <a16:creationId xmlns:a16="http://schemas.microsoft.com/office/drawing/2014/main" id="{6AE024A6-504E-B61D-7031-8FA967FC9BA6}"/>
+              </a:ext>
+            </a:extLst>
+          </p:cNvPr>
+          <p:cNvCxnSpPr>
+            <a:stCxn id="14" idx="2"/>
+            <a:endCxn id="6" idx="0"/>
+          </p:cNvCxnSpPr>
+          <p:nvPr/>
+        </p:nvCxnSpPr>
+        <p:spPr>
+          <a:xfrm rot="5400000">
+            <a:off x="4962062" y="1429383"/>
+            <a:ext cx="1123624" cy="3622621"/>
+          </a:xfrm>
+          <a:prstGeom prst="curvedConnector3">
+            <a:avLst/>
+          </a:prstGeom>
+          <a:ln>
+            <a:tailEnd type="triangle"/>
+          </a:ln>
+        </p:spPr>
+        <p:style>
+          <a:lnRef idx="1">
+            <a:schemeClr val="dk1"/>
+          </a:lnRef>
+          <a:fillRef idx="0">
+            <a:schemeClr val="dk1"/>
+          </a:fillRef>
+          <a:effectRef idx="0">
+            <a:schemeClr val="dk1"/>
+          </a:effectRef>
+          <a:fontRef idx="minor">
+            <a:schemeClr val="tx1"/>
+          </a:fontRef>
+        </p:style>
+      </p:cxnSp>
+    </p:spTree>
+    <p:extLst>
+      <p:ext uri="{BB962C8B-B14F-4D97-AF65-F5344CB8AC3E}">
+        <p14:creationId xmlns:p14="http://schemas.microsoft.com/office/powerpoint/2010/main" val="3434207549"/>
+      </p:ext>
+    </p:extLst>
+  </p:cSld>
+  <p:clrMapOvr>
+    <a:masterClrMapping/>
+  </p:clrMapOvr>
+</p:sld>
+</file>
+
+<file path=ppt/slides/slide8.xml><?xml version="1.0" encoding="utf-8"?>
+<p:sld xmlns:a="http://schemas.openxmlformats.org/drawingml/2006/main" xmlns:r="http://schemas.openxmlformats.org/officeDocument/2006/relationships" xmlns:p="http://schemas.openxmlformats.org/presentationml/2006/main">
+  <p:cSld>
+    <p:spTree>
+      <p:nvGrpSpPr>
+        <p:cNvPr id="1" name=""/>
+        <p:cNvGrpSpPr/>
+        <p:nvPr/>
+      </p:nvGrpSpPr>
+      <p:grpSpPr>
+        <a:xfrm>
+          <a:off x="0" y="0"/>
+          <a:ext cx="0" cy="0"/>
+          <a:chOff x="0" y="0"/>
+          <a:chExt cx="0" cy="0"/>
+        </a:xfrm>
+      </p:grpSpPr>
+      <p:sp>
+        <p:nvSpPr>
+          <p:cNvPr id="9" name="직사각형 8">
+            <a:extLst>
+              <a:ext uri="{FF2B5EF4-FFF2-40B4-BE49-F238E27FC236}">
+                <a16:creationId xmlns:a16="http://schemas.microsoft.com/office/drawing/2014/main" id="{645973E7-6718-7E5F-89EE-A9CE51B4BA50}"/>
+              </a:ext>
+            </a:extLst>
+          </p:cNvPr>
+          <p:cNvSpPr/>
+          <p:nvPr/>
+        </p:nvSpPr>
+        <p:spPr>
+          <a:xfrm>
+            <a:off x="2555821" y="3429000"/>
+            <a:ext cx="2313482" cy="2263515"/>
+          </a:xfrm>
+          <a:prstGeom prst="rect">
+            <a:avLst/>
+          </a:prstGeom>
+          <a:solidFill>
+            <a:schemeClr val="bg1"/>
+          </a:solidFill>
+        </p:spPr>
+        <p:style>
+          <a:lnRef idx="2">
+            <a:schemeClr val="accent4">
+              <a:shade val="15000"/>
+            </a:schemeClr>
+          </a:lnRef>
+          <a:fillRef idx="1">
+            <a:schemeClr val="accent4"/>
+          </a:fillRef>
+          <a:effectRef idx="0">
+            <a:schemeClr val="accent4"/>
+          </a:effectRef>
+          <a:fontRef idx="minor">
+            <a:schemeClr val="lt1"/>
+          </a:fontRef>
+        </p:style>
+        <p:txBody>
+          <a:bodyPr rtlCol="0" anchor="ctr"/>
+          <a:lstStyle/>
+          <a:p>
+            <a:pPr algn="ctr"/>
+            <a:endParaRPr kumimoji="1" lang="ko-Kore-KR" altLang="en-US">
+              <a:solidFill>
+                <a:schemeClr val="tx1"/>
+              </a:solidFill>
+            </a:endParaRPr>
+          </a:p>
+        </p:txBody>
+      </p:sp>
+      <p:sp>
+        <p:nvSpPr>
+          <p:cNvPr id="5" name="TextBox 4">
+            <a:extLst>
+              <a:ext uri="{FF2B5EF4-FFF2-40B4-BE49-F238E27FC236}">
+                <a16:creationId xmlns:a16="http://schemas.microsoft.com/office/drawing/2014/main" id="{A4504D01-264D-0D29-4446-EED4E8FD5949}"/>
+              </a:ext>
+            </a:extLst>
+          </p:cNvPr>
+          <p:cNvSpPr txBox="1"/>
+          <p:nvPr/>
+        </p:nvSpPr>
+        <p:spPr>
+          <a:xfrm>
+            <a:off x="484681" y="216668"/>
+            <a:ext cx="6096000" cy="2677656"/>
+          </a:xfrm>
+          <a:prstGeom prst="rect">
+            <a:avLst/>
+          </a:prstGeom>
+          <a:noFill/>
+        </p:spPr>
+        <p:txBody>
+          <a:bodyPr wrap="square">
+            <a:spAutoFit/>
+          </a:bodyPr>
+          <a:lstStyle/>
+          <a:p>
+            <a:r>
+              <a:rPr lang="en" altLang="ko-Kore-KR" sz="1400" dirty="0">
+                <a:latin typeface="DM Mono" panose="020B0509040201040103" pitchFamily="49" charset="0"/>
+              </a:rPr>
+              <a:t>void Inc2(int* </a:t>
+            </a:r>
+            <a:r>
+              <a:rPr lang="en" altLang="ko-Kore-KR" sz="1400" dirty="0" err="1">
+                <a:latin typeface="DM Mono" panose="020B0509040201040103" pitchFamily="49" charset="0"/>
+              </a:rPr>
+              <a:t>px</a:t>
+            </a:r>
+            <a:r>
+              <a:rPr lang="en" altLang="ko-Kore-KR" sz="1400" dirty="0">
+                <a:latin typeface="DM Mono" panose="020B0509040201040103" pitchFamily="49" charset="0"/>
+              </a:rPr>
+              <a:t>)</a:t>
+            </a:r>
+          </a:p>
+          <a:p>
+            <a:r>
+              <a:rPr lang="en" altLang="ko-Kore-KR" sz="1400" dirty="0">
+                <a:latin typeface="DM Mono" panose="020B0509040201040103" pitchFamily="49" charset="0"/>
+              </a:rPr>
+              <a:t>{</a:t>
+            </a:r>
+          </a:p>
+          <a:p>
+            <a:r>
+              <a:rPr lang="en" altLang="ko-Kore-KR" sz="1400" dirty="0">
+                <a:solidFill>
+                  <a:srgbClr val="FF0000"/>
+                </a:solidFill>
+                <a:latin typeface="DM Mono" panose="020B0509040201040103" pitchFamily="49" charset="0"/>
+              </a:rPr>
+              <a:t>    ++(*</a:t>
+            </a:r>
+            <a:r>
+              <a:rPr lang="en" altLang="ko-Kore-KR" sz="1400" dirty="0" err="1">
+                <a:solidFill>
+                  <a:srgbClr val="FF0000"/>
+                </a:solidFill>
+                <a:latin typeface="DM Mono" panose="020B0509040201040103" pitchFamily="49" charset="0"/>
+              </a:rPr>
+              <a:t>px</a:t>
+            </a:r>
+            <a:r>
+              <a:rPr lang="en" altLang="ko-Kore-KR" sz="1400" dirty="0">
+                <a:solidFill>
+                  <a:srgbClr val="FF0000"/>
+                </a:solidFill>
+                <a:latin typeface="DM Mono" panose="020B0509040201040103" pitchFamily="49" charset="0"/>
+              </a:rPr>
+              <a:t>);</a:t>
+            </a:r>
+          </a:p>
+          <a:p>
+            <a:r>
+              <a:rPr lang="en" altLang="ko-Kore-KR" sz="1400" dirty="0">
+                <a:latin typeface="DM Mono" panose="020B0509040201040103" pitchFamily="49" charset="0"/>
+              </a:rPr>
+              <a:t>}</a:t>
+            </a:r>
+          </a:p>
+          <a:p>
+            <a:endParaRPr lang="en" altLang="ko-Kore-KR" sz="1400" dirty="0">
+              <a:latin typeface="DM Mono" panose="020B0509040201040103" pitchFamily="49" charset="0"/>
+            </a:endParaRPr>
+          </a:p>
+          <a:p>
+            <a:r>
+              <a:rPr lang="en" altLang="ko-Kore-KR" sz="1400" dirty="0">
+                <a:latin typeface="DM Mono" panose="020B0509040201040103" pitchFamily="49" charset="0"/>
+              </a:rPr>
+              <a:t>int main(void)</a:t>
+            </a:r>
+          </a:p>
+          <a:p>
+            <a:r>
+              <a:rPr lang="en" altLang="ko-Kore-KR" sz="1400" dirty="0">
+                <a:latin typeface="DM Mono" panose="020B0509040201040103" pitchFamily="49" charset="0"/>
+              </a:rPr>
+              <a:t>{</a:t>
+            </a:r>
+          </a:p>
+          <a:p>
+            <a:r>
+              <a:rPr lang="en" altLang="ko-Kore-KR" sz="1400" dirty="0">
+                <a:latin typeface="DM Mono" panose="020B0509040201040103" pitchFamily="49" charset="0"/>
+              </a:rPr>
+              <a:t>    int n = 10;</a:t>
+            </a:r>
+          </a:p>
+          <a:p>
+            <a:endParaRPr lang="en" altLang="ko-Kore-KR" sz="1400" dirty="0">
+              <a:latin typeface="DM Mono" panose="020B0509040201040103" pitchFamily="49" charset="0"/>
+            </a:endParaRPr>
+          </a:p>
+          <a:p>
+            <a:r>
+              <a:rPr lang="en" altLang="ko-Kore-KR" sz="1400" dirty="0">
+                <a:latin typeface="DM Mono" panose="020B0509040201040103" pitchFamily="49" charset="0"/>
+              </a:rPr>
+              <a:t>    Inc2(&amp;n);</a:t>
+            </a:r>
+          </a:p>
+          <a:p>
+            <a:r>
+              <a:rPr lang="en" altLang="ko-Kore-KR" sz="1400" dirty="0">
+                <a:latin typeface="DM Mono" panose="020B0509040201040103" pitchFamily="49" charset="0"/>
+              </a:rPr>
+              <a:t>    </a:t>
+            </a:r>
+            <a:r>
+              <a:rPr lang="en" altLang="ko-Kore-KR" sz="1400" dirty="0" err="1">
+                <a:latin typeface="DM Mono" panose="020B0509040201040103" pitchFamily="49" charset="0"/>
+              </a:rPr>
+              <a:t>cout</a:t>
+            </a:r>
+            <a:r>
+              <a:rPr lang="en" altLang="ko-Kore-KR" sz="1400" dirty="0">
+                <a:latin typeface="DM Mono" panose="020B0509040201040103" pitchFamily="49" charset="0"/>
+              </a:rPr>
+              <a:t> &lt;&lt; n &lt;&lt; </a:t>
+            </a:r>
+            <a:r>
+              <a:rPr lang="en" altLang="ko-Kore-KR" sz="1400" dirty="0" err="1">
+                <a:latin typeface="DM Mono" panose="020B0509040201040103" pitchFamily="49" charset="0"/>
+              </a:rPr>
+              <a:t>endl</a:t>
+            </a:r>
+            <a:r>
+              <a:rPr lang="en" altLang="ko-Kore-KR" sz="1400" dirty="0">
+                <a:latin typeface="DM Mono" panose="020B0509040201040103" pitchFamily="49" charset="0"/>
+              </a:rPr>
+              <a:t>;</a:t>
+            </a:r>
+          </a:p>
+          <a:p>
+            <a:r>
+              <a:rPr lang="en" altLang="ko-Kore-KR" sz="1400" dirty="0">
+                <a:latin typeface="DM Mono" panose="020B0509040201040103" pitchFamily="49" charset="0"/>
+              </a:rPr>
+              <a:t>}</a:t>
+            </a:r>
+          </a:p>
+        </p:txBody>
+      </p:sp>
+      <p:sp>
+        <p:nvSpPr>
+          <p:cNvPr id="6" name="직사각형 5">
+            <a:extLst>
+              <a:ext uri="{FF2B5EF4-FFF2-40B4-BE49-F238E27FC236}">
+                <a16:creationId xmlns:a16="http://schemas.microsoft.com/office/drawing/2014/main" id="{9910AFF1-A1CE-7082-0552-BA4F11F70FEE}"/>
+              </a:ext>
+            </a:extLst>
+          </p:cNvPr>
+          <p:cNvSpPr/>
+          <p:nvPr/>
+        </p:nvSpPr>
+        <p:spPr>
+          <a:xfrm>
+            <a:off x="3327815" y="3802505"/>
+            <a:ext cx="769495" cy="419724"/>
+          </a:xfrm>
+          <a:prstGeom prst="rect">
+            <a:avLst/>
+          </a:prstGeom>
+        </p:spPr>
+        <p:style>
+          <a:lnRef idx="2">
+            <a:schemeClr val="accent4">
+              <a:shade val="15000"/>
+            </a:schemeClr>
+          </a:lnRef>
+          <a:fillRef idx="1">
+            <a:schemeClr val="accent4"/>
+          </a:fillRef>
+          <a:effectRef idx="0">
+            <a:schemeClr val="accent4"/>
+          </a:effectRef>
+          <a:fontRef idx="minor">
+            <a:schemeClr val="lt1"/>
+          </a:fontRef>
+        </p:style>
+        <p:txBody>
+          <a:bodyPr rtlCol="0" anchor="ctr"/>
+          <a:lstStyle/>
+          <a:p>
+            <a:pPr algn="ctr"/>
+            <a:r>
+              <a:rPr kumimoji="1" lang="en-US" altLang="ko-Kore-KR" sz="1200" dirty="0">
+                <a:solidFill>
+                  <a:srgbClr val="FF0000"/>
+                </a:solidFill>
+                <a:latin typeface="DM Mono" panose="020B0509040201040103" pitchFamily="49" charset="0"/>
+              </a:rPr>
+              <a:t>11</a:t>
+            </a:r>
+            <a:endParaRPr kumimoji="1" lang="ko-Kore-KR" altLang="en-US" sz="1200" dirty="0">
+              <a:solidFill>
+                <a:srgbClr val="FF0000"/>
+              </a:solidFill>
+              <a:latin typeface="DM Mono" panose="020B0509040201040103" pitchFamily="49" charset="0"/>
+            </a:endParaRPr>
+          </a:p>
+        </p:txBody>
+      </p:sp>
+      <p:sp>
+        <p:nvSpPr>
+          <p:cNvPr id="7" name="TextBox 6">
+            <a:extLst>
+              <a:ext uri="{FF2B5EF4-FFF2-40B4-BE49-F238E27FC236}">
+                <a16:creationId xmlns:a16="http://schemas.microsoft.com/office/drawing/2014/main" id="{EC601A8E-20A8-32D3-34D5-9A15DC9379CA}"/>
+              </a:ext>
+            </a:extLst>
+          </p:cNvPr>
+          <p:cNvSpPr txBox="1"/>
+          <p:nvPr/>
+        </p:nvSpPr>
+        <p:spPr>
+          <a:xfrm>
+            <a:off x="2983042" y="3827701"/>
+            <a:ext cx="384748" cy="369332"/>
+          </a:xfrm>
+          <a:prstGeom prst="rect">
+            <a:avLst/>
+          </a:prstGeom>
+          <a:noFill/>
+        </p:spPr>
+        <p:txBody>
+          <a:bodyPr wrap="square">
+            <a:spAutoFit/>
+          </a:bodyPr>
+          <a:lstStyle/>
+          <a:p>
+            <a:pPr algn="ctr"/>
+            <a:r>
+              <a:rPr kumimoji="1" lang="en-US" altLang="ko-Kore-KR" dirty="0">
+                <a:latin typeface="DM Mono" panose="020B0509040201040103" pitchFamily="49" charset="0"/>
+              </a:rPr>
+              <a:t>n</a:t>
+            </a:r>
+            <a:endParaRPr kumimoji="1" lang="ko-Kore-KR" altLang="en-US" dirty="0">
+              <a:solidFill>
+                <a:schemeClr val="tx1"/>
+              </a:solidFill>
+              <a:latin typeface="DM Mono" panose="020B0509040201040103" pitchFamily="49" charset="0"/>
+            </a:endParaRPr>
+          </a:p>
+        </p:txBody>
+      </p:sp>
+      <p:sp>
+        <p:nvSpPr>
+          <p:cNvPr id="8" name="TextBox 7">
+            <a:extLst>
+              <a:ext uri="{FF2B5EF4-FFF2-40B4-BE49-F238E27FC236}">
+                <a16:creationId xmlns:a16="http://schemas.microsoft.com/office/drawing/2014/main" id="{5A8232C2-C6C9-D39F-DBC9-D2ED584E8920}"/>
+              </a:ext>
+            </a:extLst>
+          </p:cNvPr>
+          <p:cNvSpPr txBox="1"/>
+          <p:nvPr/>
+        </p:nvSpPr>
+        <p:spPr>
+          <a:xfrm>
+            <a:off x="2983042" y="3553493"/>
+            <a:ext cx="769495" cy="261610"/>
+          </a:xfrm>
+          <a:prstGeom prst="rect">
+            <a:avLst/>
+          </a:prstGeom>
+          <a:noFill/>
+        </p:spPr>
+        <p:txBody>
+          <a:bodyPr wrap="square">
+            <a:spAutoFit/>
+          </a:bodyPr>
+          <a:lstStyle/>
+          <a:p>
+            <a:r>
+              <a:rPr kumimoji="1" lang="en-US" altLang="ko-Kore-KR" sz="1050" dirty="0">
+                <a:solidFill>
+                  <a:schemeClr val="tx1"/>
+                </a:solidFill>
+                <a:latin typeface="DM Mono" panose="020B0509040201040103" pitchFamily="49" charset="0"/>
+              </a:rPr>
+              <a:t>0x100</a:t>
+            </a:r>
+            <a:endParaRPr lang="ko-Kore-KR" altLang="en-US" sz="1050" dirty="0">
+              <a:latin typeface="DM Mono" panose="020B0509040201040103" pitchFamily="49" charset="0"/>
+            </a:endParaRPr>
+          </a:p>
+        </p:txBody>
+      </p:sp>
+      <p:sp>
+        <p:nvSpPr>
+          <p:cNvPr id="11" name="TextBox 10">
+            <a:extLst>
+              <a:ext uri="{FF2B5EF4-FFF2-40B4-BE49-F238E27FC236}">
+                <a16:creationId xmlns:a16="http://schemas.microsoft.com/office/drawing/2014/main" id="{F177BB29-1FF6-60DA-3B98-8770C7C18E9F}"/>
+              </a:ext>
+            </a:extLst>
+          </p:cNvPr>
+          <p:cNvSpPr txBox="1"/>
+          <p:nvPr/>
+        </p:nvSpPr>
+        <p:spPr>
+          <a:xfrm>
+            <a:off x="2733206" y="3145702"/>
+            <a:ext cx="1821303" cy="276999"/>
+          </a:xfrm>
+          <a:prstGeom prst="rect">
+            <a:avLst/>
+          </a:prstGeom>
+          <a:noFill/>
+        </p:spPr>
+        <p:txBody>
+          <a:bodyPr wrap="square">
+            <a:spAutoFit/>
+          </a:bodyPr>
+          <a:lstStyle/>
+          <a:p>
+            <a:pPr algn="ctr"/>
+            <a:r>
+              <a:rPr lang="ko-Kore-KR" altLang="en-US" sz="1200" dirty="0">
+                <a:latin typeface="DM Mono" panose="020B0509040201040103" pitchFamily="49" charset="0"/>
+              </a:rPr>
+              <a:t>main</a:t>
+            </a:r>
+          </a:p>
+        </p:txBody>
+      </p:sp>
+      <p:sp>
+        <p:nvSpPr>
+          <p:cNvPr id="12" name="직사각형 11">
+            <a:extLst>
+              <a:ext uri="{FF2B5EF4-FFF2-40B4-BE49-F238E27FC236}">
+                <a16:creationId xmlns:a16="http://schemas.microsoft.com/office/drawing/2014/main" id="{27BE137A-E34C-90BA-13A1-2E337045D80A}"/>
+              </a:ext>
+            </a:extLst>
+          </p:cNvPr>
+          <p:cNvSpPr/>
+          <p:nvPr/>
+        </p:nvSpPr>
+        <p:spPr>
+          <a:xfrm>
+            <a:off x="6335840" y="2063832"/>
+            <a:ext cx="2313482" cy="2263515"/>
+          </a:xfrm>
+          <a:prstGeom prst="rect">
+            <a:avLst/>
+          </a:prstGeom>
+          <a:solidFill>
+            <a:schemeClr val="bg1"/>
+          </a:solidFill>
+        </p:spPr>
+        <p:style>
+          <a:lnRef idx="2">
+            <a:schemeClr val="accent4">
+              <a:shade val="15000"/>
+            </a:schemeClr>
+          </a:lnRef>
+          <a:fillRef idx="1">
+            <a:schemeClr val="accent4"/>
+          </a:fillRef>
+          <a:effectRef idx="0">
+            <a:schemeClr val="accent4"/>
+          </a:effectRef>
+          <a:fontRef idx="minor">
+            <a:schemeClr val="lt1"/>
+          </a:fontRef>
+        </p:style>
+        <p:txBody>
+          <a:bodyPr rtlCol="0" anchor="ctr"/>
+          <a:lstStyle/>
+          <a:p>
+            <a:pPr algn="ctr"/>
+            <a:endParaRPr kumimoji="1" lang="ko-Kore-KR" altLang="en-US">
+              <a:solidFill>
+                <a:schemeClr val="tx1"/>
+              </a:solidFill>
+            </a:endParaRPr>
+          </a:p>
+        </p:txBody>
+      </p:sp>
+      <p:sp>
+        <p:nvSpPr>
+          <p:cNvPr id="13" name="TextBox 12">
+            <a:extLst>
+              <a:ext uri="{FF2B5EF4-FFF2-40B4-BE49-F238E27FC236}">
+                <a16:creationId xmlns:a16="http://schemas.microsoft.com/office/drawing/2014/main" id="{7B752333-3289-4F61-3177-D4C26D630168}"/>
+              </a:ext>
+            </a:extLst>
+          </p:cNvPr>
+          <p:cNvSpPr txBox="1"/>
+          <p:nvPr/>
+        </p:nvSpPr>
+        <p:spPr>
+          <a:xfrm>
+            <a:off x="6513225" y="1780534"/>
+            <a:ext cx="1821303" cy="276999"/>
+          </a:xfrm>
+          <a:prstGeom prst="rect">
+            <a:avLst/>
+          </a:prstGeom>
+          <a:noFill/>
+        </p:spPr>
+        <p:txBody>
+          <a:bodyPr wrap="square">
+            <a:spAutoFit/>
+          </a:bodyPr>
+          <a:lstStyle/>
+          <a:p>
+            <a:pPr algn="ctr"/>
+            <a:r>
+              <a:rPr lang="en-US" altLang="ko-Kore-KR" sz="1200" dirty="0">
+                <a:latin typeface="DM Mono" panose="020B0509040201040103" pitchFamily="49" charset="0"/>
+              </a:rPr>
+              <a:t>Inc2</a:t>
+            </a:r>
+            <a:endParaRPr lang="ko-Kore-KR" altLang="en-US" sz="1200" dirty="0">
+              <a:latin typeface="DM Mono" panose="020B0509040201040103" pitchFamily="49" charset="0"/>
+            </a:endParaRPr>
+          </a:p>
+        </p:txBody>
+      </p:sp>
+      <p:sp>
+        <p:nvSpPr>
+          <p:cNvPr id="14" name="직사각형 13">
+            <a:extLst>
+              <a:ext uri="{FF2B5EF4-FFF2-40B4-BE49-F238E27FC236}">
+                <a16:creationId xmlns:a16="http://schemas.microsoft.com/office/drawing/2014/main" id="{97342C2C-57A6-EF4A-D4C4-23D5CFCE7FFF}"/>
+              </a:ext>
+            </a:extLst>
+          </p:cNvPr>
+          <p:cNvSpPr/>
+          <p:nvPr/>
+        </p:nvSpPr>
+        <p:spPr>
+          <a:xfrm>
+            <a:off x="6950436" y="2259157"/>
+            <a:ext cx="769495" cy="419724"/>
+          </a:xfrm>
+          <a:prstGeom prst="rect">
+            <a:avLst/>
+          </a:prstGeom>
+        </p:spPr>
+        <p:style>
+          <a:lnRef idx="2">
+            <a:schemeClr val="accent4">
+              <a:shade val="15000"/>
+            </a:schemeClr>
+          </a:lnRef>
+          <a:fillRef idx="1">
+            <a:schemeClr val="accent4"/>
+          </a:fillRef>
+          <a:effectRef idx="0">
+            <a:schemeClr val="accent4"/>
+          </a:effectRef>
+          <a:fontRef idx="minor">
+            <a:schemeClr val="lt1"/>
+          </a:fontRef>
+        </p:style>
+        <p:txBody>
+          <a:bodyPr rtlCol="0" anchor="ctr"/>
+          <a:lstStyle/>
+          <a:p>
+            <a:pPr algn="ctr"/>
+            <a:r>
+              <a:rPr kumimoji="1" lang="en-US" altLang="ko-Kore-KR" sz="1200" dirty="0">
+                <a:solidFill>
+                  <a:srgbClr val="FF0000"/>
+                </a:solidFill>
+                <a:latin typeface="DM Mono" panose="020B0509040201040103" pitchFamily="49" charset="0"/>
+              </a:rPr>
+              <a:t>0x100</a:t>
+            </a:r>
+            <a:endParaRPr kumimoji="1" lang="ko-Kore-KR" altLang="en-US" sz="1200" dirty="0">
+              <a:solidFill>
+                <a:srgbClr val="FF0000"/>
+              </a:solidFill>
+              <a:latin typeface="DM Mono" panose="020B0509040201040103" pitchFamily="49" charset="0"/>
+            </a:endParaRPr>
+          </a:p>
+        </p:txBody>
+      </p:sp>
+      <p:sp>
+        <p:nvSpPr>
+          <p:cNvPr id="15" name="TextBox 14">
+            <a:extLst>
+              <a:ext uri="{FF2B5EF4-FFF2-40B4-BE49-F238E27FC236}">
+                <a16:creationId xmlns:a16="http://schemas.microsoft.com/office/drawing/2014/main" id="{4A5B30D7-DF1A-7A85-9780-7220F2F65854}"/>
+              </a:ext>
+            </a:extLst>
+          </p:cNvPr>
+          <p:cNvSpPr txBox="1"/>
+          <p:nvPr/>
+        </p:nvSpPr>
+        <p:spPr>
+          <a:xfrm>
+            <a:off x="6465757" y="2284353"/>
+            <a:ext cx="524654" cy="369332"/>
+          </a:xfrm>
+          <a:prstGeom prst="rect">
+            <a:avLst/>
+          </a:prstGeom>
+          <a:noFill/>
+        </p:spPr>
+        <p:txBody>
+          <a:bodyPr wrap="square">
+            <a:spAutoFit/>
+          </a:bodyPr>
+          <a:lstStyle/>
+          <a:p>
+            <a:pPr algn="ctr"/>
+            <a:r>
+              <a:rPr kumimoji="1" lang="en-US" altLang="ko-Kore-KR" dirty="0" err="1">
+                <a:latin typeface="DM Mono" panose="020B0509040201040103" pitchFamily="49" charset="0"/>
+              </a:rPr>
+              <a:t>px</a:t>
+            </a:r>
+            <a:endParaRPr kumimoji="1" lang="ko-Kore-KR" altLang="en-US" dirty="0">
+              <a:solidFill>
+                <a:schemeClr val="tx1"/>
+              </a:solidFill>
+              <a:latin typeface="DM Mono" panose="020B0509040201040103" pitchFamily="49" charset="0"/>
+            </a:endParaRPr>
+          </a:p>
+        </p:txBody>
+      </p:sp>
+      <p:cxnSp>
+        <p:nvCxnSpPr>
+          <p:cNvPr id="3" name="구부러진 연결선[U] 2">
+            <a:extLst>
+              <a:ext uri="{FF2B5EF4-FFF2-40B4-BE49-F238E27FC236}">
+                <a16:creationId xmlns:a16="http://schemas.microsoft.com/office/drawing/2014/main" id="{6AE024A6-504E-B61D-7031-8FA967FC9BA6}"/>
+              </a:ext>
+            </a:extLst>
+          </p:cNvPr>
+          <p:cNvCxnSpPr>
+            <a:stCxn id="14" idx="2"/>
+            <a:endCxn id="6" idx="0"/>
+          </p:cNvCxnSpPr>
+          <p:nvPr/>
+        </p:nvCxnSpPr>
+        <p:spPr>
+          <a:xfrm rot="5400000">
+            <a:off x="4962062" y="1429383"/>
+            <a:ext cx="1123624" cy="3622621"/>
+          </a:xfrm>
+          <a:prstGeom prst="curvedConnector3">
+            <a:avLst/>
+          </a:prstGeom>
+          <a:ln>
+            <a:solidFill>
+              <a:srgbClr val="FF0000"/>
+            </a:solidFill>
+            <a:tailEnd type="triangle"/>
+          </a:ln>
+        </p:spPr>
+        <p:style>
+          <a:lnRef idx="1">
+            <a:schemeClr val="accent2"/>
+          </a:lnRef>
+          <a:fillRef idx="0">
+            <a:schemeClr val="accent2"/>
+          </a:fillRef>
+          <a:effectRef idx="0">
+            <a:schemeClr val="accent2"/>
+          </a:effectRef>
+          <a:fontRef idx="minor">
+            <a:schemeClr val="tx1"/>
+          </a:fontRef>
+        </p:style>
+      </p:cxnSp>
+    </p:spTree>
+    <p:extLst>
+      <p:ext uri="{BB962C8B-B14F-4D97-AF65-F5344CB8AC3E}">
+        <p14:creationId xmlns:p14="http://schemas.microsoft.com/office/powerpoint/2010/main" val="4173459711"/>
+      </p:ext>
+    </p:extLst>
+  </p:cSld>
+  <p:clrMapOvr>
+    <a:masterClrMapping/>
+  </p:clrMapOvr>
+</p:sld>
+</file>
+
+<file path=ppt/slides/slide9.xml><?xml version="1.0" encoding="utf-8"?>
+<p:sld xmlns:a="http://schemas.openxmlformats.org/drawingml/2006/main" xmlns:r="http://schemas.openxmlformats.org/officeDocument/2006/relationships" xmlns:p="http://schemas.openxmlformats.org/presentationml/2006/main">
+  <p:cSld>
+    <p:spTree>
+      <p:nvGrpSpPr>
+        <p:cNvPr id="1" name=""/>
+        <p:cNvGrpSpPr/>
+        <p:nvPr/>
+      </p:nvGrpSpPr>
+      <p:grpSpPr>
+        <a:xfrm>
+          <a:off x="0" y="0"/>
+          <a:ext cx="0" cy="0"/>
+          <a:chOff x="0" y="0"/>
+          <a:chExt cx="0" cy="0"/>
+        </a:xfrm>
+      </p:grpSpPr>
+      <p:sp>
+        <p:nvSpPr>
+          <p:cNvPr id="9" name="직사각형 8">
+            <a:extLst>
+              <a:ext uri="{FF2B5EF4-FFF2-40B4-BE49-F238E27FC236}">
+                <a16:creationId xmlns:a16="http://schemas.microsoft.com/office/drawing/2014/main" id="{645973E7-6718-7E5F-89EE-A9CE51B4BA50}"/>
+              </a:ext>
+            </a:extLst>
+          </p:cNvPr>
+          <p:cNvSpPr/>
+          <p:nvPr/>
+        </p:nvSpPr>
+        <p:spPr>
+          <a:xfrm>
+            <a:off x="2555821" y="3429000"/>
+            <a:ext cx="2313482" cy="2263515"/>
+          </a:xfrm>
+          <a:prstGeom prst="rect">
+            <a:avLst/>
+          </a:prstGeom>
+          <a:solidFill>
+            <a:schemeClr val="bg1"/>
+          </a:solidFill>
+        </p:spPr>
+        <p:style>
+          <a:lnRef idx="2">
+            <a:schemeClr val="accent4">
+              <a:shade val="15000"/>
+            </a:schemeClr>
+          </a:lnRef>
+          <a:fillRef idx="1">
+            <a:schemeClr val="accent4"/>
+          </a:fillRef>
+          <a:effectRef idx="0">
+            <a:schemeClr val="accent4"/>
+          </a:effectRef>
+          <a:fontRef idx="minor">
+            <a:schemeClr val="lt1"/>
+          </a:fontRef>
+        </p:style>
+        <p:txBody>
+          <a:bodyPr rtlCol="0" anchor="ctr"/>
+          <a:lstStyle/>
+          <a:p>
+            <a:pPr algn="ctr"/>
+            <a:endParaRPr kumimoji="1" lang="ko-Kore-KR" altLang="en-US">
+              <a:solidFill>
+                <a:schemeClr val="tx1"/>
+              </a:solidFill>
+            </a:endParaRPr>
+          </a:p>
+        </p:txBody>
+      </p:sp>
+      <p:sp>
+        <p:nvSpPr>
+          <p:cNvPr id="5" name="TextBox 4">
+            <a:extLst>
+              <a:ext uri="{FF2B5EF4-FFF2-40B4-BE49-F238E27FC236}">
+                <a16:creationId xmlns:a16="http://schemas.microsoft.com/office/drawing/2014/main" id="{A4504D01-264D-0D29-4446-EED4E8FD5949}"/>
+              </a:ext>
+            </a:extLst>
+          </p:cNvPr>
+          <p:cNvSpPr txBox="1"/>
+          <p:nvPr/>
+        </p:nvSpPr>
+        <p:spPr>
+          <a:xfrm>
+            <a:off x="484681" y="216668"/>
+            <a:ext cx="6096000" cy="2677656"/>
+          </a:xfrm>
+          <a:prstGeom prst="rect">
+            <a:avLst/>
+          </a:prstGeom>
+          <a:noFill/>
+        </p:spPr>
+        <p:txBody>
+          <a:bodyPr wrap="square">
+            <a:spAutoFit/>
+          </a:bodyPr>
+          <a:lstStyle/>
+          <a:p>
+            <a:r>
+              <a:rPr lang="en" altLang="ko-Kore-KR" sz="1400" dirty="0">
+                <a:latin typeface="DM Mono" panose="020B0509040201040103" pitchFamily="49" charset="0"/>
+              </a:rPr>
+              <a:t>void Inc3(int&amp; r)</a:t>
+            </a:r>
+          </a:p>
+          <a:p>
+            <a:r>
+              <a:rPr lang="en" altLang="ko-Kore-KR" sz="1400" dirty="0">
+                <a:latin typeface="DM Mono" panose="020B0509040201040103" pitchFamily="49" charset="0"/>
+              </a:rPr>
+              <a:t>{</a:t>
+            </a:r>
+          </a:p>
+          <a:p>
+            <a:r>
+              <a:rPr lang="en" altLang="ko-Kore-KR" sz="1400" dirty="0">
+                <a:latin typeface="DM Mono" panose="020B0509040201040103" pitchFamily="49" charset="0"/>
+              </a:rPr>
+              <a:t>    ++r;</a:t>
+            </a:r>
+          </a:p>
+          <a:p>
+            <a:r>
+              <a:rPr lang="en" altLang="ko-Kore-KR" sz="1400" dirty="0">
+                <a:latin typeface="DM Mono" panose="020B0509040201040103" pitchFamily="49" charset="0"/>
+              </a:rPr>
+              <a:t>}</a:t>
+            </a:r>
+          </a:p>
+          <a:p>
+            <a:endParaRPr lang="en" altLang="ko-Kore-KR" sz="1400" dirty="0">
+              <a:latin typeface="DM Mono" panose="020B0509040201040103" pitchFamily="49" charset="0"/>
+            </a:endParaRPr>
+          </a:p>
+          <a:p>
+            <a:r>
+              <a:rPr lang="en" altLang="ko-Kore-KR" sz="1400" dirty="0">
+                <a:latin typeface="DM Mono" panose="020B0509040201040103" pitchFamily="49" charset="0"/>
+              </a:rPr>
+              <a:t>int main(void)</a:t>
+            </a:r>
+          </a:p>
+          <a:p>
+            <a:r>
+              <a:rPr lang="en" altLang="ko-Kore-KR" sz="1400" dirty="0">
+                <a:latin typeface="DM Mono" panose="020B0509040201040103" pitchFamily="49" charset="0"/>
+              </a:rPr>
+              <a:t>{</a:t>
+            </a:r>
+          </a:p>
+          <a:p>
+            <a:r>
+              <a:rPr lang="en" altLang="ko-Kore-KR" sz="1400" dirty="0">
+                <a:latin typeface="DM Mono" panose="020B0509040201040103" pitchFamily="49" charset="0"/>
+              </a:rPr>
+              <a:t>    int n = 10;</a:t>
+            </a:r>
+          </a:p>
+          <a:p>
+            <a:endParaRPr lang="en" altLang="ko-Kore-KR" sz="1400" dirty="0">
+              <a:latin typeface="DM Mono" panose="020B0509040201040103" pitchFamily="49" charset="0"/>
+            </a:endParaRPr>
+          </a:p>
+          <a:p>
+            <a:r>
+              <a:rPr lang="en" altLang="ko-Kore-KR" sz="1400" dirty="0">
+                <a:solidFill>
+                  <a:srgbClr val="FF0000"/>
+                </a:solidFill>
+                <a:latin typeface="DM Mono" panose="020B0509040201040103" pitchFamily="49" charset="0"/>
+              </a:rPr>
+              <a:t>    Inc3(n); // int&amp; r = n;</a:t>
+            </a:r>
+          </a:p>
+          <a:p>
+            <a:r>
+              <a:rPr lang="en" altLang="ko-Kore-KR" sz="1400" dirty="0">
+                <a:latin typeface="DM Mono" panose="020B0509040201040103" pitchFamily="49" charset="0"/>
+              </a:rPr>
+              <a:t>    </a:t>
+            </a:r>
+            <a:r>
+              <a:rPr lang="en" altLang="ko-Kore-KR" sz="1400" dirty="0" err="1">
+                <a:latin typeface="DM Mono" panose="020B0509040201040103" pitchFamily="49" charset="0"/>
+              </a:rPr>
+              <a:t>cout</a:t>
+            </a:r>
+            <a:r>
+              <a:rPr lang="en" altLang="ko-Kore-KR" sz="1400" dirty="0">
+                <a:latin typeface="DM Mono" panose="020B0509040201040103" pitchFamily="49" charset="0"/>
+              </a:rPr>
+              <a:t> &lt;&lt; n &lt;&lt; </a:t>
+            </a:r>
+            <a:r>
+              <a:rPr lang="en" altLang="ko-Kore-KR" sz="1400" dirty="0" err="1">
+                <a:latin typeface="DM Mono" panose="020B0509040201040103" pitchFamily="49" charset="0"/>
+              </a:rPr>
+              <a:t>endl</a:t>
+            </a:r>
+            <a:r>
+              <a:rPr lang="en" altLang="ko-Kore-KR" sz="1400" dirty="0">
+                <a:latin typeface="DM Mono" panose="020B0509040201040103" pitchFamily="49" charset="0"/>
+              </a:rPr>
+              <a:t>;</a:t>
+            </a:r>
+          </a:p>
+          <a:p>
+            <a:r>
+              <a:rPr lang="en" altLang="ko-Kore-KR" sz="1400" dirty="0">
+                <a:latin typeface="DM Mono" panose="020B0509040201040103" pitchFamily="49" charset="0"/>
+              </a:rPr>
+              <a:t>}</a:t>
+            </a:r>
+          </a:p>
+        </p:txBody>
+      </p:sp>
+      <p:sp>
+        <p:nvSpPr>
+          <p:cNvPr id="6" name="직사각형 5">
+            <a:extLst>
+              <a:ext uri="{FF2B5EF4-FFF2-40B4-BE49-F238E27FC236}">
+                <a16:creationId xmlns:a16="http://schemas.microsoft.com/office/drawing/2014/main" id="{9910AFF1-A1CE-7082-0552-BA4F11F70FEE}"/>
+              </a:ext>
+            </a:extLst>
+          </p:cNvPr>
+          <p:cNvSpPr/>
+          <p:nvPr/>
+        </p:nvSpPr>
+        <p:spPr>
+          <a:xfrm>
+            <a:off x="3327815" y="3802505"/>
+            <a:ext cx="769495" cy="419724"/>
+          </a:xfrm>
+          <a:prstGeom prst="rect">
+            <a:avLst/>
+          </a:prstGeom>
+        </p:spPr>
+        <p:style>
+          <a:lnRef idx="2">
+            <a:schemeClr val="accent4">
+              <a:shade val="15000"/>
+            </a:schemeClr>
+          </a:lnRef>
+          <a:fillRef idx="1">
+            <a:schemeClr val="accent4"/>
+          </a:fillRef>
+          <a:effectRef idx="0">
+            <a:schemeClr val="accent4"/>
+          </a:effectRef>
+          <a:fontRef idx="minor">
+            <a:schemeClr val="lt1"/>
+          </a:fontRef>
+        </p:style>
+        <p:txBody>
+          <a:bodyPr rtlCol="0" anchor="ctr"/>
+          <a:lstStyle/>
+          <a:p>
+            <a:pPr algn="ctr"/>
+            <a:r>
+              <a:rPr kumimoji="1" lang="en-US" altLang="ko-Kore-KR" sz="1200" dirty="0">
+                <a:solidFill>
+                  <a:schemeClr val="tx1"/>
+                </a:solidFill>
+                <a:latin typeface="DM Mono" panose="020B0509040201040103" pitchFamily="49" charset="0"/>
+              </a:rPr>
+              <a:t>10</a:t>
+            </a:r>
+            <a:endParaRPr kumimoji="1" lang="ko-Kore-KR" altLang="en-US" sz="1200" dirty="0">
+              <a:solidFill>
+                <a:schemeClr val="tx1"/>
+              </a:solidFill>
+              <a:latin typeface="DM Mono" panose="020B0509040201040103" pitchFamily="49" charset="0"/>
+            </a:endParaRPr>
+          </a:p>
+        </p:txBody>
+      </p:sp>
+      <p:sp>
+        <p:nvSpPr>
+          <p:cNvPr id="7" name="TextBox 6">
+            <a:extLst>
+              <a:ext uri="{FF2B5EF4-FFF2-40B4-BE49-F238E27FC236}">
+                <a16:creationId xmlns:a16="http://schemas.microsoft.com/office/drawing/2014/main" id="{EC601A8E-20A8-32D3-34D5-9A15DC9379CA}"/>
+              </a:ext>
+            </a:extLst>
+          </p:cNvPr>
+          <p:cNvSpPr txBox="1"/>
+          <p:nvPr/>
+        </p:nvSpPr>
+        <p:spPr>
+          <a:xfrm>
+            <a:off x="2983042" y="3827701"/>
+            <a:ext cx="384748" cy="369332"/>
+          </a:xfrm>
+          <a:prstGeom prst="rect">
+            <a:avLst/>
+          </a:prstGeom>
+          <a:noFill/>
+        </p:spPr>
+        <p:txBody>
+          <a:bodyPr wrap="square">
+            <a:spAutoFit/>
+          </a:bodyPr>
+          <a:lstStyle/>
+          <a:p>
+            <a:pPr algn="ctr"/>
+            <a:r>
+              <a:rPr kumimoji="1" lang="en-US" altLang="ko-Kore-KR" dirty="0">
+                <a:latin typeface="DM Mono" panose="020B0509040201040103" pitchFamily="49" charset="0"/>
+              </a:rPr>
+              <a:t>n</a:t>
+            </a:r>
+            <a:endParaRPr kumimoji="1" lang="ko-Kore-KR" altLang="en-US" dirty="0">
+              <a:solidFill>
+                <a:schemeClr val="tx1"/>
+              </a:solidFill>
+              <a:latin typeface="DM Mono" panose="020B0509040201040103" pitchFamily="49" charset="0"/>
+            </a:endParaRPr>
+          </a:p>
+        </p:txBody>
+      </p:sp>
+      <p:sp>
+        <p:nvSpPr>
+          <p:cNvPr id="8" name="TextBox 7">
+            <a:extLst>
+              <a:ext uri="{FF2B5EF4-FFF2-40B4-BE49-F238E27FC236}">
+                <a16:creationId xmlns:a16="http://schemas.microsoft.com/office/drawing/2014/main" id="{5A8232C2-C6C9-D39F-DBC9-D2ED584E8920}"/>
+              </a:ext>
+            </a:extLst>
+          </p:cNvPr>
+          <p:cNvSpPr txBox="1"/>
+          <p:nvPr/>
+        </p:nvSpPr>
+        <p:spPr>
+          <a:xfrm>
+            <a:off x="2983042" y="3553493"/>
+            <a:ext cx="769495" cy="261610"/>
+          </a:xfrm>
+          <a:prstGeom prst="rect">
+            <a:avLst/>
+          </a:prstGeom>
+          <a:noFill/>
+        </p:spPr>
+        <p:txBody>
+          <a:bodyPr wrap="square">
+            <a:spAutoFit/>
+          </a:bodyPr>
+          <a:lstStyle/>
+          <a:p>
+            <a:r>
+              <a:rPr kumimoji="1" lang="en-US" altLang="ko-Kore-KR" sz="1050" dirty="0">
+                <a:solidFill>
+                  <a:schemeClr val="tx1"/>
+                </a:solidFill>
+                <a:latin typeface="DM Mono" panose="020B0509040201040103" pitchFamily="49" charset="0"/>
+              </a:rPr>
+              <a:t>0x100</a:t>
+            </a:r>
+            <a:endParaRPr lang="ko-Kore-KR" altLang="en-US" sz="1050" dirty="0">
+              <a:latin typeface="DM Mono" panose="020B0509040201040103" pitchFamily="49" charset="0"/>
+            </a:endParaRPr>
+          </a:p>
+        </p:txBody>
+      </p:sp>
+      <p:sp>
+        <p:nvSpPr>
+          <p:cNvPr id="11" name="TextBox 10">
+            <a:extLst>
+              <a:ext uri="{FF2B5EF4-FFF2-40B4-BE49-F238E27FC236}">
+                <a16:creationId xmlns:a16="http://schemas.microsoft.com/office/drawing/2014/main" id="{F177BB29-1FF6-60DA-3B98-8770C7C18E9F}"/>
+              </a:ext>
+            </a:extLst>
+          </p:cNvPr>
+          <p:cNvSpPr txBox="1"/>
+          <p:nvPr/>
+        </p:nvSpPr>
+        <p:spPr>
+          <a:xfrm>
+            <a:off x="2733206" y="3145702"/>
+            <a:ext cx="1821303" cy="276999"/>
+          </a:xfrm>
+          <a:prstGeom prst="rect">
+            <a:avLst/>
+          </a:prstGeom>
+          <a:noFill/>
+        </p:spPr>
+        <p:txBody>
+          <a:bodyPr wrap="square">
+            <a:spAutoFit/>
+          </a:bodyPr>
+          <a:lstStyle/>
+          <a:p>
+            <a:pPr algn="ctr"/>
+            <a:r>
+              <a:rPr lang="ko-Kore-KR" altLang="en-US" sz="1200" dirty="0">
+                <a:latin typeface="DM Mono" panose="020B0509040201040103" pitchFamily="49" charset="0"/>
+              </a:rPr>
+              <a:t>main</a:t>
+            </a:r>
+          </a:p>
+        </p:txBody>
+      </p:sp>
+      <p:sp>
+        <p:nvSpPr>
+          <p:cNvPr id="12" name="직사각형 11">
+            <a:extLst>
+              <a:ext uri="{FF2B5EF4-FFF2-40B4-BE49-F238E27FC236}">
+                <a16:creationId xmlns:a16="http://schemas.microsoft.com/office/drawing/2014/main" id="{27BE137A-E34C-90BA-13A1-2E337045D80A}"/>
+              </a:ext>
+            </a:extLst>
+          </p:cNvPr>
+          <p:cNvSpPr/>
+          <p:nvPr/>
+        </p:nvSpPr>
+        <p:spPr>
+          <a:xfrm>
+            <a:off x="6335840" y="2063832"/>
+            <a:ext cx="2313482" cy="2263515"/>
+          </a:xfrm>
+          <a:prstGeom prst="rect">
+            <a:avLst/>
+          </a:prstGeom>
+          <a:solidFill>
+            <a:schemeClr val="bg1"/>
+          </a:solidFill>
+        </p:spPr>
+        <p:style>
+          <a:lnRef idx="2">
+            <a:schemeClr val="accent4">
+              <a:shade val="15000"/>
+            </a:schemeClr>
+          </a:lnRef>
+          <a:fillRef idx="1">
+            <a:schemeClr val="accent4"/>
+          </a:fillRef>
+          <a:effectRef idx="0">
+            <a:schemeClr val="accent4"/>
+          </a:effectRef>
+          <a:fontRef idx="minor">
+            <a:schemeClr val="lt1"/>
+          </a:fontRef>
+        </p:style>
+        <p:txBody>
+          <a:bodyPr rtlCol="0" anchor="ctr"/>
+          <a:lstStyle/>
+          <a:p>
+            <a:pPr algn="ctr"/>
+            <a:endParaRPr kumimoji="1" lang="ko-Kore-KR" altLang="en-US">
+              <a:solidFill>
+                <a:schemeClr val="tx1"/>
+              </a:solidFill>
+            </a:endParaRPr>
+          </a:p>
+        </p:txBody>
+      </p:sp>
+      <p:sp>
+        <p:nvSpPr>
+          <p:cNvPr id="13" name="TextBox 12">
+            <a:extLst>
+              <a:ext uri="{FF2B5EF4-FFF2-40B4-BE49-F238E27FC236}">
+                <a16:creationId xmlns:a16="http://schemas.microsoft.com/office/drawing/2014/main" id="{7B752333-3289-4F61-3177-D4C26D630168}"/>
+              </a:ext>
+            </a:extLst>
+          </p:cNvPr>
+          <p:cNvSpPr txBox="1"/>
+          <p:nvPr/>
+        </p:nvSpPr>
+        <p:spPr>
+          <a:xfrm>
+            <a:off x="6513225" y="1780534"/>
+            <a:ext cx="1821303" cy="276999"/>
+          </a:xfrm>
+          <a:prstGeom prst="rect">
+            <a:avLst/>
+          </a:prstGeom>
+          <a:noFill/>
+        </p:spPr>
+        <p:txBody>
+          <a:bodyPr wrap="square">
+            <a:spAutoFit/>
+          </a:bodyPr>
+          <a:lstStyle/>
+          <a:p>
+            <a:pPr algn="ctr"/>
+            <a:r>
+              <a:rPr lang="en-US" altLang="ko-Kore-KR" sz="1200" dirty="0">
+                <a:latin typeface="DM Mono" panose="020B0509040201040103" pitchFamily="49" charset="0"/>
+              </a:rPr>
+              <a:t>Inc3</a:t>
+            </a:r>
+            <a:endParaRPr lang="ko-Kore-KR" altLang="en-US" sz="1200" dirty="0">
+              <a:latin typeface="DM Mono" panose="020B0509040201040103" pitchFamily="49" charset="0"/>
+            </a:endParaRPr>
+          </a:p>
+        </p:txBody>
+      </p:sp>
+      <p:sp>
+        <p:nvSpPr>
+          <p:cNvPr id="15" name="TextBox 14">
+            <a:extLst>
+              <a:ext uri="{FF2B5EF4-FFF2-40B4-BE49-F238E27FC236}">
+                <a16:creationId xmlns:a16="http://schemas.microsoft.com/office/drawing/2014/main" id="{4A5B30D7-DF1A-7A85-9780-7220F2F65854}"/>
+              </a:ext>
+            </a:extLst>
+          </p:cNvPr>
+          <p:cNvSpPr txBox="1"/>
+          <p:nvPr/>
+        </p:nvSpPr>
+        <p:spPr>
+          <a:xfrm>
+            <a:off x="6465757" y="2284353"/>
+            <a:ext cx="524654" cy="369332"/>
+          </a:xfrm>
+          <a:prstGeom prst="rect">
+            <a:avLst/>
+          </a:prstGeom>
+          <a:noFill/>
+        </p:spPr>
+        <p:txBody>
+          <a:bodyPr wrap="square">
+            <a:spAutoFit/>
+          </a:bodyPr>
+          <a:lstStyle/>
+          <a:p>
+            <a:pPr algn="ctr"/>
+            <a:r>
+              <a:rPr kumimoji="1" lang="en-US" altLang="ko-Kore-KR" dirty="0">
+                <a:latin typeface="DM Mono" panose="020B0509040201040103" pitchFamily="49" charset="0"/>
+              </a:rPr>
+              <a:t>r</a:t>
+            </a:r>
+            <a:endParaRPr kumimoji="1" lang="ko-Kore-KR" altLang="en-US" dirty="0">
+              <a:solidFill>
+                <a:schemeClr val="tx1"/>
+              </a:solidFill>
+              <a:latin typeface="DM Mono" panose="020B0509040201040103" pitchFamily="49" charset="0"/>
+            </a:endParaRPr>
+          </a:p>
+        </p:txBody>
+      </p:sp>
+      <p:cxnSp>
+        <p:nvCxnSpPr>
+          <p:cNvPr id="4" name="구부러진 연결선[U] 3">
+            <a:extLst>
+              <a:ext uri="{FF2B5EF4-FFF2-40B4-BE49-F238E27FC236}">
+                <a16:creationId xmlns:a16="http://schemas.microsoft.com/office/drawing/2014/main" id="{69B50D1F-01CD-081F-91D8-C65C10707366}"/>
+              </a:ext>
+            </a:extLst>
+          </p:cNvPr>
+          <p:cNvCxnSpPr>
+            <a:stCxn id="15" idx="2"/>
+            <a:endCxn id="6" idx="0"/>
+          </p:cNvCxnSpPr>
+          <p:nvPr/>
+        </p:nvCxnSpPr>
+        <p:spPr>
+          <a:xfrm rot="5400000">
+            <a:off x="4645914" y="1720335"/>
+            <a:ext cx="1148820" cy="3015521"/>
+          </a:xfrm>
+          <a:prstGeom prst="curvedConnector3">
+            <a:avLst/>
+          </a:prstGeom>
+          <a:ln>
+            <a:tailEnd type="triangle"/>
+          </a:ln>
+        </p:spPr>
+        <p:style>
+          <a:lnRef idx="1">
+            <a:schemeClr val="dk1"/>
+          </a:lnRef>
+          <a:fillRef idx="0">
+            <a:schemeClr val="dk1"/>
+          </a:fillRef>
+          <a:effectRef idx="0">
+            <a:schemeClr val="dk1"/>
+          </a:effectRef>
+          <a:fontRef idx="minor">
+            <a:schemeClr val="tx1"/>
+          </a:fontRef>
+        </p:style>
+      </p:cxnSp>
+    </p:spTree>
+    <p:extLst>
+      <p:ext uri="{BB962C8B-B14F-4D97-AF65-F5344CB8AC3E}">
+        <p14:creationId xmlns:p14="http://schemas.microsoft.com/office/powerpoint/2010/main" val="2762128265"/>
       </p:ext>
     </p:extLst>
   </p:cSld>

--- a/230612.pptx
+++ b/230612.pptx
@@ -15,6 +15,9 @@
     <p:sldId id="263" r:id="rId9"/>
     <p:sldId id="264" r:id="rId10"/>
     <p:sldId id="265" r:id="rId11"/>
+    <p:sldId id="266" r:id="rId12"/>
+    <p:sldId id="267" r:id="rId13"/>
+    <p:sldId id="268" r:id="rId14"/>
   </p:sldIdLst>
   <p:sldSz cx="12192000" cy="6858000"/>
   <p:notesSz cx="6858000" cy="9144000"/>
@@ -270,7 +273,7 @@
           <a:p>
             <a:fld id="{3FC803BF-0477-6F43-A895-D2496DADD24E}" type="datetimeFigureOut">
               <a:rPr kumimoji="1" lang="ko-Kore-KR" altLang="en-US" smtClean="0"/>
-              <a:t>2023. 6. 13.</a:t>
+              <a:t>2023. 6. 14.</a:t>
             </a:fld>
             <a:endParaRPr kumimoji="1" lang="ko-Kore-KR" altLang="en-US"/>
           </a:p>
@@ -470,7 +473,7 @@
           <a:p>
             <a:fld id="{3FC803BF-0477-6F43-A895-D2496DADD24E}" type="datetimeFigureOut">
               <a:rPr kumimoji="1" lang="ko-Kore-KR" altLang="en-US" smtClean="0"/>
-              <a:t>2023. 6. 13.</a:t>
+              <a:t>2023. 6. 14.</a:t>
             </a:fld>
             <a:endParaRPr kumimoji="1" lang="ko-Kore-KR" altLang="en-US"/>
           </a:p>
@@ -680,7 +683,7 @@
           <a:p>
             <a:fld id="{3FC803BF-0477-6F43-A895-D2496DADD24E}" type="datetimeFigureOut">
               <a:rPr kumimoji="1" lang="ko-Kore-KR" altLang="en-US" smtClean="0"/>
-              <a:t>2023. 6. 13.</a:t>
+              <a:t>2023. 6. 14.</a:t>
             </a:fld>
             <a:endParaRPr kumimoji="1" lang="ko-Kore-KR" altLang="en-US"/>
           </a:p>
@@ -880,7 +883,7 @@
           <a:p>
             <a:fld id="{3FC803BF-0477-6F43-A895-D2496DADD24E}" type="datetimeFigureOut">
               <a:rPr kumimoji="1" lang="ko-Kore-KR" altLang="en-US" smtClean="0"/>
-              <a:t>2023. 6. 13.</a:t>
+              <a:t>2023. 6. 14.</a:t>
             </a:fld>
             <a:endParaRPr kumimoji="1" lang="ko-Kore-KR" altLang="en-US"/>
           </a:p>
@@ -1156,7 +1159,7 @@
           <a:p>
             <a:fld id="{3FC803BF-0477-6F43-A895-D2496DADD24E}" type="datetimeFigureOut">
               <a:rPr kumimoji="1" lang="ko-Kore-KR" altLang="en-US" smtClean="0"/>
-              <a:t>2023. 6. 13.</a:t>
+              <a:t>2023. 6. 14.</a:t>
             </a:fld>
             <a:endParaRPr kumimoji="1" lang="ko-Kore-KR" altLang="en-US"/>
           </a:p>
@@ -1424,7 +1427,7 @@
           <a:p>
             <a:fld id="{3FC803BF-0477-6F43-A895-D2496DADD24E}" type="datetimeFigureOut">
               <a:rPr kumimoji="1" lang="ko-Kore-KR" altLang="en-US" smtClean="0"/>
-              <a:t>2023. 6. 13.</a:t>
+              <a:t>2023. 6. 14.</a:t>
             </a:fld>
             <a:endParaRPr kumimoji="1" lang="ko-Kore-KR" altLang="en-US"/>
           </a:p>
@@ -1839,7 +1842,7 @@
           <a:p>
             <a:fld id="{3FC803BF-0477-6F43-A895-D2496DADD24E}" type="datetimeFigureOut">
               <a:rPr kumimoji="1" lang="ko-Kore-KR" altLang="en-US" smtClean="0"/>
-              <a:t>2023. 6. 13.</a:t>
+              <a:t>2023. 6. 14.</a:t>
             </a:fld>
             <a:endParaRPr kumimoji="1" lang="ko-Kore-KR" altLang="en-US"/>
           </a:p>
@@ -1981,7 +1984,7 @@
           <a:p>
             <a:fld id="{3FC803BF-0477-6F43-A895-D2496DADD24E}" type="datetimeFigureOut">
               <a:rPr kumimoji="1" lang="ko-Kore-KR" altLang="en-US" smtClean="0"/>
-              <a:t>2023. 6. 13.</a:t>
+              <a:t>2023. 6. 14.</a:t>
             </a:fld>
             <a:endParaRPr kumimoji="1" lang="ko-Kore-KR" altLang="en-US"/>
           </a:p>
@@ -2094,7 +2097,7 @@
           <a:p>
             <a:fld id="{3FC803BF-0477-6F43-A895-D2496DADD24E}" type="datetimeFigureOut">
               <a:rPr kumimoji="1" lang="ko-Kore-KR" altLang="en-US" smtClean="0"/>
-              <a:t>2023. 6. 13.</a:t>
+              <a:t>2023. 6. 14.</a:t>
             </a:fld>
             <a:endParaRPr kumimoji="1" lang="ko-Kore-KR" altLang="en-US"/>
           </a:p>
@@ -2407,7 +2410,7 @@
           <a:p>
             <a:fld id="{3FC803BF-0477-6F43-A895-D2496DADD24E}" type="datetimeFigureOut">
               <a:rPr kumimoji="1" lang="ko-Kore-KR" altLang="en-US" smtClean="0"/>
-              <a:t>2023. 6. 13.</a:t>
+              <a:t>2023. 6. 14.</a:t>
             </a:fld>
             <a:endParaRPr kumimoji="1" lang="ko-Kore-KR" altLang="en-US"/>
           </a:p>
@@ -2696,7 +2699,7 @@
           <a:p>
             <a:fld id="{3FC803BF-0477-6F43-A895-D2496DADD24E}" type="datetimeFigureOut">
               <a:rPr kumimoji="1" lang="ko-Kore-KR" altLang="en-US" smtClean="0"/>
-              <a:t>2023. 6. 13.</a:t>
+              <a:t>2023. 6. 14.</a:t>
             </a:fld>
             <a:endParaRPr kumimoji="1" lang="ko-Kore-KR" altLang="en-US"/>
           </a:p>
@@ -2939,7 +2942,7 @@
           <a:p>
             <a:fld id="{3FC803BF-0477-6F43-A895-D2496DADD24E}" type="datetimeFigureOut">
               <a:rPr kumimoji="1" lang="ko-Kore-KR" altLang="en-US" smtClean="0"/>
-              <a:t>2023. 6. 13.</a:t>
+              <a:t>2023. 6. 14.</a:t>
             </a:fld>
             <a:endParaRPr kumimoji="1" lang="ko-Kore-KR" altLang="en-US"/>
           </a:p>
@@ -4301,6 +4304,2987 @@
     <p:extLst>
       <p:ext uri="{BB962C8B-B14F-4D97-AF65-F5344CB8AC3E}">
         <p14:creationId xmlns:p14="http://schemas.microsoft.com/office/powerpoint/2010/main" val="2304453562"/>
+      </p:ext>
+    </p:extLst>
+  </p:cSld>
+  <p:clrMapOvr>
+    <a:masterClrMapping/>
+  </p:clrMapOvr>
+</p:sld>
+</file>
+
+<file path=ppt/slides/slide11.xml><?xml version="1.0" encoding="utf-8"?>
+<p:sld xmlns:a="http://schemas.openxmlformats.org/drawingml/2006/main" xmlns:r="http://schemas.openxmlformats.org/officeDocument/2006/relationships" xmlns:p="http://schemas.openxmlformats.org/presentationml/2006/main">
+  <p:cSld>
+    <p:spTree>
+      <p:nvGrpSpPr>
+        <p:cNvPr id="1" name=""/>
+        <p:cNvGrpSpPr/>
+        <p:nvPr/>
+      </p:nvGrpSpPr>
+      <p:grpSpPr>
+        <a:xfrm>
+          <a:off x="0" y="0"/>
+          <a:ext cx="0" cy="0"/>
+          <a:chOff x="0" y="0"/>
+          <a:chExt cx="0" cy="0"/>
+        </a:xfrm>
+      </p:grpSpPr>
+      <p:sp>
+        <p:nvSpPr>
+          <p:cNvPr id="5" name="TextBox 4">
+            <a:extLst>
+              <a:ext uri="{FF2B5EF4-FFF2-40B4-BE49-F238E27FC236}">
+                <a16:creationId xmlns:a16="http://schemas.microsoft.com/office/drawing/2014/main" id="{0A1C16FE-F34C-784E-8284-96ED9D20B313}"/>
+              </a:ext>
+            </a:extLst>
+          </p:cNvPr>
+          <p:cNvSpPr txBox="1"/>
+          <p:nvPr/>
+        </p:nvSpPr>
+        <p:spPr>
+          <a:xfrm>
+            <a:off x="329784" y="197957"/>
+            <a:ext cx="3412760" cy="3600986"/>
+          </a:xfrm>
+          <a:prstGeom prst="rect">
+            <a:avLst/>
+          </a:prstGeom>
+          <a:noFill/>
+        </p:spPr>
+        <p:txBody>
+          <a:bodyPr wrap="square">
+            <a:spAutoFit/>
+          </a:bodyPr>
+          <a:lstStyle/>
+          <a:p>
+            <a:r>
+              <a:rPr lang="ko-Kore-KR" altLang="en-US" sz="1200" dirty="0">
+                <a:latin typeface="DM Mono" panose="020B0509040201040103" pitchFamily="49" charset="0"/>
+              </a:rPr>
+              <a:t>class Point {</a:t>
+            </a:r>
+          </a:p>
+          <a:p>
+            <a:r>
+              <a:rPr lang="ko-Kore-KR" altLang="en-US" sz="1200" dirty="0">
+                <a:latin typeface="DM Mono" panose="020B0509040201040103" pitchFamily="49" charset="0"/>
+              </a:rPr>
+              <a:t>    int x;</a:t>
+            </a:r>
+          </a:p>
+          <a:p>
+            <a:r>
+              <a:rPr lang="ko-Kore-KR" altLang="en-US" sz="1200" dirty="0">
+                <a:latin typeface="DM Mono" panose="020B0509040201040103" pitchFamily="49" charset="0"/>
+              </a:rPr>
+              <a:t>    int y;</a:t>
+            </a:r>
+          </a:p>
+          <a:p>
+            <a:endParaRPr lang="ko-Kore-KR" altLang="en-US" sz="1200" dirty="0">
+              <a:latin typeface="DM Mono" panose="020B0509040201040103" pitchFamily="49" charset="0"/>
+            </a:endParaRPr>
+          </a:p>
+          <a:p>
+            <a:r>
+              <a:rPr lang="ko-Kore-KR" altLang="en-US" sz="1200" dirty="0">
+                <a:latin typeface="DM Mono" panose="020B0509040201040103" pitchFamily="49" charset="0"/>
+              </a:rPr>
+              <a:t>public:</a:t>
+            </a:r>
+          </a:p>
+          <a:p>
+            <a:r>
+              <a:rPr lang="ko-Kore-KR" altLang="en-US" sz="1200" dirty="0">
+                <a:latin typeface="DM Mono" panose="020B0509040201040103" pitchFamily="49" charset="0"/>
+              </a:rPr>
+              <a:t>    void Set(int a, int b)</a:t>
+            </a:r>
+          </a:p>
+          <a:p>
+            <a:r>
+              <a:rPr lang="ko-Kore-KR" altLang="en-US" sz="1200" dirty="0">
+                <a:latin typeface="DM Mono" panose="020B0509040201040103" pitchFamily="49" charset="0"/>
+              </a:rPr>
+              <a:t>    {</a:t>
+            </a:r>
+          </a:p>
+          <a:p>
+            <a:r>
+              <a:rPr lang="ko-Kore-KR" altLang="en-US" sz="1200" dirty="0">
+                <a:latin typeface="DM Mono" panose="020B0509040201040103" pitchFamily="49" charset="0"/>
+              </a:rPr>
+              <a:t>        x = a;</a:t>
+            </a:r>
+          </a:p>
+          <a:p>
+            <a:r>
+              <a:rPr lang="ko-Kore-KR" altLang="en-US" sz="1200" dirty="0">
+                <a:latin typeface="DM Mono" panose="020B0509040201040103" pitchFamily="49" charset="0"/>
+              </a:rPr>
+              <a:t>        y = b;</a:t>
+            </a:r>
+          </a:p>
+          <a:p>
+            <a:r>
+              <a:rPr lang="ko-Kore-KR" altLang="en-US" sz="1200" dirty="0">
+                <a:latin typeface="DM Mono" panose="020B0509040201040103" pitchFamily="49" charset="0"/>
+              </a:rPr>
+              <a:t>    }</a:t>
+            </a:r>
+          </a:p>
+          <a:p>
+            <a:r>
+              <a:rPr lang="ko-Kore-KR" altLang="en-US" sz="1200" dirty="0">
+                <a:latin typeface="DM Mono" panose="020B0509040201040103" pitchFamily="49" charset="0"/>
+              </a:rPr>
+              <a:t>};</a:t>
+            </a:r>
+          </a:p>
+          <a:p>
+            <a:endParaRPr lang="ko-Kore-KR" altLang="en-US" sz="1200" dirty="0">
+              <a:latin typeface="DM Mono" panose="020B0509040201040103" pitchFamily="49" charset="0"/>
+            </a:endParaRPr>
+          </a:p>
+          <a:p>
+            <a:r>
+              <a:rPr lang="ko-Kore-KR" altLang="en-US" sz="1200" dirty="0">
+                <a:latin typeface="DM Mono" panose="020B0509040201040103" pitchFamily="49" charset="0"/>
+              </a:rPr>
+              <a:t>int main()</a:t>
+            </a:r>
+          </a:p>
+          <a:p>
+            <a:r>
+              <a:rPr lang="ko-Kore-KR" altLang="en-US" sz="1200" dirty="0">
+                <a:latin typeface="DM Mono" panose="020B0509040201040103" pitchFamily="49" charset="0"/>
+              </a:rPr>
+              <a:t>{</a:t>
+            </a:r>
+          </a:p>
+          <a:p>
+            <a:r>
+              <a:rPr lang="ko-Kore-KR" altLang="en-US" sz="1200" dirty="0">
+                <a:latin typeface="DM Mono" panose="020B0509040201040103" pitchFamily="49" charset="0"/>
+              </a:rPr>
+              <a:t>    Point pt1, pt2;</a:t>
+            </a:r>
+          </a:p>
+          <a:p>
+            <a:endParaRPr lang="ko-Kore-KR" altLang="en-US" sz="1200" dirty="0">
+              <a:latin typeface="DM Mono" panose="020B0509040201040103" pitchFamily="49" charset="0"/>
+            </a:endParaRPr>
+          </a:p>
+          <a:p>
+            <a:r>
+              <a:rPr lang="ko-Kore-KR" altLang="en-US" sz="1200" dirty="0">
+                <a:latin typeface="DM Mono" panose="020B0509040201040103" pitchFamily="49" charset="0"/>
+              </a:rPr>
+              <a:t>    pt1.Set(10, 20);</a:t>
+            </a:r>
+          </a:p>
+          <a:p>
+            <a:r>
+              <a:rPr lang="ko-Kore-KR" altLang="en-US" sz="1200" dirty="0">
+                <a:latin typeface="DM Mono" panose="020B0509040201040103" pitchFamily="49" charset="0"/>
+              </a:rPr>
+              <a:t>    pt2.Set(100, 300);</a:t>
+            </a:r>
+          </a:p>
+          <a:p>
+            <a:r>
+              <a:rPr lang="ko-Kore-KR" altLang="en-US" sz="1200" dirty="0">
+                <a:latin typeface="DM Mono" panose="020B0509040201040103" pitchFamily="49" charset="0"/>
+              </a:rPr>
+              <a:t>}</a:t>
+            </a:r>
+          </a:p>
+        </p:txBody>
+      </p:sp>
+      <p:sp>
+        <p:nvSpPr>
+          <p:cNvPr id="6" name="직사각형 5">
+            <a:extLst>
+              <a:ext uri="{FF2B5EF4-FFF2-40B4-BE49-F238E27FC236}">
+                <a16:creationId xmlns:a16="http://schemas.microsoft.com/office/drawing/2014/main" id="{2F3DC5D3-8E7B-D839-7D4F-B4157A684F2D}"/>
+              </a:ext>
+            </a:extLst>
+          </p:cNvPr>
+          <p:cNvSpPr/>
+          <p:nvPr/>
+        </p:nvSpPr>
+        <p:spPr>
+          <a:xfrm>
+            <a:off x="3430247" y="3429000"/>
+            <a:ext cx="5109149" cy="2836889"/>
+          </a:xfrm>
+          <a:prstGeom prst="rect">
+            <a:avLst/>
+          </a:prstGeom>
+          <a:solidFill>
+            <a:schemeClr val="bg1"/>
+          </a:solidFill>
+        </p:spPr>
+        <p:style>
+          <a:lnRef idx="2">
+            <a:schemeClr val="accent4">
+              <a:shade val="15000"/>
+            </a:schemeClr>
+          </a:lnRef>
+          <a:fillRef idx="1">
+            <a:schemeClr val="accent4"/>
+          </a:fillRef>
+          <a:effectRef idx="0">
+            <a:schemeClr val="accent4"/>
+          </a:effectRef>
+          <a:fontRef idx="minor">
+            <a:schemeClr val="lt1"/>
+          </a:fontRef>
+        </p:style>
+        <p:txBody>
+          <a:bodyPr rtlCol="0" anchor="ctr"/>
+          <a:lstStyle/>
+          <a:p>
+            <a:pPr algn="ctr"/>
+            <a:endParaRPr kumimoji="1" lang="ko-Kore-KR" altLang="en-US">
+              <a:solidFill>
+                <a:schemeClr val="tx1"/>
+              </a:solidFill>
+            </a:endParaRPr>
+          </a:p>
+        </p:txBody>
+      </p:sp>
+      <p:sp>
+        <p:nvSpPr>
+          <p:cNvPr id="7" name="직사각형 6">
+            <a:extLst>
+              <a:ext uri="{FF2B5EF4-FFF2-40B4-BE49-F238E27FC236}">
+                <a16:creationId xmlns:a16="http://schemas.microsoft.com/office/drawing/2014/main" id="{CA1D0D8F-3D93-1A2B-16A2-AC8CF7F66328}"/>
+              </a:ext>
+            </a:extLst>
+          </p:cNvPr>
+          <p:cNvSpPr/>
+          <p:nvPr/>
+        </p:nvSpPr>
+        <p:spPr>
+          <a:xfrm>
+            <a:off x="4202242" y="3802505"/>
+            <a:ext cx="769495" cy="419724"/>
+          </a:xfrm>
+          <a:prstGeom prst="rect">
+            <a:avLst/>
+          </a:prstGeom>
+          <a:solidFill>
+            <a:schemeClr val="accent4">
+              <a:lumMod val="60000"/>
+              <a:lumOff val="40000"/>
+            </a:schemeClr>
+          </a:solidFill>
+        </p:spPr>
+        <p:style>
+          <a:lnRef idx="2">
+            <a:schemeClr val="accent4">
+              <a:shade val="15000"/>
+            </a:schemeClr>
+          </a:lnRef>
+          <a:fillRef idx="1">
+            <a:schemeClr val="accent4"/>
+          </a:fillRef>
+          <a:effectRef idx="0">
+            <a:schemeClr val="accent4"/>
+          </a:effectRef>
+          <a:fontRef idx="minor">
+            <a:schemeClr val="lt1"/>
+          </a:fontRef>
+        </p:style>
+        <p:txBody>
+          <a:bodyPr rtlCol="0" anchor="ctr"/>
+          <a:lstStyle/>
+          <a:p>
+            <a:pPr algn="ctr"/>
+            <a:endParaRPr kumimoji="1" lang="ko-Kore-KR" altLang="en-US" sz="1200" dirty="0">
+              <a:solidFill>
+                <a:schemeClr val="tx1"/>
+              </a:solidFill>
+              <a:latin typeface="DM Mono" panose="020B0509040201040103" pitchFamily="49" charset="0"/>
+            </a:endParaRPr>
+          </a:p>
+        </p:txBody>
+      </p:sp>
+      <p:sp>
+        <p:nvSpPr>
+          <p:cNvPr id="8" name="TextBox 7">
+            <a:extLst>
+              <a:ext uri="{FF2B5EF4-FFF2-40B4-BE49-F238E27FC236}">
+                <a16:creationId xmlns:a16="http://schemas.microsoft.com/office/drawing/2014/main" id="{F5E390B6-A8A7-689A-5317-D9E45EBF4469}"/>
+              </a:ext>
+            </a:extLst>
+          </p:cNvPr>
+          <p:cNvSpPr txBox="1"/>
+          <p:nvPr/>
+        </p:nvSpPr>
+        <p:spPr>
+          <a:xfrm>
+            <a:off x="3817494" y="3881562"/>
+            <a:ext cx="384748" cy="261610"/>
+          </a:xfrm>
+          <a:prstGeom prst="rect">
+            <a:avLst/>
+          </a:prstGeom>
+          <a:noFill/>
+        </p:spPr>
+        <p:txBody>
+          <a:bodyPr wrap="square">
+            <a:spAutoFit/>
+          </a:bodyPr>
+          <a:lstStyle/>
+          <a:p>
+            <a:pPr algn="r"/>
+            <a:r>
+              <a:rPr kumimoji="1" lang="en-US" altLang="ko-Kore-KR" sz="1100" dirty="0">
+                <a:latin typeface="DM Mono" panose="020B0509040201040103" pitchFamily="49" charset="0"/>
+              </a:rPr>
+              <a:t>x</a:t>
+            </a:r>
+            <a:endParaRPr kumimoji="1" lang="ko-Kore-KR" altLang="en-US" sz="1100" dirty="0">
+              <a:solidFill>
+                <a:schemeClr val="tx1"/>
+              </a:solidFill>
+              <a:latin typeface="DM Mono" panose="020B0509040201040103" pitchFamily="49" charset="0"/>
+            </a:endParaRPr>
+          </a:p>
+        </p:txBody>
+      </p:sp>
+      <p:sp>
+        <p:nvSpPr>
+          <p:cNvPr id="9" name="TextBox 8">
+            <a:extLst>
+              <a:ext uri="{FF2B5EF4-FFF2-40B4-BE49-F238E27FC236}">
+                <a16:creationId xmlns:a16="http://schemas.microsoft.com/office/drawing/2014/main" id="{A3EAF81C-9294-533F-5D8F-47C3F8BA2BCE}"/>
+              </a:ext>
+            </a:extLst>
+          </p:cNvPr>
+          <p:cNvSpPr txBox="1"/>
+          <p:nvPr/>
+        </p:nvSpPr>
+        <p:spPr>
+          <a:xfrm>
+            <a:off x="3607633" y="3145702"/>
+            <a:ext cx="1821303" cy="276999"/>
+          </a:xfrm>
+          <a:prstGeom prst="rect">
+            <a:avLst/>
+          </a:prstGeom>
+          <a:noFill/>
+        </p:spPr>
+        <p:txBody>
+          <a:bodyPr wrap="square">
+            <a:spAutoFit/>
+          </a:bodyPr>
+          <a:lstStyle/>
+          <a:p>
+            <a:pPr algn="ctr"/>
+            <a:r>
+              <a:rPr lang="ko-Kore-KR" altLang="en-US" sz="1200" dirty="0">
+                <a:latin typeface="DM Mono" panose="020B0509040201040103" pitchFamily="49" charset="0"/>
+              </a:rPr>
+              <a:t>main</a:t>
+            </a:r>
+          </a:p>
+        </p:txBody>
+      </p:sp>
+      <p:sp>
+        <p:nvSpPr>
+          <p:cNvPr id="10" name="직사각형 9">
+            <a:extLst>
+              <a:ext uri="{FF2B5EF4-FFF2-40B4-BE49-F238E27FC236}">
+                <a16:creationId xmlns:a16="http://schemas.microsoft.com/office/drawing/2014/main" id="{EADA0410-51B1-5D19-964D-7E9ECE449302}"/>
+              </a:ext>
+            </a:extLst>
+          </p:cNvPr>
+          <p:cNvSpPr/>
+          <p:nvPr/>
+        </p:nvSpPr>
+        <p:spPr>
+          <a:xfrm>
+            <a:off x="4202242" y="4222229"/>
+            <a:ext cx="769495" cy="419724"/>
+          </a:xfrm>
+          <a:prstGeom prst="rect">
+            <a:avLst/>
+          </a:prstGeom>
+          <a:solidFill>
+            <a:schemeClr val="accent4">
+              <a:lumMod val="60000"/>
+              <a:lumOff val="40000"/>
+            </a:schemeClr>
+          </a:solidFill>
+        </p:spPr>
+        <p:style>
+          <a:lnRef idx="2">
+            <a:schemeClr val="accent4">
+              <a:shade val="15000"/>
+            </a:schemeClr>
+          </a:lnRef>
+          <a:fillRef idx="1">
+            <a:schemeClr val="accent4"/>
+          </a:fillRef>
+          <a:effectRef idx="0">
+            <a:schemeClr val="accent4"/>
+          </a:effectRef>
+          <a:fontRef idx="minor">
+            <a:schemeClr val="lt1"/>
+          </a:fontRef>
+        </p:style>
+        <p:txBody>
+          <a:bodyPr rtlCol="0" anchor="ctr"/>
+          <a:lstStyle/>
+          <a:p>
+            <a:pPr algn="ctr"/>
+            <a:endParaRPr kumimoji="1" lang="ko-Kore-KR" altLang="en-US" sz="1200" dirty="0">
+              <a:solidFill>
+                <a:schemeClr val="tx1"/>
+              </a:solidFill>
+              <a:latin typeface="DM Mono" panose="020B0509040201040103" pitchFamily="49" charset="0"/>
+            </a:endParaRPr>
+          </a:p>
+        </p:txBody>
+      </p:sp>
+      <p:sp>
+        <p:nvSpPr>
+          <p:cNvPr id="11" name="TextBox 10">
+            <a:extLst>
+              <a:ext uri="{FF2B5EF4-FFF2-40B4-BE49-F238E27FC236}">
+                <a16:creationId xmlns:a16="http://schemas.microsoft.com/office/drawing/2014/main" id="{A50DFEF0-A7AD-FDB1-0570-CF9ED265EC33}"/>
+              </a:ext>
+            </a:extLst>
+          </p:cNvPr>
+          <p:cNvSpPr txBox="1"/>
+          <p:nvPr/>
+        </p:nvSpPr>
+        <p:spPr>
+          <a:xfrm>
+            <a:off x="3817494" y="4301286"/>
+            <a:ext cx="384748" cy="261610"/>
+          </a:xfrm>
+          <a:prstGeom prst="rect">
+            <a:avLst/>
+          </a:prstGeom>
+          <a:noFill/>
+        </p:spPr>
+        <p:txBody>
+          <a:bodyPr wrap="square">
+            <a:spAutoFit/>
+          </a:bodyPr>
+          <a:lstStyle/>
+          <a:p>
+            <a:pPr algn="r"/>
+            <a:r>
+              <a:rPr kumimoji="1" lang="en-US" altLang="ko-Kore-KR" sz="1100" dirty="0">
+                <a:solidFill>
+                  <a:schemeClr val="tx1"/>
+                </a:solidFill>
+                <a:latin typeface="DM Mono" panose="020B0509040201040103" pitchFamily="49" charset="0"/>
+              </a:rPr>
+              <a:t>y</a:t>
+            </a:r>
+            <a:endParaRPr kumimoji="1" lang="ko-Kore-KR" altLang="en-US" sz="1100" dirty="0">
+              <a:solidFill>
+                <a:schemeClr val="tx1"/>
+              </a:solidFill>
+              <a:latin typeface="DM Mono" panose="020B0509040201040103" pitchFamily="49" charset="0"/>
+            </a:endParaRPr>
+          </a:p>
+        </p:txBody>
+      </p:sp>
+      <p:sp>
+        <p:nvSpPr>
+          <p:cNvPr id="12" name="TextBox 11">
+            <a:extLst>
+              <a:ext uri="{FF2B5EF4-FFF2-40B4-BE49-F238E27FC236}">
+                <a16:creationId xmlns:a16="http://schemas.microsoft.com/office/drawing/2014/main" id="{0744025E-B981-FE08-20F0-0EAE6EBC840B}"/>
+              </a:ext>
+            </a:extLst>
+          </p:cNvPr>
+          <p:cNvSpPr txBox="1"/>
+          <p:nvPr/>
+        </p:nvSpPr>
+        <p:spPr>
+          <a:xfrm>
+            <a:off x="4340276" y="3537746"/>
+            <a:ext cx="490927" cy="261610"/>
+          </a:xfrm>
+          <a:prstGeom prst="rect">
+            <a:avLst/>
+          </a:prstGeom>
+          <a:noFill/>
+        </p:spPr>
+        <p:txBody>
+          <a:bodyPr wrap="square">
+            <a:spAutoFit/>
+          </a:bodyPr>
+          <a:lstStyle/>
+          <a:p>
+            <a:pPr algn="ctr"/>
+            <a:r>
+              <a:rPr kumimoji="1" lang="en-US" altLang="ko-Kore-KR" sz="1100" dirty="0">
+                <a:solidFill>
+                  <a:schemeClr val="tx1"/>
+                </a:solidFill>
+                <a:latin typeface="DM Mono" panose="020B0509040201040103" pitchFamily="49" charset="0"/>
+              </a:rPr>
+              <a:t>pt1</a:t>
+            </a:r>
+            <a:endParaRPr kumimoji="1" lang="ko-Kore-KR" altLang="en-US" sz="1100" dirty="0">
+              <a:solidFill>
+                <a:schemeClr val="tx1"/>
+              </a:solidFill>
+              <a:latin typeface="DM Mono" panose="020B0509040201040103" pitchFamily="49" charset="0"/>
+            </a:endParaRPr>
+          </a:p>
+        </p:txBody>
+      </p:sp>
+      <p:sp>
+        <p:nvSpPr>
+          <p:cNvPr id="13" name="직사각형 12">
+            <a:extLst>
+              <a:ext uri="{FF2B5EF4-FFF2-40B4-BE49-F238E27FC236}">
+                <a16:creationId xmlns:a16="http://schemas.microsoft.com/office/drawing/2014/main" id="{88352FD8-F396-1788-656A-788902165EE4}"/>
+              </a:ext>
+            </a:extLst>
+          </p:cNvPr>
+          <p:cNvSpPr/>
+          <p:nvPr/>
+        </p:nvSpPr>
+        <p:spPr>
+          <a:xfrm>
+            <a:off x="5881766" y="3773414"/>
+            <a:ext cx="769495" cy="419724"/>
+          </a:xfrm>
+          <a:prstGeom prst="rect">
+            <a:avLst/>
+          </a:prstGeom>
+          <a:solidFill>
+            <a:schemeClr val="accent4">
+              <a:lumMod val="60000"/>
+              <a:lumOff val="40000"/>
+            </a:schemeClr>
+          </a:solidFill>
+        </p:spPr>
+        <p:style>
+          <a:lnRef idx="2">
+            <a:schemeClr val="accent4">
+              <a:shade val="15000"/>
+            </a:schemeClr>
+          </a:lnRef>
+          <a:fillRef idx="1">
+            <a:schemeClr val="accent4"/>
+          </a:fillRef>
+          <a:effectRef idx="0">
+            <a:schemeClr val="accent4"/>
+          </a:effectRef>
+          <a:fontRef idx="minor">
+            <a:schemeClr val="lt1"/>
+          </a:fontRef>
+        </p:style>
+        <p:txBody>
+          <a:bodyPr rtlCol="0" anchor="ctr"/>
+          <a:lstStyle/>
+          <a:p>
+            <a:pPr algn="ctr"/>
+            <a:endParaRPr kumimoji="1" lang="ko-Kore-KR" altLang="en-US" sz="1200" dirty="0">
+              <a:solidFill>
+                <a:schemeClr val="tx1"/>
+              </a:solidFill>
+              <a:latin typeface="DM Mono" panose="020B0509040201040103" pitchFamily="49" charset="0"/>
+            </a:endParaRPr>
+          </a:p>
+        </p:txBody>
+      </p:sp>
+      <p:sp>
+        <p:nvSpPr>
+          <p:cNvPr id="14" name="TextBox 13">
+            <a:extLst>
+              <a:ext uri="{FF2B5EF4-FFF2-40B4-BE49-F238E27FC236}">
+                <a16:creationId xmlns:a16="http://schemas.microsoft.com/office/drawing/2014/main" id="{4A6BDF8A-36EA-D0A5-9DF3-C6ED0C50528A}"/>
+              </a:ext>
+            </a:extLst>
+          </p:cNvPr>
+          <p:cNvSpPr txBox="1"/>
+          <p:nvPr/>
+        </p:nvSpPr>
+        <p:spPr>
+          <a:xfrm>
+            <a:off x="5497018" y="3852471"/>
+            <a:ext cx="384748" cy="261610"/>
+          </a:xfrm>
+          <a:prstGeom prst="rect">
+            <a:avLst/>
+          </a:prstGeom>
+          <a:noFill/>
+        </p:spPr>
+        <p:txBody>
+          <a:bodyPr wrap="square">
+            <a:spAutoFit/>
+          </a:bodyPr>
+          <a:lstStyle/>
+          <a:p>
+            <a:pPr algn="r"/>
+            <a:r>
+              <a:rPr kumimoji="1" lang="en-US" altLang="ko-Kore-KR" sz="1100" dirty="0">
+                <a:latin typeface="DM Mono" panose="020B0509040201040103" pitchFamily="49" charset="0"/>
+              </a:rPr>
+              <a:t>x</a:t>
+            </a:r>
+            <a:endParaRPr kumimoji="1" lang="ko-Kore-KR" altLang="en-US" sz="1100" dirty="0">
+              <a:solidFill>
+                <a:schemeClr val="tx1"/>
+              </a:solidFill>
+              <a:latin typeface="DM Mono" panose="020B0509040201040103" pitchFamily="49" charset="0"/>
+            </a:endParaRPr>
+          </a:p>
+        </p:txBody>
+      </p:sp>
+      <p:sp>
+        <p:nvSpPr>
+          <p:cNvPr id="15" name="직사각형 14">
+            <a:extLst>
+              <a:ext uri="{FF2B5EF4-FFF2-40B4-BE49-F238E27FC236}">
+                <a16:creationId xmlns:a16="http://schemas.microsoft.com/office/drawing/2014/main" id="{3B34C8EF-828E-0B94-D39A-99CE3A61A8F4}"/>
+              </a:ext>
+            </a:extLst>
+          </p:cNvPr>
+          <p:cNvSpPr/>
+          <p:nvPr/>
+        </p:nvSpPr>
+        <p:spPr>
+          <a:xfrm>
+            <a:off x="5881766" y="4193138"/>
+            <a:ext cx="769495" cy="419724"/>
+          </a:xfrm>
+          <a:prstGeom prst="rect">
+            <a:avLst/>
+          </a:prstGeom>
+          <a:solidFill>
+            <a:schemeClr val="accent4">
+              <a:lumMod val="60000"/>
+              <a:lumOff val="40000"/>
+            </a:schemeClr>
+          </a:solidFill>
+        </p:spPr>
+        <p:style>
+          <a:lnRef idx="2">
+            <a:schemeClr val="accent4">
+              <a:shade val="15000"/>
+            </a:schemeClr>
+          </a:lnRef>
+          <a:fillRef idx="1">
+            <a:schemeClr val="accent4"/>
+          </a:fillRef>
+          <a:effectRef idx="0">
+            <a:schemeClr val="accent4"/>
+          </a:effectRef>
+          <a:fontRef idx="minor">
+            <a:schemeClr val="lt1"/>
+          </a:fontRef>
+        </p:style>
+        <p:txBody>
+          <a:bodyPr rtlCol="0" anchor="ctr"/>
+          <a:lstStyle/>
+          <a:p>
+            <a:pPr algn="ctr"/>
+            <a:endParaRPr kumimoji="1" lang="ko-Kore-KR" altLang="en-US" sz="1200" dirty="0">
+              <a:solidFill>
+                <a:schemeClr val="tx1"/>
+              </a:solidFill>
+              <a:latin typeface="DM Mono" panose="020B0509040201040103" pitchFamily="49" charset="0"/>
+            </a:endParaRPr>
+          </a:p>
+        </p:txBody>
+      </p:sp>
+      <p:sp>
+        <p:nvSpPr>
+          <p:cNvPr id="16" name="TextBox 15">
+            <a:extLst>
+              <a:ext uri="{FF2B5EF4-FFF2-40B4-BE49-F238E27FC236}">
+                <a16:creationId xmlns:a16="http://schemas.microsoft.com/office/drawing/2014/main" id="{6304CBF1-4C94-E875-8248-A9609ECED170}"/>
+              </a:ext>
+            </a:extLst>
+          </p:cNvPr>
+          <p:cNvSpPr txBox="1"/>
+          <p:nvPr/>
+        </p:nvSpPr>
+        <p:spPr>
+          <a:xfrm>
+            <a:off x="5497018" y="4272195"/>
+            <a:ext cx="384748" cy="261610"/>
+          </a:xfrm>
+          <a:prstGeom prst="rect">
+            <a:avLst/>
+          </a:prstGeom>
+          <a:noFill/>
+        </p:spPr>
+        <p:txBody>
+          <a:bodyPr wrap="square">
+            <a:spAutoFit/>
+          </a:bodyPr>
+          <a:lstStyle/>
+          <a:p>
+            <a:pPr algn="r"/>
+            <a:r>
+              <a:rPr kumimoji="1" lang="en-US" altLang="ko-Kore-KR" sz="1100" dirty="0">
+                <a:solidFill>
+                  <a:schemeClr val="tx1"/>
+                </a:solidFill>
+                <a:latin typeface="DM Mono" panose="020B0509040201040103" pitchFamily="49" charset="0"/>
+              </a:rPr>
+              <a:t>y</a:t>
+            </a:r>
+            <a:endParaRPr kumimoji="1" lang="ko-Kore-KR" altLang="en-US" sz="1100" dirty="0">
+              <a:solidFill>
+                <a:schemeClr val="tx1"/>
+              </a:solidFill>
+              <a:latin typeface="DM Mono" panose="020B0509040201040103" pitchFamily="49" charset="0"/>
+            </a:endParaRPr>
+          </a:p>
+        </p:txBody>
+      </p:sp>
+      <p:sp>
+        <p:nvSpPr>
+          <p:cNvPr id="17" name="TextBox 16">
+            <a:extLst>
+              <a:ext uri="{FF2B5EF4-FFF2-40B4-BE49-F238E27FC236}">
+                <a16:creationId xmlns:a16="http://schemas.microsoft.com/office/drawing/2014/main" id="{4293E015-F753-CFD8-EAB0-16FE54290394}"/>
+              </a:ext>
+            </a:extLst>
+          </p:cNvPr>
+          <p:cNvSpPr txBox="1"/>
+          <p:nvPr/>
+        </p:nvSpPr>
+        <p:spPr>
+          <a:xfrm>
+            <a:off x="6019800" y="3508655"/>
+            <a:ext cx="490927" cy="261610"/>
+          </a:xfrm>
+          <a:prstGeom prst="rect">
+            <a:avLst/>
+          </a:prstGeom>
+          <a:noFill/>
+        </p:spPr>
+        <p:txBody>
+          <a:bodyPr wrap="square">
+            <a:spAutoFit/>
+          </a:bodyPr>
+          <a:lstStyle/>
+          <a:p>
+            <a:pPr algn="ctr"/>
+            <a:r>
+              <a:rPr kumimoji="1" lang="en-US" altLang="ko-Kore-KR" sz="1100" dirty="0">
+                <a:solidFill>
+                  <a:schemeClr val="tx1"/>
+                </a:solidFill>
+                <a:latin typeface="DM Mono" panose="020B0509040201040103" pitchFamily="49" charset="0"/>
+              </a:rPr>
+              <a:t>pt2</a:t>
+            </a:r>
+            <a:endParaRPr kumimoji="1" lang="ko-Kore-KR" altLang="en-US" sz="1100" dirty="0">
+              <a:solidFill>
+                <a:schemeClr val="tx1"/>
+              </a:solidFill>
+              <a:latin typeface="DM Mono" panose="020B0509040201040103" pitchFamily="49" charset="0"/>
+            </a:endParaRPr>
+          </a:p>
+        </p:txBody>
+      </p:sp>
+      <p:sp>
+        <p:nvSpPr>
+          <p:cNvPr id="19" name="TextBox 18">
+            <a:extLst>
+              <a:ext uri="{FF2B5EF4-FFF2-40B4-BE49-F238E27FC236}">
+                <a16:creationId xmlns:a16="http://schemas.microsoft.com/office/drawing/2014/main" id="{44CDC6BC-132B-8F25-9DDC-824F8D16600E}"/>
+              </a:ext>
+            </a:extLst>
+          </p:cNvPr>
+          <p:cNvSpPr txBox="1"/>
+          <p:nvPr/>
+        </p:nvSpPr>
+        <p:spPr>
+          <a:xfrm>
+            <a:off x="4202241" y="1177129"/>
+            <a:ext cx="3967397" cy="1169551"/>
+          </a:xfrm>
+          <a:prstGeom prst="rect">
+            <a:avLst/>
+          </a:prstGeom>
+          <a:noFill/>
+        </p:spPr>
+        <p:txBody>
+          <a:bodyPr wrap="square">
+            <a:spAutoFit/>
+          </a:bodyPr>
+          <a:lstStyle/>
+          <a:p>
+            <a:r>
+              <a:rPr lang="ko-Kore-KR" altLang="en-US" sz="1400" dirty="0">
+                <a:latin typeface="DM Mono" panose="020B0509040201040103" pitchFamily="49" charset="0"/>
+              </a:rPr>
+              <a:t> void </a:t>
+            </a:r>
+            <a:r>
+              <a:rPr lang="en-US" altLang="ko-Kore-KR" sz="1400" dirty="0">
+                <a:latin typeface="DM Mono" panose="020B0509040201040103" pitchFamily="49" charset="0"/>
+              </a:rPr>
+              <a:t>Point::</a:t>
+            </a:r>
+            <a:r>
+              <a:rPr lang="ko-Kore-KR" altLang="en-US" sz="1400" dirty="0">
+                <a:latin typeface="DM Mono" panose="020B0509040201040103" pitchFamily="49" charset="0"/>
+              </a:rPr>
+              <a:t>Set(int a, int b)</a:t>
+            </a:r>
+          </a:p>
+          <a:p>
+            <a:r>
+              <a:rPr lang="en-US" altLang="ko-Kore-KR" sz="1400" dirty="0">
+                <a:latin typeface="DM Mono" panose="020B0509040201040103" pitchFamily="49" charset="0"/>
+              </a:rPr>
+              <a:t> </a:t>
+            </a:r>
+            <a:r>
+              <a:rPr lang="ko-Kore-KR" altLang="en-US" sz="1400" dirty="0">
+                <a:latin typeface="DM Mono" panose="020B0509040201040103" pitchFamily="49" charset="0"/>
+              </a:rPr>
+              <a:t>{</a:t>
+            </a:r>
+          </a:p>
+          <a:p>
+            <a:r>
+              <a:rPr lang="ko-Kore-KR" altLang="en-US" sz="1400" dirty="0">
+                <a:latin typeface="DM Mono" panose="020B0509040201040103" pitchFamily="49" charset="0"/>
+              </a:rPr>
+              <a:t>        x = a;</a:t>
+            </a:r>
+          </a:p>
+          <a:p>
+            <a:r>
+              <a:rPr lang="ko-Kore-KR" altLang="en-US" sz="1400" dirty="0">
+                <a:latin typeface="DM Mono" panose="020B0509040201040103" pitchFamily="49" charset="0"/>
+              </a:rPr>
+              <a:t>        y = b;</a:t>
+            </a:r>
+          </a:p>
+          <a:p>
+            <a:r>
+              <a:rPr lang="en-US" altLang="ko-Kore-KR" sz="1400" dirty="0">
+                <a:latin typeface="DM Mono" panose="020B0509040201040103" pitchFamily="49" charset="0"/>
+              </a:rPr>
+              <a:t> </a:t>
+            </a:r>
+            <a:r>
+              <a:rPr lang="ko-Kore-KR" altLang="en-US" sz="1400" dirty="0">
+                <a:latin typeface="DM Mono" panose="020B0509040201040103" pitchFamily="49" charset="0"/>
+              </a:rPr>
+              <a:t>}</a:t>
+            </a:r>
+            <a:endParaRPr lang="ko-Kore-KR" altLang="en-US" sz="1400" dirty="0"/>
+          </a:p>
+        </p:txBody>
+      </p:sp>
+    </p:spTree>
+    <p:extLst>
+      <p:ext uri="{BB962C8B-B14F-4D97-AF65-F5344CB8AC3E}">
+        <p14:creationId xmlns:p14="http://schemas.microsoft.com/office/powerpoint/2010/main" val="448740748"/>
+      </p:ext>
+    </p:extLst>
+  </p:cSld>
+  <p:clrMapOvr>
+    <a:masterClrMapping/>
+  </p:clrMapOvr>
+</p:sld>
+</file>
+
+<file path=ppt/slides/slide12.xml><?xml version="1.0" encoding="utf-8"?>
+<p:sld xmlns:a="http://schemas.openxmlformats.org/drawingml/2006/main" xmlns:r="http://schemas.openxmlformats.org/officeDocument/2006/relationships" xmlns:p="http://schemas.openxmlformats.org/presentationml/2006/main">
+  <p:cSld>
+    <p:spTree>
+      <p:nvGrpSpPr>
+        <p:cNvPr id="1" name=""/>
+        <p:cNvGrpSpPr/>
+        <p:nvPr/>
+      </p:nvGrpSpPr>
+      <p:grpSpPr>
+        <a:xfrm>
+          <a:off x="0" y="0"/>
+          <a:ext cx="0" cy="0"/>
+          <a:chOff x="0" y="0"/>
+          <a:chExt cx="0" cy="0"/>
+        </a:xfrm>
+      </p:grpSpPr>
+      <p:sp>
+        <p:nvSpPr>
+          <p:cNvPr id="5" name="TextBox 4">
+            <a:extLst>
+              <a:ext uri="{FF2B5EF4-FFF2-40B4-BE49-F238E27FC236}">
+                <a16:creationId xmlns:a16="http://schemas.microsoft.com/office/drawing/2014/main" id="{0A1C16FE-F34C-784E-8284-96ED9D20B313}"/>
+              </a:ext>
+            </a:extLst>
+          </p:cNvPr>
+          <p:cNvSpPr txBox="1"/>
+          <p:nvPr/>
+        </p:nvSpPr>
+        <p:spPr>
+          <a:xfrm>
+            <a:off x="329784" y="197957"/>
+            <a:ext cx="4636330" cy="3600986"/>
+          </a:xfrm>
+          <a:prstGeom prst="rect">
+            <a:avLst/>
+          </a:prstGeom>
+          <a:noFill/>
+        </p:spPr>
+        <p:txBody>
+          <a:bodyPr wrap="square">
+            <a:spAutoFit/>
+          </a:bodyPr>
+          <a:lstStyle/>
+          <a:p>
+            <a:r>
+              <a:rPr lang="ko-Kore-KR" altLang="en-US" sz="1200" dirty="0">
+                <a:latin typeface="DM Mono" panose="020B0509040201040103" pitchFamily="49" charset="0"/>
+              </a:rPr>
+              <a:t>class Point {</a:t>
+            </a:r>
+          </a:p>
+          <a:p>
+            <a:r>
+              <a:rPr lang="ko-Kore-KR" altLang="en-US" sz="1200" dirty="0">
+                <a:latin typeface="DM Mono" panose="020B0509040201040103" pitchFamily="49" charset="0"/>
+              </a:rPr>
+              <a:t>    int x;</a:t>
+            </a:r>
+          </a:p>
+          <a:p>
+            <a:r>
+              <a:rPr lang="ko-Kore-KR" altLang="en-US" sz="1200" dirty="0">
+                <a:latin typeface="DM Mono" panose="020B0509040201040103" pitchFamily="49" charset="0"/>
+              </a:rPr>
+              <a:t>    int y;</a:t>
+            </a:r>
+          </a:p>
+          <a:p>
+            <a:endParaRPr lang="ko-Kore-KR" altLang="en-US" sz="1200" dirty="0">
+              <a:latin typeface="DM Mono" panose="020B0509040201040103" pitchFamily="49" charset="0"/>
+            </a:endParaRPr>
+          </a:p>
+          <a:p>
+            <a:r>
+              <a:rPr lang="ko-Kore-KR" altLang="en-US" sz="1200" dirty="0">
+                <a:latin typeface="DM Mono" panose="020B0509040201040103" pitchFamily="49" charset="0"/>
+              </a:rPr>
+              <a:t>public:</a:t>
+            </a:r>
+          </a:p>
+          <a:p>
+            <a:r>
+              <a:rPr lang="ko-Kore-KR" altLang="en-US" sz="1200" dirty="0">
+                <a:latin typeface="DM Mono" panose="020B0509040201040103" pitchFamily="49" charset="0"/>
+              </a:rPr>
+              <a:t>    void Set(int a, int b)</a:t>
+            </a:r>
+          </a:p>
+          <a:p>
+            <a:r>
+              <a:rPr lang="ko-Kore-KR" altLang="en-US" sz="1200" dirty="0">
+                <a:latin typeface="DM Mono" panose="020B0509040201040103" pitchFamily="49" charset="0"/>
+              </a:rPr>
+              <a:t>    {</a:t>
+            </a:r>
+          </a:p>
+          <a:p>
+            <a:r>
+              <a:rPr lang="ko-Kore-KR" altLang="en-US" sz="1200" dirty="0">
+                <a:latin typeface="DM Mono" panose="020B0509040201040103" pitchFamily="49" charset="0"/>
+              </a:rPr>
+              <a:t>        x = a;</a:t>
+            </a:r>
+          </a:p>
+          <a:p>
+            <a:r>
+              <a:rPr lang="ko-Kore-KR" altLang="en-US" sz="1200" dirty="0">
+                <a:latin typeface="DM Mono" panose="020B0509040201040103" pitchFamily="49" charset="0"/>
+              </a:rPr>
+              <a:t>        y = b;</a:t>
+            </a:r>
+          </a:p>
+          <a:p>
+            <a:r>
+              <a:rPr lang="ko-Kore-KR" altLang="en-US" sz="1200" dirty="0">
+                <a:latin typeface="DM Mono" panose="020B0509040201040103" pitchFamily="49" charset="0"/>
+              </a:rPr>
+              <a:t>    }</a:t>
+            </a:r>
+          </a:p>
+          <a:p>
+            <a:r>
+              <a:rPr lang="ko-Kore-KR" altLang="en-US" sz="1200" dirty="0">
+                <a:latin typeface="DM Mono" panose="020B0509040201040103" pitchFamily="49" charset="0"/>
+              </a:rPr>
+              <a:t>};</a:t>
+            </a:r>
+          </a:p>
+          <a:p>
+            <a:endParaRPr lang="ko-Kore-KR" altLang="en-US" sz="1200" dirty="0">
+              <a:latin typeface="DM Mono" panose="020B0509040201040103" pitchFamily="49" charset="0"/>
+            </a:endParaRPr>
+          </a:p>
+          <a:p>
+            <a:r>
+              <a:rPr lang="ko-Kore-KR" altLang="en-US" sz="1200" dirty="0">
+                <a:latin typeface="DM Mono" panose="020B0509040201040103" pitchFamily="49" charset="0"/>
+              </a:rPr>
+              <a:t>int main()</a:t>
+            </a:r>
+          </a:p>
+          <a:p>
+            <a:r>
+              <a:rPr lang="ko-Kore-KR" altLang="en-US" sz="1200" dirty="0">
+                <a:latin typeface="DM Mono" panose="020B0509040201040103" pitchFamily="49" charset="0"/>
+              </a:rPr>
+              <a:t>{</a:t>
+            </a:r>
+          </a:p>
+          <a:p>
+            <a:r>
+              <a:rPr lang="ko-Kore-KR" altLang="en-US" sz="1200" dirty="0">
+                <a:latin typeface="DM Mono" panose="020B0509040201040103" pitchFamily="49" charset="0"/>
+              </a:rPr>
+              <a:t>    Point pt1, pt2;</a:t>
+            </a:r>
+          </a:p>
+          <a:p>
+            <a:endParaRPr lang="ko-Kore-KR" altLang="en-US" sz="1200" dirty="0">
+              <a:latin typeface="DM Mono" panose="020B0509040201040103" pitchFamily="49" charset="0"/>
+            </a:endParaRPr>
+          </a:p>
+          <a:p>
+            <a:r>
+              <a:rPr lang="ko-Kore-KR" altLang="en-US" sz="1200" dirty="0">
+                <a:solidFill>
+                  <a:srgbClr val="FF0000"/>
+                </a:solidFill>
+                <a:latin typeface="DM Mono" panose="020B0509040201040103" pitchFamily="49" charset="0"/>
+              </a:rPr>
+              <a:t>    pt1.Set(10, 20);</a:t>
+            </a:r>
+            <a:r>
+              <a:rPr lang="en-US" altLang="ko-Kore-KR" sz="1200" dirty="0">
+                <a:solidFill>
+                  <a:srgbClr val="FF0000"/>
+                </a:solidFill>
+                <a:latin typeface="DM Mono" panose="020B0509040201040103" pitchFamily="49" charset="0"/>
+              </a:rPr>
+              <a:t> // Point::Set(&amp;pt1, 10, 20)</a:t>
+            </a:r>
+            <a:endParaRPr lang="ko-Kore-KR" altLang="en-US" sz="1200" dirty="0">
+              <a:solidFill>
+                <a:srgbClr val="FF0000"/>
+              </a:solidFill>
+              <a:latin typeface="DM Mono" panose="020B0509040201040103" pitchFamily="49" charset="0"/>
+            </a:endParaRPr>
+          </a:p>
+          <a:p>
+            <a:r>
+              <a:rPr lang="ko-Kore-KR" altLang="en-US" sz="1200" dirty="0">
+                <a:latin typeface="DM Mono" panose="020B0509040201040103" pitchFamily="49" charset="0"/>
+              </a:rPr>
+              <a:t>    pt2.Set(100, 300);</a:t>
+            </a:r>
+          </a:p>
+          <a:p>
+            <a:r>
+              <a:rPr lang="ko-Kore-KR" altLang="en-US" sz="1200" dirty="0">
+                <a:latin typeface="DM Mono" panose="020B0509040201040103" pitchFamily="49" charset="0"/>
+              </a:rPr>
+              <a:t>}</a:t>
+            </a:r>
+          </a:p>
+        </p:txBody>
+      </p:sp>
+      <p:sp>
+        <p:nvSpPr>
+          <p:cNvPr id="6" name="직사각형 5">
+            <a:extLst>
+              <a:ext uri="{FF2B5EF4-FFF2-40B4-BE49-F238E27FC236}">
+                <a16:creationId xmlns:a16="http://schemas.microsoft.com/office/drawing/2014/main" id="{2F3DC5D3-8E7B-D839-7D4F-B4157A684F2D}"/>
+              </a:ext>
+            </a:extLst>
+          </p:cNvPr>
+          <p:cNvSpPr/>
+          <p:nvPr/>
+        </p:nvSpPr>
+        <p:spPr>
+          <a:xfrm>
+            <a:off x="5558851" y="3184161"/>
+            <a:ext cx="5109149" cy="2836889"/>
+          </a:xfrm>
+          <a:prstGeom prst="rect">
+            <a:avLst/>
+          </a:prstGeom>
+          <a:solidFill>
+            <a:schemeClr val="bg1"/>
+          </a:solidFill>
+        </p:spPr>
+        <p:style>
+          <a:lnRef idx="2">
+            <a:schemeClr val="accent4">
+              <a:shade val="15000"/>
+            </a:schemeClr>
+          </a:lnRef>
+          <a:fillRef idx="1">
+            <a:schemeClr val="accent4"/>
+          </a:fillRef>
+          <a:effectRef idx="0">
+            <a:schemeClr val="accent4"/>
+          </a:effectRef>
+          <a:fontRef idx="minor">
+            <a:schemeClr val="lt1"/>
+          </a:fontRef>
+        </p:style>
+        <p:txBody>
+          <a:bodyPr rtlCol="0" anchor="ctr"/>
+          <a:lstStyle/>
+          <a:p>
+            <a:pPr algn="ctr"/>
+            <a:endParaRPr kumimoji="1" lang="ko-Kore-KR" altLang="en-US">
+              <a:solidFill>
+                <a:schemeClr val="tx1"/>
+              </a:solidFill>
+            </a:endParaRPr>
+          </a:p>
+        </p:txBody>
+      </p:sp>
+      <p:sp>
+        <p:nvSpPr>
+          <p:cNvPr id="7" name="직사각형 6">
+            <a:extLst>
+              <a:ext uri="{FF2B5EF4-FFF2-40B4-BE49-F238E27FC236}">
+                <a16:creationId xmlns:a16="http://schemas.microsoft.com/office/drawing/2014/main" id="{CA1D0D8F-3D93-1A2B-16A2-AC8CF7F66328}"/>
+              </a:ext>
+            </a:extLst>
+          </p:cNvPr>
+          <p:cNvSpPr/>
+          <p:nvPr/>
+        </p:nvSpPr>
+        <p:spPr>
+          <a:xfrm>
+            <a:off x="6330846" y="3557666"/>
+            <a:ext cx="769495" cy="419724"/>
+          </a:xfrm>
+          <a:prstGeom prst="rect">
+            <a:avLst/>
+          </a:prstGeom>
+          <a:solidFill>
+            <a:schemeClr val="accent4">
+              <a:lumMod val="60000"/>
+              <a:lumOff val="40000"/>
+            </a:schemeClr>
+          </a:solidFill>
+        </p:spPr>
+        <p:style>
+          <a:lnRef idx="2">
+            <a:schemeClr val="accent4">
+              <a:shade val="15000"/>
+            </a:schemeClr>
+          </a:lnRef>
+          <a:fillRef idx="1">
+            <a:schemeClr val="accent4"/>
+          </a:fillRef>
+          <a:effectRef idx="0">
+            <a:schemeClr val="accent4"/>
+          </a:effectRef>
+          <a:fontRef idx="minor">
+            <a:schemeClr val="lt1"/>
+          </a:fontRef>
+        </p:style>
+        <p:txBody>
+          <a:bodyPr rtlCol="0" anchor="ctr"/>
+          <a:lstStyle/>
+          <a:p>
+            <a:pPr algn="ctr"/>
+            <a:r>
+              <a:rPr kumimoji="1" lang="en-US" altLang="ko-Kore-KR" sz="1200" dirty="0">
+                <a:solidFill>
+                  <a:schemeClr val="tx1"/>
+                </a:solidFill>
+                <a:latin typeface="DM Mono" panose="020B0509040201040103" pitchFamily="49" charset="0"/>
+              </a:rPr>
+              <a:t>10</a:t>
+            </a:r>
+            <a:endParaRPr kumimoji="1" lang="ko-Kore-KR" altLang="en-US" sz="1200" dirty="0">
+              <a:solidFill>
+                <a:schemeClr val="tx1"/>
+              </a:solidFill>
+              <a:latin typeface="DM Mono" panose="020B0509040201040103" pitchFamily="49" charset="0"/>
+            </a:endParaRPr>
+          </a:p>
+        </p:txBody>
+      </p:sp>
+      <p:sp>
+        <p:nvSpPr>
+          <p:cNvPr id="8" name="TextBox 7">
+            <a:extLst>
+              <a:ext uri="{FF2B5EF4-FFF2-40B4-BE49-F238E27FC236}">
+                <a16:creationId xmlns:a16="http://schemas.microsoft.com/office/drawing/2014/main" id="{F5E390B6-A8A7-689A-5317-D9E45EBF4469}"/>
+              </a:ext>
+            </a:extLst>
+          </p:cNvPr>
+          <p:cNvSpPr txBox="1"/>
+          <p:nvPr/>
+        </p:nvSpPr>
+        <p:spPr>
+          <a:xfrm>
+            <a:off x="5946098" y="3636723"/>
+            <a:ext cx="384748" cy="261610"/>
+          </a:xfrm>
+          <a:prstGeom prst="rect">
+            <a:avLst/>
+          </a:prstGeom>
+          <a:noFill/>
+        </p:spPr>
+        <p:txBody>
+          <a:bodyPr wrap="square">
+            <a:spAutoFit/>
+          </a:bodyPr>
+          <a:lstStyle/>
+          <a:p>
+            <a:pPr algn="r"/>
+            <a:r>
+              <a:rPr kumimoji="1" lang="en-US" altLang="ko-Kore-KR" sz="1100" dirty="0">
+                <a:latin typeface="DM Mono" panose="020B0509040201040103" pitchFamily="49" charset="0"/>
+              </a:rPr>
+              <a:t>x</a:t>
+            </a:r>
+            <a:endParaRPr kumimoji="1" lang="ko-Kore-KR" altLang="en-US" sz="1100" dirty="0">
+              <a:solidFill>
+                <a:schemeClr val="tx1"/>
+              </a:solidFill>
+              <a:latin typeface="DM Mono" panose="020B0509040201040103" pitchFamily="49" charset="0"/>
+            </a:endParaRPr>
+          </a:p>
+        </p:txBody>
+      </p:sp>
+      <p:sp>
+        <p:nvSpPr>
+          <p:cNvPr id="9" name="TextBox 8">
+            <a:extLst>
+              <a:ext uri="{FF2B5EF4-FFF2-40B4-BE49-F238E27FC236}">
+                <a16:creationId xmlns:a16="http://schemas.microsoft.com/office/drawing/2014/main" id="{A3EAF81C-9294-533F-5D8F-47C3F8BA2BCE}"/>
+              </a:ext>
+            </a:extLst>
+          </p:cNvPr>
+          <p:cNvSpPr txBox="1"/>
+          <p:nvPr/>
+        </p:nvSpPr>
+        <p:spPr>
+          <a:xfrm>
+            <a:off x="5736237" y="2900863"/>
+            <a:ext cx="1821303" cy="276999"/>
+          </a:xfrm>
+          <a:prstGeom prst="rect">
+            <a:avLst/>
+          </a:prstGeom>
+          <a:noFill/>
+        </p:spPr>
+        <p:txBody>
+          <a:bodyPr wrap="square">
+            <a:spAutoFit/>
+          </a:bodyPr>
+          <a:lstStyle/>
+          <a:p>
+            <a:pPr algn="ctr"/>
+            <a:r>
+              <a:rPr lang="ko-Kore-KR" altLang="en-US" sz="1200" dirty="0">
+                <a:latin typeface="DM Mono" panose="020B0509040201040103" pitchFamily="49" charset="0"/>
+              </a:rPr>
+              <a:t>main</a:t>
+            </a:r>
+          </a:p>
+        </p:txBody>
+      </p:sp>
+      <p:sp>
+        <p:nvSpPr>
+          <p:cNvPr id="10" name="직사각형 9">
+            <a:extLst>
+              <a:ext uri="{FF2B5EF4-FFF2-40B4-BE49-F238E27FC236}">
+                <a16:creationId xmlns:a16="http://schemas.microsoft.com/office/drawing/2014/main" id="{EADA0410-51B1-5D19-964D-7E9ECE449302}"/>
+              </a:ext>
+            </a:extLst>
+          </p:cNvPr>
+          <p:cNvSpPr/>
+          <p:nvPr/>
+        </p:nvSpPr>
+        <p:spPr>
+          <a:xfrm>
+            <a:off x="6330846" y="3977390"/>
+            <a:ext cx="769495" cy="419724"/>
+          </a:xfrm>
+          <a:prstGeom prst="rect">
+            <a:avLst/>
+          </a:prstGeom>
+          <a:solidFill>
+            <a:schemeClr val="accent4">
+              <a:lumMod val="60000"/>
+              <a:lumOff val="40000"/>
+            </a:schemeClr>
+          </a:solidFill>
+        </p:spPr>
+        <p:style>
+          <a:lnRef idx="2">
+            <a:schemeClr val="accent4">
+              <a:shade val="15000"/>
+            </a:schemeClr>
+          </a:lnRef>
+          <a:fillRef idx="1">
+            <a:schemeClr val="accent4"/>
+          </a:fillRef>
+          <a:effectRef idx="0">
+            <a:schemeClr val="accent4"/>
+          </a:effectRef>
+          <a:fontRef idx="minor">
+            <a:schemeClr val="lt1"/>
+          </a:fontRef>
+        </p:style>
+        <p:txBody>
+          <a:bodyPr rtlCol="0" anchor="ctr"/>
+          <a:lstStyle/>
+          <a:p>
+            <a:pPr algn="ctr"/>
+            <a:r>
+              <a:rPr kumimoji="1" lang="en-US" altLang="ko-Kore-KR" sz="1200" dirty="0">
+                <a:solidFill>
+                  <a:schemeClr val="tx1"/>
+                </a:solidFill>
+                <a:latin typeface="DM Mono" panose="020B0509040201040103" pitchFamily="49" charset="0"/>
+              </a:rPr>
+              <a:t>20</a:t>
+            </a:r>
+            <a:endParaRPr kumimoji="1" lang="ko-Kore-KR" altLang="en-US" sz="1200" dirty="0">
+              <a:solidFill>
+                <a:schemeClr val="tx1"/>
+              </a:solidFill>
+              <a:latin typeface="DM Mono" panose="020B0509040201040103" pitchFamily="49" charset="0"/>
+            </a:endParaRPr>
+          </a:p>
+        </p:txBody>
+      </p:sp>
+      <p:sp>
+        <p:nvSpPr>
+          <p:cNvPr id="11" name="TextBox 10">
+            <a:extLst>
+              <a:ext uri="{FF2B5EF4-FFF2-40B4-BE49-F238E27FC236}">
+                <a16:creationId xmlns:a16="http://schemas.microsoft.com/office/drawing/2014/main" id="{A50DFEF0-A7AD-FDB1-0570-CF9ED265EC33}"/>
+              </a:ext>
+            </a:extLst>
+          </p:cNvPr>
+          <p:cNvSpPr txBox="1"/>
+          <p:nvPr/>
+        </p:nvSpPr>
+        <p:spPr>
+          <a:xfrm>
+            <a:off x="5946098" y="4056447"/>
+            <a:ext cx="384748" cy="261610"/>
+          </a:xfrm>
+          <a:prstGeom prst="rect">
+            <a:avLst/>
+          </a:prstGeom>
+          <a:noFill/>
+        </p:spPr>
+        <p:txBody>
+          <a:bodyPr wrap="square">
+            <a:spAutoFit/>
+          </a:bodyPr>
+          <a:lstStyle/>
+          <a:p>
+            <a:pPr algn="r"/>
+            <a:r>
+              <a:rPr kumimoji="1" lang="en-US" altLang="ko-Kore-KR" sz="1100" dirty="0">
+                <a:solidFill>
+                  <a:schemeClr val="tx1"/>
+                </a:solidFill>
+                <a:latin typeface="DM Mono" panose="020B0509040201040103" pitchFamily="49" charset="0"/>
+              </a:rPr>
+              <a:t>y</a:t>
+            </a:r>
+            <a:endParaRPr kumimoji="1" lang="ko-Kore-KR" altLang="en-US" sz="1100" dirty="0">
+              <a:solidFill>
+                <a:schemeClr val="tx1"/>
+              </a:solidFill>
+              <a:latin typeface="DM Mono" panose="020B0509040201040103" pitchFamily="49" charset="0"/>
+            </a:endParaRPr>
+          </a:p>
+        </p:txBody>
+      </p:sp>
+      <p:sp>
+        <p:nvSpPr>
+          <p:cNvPr id="12" name="TextBox 11">
+            <a:extLst>
+              <a:ext uri="{FF2B5EF4-FFF2-40B4-BE49-F238E27FC236}">
+                <a16:creationId xmlns:a16="http://schemas.microsoft.com/office/drawing/2014/main" id="{0744025E-B981-FE08-20F0-0EAE6EBC840B}"/>
+              </a:ext>
+            </a:extLst>
+          </p:cNvPr>
+          <p:cNvSpPr txBox="1"/>
+          <p:nvPr/>
+        </p:nvSpPr>
+        <p:spPr>
+          <a:xfrm>
+            <a:off x="6468880" y="3292907"/>
+            <a:ext cx="490927" cy="261610"/>
+          </a:xfrm>
+          <a:prstGeom prst="rect">
+            <a:avLst/>
+          </a:prstGeom>
+          <a:noFill/>
+        </p:spPr>
+        <p:txBody>
+          <a:bodyPr wrap="square">
+            <a:spAutoFit/>
+          </a:bodyPr>
+          <a:lstStyle/>
+          <a:p>
+            <a:pPr algn="ctr"/>
+            <a:r>
+              <a:rPr kumimoji="1" lang="en-US" altLang="ko-Kore-KR" sz="1100" dirty="0">
+                <a:solidFill>
+                  <a:schemeClr val="tx1"/>
+                </a:solidFill>
+                <a:latin typeface="DM Mono" panose="020B0509040201040103" pitchFamily="49" charset="0"/>
+              </a:rPr>
+              <a:t>pt1</a:t>
+            </a:r>
+            <a:endParaRPr kumimoji="1" lang="ko-Kore-KR" altLang="en-US" sz="1100" dirty="0">
+              <a:solidFill>
+                <a:schemeClr val="tx1"/>
+              </a:solidFill>
+              <a:latin typeface="DM Mono" panose="020B0509040201040103" pitchFamily="49" charset="0"/>
+            </a:endParaRPr>
+          </a:p>
+        </p:txBody>
+      </p:sp>
+      <p:sp>
+        <p:nvSpPr>
+          <p:cNvPr id="13" name="직사각형 12">
+            <a:extLst>
+              <a:ext uri="{FF2B5EF4-FFF2-40B4-BE49-F238E27FC236}">
+                <a16:creationId xmlns:a16="http://schemas.microsoft.com/office/drawing/2014/main" id="{88352FD8-F396-1788-656A-788902165EE4}"/>
+              </a:ext>
+            </a:extLst>
+          </p:cNvPr>
+          <p:cNvSpPr/>
+          <p:nvPr/>
+        </p:nvSpPr>
+        <p:spPr>
+          <a:xfrm>
+            <a:off x="8010370" y="3528575"/>
+            <a:ext cx="769495" cy="419724"/>
+          </a:xfrm>
+          <a:prstGeom prst="rect">
+            <a:avLst/>
+          </a:prstGeom>
+          <a:solidFill>
+            <a:schemeClr val="accent4">
+              <a:lumMod val="60000"/>
+              <a:lumOff val="40000"/>
+            </a:schemeClr>
+          </a:solidFill>
+        </p:spPr>
+        <p:style>
+          <a:lnRef idx="2">
+            <a:schemeClr val="accent4">
+              <a:shade val="15000"/>
+            </a:schemeClr>
+          </a:lnRef>
+          <a:fillRef idx="1">
+            <a:schemeClr val="accent4"/>
+          </a:fillRef>
+          <a:effectRef idx="0">
+            <a:schemeClr val="accent4"/>
+          </a:effectRef>
+          <a:fontRef idx="minor">
+            <a:schemeClr val="lt1"/>
+          </a:fontRef>
+        </p:style>
+        <p:txBody>
+          <a:bodyPr rtlCol="0" anchor="ctr"/>
+          <a:lstStyle/>
+          <a:p>
+            <a:pPr algn="ctr"/>
+            <a:endParaRPr kumimoji="1" lang="ko-Kore-KR" altLang="en-US" sz="1200" dirty="0">
+              <a:solidFill>
+                <a:schemeClr val="tx1"/>
+              </a:solidFill>
+              <a:latin typeface="DM Mono" panose="020B0509040201040103" pitchFamily="49" charset="0"/>
+            </a:endParaRPr>
+          </a:p>
+        </p:txBody>
+      </p:sp>
+      <p:sp>
+        <p:nvSpPr>
+          <p:cNvPr id="14" name="TextBox 13">
+            <a:extLst>
+              <a:ext uri="{FF2B5EF4-FFF2-40B4-BE49-F238E27FC236}">
+                <a16:creationId xmlns:a16="http://schemas.microsoft.com/office/drawing/2014/main" id="{4A6BDF8A-36EA-D0A5-9DF3-C6ED0C50528A}"/>
+              </a:ext>
+            </a:extLst>
+          </p:cNvPr>
+          <p:cNvSpPr txBox="1"/>
+          <p:nvPr/>
+        </p:nvSpPr>
+        <p:spPr>
+          <a:xfrm>
+            <a:off x="7625622" y="3607632"/>
+            <a:ext cx="384748" cy="261610"/>
+          </a:xfrm>
+          <a:prstGeom prst="rect">
+            <a:avLst/>
+          </a:prstGeom>
+          <a:noFill/>
+        </p:spPr>
+        <p:txBody>
+          <a:bodyPr wrap="square">
+            <a:spAutoFit/>
+          </a:bodyPr>
+          <a:lstStyle/>
+          <a:p>
+            <a:pPr algn="r"/>
+            <a:r>
+              <a:rPr kumimoji="1" lang="en-US" altLang="ko-Kore-KR" sz="1100" dirty="0">
+                <a:latin typeface="DM Mono" panose="020B0509040201040103" pitchFamily="49" charset="0"/>
+              </a:rPr>
+              <a:t>x</a:t>
+            </a:r>
+            <a:endParaRPr kumimoji="1" lang="ko-Kore-KR" altLang="en-US" sz="1100" dirty="0">
+              <a:solidFill>
+                <a:schemeClr val="tx1"/>
+              </a:solidFill>
+              <a:latin typeface="DM Mono" panose="020B0509040201040103" pitchFamily="49" charset="0"/>
+            </a:endParaRPr>
+          </a:p>
+        </p:txBody>
+      </p:sp>
+      <p:sp>
+        <p:nvSpPr>
+          <p:cNvPr id="15" name="직사각형 14">
+            <a:extLst>
+              <a:ext uri="{FF2B5EF4-FFF2-40B4-BE49-F238E27FC236}">
+                <a16:creationId xmlns:a16="http://schemas.microsoft.com/office/drawing/2014/main" id="{3B34C8EF-828E-0B94-D39A-99CE3A61A8F4}"/>
+              </a:ext>
+            </a:extLst>
+          </p:cNvPr>
+          <p:cNvSpPr/>
+          <p:nvPr/>
+        </p:nvSpPr>
+        <p:spPr>
+          <a:xfrm>
+            <a:off x="8010370" y="3948299"/>
+            <a:ext cx="769495" cy="419724"/>
+          </a:xfrm>
+          <a:prstGeom prst="rect">
+            <a:avLst/>
+          </a:prstGeom>
+          <a:solidFill>
+            <a:schemeClr val="accent4">
+              <a:lumMod val="60000"/>
+              <a:lumOff val="40000"/>
+            </a:schemeClr>
+          </a:solidFill>
+        </p:spPr>
+        <p:style>
+          <a:lnRef idx="2">
+            <a:schemeClr val="accent4">
+              <a:shade val="15000"/>
+            </a:schemeClr>
+          </a:lnRef>
+          <a:fillRef idx="1">
+            <a:schemeClr val="accent4"/>
+          </a:fillRef>
+          <a:effectRef idx="0">
+            <a:schemeClr val="accent4"/>
+          </a:effectRef>
+          <a:fontRef idx="minor">
+            <a:schemeClr val="lt1"/>
+          </a:fontRef>
+        </p:style>
+        <p:txBody>
+          <a:bodyPr rtlCol="0" anchor="ctr"/>
+          <a:lstStyle/>
+          <a:p>
+            <a:pPr algn="ctr"/>
+            <a:endParaRPr kumimoji="1" lang="ko-Kore-KR" altLang="en-US" sz="1200" dirty="0">
+              <a:solidFill>
+                <a:schemeClr val="tx1"/>
+              </a:solidFill>
+              <a:latin typeface="DM Mono" panose="020B0509040201040103" pitchFamily="49" charset="0"/>
+            </a:endParaRPr>
+          </a:p>
+        </p:txBody>
+      </p:sp>
+      <p:sp>
+        <p:nvSpPr>
+          <p:cNvPr id="16" name="TextBox 15">
+            <a:extLst>
+              <a:ext uri="{FF2B5EF4-FFF2-40B4-BE49-F238E27FC236}">
+                <a16:creationId xmlns:a16="http://schemas.microsoft.com/office/drawing/2014/main" id="{6304CBF1-4C94-E875-8248-A9609ECED170}"/>
+              </a:ext>
+            </a:extLst>
+          </p:cNvPr>
+          <p:cNvSpPr txBox="1"/>
+          <p:nvPr/>
+        </p:nvSpPr>
+        <p:spPr>
+          <a:xfrm>
+            <a:off x="7625622" y="4027356"/>
+            <a:ext cx="384748" cy="261610"/>
+          </a:xfrm>
+          <a:prstGeom prst="rect">
+            <a:avLst/>
+          </a:prstGeom>
+          <a:noFill/>
+        </p:spPr>
+        <p:txBody>
+          <a:bodyPr wrap="square">
+            <a:spAutoFit/>
+          </a:bodyPr>
+          <a:lstStyle/>
+          <a:p>
+            <a:pPr algn="r"/>
+            <a:r>
+              <a:rPr kumimoji="1" lang="en-US" altLang="ko-Kore-KR" sz="1100" dirty="0">
+                <a:solidFill>
+                  <a:schemeClr val="tx1"/>
+                </a:solidFill>
+                <a:latin typeface="DM Mono" panose="020B0509040201040103" pitchFamily="49" charset="0"/>
+              </a:rPr>
+              <a:t>y</a:t>
+            </a:r>
+            <a:endParaRPr kumimoji="1" lang="ko-Kore-KR" altLang="en-US" sz="1100" dirty="0">
+              <a:solidFill>
+                <a:schemeClr val="tx1"/>
+              </a:solidFill>
+              <a:latin typeface="DM Mono" panose="020B0509040201040103" pitchFamily="49" charset="0"/>
+            </a:endParaRPr>
+          </a:p>
+        </p:txBody>
+      </p:sp>
+      <p:sp>
+        <p:nvSpPr>
+          <p:cNvPr id="17" name="TextBox 16">
+            <a:extLst>
+              <a:ext uri="{FF2B5EF4-FFF2-40B4-BE49-F238E27FC236}">
+                <a16:creationId xmlns:a16="http://schemas.microsoft.com/office/drawing/2014/main" id="{4293E015-F753-CFD8-EAB0-16FE54290394}"/>
+              </a:ext>
+            </a:extLst>
+          </p:cNvPr>
+          <p:cNvSpPr txBox="1"/>
+          <p:nvPr/>
+        </p:nvSpPr>
+        <p:spPr>
+          <a:xfrm>
+            <a:off x="8148404" y="3263816"/>
+            <a:ext cx="490927" cy="261610"/>
+          </a:xfrm>
+          <a:prstGeom prst="rect">
+            <a:avLst/>
+          </a:prstGeom>
+          <a:noFill/>
+        </p:spPr>
+        <p:txBody>
+          <a:bodyPr wrap="square">
+            <a:spAutoFit/>
+          </a:bodyPr>
+          <a:lstStyle/>
+          <a:p>
+            <a:pPr algn="ctr"/>
+            <a:r>
+              <a:rPr kumimoji="1" lang="en-US" altLang="ko-Kore-KR" sz="1100" dirty="0">
+                <a:solidFill>
+                  <a:schemeClr val="tx1"/>
+                </a:solidFill>
+                <a:latin typeface="DM Mono" panose="020B0509040201040103" pitchFamily="49" charset="0"/>
+              </a:rPr>
+              <a:t>pt2</a:t>
+            </a:r>
+            <a:endParaRPr kumimoji="1" lang="ko-Kore-KR" altLang="en-US" sz="1100" dirty="0">
+              <a:solidFill>
+                <a:schemeClr val="tx1"/>
+              </a:solidFill>
+              <a:latin typeface="DM Mono" panose="020B0509040201040103" pitchFamily="49" charset="0"/>
+            </a:endParaRPr>
+          </a:p>
+        </p:txBody>
+      </p:sp>
+      <p:sp>
+        <p:nvSpPr>
+          <p:cNvPr id="19" name="TextBox 18">
+            <a:extLst>
+              <a:ext uri="{FF2B5EF4-FFF2-40B4-BE49-F238E27FC236}">
+                <a16:creationId xmlns:a16="http://schemas.microsoft.com/office/drawing/2014/main" id="{44CDC6BC-132B-8F25-9DDC-824F8D16600E}"/>
+              </a:ext>
+            </a:extLst>
+          </p:cNvPr>
+          <p:cNvSpPr txBox="1"/>
+          <p:nvPr/>
+        </p:nvSpPr>
+        <p:spPr>
+          <a:xfrm>
+            <a:off x="5491395" y="987254"/>
+            <a:ext cx="6096002" cy="1169551"/>
+          </a:xfrm>
+          <a:prstGeom prst="rect">
+            <a:avLst/>
+          </a:prstGeom>
+          <a:noFill/>
+        </p:spPr>
+        <p:txBody>
+          <a:bodyPr wrap="square">
+            <a:spAutoFit/>
+          </a:bodyPr>
+          <a:lstStyle/>
+          <a:p>
+            <a:r>
+              <a:rPr lang="ko-Kore-KR" altLang="en-US" sz="1400" dirty="0">
+                <a:latin typeface="DM Mono" panose="020B0509040201040103" pitchFamily="49" charset="0"/>
+              </a:rPr>
+              <a:t> void </a:t>
+            </a:r>
+            <a:r>
+              <a:rPr lang="en-US" altLang="ko-Kore-KR" sz="1400" dirty="0">
+                <a:latin typeface="DM Mono" panose="020B0509040201040103" pitchFamily="49" charset="0"/>
+              </a:rPr>
+              <a:t>Point::</a:t>
+            </a:r>
+            <a:r>
+              <a:rPr lang="ko-Kore-KR" altLang="en-US" sz="1400" dirty="0">
+                <a:latin typeface="DM Mono" panose="020B0509040201040103" pitchFamily="49" charset="0"/>
+              </a:rPr>
+              <a:t>Set(</a:t>
+            </a:r>
+            <a:r>
+              <a:rPr lang="en-US" altLang="ko-Kore-KR" sz="1400" dirty="0">
+                <a:solidFill>
+                  <a:srgbClr val="FF0000"/>
+                </a:solidFill>
+                <a:latin typeface="DM Mono" panose="020B0509040201040103" pitchFamily="49" charset="0"/>
+              </a:rPr>
+              <a:t>Point* this, </a:t>
+            </a:r>
+            <a:r>
+              <a:rPr lang="ko-Kore-KR" altLang="en-US" sz="1400" dirty="0">
+                <a:latin typeface="DM Mono" panose="020B0509040201040103" pitchFamily="49" charset="0"/>
+              </a:rPr>
+              <a:t>int a, int b)</a:t>
+            </a:r>
+          </a:p>
+          <a:p>
+            <a:r>
+              <a:rPr lang="en-US" altLang="ko-Kore-KR" sz="1400" dirty="0">
+                <a:latin typeface="DM Mono" panose="020B0509040201040103" pitchFamily="49" charset="0"/>
+              </a:rPr>
+              <a:t> </a:t>
+            </a:r>
+            <a:r>
+              <a:rPr lang="ko-Kore-KR" altLang="en-US" sz="1400" dirty="0">
+                <a:latin typeface="DM Mono" panose="020B0509040201040103" pitchFamily="49" charset="0"/>
+              </a:rPr>
+              <a:t>{</a:t>
+            </a:r>
+          </a:p>
+          <a:p>
+            <a:r>
+              <a:rPr lang="ko-Kore-KR" altLang="en-US" sz="1400" dirty="0">
+                <a:latin typeface="DM Mono" panose="020B0509040201040103" pitchFamily="49" charset="0"/>
+              </a:rPr>
+              <a:t>        </a:t>
+            </a:r>
+            <a:r>
+              <a:rPr lang="en-US" altLang="ko-Kore-KR" sz="1400" dirty="0">
+                <a:solidFill>
+                  <a:srgbClr val="FF0000"/>
+                </a:solidFill>
+                <a:latin typeface="DM Mono" panose="020B0509040201040103" pitchFamily="49" charset="0"/>
+              </a:rPr>
+              <a:t>this-&gt;</a:t>
+            </a:r>
+            <a:r>
+              <a:rPr lang="ko-Kore-KR" altLang="en-US" sz="1400" dirty="0">
+                <a:solidFill>
+                  <a:srgbClr val="FF0000"/>
+                </a:solidFill>
+                <a:latin typeface="DM Mono" panose="020B0509040201040103" pitchFamily="49" charset="0"/>
+              </a:rPr>
+              <a:t>x</a:t>
+            </a:r>
+            <a:r>
+              <a:rPr lang="ko-Kore-KR" altLang="en-US" sz="1400" dirty="0">
+                <a:latin typeface="DM Mono" panose="020B0509040201040103" pitchFamily="49" charset="0"/>
+              </a:rPr>
+              <a:t> = a;</a:t>
+            </a:r>
+          </a:p>
+          <a:p>
+            <a:r>
+              <a:rPr lang="ko-Kore-KR" altLang="en-US" sz="1400" dirty="0">
+                <a:latin typeface="DM Mono" panose="020B0509040201040103" pitchFamily="49" charset="0"/>
+              </a:rPr>
+              <a:t>        </a:t>
+            </a:r>
+            <a:r>
+              <a:rPr lang="en-US" altLang="ko-Kore-KR" sz="1400" dirty="0">
+                <a:solidFill>
+                  <a:srgbClr val="FF0000"/>
+                </a:solidFill>
+                <a:latin typeface="DM Mono" panose="020B0509040201040103" pitchFamily="49" charset="0"/>
+              </a:rPr>
+              <a:t>this-&gt;</a:t>
+            </a:r>
+            <a:r>
+              <a:rPr lang="ko-Kore-KR" altLang="en-US" sz="1400" dirty="0">
+                <a:solidFill>
+                  <a:srgbClr val="FF0000"/>
+                </a:solidFill>
+                <a:latin typeface="DM Mono" panose="020B0509040201040103" pitchFamily="49" charset="0"/>
+              </a:rPr>
+              <a:t>y</a:t>
+            </a:r>
+            <a:r>
+              <a:rPr lang="ko-Kore-KR" altLang="en-US" sz="1400" dirty="0">
+                <a:latin typeface="DM Mono" panose="020B0509040201040103" pitchFamily="49" charset="0"/>
+              </a:rPr>
+              <a:t> = b;</a:t>
+            </a:r>
+          </a:p>
+          <a:p>
+            <a:r>
+              <a:rPr lang="en-US" altLang="ko-Kore-KR" sz="1400" dirty="0">
+                <a:latin typeface="DM Mono" panose="020B0509040201040103" pitchFamily="49" charset="0"/>
+              </a:rPr>
+              <a:t> </a:t>
+            </a:r>
+            <a:r>
+              <a:rPr lang="ko-Kore-KR" altLang="en-US" sz="1400" dirty="0">
+                <a:latin typeface="DM Mono" panose="020B0509040201040103" pitchFamily="49" charset="0"/>
+              </a:rPr>
+              <a:t>}</a:t>
+            </a:r>
+            <a:endParaRPr lang="ko-Kore-KR" altLang="en-US" sz="1400" dirty="0"/>
+          </a:p>
+        </p:txBody>
+      </p:sp>
+      <p:cxnSp>
+        <p:nvCxnSpPr>
+          <p:cNvPr id="3" name="구부러진 연결선[U] 2">
+            <a:extLst>
+              <a:ext uri="{FF2B5EF4-FFF2-40B4-BE49-F238E27FC236}">
+                <a16:creationId xmlns:a16="http://schemas.microsoft.com/office/drawing/2014/main" id="{4A998D70-F099-AE9F-B13D-00C043B8BCAD}"/>
+              </a:ext>
+            </a:extLst>
+          </p:cNvPr>
+          <p:cNvCxnSpPr>
+            <a:endCxn id="7" idx="0"/>
+          </p:cNvCxnSpPr>
+          <p:nvPr/>
+        </p:nvCxnSpPr>
+        <p:spPr>
+          <a:xfrm rot="5400000">
+            <a:off x="6372647" y="1540818"/>
+            <a:ext cx="2359796" cy="1673901"/>
+          </a:xfrm>
+          <a:prstGeom prst="curvedConnector3">
+            <a:avLst/>
+          </a:prstGeom>
+          <a:ln>
+            <a:tailEnd type="triangle"/>
+          </a:ln>
+        </p:spPr>
+        <p:style>
+          <a:lnRef idx="1">
+            <a:schemeClr val="dk1"/>
+          </a:lnRef>
+          <a:fillRef idx="0">
+            <a:schemeClr val="dk1"/>
+          </a:fillRef>
+          <a:effectRef idx="0">
+            <a:schemeClr val="dk1"/>
+          </a:effectRef>
+          <a:fontRef idx="minor">
+            <a:schemeClr val="tx1"/>
+          </a:fontRef>
+        </p:style>
+      </p:cxnSp>
+    </p:spTree>
+    <p:extLst>
+      <p:ext uri="{BB962C8B-B14F-4D97-AF65-F5344CB8AC3E}">
+        <p14:creationId xmlns:p14="http://schemas.microsoft.com/office/powerpoint/2010/main" val="2857015265"/>
+      </p:ext>
+    </p:extLst>
+  </p:cSld>
+  <p:clrMapOvr>
+    <a:masterClrMapping/>
+  </p:clrMapOvr>
+</p:sld>
+</file>
+
+<file path=ppt/slides/slide13.xml><?xml version="1.0" encoding="utf-8"?>
+<p:sld xmlns:a="http://schemas.openxmlformats.org/drawingml/2006/main" xmlns:r="http://schemas.openxmlformats.org/officeDocument/2006/relationships" xmlns:p="http://schemas.openxmlformats.org/presentationml/2006/main">
+  <p:cSld>
+    <p:spTree>
+      <p:nvGrpSpPr>
+        <p:cNvPr id="1" name=""/>
+        <p:cNvGrpSpPr/>
+        <p:nvPr/>
+      </p:nvGrpSpPr>
+      <p:grpSpPr>
+        <a:xfrm>
+          <a:off x="0" y="0"/>
+          <a:ext cx="0" cy="0"/>
+          <a:chOff x="0" y="0"/>
+          <a:chExt cx="0" cy="0"/>
+        </a:xfrm>
+      </p:grpSpPr>
+      <p:sp>
+        <p:nvSpPr>
+          <p:cNvPr id="5" name="TextBox 4">
+            <a:extLst>
+              <a:ext uri="{FF2B5EF4-FFF2-40B4-BE49-F238E27FC236}">
+                <a16:creationId xmlns:a16="http://schemas.microsoft.com/office/drawing/2014/main" id="{0A1C16FE-F34C-784E-8284-96ED9D20B313}"/>
+              </a:ext>
+            </a:extLst>
+          </p:cNvPr>
+          <p:cNvSpPr txBox="1"/>
+          <p:nvPr/>
+        </p:nvSpPr>
+        <p:spPr>
+          <a:xfrm>
+            <a:off x="329784" y="197957"/>
+            <a:ext cx="5156618" cy="3600986"/>
+          </a:xfrm>
+          <a:prstGeom prst="rect">
+            <a:avLst/>
+          </a:prstGeom>
+          <a:noFill/>
+        </p:spPr>
+        <p:txBody>
+          <a:bodyPr wrap="square">
+            <a:spAutoFit/>
+          </a:bodyPr>
+          <a:lstStyle/>
+          <a:p>
+            <a:r>
+              <a:rPr lang="ko-Kore-KR" altLang="en-US" sz="1200" dirty="0">
+                <a:latin typeface="DM Mono" panose="020B0509040201040103" pitchFamily="49" charset="0"/>
+              </a:rPr>
+              <a:t>class Point {</a:t>
+            </a:r>
+          </a:p>
+          <a:p>
+            <a:r>
+              <a:rPr lang="ko-Kore-KR" altLang="en-US" sz="1200" dirty="0">
+                <a:latin typeface="DM Mono" panose="020B0509040201040103" pitchFamily="49" charset="0"/>
+              </a:rPr>
+              <a:t>    int x;</a:t>
+            </a:r>
+          </a:p>
+          <a:p>
+            <a:r>
+              <a:rPr lang="ko-Kore-KR" altLang="en-US" sz="1200" dirty="0">
+                <a:latin typeface="DM Mono" panose="020B0509040201040103" pitchFamily="49" charset="0"/>
+              </a:rPr>
+              <a:t>    int y;</a:t>
+            </a:r>
+          </a:p>
+          <a:p>
+            <a:endParaRPr lang="ko-Kore-KR" altLang="en-US" sz="1200" dirty="0">
+              <a:latin typeface="DM Mono" panose="020B0509040201040103" pitchFamily="49" charset="0"/>
+            </a:endParaRPr>
+          </a:p>
+          <a:p>
+            <a:r>
+              <a:rPr lang="ko-Kore-KR" altLang="en-US" sz="1200" dirty="0">
+                <a:latin typeface="DM Mono" panose="020B0509040201040103" pitchFamily="49" charset="0"/>
+              </a:rPr>
+              <a:t>public:</a:t>
+            </a:r>
+          </a:p>
+          <a:p>
+            <a:r>
+              <a:rPr lang="ko-Kore-KR" altLang="en-US" sz="1200" dirty="0">
+                <a:latin typeface="DM Mono" panose="020B0509040201040103" pitchFamily="49" charset="0"/>
+              </a:rPr>
+              <a:t>    void Set(int a, int b)</a:t>
+            </a:r>
+          </a:p>
+          <a:p>
+            <a:r>
+              <a:rPr lang="ko-Kore-KR" altLang="en-US" sz="1200" dirty="0">
+                <a:latin typeface="DM Mono" panose="020B0509040201040103" pitchFamily="49" charset="0"/>
+              </a:rPr>
+              <a:t>    {</a:t>
+            </a:r>
+          </a:p>
+          <a:p>
+            <a:r>
+              <a:rPr lang="ko-Kore-KR" altLang="en-US" sz="1200" dirty="0">
+                <a:latin typeface="DM Mono" panose="020B0509040201040103" pitchFamily="49" charset="0"/>
+              </a:rPr>
+              <a:t>        x = a;</a:t>
+            </a:r>
+          </a:p>
+          <a:p>
+            <a:r>
+              <a:rPr lang="ko-Kore-KR" altLang="en-US" sz="1200" dirty="0">
+                <a:latin typeface="DM Mono" panose="020B0509040201040103" pitchFamily="49" charset="0"/>
+              </a:rPr>
+              <a:t>        y = b;</a:t>
+            </a:r>
+          </a:p>
+          <a:p>
+            <a:r>
+              <a:rPr lang="ko-Kore-KR" altLang="en-US" sz="1200" dirty="0">
+                <a:latin typeface="DM Mono" panose="020B0509040201040103" pitchFamily="49" charset="0"/>
+              </a:rPr>
+              <a:t>    }</a:t>
+            </a:r>
+          </a:p>
+          <a:p>
+            <a:r>
+              <a:rPr lang="ko-Kore-KR" altLang="en-US" sz="1200" dirty="0">
+                <a:latin typeface="DM Mono" panose="020B0509040201040103" pitchFamily="49" charset="0"/>
+              </a:rPr>
+              <a:t>};</a:t>
+            </a:r>
+          </a:p>
+          <a:p>
+            <a:endParaRPr lang="ko-Kore-KR" altLang="en-US" sz="1200" dirty="0">
+              <a:latin typeface="DM Mono" panose="020B0509040201040103" pitchFamily="49" charset="0"/>
+            </a:endParaRPr>
+          </a:p>
+          <a:p>
+            <a:r>
+              <a:rPr lang="ko-Kore-KR" altLang="en-US" sz="1200" dirty="0">
+                <a:latin typeface="DM Mono" panose="020B0509040201040103" pitchFamily="49" charset="0"/>
+              </a:rPr>
+              <a:t>int main()</a:t>
+            </a:r>
+          </a:p>
+          <a:p>
+            <a:r>
+              <a:rPr lang="ko-Kore-KR" altLang="en-US" sz="1200" dirty="0">
+                <a:latin typeface="DM Mono" panose="020B0509040201040103" pitchFamily="49" charset="0"/>
+              </a:rPr>
+              <a:t>{</a:t>
+            </a:r>
+          </a:p>
+          <a:p>
+            <a:r>
+              <a:rPr lang="ko-Kore-KR" altLang="en-US" sz="1200" dirty="0">
+                <a:latin typeface="DM Mono" panose="020B0509040201040103" pitchFamily="49" charset="0"/>
+              </a:rPr>
+              <a:t>    Point pt1, pt2;</a:t>
+            </a:r>
+          </a:p>
+          <a:p>
+            <a:endParaRPr lang="ko-Kore-KR" altLang="en-US" sz="1200" dirty="0">
+              <a:latin typeface="DM Mono" panose="020B0509040201040103" pitchFamily="49" charset="0"/>
+            </a:endParaRPr>
+          </a:p>
+          <a:p>
+            <a:r>
+              <a:rPr lang="ko-Kore-KR" altLang="en-US" sz="1200" dirty="0">
+                <a:latin typeface="DM Mono" panose="020B0509040201040103" pitchFamily="49" charset="0"/>
+              </a:rPr>
+              <a:t>    pt1.Set(10, 20);</a:t>
+            </a:r>
+            <a:r>
+              <a:rPr lang="en-US" altLang="ko-Kore-KR" sz="1200" dirty="0">
+                <a:latin typeface="DM Mono" panose="020B0509040201040103" pitchFamily="49" charset="0"/>
+              </a:rPr>
+              <a:t>   // Point::Set(&amp;pt1, 10, 20)</a:t>
+            </a:r>
+            <a:endParaRPr lang="ko-Kore-KR" altLang="en-US" sz="1200" dirty="0">
+              <a:latin typeface="DM Mono" panose="020B0509040201040103" pitchFamily="49" charset="0"/>
+            </a:endParaRPr>
+          </a:p>
+          <a:p>
+            <a:r>
+              <a:rPr lang="ko-Kore-KR" altLang="en-US" sz="1200" dirty="0">
+                <a:solidFill>
+                  <a:srgbClr val="FF0000"/>
+                </a:solidFill>
+                <a:latin typeface="DM Mono" panose="020B0509040201040103" pitchFamily="49" charset="0"/>
+              </a:rPr>
+              <a:t>    pt2.Set(100, 300);</a:t>
+            </a:r>
+            <a:r>
+              <a:rPr lang="en-US" altLang="ko-Kore-KR" sz="1200" dirty="0">
+                <a:solidFill>
+                  <a:srgbClr val="FF0000"/>
+                </a:solidFill>
+                <a:latin typeface="DM Mono" panose="020B0509040201040103" pitchFamily="49" charset="0"/>
+              </a:rPr>
+              <a:t> // Point::Set(&amp;pt2, 100, 300)</a:t>
+            </a:r>
+            <a:endParaRPr lang="ko-Kore-KR" altLang="en-US" sz="1200" dirty="0">
+              <a:solidFill>
+                <a:srgbClr val="FF0000"/>
+              </a:solidFill>
+              <a:latin typeface="DM Mono" panose="020B0509040201040103" pitchFamily="49" charset="0"/>
+            </a:endParaRPr>
+          </a:p>
+          <a:p>
+            <a:r>
+              <a:rPr lang="ko-Kore-KR" altLang="en-US" sz="1200" dirty="0">
+                <a:latin typeface="DM Mono" panose="020B0509040201040103" pitchFamily="49" charset="0"/>
+              </a:rPr>
+              <a:t>}</a:t>
+            </a:r>
+          </a:p>
+        </p:txBody>
+      </p:sp>
+      <p:sp>
+        <p:nvSpPr>
+          <p:cNvPr id="6" name="직사각형 5">
+            <a:extLst>
+              <a:ext uri="{FF2B5EF4-FFF2-40B4-BE49-F238E27FC236}">
+                <a16:creationId xmlns:a16="http://schemas.microsoft.com/office/drawing/2014/main" id="{2F3DC5D3-8E7B-D839-7D4F-B4157A684F2D}"/>
+              </a:ext>
+            </a:extLst>
+          </p:cNvPr>
+          <p:cNvSpPr/>
+          <p:nvPr/>
+        </p:nvSpPr>
+        <p:spPr>
+          <a:xfrm>
+            <a:off x="5558851" y="3184161"/>
+            <a:ext cx="5109149" cy="2836889"/>
+          </a:xfrm>
+          <a:prstGeom prst="rect">
+            <a:avLst/>
+          </a:prstGeom>
+          <a:solidFill>
+            <a:schemeClr val="bg1"/>
+          </a:solidFill>
+        </p:spPr>
+        <p:style>
+          <a:lnRef idx="2">
+            <a:schemeClr val="accent4">
+              <a:shade val="15000"/>
+            </a:schemeClr>
+          </a:lnRef>
+          <a:fillRef idx="1">
+            <a:schemeClr val="accent4"/>
+          </a:fillRef>
+          <a:effectRef idx="0">
+            <a:schemeClr val="accent4"/>
+          </a:effectRef>
+          <a:fontRef idx="minor">
+            <a:schemeClr val="lt1"/>
+          </a:fontRef>
+        </p:style>
+        <p:txBody>
+          <a:bodyPr rtlCol="0" anchor="ctr"/>
+          <a:lstStyle/>
+          <a:p>
+            <a:pPr algn="ctr"/>
+            <a:endParaRPr kumimoji="1" lang="ko-Kore-KR" altLang="en-US">
+              <a:solidFill>
+                <a:schemeClr val="tx1"/>
+              </a:solidFill>
+            </a:endParaRPr>
+          </a:p>
+        </p:txBody>
+      </p:sp>
+      <p:sp>
+        <p:nvSpPr>
+          <p:cNvPr id="7" name="직사각형 6">
+            <a:extLst>
+              <a:ext uri="{FF2B5EF4-FFF2-40B4-BE49-F238E27FC236}">
+                <a16:creationId xmlns:a16="http://schemas.microsoft.com/office/drawing/2014/main" id="{CA1D0D8F-3D93-1A2B-16A2-AC8CF7F66328}"/>
+              </a:ext>
+            </a:extLst>
+          </p:cNvPr>
+          <p:cNvSpPr/>
+          <p:nvPr/>
+        </p:nvSpPr>
+        <p:spPr>
+          <a:xfrm>
+            <a:off x="6330846" y="3557666"/>
+            <a:ext cx="769495" cy="419724"/>
+          </a:xfrm>
+          <a:prstGeom prst="rect">
+            <a:avLst/>
+          </a:prstGeom>
+          <a:solidFill>
+            <a:schemeClr val="accent4">
+              <a:lumMod val="60000"/>
+              <a:lumOff val="40000"/>
+            </a:schemeClr>
+          </a:solidFill>
+        </p:spPr>
+        <p:style>
+          <a:lnRef idx="2">
+            <a:schemeClr val="accent4">
+              <a:shade val="15000"/>
+            </a:schemeClr>
+          </a:lnRef>
+          <a:fillRef idx="1">
+            <a:schemeClr val="accent4"/>
+          </a:fillRef>
+          <a:effectRef idx="0">
+            <a:schemeClr val="accent4"/>
+          </a:effectRef>
+          <a:fontRef idx="minor">
+            <a:schemeClr val="lt1"/>
+          </a:fontRef>
+        </p:style>
+        <p:txBody>
+          <a:bodyPr rtlCol="0" anchor="ctr"/>
+          <a:lstStyle/>
+          <a:p>
+            <a:pPr algn="ctr"/>
+            <a:r>
+              <a:rPr kumimoji="1" lang="en-US" altLang="ko-Kore-KR" sz="1200" dirty="0">
+                <a:solidFill>
+                  <a:schemeClr val="tx1"/>
+                </a:solidFill>
+                <a:latin typeface="DM Mono" panose="020B0509040201040103" pitchFamily="49" charset="0"/>
+              </a:rPr>
+              <a:t>10</a:t>
+            </a:r>
+            <a:endParaRPr kumimoji="1" lang="ko-Kore-KR" altLang="en-US" sz="1200" dirty="0">
+              <a:solidFill>
+                <a:schemeClr val="tx1"/>
+              </a:solidFill>
+              <a:latin typeface="DM Mono" panose="020B0509040201040103" pitchFamily="49" charset="0"/>
+            </a:endParaRPr>
+          </a:p>
+        </p:txBody>
+      </p:sp>
+      <p:sp>
+        <p:nvSpPr>
+          <p:cNvPr id="8" name="TextBox 7">
+            <a:extLst>
+              <a:ext uri="{FF2B5EF4-FFF2-40B4-BE49-F238E27FC236}">
+                <a16:creationId xmlns:a16="http://schemas.microsoft.com/office/drawing/2014/main" id="{F5E390B6-A8A7-689A-5317-D9E45EBF4469}"/>
+              </a:ext>
+            </a:extLst>
+          </p:cNvPr>
+          <p:cNvSpPr txBox="1"/>
+          <p:nvPr/>
+        </p:nvSpPr>
+        <p:spPr>
+          <a:xfrm>
+            <a:off x="5946098" y="3636723"/>
+            <a:ext cx="384748" cy="261610"/>
+          </a:xfrm>
+          <a:prstGeom prst="rect">
+            <a:avLst/>
+          </a:prstGeom>
+          <a:noFill/>
+        </p:spPr>
+        <p:txBody>
+          <a:bodyPr wrap="square">
+            <a:spAutoFit/>
+          </a:bodyPr>
+          <a:lstStyle/>
+          <a:p>
+            <a:pPr algn="r"/>
+            <a:r>
+              <a:rPr kumimoji="1" lang="en-US" altLang="ko-Kore-KR" sz="1100" dirty="0">
+                <a:latin typeface="DM Mono" panose="020B0509040201040103" pitchFamily="49" charset="0"/>
+              </a:rPr>
+              <a:t>x</a:t>
+            </a:r>
+            <a:endParaRPr kumimoji="1" lang="ko-Kore-KR" altLang="en-US" sz="1100" dirty="0">
+              <a:solidFill>
+                <a:schemeClr val="tx1"/>
+              </a:solidFill>
+              <a:latin typeface="DM Mono" panose="020B0509040201040103" pitchFamily="49" charset="0"/>
+            </a:endParaRPr>
+          </a:p>
+        </p:txBody>
+      </p:sp>
+      <p:sp>
+        <p:nvSpPr>
+          <p:cNvPr id="9" name="TextBox 8">
+            <a:extLst>
+              <a:ext uri="{FF2B5EF4-FFF2-40B4-BE49-F238E27FC236}">
+                <a16:creationId xmlns:a16="http://schemas.microsoft.com/office/drawing/2014/main" id="{A3EAF81C-9294-533F-5D8F-47C3F8BA2BCE}"/>
+              </a:ext>
+            </a:extLst>
+          </p:cNvPr>
+          <p:cNvSpPr txBox="1"/>
+          <p:nvPr/>
+        </p:nvSpPr>
+        <p:spPr>
+          <a:xfrm>
+            <a:off x="5736237" y="2900863"/>
+            <a:ext cx="1821303" cy="276999"/>
+          </a:xfrm>
+          <a:prstGeom prst="rect">
+            <a:avLst/>
+          </a:prstGeom>
+          <a:noFill/>
+        </p:spPr>
+        <p:txBody>
+          <a:bodyPr wrap="square">
+            <a:spAutoFit/>
+          </a:bodyPr>
+          <a:lstStyle/>
+          <a:p>
+            <a:pPr algn="ctr"/>
+            <a:r>
+              <a:rPr lang="ko-Kore-KR" altLang="en-US" sz="1200" dirty="0">
+                <a:latin typeface="DM Mono" panose="020B0509040201040103" pitchFamily="49" charset="0"/>
+              </a:rPr>
+              <a:t>main</a:t>
+            </a:r>
+          </a:p>
+        </p:txBody>
+      </p:sp>
+      <p:sp>
+        <p:nvSpPr>
+          <p:cNvPr id="10" name="직사각형 9">
+            <a:extLst>
+              <a:ext uri="{FF2B5EF4-FFF2-40B4-BE49-F238E27FC236}">
+                <a16:creationId xmlns:a16="http://schemas.microsoft.com/office/drawing/2014/main" id="{EADA0410-51B1-5D19-964D-7E9ECE449302}"/>
+              </a:ext>
+            </a:extLst>
+          </p:cNvPr>
+          <p:cNvSpPr/>
+          <p:nvPr/>
+        </p:nvSpPr>
+        <p:spPr>
+          <a:xfrm>
+            <a:off x="6330846" y="3977390"/>
+            <a:ext cx="769495" cy="419724"/>
+          </a:xfrm>
+          <a:prstGeom prst="rect">
+            <a:avLst/>
+          </a:prstGeom>
+          <a:solidFill>
+            <a:schemeClr val="accent4">
+              <a:lumMod val="60000"/>
+              <a:lumOff val="40000"/>
+            </a:schemeClr>
+          </a:solidFill>
+        </p:spPr>
+        <p:style>
+          <a:lnRef idx="2">
+            <a:schemeClr val="accent4">
+              <a:shade val="15000"/>
+            </a:schemeClr>
+          </a:lnRef>
+          <a:fillRef idx="1">
+            <a:schemeClr val="accent4"/>
+          </a:fillRef>
+          <a:effectRef idx="0">
+            <a:schemeClr val="accent4"/>
+          </a:effectRef>
+          <a:fontRef idx="minor">
+            <a:schemeClr val="lt1"/>
+          </a:fontRef>
+        </p:style>
+        <p:txBody>
+          <a:bodyPr rtlCol="0" anchor="ctr"/>
+          <a:lstStyle/>
+          <a:p>
+            <a:pPr algn="ctr"/>
+            <a:r>
+              <a:rPr kumimoji="1" lang="en-US" altLang="ko-Kore-KR" sz="1200" dirty="0">
+                <a:solidFill>
+                  <a:schemeClr val="tx1"/>
+                </a:solidFill>
+                <a:latin typeface="DM Mono" panose="020B0509040201040103" pitchFamily="49" charset="0"/>
+              </a:rPr>
+              <a:t>20</a:t>
+            </a:r>
+            <a:endParaRPr kumimoji="1" lang="ko-Kore-KR" altLang="en-US" sz="1200" dirty="0">
+              <a:solidFill>
+                <a:schemeClr val="tx1"/>
+              </a:solidFill>
+              <a:latin typeface="DM Mono" panose="020B0509040201040103" pitchFamily="49" charset="0"/>
+            </a:endParaRPr>
+          </a:p>
+        </p:txBody>
+      </p:sp>
+      <p:sp>
+        <p:nvSpPr>
+          <p:cNvPr id="11" name="TextBox 10">
+            <a:extLst>
+              <a:ext uri="{FF2B5EF4-FFF2-40B4-BE49-F238E27FC236}">
+                <a16:creationId xmlns:a16="http://schemas.microsoft.com/office/drawing/2014/main" id="{A50DFEF0-A7AD-FDB1-0570-CF9ED265EC33}"/>
+              </a:ext>
+            </a:extLst>
+          </p:cNvPr>
+          <p:cNvSpPr txBox="1"/>
+          <p:nvPr/>
+        </p:nvSpPr>
+        <p:spPr>
+          <a:xfrm>
+            <a:off x="5946098" y="4056447"/>
+            <a:ext cx="384748" cy="261610"/>
+          </a:xfrm>
+          <a:prstGeom prst="rect">
+            <a:avLst/>
+          </a:prstGeom>
+          <a:noFill/>
+        </p:spPr>
+        <p:txBody>
+          <a:bodyPr wrap="square">
+            <a:spAutoFit/>
+          </a:bodyPr>
+          <a:lstStyle/>
+          <a:p>
+            <a:pPr algn="r"/>
+            <a:r>
+              <a:rPr kumimoji="1" lang="en-US" altLang="ko-Kore-KR" sz="1100" dirty="0">
+                <a:solidFill>
+                  <a:schemeClr val="tx1"/>
+                </a:solidFill>
+                <a:latin typeface="DM Mono" panose="020B0509040201040103" pitchFamily="49" charset="0"/>
+              </a:rPr>
+              <a:t>y</a:t>
+            </a:r>
+            <a:endParaRPr kumimoji="1" lang="ko-Kore-KR" altLang="en-US" sz="1100" dirty="0">
+              <a:solidFill>
+                <a:schemeClr val="tx1"/>
+              </a:solidFill>
+              <a:latin typeface="DM Mono" panose="020B0509040201040103" pitchFamily="49" charset="0"/>
+            </a:endParaRPr>
+          </a:p>
+        </p:txBody>
+      </p:sp>
+      <p:sp>
+        <p:nvSpPr>
+          <p:cNvPr id="12" name="TextBox 11">
+            <a:extLst>
+              <a:ext uri="{FF2B5EF4-FFF2-40B4-BE49-F238E27FC236}">
+                <a16:creationId xmlns:a16="http://schemas.microsoft.com/office/drawing/2014/main" id="{0744025E-B981-FE08-20F0-0EAE6EBC840B}"/>
+              </a:ext>
+            </a:extLst>
+          </p:cNvPr>
+          <p:cNvSpPr txBox="1"/>
+          <p:nvPr/>
+        </p:nvSpPr>
+        <p:spPr>
+          <a:xfrm>
+            <a:off x="6468880" y="3292907"/>
+            <a:ext cx="490927" cy="261610"/>
+          </a:xfrm>
+          <a:prstGeom prst="rect">
+            <a:avLst/>
+          </a:prstGeom>
+          <a:noFill/>
+        </p:spPr>
+        <p:txBody>
+          <a:bodyPr wrap="square">
+            <a:spAutoFit/>
+          </a:bodyPr>
+          <a:lstStyle/>
+          <a:p>
+            <a:pPr algn="ctr"/>
+            <a:r>
+              <a:rPr kumimoji="1" lang="en-US" altLang="ko-Kore-KR" sz="1100" dirty="0">
+                <a:solidFill>
+                  <a:schemeClr val="tx1"/>
+                </a:solidFill>
+                <a:latin typeface="DM Mono" panose="020B0509040201040103" pitchFamily="49" charset="0"/>
+              </a:rPr>
+              <a:t>pt1</a:t>
+            </a:r>
+            <a:endParaRPr kumimoji="1" lang="ko-Kore-KR" altLang="en-US" sz="1100" dirty="0">
+              <a:solidFill>
+                <a:schemeClr val="tx1"/>
+              </a:solidFill>
+              <a:latin typeface="DM Mono" panose="020B0509040201040103" pitchFamily="49" charset="0"/>
+            </a:endParaRPr>
+          </a:p>
+        </p:txBody>
+      </p:sp>
+      <p:sp>
+        <p:nvSpPr>
+          <p:cNvPr id="13" name="직사각형 12">
+            <a:extLst>
+              <a:ext uri="{FF2B5EF4-FFF2-40B4-BE49-F238E27FC236}">
+                <a16:creationId xmlns:a16="http://schemas.microsoft.com/office/drawing/2014/main" id="{88352FD8-F396-1788-656A-788902165EE4}"/>
+              </a:ext>
+            </a:extLst>
+          </p:cNvPr>
+          <p:cNvSpPr/>
+          <p:nvPr/>
+        </p:nvSpPr>
+        <p:spPr>
+          <a:xfrm>
+            <a:off x="8010370" y="3528575"/>
+            <a:ext cx="769495" cy="419724"/>
+          </a:xfrm>
+          <a:prstGeom prst="rect">
+            <a:avLst/>
+          </a:prstGeom>
+          <a:solidFill>
+            <a:schemeClr val="accent4">
+              <a:lumMod val="60000"/>
+              <a:lumOff val="40000"/>
+            </a:schemeClr>
+          </a:solidFill>
+        </p:spPr>
+        <p:style>
+          <a:lnRef idx="2">
+            <a:schemeClr val="accent4">
+              <a:shade val="15000"/>
+            </a:schemeClr>
+          </a:lnRef>
+          <a:fillRef idx="1">
+            <a:schemeClr val="accent4"/>
+          </a:fillRef>
+          <a:effectRef idx="0">
+            <a:schemeClr val="accent4"/>
+          </a:effectRef>
+          <a:fontRef idx="minor">
+            <a:schemeClr val="lt1"/>
+          </a:fontRef>
+        </p:style>
+        <p:txBody>
+          <a:bodyPr rtlCol="0" anchor="ctr"/>
+          <a:lstStyle/>
+          <a:p>
+            <a:pPr algn="ctr"/>
+            <a:r>
+              <a:rPr kumimoji="1" lang="en-US" altLang="ko-Kore-KR" sz="1200" dirty="0">
+                <a:solidFill>
+                  <a:schemeClr val="tx1"/>
+                </a:solidFill>
+                <a:latin typeface="DM Mono" panose="020B0509040201040103" pitchFamily="49" charset="0"/>
+              </a:rPr>
+              <a:t>100</a:t>
+            </a:r>
+            <a:endParaRPr kumimoji="1" lang="ko-Kore-KR" altLang="en-US" sz="1200" dirty="0">
+              <a:solidFill>
+                <a:schemeClr val="tx1"/>
+              </a:solidFill>
+              <a:latin typeface="DM Mono" panose="020B0509040201040103" pitchFamily="49" charset="0"/>
+            </a:endParaRPr>
+          </a:p>
+        </p:txBody>
+      </p:sp>
+      <p:sp>
+        <p:nvSpPr>
+          <p:cNvPr id="14" name="TextBox 13">
+            <a:extLst>
+              <a:ext uri="{FF2B5EF4-FFF2-40B4-BE49-F238E27FC236}">
+                <a16:creationId xmlns:a16="http://schemas.microsoft.com/office/drawing/2014/main" id="{4A6BDF8A-36EA-D0A5-9DF3-C6ED0C50528A}"/>
+              </a:ext>
+            </a:extLst>
+          </p:cNvPr>
+          <p:cNvSpPr txBox="1"/>
+          <p:nvPr/>
+        </p:nvSpPr>
+        <p:spPr>
+          <a:xfrm>
+            <a:off x="7625622" y="3607632"/>
+            <a:ext cx="384748" cy="261610"/>
+          </a:xfrm>
+          <a:prstGeom prst="rect">
+            <a:avLst/>
+          </a:prstGeom>
+          <a:noFill/>
+        </p:spPr>
+        <p:txBody>
+          <a:bodyPr wrap="square">
+            <a:spAutoFit/>
+          </a:bodyPr>
+          <a:lstStyle/>
+          <a:p>
+            <a:pPr algn="r"/>
+            <a:r>
+              <a:rPr kumimoji="1" lang="en-US" altLang="ko-Kore-KR" sz="1100" dirty="0">
+                <a:latin typeface="DM Mono" panose="020B0509040201040103" pitchFamily="49" charset="0"/>
+              </a:rPr>
+              <a:t>x</a:t>
+            </a:r>
+            <a:endParaRPr kumimoji="1" lang="ko-Kore-KR" altLang="en-US" sz="1100" dirty="0">
+              <a:solidFill>
+                <a:schemeClr val="tx1"/>
+              </a:solidFill>
+              <a:latin typeface="DM Mono" panose="020B0509040201040103" pitchFamily="49" charset="0"/>
+            </a:endParaRPr>
+          </a:p>
+        </p:txBody>
+      </p:sp>
+      <p:sp>
+        <p:nvSpPr>
+          <p:cNvPr id="15" name="직사각형 14">
+            <a:extLst>
+              <a:ext uri="{FF2B5EF4-FFF2-40B4-BE49-F238E27FC236}">
+                <a16:creationId xmlns:a16="http://schemas.microsoft.com/office/drawing/2014/main" id="{3B34C8EF-828E-0B94-D39A-99CE3A61A8F4}"/>
+              </a:ext>
+            </a:extLst>
+          </p:cNvPr>
+          <p:cNvSpPr/>
+          <p:nvPr/>
+        </p:nvSpPr>
+        <p:spPr>
+          <a:xfrm>
+            <a:off x="8010370" y="3948299"/>
+            <a:ext cx="769495" cy="419724"/>
+          </a:xfrm>
+          <a:prstGeom prst="rect">
+            <a:avLst/>
+          </a:prstGeom>
+          <a:solidFill>
+            <a:schemeClr val="accent4">
+              <a:lumMod val="60000"/>
+              <a:lumOff val="40000"/>
+            </a:schemeClr>
+          </a:solidFill>
+        </p:spPr>
+        <p:style>
+          <a:lnRef idx="2">
+            <a:schemeClr val="accent4">
+              <a:shade val="15000"/>
+            </a:schemeClr>
+          </a:lnRef>
+          <a:fillRef idx="1">
+            <a:schemeClr val="accent4"/>
+          </a:fillRef>
+          <a:effectRef idx="0">
+            <a:schemeClr val="accent4"/>
+          </a:effectRef>
+          <a:fontRef idx="minor">
+            <a:schemeClr val="lt1"/>
+          </a:fontRef>
+        </p:style>
+        <p:txBody>
+          <a:bodyPr rtlCol="0" anchor="ctr"/>
+          <a:lstStyle/>
+          <a:p>
+            <a:pPr algn="ctr"/>
+            <a:r>
+              <a:rPr kumimoji="1" lang="en-US" altLang="ko-Kore-KR" sz="1200" dirty="0">
+                <a:solidFill>
+                  <a:schemeClr val="tx1"/>
+                </a:solidFill>
+                <a:latin typeface="DM Mono" panose="020B0509040201040103" pitchFamily="49" charset="0"/>
+              </a:rPr>
+              <a:t>300</a:t>
+            </a:r>
+            <a:endParaRPr kumimoji="1" lang="ko-Kore-KR" altLang="en-US" sz="1200" dirty="0">
+              <a:solidFill>
+                <a:schemeClr val="tx1"/>
+              </a:solidFill>
+              <a:latin typeface="DM Mono" panose="020B0509040201040103" pitchFamily="49" charset="0"/>
+            </a:endParaRPr>
+          </a:p>
+        </p:txBody>
+      </p:sp>
+      <p:sp>
+        <p:nvSpPr>
+          <p:cNvPr id="16" name="TextBox 15">
+            <a:extLst>
+              <a:ext uri="{FF2B5EF4-FFF2-40B4-BE49-F238E27FC236}">
+                <a16:creationId xmlns:a16="http://schemas.microsoft.com/office/drawing/2014/main" id="{6304CBF1-4C94-E875-8248-A9609ECED170}"/>
+              </a:ext>
+            </a:extLst>
+          </p:cNvPr>
+          <p:cNvSpPr txBox="1"/>
+          <p:nvPr/>
+        </p:nvSpPr>
+        <p:spPr>
+          <a:xfrm>
+            <a:off x="7625622" y="4027356"/>
+            <a:ext cx="384748" cy="261610"/>
+          </a:xfrm>
+          <a:prstGeom prst="rect">
+            <a:avLst/>
+          </a:prstGeom>
+          <a:noFill/>
+        </p:spPr>
+        <p:txBody>
+          <a:bodyPr wrap="square">
+            <a:spAutoFit/>
+          </a:bodyPr>
+          <a:lstStyle/>
+          <a:p>
+            <a:pPr algn="r"/>
+            <a:r>
+              <a:rPr kumimoji="1" lang="en-US" altLang="ko-Kore-KR" sz="1100" dirty="0">
+                <a:solidFill>
+                  <a:schemeClr val="tx1"/>
+                </a:solidFill>
+                <a:latin typeface="DM Mono" panose="020B0509040201040103" pitchFamily="49" charset="0"/>
+              </a:rPr>
+              <a:t>y</a:t>
+            </a:r>
+            <a:endParaRPr kumimoji="1" lang="ko-Kore-KR" altLang="en-US" sz="1100" dirty="0">
+              <a:solidFill>
+                <a:schemeClr val="tx1"/>
+              </a:solidFill>
+              <a:latin typeface="DM Mono" panose="020B0509040201040103" pitchFamily="49" charset="0"/>
+            </a:endParaRPr>
+          </a:p>
+        </p:txBody>
+      </p:sp>
+      <p:sp>
+        <p:nvSpPr>
+          <p:cNvPr id="17" name="TextBox 16">
+            <a:extLst>
+              <a:ext uri="{FF2B5EF4-FFF2-40B4-BE49-F238E27FC236}">
+                <a16:creationId xmlns:a16="http://schemas.microsoft.com/office/drawing/2014/main" id="{4293E015-F753-CFD8-EAB0-16FE54290394}"/>
+              </a:ext>
+            </a:extLst>
+          </p:cNvPr>
+          <p:cNvSpPr txBox="1"/>
+          <p:nvPr/>
+        </p:nvSpPr>
+        <p:spPr>
+          <a:xfrm>
+            <a:off x="8148404" y="3263816"/>
+            <a:ext cx="490927" cy="261610"/>
+          </a:xfrm>
+          <a:prstGeom prst="rect">
+            <a:avLst/>
+          </a:prstGeom>
+          <a:noFill/>
+        </p:spPr>
+        <p:txBody>
+          <a:bodyPr wrap="square">
+            <a:spAutoFit/>
+          </a:bodyPr>
+          <a:lstStyle/>
+          <a:p>
+            <a:pPr algn="ctr"/>
+            <a:r>
+              <a:rPr kumimoji="1" lang="en-US" altLang="ko-Kore-KR" sz="1100" dirty="0">
+                <a:solidFill>
+                  <a:schemeClr val="tx1"/>
+                </a:solidFill>
+                <a:latin typeface="DM Mono" panose="020B0509040201040103" pitchFamily="49" charset="0"/>
+              </a:rPr>
+              <a:t>pt2</a:t>
+            </a:r>
+            <a:endParaRPr kumimoji="1" lang="ko-Kore-KR" altLang="en-US" sz="1100" dirty="0">
+              <a:solidFill>
+                <a:schemeClr val="tx1"/>
+              </a:solidFill>
+              <a:latin typeface="DM Mono" panose="020B0509040201040103" pitchFamily="49" charset="0"/>
+            </a:endParaRPr>
+          </a:p>
+        </p:txBody>
+      </p:sp>
+      <p:sp>
+        <p:nvSpPr>
+          <p:cNvPr id="19" name="TextBox 18">
+            <a:extLst>
+              <a:ext uri="{FF2B5EF4-FFF2-40B4-BE49-F238E27FC236}">
+                <a16:creationId xmlns:a16="http://schemas.microsoft.com/office/drawing/2014/main" id="{44CDC6BC-132B-8F25-9DDC-824F8D16600E}"/>
+              </a:ext>
+            </a:extLst>
+          </p:cNvPr>
+          <p:cNvSpPr txBox="1"/>
+          <p:nvPr/>
+        </p:nvSpPr>
+        <p:spPr>
+          <a:xfrm>
+            <a:off x="5491395" y="987254"/>
+            <a:ext cx="6096002" cy="1169551"/>
+          </a:xfrm>
+          <a:prstGeom prst="rect">
+            <a:avLst/>
+          </a:prstGeom>
+          <a:noFill/>
+        </p:spPr>
+        <p:txBody>
+          <a:bodyPr wrap="square">
+            <a:spAutoFit/>
+          </a:bodyPr>
+          <a:lstStyle/>
+          <a:p>
+            <a:r>
+              <a:rPr lang="ko-Kore-KR" altLang="en-US" sz="1400" dirty="0">
+                <a:latin typeface="DM Mono" panose="020B0509040201040103" pitchFamily="49" charset="0"/>
+              </a:rPr>
+              <a:t> void </a:t>
+            </a:r>
+            <a:r>
+              <a:rPr lang="en-US" altLang="ko-Kore-KR" sz="1400" dirty="0">
+                <a:latin typeface="DM Mono" panose="020B0509040201040103" pitchFamily="49" charset="0"/>
+              </a:rPr>
+              <a:t>Point::</a:t>
+            </a:r>
+            <a:r>
+              <a:rPr lang="ko-Kore-KR" altLang="en-US" sz="1400" dirty="0">
+                <a:latin typeface="DM Mono" panose="020B0509040201040103" pitchFamily="49" charset="0"/>
+              </a:rPr>
+              <a:t>Set(</a:t>
+            </a:r>
+            <a:r>
+              <a:rPr lang="en-US" altLang="ko-Kore-KR" sz="1400" dirty="0">
+                <a:solidFill>
+                  <a:srgbClr val="FF0000"/>
+                </a:solidFill>
+                <a:latin typeface="DM Mono" panose="020B0509040201040103" pitchFamily="49" charset="0"/>
+              </a:rPr>
+              <a:t>Point* this, </a:t>
+            </a:r>
+            <a:r>
+              <a:rPr lang="ko-Kore-KR" altLang="en-US" sz="1400" dirty="0">
+                <a:latin typeface="DM Mono" panose="020B0509040201040103" pitchFamily="49" charset="0"/>
+              </a:rPr>
+              <a:t>int a, int b)</a:t>
+            </a:r>
+          </a:p>
+          <a:p>
+            <a:r>
+              <a:rPr lang="en-US" altLang="ko-Kore-KR" sz="1400" dirty="0">
+                <a:latin typeface="DM Mono" panose="020B0509040201040103" pitchFamily="49" charset="0"/>
+              </a:rPr>
+              <a:t> </a:t>
+            </a:r>
+            <a:r>
+              <a:rPr lang="ko-Kore-KR" altLang="en-US" sz="1400" dirty="0">
+                <a:latin typeface="DM Mono" panose="020B0509040201040103" pitchFamily="49" charset="0"/>
+              </a:rPr>
+              <a:t>{</a:t>
+            </a:r>
+          </a:p>
+          <a:p>
+            <a:r>
+              <a:rPr lang="ko-Kore-KR" altLang="en-US" sz="1400" dirty="0">
+                <a:latin typeface="DM Mono" panose="020B0509040201040103" pitchFamily="49" charset="0"/>
+              </a:rPr>
+              <a:t>        </a:t>
+            </a:r>
+            <a:r>
+              <a:rPr lang="en-US" altLang="ko-Kore-KR" sz="1400" dirty="0">
+                <a:solidFill>
+                  <a:srgbClr val="FF0000"/>
+                </a:solidFill>
+                <a:latin typeface="DM Mono" panose="020B0509040201040103" pitchFamily="49" charset="0"/>
+              </a:rPr>
+              <a:t>this-&gt;</a:t>
+            </a:r>
+            <a:r>
+              <a:rPr lang="ko-Kore-KR" altLang="en-US" sz="1400" dirty="0">
+                <a:solidFill>
+                  <a:srgbClr val="FF0000"/>
+                </a:solidFill>
+                <a:latin typeface="DM Mono" panose="020B0509040201040103" pitchFamily="49" charset="0"/>
+              </a:rPr>
+              <a:t>x</a:t>
+            </a:r>
+            <a:r>
+              <a:rPr lang="ko-Kore-KR" altLang="en-US" sz="1400" dirty="0">
+                <a:latin typeface="DM Mono" panose="020B0509040201040103" pitchFamily="49" charset="0"/>
+              </a:rPr>
+              <a:t> = a;</a:t>
+            </a:r>
+          </a:p>
+          <a:p>
+            <a:r>
+              <a:rPr lang="ko-Kore-KR" altLang="en-US" sz="1400" dirty="0">
+                <a:latin typeface="DM Mono" panose="020B0509040201040103" pitchFamily="49" charset="0"/>
+              </a:rPr>
+              <a:t>        </a:t>
+            </a:r>
+            <a:r>
+              <a:rPr lang="en-US" altLang="ko-Kore-KR" sz="1400" dirty="0">
+                <a:solidFill>
+                  <a:srgbClr val="FF0000"/>
+                </a:solidFill>
+                <a:latin typeface="DM Mono" panose="020B0509040201040103" pitchFamily="49" charset="0"/>
+              </a:rPr>
+              <a:t>this-&gt;</a:t>
+            </a:r>
+            <a:r>
+              <a:rPr lang="ko-Kore-KR" altLang="en-US" sz="1400" dirty="0">
+                <a:solidFill>
+                  <a:srgbClr val="FF0000"/>
+                </a:solidFill>
+                <a:latin typeface="DM Mono" panose="020B0509040201040103" pitchFamily="49" charset="0"/>
+              </a:rPr>
+              <a:t>y</a:t>
+            </a:r>
+            <a:r>
+              <a:rPr lang="ko-Kore-KR" altLang="en-US" sz="1400" dirty="0">
+                <a:latin typeface="DM Mono" panose="020B0509040201040103" pitchFamily="49" charset="0"/>
+              </a:rPr>
+              <a:t> = b;</a:t>
+            </a:r>
+          </a:p>
+          <a:p>
+            <a:r>
+              <a:rPr lang="en-US" altLang="ko-Kore-KR" sz="1400" dirty="0">
+                <a:latin typeface="DM Mono" panose="020B0509040201040103" pitchFamily="49" charset="0"/>
+              </a:rPr>
+              <a:t> </a:t>
+            </a:r>
+            <a:r>
+              <a:rPr lang="ko-Kore-KR" altLang="en-US" sz="1400" dirty="0">
+                <a:latin typeface="DM Mono" panose="020B0509040201040103" pitchFamily="49" charset="0"/>
+              </a:rPr>
+              <a:t>}</a:t>
+            </a:r>
+            <a:endParaRPr lang="ko-Kore-KR" altLang="en-US" sz="1400" dirty="0"/>
+          </a:p>
+        </p:txBody>
+      </p:sp>
+      <p:cxnSp>
+        <p:nvCxnSpPr>
+          <p:cNvPr id="3" name="구부러진 연결선[U] 2">
+            <a:extLst>
+              <a:ext uri="{FF2B5EF4-FFF2-40B4-BE49-F238E27FC236}">
+                <a16:creationId xmlns:a16="http://schemas.microsoft.com/office/drawing/2014/main" id="{4A998D70-F099-AE9F-B13D-00C043B8BCAD}"/>
+              </a:ext>
+            </a:extLst>
+          </p:cNvPr>
+          <p:cNvCxnSpPr>
+            <a:cxnSpLocks/>
+            <a:endCxn id="13" idx="0"/>
+          </p:cNvCxnSpPr>
+          <p:nvPr/>
+        </p:nvCxnSpPr>
+        <p:spPr>
+          <a:xfrm rot="16200000" flipH="1">
+            <a:off x="7226955" y="2360412"/>
+            <a:ext cx="2330704" cy="5622"/>
+          </a:xfrm>
+          <a:prstGeom prst="curvedConnector3">
+            <a:avLst/>
+          </a:prstGeom>
+          <a:ln>
+            <a:tailEnd type="triangle"/>
+          </a:ln>
+        </p:spPr>
+        <p:style>
+          <a:lnRef idx="1">
+            <a:schemeClr val="dk1"/>
+          </a:lnRef>
+          <a:fillRef idx="0">
+            <a:schemeClr val="dk1"/>
+          </a:fillRef>
+          <a:effectRef idx="0">
+            <a:schemeClr val="dk1"/>
+          </a:effectRef>
+          <a:fontRef idx="minor">
+            <a:schemeClr val="tx1"/>
+          </a:fontRef>
+        </p:style>
+      </p:cxnSp>
+    </p:spTree>
+    <p:extLst>
+      <p:ext uri="{BB962C8B-B14F-4D97-AF65-F5344CB8AC3E}">
+        <p14:creationId xmlns:p14="http://schemas.microsoft.com/office/powerpoint/2010/main" val="1720622573"/>
       </p:ext>
     </p:extLst>
   </p:cSld>

--- a/230612.pptx
+++ b/230612.pptx
@@ -18,6 +18,11 @@
     <p:sldId id="266" r:id="rId12"/>
     <p:sldId id="267" r:id="rId13"/>
     <p:sldId id="268" r:id="rId14"/>
+    <p:sldId id="269" r:id="rId15"/>
+    <p:sldId id="270" r:id="rId16"/>
+    <p:sldId id="271" r:id="rId17"/>
+    <p:sldId id="272" r:id="rId18"/>
+    <p:sldId id="273" r:id="rId19"/>
   </p:sldIdLst>
   <p:sldSz cx="12192000" cy="6858000"/>
   <p:notesSz cx="6858000" cy="9144000"/>
@@ -7285,6 +7290,4193 @@
     <p:extLst>
       <p:ext uri="{BB962C8B-B14F-4D97-AF65-F5344CB8AC3E}">
         <p14:creationId xmlns:p14="http://schemas.microsoft.com/office/powerpoint/2010/main" val="1720622573"/>
+      </p:ext>
+    </p:extLst>
+  </p:cSld>
+  <p:clrMapOvr>
+    <a:masterClrMapping/>
+  </p:clrMapOvr>
+</p:sld>
+</file>
+
+<file path=ppt/slides/slide14.xml><?xml version="1.0" encoding="utf-8"?>
+<p:sld xmlns:a="http://schemas.openxmlformats.org/drawingml/2006/main" xmlns:r="http://schemas.openxmlformats.org/officeDocument/2006/relationships" xmlns:p="http://schemas.openxmlformats.org/presentationml/2006/main">
+  <p:cSld>
+    <p:spTree>
+      <p:nvGrpSpPr>
+        <p:cNvPr id="1" name=""/>
+        <p:cNvGrpSpPr/>
+        <p:nvPr/>
+      </p:nvGrpSpPr>
+      <p:grpSpPr>
+        <a:xfrm>
+          <a:off x="0" y="0"/>
+          <a:ext cx="0" cy="0"/>
+          <a:chOff x="0" y="0"/>
+          <a:chExt cx="0" cy="0"/>
+        </a:xfrm>
+      </p:grpSpPr>
+      <p:sp>
+        <p:nvSpPr>
+          <p:cNvPr id="5" name="TextBox 4">
+            <a:extLst>
+              <a:ext uri="{FF2B5EF4-FFF2-40B4-BE49-F238E27FC236}">
+                <a16:creationId xmlns:a16="http://schemas.microsoft.com/office/drawing/2014/main" id="{8F84A736-470E-707D-FB5E-AC1AB60ADBA8}"/>
+              </a:ext>
+            </a:extLst>
+          </p:cNvPr>
+          <p:cNvSpPr txBox="1"/>
+          <p:nvPr/>
+        </p:nvSpPr>
+        <p:spPr>
+          <a:xfrm>
+            <a:off x="469692" y="454705"/>
+            <a:ext cx="4392118" cy="5339923"/>
+          </a:xfrm>
+          <a:prstGeom prst="rect">
+            <a:avLst/>
+          </a:prstGeom>
+          <a:noFill/>
+        </p:spPr>
+        <p:txBody>
+          <a:bodyPr wrap="square">
+            <a:spAutoFit/>
+          </a:bodyPr>
+          <a:lstStyle/>
+          <a:p>
+            <a:r>
+              <a:rPr lang="ko-Kore-KR" altLang="en-US" sz="1100" dirty="0">
+                <a:latin typeface="DM Mono" panose="020B0509040201040103" pitchFamily="49" charset="0"/>
+              </a:rPr>
+              <a:t>class User {</a:t>
+            </a:r>
+          </a:p>
+          <a:p>
+            <a:r>
+              <a:rPr lang="ko-Kore-KR" altLang="en-US" sz="1100" dirty="0">
+                <a:latin typeface="DM Mono" panose="020B0509040201040103" pitchFamily="49" charset="0"/>
+              </a:rPr>
+              <a:t>    char* name;</a:t>
+            </a:r>
+          </a:p>
+          <a:p>
+            <a:r>
+              <a:rPr lang="ko-Kore-KR" altLang="en-US" sz="1100" dirty="0">
+                <a:latin typeface="DM Mono" panose="020B0509040201040103" pitchFamily="49" charset="0"/>
+              </a:rPr>
+              <a:t>    int age;</a:t>
+            </a:r>
+          </a:p>
+          <a:p>
+            <a:endParaRPr lang="ko-Kore-KR" altLang="en-US" sz="1100" dirty="0">
+              <a:latin typeface="DM Mono" panose="020B0509040201040103" pitchFamily="49" charset="0"/>
+            </a:endParaRPr>
+          </a:p>
+          <a:p>
+            <a:r>
+              <a:rPr lang="ko-Kore-KR" altLang="en-US" sz="1100" dirty="0">
+                <a:latin typeface="DM Mono" panose="020B0509040201040103" pitchFamily="49" charset="0"/>
+              </a:rPr>
+              <a:t>public:</a:t>
+            </a:r>
+          </a:p>
+          <a:p>
+            <a:r>
+              <a:rPr lang="ko-Kore-KR" altLang="en-US" sz="1100" dirty="0">
+                <a:latin typeface="DM Mono" panose="020B0509040201040103" pitchFamily="49" charset="0"/>
+              </a:rPr>
+              <a:t>    User(const char* s, int n)</a:t>
+            </a:r>
+          </a:p>
+          <a:p>
+            <a:r>
+              <a:rPr lang="ko-Kore-KR" altLang="en-US" sz="1100" dirty="0">
+                <a:latin typeface="DM Mono" panose="020B0509040201040103" pitchFamily="49" charset="0"/>
+              </a:rPr>
+              <a:t>        : age(n)</a:t>
+            </a:r>
+          </a:p>
+          <a:p>
+            <a:r>
+              <a:rPr lang="ko-Kore-KR" altLang="en-US" sz="1100" dirty="0">
+                <a:latin typeface="DM Mono" panose="020B0509040201040103" pitchFamily="49" charset="0"/>
+              </a:rPr>
+              <a:t>    {</a:t>
+            </a:r>
+          </a:p>
+          <a:p>
+            <a:r>
+              <a:rPr lang="ko-Kore-KR" altLang="en-US" sz="1100" dirty="0">
+                <a:latin typeface="DM Mono" panose="020B0509040201040103" pitchFamily="49" charset="0"/>
+              </a:rPr>
+              <a:t>        name = new char[strlen(s) + 1];</a:t>
+            </a:r>
+          </a:p>
+          <a:p>
+            <a:r>
+              <a:rPr lang="ko-Kore-KR" altLang="en-US" sz="1100" dirty="0">
+                <a:latin typeface="DM Mono" panose="020B0509040201040103" pitchFamily="49" charset="0"/>
+              </a:rPr>
+              <a:t>        strcpy(name, s);</a:t>
+            </a:r>
+          </a:p>
+          <a:p>
+            <a:r>
+              <a:rPr lang="ko-Kore-KR" altLang="en-US" sz="1100" dirty="0">
+                <a:latin typeface="DM Mono" panose="020B0509040201040103" pitchFamily="49" charset="0"/>
+              </a:rPr>
+              <a:t>    }</a:t>
+            </a:r>
+          </a:p>
+          <a:p>
+            <a:endParaRPr lang="ko-Kore-KR" altLang="en-US" sz="1100" dirty="0">
+              <a:latin typeface="DM Mono" panose="020B0509040201040103" pitchFamily="49" charset="0"/>
+            </a:endParaRPr>
+          </a:p>
+          <a:p>
+            <a:r>
+              <a:rPr lang="ko-Kore-KR" altLang="en-US" sz="1100" dirty="0">
+                <a:latin typeface="DM Mono" panose="020B0509040201040103" pitchFamily="49" charset="0"/>
+              </a:rPr>
+              <a:t>    ~User()</a:t>
+            </a:r>
+          </a:p>
+          <a:p>
+            <a:r>
+              <a:rPr lang="ko-Kore-KR" altLang="en-US" sz="1100" dirty="0">
+                <a:latin typeface="DM Mono" panose="020B0509040201040103" pitchFamily="49" charset="0"/>
+              </a:rPr>
+              <a:t>    {</a:t>
+            </a:r>
+          </a:p>
+          <a:p>
+            <a:r>
+              <a:rPr lang="ko-Kore-KR" altLang="en-US" sz="1100" dirty="0">
+                <a:latin typeface="DM Mono" panose="020B0509040201040103" pitchFamily="49" charset="0"/>
+              </a:rPr>
+              <a:t>        delete[] name;</a:t>
+            </a:r>
+          </a:p>
+          <a:p>
+            <a:r>
+              <a:rPr lang="ko-Kore-KR" altLang="en-US" sz="1100" dirty="0">
+                <a:latin typeface="DM Mono" panose="020B0509040201040103" pitchFamily="49" charset="0"/>
+              </a:rPr>
+              <a:t>    }</a:t>
+            </a:r>
+          </a:p>
+          <a:p>
+            <a:endParaRPr lang="ko-Kore-KR" altLang="en-US" sz="1100" dirty="0">
+              <a:latin typeface="DM Mono" panose="020B0509040201040103" pitchFamily="49" charset="0"/>
+            </a:endParaRPr>
+          </a:p>
+          <a:p>
+            <a:r>
+              <a:rPr lang="ko-Kore-KR" altLang="en-US" sz="1100" dirty="0">
+                <a:latin typeface="DM Mono" panose="020B0509040201040103" pitchFamily="49" charset="0"/>
+              </a:rPr>
+              <a:t>    void Print()</a:t>
+            </a:r>
+          </a:p>
+          <a:p>
+            <a:r>
+              <a:rPr lang="ko-Kore-KR" altLang="en-US" sz="1100" dirty="0">
+                <a:latin typeface="DM Mono" panose="020B0509040201040103" pitchFamily="49" charset="0"/>
+              </a:rPr>
+              <a:t>    {</a:t>
+            </a:r>
+          </a:p>
+          <a:p>
+            <a:r>
+              <a:rPr lang="ko-Kore-KR" altLang="en-US" sz="1100" dirty="0">
+                <a:latin typeface="DM Mono" panose="020B0509040201040103" pitchFamily="49" charset="0"/>
+              </a:rPr>
+              <a:t>        cout &lt;&lt; name &lt;&lt; ", " &lt;&lt; age &lt;&lt; endl;</a:t>
+            </a:r>
+          </a:p>
+          <a:p>
+            <a:r>
+              <a:rPr lang="ko-Kore-KR" altLang="en-US" sz="1100" dirty="0">
+                <a:latin typeface="DM Mono" panose="020B0509040201040103" pitchFamily="49" charset="0"/>
+              </a:rPr>
+              <a:t>    }</a:t>
+            </a:r>
+          </a:p>
+          <a:p>
+            <a:r>
+              <a:rPr lang="ko-Kore-KR" altLang="en-US" sz="1100" dirty="0">
+                <a:latin typeface="DM Mono" panose="020B0509040201040103" pitchFamily="49" charset="0"/>
+              </a:rPr>
+              <a:t>};</a:t>
+            </a:r>
+          </a:p>
+          <a:p>
+            <a:endParaRPr lang="ko-Kore-KR" altLang="en-US" sz="1100" dirty="0">
+              <a:latin typeface="DM Mono" panose="020B0509040201040103" pitchFamily="49" charset="0"/>
+            </a:endParaRPr>
+          </a:p>
+          <a:p>
+            <a:r>
+              <a:rPr lang="ko-Kore-KR" altLang="en-US" sz="1100" dirty="0">
+                <a:latin typeface="DM Mono" panose="020B0509040201040103" pitchFamily="49" charset="0"/>
+              </a:rPr>
+              <a:t>int main()</a:t>
+            </a:r>
+          </a:p>
+          <a:p>
+            <a:r>
+              <a:rPr lang="ko-Kore-KR" altLang="en-US" sz="1100" dirty="0">
+                <a:latin typeface="DM Mono" panose="020B0509040201040103" pitchFamily="49" charset="0"/>
+              </a:rPr>
+              <a:t>{</a:t>
+            </a:r>
+          </a:p>
+          <a:p>
+            <a:r>
+              <a:rPr lang="ko-Kore-KR" altLang="en-US" sz="1100" dirty="0">
+                <a:latin typeface="DM Mono" panose="020B0509040201040103" pitchFamily="49" charset="0"/>
+              </a:rPr>
+              <a:t>    User user("Tom", 42);</a:t>
+            </a:r>
+          </a:p>
+          <a:p>
+            <a:r>
+              <a:rPr lang="ko-Kore-KR" altLang="en-US" sz="1100" dirty="0">
+                <a:latin typeface="DM Mono" panose="020B0509040201040103" pitchFamily="49" charset="0"/>
+              </a:rPr>
+              <a:t>    user.Print();</a:t>
+            </a:r>
+          </a:p>
+          <a:p>
+            <a:endParaRPr lang="ko-Kore-KR" altLang="en-US" sz="1100" dirty="0">
+              <a:latin typeface="DM Mono" panose="020B0509040201040103" pitchFamily="49" charset="0"/>
+            </a:endParaRPr>
+          </a:p>
+          <a:p>
+            <a:r>
+              <a:rPr lang="ko-Kore-KR" altLang="en-US" sz="1100" dirty="0">
+                <a:latin typeface="DM Mono" panose="020B0509040201040103" pitchFamily="49" charset="0"/>
+              </a:rPr>
+              <a:t>    User other = user;</a:t>
+            </a:r>
+          </a:p>
+          <a:p>
+            <a:r>
+              <a:rPr lang="ko-Kore-KR" altLang="en-US" sz="1100" dirty="0">
+                <a:latin typeface="DM Mono" panose="020B0509040201040103" pitchFamily="49" charset="0"/>
+              </a:rPr>
+              <a:t>    other.Print();</a:t>
+            </a:r>
+          </a:p>
+          <a:p>
+            <a:r>
+              <a:rPr lang="ko-Kore-KR" altLang="en-US" sz="1100" dirty="0">
+                <a:latin typeface="DM Mono" panose="020B0509040201040103" pitchFamily="49" charset="0"/>
+              </a:rPr>
+              <a:t>}</a:t>
+            </a:r>
+          </a:p>
+        </p:txBody>
+      </p:sp>
+      <p:sp>
+        <p:nvSpPr>
+          <p:cNvPr id="7" name="직사각형 6">
+            <a:extLst>
+              <a:ext uri="{FF2B5EF4-FFF2-40B4-BE49-F238E27FC236}">
+                <a16:creationId xmlns:a16="http://schemas.microsoft.com/office/drawing/2014/main" id="{31CCB710-0121-1DC8-86D7-67AEA020399A}"/>
+              </a:ext>
+            </a:extLst>
+          </p:cNvPr>
+          <p:cNvSpPr/>
+          <p:nvPr/>
+        </p:nvSpPr>
+        <p:spPr>
+          <a:xfrm>
+            <a:off x="5547612" y="3762531"/>
+            <a:ext cx="769495" cy="419724"/>
+          </a:xfrm>
+          <a:prstGeom prst="rect">
+            <a:avLst/>
+          </a:prstGeom>
+          <a:solidFill>
+            <a:schemeClr val="accent4">
+              <a:lumMod val="60000"/>
+              <a:lumOff val="40000"/>
+            </a:schemeClr>
+          </a:solidFill>
+        </p:spPr>
+        <p:style>
+          <a:lnRef idx="2">
+            <a:schemeClr val="accent4">
+              <a:shade val="15000"/>
+            </a:schemeClr>
+          </a:lnRef>
+          <a:fillRef idx="1">
+            <a:schemeClr val="accent4"/>
+          </a:fillRef>
+          <a:effectRef idx="0">
+            <a:schemeClr val="accent4"/>
+          </a:effectRef>
+          <a:fontRef idx="minor">
+            <a:schemeClr val="lt1"/>
+          </a:fontRef>
+        </p:style>
+        <p:txBody>
+          <a:bodyPr rtlCol="0" anchor="ctr"/>
+          <a:lstStyle/>
+          <a:p>
+            <a:pPr algn="ctr"/>
+            <a:r>
+              <a:rPr kumimoji="1" lang="en-US" altLang="ko-Kore-KR" sz="1200" dirty="0">
+                <a:solidFill>
+                  <a:schemeClr val="tx1"/>
+                </a:solidFill>
+                <a:latin typeface="DM Mono" panose="020B0509040201040103" pitchFamily="49" charset="0"/>
+              </a:rPr>
+              <a:t>0x1000</a:t>
+            </a:r>
+            <a:endParaRPr kumimoji="1" lang="ko-Kore-KR" altLang="en-US" sz="1200" dirty="0">
+              <a:solidFill>
+                <a:schemeClr val="tx1"/>
+              </a:solidFill>
+              <a:latin typeface="DM Mono" panose="020B0509040201040103" pitchFamily="49" charset="0"/>
+            </a:endParaRPr>
+          </a:p>
+        </p:txBody>
+      </p:sp>
+      <p:sp>
+        <p:nvSpPr>
+          <p:cNvPr id="8" name="TextBox 7">
+            <a:extLst>
+              <a:ext uri="{FF2B5EF4-FFF2-40B4-BE49-F238E27FC236}">
+                <a16:creationId xmlns:a16="http://schemas.microsoft.com/office/drawing/2014/main" id="{0E51DEEF-5480-C48B-053D-43D22F6A7663}"/>
+              </a:ext>
+            </a:extLst>
+          </p:cNvPr>
+          <p:cNvSpPr txBox="1"/>
+          <p:nvPr/>
+        </p:nvSpPr>
+        <p:spPr>
+          <a:xfrm>
+            <a:off x="4861810" y="3841588"/>
+            <a:ext cx="685802" cy="261610"/>
+          </a:xfrm>
+          <a:prstGeom prst="rect">
+            <a:avLst/>
+          </a:prstGeom>
+          <a:noFill/>
+        </p:spPr>
+        <p:txBody>
+          <a:bodyPr wrap="square">
+            <a:spAutoFit/>
+          </a:bodyPr>
+          <a:lstStyle/>
+          <a:p>
+            <a:pPr algn="r"/>
+            <a:r>
+              <a:rPr kumimoji="1" lang="en-US" altLang="ko-Kore-KR" sz="1100" dirty="0">
+                <a:latin typeface="DM Mono" panose="020B0509040201040103" pitchFamily="49" charset="0"/>
+              </a:rPr>
+              <a:t>name</a:t>
+            </a:r>
+            <a:endParaRPr kumimoji="1" lang="ko-Kore-KR" altLang="en-US" sz="1100" dirty="0">
+              <a:solidFill>
+                <a:schemeClr val="tx1"/>
+              </a:solidFill>
+              <a:latin typeface="DM Mono" panose="020B0509040201040103" pitchFamily="49" charset="0"/>
+            </a:endParaRPr>
+          </a:p>
+        </p:txBody>
+      </p:sp>
+      <p:sp>
+        <p:nvSpPr>
+          <p:cNvPr id="10" name="직사각형 9">
+            <a:extLst>
+              <a:ext uri="{FF2B5EF4-FFF2-40B4-BE49-F238E27FC236}">
+                <a16:creationId xmlns:a16="http://schemas.microsoft.com/office/drawing/2014/main" id="{FA835144-65A9-5595-9B94-37E2A8886E68}"/>
+              </a:ext>
+            </a:extLst>
+          </p:cNvPr>
+          <p:cNvSpPr/>
+          <p:nvPr/>
+        </p:nvSpPr>
+        <p:spPr>
+          <a:xfrm>
+            <a:off x="5547612" y="4182255"/>
+            <a:ext cx="769495" cy="419724"/>
+          </a:xfrm>
+          <a:prstGeom prst="rect">
+            <a:avLst/>
+          </a:prstGeom>
+          <a:solidFill>
+            <a:schemeClr val="accent4">
+              <a:lumMod val="60000"/>
+              <a:lumOff val="40000"/>
+            </a:schemeClr>
+          </a:solidFill>
+        </p:spPr>
+        <p:style>
+          <a:lnRef idx="2">
+            <a:schemeClr val="accent4">
+              <a:shade val="15000"/>
+            </a:schemeClr>
+          </a:lnRef>
+          <a:fillRef idx="1">
+            <a:schemeClr val="accent4"/>
+          </a:fillRef>
+          <a:effectRef idx="0">
+            <a:schemeClr val="accent4"/>
+          </a:effectRef>
+          <a:fontRef idx="minor">
+            <a:schemeClr val="lt1"/>
+          </a:fontRef>
+        </p:style>
+        <p:txBody>
+          <a:bodyPr rtlCol="0" anchor="ctr"/>
+          <a:lstStyle/>
+          <a:p>
+            <a:pPr algn="ctr"/>
+            <a:r>
+              <a:rPr kumimoji="1" lang="en-US" altLang="ko-Kore-KR" sz="1200" dirty="0">
+                <a:solidFill>
+                  <a:schemeClr val="tx1"/>
+                </a:solidFill>
+                <a:latin typeface="DM Mono" panose="020B0509040201040103" pitchFamily="49" charset="0"/>
+              </a:rPr>
+              <a:t>42</a:t>
+            </a:r>
+            <a:endParaRPr kumimoji="1" lang="ko-Kore-KR" altLang="en-US" sz="1200" dirty="0">
+              <a:solidFill>
+                <a:schemeClr val="tx1"/>
+              </a:solidFill>
+              <a:latin typeface="DM Mono" panose="020B0509040201040103" pitchFamily="49" charset="0"/>
+            </a:endParaRPr>
+          </a:p>
+        </p:txBody>
+      </p:sp>
+      <p:sp>
+        <p:nvSpPr>
+          <p:cNvPr id="11" name="TextBox 10">
+            <a:extLst>
+              <a:ext uri="{FF2B5EF4-FFF2-40B4-BE49-F238E27FC236}">
+                <a16:creationId xmlns:a16="http://schemas.microsoft.com/office/drawing/2014/main" id="{CD781AC7-D447-DC8B-4CC7-5C8FA9DEF990}"/>
+              </a:ext>
+            </a:extLst>
+          </p:cNvPr>
+          <p:cNvSpPr txBox="1"/>
+          <p:nvPr/>
+        </p:nvSpPr>
+        <p:spPr>
+          <a:xfrm>
+            <a:off x="4961744" y="4261312"/>
+            <a:ext cx="585868" cy="261610"/>
+          </a:xfrm>
+          <a:prstGeom prst="rect">
+            <a:avLst/>
+          </a:prstGeom>
+          <a:noFill/>
+        </p:spPr>
+        <p:txBody>
+          <a:bodyPr wrap="square">
+            <a:spAutoFit/>
+          </a:bodyPr>
+          <a:lstStyle/>
+          <a:p>
+            <a:pPr algn="r"/>
+            <a:r>
+              <a:rPr kumimoji="1" lang="en-US" altLang="ko-Kore-KR" sz="1100" dirty="0">
+                <a:solidFill>
+                  <a:schemeClr val="tx1"/>
+                </a:solidFill>
+                <a:latin typeface="DM Mono" panose="020B0509040201040103" pitchFamily="49" charset="0"/>
+              </a:rPr>
+              <a:t>age</a:t>
+            </a:r>
+            <a:endParaRPr kumimoji="1" lang="ko-Kore-KR" altLang="en-US" sz="1100" dirty="0">
+              <a:solidFill>
+                <a:schemeClr val="tx1"/>
+              </a:solidFill>
+              <a:latin typeface="DM Mono" panose="020B0509040201040103" pitchFamily="49" charset="0"/>
+            </a:endParaRPr>
+          </a:p>
+        </p:txBody>
+      </p:sp>
+      <p:sp>
+        <p:nvSpPr>
+          <p:cNvPr id="12" name="TextBox 11">
+            <a:extLst>
+              <a:ext uri="{FF2B5EF4-FFF2-40B4-BE49-F238E27FC236}">
+                <a16:creationId xmlns:a16="http://schemas.microsoft.com/office/drawing/2014/main" id="{32C7DE22-336B-08D6-92F4-AEB004179CFE}"/>
+              </a:ext>
+            </a:extLst>
+          </p:cNvPr>
+          <p:cNvSpPr txBox="1"/>
+          <p:nvPr/>
+        </p:nvSpPr>
+        <p:spPr>
+          <a:xfrm>
+            <a:off x="5484839" y="3481001"/>
+            <a:ext cx="895039" cy="261610"/>
+          </a:xfrm>
+          <a:prstGeom prst="rect">
+            <a:avLst/>
+          </a:prstGeom>
+          <a:noFill/>
+        </p:spPr>
+        <p:txBody>
+          <a:bodyPr wrap="square">
+            <a:spAutoFit/>
+          </a:bodyPr>
+          <a:lstStyle/>
+          <a:p>
+            <a:pPr algn="ctr"/>
+            <a:r>
+              <a:rPr kumimoji="1" lang="en-US" altLang="ko-Kore-KR" sz="1100" dirty="0">
+                <a:solidFill>
+                  <a:schemeClr val="tx1"/>
+                </a:solidFill>
+                <a:latin typeface="DM Mono" panose="020B0509040201040103" pitchFamily="49" charset="0"/>
+              </a:rPr>
+              <a:t>user</a:t>
+            </a:r>
+            <a:endParaRPr kumimoji="1" lang="ko-Kore-KR" altLang="en-US" sz="1100" dirty="0">
+              <a:solidFill>
+                <a:schemeClr val="tx1"/>
+              </a:solidFill>
+              <a:latin typeface="DM Mono" panose="020B0509040201040103" pitchFamily="49" charset="0"/>
+            </a:endParaRPr>
+          </a:p>
+        </p:txBody>
+      </p:sp>
+      <p:sp>
+        <p:nvSpPr>
+          <p:cNvPr id="14" name="직사각형 13">
+            <a:extLst>
+              <a:ext uri="{FF2B5EF4-FFF2-40B4-BE49-F238E27FC236}">
+                <a16:creationId xmlns:a16="http://schemas.microsoft.com/office/drawing/2014/main" id="{2282578C-D4EE-EBCA-7553-FA9931C6BB9F}"/>
+              </a:ext>
+            </a:extLst>
+          </p:cNvPr>
+          <p:cNvSpPr/>
+          <p:nvPr/>
+        </p:nvSpPr>
+        <p:spPr>
+          <a:xfrm>
+            <a:off x="8897914" y="1591456"/>
+            <a:ext cx="1110519" cy="342275"/>
+          </a:xfrm>
+          <a:prstGeom prst="rect">
+            <a:avLst/>
+          </a:prstGeom>
+          <a:solidFill>
+            <a:schemeClr val="accent4">
+              <a:lumMod val="60000"/>
+              <a:lumOff val="40000"/>
+            </a:schemeClr>
+          </a:solidFill>
+        </p:spPr>
+        <p:style>
+          <a:lnRef idx="2">
+            <a:schemeClr val="accent4">
+              <a:shade val="15000"/>
+            </a:schemeClr>
+          </a:lnRef>
+          <a:fillRef idx="1">
+            <a:schemeClr val="accent4"/>
+          </a:fillRef>
+          <a:effectRef idx="0">
+            <a:schemeClr val="accent4"/>
+          </a:effectRef>
+          <a:fontRef idx="minor">
+            <a:schemeClr val="lt1"/>
+          </a:fontRef>
+        </p:style>
+        <p:txBody>
+          <a:bodyPr rtlCol="0" anchor="ctr"/>
+          <a:lstStyle/>
+          <a:p>
+            <a:pPr algn="ctr"/>
+            <a:r>
+              <a:rPr kumimoji="1" lang="en-US" altLang="ko-Kore-KR" sz="1200" dirty="0">
+                <a:solidFill>
+                  <a:schemeClr val="tx1"/>
+                </a:solidFill>
+                <a:latin typeface="DM Mono" panose="020B0509040201040103" pitchFamily="49" charset="0"/>
+              </a:rPr>
+              <a:t>“Tom”</a:t>
+            </a:r>
+            <a:endParaRPr kumimoji="1" lang="ko-Kore-KR" altLang="en-US" sz="1200" dirty="0">
+              <a:solidFill>
+                <a:schemeClr val="tx1"/>
+              </a:solidFill>
+              <a:latin typeface="DM Mono" panose="020B0509040201040103" pitchFamily="49" charset="0"/>
+            </a:endParaRPr>
+          </a:p>
+        </p:txBody>
+      </p:sp>
+      <p:cxnSp>
+        <p:nvCxnSpPr>
+          <p:cNvPr id="16" name="구부러진 연결선[U] 15">
+            <a:extLst>
+              <a:ext uri="{FF2B5EF4-FFF2-40B4-BE49-F238E27FC236}">
+                <a16:creationId xmlns:a16="http://schemas.microsoft.com/office/drawing/2014/main" id="{2E0DF4BE-0E64-C1DE-6326-7CBB8CACCB63}"/>
+              </a:ext>
+            </a:extLst>
+          </p:cNvPr>
+          <p:cNvCxnSpPr>
+            <a:stCxn id="7" idx="3"/>
+            <a:endCxn id="14" idx="1"/>
+          </p:cNvCxnSpPr>
+          <p:nvPr/>
+        </p:nvCxnSpPr>
+        <p:spPr>
+          <a:xfrm flipV="1">
+            <a:off x="6317107" y="1762594"/>
+            <a:ext cx="2580807" cy="2209799"/>
+          </a:xfrm>
+          <a:prstGeom prst="curvedConnector3">
+            <a:avLst/>
+          </a:prstGeom>
+          <a:ln>
+            <a:tailEnd type="triangle"/>
+          </a:ln>
+        </p:spPr>
+        <p:style>
+          <a:lnRef idx="1">
+            <a:schemeClr val="dk1"/>
+          </a:lnRef>
+          <a:fillRef idx="0">
+            <a:schemeClr val="dk1"/>
+          </a:fillRef>
+          <a:effectRef idx="0">
+            <a:schemeClr val="dk1"/>
+          </a:effectRef>
+          <a:fontRef idx="minor">
+            <a:schemeClr val="tx1"/>
+          </a:fontRef>
+        </p:style>
+      </p:cxnSp>
+      <p:sp>
+        <p:nvSpPr>
+          <p:cNvPr id="19" name="TextBox 18">
+            <a:extLst>
+              <a:ext uri="{FF2B5EF4-FFF2-40B4-BE49-F238E27FC236}">
+                <a16:creationId xmlns:a16="http://schemas.microsoft.com/office/drawing/2014/main" id="{5C1515B9-160E-0A92-F019-639A67B6991B}"/>
+              </a:ext>
+            </a:extLst>
+          </p:cNvPr>
+          <p:cNvSpPr txBox="1"/>
+          <p:nvPr/>
+        </p:nvSpPr>
+        <p:spPr>
+          <a:xfrm>
+            <a:off x="8434465" y="1329846"/>
+            <a:ext cx="704538" cy="261610"/>
+          </a:xfrm>
+          <a:prstGeom prst="rect">
+            <a:avLst/>
+          </a:prstGeom>
+          <a:noFill/>
+        </p:spPr>
+        <p:txBody>
+          <a:bodyPr wrap="square">
+            <a:spAutoFit/>
+          </a:bodyPr>
+          <a:lstStyle/>
+          <a:p>
+            <a:r>
+              <a:rPr kumimoji="1" lang="en-US" altLang="ko-Kore-KR" sz="1050" dirty="0">
+                <a:solidFill>
+                  <a:schemeClr val="tx1"/>
+                </a:solidFill>
+                <a:latin typeface="DM Mono" panose="020B0509040201040103" pitchFamily="49" charset="0"/>
+              </a:rPr>
+              <a:t>0x1000</a:t>
+            </a:r>
+            <a:endParaRPr lang="ko-Kore-KR" altLang="en-US" sz="1050" dirty="0"/>
+          </a:p>
+        </p:txBody>
+      </p:sp>
+    </p:spTree>
+    <p:extLst>
+      <p:ext uri="{BB962C8B-B14F-4D97-AF65-F5344CB8AC3E}">
+        <p14:creationId xmlns:p14="http://schemas.microsoft.com/office/powerpoint/2010/main" val="3714737497"/>
+      </p:ext>
+    </p:extLst>
+  </p:cSld>
+  <p:clrMapOvr>
+    <a:masterClrMapping/>
+  </p:clrMapOvr>
+</p:sld>
+</file>
+
+<file path=ppt/slides/slide15.xml><?xml version="1.0" encoding="utf-8"?>
+<p:sld xmlns:a="http://schemas.openxmlformats.org/drawingml/2006/main" xmlns:r="http://schemas.openxmlformats.org/officeDocument/2006/relationships" xmlns:p="http://schemas.openxmlformats.org/presentationml/2006/main">
+  <p:cSld>
+    <p:spTree>
+      <p:nvGrpSpPr>
+        <p:cNvPr id="1" name=""/>
+        <p:cNvGrpSpPr/>
+        <p:nvPr/>
+      </p:nvGrpSpPr>
+      <p:grpSpPr>
+        <a:xfrm>
+          <a:off x="0" y="0"/>
+          <a:ext cx="0" cy="0"/>
+          <a:chOff x="0" y="0"/>
+          <a:chExt cx="0" cy="0"/>
+        </a:xfrm>
+      </p:grpSpPr>
+      <p:sp>
+        <p:nvSpPr>
+          <p:cNvPr id="5" name="TextBox 4">
+            <a:extLst>
+              <a:ext uri="{FF2B5EF4-FFF2-40B4-BE49-F238E27FC236}">
+                <a16:creationId xmlns:a16="http://schemas.microsoft.com/office/drawing/2014/main" id="{8F84A736-470E-707D-FB5E-AC1AB60ADBA8}"/>
+              </a:ext>
+            </a:extLst>
+          </p:cNvPr>
+          <p:cNvSpPr txBox="1"/>
+          <p:nvPr/>
+        </p:nvSpPr>
+        <p:spPr>
+          <a:xfrm>
+            <a:off x="469692" y="454705"/>
+            <a:ext cx="4392118" cy="5339923"/>
+          </a:xfrm>
+          <a:prstGeom prst="rect">
+            <a:avLst/>
+          </a:prstGeom>
+          <a:noFill/>
+        </p:spPr>
+        <p:txBody>
+          <a:bodyPr wrap="square">
+            <a:spAutoFit/>
+          </a:bodyPr>
+          <a:lstStyle/>
+          <a:p>
+            <a:r>
+              <a:rPr lang="ko-Kore-KR" altLang="en-US" sz="1100" dirty="0">
+                <a:latin typeface="DM Mono" panose="020B0509040201040103" pitchFamily="49" charset="0"/>
+              </a:rPr>
+              <a:t>class User {</a:t>
+            </a:r>
+          </a:p>
+          <a:p>
+            <a:r>
+              <a:rPr lang="ko-Kore-KR" altLang="en-US" sz="1100" dirty="0">
+                <a:latin typeface="DM Mono" panose="020B0509040201040103" pitchFamily="49" charset="0"/>
+              </a:rPr>
+              <a:t>    char* name;</a:t>
+            </a:r>
+          </a:p>
+          <a:p>
+            <a:r>
+              <a:rPr lang="ko-Kore-KR" altLang="en-US" sz="1100" dirty="0">
+                <a:latin typeface="DM Mono" panose="020B0509040201040103" pitchFamily="49" charset="0"/>
+              </a:rPr>
+              <a:t>    int age;</a:t>
+            </a:r>
+          </a:p>
+          <a:p>
+            <a:endParaRPr lang="ko-Kore-KR" altLang="en-US" sz="1100" dirty="0">
+              <a:latin typeface="DM Mono" panose="020B0509040201040103" pitchFamily="49" charset="0"/>
+            </a:endParaRPr>
+          </a:p>
+          <a:p>
+            <a:r>
+              <a:rPr lang="ko-Kore-KR" altLang="en-US" sz="1100" dirty="0">
+                <a:latin typeface="DM Mono" panose="020B0509040201040103" pitchFamily="49" charset="0"/>
+              </a:rPr>
+              <a:t>public:</a:t>
+            </a:r>
+          </a:p>
+          <a:p>
+            <a:r>
+              <a:rPr lang="ko-Kore-KR" altLang="en-US" sz="1100" dirty="0">
+                <a:latin typeface="DM Mono" panose="020B0509040201040103" pitchFamily="49" charset="0"/>
+              </a:rPr>
+              <a:t>    User(const char* s, int n)</a:t>
+            </a:r>
+          </a:p>
+          <a:p>
+            <a:r>
+              <a:rPr lang="ko-Kore-KR" altLang="en-US" sz="1100" dirty="0">
+                <a:latin typeface="DM Mono" panose="020B0509040201040103" pitchFamily="49" charset="0"/>
+              </a:rPr>
+              <a:t>        : age(n)</a:t>
+            </a:r>
+          </a:p>
+          <a:p>
+            <a:r>
+              <a:rPr lang="ko-Kore-KR" altLang="en-US" sz="1100" dirty="0">
+                <a:latin typeface="DM Mono" panose="020B0509040201040103" pitchFamily="49" charset="0"/>
+              </a:rPr>
+              <a:t>    {</a:t>
+            </a:r>
+          </a:p>
+          <a:p>
+            <a:r>
+              <a:rPr lang="ko-Kore-KR" altLang="en-US" sz="1100" dirty="0">
+                <a:latin typeface="DM Mono" panose="020B0509040201040103" pitchFamily="49" charset="0"/>
+              </a:rPr>
+              <a:t>        name = new char[strlen(s) + 1];</a:t>
+            </a:r>
+          </a:p>
+          <a:p>
+            <a:r>
+              <a:rPr lang="ko-Kore-KR" altLang="en-US" sz="1100" dirty="0">
+                <a:latin typeface="DM Mono" panose="020B0509040201040103" pitchFamily="49" charset="0"/>
+              </a:rPr>
+              <a:t>        strcpy(name, s);</a:t>
+            </a:r>
+          </a:p>
+          <a:p>
+            <a:r>
+              <a:rPr lang="ko-Kore-KR" altLang="en-US" sz="1100" dirty="0">
+                <a:latin typeface="DM Mono" panose="020B0509040201040103" pitchFamily="49" charset="0"/>
+              </a:rPr>
+              <a:t>    }</a:t>
+            </a:r>
+          </a:p>
+          <a:p>
+            <a:endParaRPr lang="ko-Kore-KR" altLang="en-US" sz="1100" dirty="0">
+              <a:latin typeface="DM Mono" panose="020B0509040201040103" pitchFamily="49" charset="0"/>
+            </a:endParaRPr>
+          </a:p>
+          <a:p>
+            <a:r>
+              <a:rPr lang="ko-Kore-KR" altLang="en-US" sz="1100" dirty="0">
+                <a:latin typeface="DM Mono" panose="020B0509040201040103" pitchFamily="49" charset="0"/>
+              </a:rPr>
+              <a:t>    ~User()</a:t>
+            </a:r>
+          </a:p>
+          <a:p>
+            <a:r>
+              <a:rPr lang="ko-Kore-KR" altLang="en-US" sz="1100" dirty="0">
+                <a:latin typeface="DM Mono" panose="020B0509040201040103" pitchFamily="49" charset="0"/>
+              </a:rPr>
+              <a:t>    {</a:t>
+            </a:r>
+          </a:p>
+          <a:p>
+            <a:r>
+              <a:rPr lang="ko-Kore-KR" altLang="en-US" sz="1100" dirty="0">
+                <a:latin typeface="DM Mono" panose="020B0509040201040103" pitchFamily="49" charset="0"/>
+              </a:rPr>
+              <a:t>        delete[] name;</a:t>
+            </a:r>
+          </a:p>
+          <a:p>
+            <a:r>
+              <a:rPr lang="ko-Kore-KR" altLang="en-US" sz="1100" dirty="0">
+                <a:latin typeface="DM Mono" panose="020B0509040201040103" pitchFamily="49" charset="0"/>
+              </a:rPr>
+              <a:t>    }</a:t>
+            </a:r>
+          </a:p>
+          <a:p>
+            <a:endParaRPr lang="ko-Kore-KR" altLang="en-US" sz="1100" dirty="0">
+              <a:latin typeface="DM Mono" panose="020B0509040201040103" pitchFamily="49" charset="0"/>
+            </a:endParaRPr>
+          </a:p>
+          <a:p>
+            <a:r>
+              <a:rPr lang="ko-Kore-KR" altLang="en-US" sz="1100" dirty="0">
+                <a:latin typeface="DM Mono" panose="020B0509040201040103" pitchFamily="49" charset="0"/>
+              </a:rPr>
+              <a:t>    void Print()</a:t>
+            </a:r>
+          </a:p>
+          <a:p>
+            <a:r>
+              <a:rPr lang="ko-Kore-KR" altLang="en-US" sz="1100" dirty="0">
+                <a:latin typeface="DM Mono" panose="020B0509040201040103" pitchFamily="49" charset="0"/>
+              </a:rPr>
+              <a:t>    {</a:t>
+            </a:r>
+          </a:p>
+          <a:p>
+            <a:r>
+              <a:rPr lang="ko-Kore-KR" altLang="en-US" sz="1100" dirty="0">
+                <a:latin typeface="DM Mono" panose="020B0509040201040103" pitchFamily="49" charset="0"/>
+              </a:rPr>
+              <a:t>        cout &lt;&lt; name &lt;&lt; ", " &lt;&lt; age &lt;&lt; endl;</a:t>
+            </a:r>
+          </a:p>
+          <a:p>
+            <a:r>
+              <a:rPr lang="ko-Kore-KR" altLang="en-US" sz="1100" dirty="0">
+                <a:latin typeface="DM Mono" panose="020B0509040201040103" pitchFamily="49" charset="0"/>
+              </a:rPr>
+              <a:t>    }</a:t>
+            </a:r>
+          </a:p>
+          <a:p>
+            <a:r>
+              <a:rPr lang="ko-Kore-KR" altLang="en-US" sz="1100" dirty="0">
+                <a:latin typeface="DM Mono" panose="020B0509040201040103" pitchFamily="49" charset="0"/>
+              </a:rPr>
+              <a:t>};</a:t>
+            </a:r>
+          </a:p>
+          <a:p>
+            <a:endParaRPr lang="ko-Kore-KR" altLang="en-US" sz="1100" dirty="0">
+              <a:latin typeface="DM Mono" panose="020B0509040201040103" pitchFamily="49" charset="0"/>
+            </a:endParaRPr>
+          </a:p>
+          <a:p>
+            <a:r>
+              <a:rPr lang="ko-Kore-KR" altLang="en-US" sz="1100" dirty="0">
+                <a:latin typeface="DM Mono" panose="020B0509040201040103" pitchFamily="49" charset="0"/>
+              </a:rPr>
+              <a:t>int main()</a:t>
+            </a:r>
+          </a:p>
+          <a:p>
+            <a:r>
+              <a:rPr lang="ko-Kore-KR" altLang="en-US" sz="1100" dirty="0">
+                <a:latin typeface="DM Mono" panose="020B0509040201040103" pitchFamily="49" charset="0"/>
+              </a:rPr>
+              <a:t>{</a:t>
+            </a:r>
+          </a:p>
+          <a:p>
+            <a:r>
+              <a:rPr lang="ko-Kore-KR" altLang="en-US" sz="1100" dirty="0">
+                <a:latin typeface="DM Mono" panose="020B0509040201040103" pitchFamily="49" charset="0"/>
+              </a:rPr>
+              <a:t>    User user("Tom", 42);</a:t>
+            </a:r>
+          </a:p>
+          <a:p>
+            <a:r>
+              <a:rPr lang="ko-Kore-KR" altLang="en-US" sz="1100" dirty="0">
+                <a:latin typeface="DM Mono" panose="020B0509040201040103" pitchFamily="49" charset="0"/>
+              </a:rPr>
+              <a:t>    user.Print();</a:t>
+            </a:r>
+          </a:p>
+          <a:p>
+            <a:endParaRPr lang="ko-Kore-KR" altLang="en-US" sz="1100" dirty="0">
+              <a:latin typeface="DM Mono" panose="020B0509040201040103" pitchFamily="49" charset="0"/>
+            </a:endParaRPr>
+          </a:p>
+          <a:p>
+            <a:r>
+              <a:rPr lang="ko-Kore-KR" altLang="en-US" sz="1100" dirty="0">
+                <a:solidFill>
+                  <a:srgbClr val="FF0000"/>
+                </a:solidFill>
+                <a:latin typeface="DM Mono" panose="020B0509040201040103" pitchFamily="49" charset="0"/>
+              </a:rPr>
+              <a:t>    User other = user;</a:t>
+            </a:r>
+          </a:p>
+          <a:p>
+            <a:r>
+              <a:rPr lang="ko-Kore-KR" altLang="en-US" sz="1100" dirty="0">
+                <a:latin typeface="DM Mono" panose="020B0509040201040103" pitchFamily="49" charset="0"/>
+              </a:rPr>
+              <a:t>    other.Print();</a:t>
+            </a:r>
+          </a:p>
+          <a:p>
+            <a:r>
+              <a:rPr lang="ko-Kore-KR" altLang="en-US" sz="1100" dirty="0">
+                <a:latin typeface="DM Mono" panose="020B0509040201040103" pitchFamily="49" charset="0"/>
+              </a:rPr>
+              <a:t>}</a:t>
+            </a:r>
+          </a:p>
+        </p:txBody>
+      </p:sp>
+      <p:sp>
+        <p:nvSpPr>
+          <p:cNvPr id="7" name="직사각형 6">
+            <a:extLst>
+              <a:ext uri="{FF2B5EF4-FFF2-40B4-BE49-F238E27FC236}">
+                <a16:creationId xmlns:a16="http://schemas.microsoft.com/office/drawing/2014/main" id="{31CCB710-0121-1DC8-86D7-67AEA020399A}"/>
+              </a:ext>
+            </a:extLst>
+          </p:cNvPr>
+          <p:cNvSpPr/>
+          <p:nvPr/>
+        </p:nvSpPr>
+        <p:spPr>
+          <a:xfrm>
+            <a:off x="5547612" y="3762531"/>
+            <a:ext cx="769495" cy="419724"/>
+          </a:xfrm>
+          <a:prstGeom prst="rect">
+            <a:avLst/>
+          </a:prstGeom>
+          <a:solidFill>
+            <a:schemeClr val="accent4">
+              <a:lumMod val="60000"/>
+              <a:lumOff val="40000"/>
+            </a:schemeClr>
+          </a:solidFill>
+        </p:spPr>
+        <p:style>
+          <a:lnRef idx="2">
+            <a:schemeClr val="accent4">
+              <a:shade val="15000"/>
+            </a:schemeClr>
+          </a:lnRef>
+          <a:fillRef idx="1">
+            <a:schemeClr val="accent4"/>
+          </a:fillRef>
+          <a:effectRef idx="0">
+            <a:schemeClr val="accent4"/>
+          </a:effectRef>
+          <a:fontRef idx="minor">
+            <a:schemeClr val="lt1"/>
+          </a:fontRef>
+        </p:style>
+        <p:txBody>
+          <a:bodyPr rtlCol="0" anchor="ctr"/>
+          <a:lstStyle/>
+          <a:p>
+            <a:pPr algn="ctr"/>
+            <a:r>
+              <a:rPr kumimoji="1" lang="en-US" altLang="ko-Kore-KR" sz="1200" dirty="0">
+                <a:solidFill>
+                  <a:schemeClr val="tx1"/>
+                </a:solidFill>
+                <a:latin typeface="DM Mono" panose="020B0509040201040103" pitchFamily="49" charset="0"/>
+              </a:rPr>
+              <a:t>0x1000</a:t>
+            </a:r>
+            <a:endParaRPr kumimoji="1" lang="ko-Kore-KR" altLang="en-US" sz="1200" dirty="0">
+              <a:solidFill>
+                <a:schemeClr val="tx1"/>
+              </a:solidFill>
+              <a:latin typeface="DM Mono" panose="020B0509040201040103" pitchFamily="49" charset="0"/>
+            </a:endParaRPr>
+          </a:p>
+        </p:txBody>
+      </p:sp>
+      <p:sp>
+        <p:nvSpPr>
+          <p:cNvPr id="8" name="TextBox 7">
+            <a:extLst>
+              <a:ext uri="{FF2B5EF4-FFF2-40B4-BE49-F238E27FC236}">
+                <a16:creationId xmlns:a16="http://schemas.microsoft.com/office/drawing/2014/main" id="{0E51DEEF-5480-C48B-053D-43D22F6A7663}"/>
+              </a:ext>
+            </a:extLst>
+          </p:cNvPr>
+          <p:cNvSpPr txBox="1"/>
+          <p:nvPr/>
+        </p:nvSpPr>
+        <p:spPr>
+          <a:xfrm>
+            <a:off x="4861810" y="3841588"/>
+            <a:ext cx="685802" cy="261610"/>
+          </a:xfrm>
+          <a:prstGeom prst="rect">
+            <a:avLst/>
+          </a:prstGeom>
+          <a:noFill/>
+        </p:spPr>
+        <p:txBody>
+          <a:bodyPr wrap="square">
+            <a:spAutoFit/>
+          </a:bodyPr>
+          <a:lstStyle/>
+          <a:p>
+            <a:pPr algn="r"/>
+            <a:r>
+              <a:rPr kumimoji="1" lang="en-US" altLang="ko-Kore-KR" sz="1100" dirty="0">
+                <a:latin typeface="DM Mono" panose="020B0509040201040103" pitchFamily="49" charset="0"/>
+              </a:rPr>
+              <a:t>name</a:t>
+            </a:r>
+            <a:endParaRPr kumimoji="1" lang="ko-Kore-KR" altLang="en-US" sz="1100" dirty="0">
+              <a:solidFill>
+                <a:schemeClr val="tx1"/>
+              </a:solidFill>
+              <a:latin typeface="DM Mono" panose="020B0509040201040103" pitchFamily="49" charset="0"/>
+            </a:endParaRPr>
+          </a:p>
+        </p:txBody>
+      </p:sp>
+      <p:sp>
+        <p:nvSpPr>
+          <p:cNvPr id="10" name="직사각형 9">
+            <a:extLst>
+              <a:ext uri="{FF2B5EF4-FFF2-40B4-BE49-F238E27FC236}">
+                <a16:creationId xmlns:a16="http://schemas.microsoft.com/office/drawing/2014/main" id="{FA835144-65A9-5595-9B94-37E2A8886E68}"/>
+              </a:ext>
+            </a:extLst>
+          </p:cNvPr>
+          <p:cNvSpPr/>
+          <p:nvPr/>
+        </p:nvSpPr>
+        <p:spPr>
+          <a:xfrm>
+            <a:off x="5547612" y="4182255"/>
+            <a:ext cx="769495" cy="419724"/>
+          </a:xfrm>
+          <a:prstGeom prst="rect">
+            <a:avLst/>
+          </a:prstGeom>
+          <a:solidFill>
+            <a:schemeClr val="accent4">
+              <a:lumMod val="60000"/>
+              <a:lumOff val="40000"/>
+            </a:schemeClr>
+          </a:solidFill>
+        </p:spPr>
+        <p:style>
+          <a:lnRef idx="2">
+            <a:schemeClr val="accent4">
+              <a:shade val="15000"/>
+            </a:schemeClr>
+          </a:lnRef>
+          <a:fillRef idx="1">
+            <a:schemeClr val="accent4"/>
+          </a:fillRef>
+          <a:effectRef idx="0">
+            <a:schemeClr val="accent4"/>
+          </a:effectRef>
+          <a:fontRef idx="minor">
+            <a:schemeClr val="lt1"/>
+          </a:fontRef>
+        </p:style>
+        <p:txBody>
+          <a:bodyPr rtlCol="0" anchor="ctr"/>
+          <a:lstStyle/>
+          <a:p>
+            <a:pPr algn="ctr"/>
+            <a:r>
+              <a:rPr kumimoji="1" lang="en-US" altLang="ko-Kore-KR" sz="1200" dirty="0">
+                <a:solidFill>
+                  <a:schemeClr val="tx1"/>
+                </a:solidFill>
+                <a:latin typeface="DM Mono" panose="020B0509040201040103" pitchFamily="49" charset="0"/>
+              </a:rPr>
+              <a:t>42</a:t>
+            </a:r>
+            <a:endParaRPr kumimoji="1" lang="ko-Kore-KR" altLang="en-US" sz="1200" dirty="0">
+              <a:solidFill>
+                <a:schemeClr val="tx1"/>
+              </a:solidFill>
+              <a:latin typeface="DM Mono" panose="020B0509040201040103" pitchFamily="49" charset="0"/>
+            </a:endParaRPr>
+          </a:p>
+        </p:txBody>
+      </p:sp>
+      <p:sp>
+        <p:nvSpPr>
+          <p:cNvPr id="11" name="TextBox 10">
+            <a:extLst>
+              <a:ext uri="{FF2B5EF4-FFF2-40B4-BE49-F238E27FC236}">
+                <a16:creationId xmlns:a16="http://schemas.microsoft.com/office/drawing/2014/main" id="{CD781AC7-D447-DC8B-4CC7-5C8FA9DEF990}"/>
+              </a:ext>
+            </a:extLst>
+          </p:cNvPr>
+          <p:cNvSpPr txBox="1"/>
+          <p:nvPr/>
+        </p:nvSpPr>
+        <p:spPr>
+          <a:xfrm>
+            <a:off x="4961744" y="4261312"/>
+            <a:ext cx="585868" cy="261610"/>
+          </a:xfrm>
+          <a:prstGeom prst="rect">
+            <a:avLst/>
+          </a:prstGeom>
+          <a:noFill/>
+        </p:spPr>
+        <p:txBody>
+          <a:bodyPr wrap="square">
+            <a:spAutoFit/>
+          </a:bodyPr>
+          <a:lstStyle/>
+          <a:p>
+            <a:pPr algn="r"/>
+            <a:r>
+              <a:rPr kumimoji="1" lang="en-US" altLang="ko-Kore-KR" sz="1100" dirty="0">
+                <a:solidFill>
+                  <a:schemeClr val="tx1"/>
+                </a:solidFill>
+                <a:latin typeface="DM Mono" panose="020B0509040201040103" pitchFamily="49" charset="0"/>
+              </a:rPr>
+              <a:t>age</a:t>
+            </a:r>
+            <a:endParaRPr kumimoji="1" lang="ko-Kore-KR" altLang="en-US" sz="1100" dirty="0">
+              <a:solidFill>
+                <a:schemeClr val="tx1"/>
+              </a:solidFill>
+              <a:latin typeface="DM Mono" panose="020B0509040201040103" pitchFamily="49" charset="0"/>
+            </a:endParaRPr>
+          </a:p>
+        </p:txBody>
+      </p:sp>
+      <p:sp>
+        <p:nvSpPr>
+          <p:cNvPr id="12" name="TextBox 11">
+            <a:extLst>
+              <a:ext uri="{FF2B5EF4-FFF2-40B4-BE49-F238E27FC236}">
+                <a16:creationId xmlns:a16="http://schemas.microsoft.com/office/drawing/2014/main" id="{32C7DE22-336B-08D6-92F4-AEB004179CFE}"/>
+              </a:ext>
+            </a:extLst>
+          </p:cNvPr>
+          <p:cNvSpPr txBox="1"/>
+          <p:nvPr/>
+        </p:nvSpPr>
+        <p:spPr>
+          <a:xfrm>
+            <a:off x="5484839" y="3481001"/>
+            <a:ext cx="895039" cy="261610"/>
+          </a:xfrm>
+          <a:prstGeom prst="rect">
+            <a:avLst/>
+          </a:prstGeom>
+          <a:noFill/>
+        </p:spPr>
+        <p:txBody>
+          <a:bodyPr wrap="square">
+            <a:spAutoFit/>
+          </a:bodyPr>
+          <a:lstStyle/>
+          <a:p>
+            <a:pPr algn="ctr"/>
+            <a:r>
+              <a:rPr kumimoji="1" lang="en-US" altLang="ko-Kore-KR" sz="1100" dirty="0">
+                <a:solidFill>
+                  <a:schemeClr val="tx1"/>
+                </a:solidFill>
+                <a:latin typeface="DM Mono" panose="020B0509040201040103" pitchFamily="49" charset="0"/>
+              </a:rPr>
+              <a:t>user</a:t>
+            </a:r>
+            <a:endParaRPr kumimoji="1" lang="ko-Kore-KR" altLang="en-US" sz="1100" dirty="0">
+              <a:solidFill>
+                <a:schemeClr val="tx1"/>
+              </a:solidFill>
+              <a:latin typeface="DM Mono" panose="020B0509040201040103" pitchFamily="49" charset="0"/>
+            </a:endParaRPr>
+          </a:p>
+        </p:txBody>
+      </p:sp>
+      <p:sp>
+        <p:nvSpPr>
+          <p:cNvPr id="14" name="직사각형 13">
+            <a:extLst>
+              <a:ext uri="{FF2B5EF4-FFF2-40B4-BE49-F238E27FC236}">
+                <a16:creationId xmlns:a16="http://schemas.microsoft.com/office/drawing/2014/main" id="{2282578C-D4EE-EBCA-7553-FA9931C6BB9F}"/>
+              </a:ext>
+            </a:extLst>
+          </p:cNvPr>
+          <p:cNvSpPr/>
+          <p:nvPr/>
+        </p:nvSpPr>
+        <p:spPr>
+          <a:xfrm>
+            <a:off x="8897914" y="1591456"/>
+            <a:ext cx="1110519" cy="342275"/>
+          </a:xfrm>
+          <a:prstGeom prst="rect">
+            <a:avLst/>
+          </a:prstGeom>
+          <a:solidFill>
+            <a:schemeClr val="accent4">
+              <a:lumMod val="60000"/>
+              <a:lumOff val="40000"/>
+            </a:schemeClr>
+          </a:solidFill>
+        </p:spPr>
+        <p:style>
+          <a:lnRef idx="2">
+            <a:schemeClr val="accent4">
+              <a:shade val="15000"/>
+            </a:schemeClr>
+          </a:lnRef>
+          <a:fillRef idx="1">
+            <a:schemeClr val="accent4"/>
+          </a:fillRef>
+          <a:effectRef idx="0">
+            <a:schemeClr val="accent4"/>
+          </a:effectRef>
+          <a:fontRef idx="minor">
+            <a:schemeClr val="lt1"/>
+          </a:fontRef>
+        </p:style>
+        <p:txBody>
+          <a:bodyPr rtlCol="0" anchor="ctr"/>
+          <a:lstStyle/>
+          <a:p>
+            <a:pPr algn="ctr"/>
+            <a:r>
+              <a:rPr kumimoji="1" lang="en-US" altLang="ko-Kore-KR" sz="1200" dirty="0">
+                <a:solidFill>
+                  <a:schemeClr val="tx1"/>
+                </a:solidFill>
+                <a:latin typeface="DM Mono" panose="020B0509040201040103" pitchFamily="49" charset="0"/>
+              </a:rPr>
+              <a:t>“Tom”</a:t>
+            </a:r>
+            <a:endParaRPr kumimoji="1" lang="ko-Kore-KR" altLang="en-US" sz="1200" dirty="0">
+              <a:solidFill>
+                <a:schemeClr val="tx1"/>
+              </a:solidFill>
+              <a:latin typeface="DM Mono" panose="020B0509040201040103" pitchFamily="49" charset="0"/>
+            </a:endParaRPr>
+          </a:p>
+        </p:txBody>
+      </p:sp>
+      <p:cxnSp>
+        <p:nvCxnSpPr>
+          <p:cNvPr id="16" name="구부러진 연결선[U] 15">
+            <a:extLst>
+              <a:ext uri="{FF2B5EF4-FFF2-40B4-BE49-F238E27FC236}">
+                <a16:creationId xmlns:a16="http://schemas.microsoft.com/office/drawing/2014/main" id="{2E0DF4BE-0E64-C1DE-6326-7CBB8CACCB63}"/>
+              </a:ext>
+            </a:extLst>
+          </p:cNvPr>
+          <p:cNvCxnSpPr>
+            <a:stCxn id="7" idx="3"/>
+            <a:endCxn id="14" idx="1"/>
+          </p:cNvCxnSpPr>
+          <p:nvPr/>
+        </p:nvCxnSpPr>
+        <p:spPr>
+          <a:xfrm flipV="1">
+            <a:off x="6317107" y="1762594"/>
+            <a:ext cx="2580807" cy="2209799"/>
+          </a:xfrm>
+          <a:prstGeom prst="curvedConnector3">
+            <a:avLst/>
+          </a:prstGeom>
+          <a:ln>
+            <a:tailEnd type="triangle"/>
+          </a:ln>
+        </p:spPr>
+        <p:style>
+          <a:lnRef idx="1">
+            <a:schemeClr val="dk1"/>
+          </a:lnRef>
+          <a:fillRef idx="0">
+            <a:schemeClr val="dk1"/>
+          </a:fillRef>
+          <a:effectRef idx="0">
+            <a:schemeClr val="dk1"/>
+          </a:effectRef>
+          <a:fontRef idx="minor">
+            <a:schemeClr val="tx1"/>
+          </a:fontRef>
+        </p:style>
+      </p:cxnSp>
+      <p:sp>
+        <p:nvSpPr>
+          <p:cNvPr id="17" name="직사각형 16">
+            <a:extLst>
+              <a:ext uri="{FF2B5EF4-FFF2-40B4-BE49-F238E27FC236}">
+                <a16:creationId xmlns:a16="http://schemas.microsoft.com/office/drawing/2014/main" id="{5D1AF4F4-696B-3150-B151-DA01F7B46A9F}"/>
+              </a:ext>
+            </a:extLst>
+          </p:cNvPr>
+          <p:cNvSpPr/>
+          <p:nvPr/>
+        </p:nvSpPr>
+        <p:spPr>
+          <a:xfrm>
+            <a:off x="5551674" y="1413235"/>
+            <a:ext cx="769495" cy="419724"/>
+          </a:xfrm>
+          <a:prstGeom prst="rect">
+            <a:avLst/>
+          </a:prstGeom>
+          <a:solidFill>
+            <a:schemeClr val="accent4">
+              <a:lumMod val="60000"/>
+              <a:lumOff val="40000"/>
+            </a:schemeClr>
+          </a:solidFill>
+        </p:spPr>
+        <p:style>
+          <a:lnRef idx="2">
+            <a:schemeClr val="accent4">
+              <a:shade val="15000"/>
+            </a:schemeClr>
+          </a:lnRef>
+          <a:fillRef idx="1">
+            <a:schemeClr val="accent4"/>
+          </a:fillRef>
+          <a:effectRef idx="0">
+            <a:schemeClr val="accent4"/>
+          </a:effectRef>
+          <a:fontRef idx="minor">
+            <a:schemeClr val="lt1"/>
+          </a:fontRef>
+        </p:style>
+        <p:txBody>
+          <a:bodyPr rtlCol="0" anchor="ctr"/>
+          <a:lstStyle/>
+          <a:p>
+            <a:pPr algn="ctr"/>
+            <a:r>
+              <a:rPr kumimoji="1" lang="en-US" altLang="ko-Kore-KR" sz="1200" dirty="0">
+                <a:solidFill>
+                  <a:srgbClr val="FF0000"/>
+                </a:solidFill>
+                <a:latin typeface="DM Mono" panose="020B0509040201040103" pitchFamily="49" charset="0"/>
+              </a:rPr>
+              <a:t>0x1000</a:t>
+            </a:r>
+            <a:endParaRPr kumimoji="1" lang="ko-Kore-KR" altLang="en-US" sz="1200" dirty="0">
+              <a:solidFill>
+                <a:srgbClr val="FF0000"/>
+              </a:solidFill>
+              <a:latin typeface="DM Mono" panose="020B0509040201040103" pitchFamily="49" charset="0"/>
+            </a:endParaRPr>
+          </a:p>
+        </p:txBody>
+      </p:sp>
+      <p:sp>
+        <p:nvSpPr>
+          <p:cNvPr id="18" name="TextBox 17">
+            <a:extLst>
+              <a:ext uri="{FF2B5EF4-FFF2-40B4-BE49-F238E27FC236}">
+                <a16:creationId xmlns:a16="http://schemas.microsoft.com/office/drawing/2014/main" id="{0490677C-A5C6-E494-49E4-BC12D1BC86E2}"/>
+              </a:ext>
+            </a:extLst>
+          </p:cNvPr>
+          <p:cNvSpPr txBox="1"/>
+          <p:nvPr/>
+        </p:nvSpPr>
+        <p:spPr>
+          <a:xfrm>
+            <a:off x="4865872" y="1492292"/>
+            <a:ext cx="685802" cy="261610"/>
+          </a:xfrm>
+          <a:prstGeom prst="rect">
+            <a:avLst/>
+          </a:prstGeom>
+          <a:noFill/>
+        </p:spPr>
+        <p:txBody>
+          <a:bodyPr wrap="square">
+            <a:spAutoFit/>
+          </a:bodyPr>
+          <a:lstStyle/>
+          <a:p>
+            <a:pPr algn="r"/>
+            <a:r>
+              <a:rPr kumimoji="1" lang="en-US" altLang="ko-Kore-KR" sz="1100" dirty="0">
+                <a:latin typeface="DM Mono" panose="020B0509040201040103" pitchFamily="49" charset="0"/>
+              </a:rPr>
+              <a:t>name</a:t>
+            </a:r>
+            <a:endParaRPr kumimoji="1" lang="ko-Kore-KR" altLang="en-US" sz="1100" dirty="0">
+              <a:solidFill>
+                <a:schemeClr val="tx1"/>
+              </a:solidFill>
+              <a:latin typeface="DM Mono" panose="020B0509040201040103" pitchFamily="49" charset="0"/>
+            </a:endParaRPr>
+          </a:p>
+        </p:txBody>
+      </p:sp>
+      <p:sp>
+        <p:nvSpPr>
+          <p:cNvPr id="19" name="직사각형 18">
+            <a:extLst>
+              <a:ext uri="{FF2B5EF4-FFF2-40B4-BE49-F238E27FC236}">
+                <a16:creationId xmlns:a16="http://schemas.microsoft.com/office/drawing/2014/main" id="{5217A404-4CCA-0A62-B091-6C84CD191BD1}"/>
+              </a:ext>
+            </a:extLst>
+          </p:cNvPr>
+          <p:cNvSpPr/>
+          <p:nvPr/>
+        </p:nvSpPr>
+        <p:spPr>
+          <a:xfrm>
+            <a:off x="5551674" y="1832959"/>
+            <a:ext cx="769495" cy="419724"/>
+          </a:xfrm>
+          <a:prstGeom prst="rect">
+            <a:avLst/>
+          </a:prstGeom>
+          <a:solidFill>
+            <a:schemeClr val="accent4">
+              <a:lumMod val="60000"/>
+              <a:lumOff val="40000"/>
+            </a:schemeClr>
+          </a:solidFill>
+        </p:spPr>
+        <p:style>
+          <a:lnRef idx="2">
+            <a:schemeClr val="accent4">
+              <a:shade val="15000"/>
+            </a:schemeClr>
+          </a:lnRef>
+          <a:fillRef idx="1">
+            <a:schemeClr val="accent4"/>
+          </a:fillRef>
+          <a:effectRef idx="0">
+            <a:schemeClr val="accent4"/>
+          </a:effectRef>
+          <a:fontRef idx="minor">
+            <a:schemeClr val="lt1"/>
+          </a:fontRef>
+        </p:style>
+        <p:txBody>
+          <a:bodyPr rtlCol="0" anchor="ctr"/>
+          <a:lstStyle/>
+          <a:p>
+            <a:pPr algn="ctr"/>
+            <a:r>
+              <a:rPr kumimoji="1" lang="en-US" altLang="ko-Kore-KR" sz="1200" dirty="0">
+                <a:solidFill>
+                  <a:srgbClr val="FF0000"/>
+                </a:solidFill>
+                <a:latin typeface="DM Mono" panose="020B0509040201040103" pitchFamily="49" charset="0"/>
+              </a:rPr>
+              <a:t>42</a:t>
+            </a:r>
+            <a:endParaRPr kumimoji="1" lang="ko-Kore-KR" altLang="en-US" sz="1200" dirty="0">
+              <a:solidFill>
+                <a:srgbClr val="FF0000"/>
+              </a:solidFill>
+              <a:latin typeface="DM Mono" panose="020B0509040201040103" pitchFamily="49" charset="0"/>
+            </a:endParaRPr>
+          </a:p>
+        </p:txBody>
+      </p:sp>
+      <p:sp>
+        <p:nvSpPr>
+          <p:cNvPr id="20" name="TextBox 19">
+            <a:extLst>
+              <a:ext uri="{FF2B5EF4-FFF2-40B4-BE49-F238E27FC236}">
+                <a16:creationId xmlns:a16="http://schemas.microsoft.com/office/drawing/2014/main" id="{D8D7CDE6-B8B6-7AC1-178E-6A11537C34C7}"/>
+              </a:ext>
+            </a:extLst>
+          </p:cNvPr>
+          <p:cNvSpPr txBox="1"/>
+          <p:nvPr/>
+        </p:nvSpPr>
+        <p:spPr>
+          <a:xfrm>
+            <a:off x="4965806" y="1912016"/>
+            <a:ext cx="585868" cy="261610"/>
+          </a:xfrm>
+          <a:prstGeom prst="rect">
+            <a:avLst/>
+          </a:prstGeom>
+          <a:noFill/>
+        </p:spPr>
+        <p:txBody>
+          <a:bodyPr wrap="square">
+            <a:spAutoFit/>
+          </a:bodyPr>
+          <a:lstStyle/>
+          <a:p>
+            <a:pPr algn="r"/>
+            <a:r>
+              <a:rPr kumimoji="1" lang="en-US" altLang="ko-Kore-KR" sz="1100" dirty="0">
+                <a:solidFill>
+                  <a:schemeClr val="tx1"/>
+                </a:solidFill>
+                <a:latin typeface="DM Mono" panose="020B0509040201040103" pitchFamily="49" charset="0"/>
+              </a:rPr>
+              <a:t>age</a:t>
+            </a:r>
+            <a:endParaRPr kumimoji="1" lang="ko-Kore-KR" altLang="en-US" sz="1100" dirty="0">
+              <a:solidFill>
+                <a:schemeClr val="tx1"/>
+              </a:solidFill>
+              <a:latin typeface="DM Mono" panose="020B0509040201040103" pitchFamily="49" charset="0"/>
+            </a:endParaRPr>
+          </a:p>
+        </p:txBody>
+      </p:sp>
+      <p:sp>
+        <p:nvSpPr>
+          <p:cNvPr id="21" name="TextBox 20">
+            <a:extLst>
+              <a:ext uri="{FF2B5EF4-FFF2-40B4-BE49-F238E27FC236}">
+                <a16:creationId xmlns:a16="http://schemas.microsoft.com/office/drawing/2014/main" id="{64508142-015E-89BF-6253-68842649D015}"/>
+              </a:ext>
+            </a:extLst>
+          </p:cNvPr>
+          <p:cNvSpPr txBox="1"/>
+          <p:nvPr/>
+        </p:nvSpPr>
+        <p:spPr>
+          <a:xfrm>
+            <a:off x="5488901" y="1131705"/>
+            <a:ext cx="895039" cy="261610"/>
+          </a:xfrm>
+          <a:prstGeom prst="rect">
+            <a:avLst/>
+          </a:prstGeom>
+          <a:noFill/>
+        </p:spPr>
+        <p:txBody>
+          <a:bodyPr wrap="square">
+            <a:spAutoFit/>
+          </a:bodyPr>
+          <a:lstStyle/>
+          <a:p>
+            <a:pPr algn="ctr"/>
+            <a:r>
+              <a:rPr kumimoji="1" lang="en-US" altLang="ko-Kore-KR" sz="1100" dirty="0">
+                <a:solidFill>
+                  <a:schemeClr val="tx1"/>
+                </a:solidFill>
+                <a:latin typeface="DM Mono" panose="020B0509040201040103" pitchFamily="49" charset="0"/>
+              </a:rPr>
+              <a:t>other</a:t>
+            </a:r>
+            <a:endParaRPr kumimoji="1" lang="ko-Kore-KR" altLang="en-US" sz="1100" dirty="0">
+              <a:solidFill>
+                <a:schemeClr val="tx1"/>
+              </a:solidFill>
+              <a:latin typeface="DM Mono" panose="020B0509040201040103" pitchFamily="49" charset="0"/>
+            </a:endParaRPr>
+          </a:p>
+        </p:txBody>
+      </p:sp>
+      <p:cxnSp>
+        <p:nvCxnSpPr>
+          <p:cNvPr id="22" name="구부러진 연결선[U] 21">
+            <a:extLst>
+              <a:ext uri="{FF2B5EF4-FFF2-40B4-BE49-F238E27FC236}">
+                <a16:creationId xmlns:a16="http://schemas.microsoft.com/office/drawing/2014/main" id="{4E476DF7-3E56-B442-C7A0-F4749C544CA7}"/>
+              </a:ext>
+            </a:extLst>
+          </p:cNvPr>
+          <p:cNvCxnSpPr>
+            <a:cxnSpLocks/>
+            <a:stCxn id="17" idx="3"/>
+            <a:endCxn id="14" idx="1"/>
+          </p:cNvCxnSpPr>
+          <p:nvPr/>
+        </p:nvCxnSpPr>
+        <p:spPr>
+          <a:xfrm>
+            <a:off x="6321169" y="1623097"/>
+            <a:ext cx="2576745" cy="139497"/>
+          </a:xfrm>
+          <a:prstGeom prst="curvedConnector3">
+            <a:avLst/>
+          </a:prstGeom>
+          <a:ln>
+            <a:tailEnd type="triangle"/>
+          </a:ln>
+        </p:spPr>
+        <p:style>
+          <a:lnRef idx="1">
+            <a:schemeClr val="dk1"/>
+          </a:lnRef>
+          <a:fillRef idx="0">
+            <a:schemeClr val="dk1"/>
+          </a:fillRef>
+          <a:effectRef idx="0">
+            <a:schemeClr val="dk1"/>
+          </a:effectRef>
+          <a:fontRef idx="minor">
+            <a:schemeClr val="tx1"/>
+          </a:fontRef>
+        </p:style>
+      </p:cxnSp>
+    </p:spTree>
+    <p:extLst>
+      <p:ext uri="{BB962C8B-B14F-4D97-AF65-F5344CB8AC3E}">
+        <p14:creationId xmlns:p14="http://schemas.microsoft.com/office/powerpoint/2010/main" val="3865494272"/>
+      </p:ext>
+    </p:extLst>
+  </p:cSld>
+  <p:clrMapOvr>
+    <a:masterClrMapping/>
+  </p:clrMapOvr>
+</p:sld>
+</file>
+
+<file path=ppt/slides/slide16.xml><?xml version="1.0" encoding="utf-8"?>
+<p:sld xmlns:a="http://schemas.openxmlformats.org/drawingml/2006/main" xmlns:r="http://schemas.openxmlformats.org/officeDocument/2006/relationships" xmlns:p="http://schemas.openxmlformats.org/presentationml/2006/main">
+  <p:cSld>
+    <p:spTree>
+      <p:nvGrpSpPr>
+        <p:cNvPr id="1" name=""/>
+        <p:cNvGrpSpPr/>
+        <p:nvPr/>
+      </p:nvGrpSpPr>
+      <p:grpSpPr>
+        <a:xfrm>
+          <a:off x="0" y="0"/>
+          <a:ext cx="0" cy="0"/>
+          <a:chOff x="0" y="0"/>
+          <a:chExt cx="0" cy="0"/>
+        </a:xfrm>
+      </p:grpSpPr>
+      <p:sp>
+        <p:nvSpPr>
+          <p:cNvPr id="5" name="TextBox 4">
+            <a:extLst>
+              <a:ext uri="{FF2B5EF4-FFF2-40B4-BE49-F238E27FC236}">
+                <a16:creationId xmlns:a16="http://schemas.microsoft.com/office/drawing/2014/main" id="{8F84A736-470E-707D-FB5E-AC1AB60ADBA8}"/>
+              </a:ext>
+            </a:extLst>
+          </p:cNvPr>
+          <p:cNvSpPr txBox="1"/>
+          <p:nvPr/>
+        </p:nvSpPr>
+        <p:spPr>
+          <a:xfrm>
+            <a:off x="469692" y="454705"/>
+            <a:ext cx="4392118" cy="5509200"/>
+          </a:xfrm>
+          <a:prstGeom prst="rect">
+            <a:avLst/>
+          </a:prstGeom>
+          <a:noFill/>
+        </p:spPr>
+        <p:txBody>
+          <a:bodyPr wrap="square">
+            <a:spAutoFit/>
+          </a:bodyPr>
+          <a:lstStyle/>
+          <a:p>
+            <a:r>
+              <a:rPr lang="ko-Kore-KR" altLang="en-US" sz="1100" dirty="0">
+                <a:latin typeface="DM Mono" panose="020B0509040201040103" pitchFamily="49" charset="0"/>
+              </a:rPr>
+              <a:t>class User {</a:t>
+            </a:r>
+          </a:p>
+          <a:p>
+            <a:r>
+              <a:rPr lang="ko-Kore-KR" altLang="en-US" sz="1100" dirty="0">
+                <a:latin typeface="DM Mono" panose="020B0509040201040103" pitchFamily="49" charset="0"/>
+              </a:rPr>
+              <a:t>    char* name;</a:t>
+            </a:r>
+          </a:p>
+          <a:p>
+            <a:r>
+              <a:rPr lang="ko-Kore-KR" altLang="en-US" sz="1100" dirty="0">
+                <a:latin typeface="DM Mono" panose="020B0509040201040103" pitchFamily="49" charset="0"/>
+              </a:rPr>
+              <a:t>    int age;</a:t>
+            </a:r>
+          </a:p>
+          <a:p>
+            <a:endParaRPr lang="ko-Kore-KR" altLang="en-US" sz="1100" dirty="0">
+              <a:latin typeface="DM Mono" panose="020B0509040201040103" pitchFamily="49" charset="0"/>
+            </a:endParaRPr>
+          </a:p>
+          <a:p>
+            <a:r>
+              <a:rPr lang="ko-Kore-KR" altLang="en-US" sz="1100" dirty="0">
+                <a:latin typeface="DM Mono" panose="020B0509040201040103" pitchFamily="49" charset="0"/>
+              </a:rPr>
+              <a:t>public:</a:t>
+            </a:r>
+          </a:p>
+          <a:p>
+            <a:r>
+              <a:rPr lang="ko-Kore-KR" altLang="en-US" sz="1100" dirty="0">
+                <a:latin typeface="DM Mono" panose="020B0509040201040103" pitchFamily="49" charset="0"/>
+              </a:rPr>
+              <a:t>    User(const char* s, int n)</a:t>
+            </a:r>
+          </a:p>
+          <a:p>
+            <a:r>
+              <a:rPr lang="ko-Kore-KR" altLang="en-US" sz="1100" dirty="0">
+                <a:latin typeface="DM Mono" panose="020B0509040201040103" pitchFamily="49" charset="0"/>
+              </a:rPr>
+              <a:t>        : age(n)</a:t>
+            </a:r>
+          </a:p>
+          <a:p>
+            <a:r>
+              <a:rPr lang="ko-Kore-KR" altLang="en-US" sz="1100" dirty="0">
+                <a:latin typeface="DM Mono" panose="020B0509040201040103" pitchFamily="49" charset="0"/>
+              </a:rPr>
+              <a:t>    {</a:t>
+            </a:r>
+          </a:p>
+          <a:p>
+            <a:r>
+              <a:rPr lang="ko-Kore-KR" altLang="en-US" sz="1100" dirty="0">
+                <a:latin typeface="DM Mono" panose="020B0509040201040103" pitchFamily="49" charset="0"/>
+              </a:rPr>
+              <a:t>        name = new char[strlen(s) + 1];</a:t>
+            </a:r>
+          </a:p>
+          <a:p>
+            <a:r>
+              <a:rPr lang="ko-Kore-KR" altLang="en-US" sz="1100" dirty="0">
+                <a:latin typeface="DM Mono" panose="020B0509040201040103" pitchFamily="49" charset="0"/>
+              </a:rPr>
+              <a:t>        strcpy(name, s);</a:t>
+            </a:r>
+          </a:p>
+          <a:p>
+            <a:r>
+              <a:rPr lang="ko-Kore-KR" altLang="en-US" sz="1100" dirty="0">
+                <a:latin typeface="DM Mono" panose="020B0509040201040103" pitchFamily="49" charset="0"/>
+              </a:rPr>
+              <a:t>    }</a:t>
+            </a:r>
+          </a:p>
+          <a:p>
+            <a:endParaRPr lang="ko-Kore-KR" altLang="en-US" sz="1100" dirty="0">
+              <a:latin typeface="DM Mono" panose="020B0509040201040103" pitchFamily="49" charset="0"/>
+            </a:endParaRPr>
+          </a:p>
+          <a:p>
+            <a:r>
+              <a:rPr lang="ko-Kore-KR" altLang="en-US" sz="1100" dirty="0">
+                <a:latin typeface="DM Mono" panose="020B0509040201040103" pitchFamily="49" charset="0"/>
+              </a:rPr>
+              <a:t>    ~User()</a:t>
+            </a:r>
+          </a:p>
+          <a:p>
+            <a:r>
+              <a:rPr lang="ko-Kore-KR" altLang="en-US" sz="1100" dirty="0">
+                <a:latin typeface="DM Mono" panose="020B0509040201040103" pitchFamily="49" charset="0"/>
+              </a:rPr>
+              <a:t>    {</a:t>
+            </a:r>
+          </a:p>
+          <a:p>
+            <a:r>
+              <a:rPr lang="ko-Kore-KR" altLang="en-US" sz="1100" dirty="0">
+                <a:solidFill>
+                  <a:srgbClr val="FF0000"/>
+                </a:solidFill>
+                <a:latin typeface="DM Mono" panose="020B0509040201040103" pitchFamily="49" charset="0"/>
+              </a:rPr>
+              <a:t>        delete[] name;</a:t>
+            </a:r>
+          </a:p>
+          <a:p>
+            <a:r>
+              <a:rPr lang="ko-Kore-KR" altLang="en-US" sz="1100" dirty="0">
+                <a:latin typeface="DM Mono" panose="020B0509040201040103" pitchFamily="49" charset="0"/>
+              </a:rPr>
+              <a:t>    }</a:t>
+            </a:r>
+          </a:p>
+          <a:p>
+            <a:endParaRPr lang="ko-Kore-KR" altLang="en-US" sz="1100" dirty="0">
+              <a:latin typeface="DM Mono" panose="020B0509040201040103" pitchFamily="49" charset="0"/>
+            </a:endParaRPr>
+          </a:p>
+          <a:p>
+            <a:r>
+              <a:rPr lang="ko-Kore-KR" altLang="en-US" sz="1100" dirty="0">
+                <a:latin typeface="DM Mono" panose="020B0509040201040103" pitchFamily="49" charset="0"/>
+              </a:rPr>
+              <a:t>    void Print()</a:t>
+            </a:r>
+          </a:p>
+          <a:p>
+            <a:r>
+              <a:rPr lang="ko-Kore-KR" altLang="en-US" sz="1100" dirty="0">
+                <a:latin typeface="DM Mono" panose="020B0509040201040103" pitchFamily="49" charset="0"/>
+              </a:rPr>
+              <a:t>    {</a:t>
+            </a:r>
+          </a:p>
+          <a:p>
+            <a:r>
+              <a:rPr lang="ko-Kore-KR" altLang="en-US" sz="1100" dirty="0">
+                <a:latin typeface="DM Mono" panose="020B0509040201040103" pitchFamily="49" charset="0"/>
+              </a:rPr>
+              <a:t>        cout &lt;&lt; name &lt;&lt; ", " &lt;&lt; age &lt;&lt; endl;</a:t>
+            </a:r>
+          </a:p>
+          <a:p>
+            <a:r>
+              <a:rPr lang="ko-Kore-KR" altLang="en-US" sz="1100" dirty="0">
+                <a:latin typeface="DM Mono" panose="020B0509040201040103" pitchFamily="49" charset="0"/>
+              </a:rPr>
+              <a:t>    }</a:t>
+            </a:r>
+          </a:p>
+          <a:p>
+            <a:r>
+              <a:rPr lang="ko-Kore-KR" altLang="en-US" sz="1100" dirty="0">
+                <a:latin typeface="DM Mono" panose="020B0509040201040103" pitchFamily="49" charset="0"/>
+              </a:rPr>
+              <a:t>};</a:t>
+            </a:r>
+          </a:p>
+          <a:p>
+            <a:endParaRPr lang="ko-Kore-KR" altLang="en-US" sz="1100" dirty="0">
+              <a:latin typeface="DM Mono" panose="020B0509040201040103" pitchFamily="49" charset="0"/>
+            </a:endParaRPr>
+          </a:p>
+          <a:p>
+            <a:r>
+              <a:rPr lang="ko-Kore-KR" altLang="en-US" sz="1100" dirty="0">
+                <a:latin typeface="DM Mono" panose="020B0509040201040103" pitchFamily="49" charset="0"/>
+              </a:rPr>
+              <a:t>int main()</a:t>
+            </a:r>
+          </a:p>
+          <a:p>
+            <a:r>
+              <a:rPr lang="ko-Kore-KR" altLang="en-US" sz="1100" dirty="0">
+                <a:latin typeface="DM Mono" panose="020B0509040201040103" pitchFamily="49" charset="0"/>
+              </a:rPr>
+              <a:t>{</a:t>
+            </a:r>
+          </a:p>
+          <a:p>
+            <a:r>
+              <a:rPr lang="ko-Kore-KR" altLang="en-US" sz="1100" dirty="0">
+                <a:latin typeface="DM Mono" panose="020B0509040201040103" pitchFamily="49" charset="0"/>
+              </a:rPr>
+              <a:t>    User user("Tom", 42);</a:t>
+            </a:r>
+          </a:p>
+          <a:p>
+            <a:r>
+              <a:rPr lang="ko-Kore-KR" altLang="en-US" sz="1100" dirty="0">
+                <a:latin typeface="DM Mono" panose="020B0509040201040103" pitchFamily="49" charset="0"/>
+              </a:rPr>
+              <a:t>    user.Print();</a:t>
+            </a:r>
+          </a:p>
+          <a:p>
+            <a:endParaRPr lang="ko-Kore-KR" altLang="en-US" sz="1100" dirty="0">
+              <a:latin typeface="DM Mono" panose="020B0509040201040103" pitchFamily="49" charset="0"/>
+            </a:endParaRPr>
+          </a:p>
+          <a:p>
+            <a:r>
+              <a:rPr lang="ko-Kore-KR" altLang="en-US" sz="1100" dirty="0">
+                <a:latin typeface="DM Mono" panose="020B0509040201040103" pitchFamily="49" charset="0"/>
+              </a:rPr>
+              <a:t>    User other = user;</a:t>
+            </a:r>
+          </a:p>
+          <a:p>
+            <a:r>
+              <a:rPr lang="ko-Kore-KR" altLang="en-US" sz="1100" dirty="0">
+                <a:latin typeface="DM Mono" panose="020B0509040201040103" pitchFamily="49" charset="0"/>
+              </a:rPr>
+              <a:t>    other.Print();</a:t>
+            </a:r>
+          </a:p>
+          <a:p>
+            <a:r>
+              <a:rPr lang="ko-Kore-KR" altLang="en-US" sz="1100" dirty="0">
+                <a:latin typeface="DM Mono" panose="020B0509040201040103" pitchFamily="49" charset="0"/>
+              </a:rPr>
+              <a:t>}</a:t>
+            </a:r>
+            <a:endParaRPr lang="en-US" altLang="ko-Kore-KR" sz="1100" dirty="0">
+              <a:latin typeface="DM Mono" panose="020B0509040201040103" pitchFamily="49" charset="0"/>
+            </a:endParaRPr>
+          </a:p>
+          <a:p>
+            <a:r>
+              <a:rPr lang="en-US" altLang="ko-Kore-KR" sz="1100" dirty="0">
+                <a:solidFill>
+                  <a:srgbClr val="FF0000"/>
+                </a:solidFill>
+                <a:latin typeface="DM Mono" panose="020B0509040201040103" pitchFamily="49" charset="0"/>
+              </a:rPr>
+              <a:t>// 1) other</a:t>
+            </a:r>
+            <a:r>
+              <a:rPr lang="ko-KR" altLang="en-US" sz="1100" dirty="0">
+                <a:solidFill>
+                  <a:srgbClr val="FF0000"/>
+                </a:solidFill>
+                <a:latin typeface="DM Mono" panose="020B0509040201040103" pitchFamily="49" charset="0"/>
+              </a:rPr>
+              <a:t> 객체 </a:t>
+            </a:r>
+            <a:r>
+              <a:rPr lang="ko-KR" altLang="en-US" sz="1100" dirty="0" err="1">
+                <a:solidFill>
+                  <a:srgbClr val="FF0000"/>
+                </a:solidFill>
+                <a:latin typeface="DM Mono" panose="020B0509040201040103" pitchFamily="49" charset="0"/>
+              </a:rPr>
+              <a:t>소멸자</a:t>
+            </a:r>
+            <a:r>
+              <a:rPr lang="ko-KR" altLang="en-US" sz="1100" dirty="0">
+                <a:solidFill>
+                  <a:srgbClr val="FF0000"/>
+                </a:solidFill>
+                <a:latin typeface="DM Mono" panose="020B0509040201040103" pitchFamily="49" charset="0"/>
+              </a:rPr>
+              <a:t> 호출</a:t>
+            </a:r>
+            <a:endParaRPr lang="ko-Kore-KR" altLang="en-US" sz="1100" dirty="0">
+              <a:solidFill>
+                <a:srgbClr val="FF0000"/>
+              </a:solidFill>
+              <a:latin typeface="DM Mono" panose="020B0509040201040103" pitchFamily="49" charset="0"/>
+            </a:endParaRPr>
+          </a:p>
+        </p:txBody>
+      </p:sp>
+      <p:sp>
+        <p:nvSpPr>
+          <p:cNvPr id="7" name="직사각형 6">
+            <a:extLst>
+              <a:ext uri="{FF2B5EF4-FFF2-40B4-BE49-F238E27FC236}">
+                <a16:creationId xmlns:a16="http://schemas.microsoft.com/office/drawing/2014/main" id="{31CCB710-0121-1DC8-86D7-67AEA020399A}"/>
+              </a:ext>
+            </a:extLst>
+          </p:cNvPr>
+          <p:cNvSpPr/>
+          <p:nvPr/>
+        </p:nvSpPr>
+        <p:spPr>
+          <a:xfrm>
+            <a:off x="5547612" y="3762531"/>
+            <a:ext cx="769495" cy="419724"/>
+          </a:xfrm>
+          <a:prstGeom prst="rect">
+            <a:avLst/>
+          </a:prstGeom>
+          <a:solidFill>
+            <a:schemeClr val="accent4">
+              <a:lumMod val="60000"/>
+              <a:lumOff val="40000"/>
+            </a:schemeClr>
+          </a:solidFill>
+        </p:spPr>
+        <p:style>
+          <a:lnRef idx="2">
+            <a:schemeClr val="accent4">
+              <a:shade val="15000"/>
+            </a:schemeClr>
+          </a:lnRef>
+          <a:fillRef idx="1">
+            <a:schemeClr val="accent4"/>
+          </a:fillRef>
+          <a:effectRef idx="0">
+            <a:schemeClr val="accent4"/>
+          </a:effectRef>
+          <a:fontRef idx="minor">
+            <a:schemeClr val="lt1"/>
+          </a:fontRef>
+        </p:style>
+        <p:txBody>
+          <a:bodyPr rtlCol="0" anchor="ctr"/>
+          <a:lstStyle/>
+          <a:p>
+            <a:pPr algn="ctr"/>
+            <a:r>
+              <a:rPr kumimoji="1" lang="en-US" altLang="ko-Kore-KR" sz="1200" dirty="0">
+                <a:solidFill>
+                  <a:schemeClr val="tx1"/>
+                </a:solidFill>
+                <a:latin typeface="DM Mono" panose="020B0509040201040103" pitchFamily="49" charset="0"/>
+              </a:rPr>
+              <a:t>0x1000</a:t>
+            </a:r>
+            <a:endParaRPr kumimoji="1" lang="ko-Kore-KR" altLang="en-US" sz="1200" dirty="0">
+              <a:solidFill>
+                <a:schemeClr val="tx1"/>
+              </a:solidFill>
+              <a:latin typeface="DM Mono" panose="020B0509040201040103" pitchFamily="49" charset="0"/>
+            </a:endParaRPr>
+          </a:p>
+        </p:txBody>
+      </p:sp>
+      <p:sp>
+        <p:nvSpPr>
+          <p:cNvPr id="8" name="TextBox 7">
+            <a:extLst>
+              <a:ext uri="{FF2B5EF4-FFF2-40B4-BE49-F238E27FC236}">
+                <a16:creationId xmlns:a16="http://schemas.microsoft.com/office/drawing/2014/main" id="{0E51DEEF-5480-C48B-053D-43D22F6A7663}"/>
+              </a:ext>
+            </a:extLst>
+          </p:cNvPr>
+          <p:cNvSpPr txBox="1"/>
+          <p:nvPr/>
+        </p:nvSpPr>
+        <p:spPr>
+          <a:xfrm>
+            <a:off x="4861810" y="3841588"/>
+            <a:ext cx="685802" cy="261610"/>
+          </a:xfrm>
+          <a:prstGeom prst="rect">
+            <a:avLst/>
+          </a:prstGeom>
+          <a:noFill/>
+        </p:spPr>
+        <p:txBody>
+          <a:bodyPr wrap="square">
+            <a:spAutoFit/>
+          </a:bodyPr>
+          <a:lstStyle/>
+          <a:p>
+            <a:pPr algn="r"/>
+            <a:r>
+              <a:rPr kumimoji="1" lang="en-US" altLang="ko-Kore-KR" sz="1100" dirty="0">
+                <a:latin typeface="DM Mono" panose="020B0509040201040103" pitchFamily="49" charset="0"/>
+              </a:rPr>
+              <a:t>name</a:t>
+            </a:r>
+            <a:endParaRPr kumimoji="1" lang="ko-Kore-KR" altLang="en-US" sz="1100" dirty="0">
+              <a:solidFill>
+                <a:schemeClr val="tx1"/>
+              </a:solidFill>
+              <a:latin typeface="DM Mono" panose="020B0509040201040103" pitchFamily="49" charset="0"/>
+            </a:endParaRPr>
+          </a:p>
+        </p:txBody>
+      </p:sp>
+      <p:sp>
+        <p:nvSpPr>
+          <p:cNvPr id="10" name="직사각형 9">
+            <a:extLst>
+              <a:ext uri="{FF2B5EF4-FFF2-40B4-BE49-F238E27FC236}">
+                <a16:creationId xmlns:a16="http://schemas.microsoft.com/office/drawing/2014/main" id="{FA835144-65A9-5595-9B94-37E2A8886E68}"/>
+              </a:ext>
+            </a:extLst>
+          </p:cNvPr>
+          <p:cNvSpPr/>
+          <p:nvPr/>
+        </p:nvSpPr>
+        <p:spPr>
+          <a:xfrm>
+            <a:off x="5547612" y="4182255"/>
+            <a:ext cx="769495" cy="419724"/>
+          </a:xfrm>
+          <a:prstGeom prst="rect">
+            <a:avLst/>
+          </a:prstGeom>
+          <a:solidFill>
+            <a:schemeClr val="accent4">
+              <a:lumMod val="60000"/>
+              <a:lumOff val="40000"/>
+            </a:schemeClr>
+          </a:solidFill>
+        </p:spPr>
+        <p:style>
+          <a:lnRef idx="2">
+            <a:schemeClr val="accent4">
+              <a:shade val="15000"/>
+            </a:schemeClr>
+          </a:lnRef>
+          <a:fillRef idx="1">
+            <a:schemeClr val="accent4"/>
+          </a:fillRef>
+          <a:effectRef idx="0">
+            <a:schemeClr val="accent4"/>
+          </a:effectRef>
+          <a:fontRef idx="minor">
+            <a:schemeClr val="lt1"/>
+          </a:fontRef>
+        </p:style>
+        <p:txBody>
+          <a:bodyPr rtlCol="0" anchor="ctr"/>
+          <a:lstStyle/>
+          <a:p>
+            <a:pPr algn="ctr"/>
+            <a:r>
+              <a:rPr kumimoji="1" lang="en-US" altLang="ko-Kore-KR" sz="1200" dirty="0">
+                <a:solidFill>
+                  <a:schemeClr val="tx1"/>
+                </a:solidFill>
+                <a:latin typeface="DM Mono" panose="020B0509040201040103" pitchFamily="49" charset="0"/>
+              </a:rPr>
+              <a:t>42</a:t>
+            </a:r>
+            <a:endParaRPr kumimoji="1" lang="ko-Kore-KR" altLang="en-US" sz="1200" dirty="0">
+              <a:solidFill>
+                <a:schemeClr val="tx1"/>
+              </a:solidFill>
+              <a:latin typeface="DM Mono" panose="020B0509040201040103" pitchFamily="49" charset="0"/>
+            </a:endParaRPr>
+          </a:p>
+        </p:txBody>
+      </p:sp>
+      <p:sp>
+        <p:nvSpPr>
+          <p:cNvPr id="11" name="TextBox 10">
+            <a:extLst>
+              <a:ext uri="{FF2B5EF4-FFF2-40B4-BE49-F238E27FC236}">
+                <a16:creationId xmlns:a16="http://schemas.microsoft.com/office/drawing/2014/main" id="{CD781AC7-D447-DC8B-4CC7-5C8FA9DEF990}"/>
+              </a:ext>
+            </a:extLst>
+          </p:cNvPr>
+          <p:cNvSpPr txBox="1"/>
+          <p:nvPr/>
+        </p:nvSpPr>
+        <p:spPr>
+          <a:xfrm>
+            <a:off x="4961744" y="4261312"/>
+            <a:ext cx="585868" cy="261610"/>
+          </a:xfrm>
+          <a:prstGeom prst="rect">
+            <a:avLst/>
+          </a:prstGeom>
+          <a:noFill/>
+        </p:spPr>
+        <p:txBody>
+          <a:bodyPr wrap="square">
+            <a:spAutoFit/>
+          </a:bodyPr>
+          <a:lstStyle/>
+          <a:p>
+            <a:pPr algn="r"/>
+            <a:r>
+              <a:rPr kumimoji="1" lang="en-US" altLang="ko-Kore-KR" sz="1100" dirty="0">
+                <a:solidFill>
+                  <a:schemeClr val="tx1"/>
+                </a:solidFill>
+                <a:latin typeface="DM Mono" panose="020B0509040201040103" pitchFamily="49" charset="0"/>
+              </a:rPr>
+              <a:t>age</a:t>
+            </a:r>
+            <a:endParaRPr kumimoji="1" lang="ko-Kore-KR" altLang="en-US" sz="1100" dirty="0">
+              <a:solidFill>
+                <a:schemeClr val="tx1"/>
+              </a:solidFill>
+              <a:latin typeface="DM Mono" panose="020B0509040201040103" pitchFamily="49" charset="0"/>
+            </a:endParaRPr>
+          </a:p>
+        </p:txBody>
+      </p:sp>
+      <p:sp>
+        <p:nvSpPr>
+          <p:cNvPr id="12" name="TextBox 11">
+            <a:extLst>
+              <a:ext uri="{FF2B5EF4-FFF2-40B4-BE49-F238E27FC236}">
+                <a16:creationId xmlns:a16="http://schemas.microsoft.com/office/drawing/2014/main" id="{32C7DE22-336B-08D6-92F4-AEB004179CFE}"/>
+              </a:ext>
+            </a:extLst>
+          </p:cNvPr>
+          <p:cNvSpPr txBox="1"/>
+          <p:nvPr/>
+        </p:nvSpPr>
+        <p:spPr>
+          <a:xfrm>
+            <a:off x="5484839" y="3481001"/>
+            <a:ext cx="895039" cy="261610"/>
+          </a:xfrm>
+          <a:prstGeom prst="rect">
+            <a:avLst/>
+          </a:prstGeom>
+          <a:noFill/>
+        </p:spPr>
+        <p:txBody>
+          <a:bodyPr wrap="square">
+            <a:spAutoFit/>
+          </a:bodyPr>
+          <a:lstStyle/>
+          <a:p>
+            <a:pPr algn="ctr"/>
+            <a:r>
+              <a:rPr kumimoji="1" lang="en-US" altLang="ko-Kore-KR" sz="1100" dirty="0">
+                <a:solidFill>
+                  <a:schemeClr val="tx1"/>
+                </a:solidFill>
+                <a:latin typeface="DM Mono" panose="020B0509040201040103" pitchFamily="49" charset="0"/>
+              </a:rPr>
+              <a:t>user</a:t>
+            </a:r>
+            <a:endParaRPr kumimoji="1" lang="ko-Kore-KR" altLang="en-US" sz="1100" dirty="0">
+              <a:solidFill>
+                <a:schemeClr val="tx1"/>
+              </a:solidFill>
+              <a:latin typeface="DM Mono" panose="020B0509040201040103" pitchFamily="49" charset="0"/>
+            </a:endParaRPr>
+          </a:p>
+        </p:txBody>
+      </p:sp>
+      <p:sp>
+        <p:nvSpPr>
+          <p:cNvPr id="14" name="직사각형 13">
+            <a:extLst>
+              <a:ext uri="{FF2B5EF4-FFF2-40B4-BE49-F238E27FC236}">
+                <a16:creationId xmlns:a16="http://schemas.microsoft.com/office/drawing/2014/main" id="{2282578C-D4EE-EBCA-7553-FA9931C6BB9F}"/>
+              </a:ext>
+            </a:extLst>
+          </p:cNvPr>
+          <p:cNvSpPr/>
+          <p:nvPr/>
+        </p:nvSpPr>
+        <p:spPr>
+          <a:xfrm>
+            <a:off x="8897914" y="1591456"/>
+            <a:ext cx="1110519" cy="342275"/>
+          </a:xfrm>
+          <a:prstGeom prst="rect">
+            <a:avLst/>
+          </a:prstGeom>
+          <a:solidFill>
+            <a:schemeClr val="accent4">
+              <a:lumMod val="60000"/>
+              <a:lumOff val="40000"/>
+            </a:schemeClr>
+          </a:solidFill>
+          <a:ln>
+            <a:solidFill>
+              <a:srgbClr val="FF0000"/>
+            </a:solidFill>
+          </a:ln>
+        </p:spPr>
+        <p:style>
+          <a:lnRef idx="2">
+            <a:schemeClr val="accent4">
+              <a:shade val="15000"/>
+            </a:schemeClr>
+          </a:lnRef>
+          <a:fillRef idx="1">
+            <a:schemeClr val="accent4"/>
+          </a:fillRef>
+          <a:effectRef idx="0">
+            <a:schemeClr val="accent4"/>
+          </a:effectRef>
+          <a:fontRef idx="minor">
+            <a:schemeClr val="lt1"/>
+          </a:fontRef>
+        </p:style>
+        <p:txBody>
+          <a:bodyPr rtlCol="0" anchor="ctr"/>
+          <a:lstStyle/>
+          <a:p>
+            <a:pPr algn="ctr"/>
+            <a:r>
+              <a:rPr kumimoji="1" lang="en-US" altLang="ko-Kore-KR" sz="1200" dirty="0">
+                <a:solidFill>
+                  <a:schemeClr val="tx1"/>
+                </a:solidFill>
+                <a:latin typeface="DM Mono" panose="020B0509040201040103" pitchFamily="49" charset="0"/>
+              </a:rPr>
+              <a:t>“Tom”</a:t>
+            </a:r>
+            <a:endParaRPr kumimoji="1" lang="ko-Kore-KR" altLang="en-US" sz="1200" dirty="0">
+              <a:solidFill>
+                <a:schemeClr val="tx1"/>
+              </a:solidFill>
+              <a:latin typeface="DM Mono" panose="020B0509040201040103" pitchFamily="49" charset="0"/>
+            </a:endParaRPr>
+          </a:p>
+        </p:txBody>
+      </p:sp>
+      <p:cxnSp>
+        <p:nvCxnSpPr>
+          <p:cNvPr id="16" name="구부러진 연결선[U] 15">
+            <a:extLst>
+              <a:ext uri="{FF2B5EF4-FFF2-40B4-BE49-F238E27FC236}">
+                <a16:creationId xmlns:a16="http://schemas.microsoft.com/office/drawing/2014/main" id="{2E0DF4BE-0E64-C1DE-6326-7CBB8CACCB63}"/>
+              </a:ext>
+            </a:extLst>
+          </p:cNvPr>
+          <p:cNvCxnSpPr>
+            <a:stCxn id="7" idx="3"/>
+            <a:endCxn id="14" idx="1"/>
+          </p:cNvCxnSpPr>
+          <p:nvPr/>
+        </p:nvCxnSpPr>
+        <p:spPr>
+          <a:xfrm flipV="1">
+            <a:off x="6317107" y="1762594"/>
+            <a:ext cx="2580807" cy="2209799"/>
+          </a:xfrm>
+          <a:prstGeom prst="curvedConnector3">
+            <a:avLst/>
+          </a:prstGeom>
+          <a:ln>
+            <a:tailEnd type="triangle"/>
+          </a:ln>
+        </p:spPr>
+        <p:style>
+          <a:lnRef idx="1">
+            <a:schemeClr val="dk1"/>
+          </a:lnRef>
+          <a:fillRef idx="0">
+            <a:schemeClr val="dk1"/>
+          </a:fillRef>
+          <a:effectRef idx="0">
+            <a:schemeClr val="dk1"/>
+          </a:effectRef>
+          <a:fontRef idx="minor">
+            <a:schemeClr val="tx1"/>
+          </a:fontRef>
+        </p:style>
+      </p:cxnSp>
+    </p:spTree>
+    <p:extLst>
+      <p:ext uri="{BB962C8B-B14F-4D97-AF65-F5344CB8AC3E}">
+        <p14:creationId xmlns:p14="http://schemas.microsoft.com/office/powerpoint/2010/main" val="3717689804"/>
+      </p:ext>
+    </p:extLst>
+  </p:cSld>
+  <p:clrMapOvr>
+    <a:masterClrMapping/>
+  </p:clrMapOvr>
+</p:sld>
+</file>
+
+<file path=ppt/slides/slide17.xml><?xml version="1.0" encoding="utf-8"?>
+<p:sld xmlns:a="http://schemas.openxmlformats.org/drawingml/2006/main" xmlns:r="http://schemas.openxmlformats.org/officeDocument/2006/relationships" xmlns:p="http://schemas.openxmlformats.org/presentationml/2006/main">
+  <p:cSld>
+    <p:spTree>
+      <p:nvGrpSpPr>
+        <p:cNvPr id="1" name=""/>
+        <p:cNvGrpSpPr/>
+        <p:nvPr/>
+      </p:nvGrpSpPr>
+      <p:grpSpPr>
+        <a:xfrm>
+          <a:off x="0" y="0"/>
+          <a:ext cx="0" cy="0"/>
+          <a:chOff x="0" y="0"/>
+          <a:chExt cx="0" cy="0"/>
+        </a:xfrm>
+      </p:grpSpPr>
+      <p:sp>
+        <p:nvSpPr>
+          <p:cNvPr id="5" name="TextBox 4">
+            <a:extLst>
+              <a:ext uri="{FF2B5EF4-FFF2-40B4-BE49-F238E27FC236}">
+                <a16:creationId xmlns:a16="http://schemas.microsoft.com/office/drawing/2014/main" id="{8F84A736-470E-707D-FB5E-AC1AB60ADBA8}"/>
+              </a:ext>
+            </a:extLst>
+          </p:cNvPr>
+          <p:cNvSpPr txBox="1"/>
+          <p:nvPr/>
+        </p:nvSpPr>
+        <p:spPr>
+          <a:xfrm>
+            <a:off x="469692" y="454705"/>
+            <a:ext cx="4392118" cy="6017032"/>
+          </a:xfrm>
+          <a:prstGeom prst="rect">
+            <a:avLst/>
+          </a:prstGeom>
+          <a:noFill/>
+        </p:spPr>
+        <p:txBody>
+          <a:bodyPr wrap="square">
+            <a:spAutoFit/>
+          </a:bodyPr>
+          <a:lstStyle/>
+          <a:p>
+            <a:r>
+              <a:rPr lang="ko-Kore-KR" altLang="en-US" sz="1100" dirty="0">
+                <a:latin typeface="DM Mono" panose="020B0509040201040103" pitchFamily="49" charset="0"/>
+              </a:rPr>
+              <a:t>class User {</a:t>
+            </a:r>
+          </a:p>
+          <a:p>
+            <a:r>
+              <a:rPr lang="ko-Kore-KR" altLang="en-US" sz="1100" dirty="0">
+                <a:latin typeface="DM Mono" panose="020B0509040201040103" pitchFamily="49" charset="0"/>
+              </a:rPr>
+              <a:t>    char* name;</a:t>
+            </a:r>
+          </a:p>
+          <a:p>
+            <a:r>
+              <a:rPr lang="ko-Kore-KR" altLang="en-US" sz="1100" dirty="0">
+                <a:latin typeface="DM Mono" panose="020B0509040201040103" pitchFamily="49" charset="0"/>
+              </a:rPr>
+              <a:t>    int age;</a:t>
+            </a:r>
+          </a:p>
+          <a:p>
+            <a:endParaRPr lang="ko-Kore-KR" altLang="en-US" sz="1100" dirty="0">
+              <a:latin typeface="DM Mono" panose="020B0509040201040103" pitchFamily="49" charset="0"/>
+            </a:endParaRPr>
+          </a:p>
+          <a:p>
+            <a:r>
+              <a:rPr lang="ko-Kore-KR" altLang="en-US" sz="1100" dirty="0">
+                <a:latin typeface="DM Mono" panose="020B0509040201040103" pitchFamily="49" charset="0"/>
+              </a:rPr>
+              <a:t>public:</a:t>
+            </a:r>
+          </a:p>
+          <a:p>
+            <a:r>
+              <a:rPr lang="ko-Kore-KR" altLang="en-US" sz="1100" dirty="0">
+                <a:latin typeface="DM Mono" panose="020B0509040201040103" pitchFamily="49" charset="0"/>
+              </a:rPr>
+              <a:t>    User(const char* s, int n)</a:t>
+            </a:r>
+          </a:p>
+          <a:p>
+            <a:r>
+              <a:rPr lang="ko-Kore-KR" altLang="en-US" sz="1100" dirty="0">
+                <a:latin typeface="DM Mono" panose="020B0509040201040103" pitchFamily="49" charset="0"/>
+              </a:rPr>
+              <a:t>        : age(n)</a:t>
+            </a:r>
+          </a:p>
+          <a:p>
+            <a:r>
+              <a:rPr lang="ko-Kore-KR" altLang="en-US" sz="1100" dirty="0">
+                <a:latin typeface="DM Mono" panose="020B0509040201040103" pitchFamily="49" charset="0"/>
+              </a:rPr>
+              <a:t>    {</a:t>
+            </a:r>
+          </a:p>
+          <a:p>
+            <a:r>
+              <a:rPr lang="ko-Kore-KR" altLang="en-US" sz="1100" dirty="0">
+                <a:latin typeface="DM Mono" panose="020B0509040201040103" pitchFamily="49" charset="0"/>
+              </a:rPr>
+              <a:t>        name = new char[strlen(s) + 1];</a:t>
+            </a:r>
+          </a:p>
+          <a:p>
+            <a:r>
+              <a:rPr lang="ko-Kore-KR" altLang="en-US" sz="1100" dirty="0">
+                <a:latin typeface="DM Mono" panose="020B0509040201040103" pitchFamily="49" charset="0"/>
+              </a:rPr>
+              <a:t>        strcpy(name, s);</a:t>
+            </a:r>
+          </a:p>
+          <a:p>
+            <a:r>
+              <a:rPr lang="ko-Kore-KR" altLang="en-US" sz="1100" dirty="0">
+                <a:latin typeface="DM Mono" panose="020B0509040201040103" pitchFamily="49" charset="0"/>
+              </a:rPr>
+              <a:t>    }</a:t>
+            </a:r>
+          </a:p>
+          <a:p>
+            <a:endParaRPr lang="ko-Kore-KR" altLang="en-US" sz="1100" dirty="0">
+              <a:latin typeface="DM Mono" panose="020B0509040201040103" pitchFamily="49" charset="0"/>
+            </a:endParaRPr>
+          </a:p>
+          <a:p>
+            <a:r>
+              <a:rPr lang="ko-Kore-KR" altLang="en-US" sz="1100" dirty="0">
+                <a:latin typeface="DM Mono" panose="020B0509040201040103" pitchFamily="49" charset="0"/>
+              </a:rPr>
+              <a:t>    ~User()</a:t>
+            </a:r>
+          </a:p>
+          <a:p>
+            <a:r>
+              <a:rPr lang="ko-Kore-KR" altLang="en-US" sz="1100" dirty="0">
+                <a:latin typeface="DM Mono" panose="020B0509040201040103" pitchFamily="49" charset="0"/>
+              </a:rPr>
+              <a:t>    {</a:t>
+            </a:r>
+          </a:p>
+          <a:p>
+            <a:r>
+              <a:rPr lang="ko-Kore-KR" altLang="en-US" sz="1100" dirty="0">
+                <a:solidFill>
+                  <a:srgbClr val="FF0000"/>
+                </a:solidFill>
+                <a:latin typeface="DM Mono" panose="020B0509040201040103" pitchFamily="49" charset="0"/>
+              </a:rPr>
+              <a:t>        delete[] name;</a:t>
+            </a:r>
+          </a:p>
+          <a:p>
+            <a:r>
+              <a:rPr lang="ko-Kore-KR" altLang="en-US" sz="1100" dirty="0">
+                <a:latin typeface="DM Mono" panose="020B0509040201040103" pitchFamily="49" charset="0"/>
+              </a:rPr>
+              <a:t>    }</a:t>
+            </a:r>
+          </a:p>
+          <a:p>
+            <a:endParaRPr lang="ko-Kore-KR" altLang="en-US" sz="1100" dirty="0">
+              <a:latin typeface="DM Mono" panose="020B0509040201040103" pitchFamily="49" charset="0"/>
+            </a:endParaRPr>
+          </a:p>
+          <a:p>
+            <a:r>
+              <a:rPr lang="ko-Kore-KR" altLang="en-US" sz="1100" dirty="0">
+                <a:latin typeface="DM Mono" panose="020B0509040201040103" pitchFamily="49" charset="0"/>
+              </a:rPr>
+              <a:t>    void Print()</a:t>
+            </a:r>
+          </a:p>
+          <a:p>
+            <a:r>
+              <a:rPr lang="ko-Kore-KR" altLang="en-US" sz="1100" dirty="0">
+                <a:latin typeface="DM Mono" panose="020B0509040201040103" pitchFamily="49" charset="0"/>
+              </a:rPr>
+              <a:t>    {</a:t>
+            </a:r>
+          </a:p>
+          <a:p>
+            <a:r>
+              <a:rPr lang="ko-Kore-KR" altLang="en-US" sz="1100" dirty="0">
+                <a:latin typeface="DM Mono" panose="020B0509040201040103" pitchFamily="49" charset="0"/>
+              </a:rPr>
+              <a:t>        cout &lt;&lt; name &lt;&lt; ", " &lt;&lt; age &lt;&lt; endl;</a:t>
+            </a:r>
+          </a:p>
+          <a:p>
+            <a:r>
+              <a:rPr lang="ko-Kore-KR" altLang="en-US" sz="1100" dirty="0">
+                <a:latin typeface="DM Mono" panose="020B0509040201040103" pitchFamily="49" charset="0"/>
+              </a:rPr>
+              <a:t>    }</a:t>
+            </a:r>
+          </a:p>
+          <a:p>
+            <a:r>
+              <a:rPr lang="ko-Kore-KR" altLang="en-US" sz="1100" dirty="0">
+                <a:latin typeface="DM Mono" panose="020B0509040201040103" pitchFamily="49" charset="0"/>
+              </a:rPr>
+              <a:t>};</a:t>
+            </a:r>
+          </a:p>
+          <a:p>
+            <a:endParaRPr lang="ko-Kore-KR" altLang="en-US" sz="1100" dirty="0">
+              <a:latin typeface="DM Mono" panose="020B0509040201040103" pitchFamily="49" charset="0"/>
+            </a:endParaRPr>
+          </a:p>
+          <a:p>
+            <a:r>
+              <a:rPr lang="ko-Kore-KR" altLang="en-US" sz="1100" dirty="0">
+                <a:latin typeface="DM Mono" panose="020B0509040201040103" pitchFamily="49" charset="0"/>
+              </a:rPr>
+              <a:t>int main()</a:t>
+            </a:r>
+          </a:p>
+          <a:p>
+            <a:r>
+              <a:rPr lang="ko-Kore-KR" altLang="en-US" sz="1100" dirty="0">
+                <a:latin typeface="DM Mono" panose="020B0509040201040103" pitchFamily="49" charset="0"/>
+              </a:rPr>
+              <a:t>{</a:t>
+            </a:r>
+          </a:p>
+          <a:p>
+            <a:r>
+              <a:rPr lang="ko-Kore-KR" altLang="en-US" sz="1100" dirty="0">
+                <a:latin typeface="DM Mono" panose="020B0509040201040103" pitchFamily="49" charset="0"/>
+              </a:rPr>
+              <a:t>    User user("Tom", 42);</a:t>
+            </a:r>
+          </a:p>
+          <a:p>
+            <a:r>
+              <a:rPr lang="ko-Kore-KR" altLang="en-US" sz="1100" dirty="0">
+                <a:latin typeface="DM Mono" panose="020B0509040201040103" pitchFamily="49" charset="0"/>
+              </a:rPr>
+              <a:t>    user.Print();</a:t>
+            </a:r>
+          </a:p>
+          <a:p>
+            <a:endParaRPr lang="ko-Kore-KR" altLang="en-US" sz="1100" dirty="0">
+              <a:latin typeface="DM Mono" panose="020B0509040201040103" pitchFamily="49" charset="0"/>
+            </a:endParaRPr>
+          </a:p>
+          <a:p>
+            <a:r>
+              <a:rPr lang="ko-Kore-KR" altLang="en-US" sz="1100" dirty="0">
+                <a:latin typeface="DM Mono" panose="020B0509040201040103" pitchFamily="49" charset="0"/>
+              </a:rPr>
+              <a:t>    User other = user;</a:t>
+            </a:r>
+          </a:p>
+          <a:p>
+            <a:r>
+              <a:rPr lang="ko-Kore-KR" altLang="en-US" sz="1100" dirty="0">
+                <a:latin typeface="DM Mono" panose="020B0509040201040103" pitchFamily="49" charset="0"/>
+              </a:rPr>
+              <a:t>    other.Print();</a:t>
+            </a:r>
+          </a:p>
+          <a:p>
+            <a:r>
+              <a:rPr lang="ko-Kore-KR" altLang="en-US" sz="1100" dirty="0">
+                <a:latin typeface="DM Mono" panose="020B0509040201040103" pitchFamily="49" charset="0"/>
+              </a:rPr>
+              <a:t>}</a:t>
+            </a:r>
+            <a:endParaRPr lang="en-US" altLang="ko-Kore-KR" sz="1100" dirty="0">
+              <a:latin typeface="DM Mono" panose="020B0509040201040103" pitchFamily="49" charset="0"/>
+            </a:endParaRPr>
+          </a:p>
+          <a:p>
+            <a:r>
+              <a:rPr lang="en-US" altLang="ko-Kore-KR" sz="1100" dirty="0">
+                <a:latin typeface="DM Mono" panose="020B0509040201040103" pitchFamily="49" charset="0"/>
+              </a:rPr>
+              <a:t>// 1) other</a:t>
+            </a:r>
+            <a:r>
+              <a:rPr lang="ko-KR" altLang="en-US" sz="1100" dirty="0">
+                <a:latin typeface="DM Mono" panose="020B0509040201040103" pitchFamily="49" charset="0"/>
+              </a:rPr>
+              <a:t> 객체 </a:t>
+            </a:r>
+            <a:r>
+              <a:rPr lang="ko-KR" altLang="en-US" sz="1100" dirty="0" err="1">
+                <a:latin typeface="DM Mono" panose="020B0509040201040103" pitchFamily="49" charset="0"/>
+              </a:rPr>
+              <a:t>소멸자</a:t>
+            </a:r>
+            <a:r>
+              <a:rPr lang="ko-KR" altLang="en-US" sz="1100" dirty="0">
+                <a:latin typeface="DM Mono" panose="020B0509040201040103" pitchFamily="49" charset="0"/>
+              </a:rPr>
+              <a:t> 호출</a:t>
+            </a:r>
+            <a:endParaRPr lang="en-US" altLang="ko-KR" sz="1100" dirty="0">
+              <a:latin typeface="DM Mono" panose="020B0509040201040103" pitchFamily="49" charset="0"/>
+            </a:endParaRPr>
+          </a:p>
+          <a:p>
+            <a:r>
+              <a:rPr lang="en-US" altLang="ko-KR" sz="1100" dirty="0">
+                <a:solidFill>
+                  <a:srgbClr val="FF0000"/>
+                </a:solidFill>
+                <a:latin typeface="DM Mono" panose="020B0509040201040103" pitchFamily="49" charset="0"/>
+              </a:rPr>
+              <a:t>//</a:t>
+            </a:r>
+            <a:r>
+              <a:rPr lang="ko-KR" altLang="en-US" sz="1100" dirty="0">
+                <a:solidFill>
+                  <a:srgbClr val="FF0000"/>
+                </a:solidFill>
+                <a:latin typeface="DM Mono" panose="020B0509040201040103" pitchFamily="49" charset="0"/>
+              </a:rPr>
+              <a:t> </a:t>
+            </a:r>
+            <a:r>
+              <a:rPr lang="en-US" altLang="ko-KR" sz="1100" dirty="0">
+                <a:solidFill>
+                  <a:srgbClr val="FF0000"/>
+                </a:solidFill>
+                <a:latin typeface="DM Mono" panose="020B0509040201040103" pitchFamily="49" charset="0"/>
+              </a:rPr>
+              <a:t>2)</a:t>
+            </a:r>
+            <a:r>
+              <a:rPr lang="ko-KR" altLang="en-US" sz="1100" dirty="0">
+                <a:solidFill>
+                  <a:srgbClr val="FF0000"/>
+                </a:solidFill>
+                <a:latin typeface="DM Mono" panose="020B0509040201040103" pitchFamily="49" charset="0"/>
+              </a:rPr>
+              <a:t> </a:t>
+            </a:r>
+            <a:r>
+              <a:rPr lang="en-US" altLang="ko-KR" sz="1100" dirty="0">
+                <a:solidFill>
+                  <a:srgbClr val="FF0000"/>
+                </a:solidFill>
+                <a:latin typeface="DM Mono" panose="020B0509040201040103" pitchFamily="49" charset="0"/>
+              </a:rPr>
+              <a:t>user </a:t>
+            </a:r>
+            <a:r>
+              <a:rPr lang="ko-KR" altLang="en-US" sz="1100" dirty="0">
+                <a:solidFill>
+                  <a:srgbClr val="FF0000"/>
+                </a:solidFill>
+                <a:latin typeface="DM Mono" panose="020B0509040201040103" pitchFamily="49" charset="0"/>
+              </a:rPr>
+              <a:t>객체 </a:t>
+            </a:r>
+            <a:r>
+              <a:rPr lang="ko-KR" altLang="en-US" sz="1100" dirty="0" err="1">
+                <a:solidFill>
+                  <a:srgbClr val="FF0000"/>
+                </a:solidFill>
+                <a:latin typeface="DM Mono" panose="020B0509040201040103" pitchFamily="49" charset="0"/>
+              </a:rPr>
+              <a:t>소멸자</a:t>
+            </a:r>
+            <a:r>
+              <a:rPr lang="ko-KR" altLang="en-US" sz="1100" dirty="0">
+                <a:solidFill>
+                  <a:srgbClr val="FF0000"/>
+                </a:solidFill>
+                <a:latin typeface="DM Mono" panose="020B0509040201040103" pitchFamily="49" charset="0"/>
+              </a:rPr>
+              <a:t> 호출</a:t>
+            </a:r>
+            <a:endParaRPr lang="en-US" altLang="ko-KR" sz="1100" dirty="0">
+              <a:solidFill>
+                <a:srgbClr val="FF0000"/>
+              </a:solidFill>
+              <a:latin typeface="DM Mono" panose="020B0509040201040103" pitchFamily="49" charset="0"/>
+            </a:endParaRPr>
+          </a:p>
+          <a:p>
+            <a:r>
+              <a:rPr lang="en-US" altLang="ko-KR" sz="1100" dirty="0">
+                <a:solidFill>
+                  <a:srgbClr val="FF0000"/>
+                </a:solidFill>
+                <a:latin typeface="DM Mono" panose="020B0509040201040103" pitchFamily="49" charset="0"/>
+              </a:rPr>
+              <a:t>//</a:t>
+            </a:r>
+            <a:r>
+              <a:rPr lang="ko-KR" altLang="en-US" sz="1100" dirty="0">
+                <a:solidFill>
+                  <a:srgbClr val="FF0000"/>
+                </a:solidFill>
+                <a:latin typeface="DM Mono" panose="020B0509040201040103" pitchFamily="49" charset="0"/>
+              </a:rPr>
+              <a:t>   </a:t>
+            </a:r>
+            <a:r>
+              <a:rPr lang="en-US" altLang="ko-KR" sz="1100" dirty="0">
+                <a:solidFill>
+                  <a:srgbClr val="FF0000"/>
+                </a:solidFill>
+                <a:latin typeface="DM Mono" panose="020B0509040201040103" pitchFamily="49" charset="0"/>
+              </a:rPr>
+              <a:t>&gt;</a:t>
+            </a:r>
+            <a:r>
+              <a:rPr lang="ko-KR" altLang="en-US" sz="1100" dirty="0">
+                <a:solidFill>
+                  <a:srgbClr val="FF0000"/>
+                </a:solidFill>
+                <a:latin typeface="DM Mono" panose="020B0509040201040103" pitchFamily="49" charset="0"/>
+              </a:rPr>
+              <a:t> 이미 파괴된 메모리를 다시 </a:t>
+            </a:r>
+            <a:r>
+              <a:rPr lang="en-US" altLang="ko-KR" sz="1100" dirty="0">
+                <a:solidFill>
+                  <a:srgbClr val="FF0000"/>
+                </a:solidFill>
+                <a:latin typeface="DM Mono" panose="020B0509040201040103" pitchFamily="49" charset="0"/>
+              </a:rPr>
+              <a:t>delete </a:t>
+            </a:r>
+            <a:r>
+              <a:rPr lang="ko-KR" altLang="en-US" sz="1100" dirty="0">
+                <a:solidFill>
+                  <a:srgbClr val="FF0000"/>
+                </a:solidFill>
+                <a:latin typeface="DM Mono" panose="020B0509040201040103" pitchFamily="49" charset="0"/>
+              </a:rPr>
+              <a:t>합니다</a:t>
+            </a:r>
+            <a:r>
+              <a:rPr lang="en-US" altLang="ko-KR" sz="1100" dirty="0">
+                <a:solidFill>
+                  <a:srgbClr val="FF0000"/>
+                </a:solidFill>
+                <a:latin typeface="DM Mono" panose="020B0509040201040103" pitchFamily="49" charset="0"/>
+              </a:rPr>
+              <a:t>.</a:t>
+            </a:r>
+          </a:p>
+          <a:p>
+            <a:r>
+              <a:rPr lang="en-US" altLang="ko-KR" sz="1100" dirty="0">
+                <a:solidFill>
+                  <a:srgbClr val="FF0000"/>
+                </a:solidFill>
+                <a:latin typeface="DM Mono" panose="020B0509040201040103" pitchFamily="49" charset="0"/>
+              </a:rPr>
+              <a:t>//</a:t>
+            </a:r>
+            <a:r>
+              <a:rPr lang="ko-KR" altLang="en-US" sz="1100" dirty="0">
+                <a:solidFill>
+                  <a:srgbClr val="FF0000"/>
+                </a:solidFill>
+                <a:latin typeface="DM Mono" panose="020B0509040201040103" pitchFamily="49" charset="0"/>
+              </a:rPr>
+              <a:t>     </a:t>
+            </a:r>
+            <a:r>
+              <a:rPr lang="en-US" altLang="ko-KR" sz="1100" dirty="0">
+                <a:solidFill>
+                  <a:srgbClr val="FF0000"/>
+                </a:solidFill>
+                <a:latin typeface="DM Mono" panose="020B0509040201040103" pitchFamily="49" charset="0"/>
+              </a:rPr>
+              <a:t>=&gt;</a:t>
+            </a:r>
+            <a:r>
+              <a:rPr lang="ko-KR" altLang="en-US" sz="1100" dirty="0">
+                <a:solidFill>
+                  <a:srgbClr val="FF0000"/>
+                </a:solidFill>
+                <a:latin typeface="DM Mono" panose="020B0509040201040103" pitchFamily="49" charset="0"/>
+              </a:rPr>
+              <a:t> 미정의 동작</a:t>
+            </a:r>
+            <a:endParaRPr lang="ko-Kore-KR" altLang="en-US" sz="1100" dirty="0">
+              <a:solidFill>
+                <a:srgbClr val="FF0000"/>
+              </a:solidFill>
+              <a:latin typeface="DM Mono" panose="020B0509040201040103" pitchFamily="49" charset="0"/>
+            </a:endParaRPr>
+          </a:p>
+        </p:txBody>
+      </p:sp>
+      <p:sp>
+        <p:nvSpPr>
+          <p:cNvPr id="7" name="직사각형 6">
+            <a:extLst>
+              <a:ext uri="{FF2B5EF4-FFF2-40B4-BE49-F238E27FC236}">
+                <a16:creationId xmlns:a16="http://schemas.microsoft.com/office/drawing/2014/main" id="{31CCB710-0121-1DC8-86D7-67AEA020399A}"/>
+              </a:ext>
+            </a:extLst>
+          </p:cNvPr>
+          <p:cNvSpPr/>
+          <p:nvPr/>
+        </p:nvSpPr>
+        <p:spPr>
+          <a:xfrm>
+            <a:off x="5547612" y="3762531"/>
+            <a:ext cx="769495" cy="419724"/>
+          </a:xfrm>
+          <a:prstGeom prst="rect">
+            <a:avLst/>
+          </a:prstGeom>
+          <a:solidFill>
+            <a:schemeClr val="accent4">
+              <a:lumMod val="60000"/>
+              <a:lumOff val="40000"/>
+            </a:schemeClr>
+          </a:solidFill>
+        </p:spPr>
+        <p:style>
+          <a:lnRef idx="2">
+            <a:schemeClr val="accent4">
+              <a:shade val="15000"/>
+            </a:schemeClr>
+          </a:lnRef>
+          <a:fillRef idx="1">
+            <a:schemeClr val="accent4"/>
+          </a:fillRef>
+          <a:effectRef idx="0">
+            <a:schemeClr val="accent4"/>
+          </a:effectRef>
+          <a:fontRef idx="minor">
+            <a:schemeClr val="lt1"/>
+          </a:fontRef>
+        </p:style>
+        <p:txBody>
+          <a:bodyPr rtlCol="0" anchor="ctr"/>
+          <a:lstStyle/>
+          <a:p>
+            <a:pPr algn="ctr"/>
+            <a:r>
+              <a:rPr kumimoji="1" lang="en-US" altLang="ko-Kore-KR" sz="1200" dirty="0">
+                <a:solidFill>
+                  <a:schemeClr val="tx1"/>
+                </a:solidFill>
+                <a:latin typeface="DM Mono" panose="020B0509040201040103" pitchFamily="49" charset="0"/>
+              </a:rPr>
+              <a:t>0x1000</a:t>
+            </a:r>
+            <a:endParaRPr kumimoji="1" lang="ko-Kore-KR" altLang="en-US" sz="1200" dirty="0">
+              <a:solidFill>
+                <a:schemeClr val="tx1"/>
+              </a:solidFill>
+              <a:latin typeface="DM Mono" panose="020B0509040201040103" pitchFamily="49" charset="0"/>
+            </a:endParaRPr>
+          </a:p>
+        </p:txBody>
+      </p:sp>
+      <p:sp>
+        <p:nvSpPr>
+          <p:cNvPr id="8" name="TextBox 7">
+            <a:extLst>
+              <a:ext uri="{FF2B5EF4-FFF2-40B4-BE49-F238E27FC236}">
+                <a16:creationId xmlns:a16="http://schemas.microsoft.com/office/drawing/2014/main" id="{0E51DEEF-5480-C48B-053D-43D22F6A7663}"/>
+              </a:ext>
+            </a:extLst>
+          </p:cNvPr>
+          <p:cNvSpPr txBox="1"/>
+          <p:nvPr/>
+        </p:nvSpPr>
+        <p:spPr>
+          <a:xfrm>
+            <a:off x="4861810" y="3841588"/>
+            <a:ext cx="685802" cy="261610"/>
+          </a:xfrm>
+          <a:prstGeom prst="rect">
+            <a:avLst/>
+          </a:prstGeom>
+          <a:noFill/>
+        </p:spPr>
+        <p:txBody>
+          <a:bodyPr wrap="square">
+            <a:spAutoFit/>
+          </a:bodyPr>
+          <a:lstStyle/>
+          <a:p>
+            <a:pPr algn="r"/>
+            <a:r>
+              <a:rPr kumimoji="1" lang="en-US" altLang="ko-Kore-KR" sz="1100" dirty="0">
+                <a:latin typeface="DM Mono" panose="020B0509040201040103" pitchFamily="49" charset="0"/>
+              </a:rPr>
+              <a:t>name</a:t>
+            </a:r>
+            <a:endParaRPr kumimoji="1" lang="ko-Kore-KR" altLang="en-US" sz="1100" dirty="0">
+              <a:solidFill>
+                <a:schemeClr val="tx1"/>
+              </a:solidFill>
+              <a:latin typeface="DM Mono" panose="020B0509040201040103" pitchFamily="49" charset="0"/>
+            </a:endParaRPr>
+          </a:p>
+        </p:txBody>
+      </p:sp>
+      <p:sp>
+        <p:nvSpPr>
+          <p:cNvPr id="10" name="직사각형 9">
+            <a:extLst>
+              <a:ext uri="{FF2B5EF4-FFF2-40B4-BE49-F238E27FC236}">
+                <a16:creationId xmlns:a16="http://schemas.microsoft.com/office/drawing/2014/main" id="{FA835144-65A9-5595-9B94-37E2A8886E68}"/>
+              </a:ext>
+            </a:extLst>
+          </p:cNvPr>
+          <p:cNvSpPr/>
+          <p:nvPr/>
+        </p:nvSpPr>
+        <p:spPr>
+          <a:xfrm>
+            <a:off x="5547612" y="4182255"/>
+            <a:ext cx="769495" cy="419724"/>
+          </a:xfrm>
+          <a:prstGeom prst="rect">
+            <a:avLst/>
+          </a:prstGeom>
+          <a:solidFill>
+            <a:schemeClr val="accent4">
+              <a:lumMod val="60000"/>
+              <a:lumOff val="40000"/>
+            </a:schemeClr>
+          </a:solidFill>
+        </p:spPr>
+        <p:style>
+          <a:lnRef idx="2">
+            <a:schemeClr val="accent4">
+              <a:shade val="15000"/>
+            </a:schemeClr>
+          </a:lnRef>
+          <a:fillRef idx="1">
+            <a:schemeClr val="accent4"/>
+          </a:fillRef>
+          <a:effectRef idx="0">
+            <a:schemeClr val="accent4"/>
+          </a:effectRef>
+          <a:fontRef idx="minor">
+            <a:schemeClr val="lt1"/>
+          </a:fontRef>
+        </p:style>
+        <p:txBody>
+          <a:bodyPr rtlCol="0" anchor="ctr"/>
+          <a:lstStyle/>
+          <a:p>
+            <a:pPr algn="ctr"/>
+            <a:r>
+              <a:rPr kumimoji="1" lang="en-US" altLang="ko-Kore-KR" sz="1200" dirty="0">
+                <a:solidFill>
+                  <a:schemeClr val="tx1"/>
+                </a:solidFill>
+                <a:latin typeface="DM Mono" panose="020B0509040201040103" pitchFamily="49" charset="0"/>
+              </a:rPr>
+              <a:t>42</a:t>
+            </a:r>
+            <a:endParaRPr kumimoji="1" lang="ko-Kore-KR" altLang="en-US" sz="1200" dirty="0">
+              <a:solidFill>
+                <a:schemeClr val="tx1"/>
+              </a:solidFill>
+              <a:latin typeface="DM Mono" panose="020B0509040201040103" pitchFamily="49" charset="0"/>
+            </a:endParaRPr>
+          </a:p>
+        </p:txBody>
+      </p:sp>
+      <p:sp>
+        <p:nvSpPr>
+          <p:cNvPr id="11" name="TextBox 10">
+            <a:extLst>
+              <a:ext uri="{FF2B5EF4-FFF2-40B4-BE49-F238E27FC236}">
+                <a16:creationId xmlns:a16="http://schemas.microsoft.com/office/drawing/2014/main" id="{CD781AC7-D447-DC8B-4CC7-5C8FA9DEF990}"/>
+              </a:ext>
+            </a:extLst>
+          </p:cNvPr>
+          <p:cNvSpPr txBox="1"/>
+          <p:nvPr/>
+        </p:nvSpPr>
+        <p:spPr>
+          <a:xfrm>
+            <a:off x="4961744" y="4261312"/>
+            <a:ext cx="585868" cy="261610"/>
+          </a:xfrm>
+          <a:prstGeom prst="rect">
+            <a:avLst/>
+          </a:prstGeom>
+          <a:noFill/>
+        </p:spPr>
+        <p:txBody>
+          <a:bodyPr wrap="square">
+            <a:spAutoFit/>
+          </a:bodyPr>
+          <a:lstStyle/>
+          <a:p>
+            <a:pPr algn="r"/>
+            <a:r>
+              <a:rPr kumimoji="1" lang="en-US" altLang="ko-Kore-KR" sz="1100" dirty="0">
+                <a:solidFill>
+                  <a:schemeClr val="tx1"/>
+                </a:solidFill>
+                <a:latin typeface="DM Mono" panose="020B0509040201040103" pitchFamily="49" charset="0"/>
+              </a:rPr>
+              <a:t>age</a:t>
+            </a:r>
+            <a:endParaRPr kumimoji="1" lang="ko-Kore-KR" altLang="en-US" sz="1100" dirty="0">
+              <a:solidFill>
+                <a:schemeClr val="tx1"/>
+              </a:solidFill>
+              <a:latin typeface="DM Mono" panose="020B0509040201040103" pitchFamily="49" charset="0"/>
+            </a:endParaRPr>
+          </a:p>
+        </p:txBody>
+      </p:sp>
+      <p:sp>
+        <p:nvSpPr>
+          <p:cNvPr id="12" name="TextBox 11">
+            <a:extLst>
+              <a:ext uri="{FF2B5EF4-FFF2-40B4-BE49-F238E27FC236}">
+                <a16:creationId xmlns:a16="http://schemas.microsoft.com/office/drawing/2014/main" id="{32C7DE22-336B-08D6-92F4-AEB004179CFE}"/>
+              </a:ext>
+            </a:extLst>
+          </p:cNvPr>
+          <p:cNvSpPr txBox="1"/>
+          <p:nvPr/>
+        </p:nvSpPr>
+        <p:spPr>
+          <a:xfrm>
+            <a:off x="5484839" y="3481001"/>
+            <a:ext cx="895039" cy="261610"/>
+          </a:xfrm>
+          <a:prstGeom prst="rect">
+            <a:avLst/>
+          </a:prstGeom>
+          <a:noFill/>
+        </p:spPr>
+        <p:txBody>
+          <a:bodyPr wrap="square">
+            <a:spAutoFit/>
+          </a:bodyPr>
+          <a:lstStyle/>
+          <a:p>
+            <a:pPr algn="ctr"/>
+            <a:r>
+              <a:rPr kumimoji="1" lang="en-US" altLang="ko-Kore-KR" sz="1100" dirty="0">
+                <a:solidFill>
+                  <a:schemeClr val="tx1"/>
+                </a:solidFill>
+                <a:latin typeface="DM Mono" panose="020B0509040201040103" pitchFamily="49" charset="0"/>
+              </a:rPr>
+              <a:t>user</a:t>
+            </a:r>
+            <a:endParaRPr kumimoji="1" lang="ko-Kore-KR" altLang="en-US" sz="1100" dirty="0">
+              <a:solidFill>
+                <a:schemeClr val="tx1"/>
+              </a:solidFill>
+              <a:latin typeface="DM Mono" panose="020B0509040201040103" pitchFamily="49" charset="0"/>
+            </a:endParaRPr>
+          </a:p>
+        </p:txBody>
+      </p:sp>
+      <p:sp>
+        <p:nvSpPr>
+          <p:cNvPr id="14" name="직사각형 13">
+            <a:extLst>
+              <a:ext uri="{FF2B5EF4-FFF2-40B4-BE49-F238E27FC236}">
+                <a16:creationId xmlns:a16="http://schemas.microsoft.com/office/drawing/2014/main" id="{2282578C-D4EE-EBCA-7553-FA9931C6BB9F}"/>
+              </a:ext>
+            </a:extLst>
+          </p:cNvPr>
+          <p:cNvSpPr/>
+          <p:nvPr/>
+        </p:nvSpPr>
+        <p:spPr>
+          <a:xfrm>
+            <a:off x="8897914" y="1591456"/>
+            <a:ext cx="1110519" cy="342275"/>
+          </a:xfrm>
+          <a:prstGeom prst="rect">
+            <a:avLst/>
+          </a:prstGeom>
+          <a:solidFill>
+            <a:schemeClr val="accent4">
+              <a:lumMod val="60000"/>
+              <a:lumOff val="40000"/>
+            </a:schemeClr>
+          </a:solidFill>
+          <a:ln>
+            <a:solidFill>
+              <a:srgbClr val="FF0000"/>
+            </a:solidFill>
+          </a:ln>
+        </p:spPr>
+        <p:style>
+          <a:lnRef idx="2">
+            <a:schemeClr val="accent4">
+              <a:shade val="15000"/>
+            </a:schemeClr>
+          </a:lnRef>
+          <a:fillRef idx="1">
+            <a:schemeClr val="accent4"/>
+          </a:fillRef>
+          <a:effectRef idx="0">
+            <a:schemeClr val="accent4"/>
+          </a:effectRef>
+          <a:fontRef idx="minor">
+            <a:schemeClr val="lt1"/>
+          </a:fontRef>
+        </p:style>
+        <p:txBody>
+          <a:bodyPr rtlCol="0" anchor="ctr"/>
+          <a:lstStyle/>
+          <a:p>
+            <a:pPr algn="ctr"/>
+            <a:r>
+              <a:rPr kumimoji="1" lang="en-US" altLang="ko-Kore-KR" sz="1200" dirty="0">
+                <a:solidFill>
+                  <a:schemeClr val="tx1"/>
+                </a:solidFill>
+                <a:latin typeface="DM Mono" panose="020B0509040201040103" pitchFamily="49" charset="0"/>
+              </a:rPr>
+              <a:t>“Tom”</a:t>
+            </a:r>
+            <a:endParaRPr kumimoji="1" lang="ko-Kore-KR" altLang="en-US" sz="1200" dirty="0">
+              <a:solidFill>
+                <a:schemeClr val="tx1"/>
+              </a:solidFill>
+              <a:latin typeface="DM Mono" panose="020B0509040201040103" pitchFamily="49" charset="0"/>
+            </a:endParaRPr>
+          </a:p>
+        </p:txBody>
+      </p:sp>
+      <p:cxnSp>
+        <p:nvCxnSpPr>
+          <p:cNvPr id="16" name="구부러진 연결선[U] 15">
+            <a:extLst>
+              <a:ext uri="{FF2B5EF4-FFF2-40B4-BE49-F238E27FC236}">
+                <a16:creationId xmlns:a16="http://schemas.microsoft.com/office/drawing/2014/main" id="{2E0DF4BE-0E64-C1DE-6326-7CBB8CACCB63}"/>
+              </a:ext>
+            </a:extLst>
+          </p:cNvPr>
+          <p:cNvCxnSpPr>
+            <a:stCxn id="7" idx="3"/>
+            <a:endCxn id="14" idx="1"/>
+          </p:cNvCxnSpPr>
+          <p:nvPr/>
+        </p:nvCxnSpPr>
+        <p:spPr>
+          <a:xfrm flipV="1">
+            <a:off x="6317107" y="1762594"/>
+            <a:ext cx="2580807" cy="2209799"/>
+          </a:xfrm>
+          <a:prstGeom prst="curvedConnector3">
+            <a:avLst/>
+          </a:prstGeom>
+          <a:ln>
+            <a:tailEnd type="triangle"/>
+          </a:ln>
+        </p:spPr>
+        <p:style>
+          <a:lnRef idx="1">
+            <a:schemeClr val="dk1"/>
+          </a:lnRef>
+          <a:fillRef idx="0">
+            <a:schemeClr val="dk1"/>
+          </a:fillRef>
+          <a:effectRef idx="0">
+            <a:schemeClr val="dk1"/>
+          </a:effectRef>
+          <a:fontRef idx="minor">
+            <a:schemeClr val="tx1"/>
+          </a:fontRef>
+        </p:style>
+      </p:cxnSp>
+    </p:spTree>
+    <p:extLst>
+      <p:ext uri="{BB962C8B-B14F-4D97-AF65-F5344CB8AC3E}">
+        <p14:creationId xmlns:p14="http://schemas.microsoft.com/office/powerpoint/2010/main" val="1948585114"/>
+      </p:ext>
+    </p:extLst>
+  </p:cSld>
+  <p:clrMapOvr>
+    <a:masterClrMapping/>
+  </p:clrMapOvr>
+</p:sld>
+</file>
+
+<file path=ppt/slides/slide18.xml><?xml version="1.0" encoding="utf-8"?>
+<p:sld xmlns:a="http://schemas.openxmlformats.org/drawingml/2006/main" xmlns:r="http://schemas.openxmlformats.org/officeDocument/2006/relationships" xmlns:p="http://schemas.openxmlformats.org/presentationml/2006/main">
+  <p:cSld>
+    <p:spTree>
+      <p:nvGrpSpPr>
+        <p:cNvPr id="1" name=""/>
+        <p:cNvGrpSpPr/>
+        <p:nvPr/>
+      </p:nvGrpSpPr>
+      <p:grpSpPr>
+        <a:xfrm>
+          <a:off x="0" y="0"/>
+          <a:ext cx="0" cy="0"/>
+          <a:chOff x="0" y="0"/>
+          <a:chExt cx="0" cy="0"/>
+        </a:xfrm>
+      </p:grpSpPr>
+      <p:sp>
+        <p:nvSpPr>
+          <p:cNvPr id="7" name="직사각형 6">
+            <a:extLst>
+              <a:ext uri="{FF2B5EF4-FFF2-40B4-BE49-F238E27FC236}">
+                <a16:creationId xmlns:a16="http://schemas.microsoft.com/office/drawing/2014/main" id="{31CCB710-0121-1DC8-86D7-67AEA020399A}"/>
+              </a:ext>
+            </a:extLst>
+          </p:cNvPr>
+          <p:cNvSpPr/>
+          <p:nvPr/>
+        </p:nvSpPr>
+        <p:spPr>
+          <a:xfrm>
+            <a:off x="5547612" y="3762531"/>
+            <a:ext cx="769495" cy="419724"/>
+          </a:xfrm>
+          <a:prstGeom prst="rect">
+            <a:avLst/>
+          </a:prstGeom>
+          <a:solidFill>
+            <a:schemeClr val="accent4">
+              <a:lumMod val="60000"/>
+              <a:lumOff val="40000"/>
+            </a:schemeClr>
+          </a:solidFill>
+        </p:spPr>
+        <p:style>
+          <a:lnRef idx="2">
+            <a:schemeClr val="accent4">
+              <a:shade val="15000"/>
+            </a:schemeClr>
+          </a:lnRef>
+          <a:fillRef idx="1">
+            <a:schemeClr val="accent4"/>
+          </a:fillRef>
+          <a:effectRef idx="0">
+            <a:schemeClr val="accent4"/>
+          </a:effectRef>
+          <a:fontRef idx="minor">
+            <a:schemeClr val="lt1"/>
+          </a:fontRef>
+        </p:style>
+        <p:txBody>
+          <a:bodyPr rtlCol="0" anchor="ctr"/>
+          <a:lstStyle/>
+          <a:p>
+            <a:pPr algn="ctr"/>
+            <a:r>
+              <a:rPr kumimoji="1" lang="en-US" altLang="ko-Kore-KR" sz="1200" dirty="0">
+                <a:solidFill>
+                  <a:schemeClr val="tx1"/>
+                </a:solidFill>
+                <a:latin typeface="DM Mono" panose="020B0509040201040103" pitchFamily="49" charset="0"/>
+              </a:rPr>
+              <a:t>0x1000</a:t>
+            </a:r>
+            <a:endParaRPr kumimoji="1" lang="ko-Kore-KR" altLang="en-US" sz="1200" dirty="0">
+              <a:solidFill>
+                <a:schemeClr val="tx1"/>
+              </a:solidFill>
+              <a:latin typeface="DM Mono" panose="020B0509040201040103" pitchFamily="49" charset="0"/>
+            </a:endParaRPr>
+          </a:p>
+        </p:txBody>
+      </p:sp>
+      <p:sp>
+        <p:nvSpPr>
+          <p:cNvPr id="8" name="TextBox 7">
+            <a:extLst>
+              <a:ext uri="{FF2B5EF4-FFF2-40B4-BE49-F238E27FC236}">
+                <a16:creationId xmlns:a16="http://schemas.microsoft.com/office/drawing/2014/main" id="{0E51DEEF-5480-C48B-053D-43D22F6A7663}"/>
+              </a:ext>
+            </a:extLst>
+          </p:cNvPr>
+          <p:cNvSpPr txBox="1"/>
+          <p:nvPr/>
+        </p:nvSpPr>
+        <p:spPr>
+          <a:xfrm>
+            <a:off x="4861810" y="3841588"/>
+            <a:ext cx="685802" cy="261610"/>
+          </a:xfrm>
+          <a:prstGeom prst="rect">
+            <a:avLst/>
+          </a:prstGeom>
+          <a:noFill/>
+        </p:spPr>
+        <p:txBody>
+          <a:bodyPr wrap="square">
+            <a:spAutoFit/>
+          </a:bodyPr>
+          <a:lstStyle/>
+          <a:p>
+            <a:pPr algn="r"/>
+            <a:r>
+              <a:rPr kumimoji="1" lang="en-US" altLang="ko-Kore-KR" sz="1100" dirty="0">
+                <a:latin typeface="DM Mono" panose="020B0509040201040103" pitchFamily="49" charset="0"/>
+              </a:rPr>
+              <a:t>name</a:t>
+            </a:r>
+            <a:endParaRPr kumimoji="1" lang="ko-Kore-KR" altLang="en-US" sz="1100" dirty="0">
+              <a:solidFill>
+                <a:schemeClr val="tx1"/>
+              </a:solidFill>
+              <a:latin typeface="DM Mono" panose="020B0509040201040103" pitchFamily="49" charset="0"/>
+            </a:endParaRPr>
+          </a:p>
+        </p:txBody>
+      </p:sp>
+      <p:sp>
+        <p:nvSpPr>
+          <p:cNvPr id="10" name="직사각형 9">
+            <a:extLst>
+              <a:ext uri="{FF2B5EF4-FFF2-40B4-BE49-F238E27FC236}">
+                <a16:creationId xmlns:a16="http://schemas.microsoft.com/office/drawing/2014/main" id="{FA835144-65A9-5595-9B94-37E2A8886E68}"/>
+              </a:ext>
+            </a:extLst>
+          </p:cNvPr>
+          <p:cNvSpPr/>
+          <p:nvPr/>
+        </p:nvSpPr>
+        <p:spPr>
+          <a:xfrm>
+            <a:off x="5547612" y="4182255"/>
+            <a:ext cx="769495" cy="419724"/>
+          </a:xfrm>
+          <a:prstGeom prst="rect">
+            <a:avLst/>
+          </a:prstGeom>
+          <a:solidFill>
+            <a:schemeClr val="accent4">
+              <a:lumMod val="60000"/>
+              <a:lumOff val="40000"/>
+            </a:schemeClr>
+          </a:solidFill>
+        </p:spPr>
+        <p:style>
+          <a:lnRef idx="2">
+            <a:schemeClr val="accent4">
+              <a:shade val="15000"/>
+            </a:schemeClr>
+          </a:lnRef>
+          <a:fillRef idx="1">
+            <a:schemeClr val="accent4"/>
+          </a:fillRef>
+          <a:effectRef idx="0">
+            <a:schemeClr val="accent4"/>
+          </a:effectRef>
+          <a:fontRef idx="minor">
+            <a:schemeClr val="lt1"/>
+          </a:fontRef>
+        </p:style>
+        <p:txBody>
+          <a:bodyPr rtlCol="0" anchor="ctr"/>
+          <a:lstStyle/>
+          <a:p>
+            <a:pPr algn="ctr"/>
+            <a:r>
+              <a:rPr kumimoji="1" lang="en-US" altLang="ko-Kore-KR" sz="1200" dirty="0">
+                <a:solidFill>
+                  <a:schemeClr val="tx1"/>
+                </a:solidFill>
+                <a:latin typeface="DM Mono" panose="020B0509040201040103" pitchFamily="49" charset="0"/>
+              </a:rPr>
+              <a:t>42</a:t>
+            </a:r>
+            <a:endParaRPr kumimoji="1" lang="ko-Kore-KR" altLang="en-US" sz="1200" dirty="0">
+              <a:solidFill>
+                <a:schemeClr val="tx1"/>
+              </a:solidFill>
+              <a:latin typeface="DM Mono" panose="020B0509040201040103" pitchFamily="49" charset="0"/>
+            </a:endParaRPr>
+          </a:p>
+        </p:txBody>
+      </p:sp>
+      <p:sp>
+        <p:nvSpPr>
+          <p:cNvPr id="11" name="TextBox 10">
+            <a:extLst>
+              <a:ext uri="{FF2B5EF4-FFF2-40B4-BE49-F238E27FC236}">
+                <a16:creationId xmlns:a16="http://schemas.microsoft.com/office/drawing/2014/main" id="{CD781AC7-D447-DC8B-4CC7-5C8FA9DEF990}"/>
+              </a:ext>
+            </a:extLst>
+          </p:cNvPr>
+          <p:cNvSpPr txBox="1"/>
+          <p:nvPr/>
+        </p:nvSpPr>
+        <p:spPr>
+          <a:xfrm>
+            <a:off x="4961744" y="4261312"/>
+            <a:ext cx="585868" cy="261610"/>
+          </a:xfrm>
+          <a:prstGeom prst="rect">
+            <a:avLst/>
+          </a:prstGeom>
+          <a:noFill/>
+        </p:spPr>
+        <p:txBody>
+          <a:bodyPr wrap="square">
+            <a:spAutoFit/>
+          </a:bodyPr>
+          <a:lstStyle/>
+          <a:p>
+            <a:pPr algn="r"/>
+            <a:r>
+              <a:rPr kumimoji="1" lang="en-US" altLang="ko-Kore-KR" sz="1100" dirty="0">
+                <a:solidFill>
+                  <a:schemeClr val="tx1"/>
+                </a:solidFill>
+                <a:latin typeface="DM Mono" panose="020B0509040201040103" pitchFamily="49" charset="0"/>
+              </a:rPr>
+              <a:t>age</a:t>
+            </a:r>
+            <a:endParaRPr kumimoji="1" lang="ko-Kore-KR" altLang="en-US" sz="1100" dirty="0">
+              <a:solidFill>
+                <a:schemeClr val="tx1"/>
+              </a:solidFill>
+              <a:latin typeface="DM Mono" panose="020B0509040201040103" pitchFamily="49" charset="0"/>
+            </a:endParaRPr>
+          </a:p>
+        </p:txBody>
+      </p:sp>
+      <p:sp>
+        <p:nvSpPr>
+          <p:cNvPr id="12" name="TextBox 11">
+            <a:extLst>
+              <a:ext uri="{FF2B5EF4-FFF2-40B4-BE49-F238E27FC236}">
+                <a16:creationId xmlns:a16="http://schemas.microsoft.com/office/drawing/2014/main" id="{32C7DE22-336B-08D6-92F4-AEB004179CFE}"/>
+              </a:ext>
+            </a:extLst>
+          </p:cNvPr>
+          <p:cNvSpPr txBox="1"/>
+          <p:nvPr/>
+        </p:nvSpPr>
+        <p:spPr>
+          <a:xfrm>
+            <a:off x="5484839" y="3481001"/>
+            <a:ext cx="895039" cy="261610"/>
+          </a:xfrm>
+          <a:prstGeom prst="rect">
+            <a:avLst/>
+          </a:prstGeom>
+          <a:noFill/>
+        </p:spPr>
+        <p:txBody>
+          <a:bodyPr wrap="square">
+            <a:spAutoFit/>
+          </a:bodyPr>
+          <a:lstStyle/>
+          <a:p>
+            <a:pPr algn="ctr"/>
+            <a:r>
+              <a:rPr kumimoji="1" lang="en-US" altLang="ko-Kore-KR" sz="1100" dirty="0">
+                <a:solidFill>
+                  <a:schemeClr val="tx1"/>
+                </a:solidFill>
+                <a:latin typeface="DM Mono" panose="020B0509040201040103" pitchFamily="49" charset="0"/>
+              </a:rPr>
+              <a:t>user</a:t>
+            </a:r>
+            <a:endParaRPr kumimoji="1" lang="ko-Kore-KR" altLang="en-US" sz="1100" dirty="0">
+              <a:solidFill>
+                <a:schemeClr val="tx1"/>
+              </a:solidFill>
+              <a:latin typeface="DM Mono" panose="020B0509040201040103" pitchFamily="49" charset="0"/>
+            </a:endParaRPr>
+          </a:p>
+        </p:txBody>
+      </p:sp>
+      <p:sp>
+        <p:nvSpPr>
+          <p:cNvPr id="14" name="직사각형 13">
+            <a:extLst>
+              <a:ext uri="{FF2B5EF4-FFF2-40B4-BE49-F238E27FC236}">
+                <a16:creationId xmlns:a16="http://schemas.microsoft.com/office/drawing/2014/main" id="{2282578C-D4EE-EBCA-7553-FA9931C6BB9F}"/>
+              </a:ext>
+            </a:extLst>
+          </p:cNvPr>
+          <p:cNvSpPr/>
+          <p:nvPr/>
+        </p:nvSpPr>
+        <p:spPr>
+          <a:xfrm>
+            <a:off x="9302649" y="2745870"/>
+            <a:ext cx="1110519" cy="342275"/>
+          </a:xfrm>
+          <a:prstGeom prst="rect">
+            <a:avLst/>
+          </a:prstGeom>
+          <a:solidFill>
+            <a:schemeClr val="accent4">
+              <a:lumMod val="60000"/>
+              <a:lumOff val="40000"/>
+            </a:schemeClr>
+          </a:solidFill>
+        </p:spPr>
+        <p:style>
+          <a:lnRef idx="2">
+            <a:schemeClr val="accent4">
+              <a:shade val="15000"/>
+            </a:schemeClr>
+          </a:lnRef>
+          <a:fillRef idx="1">
+            <a:schemeClr val="accent4"/>
+          </a:fillRef>
+          <a:effectRef idx="0">
+            <a:schemeClr val="accent4"/>
+          </a:effectRef>
+          <a:fontRef idx="minor">
+            <a:schemeClr val="lt1"/>
+          </a:fontRef>
+        </p:style>
+        <p:txBody>
+          <a:bodyPr rtlCol="0" anchor="ctr"/>
+          <a:lstStyle/>
+          <a:p>
+            <a:pPr algn="ctr"/>
+            <a:r>
+              <a:rPr kumimoji="1" lang="en-US" altLang="ko-Kore-KR" sz="1200" dirty="0">
+                <a:solidFill>
+                  <a:schemeClr val="tx1"/>
+                </a:solidFill>
+                <a:latin typeface="DM Mono" panose="020B0509040201040103" pitchFamily="49" charset="0"/>
+              </a:rPr>
+              <a:t>“Tom”</a:t>
+            </a:r>
+            <a:endParaRPr kumimoji="1" lang="ko-Kore-KR" altLang="en-US" sz="1200" dirty="0">
+              <a:solidFill>
+                <a:schemeClr val="tx1"/>
+              </a:solidFill>
+              <a:latin typeface="DM Mono" panose="020B0509040201040103" pitchFamily="49" charset="0"/>
+            </a:endParaRPr>
+          </a:p>
+        </p:txBody>
+      </p:sp>
+      <p:cxnSp>
+        <p:nvCxnSpPr>
+          <p:cNvPr id="16" name="구부러진 연결선[U] 15">
+            <a:extLst>
+              <a:ext uri="{FF2B5EF4-FFF2-40B4-BE49-F238E27FC236}">
+                <a16:creationId xmlns:a16="http://schemas.microsoft.com/office/drawing/2014/main" id="{2E0DF4BE-0E64-C1DE-6326-7CBB8CACCB63}"/>
+              </a:ext>
+            </a:extLst>
+          </p:cNvPr>
+          <p:cNvCxnSpPr>
+            <a:stCxn id="7" idx="3"/>
+            <a:endCxn id="14" idx="1"/>
+          </p:cNvCxnSpPr>
+          <p:nvPr/>
+        </p:nvCxnSpPr>
+        <p:spPr>
+          <a:xfrm flipV="1">
+            <a:off x="6317107" y="2917008"/>
+            <a:ext cx="2985542" cy="1055385"/>
+          </a:xfrm>
+          <a:prstGeom prst="curvedConnector3">
+            <a:avLst/>
+          </a:prstGeom>
+          <a:ln>
+            <a:tailEnd type="triangle"/>
+          </a:ln>
+        </p:spPr>
+        <p:style>
+          <a:lnRef idx="1">
+            <a:schemeClr val="dk1"/>
+          </a:lnRef>
+          <a:fillRef idx="0">
+            <a:schemeClr val="dk1"/>
+          </a:fillRef>
+          <a:effectRef idx="0">
+            <a:schemeClr val="dk1"/>
+          </a:effectRef>
+          <a:fontRef idx="minor">
+            <a:schemeClr val="tx1"/>
+          </a:fontRef>
+        </p:style>
+      </p:cxnSp>
+      <p:sp>
+        <p:nvSpPr>
+          <p:cNvPr id="19" name="TextBox 18">
+            <a:extLst>
+              <a:ext uri="{FF2B5EF4-FFF2-40B4-BE49-F238E27FC236}">
+                <a16:creationId xmlns:a16="http://schemas.microsoft.com/office/drawing/2014/main" id="{5C1515B9-160E-0A92-F019-639A67B6991B}"/>
+              </a:ext>
+            </a:extLst>
+          </p:cNvPr>
+          <p:cNvSpPr txBox="1"/>
+          <p:nvPr/>
+        </p:nvSpPr>
+        <p:spPr>
+          <a:xfrm>
+            <a:off x="8839200" y="2484260"/>
+            <a:ext cx="704538" cy="261610"/>
+          </a:xfrm>
+          <a:prstGeom prst="rect">
+            <a:avLst/>
+          </a:prstGeom>
+          <a:noFill/>
+        </p:spPr>
+        <p:txBody>
+          <a:bodyPr wrap="square">
+            <a:spAutoFit/>
+          </a:bodyPr>
+          <a:lstStyle/>
+          <a:p>
+            <a:r>
+              <a:rPr kumimoji="1" lang="en-US" altLang="ko-Kore-KR" sz="1050" dirty="0">
+                <a:solidFill>
+                  <a:schemeClr val="tx1"/>
+                </a:solidFill>
+                <a:latin typeface="DM Mono" panose="020B0509040201040103" pitchFamily="49" charset="0"/>
+              </a:rPr>
+              <a:t>0x1000</a:t>
+            </a:r>
+            <a:endParaRPr lang="ko-Kore-KR" altLang="en-US" sz="1050" dirty="0"/>
+          </a:p>
+        </p:txBody>
+      </p:sp>
+      <p:sp>
+        <p:nvSpPr>
+          <p:cNvPr id="2" name="직사각형 1">
+            <a:extLst>
+              <a:ext uri="{FF2B5EF4-FFF2-40B4-BE49-F238E27FC236}">
+                <a16:creationId xmlns:a16="http://schemas.microsoft.com/office/drawing/2014/main" id="{A112C58A-F464-EAAF-C2ED-15607605E00F}"/>
+              </a:ext>
+            </a:extLst>
+          </p:cNvPr>
+          <p:cNvSpPr/>
+          <p:nvPr/>
+        </p:nvSpPr>
+        <p:spPr>
+          <a:xfrm>
+            <a:off x="5547612" y="1552732"/>
+            <a:ext cx="769495" cy="419724"/>
+          </a:xfrm>
+          <a:prstGeom prst="rect">
+            <a:avLst/>
+          </a:prstGeom>
+          <a:solidFill>
+            <a:schemeClr val="accent4">
+              <a:lumMod val="60000"/>
+              <a:lumOff val="40000"/>
+            </a:schemeClr>
+          </a:solidFill>
+        </p:spPr>
+        <p:style>
+          <a:lnRef idx="2">
+            <a:schemeClr val="accent4">
+              <a:shade val="15000"/>
+            </a:schemeClr>
+          </a:lnRef>
+          <a:fillRef idx="1">
+            <a:schemeClr val="accent4"/>
+          </a:fillRef>
+          <a:effectRef idx="0">
+            <a:schemeClr val="accent4"/>
+          </a:effectRef>
+          <a:fontRef idx="minor">
+            <a:schemeClr val="lt1"/>
+          </a:fontRef>
+        </p:style>
+        <p:txBody>
+          <a:bodyPr rtlCol="0" anchor="ctr"/>
+          <a:lstStyle/>
+          <a:p>
+            <a:pPr algn="ctr"/>
+            <a:r>
+              <a:rPr kumimoji="1" lang="en-US" altLang="ko-Kore-KR" sz="1200" dirty="0">
+                <a:solidFill>
+                  <a:schemeClr val="tx1"/>
+                </a:solidFill>
+                <a:latin typeface="DM Mono" panose="020B0509040201040103" pitchFamily="49" charset="0"/>
+              </a:rPr>
+              <a:t>0x2000</a:t>
+            </a:r>
+            <a:endParaRPr kumimoji="1" lang="ko-Kore-KR" altLang="en-US" sz="1200" dirty="0">
+              <a:solidFill>
+                <a:schemeClr val="tx1"/>
+              </a:solidFill>
+              <a:latin typeface="DM Mono" panose="020B0509040201040103" pitchFamily="49" charset="0"/>
+            </a:endParaRPr>
+          </a:p>
+        </p:txBody>
+      </p:sp>
+      <p:sp>
+        <p:nvSpPr>
+          <p:cNvPr id="3" name="TextBox 2">
+            <a:extLst>
+              <a:ext uri="{FF2B5EF4-FFF2-40B4-BE49-F238E27FC236}">
+                <a16:creationId xmlns:a16="http://schemas.microsoft.com/office/drawing/2014/main" id="{79BA96CA-2A92-ECA9-4BE3-7FEF7B9D6418}"/>
+              </a:ext>
+            </a:extLst>
+          </p:cNvPr>
+          <p:cNvSpPr txBox="1"/>
+          <p:nvPr/>
+        </p:nvSpPr>
+        <p:spPr>
+          <a:xfrm>
+            <a:off x="4861810" y="1631789"/>
+            <a:ext cx="685802" cy="261610"/>
+          </a:xfrm>
+          <a:prstGeom prst="rect">
+            <a:avLst/>
+          </a:prstGeom>
+          <a:noFill/>
+        </p:spPr>
+        <p:txBody>
+          <a:bodyPr wrap="square">
+            <a:spAutoFit/>
+          </a:bodyPr>
+          <a:lstStyle/>
+          <a:p>
+            <a:pPr algn="r"/>
+            <a:r>
+              <a:rPr kumimoji="1" lang="en-US" altLang="ko-Kore-KR" sz="1100" dirty="0">
+                <a:latin typeface="DM Mono" panose="020B0509040201040103" pitchFamily="49" charset="0"/>
+              </a:rPr>
+              <a:t>name</a:t>
+            </a:r>
+            <a:endParaRPr kumimoji="1" lang="ko-Kore-KR" altLang="en-US" sz="1100" dirty="0">
+              <a:solidFill>
+                <a:schemeClr val="tx1"/>
+              </a:solidFill>
+              <a:latin typeface="DM Mono" panose="020B0509040201040103" pitchFamily="49" charset="0"/>
+            </a:endParaRPr>
+          </a:p>
+        </p:txBody>
+      </p:sp>
+      <p:sp>
+        <p:nvSpPr>
+          <p:cNvPr id="4" name="직사각형 3">
+            <a:extLst>
+              <a:ext uri="{FF2B5EF4-FFF2-40B4-BE49-F238E27FC236}">
+                <a16:creationId xmlns:a16="http://schemas.microsoft.com/office/drawing/2014/main" id="{6CBFDF7F-BB13-D315-9277-488B5E13875C}"/>
+              </a:ext>
+            </a:extLst>
+          </p:cNvPr>
+          <p:cNvSpPr/>
+          <p:nvPr/>
+        </p:nvSpPr>
+        <p:spPr>
+          <a:xfrm>
+            <a:off x="5547612" y="1972456"/>
+            <a:ext cx="769495" cy="419724"/>
+          </a:xfrm>
+          <a:prstGeom prst="rect">
+            <a:avLst/>
+          </a:prstGeom>
+          <a:solidFill>
+            <a:schemeClr val="accent4">
+              <a:lumMod val="60000"/>
+              <a:lumOff val="40000"/>
+            </a:schemeClr>
+          </a:solidFill>
+        </p:spPr>
+        <p:style>
+          <a:lnRef idx="2">
+            <a:schemeClr val="accent4">
+              <a:shade val="15000"/>
+            </a:schemeClr>
+          </a:lnRef>
+          <a:fillRef idx="1">
+            <a:schemeClr val="accent4"/>
+          </a:fillRef>
+          <a:effectRef idx="0">
+            <a:schemeClr val="accent4"/>
+          </a:effectRef>
+          <a:fontRef idx="minor">
+            <a:schemeClr val="lt1"/>
+          </a:fontRef>
+        </p:style>
+        <p:txBody>
+          <a:bodyPr rtlCol="0" anchor="ctr"/>
+          <a:lstStyle/>
+          <a:p>
+            <a:pPr algn="ctr"/>
+            <a:r>
+              <a:rPr kumimoji="1" lang="en-US" altLang="ko-Kore-KR" sz="1200" dirty="0">
+                <a:solidFill>
+                  <a:schemeClr val="tx1"/>
+                </a:solidFill>
+                <a:latin typeface="DM Mono" panose="020B0509040201040103" pitchFamily="49" charset="0"/>
+              </a:rPr>
+              <a:t>42</a:t>
+            </a:r>
+            <a:endParaRPr kumimoji="1" lang="ko-Kore-KR" altLang="en-US" sz="1200" dirty="0">
+              <a:solidFill>
+                <a:schemeClr val="tx1"/>
+              </a:solidFill>
+              <a:latin typeface="DM Mono" panose="020B0509040201040103" pitchFamily="49" charset="0"/>
+            </a:endParaRPr>
+          </a:p>
+        </p:txBody>
+      </p:sp>
+      <p:sp>
+        <p:nvSpPr>
+          <p:cNvPr id="6" name="TextBox 5">
+            <a:extLst>
+              <a:ext uri="{FF2B5EF4-FFF2-40B4-BE49-F238E27FC236}">
+                <a16:creationId xmlns:a16="http://schemas.microsoft.com/office/drawing/2014/main" id="{59FCC151-9AE8-10C7-6F76-52671D75EB53}"/>
+              </a:ext>
+            </a:extLst>
+          </p:cNvPr>
+          <p:cNvSpPr txBox="1"/>
+          <p:nvPr/>
+        </p:nvSpPr>
+        <p:spPr>
+          <a:xfrm>
+            <a:off x="4961744" y="2051513"/>
+            <a:ext cx="585868" cy="261610"/>
+          </a:xfrm>
+          <a:prstGeom prst="rect">
+            <a:avLst/>
+          </a:prstGeom>
+          <a:noFill/>
+        </p:spPr>
+        <p:txBody>
+          <a:bodyPr wrap="square">
+            <a:spAutoFit/>
+          </a:bodyPr>
+          <a:lstStyle/>
+          <a:p>
+            <a:pPr algn="r"/>
+            <a:r>
+              <a:rPr kumimoji="1" lang="en-US" altLang="ko-Kore-KR" sz="1100" dirty="0">
+                <a:solidFill>
+                  <a:schemeClr val="tx1"/>
+                </a:solidFill>
+                <a:latin typeface="DM Mono" panose="020B0509040201040103" pitchFamily="49" charset="0"/>
+              </a:rPr>
+              <a:t>age</a:t>
+            </a:r>
+            <a:endParaRPr kumimoji="1" lang="ko-Kore-KR" altLang="en-US" sz="1100" dirty="0">
+              <a:solidFill>
+                <a:schemeClr val="tx1"/>
+              </a:solidFill>
+              <a:latin typeface="DM Mono" panose="020B0509040201040103" pitchFamily="49" charset="0"/>
+            </a:endParaRPr>
+          </a:p>
+        </p:txBody>
+      </p:sp>
+      <p:sp>
+        <p:nvSpPr>
+          <p:cNvPr id="9" name="TextBox 8">
+            <a:extLst>
+              <a:ext uri="{FF2B5EF4-FFF2-40B4-BE49-F238E27FC236}">
+                <a16:creationId xmlns:a16="http://schemas.microsoft.com/office/drawing/2014/main" id="{8FA6E17F-A2FF-5E3E-5139-4897077EA64E}"/>
+              </a:ext>
+            </a:extLst>
+          </p:cNvPr>
+          <p:cNvSpPr txBox="1"/>
+          <p:nvPr/>
+        </p:nvSpPr>
+        <p:spPr>
+          <a:xfrm>
+            <a:off x="5484839" y="1271202"/>
+            <a:ext cx="895039" cy="261610"/>
+          </a:xfrm>
+          <a:prstGeom prst="rect">
+            <a:avLst/>
+          </a:prstGeom>
+          <a:noFill/>
+        </p:spPr>
+        <p:txBody>
+          <a:bodyPr wrap="square">
+            <a:spAutoFit/>
+          </a:bodyPr>
+          <a:lstStyle/>
+          <a:p>
+            <a:pPr algn="ctr"/>
+            <a:r>
+              <a:rPr kumimoji="1" lang="en-US" altLang="ko-Kore-KR" sz="1100" dirty="0">
+                <a:latin typeface="DM Mono" panose="020B0509040201040103" pitchFamily="49" charset="0"/>
+              </a:rPr>
+              <a:t>other</a:t>
+            </a:r>
+            <a:endParaRPr kumimoji="1" lang="ko-Kore-KR" altLang="en-US" sz="1100" dirty="0">
+              <a:solidFill>
+                <a:schemeClr val="tx1"/>
+              </a:solidFill>
+              <a:latin typeface="DM Mono" panose="020B0509040201040103" pitchFamily="49" charset="0"/>
+            </a:endParaRPr>
+          </a:p>
+        </p:txBody>
+      </p:sp>
+      <p:sp>
+        <p:nvSpPr>
+          <p:cNvPr id="13" name="직사각형 12">
+            <a:extLst>
+              <a:ext uri="{FF2B5EF4-FFF2-40B4-BE49-F238E27FC236}">
+                <a16:creationId xmlns:a16="http://schemas.microsoft.com/office/drawing/2014/main" id="{29FF4ACB-FC42-7B5E-E94B-CF6C1A5B4FB0}"/>
+              </a:ext>
+            </a:extLst>
+          </p:cNvPr>
+          <p:cNvSpPr/>
+          <p:nvPr/>
+        </p:nvSpPr>
+        <p:spPr>
+          <a:xfrm>
+            <a:off x="9152747" y="1880375"/>
+            <a:ext cx="1110519" cy="342275"/>
+          </a:xfrm>
+          <a:prstGeom prst="rect">
+            <a:avLst/>
+          </a:prstGeom>
+          <a:solidFill>
+            <a:schemeClr val="accent4">
+              <a:lumMod val="60000"/>
+              <a:lumOff val="40000"/>
+            </a:schemeClr>
+          </a:solidFill>
+        </p:spPr>
+        <p:style>
+          <a:lnRef idx="2">
+            <a:schemeClr val="accent4">
+              <a:shade val="15000"/>
+            </a:schemeClr>
+          </a:lnRef>
+          <a:fillRef idx="1">
+            <a:schemeClr val="accent4"/>
+          </a:fillRef>
+          <a:effectRef idx="0">
+            <a:schemeClr val="accent4"/>
+          </a:effectRef>
+          <a:fontRef idx="minor">
+            <a:schemeClr val="lt1"/>
+          </a:fontRef>
+        </p:style>
+        <p:txBody>
+          <a:bodyPr rtlCol="0" anchor="ctr"/>
+          <a:lstStyle/>
+          <a:p>
+            <a:pPr algn="ctr"/>
+            <a:r>
+              <a:rPr kumimoji="1" lang="en-US" altLang="ko-Kore-KR" sz="1200" dirty="0">
+                <a:solidFill>
+                  <a:schemeClr val="tx1"/>
+                </a:solidFill>
+                <a:latin typeface="DM Mono" panose="020B0509040201040103" pitchFamily="49" charset="0"/>
+              </a:rPr>
+              <a:t>“Tom”</a:t>
+            </a:r>
+            <a:endParaRPr kumimoji="1" lang="ko-Kore-KR" altLang="en-US" sz="1200" dirty="0">
+              <a:solidFill>
+                <a:schemeClr val="tx1"/>
+              </a:solidFill>
+              <a:latin typeface="DM Mono" panose="020B0509040201040103" pitchFamily="49" charset="0"/>
+            </a:endParaRPr>
+          </a:p>
+        </p:txBody>
+      </p:sp>
+      <p:sp>
+        <p:nvSpPr>
+          <p:cNvPr id="15" name="TextBox 14">
+            <a:extLst>
+              <a:ext uri="{FF2B5EF4-FFF2-40B4-BE49-F238E27FC236}">
+                <a16:creationId xmlns:a16="http://schemas.microsoft.com/office/drawing/2014/main" id="{47516D76-8B93-DCA8-35F3-2E427DE1F42C}"/>
+              </a:ext>
+            </a:extLst>
+          </p:cNvPr>
+          <p:cNvSpPr txBox="1"/>
+          <p:nvPr/>
+        </p:nvSpPr>
+        <p:spPr>
+          <a:xfrm>
+            <a:off x="8689298" y="1618765"/>
+            <a:ext cx="704538" cy="261610"/>
+          </a:xfrm>
+          <a:prstGeom prst="rect">
+            <a:avLst/>
+          </a:prstGeom>
+          <a:noFill/>
+        </p:spPr>
+        <p:txBody>
+          <a:bodyPr wrap="square">
+            <a:spAutoFit/>
+          </a:bodyPr>
+          <a:lstStyle/>
+          <a:p>
+            <a:r>
+              <a:rPr kumimoji="1" lang="en-US" altLang="ko-Kore-KR" sz="1050" dirty="0">
+                <a:solidFill>
+                  <a:schemeClr val="tx1"/>
+                </a:solidFill>
+                <a:latin typeface="DM Mono" panose="020B0509040201040103" pitchFamily="49" charset="0"/>
+              </a:rPr>
+              <a:t>0x2000</a:t>
+            </a:r>
+            <a:endParaRPr lang="ko-Kore-KR" altLang="en-US" sz="1050" dirty="0"/>
+          </a:p>
+        </p:txBody>
+      </p:sp>
+      <p:cxnSp>
+        <p:nvCxnSpPr>
+          <p:cNvPr id="17" name="구부러진 연결선[U] 16">
+            <a:extLst>
+              <a:ext uri="{FF2B5EF4-FFF2-40B4-BE49-F238E27FC236}">
+                <a16:creationId xmlns:a16="http://schemas.microsoft.com/office/drawing/2014/main" id="{2349038C-5C03-7A19-5351-785D3CEFEF20}"/>
+              </a:ext>
+            </a:extLst>
+          </p:cNvPr>
+          <p:cNvCxnSpPr>
+            <a:cxnSpLocks/>
+            <a:stCxn id="2" idx="3"/>
+            <a:endCxn id="13" idx="1"/>
+          </p:cNvCxnSpPr>
+          <p:nvPr/>
+        </p:nvCxnSpPr>
+        <p:spPr>
+          <a:xfrm>
+            <a:off x="6317107" y="1762594"/>
+            <a:ext cx="2835640" cy="288919"/>
+          </a:xfrm>
+          <a:prstGeom prst="curvedConnector3">
+            <a:avLst/>
+          </a:prstGeom>
+          <a:ln>
+            <a:tailEnd type="triangle"/>
+          </a:ln>
+        </p:spPr>
+        <p:style>
+          <a:lnRef idx="1">
+            <a:schemeClr val="dk1"/>
+          </a:lnRef>
+          <a:fillRef idx="0">
+            <a:schemeClr val="dk1"/>
+          </a:fillRef>
+          <a:effectRef idx="0">
+            <a:schemeClr val="dk1"/>
+          </a:effectRef>
+          <a:fontRef idx="minor">
+            <a:schemeClr val="tx1"/>
+          </a:fontRef>
+        </p:style>
+      </p:cxnSp>
+    </p:spTree>
+    <p:extLst>
+      <p:ext uri="{BB962C8B-B14F-4D97-AF65-F5344CB8AC3E}">
+        <p14:creationId xmlns:p14="http://schemas.microsoft.com/office/powerpoint/2010/main" val="2676105606"/>
       </p:ext>
     </p:extLst>
   </p:cSld>

--- a/230612.pptx
+++ b/230612.pptx
@@ -11374,7 +11374,7 @@
             <a:r>
               <a:rPr kumimoji="1" lang="en-US" altLang="ko-Kore-KR" sz="1200" dirty="0">
                 <a:solidFill>
-                  <a:schemeClr val="tx1"/>
+                  <a:srgbClr val="FF0000"/>
                 </a:solidFill>
                 <a:latin typeface="DM Mono" panose="020B0509040201040103" pitchFamily="49" charset="0"/>
               </a:rPr>
@@ -11382,7 +11382,7 @@
             </a:r>
             <a:endParaRPr kumimoji="1" lang="ko-Kore-KR" altLang="en-US" sz="1200" dirty="0">
               <a:solidFill>
-                <a:schemeClr val="tx1"/>
+                <a:srgbClr val="FF0000"/>
               </a:solidFill>
               <a:latin typeface="DM Mono" panose="020B0509040201040103" pitchFamily="49" charset="0"/>
             </a:endParaRPr>
@@ -11473,6 +11473,95 @@
           </a:fontRef>
         </p:style>
       </p:cxnSp>
+      <p:sp>
+        <p:nvSpPr>
+          <p:cNvPr id="25" name="TextBox 24">
+            <a:extLst>
+              <a:ext uri="{FF2B5EF4-FFF2-40B4-BE49-F238E27FC236}">
+                <a16:creationId xmlns:a16="http://schemas.microsoft.com/office/drawing/2014/main" id="{0C0778E3-9C30-CBC4-5844-4EE30A297EAE}"/>
+              </a:ext>
+            </a:extLst>
+          </p:cNvPr>
+          <p:cNvSpPr txBox="1"/>
+          <p:nvPr/>
+        </p:nvSpPr>
+        <p:spPr>
+          <a:xfrm>
+            <a:off x="370381" y="331061"/>
+            <a:ext cx="6096000" cy="1200329"/>
+          </a:xfrm>
+          <a:prstGeom prst="rect">
+            <a:avLst/>
+          </a:prstGeom>
+          <a:noFill/>
+        </p:spPr>
+        <p:txBody>
+          <a:bodyPr wrap="square">
+            <a:spAutoFit/>
+          </a:bodyPr>
+          <a:lstStyle/>
+          <a:p>
+            <a:r>
+              <a:rPr lang="ko-Kore-KR" altLang="en-US" sz="1200" dirty="0">
+                <a:latin typeface="DM Mono" panose="020B0509040201040103" pitchFamily="49" charset="0"/>
+              </a:rPr>
+              <a:t> </a:t>
+            </a:r>
+            <a:r>
+              <a:rPr lang="en-US" altLang="ko-Kore-KR" sz="1200" dirty="0">
+                <a:latin typeface="DM Mono" panose="020B0509040201040103" pitchFamily="49" charset="0"/>
+              </a:rPr>
+              <a:t>   </a:t>
+            </a:r>
+            <a:r>
+              <a:rPr lang="ko-Kore-KR" altLang="en-US" sz="1200" dirty="0">
+                <a:latin typeface="DM Mono" panose="020B0509040201040103" pitchFamily="49" charset="0"/>
+              </a:rPr>
+              <a:t>User(const User&amp; rhs)</a:t>
+            </a:r>
+          </a:p>
+          <a:p>
+            <a:r>
+              <a:rPr lang="ko-Kore-KR" altLang="en-US" sz="1200" dirty="0">
+                <a:latin typeface="DM Mono" panose="020B0509040201040103" pitchFamily="49" charset="0"/>
+              </a:rPr>
+              <a:t>        : age(rhs.age)</a:t>
+            </a:r>
+          </a:p>
+          <a:p>
+            <a:r>
+              <a:rPr lang="ko-Kore-KR" altLang="en-US" sz="1200" dirty="0">
+                <a:latin typeface="DM Mono" panose="020B0509040201040103" pitchFamily="49" charset="0"/>
+              </a:rPr>
+              <a:t>    {</a:t>
+            </a:r>
+          </a:p>
+          <a:p>
+            <a:r>
+              <a:rPr lang="ko-Kore-KR" altLang="en-US" sz="1200" dirty="0">
+                <a:latin typeface="DM Mono" panose="020B0509040201040103" pitchFamily="49" charset="0"/>
+              </a:rPr>
+              <a:t>        name = new char[strlen(rhs.name) + 1];</a:t>
+            </a:r>
+          </a:p>
+          <a:p>
+            <a:r>
+              <a:rPr lang="ko-Kore-KR" altLang="en-US" sz="1200" dirty="0">
+                <a:latin typeface="DM Mono" panose="020B0509040201040103" pitchFamily="49" charset="0"/>
+              </a:rPr>
+              <a:t>        strcpy(name, rhs.name);</a:t>
+            </a:r>
+          </a:p>
+          <a:p>
+            <a:r>
+              <a:rPr lang="ko-Kore-KR" altLang="en-US" sz="1200" dirty="0">
+                <a:latin typeface="DM Mono" panose="020B0509040201040103" pitchFamily="49" charset="0"/>
+              </a:rPr>
+              <a:t>    }</a:t>
+            </a:r>
+          </a:p>
+        </p:txBody>
+      </p:sp>
     </p:spTree>
     <p:extLst>
       <p:ext uri="{BB962C8B-B14F-4D97-AF65-F5344CB8AC3E}">

--- a/230612.pptx
+++ b/230612.pptx
@@ -23,6 +23,12 @@
     <p:sldId id="271" r:id="rId17"/>
     <p:sldId id="272" r:id="rId18"/>
     <p:sldId id="273" r:id="rId19"/>
+    <p:sldId id="274" r:id="rId20"/>
+    <p:sldId id="275" r:id="rId21"/>
+    <p:sldId id="276" r:id="rId22"/>
+    <p:sldId id="277" r:id="rId23"/>
+    <p:sldId id="278" r:id="rId24"/>
+    <p:sldId id="279" r:id="rId25"/>
   </p:sldIdLst>
   <p:sldSz cx="12192000" cy="6858000"/>
   <p:notesSz cx="6858000" cy="9144000"/>
@@ -11337,7 +11343,7 @@
         </p:nvSpPr>
         <p:spPr>
           <a:xfrm>
-            <a:off x="9152747" y="1880375"/>
+            <a:off x="8877927" y="961765"/>
             <a:ext cx="1110519" cy="342275"/>
           </a:xfrm>
           <a:prstGeom prst="rect">
@@ -11403,7 +11409,7 @@
         </p:nvSpPr>
         <p:spPr>
           <a:xfrm>
-            <a:off x="8689298" y="1618765"/>
+            <a:off x="8414478" y="700155"/>
             <a:ext cx="704538" cy="261610"/>
           </a:xfrm>
           <a:prstGeom prst="rect">
@@ -11447,9 +11453,9 @@
           <p:nvPr/>
         </p:nvCxnSpPr>
         <p:spPr>
-          <a:xfrm>
-            <a:off x="6317107" y="1762594"/>
-            <a:ext cx="2835640" cy="288919"/>
+          <a:xfrm flipV="1">
+            <a:off x="6317107" y="1132903"/>
+            <a:ext cx="2560820" cy="629691"/>
           </a:xfrm>
           <a:prstGeom prst="curvedConnector3">
             <a:avLst/>
@@ -11566,6 +11572,770 @@
     <p:extLst>
       <p:ext uri="{BB962C8B-B14F-4D97-AF65-F5344CB8AC3E}">
         <p14:creationId xmlns:p14="http://schemas.microsoft.com/office/powerpoint/2010/main" val="2676105606"/>
+      </p:ext>
+    </p:extLst>
+  </p:cSld>
+  <p:clrMapOvr>
+    <a:masterClrMapping/>
+  </p:clrMapOvr>
+</p:sld>
+</file>
+
+<file path=ppt/slides/slide19.xml><?xml version="1.0" encoding="utf-8"?>
+<p:sld xmlns:a="http://schemas.openxmlformats.org/drawingml/2006/main" xmlns:r="http://schemas.openxmlformats.org/officeDocument/2006/relationships" xmlns:p="http://schemas.openxmlformats.org/presentationml/2006/main">
+  <p:cSld>
+    <p:spTree>
+      <p:nvGrpSpPr>
+        <p:cNvPr id="1" name=""/>
+        <p:cNvGrpSpPr/>
+        <p:nvPr/>
+      </p:nvGrpSpPr>
+      <p:grpSpPr>
+        <a:xfrm>
+          <a:off x="0" y="0"/>
+          <a:ext cx="0" cy="0"/>
+          <a:chOff x="0" y="0"/>
+          <a:chExt cx="0" cy="0"/>
+        </a:xfrm>
+      </p:grpSpPr>
+      <p:sp>
+        <p:nvSpPr>
+          <p:cNvPr id="7" name="직사각형 6">
+            <a:extLst>
+              <a:ext uri="{FF2B5EF4-FFF2-40B4-BE49-F238E27FC236}">
+                <a16:creationId xmlns:a16="http://schemas.microsoft.com/office/drawing/2014/main" id="{31CCB710-0121-1DC8-86D7-67AEA020399A}"/>
+              </a:ext>
+            </a:extLst>
+          </p:cNvPr>
+          <p:cNvSpPr/>
+          <p:nvPr/>
+        </p:nvSpPr>
+        <p:spPr>
+          <a:xfrm>
+            <a:off x="7261487" y="4497051"/>
+            <a:ext cx="769495" cy="419724"/>
+          </a:xfrm>
+          <a:prstGeom prst="rect">
+            <a:avLst/>
+          </a:prstGeom>
+          <a:solidFill>
+            <a:schemeClr val="accent4">
+              <a:lumMod val="60000"/>
+              <a:lumOff val="40000"/>
+            </a:schemeClr>
+          </a:solidFill>
+        </p:spPr>
+        <p:style>
+          <a:lnRef idx="2">
+            <a:schemeClr val="accent4">
+              <a:shade val="15000"/>
+            </a:schemeClr>
+          </a:lnRef>
+          <a:fillRef idx="1">
+            <a:schemeClr val="accent4"/>
+          </a:fillRef>
+          <a:effectRef idx="0">
+            <a:schemeClr val="accent4"/>
+          </a:effectRef>
+          <a:fontRef idx="minor">
+            <a:schemeClr val="lt1"/>
+          </a:fontRef>
+        </p:style>
+        <p:txBody>
+          <a:bodyPr rtlCol="0" anchor="ctr"/>
+          <a:lstStyle/>
+          <a:p>
+            <a:pPr algn="ctr"/>
+            <a:r>
+              <a:rPr kumimoji="1" lang="en-US" altLang="ko-Kore-KR" sz="1200" dirty="0">
+                <a:solidFill>
+                  <a:schemeClr val="tx1"/>
+                </a:solidFill>
+                <a:latin typeface="DM Mono" panose="020B0509040201040103" pitchFamily="49" charset="0"/>
+              </a:rPr>
+              <a:t>0x1000</a:t>
+            </a:r>
+            <a:endParaRPr kumimoji="1" lang="ko-Kore-KR" altLang="en-US" sz="1200" dirty="0">
+              <a:solidFill>
+                <a:schemeClr val="tx1"/>
+              </a:solidFill>
+              <a:latin typeface="DM Mono" panose="020B0509040201040103" pitchFamily="49" charset="0"/>
+            </a:endParaRPr>
+          </a:p>
+        </p:txBody>
+      </p:sp>
+      <p:sp>
+        <p:nvSpPr>
+          <p:cNvPr id="8" name="TextBox 7">
+            <a:extLst>
+              <a:ext uri="{FF2B5EF4-FFF2-40B4-BE49-F238E27FC236}">
+                <a16:creationId xmlns:a16="http://schemas.microsoft.com/office/drawing/2014/main" id="{0E51DEEF-5480-C48B-053D-43D22F6A7663}"/>
+              </a:ext>
+            </a:extLst>
+          </p:cNvPr>
+          <p:cNvSpPr txBox="1"/>
+          <p:nvPr/>
+        </p:nvSpPr>
+        <p:spPr>
+          <a:xfrm>
+            <a:off x="6575685" y="4576108"/>
+            <a:ext cx="685802" cy="261610"/>
+          </a:xfrm>
+          <a:prstGeom prst="rect">
+            <a:avLst/>
+          </a:prstGeom>
+          <a:noFill/>
+        </p:spPr>
+        <p:txBody>
+          <a:bodyPr wrap="square">
+            <a:spAutoFit/>
+          </a:bodyPr>
+          <a:lstStyle/>
+          <a:p>
+            <a:pPr algn="r"/>
+            <a:r>
+              <a:rPr kumimoji="1" lang="en-US" altLang="ko-Kore-KR" sz="1100" dirty="0">
+                <a:latin typeface="DM Mono" panose="020B0509040201040103" pitchFamily="49" charset="0"/>
+              </a:rPr>
+              <a:t>name</a:t>
+            </a:r>
+            <a:endParaRPr kumimoji="1" lang="ko-Kore-KR" altLang="en-US" sz="1100" dirty="0">
+              <a:solidFill>
+                <a:schemeClr val="tx1"/>
+              </a:solidFill>
+              <a:latin typeface="DM Mono" panose="020B0509040201040103" pitchFamily="49" charset="0"/>
+            </a:endParaRPr>
+          </a:p>
+        </p:txBody>
+      </p:sp>
+      <p:sp>
+        <p:nvSpPr>
+          <p:cNvPr id="10" name="직사각형 9">
+            <a:extLst>
+              <a:ext uri="{FF2B5EF4-FFF2-40B4-BE49-F238E27FC236}">
+                <a16:creationId xmlns:a16="http://schemas.microsoft.com/office/drawing/2014/main" id="{FA835144-65A9-5595-9B94-37E2A8886E68}"/>
+              </a:ext>
+            </a:extLst>
+          </p:cNvPr>
+          <p:cNvSpPr/>
+          <p:nvPr/>
+        </p:nvSpPr>
+        <p:spPr>
+          <a:xfrm>
+            <a:off x="7261487" y="4916775"/>
+            <a:ext cx="769495" cy="419724"/>
+          </a:xfrm>
+          <a:prstGeom prst="rect">
+            <a:avLst/>
+          </a:prstGeom>
+          <a:solidFill>
+            <a:schemeClr val="accent4">
+              <a:lumMod val="60000"/>
+              <a:lumOff val="40000"/>
+            </a:schemeClr>
+          </a:solidFill>
+        </p:spPr>
+        <p:style>
+          <a:lnRef idx="2">
+            <a:schemeClr val="accent4">
+              <a:shade val="15000"/>
+            </a:schemeClr>
+          </a:lnRef>
+          <a:fillRef idx="1">
+            <a:schemeClr val="accent4"/>
+          </a:fillRef>
+          <a:effectRef idx="0">
+            <a:schemeClr val="accent4"/>
+          </a:effectRef>
+          <a:fontRef idx="minor">
+            <a:schemeClr val="lt1"/>
+          </a:fontRef>
+        </p:style>
+        <p:txBody>
+          <a:bodyPr rtlCol="0" anchor="ctr"/>
+          <a:lstStyle/>
+          <a:p>
+            <a:pPr algn="ctr"/>
+            <a:r>
+              <a:rPr kumimoji="1" lang="en-US" altLang="ko-Kore-KR" sz="1200" dirty="0">
+                <a:solidFill>
+                  <a:schemeClr val="tx1"/>
+                </a:solidFill>
+                <a:latin typeface="DM Mono" panose="020B0509040201040103" pitchFamily="49" charset="0"/>
+              </a:rPr>
+              <a:t>42</a:t>
+            </a:r>
+            <a:endParaRPr kumimoji="1" lang="ko-Kore-KR" altLang="en-US" sz="1200" dirty="0">
+              <a:solidFill>
+                <a:schemeClr val="tx1"/>
+              </a:solidFill>
+              <a:latin typeface="DM Mono" panose="020B0509040201040103" pitchFamily="49" charset="0"/>
+            </a:endParaRPr>
+          </a:p>
+        </p:txBody>
+      </p:sp>
+      <p:sp>
+        <p:nvSpPr>
+          <p:cNvPr id="11" name="TextBox 10">
+            <a:extLst>
+              <a:ext uri="{FF2B5EF4-FFF2-40B4-BE49-F238E27FC236}">
+                <a16:creationId xmlns:a16="http://schemas.microsoft.com/office/drawing/2014/main" id="{CD781AC7-D447-DC8B-4CC7-5C8FA9DEF990}"/>
+              </a:ext>
+            </a:extLst>
+          </p:cNvPr>
+          <p:cNvSpPr txBox="1"/>
+          <p:nvPr/>
+        </p:nvSpPr>
+        <p:spPr>
+          <a:xfrm>
+            <a:off x="6675619" y="4995832"/>
+            <a:ext cx="585868" cy="261610"/>
+          </a:xfrm>
+          <a:prstGeom prst="rect">
+            <a:avLst/>
+          </a:prstGeom>
+          <a:noFill/>
+        </p:spPr>
+        <p:txBody>
+          <a:bodyPr wrap="square">
+            <a:spAutoFit/>
+          </a:bodyPr>
+          <a:lstStyle/>
+          <a:p>
+            <a:pPr algn="r"/>
+            <a:r>
+              <a:rPr kumimoji="1" lang="en-US" altLang="ko-Kore-KR" sz="1100" dirty="0">
+                <a:solidFill>
+                  <a:schemeClr val="tx1"/>
+                </a:solidFill>
+                <a:latin typeface="DM Mono" panose="020B0509040201040103" pitchFamily="49" charset="0"/>
+              </a:rPr>
+              <a:t>age</a:t>
+            </a:r>
+            <a:endParaRPr kumimoji="1" lang="ko-Kore-KR" altLang="en-US" sz="1100" dirty="0">
+              <a:solidFill>
+                <a:schemeClr val="tx1"/>
+              </a:solidFill>
+              <a:latin typeface="DM Mono" panose="020B0509040201040103" pitchFamily="49" charset="0"/>
+            </a:endParaRPr>
+          </a:p>
+        </p:txBody>
+      </p:sp>
+      <p:sp>
+        <p:nvSpPr>
+          <p:cNvPr id="12" name="TextBox 11">
+            <a:extLst>
+              <a:ext uri="{FF2B5EF4-FFF2-40B4-BE49-F238E27FC236}">
+                <a16:creationId xmlns:a16="http://schemas.microsoft.com/office/drawing/2014/main" id="{32C7DE22-336B-08D6-92F4-AEB004179CFE}"/>
+              </a:ext>
+            </a:extLst>
+          </p:cNvPr>
+          <p:cNvSpPr txBox="1"/>
+          <p:nvPr/>
+        </p:nvSpPr>
+        <p:spPr>
+          <a:xfrm>
+            <a:off x="7198714" y="4215521"/>
+            <a:ext cx="895039" cy="261610"/>
+          </a:xfrm>
+          <a:prstGeom prst="rect">
+            <a:avLst/>
+          </a:prstGeom>
+          <a:noFill/>
+        </p:spPr>
+        <p:txBody>
+          <a:bodyPr wrap="square">
+            <a:spAutoFit/>
+          </a:bodyPr>
+          <a:lstStyle/>
+          <a:p>
+            <a:pPr algn="ctr"/>
+            <a:r>
+              <a:rPr kumimoji="1" lang="en-US" altLang="ko-Kore-KR" sz="1100" dirty="0">
+                <a:solidFill>
+                  <a:schemeClr val="tx1"/>
+                </a:solidFill>
+                <a:latin typeface="DM Mono" panose="020B0509040201040103" pitchFamily="49" charset="0"/>
+              </a:rPr>
+              <a:t>user</a:t>
+            </a:r>
+            <a:endParaRPr kumimoji="1" lang="ko-Kore-KR" altLang="en-US" sz="1100" dirty="0">
+              <a:solidFill>
+                <a:schemeClr val="tx1"/>
+              </a:solidFill>
+              <a:latin typeface="DM Mono" panose="020B0509040201040103" pitchFamily="49" charset="0"/>
+            </a:endParaRPr>
+          </a:p>
+        </p:txBody>
+      </p:sp>
+      <p:sp>
+        <p:nvSpPr>
+          <p:cNvPr id="14" name="직사각형 13">
+            <a:extLst>
+              <a:ext uri="{FF2B5EF4-FFF2-40B4-BE49-F238E27FC236}">
+                <a16:creationId xmlns:a16="http://schemas.microsoft.com/office/drawing/2014/main" id="{2282578C-D4EE-EBCA-7553-FA9931C6BB9F}"/>
+              </a:ext>
+            </a:extLst>
+          </p:cNvPr>
+          <p:cNvSpPr/>
+          <p:nvPr/>
+        </p:nvSpPr>
+        <p:spPr>
+          <a:xfrm>
+            <a:off x="9967212" y="2320979"/>
+            <a:ext cx="1110519" cy="342275"/>
+          </a:xfrm>
+          <a:prstGeom prst="rect">
+            <a:avLst/>
+          </a:prstGeom>
+          <a:solidFill>
+            <a:schemeClr val="accent4">
+              <a:lumMod val="60000"/>
+              <a:lumOff val="40000"/>
+            </a:schemeClr>
+          </a:solidFill>
+        </p:spPr>
+        <p:style>
+          <a:lnRef idx="2">
+            <a:schemeClr val="accent4">
+              <a:shade val="15000"/>
+            </a:schemeClr>
+          </a:lnRef>
+          <a:fillRef idx="1">
+            <a:schemeClr val="accent4"/>
+          </a:fillRef>
+          <a:effectRef idx="0">
+            <a:schemeClr val="accent4"/>
+          </a:effectRef>
+          <a:fontRef idx="minor">
+            <a:schemeClr val="lt1"/>
+          </a:fontRef>
+        </p:style>
+        <p:txBody>
+          <a:bodyPr rtlCol="0" anchor="ctr"/>
+          <a:lstStyle/>
+          <a:p>
+            <a:pPr algn="ctr"/>
+            <a:r>
+              <a:rPr kumimoji="1" lang="en-US" altLang="ko-Kore-KR" sz="1200" dirty="0">
+                <a:solidFill>
+                  <a:schemeClr val="tx1"/>
+                </a:solidFill>
+                <a:latin typeface="DM Mono" panose="020B0509040201040103" pitchFamily="49" charset="0"/>
+              </a:rPr>
+              <a:t>“Tom”</a:t>
+            </a:r>
+            <a:endParaRPr kumimoji="1" lang="ko-Kore-KR" altLang="en-US" sz="1200" dirty="0">
+              <a:solidFill>
+                <a:schemeClr val="tx1"/>
+              </a:solidFill>
+              <a:latin typeface="DM Mono" panose="020B0509040201040103" pitchFamily="49" charset="0"/>
+            </a:endParaRPr>
+          </a:p>
+        </p:txBody>
+      </p:sp>
+      <p:cxnSp>
+        <p:nvCxnSpPr>
+          <p:cNvPr id="16" name="구부러진 연결선[U] 15">
+            <a:extLst>
+              <a:ext uri="{FF2B5EF4-FFF2-40B4-BE49-F238E27FC236}">
+                <a16:creationId xmlns:a16="http://schemas.microsoft.com/office/drawing/2014/main" id="{2E0DF4BE-0E64-C1DE-6326-7CBB8CACCB63}"/>
+              </a:ext>
+            </a:extLst>
+          </p:cNvPr>
+          <p:cNvCxnSpPr>
+            <a:stCxn id="7" idx="3"/>
+            <a:endCxn id="14" idx="1"/>
+          </p:cNvCxnSpPr>
+          <p:nvPr/>
+        </p:nvCxnSpPr>
+        <p:spPr>
+          <a:xfrm flipV="1">
+            <a:off x="8030982" y="2492117"/>
+            <a:ext cx="1936230" cy="2214796"/>
+          </a:xfrm>
+          <a:prstGeom prst="curvedConnector3">
+            <a:avLst/>
+          </a:prstGeom>
+          <a:ln>
+            <a:tailEnd type="triangle"/>
+          </a:ln>
+        </p:spPr>
+        <p:style>
+          <a:lnRef idx="1">
+            <a:schemeClr val="dk1"/>
+          </a:lnRef>
+          <a:fillRef idx="0">
+            <a:schemeClr val="dk1"/>
+          </a:fillRef>
+          <a:effectRef idx="0">
+            <a:schemeClr val="dk1"/>
+          </a:effectRef>
+          <a:fontRef idx="minor">
+            <a:schemeClr val="tx1"/>
+          </a:fontRef>
+        </p:style>
+      </p:cxnSp>
+      <p:sp>
+        <p:nvSpPr>
+          <p:cNvPr id="19" name="TextBox 18">
+            <a:extLst>
+              <a:ext uri="{FF2B5EF4-FFF2-40B4-BE49-F238E27FC236}">
+                <a16:creationId xmlns:a16="http://schemas.microsoft.com/office/drawing/2014/main" id="{5C1515B9-160E-0A92-F019-639A67B6991B}"/>
+              </a:ext>
+            </a:extLst>
+          </p:cNvPr>
+          <p:cNvSpPr txBox="1"/>
+          <p:nvPr/>
+        </p:nvSpPr>
+        <p:spPr>
+          <a:xfrm>
+            <a:off x="9503763" y="2059369"/>
+            <a:ext cx="704538" cy="261610"/>
+          </a:xfrm>
+          <a:prstGeom prst="rect">
+            <a:avLst/>
+          </a:prstGeom>
+          <a:noFill/>
+        </p:spPr>
+        <p:txBody>
+          <a:bodyPr wrap="square">
+            <a:spAutoFit/>
+          </a:bodyPr>
+          <a:lstStyle/>
+          <a:p>
+            <a:r>
+              <a:rPr kumimoji="1" lang="en-US" altLang="ko-Kore-KR" sz="1050" dirty="0">
+                <a:solidFill>
+                  <a:schemeClr val="tx1"/>
+                </a:solidFill>
+                <a:latin typeface="DM Mono" panose="020B0509040201040103" pitchFamily="49" charset="0"/>
+              </a:rPr>
+              <a:t>0x1000</a:t>
+            </a:r>
+            <a:endParaRPr lang="ko-Kore-KR" altLang="en-US" sz="1050" dirty="0"/>
+          </a:p>
+        </p:txBody>
+      </p:sp>
+      <p:sp>
+        <p:nvSpPr>
+          <p:cNvPr id="23" name="직사각형 22">
+            <a:extLst>
+              <a:ext uri="{FF2B5EF4-FFF2-40B4-BE49-F238E27FC236}">
+                <a16:creationId xmlns:a16="http://schemas.microsoft.com/office/drawing/2014/main" id="{4A18D76A-D93E-56A0-E2FE-36C27E67D92F}"/>
+              </a:ext>
+            </a:extLst>
+          </p:cNvPr>
+          <p:cNvSpPr/>
+          <p:nvPr/>
+        </p:nvSpPr>
+        <p:spPr>
+          <a:xfrm>
+            <a:off x="7261487" y="5336499"/>
+            <a:ext cx="769495" cy="419724"/>
+          </a:xfrm>
+          <a:prstGeom prst="rect">
+            <a:avLst/>
+          </a:prstGeom>
+          <a:solidFill>
+            <a:schemeClr val="accent4">
+              <a:lumMod val="60000"/>
+              <a:lumOff val="40000"/>
+            </a:schemeClr>
+          </a:solidFill>
+        </p:spPr>
+        <p:style>
+          <a:lnRef idx="2">
+            <a:schemeClr val="accent4">
+              <a:shade val="15000"/>
+            </a:schemeClr>
+          </a:lnRef>
+          <a:fillRef idx="1">
+            <a:schemeClr val="accent4"/>
+          </a:fillRef>
+          <a:effectRef idx="0">
+            <a:schemeClr val="accent4"/>
+          </a:effectRef>
+          <a:fontRef idx="minor">
+            <a:schemeClr val="lt1"/>
+          </a:fontRef>
+        </p:style>
+        <p:txBody>
+          <a:bodyPr rtlCol="0" anchor="ctr"/>
+          <a:lstStyle/>
+          <a:p>
+            <a:pPr algn="ctr"/>
+            <a:endParaRPr kumimoji="1" lang="ko-Kore-KR" altLang="en-US" sz="1200" dirty="0">
+              <a:solidFill>
+                <a:schemeClr val="tx1"/>
+              </a:solidFill>
+              <a:latin typeface="DM Mono" panose="020B0509040201040103" pitchFamily="49" charset="0"/>
+            </a:endParaRPr>
+          </a:p>
+        </p:txBody>
+      </p:sp>
+      <p:sp>
+        <p:nvSpPr>
+          <p:cNvPr id="24" name="TextBox 23">
+            <a:extLst>
+              <a:ext uri="{FF2B5EF4-FFF2-40B4-BE49-F238E27FC236}">
+                <a16:creationId xmlns:a16="http://schemas.microsoft.com/office/drawing/2014/main" id="{B4ECBCA6-5D42-5490-08B5-4450482D05DF}"/>
+              </a:ext>
+            </a:extLst>
+          </p:cNvPr>
+          <p:cNvSpPr txBox="1"/>
+          <p:nvPr/>
+        </p:nvSpPr>
+        <p:spPr>
+          <a:xfrm>
+            <a:off x="6675619" y="5415556"/>
+            <a:ext cx="585868" cy="261610"/>
+          </a:xfrm>
+          <a:prstGeom prst="rect">
+            <a:avLst/>
+          </a:prstGeom>
+          <a:noFill/>
+        </p:spPr>
+        <p:txBody>
+          <a:bodyPr wrap="square">
+            <a:spAutoFit/>
+          </a:bodyPr>
+          <a:lstStyle/>
+          <a:p>
+            <a:pPr algn="r"/>
+            <a:r>
+              <a:rPr kumimoji="1" lang="en-US" altLang="ko-Kore-KR" sz="1100" dirty="0">
+                <a:solidFill>
+                  <a:schemeClr val="tx1"/>
+                </a:solidFill>
+                <a:latin typeface="DM Mono" panose="020B0509040201040103" pitchFamily="49" charset="0"/>
+              </a:rPr>
+              <a:t>ref</a:t>
+            </a:r>
+            <a:endParaRPr kumimoji="1" lang="ko-Kore-KR" altLang="en-US" sz="1100" dirty="0">
+              <a:solidFill>
+                <a:schemeClr val="tx1"/>
+              </a:solidFill>
+              <a:latin typeface="DM Mono" panose="020B0509040201040103" pitchFamily="49" charset="0"/>
+            </a:endParaRPr>
+          </a:p>
+        </p:txBody>
+      </p:sp>
+      <p:sp>
+        <p:nvSpPr>
+          <p:cNvPr id="25" name="직사각형 24">
+            <a:extLst>
+              <a:ext uri="{FF2B5EF4-FFF2-40B4-BE49-F238E27FC236}">
+                <a16:creationId xmlns:a16="http://schemas.microsoft.com/office/drawing/2014/main" id="{D78137EB-9AB1-2419-CF91-A8732AF7CA5F}"/>
+              </a:ext>
+            </a:extLst>
+          </p:cNvPr>
+          <p:cNvSpPr/>
+          <p:nvPr/>
+        </p:nvSpPr>
+        <p:spPr>
+          <a:xfrm>
+            <a:off x="10653014" y="3752540"/>
+            <a:ext cx="464691" cy="342275"/>
+          </a:xfrm>
+          <a:prstGeom prst="rect">
+            <a:avLst/>
+          </a:prstGeom>
+          <a:solidFill>
+            <a:schemeClr val="accent4">
+              <a:lumMod val="60000"/>
+              <a:lumOff val="40000"/>
+            </a:schemeClr>
+          </a:solidFill>
+        </p:spPr>
+        <p:style>
+          <a:lnRef idx="2">
+            <a:schemeClr val="accent4">
+              <a:shade val="15000"/>
+            </a:schemeClr>
+          </a:lnRef>
+          <a:fillRef idx="1">
+            <a:schemeClr val="accent4"/>
+          </a:fillRef>
+          <a:effectRef idx="0">
+            <a:schemeClr val="accent4"/>
+          </a:effectRef>
+          <a:fontRef idx="minor">
+            <a:schemeClr val="lt1"/>
+          </a:fontRef>
+        </p:style>
+        <p:txBody>
+          <a:bodyPr rtlCol="0" anchor="ctr"/>
+          <a:lstStyle/>
+          <a:p>
+            <a:pPr algn="ctr"/>
+            <a:r>
+              <a:rPr kumimoji="1" lang="en-US" altLang="ko-Kore-KR" sz="1200" dirty="0">
+                <a:solidFill>
+                  <a:schemeClr val="tx1"/>
+                </a:solidFill>
+                <a:latin typeface="DM Mono" panose="020B0509040201040103" pitchFamily="49" charset="0"/>
+              </a:rPr>
+              <a:t>1</a:t>
+            </a:r>
+            <a:endParaRPr kumimoji="1" lang="ko-Kore-KR" altLang="en-US" sz="1200" dirty="0">
+              <a:solidFill>
+                <a:schemeClr val="tx1"/>
+              </a:solidFill>
+              <a:latin typeface="DM Mono" panose="020B0509040201040103" pitchFamily="49" charset="0"/>
+            </a:endParaRPr>
+          </a:p>
+        </p:txBody>
+      </p:sp>
+      <p:cxnSp>
+        <p:nvCxnSpPr>
+          <p:cNvPr id="26" name="구부러진 연결선[U] 25">
+            <a:extLst>
+              <a:ext uri="{FF2B5EF4-FFF2-40B4-BE49-F238E27FC236}">
+                <a16:creationId xmlns:a16="http://schemas.microsoft.com/office/drawing/2014/main" id="{31185740-D738-8494-6675-5BECEAF46E01}"/>
+              </a:ext>
+            </a:extLst>
+          </p:cNvPr>
+          <p:cNvCxnSpPr>
+            <a:cxnSpLocks/>
+            <a:stCxn id="23" idx="3"/>
+            <a:endCxn id="25" idx="1"/>
+          </p:cNvCxnSpPr>
+          <p:nvPr/>
+        </p:nvCxnSpPr>
+        <p:spPr>
+          <a:xfrm flipV="1">
+            <a:off x="8030982" y="3923678"/>
+            <a:ext cx="2622032" cy="1622683"/>
+          </a:xfrm>
+          <a:prstGeom prst="curvedConnector3">
+            <a:avLst/>
+          </a:prstGeom>
+          <a:ln>
+            <a:tailEnd type="triangle"/>
+          </a:ln>
+        </p:spPr>
+        <p:style>
+          <a:lnRef idx="1">
+            <a:schemeClr val="dk1"/>
+          </a:lnRef>
+          <a:fillRef idx="0">
+            <a:schemeClr val="dk1"/>
+          </a:fillRef>
+          <a:effectRef idx="0">
+            <a:schemeClr val="dk1"/>
+          </a:effectRef>
+          <a:fontRef idx="minor">
+            <a:schemeClr val="tx1"/>
+          </a:fontRef>
+        </p:style>
+      </p:cxnSp>
+      <p:sp>
+        <p:nvSpPr>
+          <p:cNvPr id="40" name="TextBox 39">
+            <a:extLst>
+              <a:ext uri="{FF2B5EF4-FFF2-40B4-BE49-F238E27FC236}">
+                <a16:creationId xmlns:a16="http://schemas.microsoft.com/office/drawing/2014/main" id="{BD1632E5-C102-47E2-9224-39C5B5FC5980}"/>
+              </a:ext>
+            </a:extLst>
+          </p:cNvPr>
+          <p:cNvSpPr txBox="1"/>
+          <p:nvPr/>
+        </p:nvSpPr>
+        <p:spPr>
+          <a:xfrm>
+            <a:off x="460482" y="275144"/>
+            <a:ext cx="4456292" cy="1569660"/>
+          </a:xfrm>
+          <a:prstGeom prst="rect">
+            <a:avLst/>
+          </a:prstGeom>
+          <a:noFill/>
+        </p:spPr>
+        <p:txBody>
+          <a:bodyPr wrap="square">
+            <a:spAutoFit/>
+          </a:bodyPr>
+          <a:lstStyle/>
+          <a:p>
+            <a:r>
+              <a:rPr lang="ko-Kore-KR" altLang="en-US" sz="1200" dirty="0">
+                <a:latin typeface="DM Mono" panose="020B0509040201040103" pitchFamily="49" charset="0"/>
+              </a:rPr>
+              <a:t> </a:t>
+            </a:r>
+            <a:r>
+              <a:rPr lang="en-US" altLang="ko-Kore-KR" sz="1200" dirty="0">
+                <a:latin typeface="DM Mono" panose="020B0509040201040103" pitchFamily="49" charset="0"/>
+              </a:rPr>
+              <a:t>   </a:t>
+            </a:r>
+            <a:r>
+              <a:rPr lang="ko-Kore-KR" altLang="en-US" sz="1200" dirty="0">
+                <a:latin typeface="DM Mono" panose="020B0509040201040103" pitchFamily="49" charset="0"/>
+              </a:rPr>
+              <a:t>User(const char* s, int n)</a:t>
+            </a:r>
+          </a:p>
+          <a:p>
+            <a:r>
+              <a:rPr lang="ko-Kore-KR" altLang="en-US" sz="1200" dirty="0">
+                <a:latin typeface="DM Mono" panose="020B0509040201040103" pitchFamily="49" charset="0"/>
+              </a:rPr>
+              <a:t>        : age(n)</a:t>
+            </a:r>
+          </a:p>
+          <a:p>
+            <a:r>
+              <a:rPr lang="ko-Kore-KR" altLang="en-US" sz="1200" dirty="0">
+                <a:latin typeface="DM Mono" panose="020B0509040201040103" pitchFamily="49" charset="0"/>
+              </a:rPr>
+              <a:t>    {</a:t>
+            </a:r>
+          </a:p>
+          <a:p>
+            <a:r>
+              <a:rPr lang="ko-Kore-KR" altLang="en-US" sz="1200" dirty="0">
+                <a:latin typeface="DM Mono" panose="020B0509040201040103" pitchFamily="49" charset="0"/>
+              </a:rPr>
+              <a:t>        name = new char[strlen(s) + 1];</a:t>
+            </a:r>
+          </a:p>
+          <a:p>
+            <a:r>
+              <a:rPr lang="ko-Kore-KR" altLang="en-US" sz="1200" dirty="0">
+                <a:latin typeface="DM Mono" panose="020B0509040201040103" pitchFamily="49" charset="0"/>
+              </a:rPr>
+              <a:t>        strcpy(name, s);</a:t>
+            </a:r>
+          </a:p>
+          <a:p>
+            <a:endParaRPr lang="ko-Kore-KR" altLang="en-US" sz="1200" dirty="0">
+              <a:latin typeface="DM Mono" panose="020B0509040201040103" pitchFamily="49" charset="0"/>
+            </a:endParaRPr>
+          </a:p>
+          <a:p>
+            <a:r>
+              <a:rPr lang="ko-Kore-KR" altLang="en-US" sz="1200" dirty="0">
+                <a:latin typeface="DM Mono" panose="020B0509040201040103" pitchFamily="49" charset="0"/>
+              </a:rPr>
+              <a:t>        ref = new int(1); // !!</a:t>
+            </a:r>
+          </a:p>
+          <a:p>
+            <a:r>
+              <a:rPr lang="ko-Kore-KR" altLang="en-US" sz="1200" dirty="0">
+                <a:latin typeface="DM Mono" panose="020B0509040201040103" pitchFamily="49" charset="0"/>
+              </a:rPr>
+              <a:t>    }</a:t>
+            </a:r>
+          </a:p>
+        </p:txBody>
+      </p:sp>
+    </p:spTree>
+    <p:extLst>
+      <p:ext uri="{BB962C8B-B14F-4D97-AF65-F5344CB8AC3E}">
+        <p14:creationId xmlns:p14="http://schemas.microsoft.com/office/powerpoint/2010/main" val="1833940262"/>
       </p:ext>
     </p:extLst>
   </p:cSld>
@@ -12005,6 +12775,6171 @@
     <p:extLst>
       <p:ext uri="{BB962C8B-B14F-4D97-AF65-F5344CB8AC3E}">
         <p14:creationId xmlns:p14="http://schemas.microsoft.com/office/powerpoint/2010/main" val="2523081481"/>
+      </p:ext>
+    </p:extLst>
+  </p:cSld>
+  <p:clrMapOvr>
+    <a:masterClrMapping/>
+  </p:clrMapOvr>
+</p:sld>
+</file>
+
+<file path=ppt/slides/slide20.xml><?xml version="1.0" encoding="utf-8"?>
+<p:sld xmlns:a="http://schemas.openxmlformats.org/drawingml/2006/main" xmlns:r="http://schemas.openxmlformats.org/officeDocument/2006/relationships" xmlns:p="http://schemas.openxmlformats.org/presentationml/2006/main">
+  <p:cSld>
+    <p:spTree>
+      <p:nvGrpSpPr>
+        <p:cNvPr id="1" name=""/>
+        <p:cNvGrpSpPr/>
+        <p:nvPr/>
+      </p:nvGrpSpPr>
+      <p:grpSpPr>
+        <a:xfrm>
+          <a:off x="0" y="0"/>
+          <a:ext cx="0" cy="0"/>
+          <a:chOff x="0" y="0"/>
+          <a:chExt cx="0" cy="0"/>
+        </a:xfrm>
+      </p:grpSpPr>
+      <p:sp>
+        <p:nvSpPr>
+          <p:cNvPr id="7" name="직사각형 6">
+            <a:extLst>
+              <a:ext uri="{FF2B5EF4-FFF2-40B4-BE49-F238E27FC236}">
+                <a16:creationId xmlns:a16="http://schemas.microsoft.com/office/drawing/2014/main" id="{31CCB710-0121-1DC8-86D7-67AEA020399A}"/>
+              </a:ext>
+            </a:extLst>
+          </p:cNvPr>
+          <p:cNvSpPr/>
+          <p:nvPr/>
+        </p:nvSpPr>
+        <p:spPr>
+          <a:xfrm>
+            <a:off x="7261487" y="4497051"/>
+            <a:ext cx="769495" cy="419724"/>
+          </a:xfrm>
+          <a:prstGeom prst="rect">
+            <a:avLst/>
+          </a:prstGeom>
+          <a:solidFill>
+            <a:schemeClr val="accent4">
+              <a:lumMod val="60000"/>
+              <a:lumOff val="40000"/>
+            </a:schemeClr>
+          </a:solidFill>
+        </p:spPr>
+        <p:style>
+          <a:lnRef idx="2">
+            <a:schemeClr val="accent4">
+              <a:shade val="15000"/>
+            </a:schemeClr>
+          </a:lnRef>
+          <a:fillRef idx="1">
+            <a:schemeClr val="accent4"/>
+          </a:fillRef>
+          <a:effectRef idx="0">
+            <a:schemeClr val="accent4"/>
+          </a:effectRef>
+          <a:fontRef idx="minor">
+            <a:schemeClr val="lt1"/>
+          </a:fontRef>
+        </p:style>
+        <p:txBody>
+          <a:bodyPr rtlCol="0" anchor="ctr"/>
+          <a:lstStyle/>
+          <a:p>
+            <a:pPr algn="ctr"/>
+            <a:r>
+              <a:rPr kumimoji="1" lang="en-US" altLang="ko-Kore-KR" sz="1200" dirty="0">
+                <a:solidFill>
+                  <a:schemeClr val="tx1"/>
+                </a:solidFill>
+                <a:latin typeface="DM Mono" panose="020B0509040201040103" pitchFamily="49" charset="0"/>
+              </a:rPr>
+              <a:t>0x1000</a:t>
+            </a:r>
+            <a:endParaRPr kumimoji="1" lang="ko-Kore-KR" altLang="en-US" sz="1200" dirty="0">
+              <a:solidFill>
+                <a:schemeClr val="tx1"/>
+              </a:solidFill>
+              <a:latin typeface="DM Mono" panose="020B0509040201040103" pitchFamily="49" charset="0"/>
+            </a:endParaRPr>
+          </a:p>
+        </p:txBody>
+      </p:sp>
+      <p:sp>
+        <p:nvSpPr>
+          <p:cNvPr id="8" name="TextBox 7">
+            <a:extLst>
+              <a:ext uri="{FF2B5EF4-FFF2-40B4-BE49-F238E27FC236}">
+                <a16:creationId xmlns:a16="http://schemas.microsoft.com/office/drawing/2014/main" id="{0E51DEEF-5480-C48B-053D-43D22F6A7663}"/>
+              </a:ext>
+            </a:extLst>
+          </p:cNvPr>
+          <p:cNvSpPr txBox="1"/>
+          <p:nvPr/>
+        </p:nvSpPr>
+        <p:spPr>
+          <a:xfrm>
+            <a:off x="6575685" y="4576108"/>
+            <a:ext cx="685802" cy="261610"/>
+          </a:xfrm>
+          <a:prstGeom prst="rect">
+            <a:avLst/>
+          </a:prstGeom>
+          <a:noFill/>
+        </p:spPr>
+        <p:txBody>
+          <a:bodyPr wrap="square">
+            <a:spAutoFit/>
+          </a:bodyPr>
+          <a:lstStyle/>
+          <a:p>
+            <a:pPr algn="r"/>
+            <a:r>
+              <a:rPr kumimoji="1" lang="en-US" altLang="ko-Kore-KR" sz="1100" dirty="0">
+                <a:latin typeface="DM Mono" panose="020B0509040201040103" pitchFamily="49" charset="0"/>
+              </a:rPr>
+              <a:t>name</a:t>
+            </a:r>
+            <a:endParaRPr kumimoji="1" lang="ko-Kore-KR" altLang="en-US" sz="1100" dirty="0">
+              <a:solidFill>
+                <a:schemeClr val="tx1"/>
+              </a:solidFill>
+              <a:latin typeface="DM Mono" panose="020B0509040201040103" pitchFamily="49" charset="0"/>
+            </a:endParaRPr>
+          </a:p>
+        </p:txBody>
+      </p:sp>
+      <p:sp>
+        <p:nvSpPr>
+          <p:cNvPr id="10" name="직사각형 9">
+            <a:extLst>
+              <a:ext uri="{FF2B5EF4-FFF2-40B4-BE49-F238E27FC236}">
+                <a16:creationId xmlns:a16="http://schemas.microsoft.com/office/drawing/2014/main" id="{FA835144-65A9-5595-9B94-37E2A8886E68}"/>
+              </a:ext>
+            </a:extLst>
+          </p:cNvPr>
+          <p:cNvSpPr/>
+          <p:nvPr/>
+        </p:nvSpPr>
+        <p:spPr>
+          <a:xfrm>
+            <a:off x="7261487" y="4916775"/>
+            <a:ext cx="769495" cy="419724"/>
+          </a:xfrm>
+          <a:prstGeom prst="rect">
+            <a:avLst/>
+          </a:prstGeom>
+          <a:solidFill>
+            <a:schemeClr val="accent4">
+              <a:lumMod val="60000"/>
+              <a:lumOff val="40000"/>
+            </a:schemeClr>
+          </a:solidFill>
+        </p:spPr>
+        <p:style>
+          <a:lnRef idx="2">
+            <a:schemeClr val="accent4">
+              <a:shade val="15000"/>
+            </a:schemeClr>
+          </a:lnRef>
+          <a:fillRef idx="1">
+            <a:schemeClr val="accent4"/>
+          </a:fillRef>
+          <a:effectRef idx="0">
+            <a:schemeClr val="accent4"/>
+          </a:effectRef>
+          <a:fontRef idx="minor">
+            <a:schemeClr val="lt1"/>
+          </a:fontRef>
+        </p:style>
+        <p:txBody>
+          <a:bodyPr rtlCol="0" anchor="ctr"/>
+          <a:lstStyle/>
+          <a:p>
+            <a:pPr algn="ctr"/>
+            <a:r>
+              <a:rPr kumimoji="1" lang="en-US" altLang="ko-Kore-KR" sz="1200" dirty="0">
+                <a:solidFill>
+                  <a:schemeClr val="tx1"/>
+                </a:solidFill>
+                <a:latin typeface="DM Mono" panose="020B0509040201040103" pitchFamily="49" charset="0"/>
+              </a:rPr>
+              <a:t>42</a:t>
+            </a:r>
+            <a:endParaRPr kumimoji="1" lang="ko-Kore-KR" altLang="en-US" sz="1200" dirty="0">
+              <a:solidFill>
+                <a:schemeClr val="tx1"/>
+              </a:solidFill>
+              <a:latin typeface="DM Mono" panose="020B0509040201040103" pitchFamily="49" charset="0"/>
+            </a:endParaRPr>
+          </a:p>
+        </p:txBody>
+      </p:sp>
+      <p:sp>
+        <p:nvSpPr>
+          <p:cNvPr id="11" name="TextBox 10">
+            <a:extLst>
+              <a:ext uri="{FF2B5EF4-FFF2-40B4-BE49-F238E27FC236}">
+                <a16:creationId xmlns:a16="http://schemas.microsoft.com/office/drawing/2014/main" id="{CD781AC7-D447-DC8B-4CC7-5C8FA9DEF990}"/>
+              </a:ext>
+            </a:extLst>
+          </p:cNvPr>
+          <p:cNvSpPr txBox="1"/>
+          <p:nvPr/>
+        </p:nvSpPr>
+        <p:spPr>
+          <a:xfrm>
+            <a:off x="6675619" y="4995832"/>
+            <a:ext cx="585868" cy="261610"/>
+          </a:xfrm>
+          <a:prstGeom prst="rect">
+            <a:avLst/>
+          </a:prstGeom>
+          <a:noFill/>
+        </p:spPr>
+        <p:txBody>
+          <a:bodyPr wrap="square">
+            <a:spAutoFit/>
+          </a:bodyPr>
+          <a:lstStyle/>
+          <a:p>
+            <a:pPr algn="r"/>
+            <a:r>
+              <a:rPr kumimoji="1" lang="en-US" altLang="ko-Kore-KR" sz="1100" dirty="0">
+                <a:solidFill>
+                  <a:schemeClr val="tx1"/>
+                </a:solidFill>
+                <a:latin typeface="DM Mono" panose="020B0509040201040103" pitchFamily="49" charset="0"/>
+              </a:rPr>
+              <a:t>age</a:t>
+            </a:r>
+            <a:endParaRPr kumimoji="1" lang="ko-Kore-KR" altLang="en-US" sz="1100" dirty="0">
+              <a:solidFill>
+                <a:schemeClr val="tx1"/>
+              </a:solidFill>
+              <a:latin typeface="DM Mono" panose="020B0509040201040103" pitchFamily="49" charset="0"/>
+            </a:endParaRPr>
+          </a:p>
+        </p:txBody>
+      </p:sp>
+      <p:sp>
+        <p:nvSpPr>
+          <p:cNvPr id="12" name="TextBox 11">
+            <a:extLst>
+              <a:ext uri="{FF2B5EF4-FFF2-40B4-BE49-F238E27FC236}">
+                <a16:creationId xmlns:a16="http://schemas.microsoft.com/office/drawing/2014/main" id="{32C7DE22-336B-08D6-92F4-AEB004179CFE}"/>
+              </a:ext>
+            </a:extLst>
+          </p:cNvPr>
+          <p:cNvSpPr txBox="1"/>
+          <p:nvPr/>
+        </p:nvSpPr>
+        <p:spPr>
+          <a:xfrm>
+            <a:off x="7198714" y="4215521"/>
+            <a:ext cx="895039" cy="261610"/>
+          </a:xfrm>
+          <a:prstGeom prst="rect">
+            <a:avLst/>
+          </a:prstGeom>
+          <a:noFill/>
+        </p:spPr>
+        <p:txBody>
+          <a:bodyPr wrap="square">
+            <a:spAutoFit/>
+          </a:bodyPr>
+          <a:lstStyle/>
+          <a:p>
+            <a:pPr algn="ctr"/>
+            <a:r>
+              <a:rPr kumimoji="1" lang="en-US" altLang="ko-Kore-KR" sz="1100" dirty="0">
+                <a:solidFill>
+                  <a:schemeClr val="tx1"/>
+                </a:solidFill>
+                <a:latin typeface="DM Mono" panose="020B0509040201040103" pitchFamily="49" charset="0"/>
+              </a:rPr>
+              <a:t>user</a:t>
+            </a:r>
+            <a:endParaRPr kumimoji="1" lang="ko-Kore-KR" altLang="en-US" sz="1100" dirty="0">
+              <a:solidFill>
+                <a:schemeClr val="tx1"/>
+              </a:solidFill>
+              <a:latin typeface="DM Mono" panose="020B0509040201040103" pitchFamily="49" charset="0"/>
+            </a:endParaRPr>
+          </a:p>
+        </p:txBody>
+      </p:sp>
+      <p:sp>
+        <p:nvSpPr>
+          <p:cNvPr id="14" name="직사각형 13">
+            <a:extLst>
+              <a:ext uri="{FF2B5EF4-FFF2-40B4-BE49-F238E27FC236}">
+                <a16:creationId xmlns:a16="http://schemas.microsoft.com/office/drawing/2014/main" id="{2282578C-D4EE-EBCA-7553-FA9931C6BB9F}"/>
+              </a:ext>
+            </a:extLst>
+          </p:cNvPr>
+          <p:cNvSpPr/>
+          <p:nvPr/>
+        </p:nvSpPr>
+        <p:spPr>
+          <a:xfrm>
+            <a:off x="9967212" y="2320979"/>
+            <a:ext cx="1110519" cy="342275"/>
+          </a:xfrm>
+          <a:prstGeom prst="rect">
+            <a:avLst/>
+          </a:prstGeom>
+          <a:solidFill>
+            <a:schemeClr val="accent4">
+              <a:lumMod val="60000"/>
+              <a:lumOff val="40000"/>
+            </a:schemeClr>
+          </a:solidFill>
+        </p:spPr>
+        <p:style>
+          <a:lnRef idx="2">
+            <a:schemeClr val="accent4">
+              <a:shade val="15000"/>
+            </a:schemeClr>
+          </a:lnRef>
+          <a:fillRef idx="1">
+            <a:schemeClr val="accent4"/>
+          </a:fillRef>
+          <a:effectRef idx="0">
+            <a:schemeClr val="accent4"/>
+          </a:effectRef>
+          <a:fontRef idx="minor">
+            <a:schemeClr val="lt1"/>
+          </a:fontRef>
+        </p:style>
+        <p:txBody>
+          <a:bodyPr rtlCol="0" anchor="ctr"/>
+          <a:lstStyle/>
+          <a:p>
+            <a:pPr algn="ctr"/>
+            <a:r>
+              <a:rPr kumimoji="1" lang="en-US" altLang="ko-Kore-KR" sz="1200" dirty="0">
+                <a:solidFill>
+                  <a:schemeClr val="tx1"/>
+                </a:solidFill>
+                <a:latin typeface="DM Mono" panose="020B0509040201040103" pitchFamily="49" charset="0"/>
+              </a:rPr>
+              <a:t>“Tom”</a:t>
+            </a:r>
+            <a:endParaRPr kumimoji="1" lang="ko-Kore-KR" altLang="en-US" sz="1200" dirty="0">
+              <a:solidFill>
+                <a:schemeClr val="tx1"/>
+              </a:solidFill>
+              <a:latin typeface="DM Mono" panose="020B0509040201040103" pitchFamily="49" charset="0"/>
+            </a:endParaRPr>
+          </a:p>
+        </p:txBody>
+      </p:sp>
+      <p:cxnSp>
+        <p:nvCxnSpPr>
+          <p:cNvPr id="16" name="구부러진 연결선[U] 15">
+            <a:extLst>
+              <a:ext uri="{FF2B5EF4-FFF2-40B4-BE49-F238E27FC236}">
+                <a16:creationId xmlns:a16="http://schemas.microsoft.com/office/drawing/2014/main" id="{2E0DF4BE-0E64-C1DE-6326-7CBB8CACCB63}"/>
+              </a:ext>
+            </a:extLst>
+          </p:cNvPr>
+          <p:cNvCxnSpPr>
+            <a:stCxn id="7" idx="3"/>
+            <a:endCxn id="14" idx="1"/>
+          </p:cNvCxnSpPr>
+          <p:nvPr/>
+        </p:nvCxnSpPr>
+        <p:spPr>
+          <a:xfrm flipV="1">
+            <a:off x="8030982" y="2492117"/>
+            <a:ext cx="1936230" cy="2214796"/>
+          </a:xfrm>
+          <a:prstGeom prst="curvedConnector3">
+            <a:avLst/>
+          </a:prstGeom>
+          <a:ln>
+            <a:tailEnd type="triangle"/>
+          </a:ln>
+        </p:spPr>
+        <p:style>
+          <a:lnRef idx="1">
+            <a:schemeClr val="dk1"/>
+          </a:lnRef>
+          <a:fillRef idx="0">
+            <a:schemeClr val="dk1"/>
+          </a:fillRef>
+          <a:effectRef idx="0">
+            <a:schemeClr val="dk1"/>
+          </a:effectRef>
+          <a:fontRef idx="minor">
+            <a:schemeClr val="tx1"/>
+          </a:fontRef>
+        </p:style>
+      </p:cxnSp>
+      <p:sp>
+        <p:nvSpPr>
+          <p:cNvPr id="19" name="TextBox 18">
+            <a:extLst>
+              <a:ext uri="{FF2B5EF4-FFF2-40B4-BE49-F238E27FC236}">
+                <a16:creationId xmlns:a16="http://schemas.microsoft.com/office/drawing/2014/main" id="{5C1515B9-160E-0A92-F019-639A67B6991B}"/>
+              </a:ext>
+            </a:extLst>
+          </p:cNvPr>
+          <p:cNvSpPr txBox="1"/>
+          <p:nvPr/>
+        </p:nvSpPr>
+        <p:spPr>
+          <a:xfrm>
+            <a:off x="9503763" y="2059369"/>
+            <a:ext cx="704538" cy="261610"/>
+          </a:xfrm>
+          <a:prstGeom prst="rect">
+            <a:avLst/>
+          </a:prstGeom>
+          <a:noFill/>
+        </p:spPr>
+        <p:txBody>
+          <a:bodyPr wrap="square">
+            <a:spAutoFit/>
+          </a:bodyPr>
+          <a:lstStyle/>
+          <a:p>
+            <a:r>
+              <a:rPr kumimoji="1" lang="en-US" altLang="ko-Kore-KR" sz="1050" dirty="0">
+                <a:solidFill>
+                  <a:schemeClr val="tx1"/>
+                </a:solidFill>
+                <a:latin typeface="DM Mono" panose="020B0509040201040103" pitchFamily="49" charset="0"/>
+              </a:rPr>
+              <a:t>0x1000</a:t>
+            </a:r>
+            <a:endParaRPr lang="ko-Kore-KR" altLang="en-US" sz="1050" dirty="0"/>
+          </a:p>
+        </p:txBody>
+      </p:sp>
+      <p:sp>
+        <p:nvSpPr>
+          <p:cNvPr id="23" name="직사각형 22">
+            <a:extLst>
+              <a:ext uri="{FF2B5EF4-FFF2-40B4-BE49-F238E27FC236}">
+                <a16:creationId xmlns:a16="http://schemas.microsoft.com/office/drawing/2014/main" id="{4A18D76A-D93E-56A0-E2FE-36C27E67D92F}"/>
+              </a:ext>
+            </a:extLst>
+          </p:cNvPr>
+          <p:cNvSpPr/>
+          <p:nvPr/>
+        </p:nvSpPr>
+        <p:spPr>
+          <a:xfrm>
+            <a:off x="7261487" y="5336499"/>
+            <a:ext cx="769495" cy="419724"/>
+          </a:xfrm>
+          <a:prstGeom prst="rect">
+            <a:avLst/>
+          </a:prstGeom>
+          <a:solidFill>
+            <a:schemeClr val="accent4">
+              <a:lumMod val="60000"/>
+              <a:lumOff val="40000"/>
+            </a:schemeClr>
+          </a:solidFill>
+        </p:spPr>
+        <p:style>
+          <a:lnRef idx="2">
+            <a:schemeClr val="accent4">
+              <a:shade val="15000"/>
+            </a:schemeClr>
+          </a:lnRef>
+          <a:fillRef idx="1">
+            <a:schemeClr val="accent4"/>
+          </a:fillRef>
+          <a:effectRef idx="0">
+            <a:schemeClr val="accent4"/>
+          </a:effectRef>
+          <a:fontRef idx="minor">
+            <a:schemeClr val="lt1"/>
+          </a:fontRef>
+        </p:style>
+        <p:txBody>
+          <a:bodyPr rtlCol="0" anchor="ctr"/>
+          <a:lstStyle/>
+          <a:p>
+            <a:pPr algn="ctr"/>
+            <a:endParaRPr kumimoji="1" lang="ko-Kore-KR" altLang="en-US" sz="1200" dirty="0">
+              <a:solidFill>
+                <a:schemeClr val="tx1"/>
+              </a:solidFill>
+              <a:latin typeface="DM Mono" panose="020B0509040201040103" pitchFamily="49" charset="0"/>
+            </a:endParaRPr>
+          </a:p>
+        </p:txBody>
+      </p:sp>
+      <p:sp>
+        <p:nvSpPr>
+          <p:cNvPr id="24" name="TextBox 23">
+            <a:extLst>
+              <a:ext uri="{FF2B5EF4-FFF2-40B4-BE49-F238E27FC236}">
+                <a16:creationId xmlns:a16="http://schemas.microsoft.com/office/drawing/2014/main" id="{B4ECBCA6-5D42-5490-08B5-4450482D05DF}"/>
+              </a:ext>
+            </a:extLst>
+          </p:cNvPr>
+          <p:cNvSpPr txBox="1"/>
+          <p:nvPr/>
+        </p:nvSpPr>
+        <p:spPr>
+          <a:xfrm>
+            <a:off x="6675619" y="5415556"/>
+            <a:ext cx="585868" cy="261610"/>
+          </a:xfrm>
+          <a:prstGeom prst="rect">
+            <a:avLst/>
+          </a:prstGeom>
+          <a:noFill/>
+        </p:spPr>
+        <p:txBody>
+          <a:bodyPr wrap="square">
+            <a:spAutoFit/>
+          </a:bodyPr>
+          <a:lstStyle/>
+          <a:p>
+            <a:pPr algn="r"/>
+            <a:r>
+              <a:rPr kumimoji="1" lang="en-US" altLang="ko-Kore-KR" sz="1100" dirty="0">
+                <a:solidFill>
+                  <a:schemeClr val="tx1"/>
+                </a:solidFill>
+                <a:latin typeface="DM Mono" panose="020B0509040201040103" pitchFamily="49" charset="0"/>
+              </a:rPr>
+              <a:t>ref</a:t>
+            </a:r>
+            <a:endParaRPr kumimoji="1" lang="ko-Kore-KR" altLang="en-US" sz="1100" dirty="0">
+              <a:solidFill>
+                <a:schemeClr val="tx1"/>
+              </a:solidFill>
+              <a:latin typeface="DM Mono" panose="020B0509040201040103" pitchFamily="49" charset="0"/>
+            </a:endParaRPr>
+          </a:p>
+        </p:txBody>
+      </p:sp>
+      <p:sp>
+        <p:nvSpPr>
+          <p:cNvPr id="25" name="직사각형 24">
+            <a:extLst>
+              <a:ext uri="{FF2B5EF4-FFF2-40B4-BE49-F238E27FC236}">
+                <a16:creationId xmlns:a16="http://schemas.microsoft.com/office/drawing/2014/main" id="{D78137EB-9AB1-2419-CF91-A8732AF7CA5F}"/>
+              </a:ext>
+            </a:extLst>
+          </p:cNvPr>
+          <p:cNvSpPr/>
+          <p:nvPr/>
+        </p:nvSpPr>
+        <p:spPr>
+          <a:xfrm>
+            <a:off x="10653014" y="3752540"/>
+            <a:ext cx="464691" cy="342275"/>
+          </a:xfrm>
+          <a:prstGeom prst="rect">
+            <a:avLst/>
+          </a:prstGeom>
+          <a:solidFill>
+            <a:schemeClr val="accent4">
+              <a:lumMod val="60000"/>
+              <a:lumOff val="40000"/>
+            </a:schemeClr>
+          </a:solidFill>
+        </p:spPr>
+        <p:style>
+          <a:lnRef idx="2">
+            <a:schemeClr val="accent4">
+              <a:shade val="15000"/>
+            </a:schemeClr>
+          </a:lnRef>
+          <a:fillRef idx="1">
+            <a:schemeClr val="accent4"/>
+          </a:fillRef>
+          <a:effectRef idx="0">
+            <a:schemeClr val="accent4"/>
+          </a:effectRef>
+          <a:fontRef idx="minor">
+            <a:schemeClr val="lt1"/>
+          </a:fontRef>
+        </p:style>
+        <p:txBody>
+          <a:bodyPr rtlCol="0" anchor="ctr"/>
+          <a:lstStyle/>
+          <a:p>
+            <a:pPr algn="ctr"/>
+            <a:r>
+              <a:rPr kumimoji="1" lang="en-US" altLang="ko-Kore-KR" sz="1200" dirty="0">
+                <a:solidFill>
+                  <a:srgbClr val="FF0000"/>
+                </a:solidFill>
+                <a:latin typeface="DM Mono" panose="020B0509040201040103" pitchFamily="49" charset="0"/>
+              </a:rPr>
+              <a:t>2</a:t>
+            </a:r>
+            <a:endParaRPr kumimoji="1" lang="ko-Kore-KR" altLang="en-US" sz="1200" dirty="0">
+              <a:solidFill>
+                <a:srgbClr val="FF0000"/>
+              </a:solidFill>
+              <a:latin typeface="DM Mono" panose="020B0509040201040103" pitchFamily="49" charset="0"/>
+            </a:endParaRPr>
+          </a:p>
+        </p:txBody>
+      </p:sp>
+      <p:cxnSp>
+        <p:nvCxnSpPr>
+          <p:cNvPr id="26" name="구부러진 연결선[U] 25">
+            <a:extLst>
+              <a:ext uri="{FF2B5EF4-FFF2-40B4-BE49-F238E27FC236}">
+                <a16:creationId xmlns:a16="http://schemas.microsoft.com/office/drawing/2014/main" id="{31185740-D738-8494-6675-5BECEAF46E01}"/>
+              </a:ext>
+            </a:extLst>
+          </p:cNvPr>
+          <p:cNvCxnSpPr>
+            <a:cxnSpLocks/>
+            <a:stCxn id="23" idx="3"/>
+            <a:endCxn id="25" idx="1"/>
+          </p:cNvCxnSpPr>
+          <p:nvPr/>
+        </p:nvCxnSpPr>
+        <p:spPr>
+          <a:xfrm flipV="1">
+            <a:off x="8030982" y="3923678"/>
+            <a:ext cx="2622032" cy="1622683"/>
+          </a:xfrm>
+          <a:prstGeom prst="curvedConnector3">
+            <a:avLst/>
+          </a:prstGeom>
+          <a:ln>
+            <a:tailEnd type="triangle"/>
+          </a:ln>
+        </p:spPr>
+        <p:style>
+          <a:lnRef idx="1">
+            <a:schemeClr val="dk1"/>
+          </a:lnRef>
+          <a:fillRef idx="0">
+            <a:schemeClr val="dk1"/>
+          </a:fillRef>
+          <a:effectRef idx="0">
+            <a:schemeClr val="dk1"/>
+          </a:effectRef>
+          <a:fontRef idx="minor">
+            <a:schemeClr val="tx1"/>
+          </a:fontRef>
+        </p:style>
+      </p:cxnSp>
+      <p:sp>
+        <p:nvSpPr>
+          <p:cNvPr id="2" name="직사각형 1">
+            <a:extLst>
+              <a:ext uri="{FF2B5EF4-FFF2-40B4-BE49-F238E27FC236}">
+                <a16:creationId xmlns:a16="http://schemas.microsoft.com/office/drawing/2014/main" id="{E2F404A4-DE92-E07A-3ADF-0EB8ABF9D319}"/>
+              </a:ext>
+            </a:extLst>
+          </p:cNvPr>
+          <p:cNvSpPr/>
+          <p:nvPr/>
+        </p:nvSpPr>
+        <p:spPr>
+          <a:xfrm>
+            <a:off x="7261487" y="2163744"/>
+            <a:ext cx="769495" cy="419724"/>
+          </a:xfrm>
+          <a:prstGeom prst="rect">
+            <a:avLst/>
+          </a:prstGeom>
+          <a:solidFill>
+            <a:schemeClr val="accent4">
+              <a:lumMod val="60000"/>
+              <a:lumOff val="40000"/>
+            </a:schemeClr>
+          </a:solidFill>
+        </p:spPr>
+        <p:style>
+          <a:lnRef idx="2">
+            <a:schemeClr val="accent4">
+              <a:shade val="15000"/>
+            </a:schemeClr>
+          </a:lnRef>
+          <a:fillRef idx="1">
+            <a:schemeClr val="accent4"/>
+          </a:fillRef>
+          <a:effectRef idx="0">
+            <a:schemeClr val="accent4"/>
+          </a:effectRef>
+          <a:fontRef idx="minor">
+            <a:schemeClr val="lt1"/>
+          </a:fontRef>
+        </p:style>
+        <p:txBody>
+          <a:bodyPr rtlCol="0" anchor="ctr"/>
+          <a:lstStyle/>
+          <a:p>
+            <a:pPr algn="ctr"/>
+            <a:r>
+              <a:rPr kumimoji="1" lang="en-US" altLang="ko-Kore-KR" sz="1200" dirty="0">
+                <a:solidFill>
+                  <a:schemeClr val="tx1"/>
+                </a:solidFill>
+                <a:latin typeface="DM Mono" panose="020B0509040201040103" pitchFamily="49" charset="0"/>
+              </a:rPr>
+              <a:t>0x1000</a:t>
+            </a:r>
+            <a:endParaRPr kumimoji="1" lang="ko-Kore-KR" altLang="en-US" sz="1200" dirty="0">
+              <a:solidFill>
+                <a:schemeClr val="tx1"/>
+              </a:solidFill>
+              <a:latin typeface="DM Mono" panose="020B0509040201040103" pitchFamily="49" charset="0"/>
+            </a:endParaRPr>
+          </a:p>
+        </p:txBody>
+      </p:sp>
+      <p:sp>
+        <p:nvSpPr>
+          <p:cNvPr id="3" name="TextBox 2">
+            <a:extLst>
+              <a:ext uri="{FF2B5EF4-FFF2-40B4-BE49-F238E27FC236}">
+                <a16:creationId xmlns:a16="http://schemas.microsoft.com/office/drawing/2014/main" id="{9747063F-9C8C-1E93-0810-FAEA0B9861E7}"/>
+              </a:ext>
+            </a:extLst>
+          </p:cNvPr>
+          <p:cNvSpPr txBox="1"/>
+          <p:nvPr/>
+        </p:nvSpPr>
+        <p:spPr>
+          <a:xfrm>
+            <a:off x="6575685" y="2242801"/>
+            <a:ext cx="685802" cy="261610"/>
+          </a:xfrm>
+          <a:prstGeom prst="rect">
+            <a:avLst/>
+          </a:prstGeom>
+          <a:noFill/>
+        </p:spPr>
+        <p:txBody>
+          <a:bodyPr wrap="square">
+            <a:spAutoFit/>
+          </a:bodyPr>
+          <a:lstStyle/>
+          <a:p>
+            <a:pPr algn="r"/>
+            <a:r>
+              <a:rPr kumimoji="1" lang="en-US" altLang="ko-Kore-KR" sz="1100" dirty="0">
+                <a:latin typeface="DM Mono" panose="020B0509040201040103" pitchFamily="49" charset="0"/>
+              </a:rPr>
+              <a:t>name</a:t>
+            </a:r>
+            <a:endParaRPr kumimoji="1" lang="ko-Kore-KR" altLang="en-US" sz="1100" dirty="0">
+              <a:solidFill>
+                <a:schemeClr val="tx1"/>
+              </a:solidFill>
+              <a:latin typeface="DM Mono" panose="020B0509040201040103" pitchFamily="49" charset="0"/>
+            </a:endParaRPr>
+          </a:p>
+        </p:txBody>
+      </p:sp>
+      <p:sp>
+        <p:nvSpPr>
+          <p:cNvPr id="4" name="직사각형 3">
+            <a:extLst>
+              <a:ext uri="{FF2B5EF4-FFF2-40B4-BE49-F238E27FC236}">
+                <a16:creationId xmlns:a16="http://schemas.microsoft.com/office/drawing/2014/main" id="{4FEBF014-99B2-28A0-A21B-33DD08A7FCB8}"/>
+              </a:ext>
+            </a:extLst>
+          </p:cNvPr>
+          <p:cNvSpPr/>
+          <p:nvPr/>
+        </p:nvSpPr>
+        <p:spPr>
+          <a:xfrm>
+            <a:off x="7261487" y="2583468"/>
+            <a:ext cx="769495" cy="419724"/>
+          </a:xfrm>
+          <a:prstGeom prst="rect">
+            <a:avLst/>
+          </a:prstGeom>
+          <a:solidFill>
+            <a:schemeClr val="accent4">
+              <a:lumMod val="60000"/>
+              <a:lumOff val="40000"/>
+            </a:schemeClr>
+          </a:solidFill>
+        </p:spPr>
+        <p:style>
+          <a:lnRef idx="2">
+            <a:schemeClr val="accent4">
+              <a:shade val="15000"/>
+            </a:schemeClr>
+          </a:lnRef>
+          <a:fillRef idx="1">
+            <a:schemeClr val="accent4"/>
+          </a:fillRef>
+          <a:effectRef idx="0">
+            <a:schemeClr val="accent4"/>
+          </a:effectRef>
+          <a:fontRef idx="minor">
+            <a:schemeClr val="lt1"/>
+          </a:fontRef>
+        </p:style>
+        <p:txBody>
+          <a:bodyPr rtlCol="0" anchor="ctr"/>
+          <a:lstStyle/>
+          <a:p>
+            <a:pPr algn="ctr"/>
+            <a:r>
+              <a:rPr kumimoji="1" lang="en-US" altLang="ko-Kore-KR" sz="1200" dirty="0">
+                <a:solidFill>
+                  <a:schemeClr val="tx1"/>
+                </a:solidFill>
+                <a:latin typeface="DM Mono" panose="020B0509040201040103" pitchFamily="49" charset="0"/>
+              </a:rPr>
+              <a:t>42</a:t>
+            </a:r>
+            <a:endParaRPr kumimoji="1" lang="ko-Kore-KR" altLang="en-US" sz="1200" dirty="0">
+              <a:solidFill>
+                <a:schemeClr val="tx1"/>
+              </a:solidFill>
+              <a:latin typeface="DM Mono" panose="020B0509040201040103" pitchFamily="49" charset="0"/>
+            </a:endParaRPr>
+          </a:p>
+        </p:txBody>
+      </p:sp>
+      <p:sp>
+        <p:nvSpPr>
+          <p:cNvPr id="5" name="TextBox 4">
+            <a:extLst>
+              <a:ext uri="{FF2B5EF4-FFF2-40B4-BE49-F238E27FC236}">
+                <a16:creationId xmlns:a16="http://schemas.microsoft.com/office/drawing/2014/main" id="{D5E1FFFA-75FB-324F-30B5-DF6CF704B464}"/>
+              </a:ext>
+            </a:extLst>
+          </p:cNvPr>
+          <p:cNvSpPr txBox="1"/>
+          <p:nvPr/>
+        </p:nvSpPr>
+        <p:spPr>
+          <a:xfrm>
+            <a:off x="6675619" y="2662525"/>
+            <a:ext cx="585868" cy="261610"/>
+          </a:xfrm>
+          <a:prstGeom prst="rect">
+            <a:avLst/>
+          </a:prstGeom>
+          <a:noFill/>
+        </p:spPr>
+        <p:txBody>
+          <a:bodyPr wrap="square">
+            <a:spAutoFit/>
+          </a:bodyPr>
+          <a:lstStyle/>
+          <a:p>
+            <a:pPr algn="r"/>
+            <a:r>
+              <a:rPr kumimoji="1" lang="en-US" altLang="ko-Kore-KR" sz="1100" dirty="0">
+                <a:solidFill>
+                  <a:schemeClr val="tx1"/>
+                </a:solidFill>
+                <a:latin typeface="DM Mono" panose="020B0509040201040103" pitchFamily="49" charset="0"/>
+              </a:rPr>
+              <a:t>age</a:t>
+            </a:r>
+            <a:endParaRPr kumimoji="1" lang="ko-Kore-KR" altLang="en-US" sz="1100" dirty="0">
+              <a:solidFill>
+                <a:schemeClr val="tx1"/>
+              </a:solidFill>
+              <a:latin typeface="DM Mono" panose="020B0509040201040103" pitchFamily="49" charset="0"/>
+            </a:endParaRPr>
+          </a:p>
+        </p:txBody>
+      </p:sp>
+      <p:sp>
+        <p:nvSpPr>
+          <p:cNvPr id="6" name="TextBox 5">
+            <a:extLst>
+              <a:ext uri="{FF2B5EF4-FFF2-40B4-BE49-F238E27FC236}">
+                <a16:creationId xmlns:a16="http://schemas.microsoft.com/office/drawing/2014/main" id="{9A34FBB7-7938-44D1-A72C-BBBC40612B73}"/>
+              </a:ext>
+            </a:extLst>
+          </p:cNvPr>
+          <p:cNvSpPr txBox="1"/>
+          <p:nvPr/>
+        </p:nvSpPr>
+        <p:spPr>
+          <a:xfrm>
+            <a:off x="7198714" y="1882214"/>
+            <a:ext cx="895039" cy="261610"/>
+          </a:xfrm>
+          <a:prstGeom prst="rect">
+            <a:avLst/>
+          </a:prstGeom>
+          <a:noFill/>
+        </p:spPr>
+        <p:txBody>
+          <a:bodyPr wrap="square">
+            <a:spAutoFit/>
+          </a:bodyPr>
+          <a:lstStyle/>
+          <a:p>
+            <a:pPr algn="ctr"/>
+            <a:r>
+              <a:rPr kumimoji="1" lang="en-US" altLang="ko-Kore-KR" sz="1100" dirty="0">
+                <a:solidFill>
+                  <a:schemeClr val="tx1"/>
+                </a:solidFill>
+                <a:latin typeface="DM Mono" panose="020B0509040201040103" pitchFamily="49" charset="0"/>
+              </a:rPr>
+              <a:t>other</a:t>
+            </a:r>
+            <a:endParaRPr kumimoji="1" lang="ko-Kore-KR" altLang="en-US" sz="1100" dirty="0">
+              <a:solidFill>
+                <a:schemeClr val="tx1"/>
+              </a:solidFill>
+              <a:latin typeface="DM Mono" panose="020B0509040201040103" pitchFamily="49" charset="0"/>
+            </a:endParaRPr>
+          </a:p>
+        </p:txBody>
+      </p:sp>
+      <p:sp>
+        <p:nvSpPr>
+          <p:cNvPr id="9" name="직사각형 8">
+            <a:extLst>
+              <a:ext uri="{FF2B5EF4-FFF2-40B4-BE49-F238E27FC236}">
+                <a16:creationId xmlns:a16="http://schemas.microsoft.com/office/drawing/2014/main" id="{D55A0B36-F089-6388-6BBC-A6D953BE43C1}"/>
+              </a:ext>
+            </a:extLst>
+          </p:cNvPr>
+          <p:cNvSpPr/>
+          <p:nvPr/>
+        </p:nvSpPr>
+        <p:spPr>
+          <a:xfrm>
+            <a:off x="7261487" y="3003192"/>
+            <a:ext cx="769495" cy="419724"/>
+          </a:xfrm>
+          <a:prstGeom prst="rect">
+            <a:avLst/>
+          </a:prstGeom>
+          <a:solidFill>
+            <a:schemeClr val="accent4">
+              <a:lumMod val="60000"/>
+              <a:lumOff val="40000"/>
+            </a:schemeClr>
+          </a:solidFill>
+        </p:spPr>
+        <p:style>
+          <a:lnRef idx="2">
+            <a:schemeClr val="accent4">
+              <a:shade val="15000"/>
+            </a:schemeClr>
+          </a:lnRef>
+          <a:fillRef idx="1">
+            <a:schemeClr val="accent4"/>
+          </a:fillRef>
+          <a:effectRef idx="0">
+            <a:schemeClr val="accent4"/>
+          </a:effectRef>
+          <a:fontRef idx="minor">
+            <a:schemeClr val="lt1"/>
+          </a:fontRef>
+        </p:style>
+        <p:txBody>
+          <a:bodyPr rtlCol="0" anchor="ctr"/>
+          <a:lstStyle/>
+          <a:p>
+            <a:pPr algn="ctr"/>
+            <a:endParaRPr kumimoji="1" lang="ko-Kore-KR" altLang="en-US" sz="1200" dirty="0">
+              <a:solidFill>
+                <a:schemeClr val="tx1"/>
+              </a:solidFill>
+              <a:latin typeface="DM Mono" panose="020B0509040201040103" pitchFamily="49" charset="0"/>
+            </a:endParaRPr>
+          </a:p>
+        </p:txBody>
+      </p:sp>
+      <p:sp>
+        <p:nvSpPr>
+          <p:cNvPr id="13" name="TextBox 12">
+            <a:extLst>
+              <a:ext uri="{FF2B5EF4-FFF2-40B4-BE49-F238E27FC236}">
+                <a16:creationId xmlns:a16="http://schemas.microsoft.com/office/drawing/2014/main" id="{FC32C88B-291E-9E50-F2C2-2FFAC3E83EAF}"/>
+              </a:ext>
+            </a:extLst>
+          </p:cNvPr>
+          <p:cNvSpPr txBox="1"/>
+          <p:nvPr/>
+        </p:nvSpPr>
+        <p:spPr>
+          <a:xfrm>
+            <a:off x="6675619" y="3082249"/>
+            <a:ext cx="585868" cy="261610"/>
+          </a:xfrm>
+          <a:prstGeom prst="rect">
+            <a:avLst/>
+          </a:prstGeom>
+          <a:noFill/>
+        </p:spPr>
+        <p:txBody>
+          <a:bodyPr wrap="square">
+            <a:spAutoFit/>
+          </a:bodyPr>
+          <a:lstStyle/>
+          <a:p>
+            <a:pPr algn="r"/>
+            <a:r>
+              <a:rPr kumimoji="1" lang="en-US" altLang="ko-Kore-KR" sz="1100" dirty="0">
+                <a:solidFill>
+                  <a:schemeClr val="tx1"/>
+                </a:solidFill>
+                <a:latin typeface="DM Mono" panose="020B0509040201040103" pitchFamily="49" charset="0"/>
+              </a:rPr>
+              <a:t>ref</a:t>
+            </a:r>
+            <a:endParaRPr kumimoji="1" lang="ko-Kore-KR" altLang="en-US" sz="1100" dirty="0">
+              <a:solidFill>
+                <a:schemeClr val="tx1"/>
+              </a:solidFill>
+              <a:latin typeface="DM Mono" panose="020B0509040201040103" pitchFamily="49" charset="0"/>
+            </a:endParaRPr>
+          </a:p>
+        </p:txBody>
+      </p:sp>
+      <p:cxnSp>
+        <p:nvCxnSpPr>
+          <p:cNvPr id="15" name="구부러진 연결선[U] 14">
+            <a:extLst>
+              <a:ext uri="{FF2B5EF4-FFF2-40B4-BE49-F238E27FC236}">
+                <a16:creationId xmlns:a16="http://schemas.microsoft.com/office/drawing/2014/main" id="{36DED199-9245-7ADA-B26D-1E17BBDA7904}"/>
+              </a:ext>
+            </a:extLst>
+          </p:cNvPr>
+          <p:cNvCxnSpPr>
+            <a:cxnSpLocks/>
+            <a:stCxn id="2" idx="3"/>
+            <a:endCxn id="14" idx="1"/>
+          </p:cNvCxnSpPr>
+          <p:nvPr/>
+        </p:nvCxnSpPr>
+        <p:spPr>
+          <a:xfrm>
+            <a:off x="8030982" y="2373606"/>
+            <a:ext cx="1936230" cy="118511"/>
+          </a:xfrm>
+          <a:prstGeom prst="curvedConnector3">
+            <a:avLst/>
+          </a:prstGeom>
+          <a:ln>
+            <a:tailEnd type="triangle"/>
+          </a:ln>
+        </p:spPr>
+        <p:style>
+          <a:lnRef idx="1">
+            <a:schemeClr val="dk1"/>
+          </a:lnRef>
+          <a:fillRef idx="0">
+            <a:schemeClr val="dk1"/>
+          </a:fillRef>
+          <a:effectRef idx="0">
+            <a:schemeClr val="dk1"/>
+          </a:effectRef>
+          <a:fontRef idx="minor">
+            <a:schemeClr val="tx1"/>
+          </a:fontRef>
+        </p:style>
+      </p:cxnSp>
+      <p:cxnSp>
+        <p:nvCxnSpPr>
+          <p:cNvPr id="20" name="구부러진 연결선[U] 19">
+            <a:extLst>
+              <a:ext uri="{FF2B5EF4-FFF2-40B4-BE49-F238E27FC236}">
+                <a16:creationId xmlns:a16="http://schemas.microsoft.com/office/drawing/2014/main" id="{CAFE245B-700D-E5BB-D153-77EC21427D7B}"/>
+              </a:ext>
+            </a:extLst>
+          </p:cNvPr>
+          <p:cNvCxnSpPr>
+            <a:cxnSpLocks/>
+            <a:stCxn id="9" idx="3"/>
+            <a:endCxn id="25" idx="1"/>
+          </p:cNvCxnSpPr>
+          <p:nvPr/>
+        </p:nvCxnSpPr>
+        <p:spPr>
+          <a:xfrm>
+            <a:off x="8030982" y="3213054"/>
+            <a:ext cx="2622032" cy="710624"/>
+          </a:xfrm>
+          <a:prstGeom prst="curvedConnector3">
+            <a:avLst/>
+          </a:prstGeom>
+          <a:ln>
+            <a:tailEnd type="triangle"/>
+          </a:ln>
+        </p:spPr>
+        <p:style>
+          <a:lnRef idx="1">
+            <a:schemeClr val="dk1"/>
+          </a:lnRef>
+          <a:fillRef idx="0">
+            <a:schemeClr val="dk1"/>
+          </a:fillRef>
+          <a:effectRef idx="0">
+            <a:schemeClr val="dk1"/>
+          </a:effectRef>
+          <a:fontRef idx="minor">
+            <a:schemeClr val="tx1"/>
+          </a:fontRef>
+        </p:style>
+      </p:cxnSp>
+      <p:sp>
+        <p:nvSpPr>
+          <p:cNvPr id="30" name="TextBox 29">
+            <a:extLst>
+              <a:ext uri="{FF2B5EF4-FFF2-40B4-BE49-F238E27FC236}">
+                <a16:creationId xmlns:a16="http://schemas.microsoft.com/office/drawing/2014/main" id="{3A9095E9-57BE-3081-6E47-98A9005BB684}"/>
+              </a:ext>
+            </a:extLst>
+          </p:cNvPr>
+          <p:cNvSpPr txBox="1"/>
+          <p:nvPr/>
+        </p:nvSpPr>
+        <p:spPr>
+          <a:xfrm>
+            <a:off x="296057" y="65282"/>
+            <a:ext cx="6096000" cy="1600438"/>
+          </a:xfrm>
+          <a:prstGeom prst="rect">
+            <a:avLst/>
+          </a:prstGeom>
+          <a:noFill/>
+        </p:spPr>
+        <p:txBody>
+          <a:bodyPr wrap="square">
+            <a:spAutoFit/>
+          </a:bodyPr>
+          <a:lstStyle/>
+          <a:p>
+            <a:r>
+              <a:rPr lang="ko-Kore-KR" altLang="en-US" sz="1400" dirty="0">
+                <a:latin typeface="DM Mono" panose="020B0509040201040103" pitchFamily="49" charset="0"/>
+              </a:rPr>
+              <a:t> </a:t>
+            </a:r>
+            <a:r>
+              <a:rPr lang="en-US" altLang="ko-Kore-KR" sz="1400" dirty="0">
+                <a:latin typeface="DM Mono" panose="020B0509040201040103" pitchFamily="49" charset="0"/>
+              </a:rPr>
+              <a:t>   </a:t>
+            </a:r>
+            <a:r>
+              <a:rPr lang="ko-Kore-KR" altLang="en-US" sz="1400" dirty="0">
+                <a:latin typeface="DM Mono" panose="020B0509040201040103" pitchFamily="49" charset="0"/>
+              </a:rPr>
+              <a:t>User(const User&amp; rhs)</a:t>
+            </a:r>
+          </a:p>
+          <a:p>
+            <a:r>
+              <a:rPr lang="ko-Kore-KR" altLang="en-US" sz="1400" dirty="0">
+                <a:latin typeface="DM Mono" panose="020B0509040201040103" pitchFamily="49" charset="0"/>
+              </a:rPr>
+              <a:t>        : name(rhs.name)</a:t>
+            </a:r>
+          </a:p>
+          <a:p>
+            <a:r>
+              <a:rPr lang="ko-Kore-KR" altLang="en-US" sz="1400" dirty="0">
+                <a:latin typeface="DM Mono" panose="020B0509040201040103" pitchFamily="49" charset="0"/>
+              </a:rPr>
+              <a:t>        , age(rhs.age)</a:t>
+            </a:r>
+          </a:p>
+          <a:p>
+            <a:r>
+              <a:rPr lang="ko-Kore-KR" altLang="en-US" sz="1400" dirty="0">
+                <a:latin typeface="DM Mono" panose="020B0509040201040103" pitchFamily="49" charset="0"/>
+              </a:rPr>
+              <a:t>        , ref(rhs.ref)</a:t>
+            </a:r>
+          </a:p>
+          <a:p>
+            <a:r>
+              <a:rPr lang="ko-Kore-KR" altLang="en-US" sz="1400" dirty="0">
+                <a:latin typeface="DM Mono" panose="020B0509040201040103" pitchFamily="49" charset="0"/>
+              </a:rPr>
+              <a:t>    {</a:t>
+            </a:r>
+          </a:p>
+          <a:p>
+            <a:r>
+              <a:rPr lang="en-US" altLang="ko-Kore-KR" sz="1400" dirty="0">
+                <a:latin typeface="DM Mono" panose="020B0509040201040103" pitchFamily="49" charset="0"/>
+              </a:rPr>
+              <a:t>         </a:t>
+            </a:r>
+            <a:r>
+              <a:rPr lang="ko-Kore-KR" altLang="en-US" sz="1400" dirty="0">
+                <a:solidFill>
+                  <a:srgbClr val="FF0000"/>
+                </a:solidFill>
+                <a:latin typeface="DM Mono" panose="020B0509040201040103" pitchFamily="49" charset="0"/>
+              </a:rPr>
+              <a:t>++(*ref);</a:t>
+            </a:r>
+          </a:p>
+          <a:p>
+            <a:r>
+              <a:rPr lang="ko-Kore-KR" altLang="en-US" sz="1400" dirty="0">
+                <a:latin typeface="DM Mono" panose="020B0509040201040103" pitchFamily="49" charset="0"/>
+              </a:rPr>
+              <a:t>    }</a:t>
+            </a:r>
+          </a:p>
+        </p:txBody>
+      </p:sp>
+    </p:spTree>
+    <p:extLst>
+      <p:ext uri="{BB962C8B-B14F-4D97-AF65-F5344CB8AC3E}">
+        <p14:creationId xmlns:p14="http://schemas.microsoft.com/office/powerpoint/2010/main" val="576472368"/>
+      </p:ext>
+    </p:extLst>
+  </p:cSld>
+  <p:clrMapOvr>
+    <a:masterClrMapping/>
+  </p:clrMapOvr>
+</p:sld>
+</file>
+
+<file path=ppt/slides/slide21.xml><?xml version="1.0" encoding="utf-8"?>
+<p:sld xmlns:a="http://schemas.openxmlformats.org/drawingml/2006/main" xmlns:r="http://schemas.openxmlformats.org/officeDocument/2006/relationships" xmlns:p="http://schemas.openxmlformats.org/presentationml/2006/main">
+  <p:cSld>
+    <p:spTree>
+      <p:nvGrpSpPr>
+        <p:cNvPr id="1" name=""/>
+        <p:cNvGrpSpPr/>
+        <p:nvPr/>
+      </p:nvGrpSpPr>
+      <p:grpSpPr>
+        <a:xfrm>
+          <a:off x="0" y="0"/>
+          <a:ext cx="0" cy="0"/>
+          <a:chOff x="0" y="0"/>
+          <a:chExt cx="0" cy="0"/>
+        </a:xfrm>
+      </p:grpSpPr>
+      <p:sp>
+        <p:nvSpPr>
+          <p:cNvPr id="7" name="직사각형 6">
+            <a:extLst>
+              <a:ext uri="{FF2B5EF4-FFF2-40B4-BE49-F238E27FC236}">
+                <a16:creationId xmlns:a16="http://schemas.microsoft.com/office/drawing/2014/main" id="{31CCB710-0121-1DC8-86D7-67AEA020399A}"/>
+              </a:ext>
+            </a:extLst>
+          </p:cNvPr>
+          <p:cNvSpPr/>
+          <p:nvPr/>
+        </p:nvSpPr>
+        <p:spPr>
+          <a:xfrm>
+            <a:off x="7261487" y="4497051"/>
+            <a:ext cx="769495" cy="419724"/>
+          </a:xfrm>
+          <a:prstGeom prst="rect">
+            <a:avLst/>
+          </a:prstGeom>
+          <a:solidFill>
+            <a:schemeClr val="accent4">
+              <a:lumMod val="60000"/>
+              <a:lumOff val="40000"/>
+            </a:schemeClr>
+          </a:solidFill>
+        </p:spPr>
+        <p:style>
+          <a:lnRef idx="2">
+            <a:schemeClr val="accent4">
+              <a:shade val="15000"/>
+            </a:schemeClr>
+          </a:lnRef>
+          <a:fillRef idx="1">
+            <a:schemeClr val="accent4"/>
+          </a:fillRef>
+          <a:effectRef idx="0">
+            <a:schemeClr val="accent4"/>
+          </a:effectRef>
+          <a:fontRef idx="minor">
+            <a:schemeClr val="lt1"/>
+          </a:fontRef>
+        </p:style>
+        <p:txBody>
+          <a:bodyPr rtlCol="0" anchor="ctr"/>
+          <a:lstStyle/>
+          <a:p>
+            <a:pPr algn="ctr"/>
+            <a:r>
+              <a:rPr kumimoji="1" lang="en-US" altLang="ko-Kore-KR" sz="1200" dirty="0">
+                <a:solidFill>
+                  <a:schemeClr val="tx1"/>
+                </a:solidFill>
+                <a:latin typeface="DM Mono" panose="020B0509040201040103" pitchFamily="49" charset="0"/>
+              </a:rPr>
+              <a:t>0x1000</a:t>
+            </a:r>
+            <a:endParaRPr kumimoji="1" lang="ko-Kore-KR" altLang="en-US" sz="1200" dirty="0">
+              <a:solidFill>
+                <a:schemeClr val="tx1"/>
+              </a:solidFill>
+              <a:latin typeface="DM Mono" panose="020B0509040201040103" pitchFamily="49" charset="0"/>
+            </a:endParaRPr>
+          </a:p>
+        </p:txBody>
+      </p:sp>
+      <p:sp>
+        <p:nvSpPr>
+          <p:cNvPr id="8" name="TextBox 7">
+            <a:extLst>
+              <a:ext uri="{FF2B5EF4-FFF2-40B4-BE49-F238E27FC236}">
+                <a16:creationId xmlns:a16="http://schemas.microsoft.com/office/drawing/2014/main" id="{0E51DEEF-5480-C48B-053D-43D22F6A7663}"/>
+              </a:ext>
+            </a:extLst>
+          </p:cNvPr>
+          <p:cNvSpPr txBox="1"/>
+          <p:nvPr/>
+        </p:nvSpPr>
+        <p:spPr>
+          <a:xfrm>
+            <a:off x="6575685" y="4576108"/>
+            <a:ext cx="685802" cy="261610"/>
+          </a:xfrm>
+          <a:prstGeom prst="rect">
+            <a:avLst/>
+          </a:prstGeom>
+          <a:noFill/>
+        </p:spPr>
+        <p:txBody>
+          <a:bodyPr wrap="square">
+            <a:spAutoFit/>
+          </a:bodyPr>
+          <a:lstStyle/>
+          <a:p>
+            <a:pPr algn="r"/>
+            <a:r>
+              <a:rPr kumimoji="1" lang="en-US" altLang="ko-Kore-KR" sz="1100" dirty="0">
+                <a:latin typeface="DM Mono" panose="020B0509040201040103" pitchFamily="49" charset="0"/>
+              </a:rPr>
+              <a:t>name</a:t>
+            </a:r>
+            <a:endParaRPr kumimoji="1" lang="ko-Kore-KR" altLang="en-US" sz="1100" dirty="0">
+              <a:solidFill>
+                <a:schemeClr val="tx1"/>
+              </a:solidFill>
+              <a:latin typeface="DM Mono" panose="020B0509040201040103" pitchFamily="49" charset="0"/>
+            </a:endParaRPr>
+          </a:p>
+        </p:txBody>
+      </p:sp>
+      <p:sp>
+        <p:nvSpPr>
+          <p:cNvPr id="10" name="직사각형 9">
+            <a:extLst>
+              <a:ext uri="{FF2B5EF4-FFF2-40B4-BE49-F238E27FC236}">
+                <a16:creationId xmlns:a16="http://schemas.microsoft.com/office/drawing/2014/main" id="{FA835144-65A9-5595-9B94-37E2A8886E68}"/>
+              </a:ext>
+            </a:extLst>
+          </p:cNvPr>
+          <p:cNvSpPr/>
+          <p:nvPr/>
+        </p:nvSpPr>
+        <p:spPr>
+          <a:xfrm>
+            <a:off x="7261487" y="4916775"/>
+            <a:ext cx="769495" cy="419724"/>
+          </a:xfrm>
+          <a:prstGeom prst="rect">
+            <a:avLst/>
+          </a:prstGeom>
+          <a:solidFill>
+            <a:schemeClr val="accent4">
+              <a:lumMod val="60000"/>
+              <a:lumOff val="40000"/>
+            </a:schemeClr>
+          </a:solidFill>
+        </p:spPr>
+        <p:style>
+          <a:lnRef idx="2">
+            <a:schemeClr val="accent4">
+              <a:shade val="15000"/>
+            </a:schemeClr>
+          </a:lnRef>
+          <a:fillRef idx="1">
+            <a:schemeClr val="accent4"/>
+          </a:fillRef>
+          <a:effectRef idx="0">
+            <a:schemeClr val="accent4"/>
+          </a:effectRef>
+          <a:fontRef idx="minor">
+            <a:schemeClr val="lt1"/>
+          </a:fontRef>
+        </p:style>
+        <p:txBody>
+          <a:bodyPr rtlCol="0" anchor="ctr"/>
+          <a:lstStyle/>
+          <a:p>
+            <a:pPr algn="ctr"/>
+            <a:r>
+              <a:rPr kumimoji="1" lang="en-US" altLang="ko-Kore-KR" sz="1200" dirty="0">
+                <a:solidFill>
+                  <a:schemeClr val="tx1"/>
+                </a:solidFill>
+                <a:latin typeface="DM Mono" panose="020B0509040201040103" pitchFamily="49" charset="0"/>
+              </a:rPr>
+              <a:t>42</a:t>
+            </a:r>
+            <a:endParaRPr kumimoji="1" lang="ko-Kore-KR" altLang="en-US" sz="1200" dirty="0">
+              <a:solidFill>
+                <a:schemeClr val="tx1"/>
+              </a:solidFill>
+              <a:latin typeface="DM Mono" panose="020B0509040201040103" pitchFamily="49" charset="0"/>
+            </a:endParaRPr>
+          </a:p>
+        </p:txBody>
+      </p:sp>
+      <p:sp>
+        <p:nvSpPr>
+          <p:cNvPr id="11" name="TextBox 10">
+            <a:extLst>
+              <a:ext uri="{FF2B5EF4-FFF2-40B4-BE49-F238E27FC236}">
+                <a16:creationId xmlns:a16="http://schemas.microsoft.com/office/drawing/2014/main" id="{CD781AC7-D447-DC8B-4CC7-5C8FA9DEF990}"/>
+              </a:ext>
+            </a:extLst>
+          </p:cNvPr>
+          <p:cNvSpPr txBox="1"/>
+          <p:nvPr/>
+        </p:nvSpPr>
+        <p:spPr>
+          <a:xfrm>
+            <a:off x="6675619" y="4995832"/>
+            <a:ext cx="585868" cy="261610"/>
+          </a:xfrm>
+          <a:prstGeom prst="rect">
+            <a:avLst/>
+          </a:prstGeom>
+          <a:noFill/>
+        </p:spPr>
+        <p:txBody>
+          <a:bodyPr wrap="square">
+            <a:spAutoFit/>
+          </a:bodyPr>
+          <a:lstStyle/>
+          <a:p>
+            <a:pPr algn="r"/>
+            <a:r>
+              <a:rPr kumimoji="1" lang="en-US" altLang="ko-Kore-KR" sz="1100" dirty="0">
+                <a:solidFill>
+                  <a:schemeClr val="tx1"/>
+                </a:solidFill>
+                <a:latin typeface="DM Mono" panose="020B0509040201040103" pitchFamily="49" charset="0"/>
+              </a:rPr>
+              <a:t>age</a:t>
+            </a:r>
+            <a:endParaRPr kumimoji="1" lang="ko-Kore-KR" altLang="en-US" sz="1100" dirty="0">
+              <a:solidFill>
+                <a:schemeClr val="tx1"/>
+              </a:solidFill>
+              <a:latin typeface="DM Mono" panose="020B0509040201040103" pitchFamily="49" charset="0"/>
+            </a:endParaRPr>
+          </a:p>
+        </p:txBody>
+      </p:sp>
+      <p:sp>
+        <p:nvSpPr>
+          <p:cNvPr id="12" name="TextBox 11">
+            <a:extLst>
+              <a:ext uri="{FF2B5EF4-FFF2-40B4-BE49-F238E27FC236}">
+                <a16:creationId xmlns:a16="http://schemas.microsoft.com/office/drawing/2014/main" id="{32C7DE22-336B-08D6-92F4-AEB004179CFE}"/>
+              </a:ext>
+            </a:extLst>
+          </p:cNvPr>
+          <p:cNvSpPr txBox="1"/>
+          <p:nvPr/>
+        </p:nvSpPr>
+        <p:spPr>
+          <a:xfrm>
+            <a:off x="7198714" y="4215521"/>
+            <a:ext cx="895039" cy="261610"/>
+          </a:xfrm>
+          <a:prstGeom prst="rect">
+            <a:avLst/>
+          </a:prstGeom>
+          <a:noFill/>
+        </p:spPr>
+        <p:txBody>
+          <a:bodyPr wrap="square">
+            <a:spAutoFit/>
+          </a:bodyPr>
+          <a:lstStyle/>
+          <a:p>
+            <a:pPr algn="ctr"/>
+            <a:r>
+              <a:rPr kumimoji="1" lang="en-US" altLang="ko-Kore-KR" sz="1100" dirty="0">
+                <a:solidFill>
+                  <a:schemeClr val="tx1"/>
+                </a:solidFill>
+                <a:latin typeface="DM Mono" panose="020B0509040201040103" pitchFamily="49" charset="0"/>
+              </a:rPr>
+              <a:t>user</a:t>
+            </a:r>
+            <a:endParaRPr kumimoji="1" lang="ko-Kore-KR" altLang="en-US" sz="1100" dirty="0">
+              <a:solidFill>
+                <a:schemeClr val="tx1"/>
+              </a:solidFill>
+              <a:latin typeface="DM Mono" panose="020B0509040201040103" pitchFamily="49" charset="0"/>
+            </a:endParaRPr>
+          </a:p>
+        </p:txBody>
+      </p:sp>
+      <p:sp>
+        <p:nvSpPr>
+          <p:cNvPr id="14" name="직사각형 13">
+            <a:extLst>
+              <a:ext uri="{FF2B5EF4-FFF2-40B4-BE49-F238E27FC236}">
+                <a16:creationId xmlns:a16="http://schemas.microsoft.com/office/drawing/2014/main" id="{2282578C-D4EE-EBCA-7553-FA9931C6BB9F}"/>
+              </a:ext>
+            </a:extLst>
+          </p:cNvPr>
+          <p:cNvSpPr/>
+          <p:nvPr/>
+        </p:nvSpPr>
+        <p:spPr>
+          <a:xfrm>
+            <a:off x="9967212" y="2320979"/>
+            <a:ext cx="1110519" cy="342275"/>
+          </a:xfrm>
+          <a:prstGeom prst="rect">
+            <a:avLst/>
+          </a:prstGeom>
+          <a:solidFill>
+            <a:schemeClr val="accent4">
+              <a:lumMod val="60000"/>
+              <a:lumOff val="40000"/>
+            </a:schemeClr>
+          </a:solidFill>
+        </p:spPr>
+        <p:style>
+          <a:lnRef idx="2">
+            <a:schemeClr val="accent4">
+              <a:shade val="15000"/>
+            </a:schemeClr>
+          </a:lnRef>
+          <a:fillRef idx="1">
+            <a:schemeClr val="accent4"/>
+          </a:fillRef>
+          <a:effectRef idx="0">
+            <a:schemeClr val="accent4"/>
+          </a:effectRef>
+          <a:fontRef idx="minor">
+            <a:schemeClr val="lt1"/>
+          </a:fontRef>
+        </p:style>
+        <p:txBody>
+          <a:bodyPr rtlCol="0" anchor="ctr"/>
+          <a:lstStyle/>
+          <a:p>
+            <a:pPr algn="ctr"/>
+            <a:r>
+              <a:rPr kumimoji="1" lang="en-US" altLang="ko-Kore-KR" sz="1200" dirty="0">
+                <a:solidFill>
+                  <a:schemeClr val="tx1"/>
+                </a:solidFill>
+                <a:latin typeface="DM Mono" panose="020B0509040201040103" pitchFamily="49" charset="0"/>
+              </a:rPr>
+              <a:t>“Tom”</a:t>
+            </a:r>
+            <a:endParaRPr kumimoji="1" lang="ko-Kore-KR" altLang="en-US" sz="1200" dirty="0">
+              <a:solidFill>
+                <a:schemeClr val="tx1"/>
+              </a:solidFill>
+              <a:latin typeface="DM Mono" panose="020B0509040201040103" pitchFamily="49" charset="0"/>
+            </a:endParaRPr>
+          </a:p>
+        </p:txBody>
+      </p:sp>
+      <p:cxnSp>
+        <p:nvCxnSpPr>
+          <p:cNvPr id="16" name="구부러진 연결선[U] 15">
+            <a:extLst>
+              <a:ext uri="{FF2B5EF4-FFF2-40B4-BE49-F238E27FC236}">
+                <a16:creationId xmlns:a16="http://schemas.microsoft.com/office/drawing/2014/main" id="{2E0DF4BE-0E64-C1DE-6326-7CBB8CACCB63}"/>
+              </a:ext>
+            </a:extLst>
+          </p:cNvPr>
+          <p:cNvCxnSpPr>
+            <a:stCxn id="7" idx="3"/>
+            <a:endCxn id="14" idx="1"/>
+          </p:cNvCxnSpPr>
+          <p:nvPr/>
+        </p:nvCxnSpPr>
+        <p:spPr>
+          <a:xfrm flipV="1">
+            <a:off x="8030982" y="2492117"/>
+            <a:ext cx="1936230" cy="2214796"/>
+          </a:xfrm>
+          <a:prstGeom prst="curvedConnector3">
+            <a:avLst/>
+          </a:prstGeom>
+          <a:ln>
+            <a:tailEnd type="triangle"/>
+          </a:ln>
+        </p:spPr>
+        <p:style>
+          <a:lnRef idx="1">
+            <a:schemeClr val="dk1"/>
+          </a:lnRef>
+          <a:fillRef idx="0">
+            <a:schemeClr val="dk1"/>
+          </a:fillRef>
+          <a:effectRef idx="0">
+            <a:schemeClr val="dk1"/>
+          </a:effectRef>
+          <a:fontRef idx="minor">
+            <a:schemeClr val="tx1"/>
+          </a:fontRef>
+        </p:style>
+      </p:cxnSp>
+      <p:sp>
+        <p:nvSpPr>
+          <p:cNvPr id="19" name="TextBox 18">
+            <a:extLst>
+              <a:ext uri="{FF2B5EF4-FFF2-40B4-BE49-F238E27FC236}">
+                <a16:creationId xmlns:a16="http://schemas.microsoft.com/office/drawing/2014/main" id="{5C1515B9-160E-0A92-F019-639A67B6991B}"/>
+              </a:ext>
+            </a:extLst>
+          </p:cNvPr>
+          <p:cNvSpPr txBox="1"/>
+          <p:nvPr/>
+        </p:nvSpPr>
+        <p:spPr>
+          <a:xfrm>
+            <a:off x="9503763" y="2059369"/>
+            <a:ext cx="704538" cy="261610"/>
+          </a:xfrm>
+          <a:prstGeom prst="rect">
+            <a:avLst/>
+          </a:prstGeom>
+          <a:noFill/>
+        </p:spPr>
+        <p:txBody>
+          <a:bodyPr wrap="square">
+            <a:spAutoFit/>
+          </a:bodyPr>
+          <a:lstStyle/>
+          <a:p>
+            <a:r>
+              <a:rPr kumimoji="1" lang="en-US" altLang="ko-Kore-KR" sz="1050" dirty="0">
+                <a:solidFill>
+                  <a:schemeClr val="tx1"/>
+                </a:solidFill>
+                <a:latin typeface="DM Mono" panose="020B0509040201040103" pitchFamily="49" charset="0"/>
+              </a:rPr>
+              <a:t>0x1000</a:t>
+            </a:r>
+            <a:endParaRPr lang="ko-Kore-KR" altLang="en-US" sz="1050" dirty="0"/>
+          </a:p>
+        </p:txBody>
+      </p:sp>
+      <p:sp>
+        <p:nvSpPr>
+          <p:cNvPr id="23" name="직사각형 22">
+            <a:extLst>
+              <a:ext uri="{FF2B5EF4-FFF2-40B4-BE49-F238E27FC236}">
+                <a16:creationId xmlns:a16="http://schemas.microsoft.com/office/drawing/2014/main" id="{4A18D76A-D93E-56A0-E2FE-36C27E67D92F}"/>
+              </a:ext>
+            </a:extLst>
+          </p:cNvPr>
+          <p:cNvSpPr/>
+          <p:nvPr/>
+        </p:nvSpPr>
+        <p:spPr>
+          <a:xfrm>
+            <a:off x="7261487" y="5336499"/>
+            <a:ext cx="769495" cy="419724"/>
+          </a:xfrm>
+          <a:prstGeom prst="rect">
+            <a:avLst/>
+          </a:prstGeom>
+          <a:solidFill>
+            <a:schemeClr val="accent4">
+              <a:lumMod val="60000"/>
+              <a:lumOff val="40000"/>
+            </a:schemeClr>
+          </a:solidFill>
+        </p:spPr>
+        <p:style>
+          <a:lnRef idx="2">
+            <a:schemeClr val="accent4">
+              <a:shade val="15000"/>
+            </a:schemeClr>
+          </a:lnRef>
+          <a:fillRef idx="1">
+            <a:schemeClr val="accent4"/>
+          </a:fillRef>
+          <a:effectRef idx="0">
+            <a:schemeClr val="accent4"/>
+          </a:effectRef>
+          <a:fontRef idx="minor">
+            <a:schemeClr val="lt1"/>
+          </a:fontRef>
+        </p:style>
+        <p:txBody>
+          <a:bodyPr rtlCol="0" anchor="ctr"/>
+          <a:lstStyle/>
+          <a:p>
+            <a:pPr algn="ctr"/>
+            <a:endParaRPr kumimoji="1" lang="ko-Kore-KR" altLang="en-US" sz="1200" dirty="0">
+              <a:solidFill>
+                <a:schemeClr val="tx1"/>
+              </a:solidFill>
+              <a:latin typeface="DM Mono" panose="020B0509040201040103" pitchFamily="49" charset="0"/>
+            </a:endParaRPr>
+          </a:p>
+        </p:txBody>
+      </p:sp>
+      <p:sp>
+        <p:nvSpPr>
+          <p:cNvPr id="24" name="TextBox 23">
+            <a:extLst>
+              <a:ext uri="{FF2B5EF4-FFF2-40B4-BE49-F238E27FC236}">
+                <a16:creationId xmlns:a16="http://schemas.microsoft.com/office/drawing/2014/main" id="{B4ECBCA6-5D42-5490-08B5-4450482D05DF}"/>
+              </a:ext>
+            </a:extLst>
+          </p:cNvPr>
+          <p:cNvSpPr txBox="1"/>
+          <p:nvPr/>
+        </p:nvSpPr>
+        <p:spPr>
+          <a:xfrm>
+            <a:off x="6675619" y="5415556"/>
+            <a:ext cx="585868" cy="261610"/>
+          </a:xfrm>
+          <a:prstGeom prst="rect">
+            <a:avLst/>
+          </a:prstGeom>
+          <a:noFill/>
+        </p:spPr>
+        <p:txBody>
+          <a:bodyPr wrap="square">
+            <a:spAutoFit/>
+          </a:bodyPr>
+          <a:lstStyle/>
+          <a:p>
+            <a:pPr algn="r"/>
+            <a:r>
+              <a:rPr kumimoji="1" lang="en-US" altLang="ko-Kore-KR" sz="1100" dirty="0">
+                <a:solidFill>
+                  <a:schemeClr val="tx1"/>
+                </a:solidFill>
+                <a:latin typeface="DM Mono" panose="020B0509040201040103" pitchFamily="49" charset="0"/>
+              </a:rPr>
+              <a:t>ref</a:t>
+            </a:r>
+            <a:endParaRPr kumimoji="1" lang="ko-Kore-KR" altLang="en-US" sz="1100" dirty="0">
+              <a:solidFill>
+                <a:schemeClr val="tx1"/>
+              </a:solidFill>
+              <a:latin typeface="DM Mono" panose="020B0509040201040103" pitchFamily="49" charset="0"/>
+            </a:endParaRPr>
+          </a:p>
+        </p:txBody>
+      </p:sp>
+      <p:sp>
+        <p:nvSpPr>
+          <p:cNvPr id="25" name="직사각형 24">
+            <a:extLst>
+              <a:ext uri="{FF2B5EF4-FFF2-40B4-BE49-F238E27FC236}">
+                <a16:creationId xmlns:a16="http://schemas.microsoft.com/office/drawing/2014/main" id="{D78137EB-9AB1-2419-CF91-A8732AF7CA5F}"/>
+              </a:ext>
+            </a:extLst>
+          </p:cNvPr>
+          <p:cNvSpPr/>
+          <p:nvPr/>
+        </p:nvSpPr>
+        <p:spPr>
+          <a:xfrm>
+            <a:off x="10653014" y="3752540"/>
+            <a:ext cx="464691" cy="342275"/>
+          </a:xfrm>
+          <a:prstGeom prst="rect">
+            <a:avLst/>
+          </a:prstGeom>
+          <a:solidFill>
+            <a:schemeClr val="accent4">
+              <a:lumMod val="60000"/>
+              <a:lumOff val="40000"/>
+            </a:schemeClr>
+          </a:solidFill>
+        </p:spPr>
+        <p:style>
+          <a:lnRef idx="2">
+            <a:schemeClr val="accent4">
+              <a:shade val="15000"/>
+            </a:schemeClr>
+          </a:lnRef>
+          <a:fillRef idx="1">
+            <a:schemeClr val="accent4"/>
+          </a:fillRef>
+          <a:effectRef idx="0">
+            <a:schemeClr val="accent4"/>
+          </a:effectRef>
+          <a:fontRef idx="minor">
+            <a:schemeClr val="lt1"/>
+          </a:fontRef>
+        </p:style>
+        <p:txBody>
+          <a:bodyPr rtlCol="0" anchor="ctr"/>
+          <a:lstStyle/>
+          <a:p>
+            <a:pPr algn="ctr"/>
+            <a:r>
+              <a:rPr kumimoji="1" lang="en-US" altLang="ko-Kore-KR" sz="1200" dirty="0">
+                <a:solidFill>
+                  <a:srgbClr val="FF0000"/>
+                </a:solidFill>
+                <a:latin typeface="DM Mono" panose="020B0509040201040103" pitchFamily="49" charset="0"/>
+              </a:rPr>
+              <a:t>3</a:t>
+            </a:r>
+            <a:endParaRPr kumimoji="1" lang="ko-Kore-KR" altLang="en-US" sz="1200" dirty="0">
+              <a:solidFill>
+                <a:srgbClr val="FF0000"/>
+              </a:solidFill>
+              <a:latin typeface="DM Mono" panose="020B0509040201040103" pitchFamily="49" charset="0"/>
+            </a:endParaRPr>
+          </a:p>
+        </p:txBody>
+      </p:sp>
+      <p:cxnSp>
+        <p:nvCxnSpPr>
+          <p:cNvPr id="26" name="구부러진 연결선[U] 25">
+            <a:extLst>
+              <a:ext uri="{FF2B5EF4-FFF2-40B4-BE49-F238E27FC236}">
+                <a16:creationId xmlns:a16="http://schemas.microsoft.com/office/drawing/2014/main" id="{31185740-D738-8494-6675-5BECEAF46E01}"/>
+              </a:ext>
+            </a:extLst>
+          </p:cNvPr>
+          <p:cNvCxnSpPr>
+            <a:cxnSpLocks/>
+            <a:stCxn id="23" idx="3"/>
+            <a:endCxn id="25" idx="1"/>
+          </p:cNvCxnSpPr>
+          <p:nvPr/>
+        </p:nvCxnSpPr>
+        <p:spPr>
+          <a:xfrm flipV="1">
+            <a:off x="8030982" y="3923678"/>
+            <a:ext cx="2622032" cy="1622683"/>
+          </a:xfrm>
+          <a:prstGeom prst="curvedConnector3">
+            <a:avLst/>
+          </a:prstGeom>
+          <a:ln>
+            <a:tailEnd type="triangle"/>
+          </a:ln>
+        </p:spPr>
+        <p:style>
+          <a:lnRef idx="1">
+            <a:schemeClr val="dk1"/>
+          </a:lnRef>
+          <a:fillRef idx="0">
+            <a:schemeClr val="dk1"/>
+          </a:fillRef>
+          <a:effectRef idx="0">
+            <a:schemeClr val="dk1"/>
+          </a:effectRef>
+          <a:fontRef idx="minor">
+            <a:schemeClr val="tx1"/>
+          </a:fontRef>
+        </p:style>
+      </p:cxnSp>
+      <p:sp>
+        <p:nvSpPr>
+          <p:cNvPr id="2" name="직사각형 1">
+            <a:extLst>
+              <a:ext uri="{FF2B5EF4-FFF2-40B4-BE49-F238E27FC236}">
+                <a16:creationId xmlns:a16="http://schemas.microsoft.com/office/drawing/2014/main" id="{E2F404A4-DE92-E07A-3ADF-0EB8ABF9D319}"/>
+              </a:ext>
+            </a:extLst>
+          </p:cNvPr>
+          <p:cNvSpPr/>
+          <p:nvPr/>
+        </p:nvSpPr>
+        <p:spPr>
+          <a:xfrm>
+            <a:off x="7261487" y="2163744"/>
+            <a:ext cx="769495" cy="419724"/>
+          </a:xfrm>
+          <a:prstGeom prst="rect">
+            <a:avLst/>
+          </a:prstGeom>
+          <a:solidFill>
+            <a:schemeClr val="accent4">
+              <a:lumMod val="60000"/>
+              <a:lumOff val="40000"/>
+            </a:schemeClr>
+          </a:solidFill>
+        </p:spPr>
+        <p:style>
+          <a:lnRef idx="2">
+            <a:schemeClr val="accent4">
+              <a:shade val="15000"/>
+            </a:schemeClr>
+          </a:lnRef>
+          <a:fillRef idx="1">
+            <a:schemeClr val="accent4"/>
+          </a:fillRef>
+          <a:effectRef idx="0">
+            <a:schemeClr val="accent4"/>
+          </a:effectRef>
+          <a:fontRef idx="minor">
+            <a:schemeClr val="lt1"/>
+          </a:fontRef>
+        </p:style>
+        <p:txBody>
+          <a:bodyPr rtlCol="0" anchor="ctr"/>
+          <a:lstStyle/>
+          <a:p>
+            <a:pPr algn="ctr"/>
+            <a:r>
+              <a:rPr kumimoji="1" lang="en-US" altLang="ko-Kore-KR" sz="1200" dirty="0">
+                <a:solidFill>
+                  <a:schemeClr val="tx1"/>
+                </a:solidFill>
+                <a:latin typeface="DM Mono" panose="020B0509040201040103" pitchFamily="49" charset="0"/>
+              </a:rPr>
+              <a:t>0x1000</a:t>
+            </a:r>
+            <a:endParaRPr kumimoji="1" lang="ko-Kore-KR" altLang="en-US" sz="1200" dirty="0">
+              <a:solidFill>
+                <a:schemeClr val="tx1"/>
+              </a:solidFill>
+              <a:latin typeface="DM Mono" panose="020B0509040201040103" pitchFamily="49" charset="0"/>
+            </a:endParaRPr>
+          </a:p>
+        </p:txBody>
+      </p:sp>
+      <p:sp>
+        <p:nvSpPr>
+          <p:cNvPr id="3" name="TextBox 2">
+            <a:extLst>
+              <a:ext uri="{FF2B5EF4-FFF2-40B4-BE49-F238E27FC236}">
+                <a16:creationId xmlns:a16="http://schemas.microsoft.com/office/drawing/2014/main" id="{9747063F-9C8C-1E93-0810-FAEA0B9861E7}"/>
+              </a:ext>
+            </a:extLst>
+          </p:cNvPr>
+          <p:cNvSpPr txBox="1"/>
+          <p:nvPr/>
+        </p:nvSpPr>
+        <p:spPr>
+          <a:xfrm>
+            <a:off x="6575685" y="2242801"/>
+            <a:ext cx="685802" cy="261610"/>
+          </a:xfrm>
+          <a:prstGeom prst="rect">
+            <a:avLst/>
+          </a:prstGeom>
+          <a:noFill/>
+        </p:spPr>
+        <p:txBody>
+          <a:bodyPr wrap="square">
+            <a:spAutoFit/>
+          </a:bodyPr>
+          <a:lstStyle/>
+          <a:p>
+            <a:pPr algn="r"/>
+            <a:r>
+              <a:rPr kumimoji="1" lang="en-US" altLang="ko-Kore-KR" sz="1100" dirty="0">
+                <a:latin typeface="DM Mono" panose="020B0509040201040103" pitchFamily="49" charset="0"/>
+              </a:rPr>
+              <a:t>name</a:t>
+            </a:r>
+            <a:endParaRPr kumimoji="1" lang="ko-Kore-KR" altLang="en-US" sz="1100" dirty="0">
+              <a:solidFill>
+                <a:schemeClr val="tx1"/>
+              </a:solidFill>
+              <a:latin typeface="DM Mono" panose="020B0509040201040103" pitchFamily="49" charset="0"/>
+            </a:endParaRPr>
+          </a:p>
+        </p:txBody>
+      </p:sp>
+      <p:sp>
+        <p:nvSpPr>
+          <p:cNvPr id="4" name="직사각형 3">
+            <a:extLst>
+              <a:ext uri="{FF2B5EF4-FFF2-40B4-BE49-F238E27FC236}">
+                <a16:creationId xmlns:a16="http://schemas.microsoft.com/office/drawing/2014/main" id="{4FEBF014-99B2-28A0-A21B-33DD08A7FCB8}"/>
+              </a:ext>
+            </a:extLst>
+          </p:cNvPr>
+          <p:cNvSpPr/>
+          <p:nvPr/>
+        </p:nvSpPr>
+        <p:spPr>
+          <a:xfrm>
+            <a:off x="7261487" y="2583468"/>
+            <a:ext cx="769495" cy="419724"/>
+          </a:xfrm>
+          <a:prstGeom prst="rect">
+            <a:avLst/>
+          </a:prstGeom>
+          <a:solidFill>
+            <a:schemeClr val="accent4">
+              <a:lumMod val="60000"/>
+              <a:lumOff val="40000"/>
+            </a:schemeClr>
+          </a:solidFill>
+        </p:spPr>
+        <p:style>
+          <a:lnRef idx="2">
+            <a:schemeClr val="accent4">
+              <a:shade val="15000"/>
+            </a:schemeClr>
+          </a:lnRef>
+          <a:fillRef idx="1">
+            <a:schemeClr val="accent4"/>
+          </a:fillRef>
+          <a:effectRef idx="0">
+            <a:schemeClr val="accent4"/>
+          </a:effectRef>
+          <a:fontRef idx="minor">
+            <a:schemeClr val="lt1"/>
+          </a:fontRef>
+        </p:style>
+        <p:txBody>
+          <a:bodyPr rtlCol="0" anchor="ctr"/>
+          <a:lstStyle/>
+          <a:p>
+            <a:pPr algn="ctr"/>
+            <a:r>
+              <a:rPr kumimoji="1" lang="en-US" altLang="ko-Kore-KR" sz="1200" dirty="0">
+                <a:solidFill>
+                  <a:schemeClr val="tx1"/>
+                </a:solidFill>
+                <a:latin typeface="DM Mono" panose="020B0509040201040103" pitchFamily="49" charset="0"/>
+              </a:rPr>
+              <a:t>42</a:t>
+            </a:r>
+            <a:endParaRPr kumimoji="1" lang="ko-Kore-KR" altLang="en-US" sz="1200" dirty="0">
+              <a:solidFill>
+                <a:schemeClr val="tx1"/>
+              </a:solidFill>
+              <a:latin typeface="DM Mono" panose="020B0509040201040103" pitchFamily="49" charset="0"/>
+            </a:endParaRPr>
+          </a:p>
+        </p:txBody>
+      </p:sp>
+      <p:sp>
+        <p:nvSpPr>
+          <p:cNvPr id="5" name="TextBox 4">
+            <a:extLst>
+              <a:ext uri="{FF2B5EF4-FFF2-40B4-BE49-F238E27FC236}">
+                <a16:creationId xmlns:a16="http://schemas.microsoft.com/office/drawing/2014/main" id="{D5E1FFFA-75FB-324F-30B5-DF6CF704B464}"/>
+              </a:ext>
+            </a:extLst>
+          </p:cNvPr>
+          <p:cNvSpPr txBox="1"/>
+          <p:nvPr/>
+        </p:nvSpPr>
+        <p:spPr>
+          <a:xfrm>
+            <a:off x="6675619" y="2662525"/>
+            <a:ext cx="585868" cy="261610"/>
+          </a:xfrm>
+          <a:prstGeom prst="rect">
+            <a:avLst/>
+          </a:prstGeom>
+          <a:noFill/>
+        </p:spPr>
+        <p:txBody>
+          <a:bodyPr wrap="square">
+            <a:spAutoFit/>
+          </a:bodyPr>
+          <a:lstStyle/>
+          <a:p>
+            <a:pPr algn="r"/>
+            <a:r>
+              <a:rPr kumimoji="1" lang="en-US" altLang="ko-Kore-KR" sz="1100" dirty="0">
+                <a:solidFill>
+                  <a:schemeClr val="tx1"/>
+                </a:solidFill>
+                <a:latin typeface="DM Mono" panose="020B0509040201040103" pitchFamily="49" charset="0"/>
+              </a:rPr>
+              <a:t>age</a:t>
+            </a:r>
+            <a:endParaRPr kumimoji="1" lang="ko-Kore-KR" altLang="en-US" sz="1100" dirty="0">
+              <a:solidFill>
+                <a:schemeClr val="tx1"/>
+              </a:solidFill>
+              <a:latin typeface="DM Mono" panose="020B0509040201040103" pitchFamily="49" charset="0"/>
+            </a:endParaRPr>
+          </a:p>
+        </p:txBody>
+      </p:sp>
+      <p:sp>
+        <p:nvSpPr>
+          <p:cNvPr id="6" name="TextBox 5">
+            <a:extLst>
+              <a:ext uri="{FF2B5EF4-FFF2-40B4-BE49-F238E27FC236}">
+                <a16:creationId xmlns:a16="http://schemas.microsoft.com/office/drawing/2014/main" id="{9A34FBB7-7938-44D1-A72C-BBBC40612B73}"/>
+              </a:ext>
+            </a:extLst>
+          </p:cNvPr>
+          <p:cNvSpPr txBox="1"/>
+          <p:nvPr/>
+        </p:nvSpPr>
+        <p:spPr>
+          <a:xfrm>
+            <a:off x="7198714" y="1882214"/>
+            <a:ext cx="895039" cy="261610"/>
+          </a:xfrm>
+          <a:prstGeom prst="rect">
+            <a:avLst/>
+          </a:prstGeom>
+          <a:noFill/>
+        </p:spPr>
+        <p:txBody>
+          <a:bodyPr wrap="square">
+            <a:spAutoFit/>
+          </a:bodyPr>
+          <a:lstStyle/>
+          <a:p>
+            <a:pPr algn="ctr"/>
+            <a:r>
+              <a:rPr kumimoji="1" lang="en-US" altLang="ko-Kore-KR" sz="1100" dirty="0">
+                <a:solidFill>
+                  <a:schemeClr val="tx1"/>
+                </a:solidFill>
+                <a:latin typeface="DM Mono" panose="020B0509040201040103" pitchFamily="49" charset="0"/>
+              </a:rPr>
+              <a:t>other</a:t>
+            </a:r>
+            <a:endParaRPr kumimoji="1" lang="ko-Kore-KR" altLang="en-US" sz="1100" dirty="0">
+              <a:solidFill>
+                <a:schemeClr val="tx1"/>
+              </a:solidFill>
+              <a:latin typeface="DM Mono" panose="020B0509040201040103" pitchFamily="49" charset="0"/>
+            </a:endParaRPr>
+          </a:p>
+        </p:txBody>
+      </p:sp>
+      <p:sp>
+        <p:nvSpPr>
+          <p:cNvPr id="9" name="직사각형 8">
+            <a:extLst>
+              <a:ext uri="{FF2B5EF4-FFF2-40B4-BE49-F238E27FC236}">
+                <a16:creationId xmlns:a16="http://schemas.microsoft.com/office/drawing/2014/main" id="{D55A0B36-F089-6388-6BBC-A6D953BE43C1}"/>
+              </a:ext>
+            </a:extLst>
+          </p:cNvPr>
+          <p:cNvSpPr/>
+          <p:nvPr/>
+        </p:nvSpPr>
+        <p:spPr>
+          <a:xfrm>
+            <a:off x="7261487" y="3003192"/>
+            <a:ext cx="769495" cy="419724"/>
+          </a:xfrm>
+          <a:prstGeom prst="rect">
+            <a:avLst/>
+          </a:prstGeom>
+          <a:solidFill>
+            <a:schemeClr val="accent4">
+              <a:lumMod val="60000"/>
+              <a:lumOff val="40000"/>
+            </a:schemeClr>
+          </a:solidFill>
+        </p:spPr>
+        <p:style>
+          <a:lnRef idx="2">
+            <a:schemeClr val="accent4">
+              <a:shade val="15000"/>
+            </a:schemeClr>
+          </a:lnRef>
+          <a:fillRef idx="1">
+            <a:schemeClr val="accent4"/>
+          </a:fillRef>
+          <a:effectRef idx="0">
+            <a:schemeClr val="accent4"/>
+          </a:effectRef>
+          <a:fontRef idx="minor">
+            <a:schemeClr val="lt1"/>
+          </a:fontRef>
+        </p:style>
+        <p:txBody>
+          <a:bodyPr rtlCol="0" anchor="ctr"/>
+          <a:lstStyle/>
+          <a:p>
+            <a:pPr algn="ctr"/>
+            <a:endParaRPr kumimoji="1" lang="ko-Kore-KR" altLang="en-US" sz="1200" dirty="0">
+              <a:solidFill>
+                <a:schemeClr val="tx1"/>
+              </a:solidFill>
+              <a:latin typeface="DM Mono" panose="020B0509040201040103" pitchFamily="49" charset="0"/>
+            </a:endParaRPr>
+          </a:p>
+        </p:txBody>
+      </p:sp>
+      <p:sp>
+        <p:nvSpPr>
+          <p:cNvPr id="13" name="TextBox 12">
+            <a:extLst>
+              <a:ext uri="{FF2B5EF4-FFF2-40B4-BE49-F238E27FC236}">
+                <a16:creationId xmlns:a16="http://schemas.microsoft.com/office/drawing/2014/main" id="{FC32C88B-291E-9E50-F2C2-2FFAC3E83EAF}"/>
+              </a:ext>
+            </a:extLst>
+          </p:cNvPr>
+          <p:cNvSpPr txBox="1"/>
+          <p:nvPr/>
+        </p:nvSpPr>
+        <p:spPr>
+          <a:xfrm>
+            <a:off x="6675619" y="3082249"/>
+            <a:ext cx="585868" cy="261610"/>
+          </a:xfrm>
+          <a:prstGeom prst="rect">
+            <a:avLst/>
+          </a:prstGeom>
+          <a:noFill/>
+        </p:spPr>
+        <p:txBody>
+          <a:bodyPr wrap="square">
+            <a:spAutoFit/>
+          </a:bodyPr>
+          <a:lstStyle/>
+          <a:p>
+            <a:pPr algn="r"/>
+            <a:r>
+              <a:rPr kumimoji="1" lang="en-US" altLang="ko-Kore-KR" sz="1100" dirty="0">
+                <a:solidFill>
+                  <a:schemeClr val="tx1"/>
+                </a:solidFill>
+                <a:latin typeface="DM Mono" panose="020B0509040201040103" pitchFamily="49" charset="0"/>
+              </a:rPr>
+              <a:t>ref</a:t>
+            </a:r>
+            <a:endParaRPr kumimoji="1" lang="ko-Kore-KR" altLang="en-US" sz="1100" dirty="0">
+              <a:solidFill>
+                <a:schemeClr val="tx1"/>
+              </a:solidFill>
+              <a:latin typeface="DM Mono" panose="020B0509040201040103" pitchFamily="49" charset="0"/>
+            </a:endParaRPr>
+          </a:p>
+        </p:txBody>
+      </p:sp>
+      <p:cxnSp>
+        <p:nvCxnSpPr>
+          <p:cNvPr id="15" name="구부러진 연결선[U] 14">
+            <a:extLst>
+              <a:ext uri="{FF2B5EF4-FFF2-40B4-BE49-F238E27FC236}">
+                <a16:creationId xmlns:a16="http://schemas.microsoft.com/office/drawing/2014/main" id="{36DED199-9245-7ADA-B26D-1E17BBDA7904}"/>
+              </a:ext>
+            </a:extLst>
+          </p:cNvPr>
+          <p:cNvCxnSpPr>
+            <a:cxnSpLocks/>
+            <a:stCxn id="2" idx="3"/>
+            <a:endCxn id="14" idx="1"/>
+          </p:cNvCxnSpPr>
+          <p:nvPr/>
+        </p:nvCxnSpPr>
+        <p:spPr>
+          <a:xfrm>
+            <a:off x="8030982" y="2373606"/>
+            <a:ext cx="1936230" cy="118511"/>
+          </a:xfrm>
+          <a:prstGeom prst="curvedConnector3">
+            <a:avLst/>
+          </a:prstGeom>
+          <a:ln>
+            <a:tailEnd type="triangle"/>
+          </a:ln>
+        </p:spPr>
+        <p:style>
+          <a:lnRef idx="1">
+            <a:schemeClr val="dk1"/>
+          </a:lnRef>
+          <a:fillRef idx="0">
+            <a:schemeClr val="dk1"/>
+          </a:fillRef>
+          <a:effectRef idx="0">
+            <a:schemeClr val="dk1"/>
+          </a:effectRef>
+          <a:fontRef idx="minor">
+            <a:schemeClr val="tx1"/>
+          </a:fontRef>
+        </p:style>
+      </p:cxnSp>
+      <p:cxnSp>
+        <p:nvCxnSpPr>
+          <p:cNvPr id="20" name="구부러진 연결선[U] 19">
+            <a:extLst>
+              <a:ext uri="{FF2B5EF4-FFF2-40B4-BE49-F238E27FC236}">
+                <a16:creationId xmlns:a16="http://schemas.microsoft.com/office/drawing/2014/main" id="{CAFE245B-700D-E5BB-D153-77EC21427D7B}"/>
+              </a:ext>
+            </a:extLst>
+          </p:cNvPr>
+          <p:cNvCxnSpPr>
+            <a:cxnSpLocks/>
+            <a:stCxn id="9" idx="3"/>
+            <a:endCxn id="25" idx="1"/>
+          </p:cNvCxnSpPr>
+          <p:nvPr/>
+        </p:nvCxnSpPr>
+        <p:spPr>
+          <a:xfrm>
+            <a:off x="8030982" y="3213054"/>
+            <a:ext cx="2622032" cy="710624"/>
+          </a:xfrm>
+          <a:prstGeom prst="curvedConnector3">
+            <a:avLst/>
+          </a:prstGeom>
+          <a:ln>
+            <a:tailEnd type="triangle"/>
+          </a:ln>
+        </p:spPr>
+        <p:style>
+          <a:lnRef idx="1">
+            <a:schemeClr val="dk1"/>
+          </a:lnRef>
+          <a:fillRef idx="0">
+            <a:schemeClr val="dk1"/>
+          </a:fillRef>
+          <a:effectRef idx="0">
+            <a:schemeClr val="dk1"/>
+          </a:effectRef>
+          <a:fontRef idx="minor">
+            <a:schemeClr val="tx1"/>
+          </a:fontRef>
+        </p:style>
+      </p:cxnSp>
+      <p:sp>
+        <p:nvSpPr>
+          <p:cNvPr id="17" name="직사각형 16">
+            <a:extLst>
+              <a:ext uri="{FF2B5EF4-FFF2-40B4-BE49-F238E27FC236}">
+                <a16:creationId xmlns:a16="http://schemas.microsoft.com/office/drawing/2014/main" id="{ED911B94-C102-DAB8-E7CC-4787BD4F1646}"/>
+              </a:ext>
+            </a:extLst>
+          </p:cNvPr>
+          <p:cNvSpPr/>
+          <p:nvPr/>
+        </p:nvSpPr>
+        <p:spPr>
+          <a:xfrm>
+            <a:off x="7265548" y="377346"/>
+            <a:ext cx="769495" cy="419724"/>
+          </a:xfrm>
+          <a:prstGeom prst="rect">
+            <a:avLst/>
+          </a:prstGeom>
+          <a:solidFill>
+            <a:schemeClr val="accent4">
+              <a:lumMod val="60000"/>
+              <a:lumOff val="40000"/>
+            </a:schemeClr>
+          </a:solidFill>
+        </p:spPr>
+        <p:style>
+          <a:lnRef idx="2">
+            <a:schemeClr val="accent4">
+              <a:shade val="15000"/>
+            </a:schemeClr>
+          </a:lnRef>
+          <a:fillRef idx="1">
+            <a:schemeClr val="accent4"/>
+          </a:fillRef>
+          <a:effectRef idx="0">
+            <a:schemeClr val="accent4"/>
+          </a:effectRef>
+          <a:fontRef idx="minor">
+            <a:schemeClr val="lt1"/>
+          </a:fontRef>
+        </p:style>
+        <p:txBody>
+          <a:bodyPr rtlCol="0" anchor="ctr"/>
+          <a:lstStyle/>
+          <a:p>
+            <a:pPr algn="ctr"/>
+            <a:r>
+              <a:rPr kumimoji="1" lang="en-US" altLang="ko-Kore-KR" sz="1200" dirty="0">
+                <a:solidFill>
+                  <a:schemeClr val="tx1"/>
+                </a:solidFill>
+                <a:latin typeface="DM Mono" panose="020B0509040201040103" pitchFamily="49" charset="0"/>
+              </a:rPr>
+              <a:t>0x1000</a:t>
+            </a:r>
+            <a:endParaRPr kumimoji="1" lang="ko-Kore-KR" altLang="en-US" sz="1200" dirty="0">
+              <a:solidFill>
+                <a:schemeClr val="tx1"/>
+              </a:solidFill>
+              <a:latin typeface="DM Mono" panose="020B0509040201040103" pitchFamily="49" charset="0"/>
+            </a:endParaRPr>
+          </a:p>
+        </p:txBody>
+      </p:sp>
+      <p:sp>
+        <p:nvSpPr>
+          <p:cNvPr id="18" name="TextBox 17">
+            <a:extLst>
+              <a:ext uri="{FF2B5EF4-FFF2-40B4-BE49-F238E27FC236}">
+                <a16:creationId xmlns:a16="http://schemas.microsoft.com/office/drawing/2014/main" id="{586F8BCA-07B7-1BFF-F34B-4B37302C4E9C}"/>
+              </a:ext>
+            </a:extLst>
+          </p:cNvPr>
+          <p:cNvSpPr txBox="1"/>
+          <p:nvPr/>
+        </p:nvSpPr>
+        <p:spPr>
+          <a:xfrm>
+            <a:off x="6579746" y="456403"/>
+            <a:ext cx="685802" cy="261610"/>
+          </a:xfrm>
+          <a:prstGeom prst="rect">
+            <a:avLst/>
+          </a:prstGeom>
+          <a:noFill/>
+        </p:spPr>
+        <p:txBody>
+          <a:bodyPr wrap="square">
+            <a:spAutoFit/>
+          </a:bodyPr>
+          <a:lstStyle/>
+          <a:p>
+            <a:pPr algn="r"/>
+            <a:r>
+              <a:rPr kumimoji="1" lang="en-US" altLang="ko-Kore-KR" sz="1100" dirty="0">
+                <a:latin typeface="DM Mono" panose="020B0509040201040103" pitchFamily="49" charset="0"/>
+              </a:rPr>
+              <a:t>name</a:t>
+            </a:r>
+            <a:endParaRPr kumimoji="1" lang="ko-Kore-KR" altLang="en-US" sz="1100" dirty="0">
+              <a:solidFill>
+                <a:schemeClr val="tx1"/>
+              </a:solidFill>
+              <a:latin typeface="DM Mono" panose="020B0509040201040103" pitchFamily="49" charset="0"/>
+            </a:endParaRPr>
+          </a:p>
+        </p:txBody>
+      </p:sp>
+      <p:sp>
+        <p:nvSpPr>
+          <p:cNvPr id="21" name="직사각형 20">
+            <a:extLst>
+              <a:ext uri="{FF2B5EF4-FFF2-40B4-BE49-F238E27FC236}">
+                <a16:creationId xmlns:a16="http://schemas.microsoft.com/office/drawing/2014/main" id="{A8EF9E2A-426E-D346-DF9E-F32D11407959}"/>
+              </a:ext>
+            </a:extLst>
+          </p:cNvPr>
+          <p:cNvSpPr/>
+          <p:nvPr/>
+        </p:nvSpPr>
+        <p:spPr>
+          <a:xfrm>
+            <a:off x="7265548" y="797070"/>
+            <a:ext cx="769495" cy="419724"/>
+          </a:xfrm>
+          <a:prstGeom prst="rect">
+            <a:avLst/>
+          </a:prstGeom>
+          <a:solidFill>
+            <a:schemeClr val="accent4">
+              <a:lumMod val="60000"/>
+              <a:lumOff val="40000"/>
+            </a:schemeClr>
+          </a:solidFill>
+        </p:spPr>
+        <p:style>
+          <a:lnRef idx="2">
+            <a:schemeClr val="accent4">
+              <a:shade val="15000"/>
+            </a:schemeClr>
+          </a:lnRef>
+          <a:fillRef idx="1">
+            <a:schemeClr val="accent4"/>
+          </a:fillRef>
+          <a:effectRef idx="0">
+            <a:schemeClr val="accent4"/>
+          </a:effectRef>
+          <a:fontRef idx="minor">
+            <a:schemeClr val="lt1"/>
+          </a:fontRef>
+        </p:style>
+        <p:txBody>
+          <a:bodyPr rtlCol="0" anchor="ctr"/>
+          <a:lstStyle/>
+          <a:p>
+            <a:pPr algn="ctr"/>
+            <a:r>
+              <a:rPr kumimoji="1" lang="en-US" altLang="ko-Kore-KR" sz="1200" dirty="0">
+                <a:solidFill>
+                  <a:schemeClr val="tx1"/>
+                </a:solidFill>
+                <a:latin typeface="DM Mono" panose="020B0509040201040103" pitchFamily="49" charset="0"/>
+              </a:rPr>
+              <a:t>42</a:t>
+            </a:r>
+            <a:endParaRPr kumimoji="1" lang="ko-Kore-KR" altLang="en-US" sz="1200" dirty="0">
+              <a:solidFill>
+                <a:schemeClr val="tx1"/>
+              </a:solidFill>
+              <a:latin typeface="DM Mono" panose="020B0509040201040103" pitchFamily="49" charset="0"/>
+            </a:endParaRPr>
+          </a:p>
+        </p:txBody>
+      </p:sp>
+      <p:sp>
+        <p:nvSpPr>
+          <p:cNvPr id="22" name="TextBox 21">
+            <a:extLst>
+              <a:ext uri="{FF2B5EF4-FFF2-40B4-BE49-F238E27FC236}">
+                <a16:creationId xmlns:a16="http://schemas.microsoft.com/office/drawing/2014/main" id="{853E996D-4AB1-623C-959A-C63860A32D30}"/>
+              </a:ext>
+            </a:extLst>
+          </p:cNvPr>
+          <p:cNvSpPr txBox="1"/>
+          <p:nvPr/>
+        </p:nvSpPr>
+        <p:spPr>
+          <a:xfrm>
+            <a:off x="6679680" y="876127"/>
+            <a:ext cx="585868" cy="261610"/>
+          </a:xfrm>
+          <a:prstGeom prst="rect">
+            <a:avLst/>
+          </a:prstGeom>
+          <a:noFill/>
+        </p:spPr>
+        <p:txBody>
+          <a:bodyPr wrap="square">
+            <a:spAutoFit/>
+          </a:bodyPr>
+          <a:lstStyle/>
+          <a:p>
+            <a:pPr algn="r"/>
+            <a:r>
+              <a:rPr kumimoji="1" lang="en-US" altLang="ko-Kore-KR" sz="1100" dirty="0">
+                <a:solidFill>
+                  <a:schemeClr val="tx1"/>
+                </a:solidFill>
+                <a:latin typeface="DM Mono" panose="020B0509040201040103" pitchFamily="49" charset="0"/>
+              </a:rPr>
+              <a:t>age</a:t>
+            </a:r>
+            <a:endParaRPr kumimoji="1" lang="ko-Kore-KR" altLang="en-US" sz="1100" dirty="0">
+              <a:solidFill>
+                <a:schemeClr val="tx1"/>
+              </a:solidFill>
+              <a:latin typeface="DM Mono" panose="020B0509040201040103" pitchFamily="49" charset="0"/>
+            </a:endParaRPr>
+          </a:p>
+        </p:txBody>
+      </p:sp>
+      <p:sp>
+        <p:nvSpPr>
+          <p:cNvPr id="27" name="TextBox 26">
+            <a:extLst>
+              <a:ext uri="{FF2B5EF4-FFF2-40B4-BE49-F238E27FC236}">
+                <a16:creationId xmlns:a16="http://schemas.microsoft.com/office/drawing/2014/main" id="{03CF7B3C-163F-B992-787F-1016FBC318FA}"/>
+              </a:ext>
+            </a:extLst>
+          </p:cNvPr>
+          <p:cNvSpPr txBox="1"/>
+          <p:nvPr/>
+        </p:nvSpPr>
+        <p:spPr>
+          <a:xfrm>
+            <a:off x="7202775" y="95816"/>
+            <a:ext cx="895039" cy="261610"/>
+          </a:xfrm>
+          <a:prstGeom prst="rect">
+            <a:avLst/>
+          </a:prstGeom>
+          <a:noFill/>
+        </p:spPr>
+        <p:txBody>
+          <a:bodyPr wrap="square">
+            <a:spAutoFit/>
+          </a:bodyPr>
+          <a:lstStyle/>
+          <a:p>
+            <a:pPr algn="ctr"/>
+            <a:r>
+              <a:rPr kumimoji="1" lang="en-US" altLang="ko-Kore-KR" sz="1100" dirty="0">
+                <a:solidFill>
+                  <a:schemeClr val="tx1"/>
+                </a:solidFill>
+                <a:latin typeface="DM Mono" panose="020B0509040201040103" pitchFamily="49" charset="0"/>
+              </a:rPr>
+              <a:t>other2</a:t>
+            </a:r>
+            <a:endParaRPr kumimoji="1" lang="ko-Kore-KR" altLang="en-US" sz="1100" dirty="0">
+              <a:solidFill>
+                <a:schemeClr val="tx1"/>
+              </a:solidFill>
+              <a:latin typeface="DM Mono" panose="020B0509040201040103" pitchFamily="49" charset="0"/>
+            </a:endParaRPr>
+          </a:p>
+        </p:txBody>
+      </p:sp>
+      <p:sp>
+        <p:nvSpPr>
+          <p:cNvPr id="28" name="직사각형 27">
+            <a:extLst>
+              <a:ext uri="{FF2B5EF4-FFF2-40B4-BE49-F238E27FC236}">
+                <a16:creationId xmlns:a16="http://schemas.microsoft.com/office/drawing/2014/main" id="{5F4B3172-808E-BE97-EE2B-F7E03C9B0359}"/>
+              </a:ext>
+            </a:extLst>
+          </p:cNvPr>
+          <p:cNvSpPr/>
+          <p:nvPr/>
+        </p:nvSpPr>
+        <p:spPr>
+          <a:xfrm>
+            <a:off x="7265548" y="1216794"/>
+            <a:ext cx="769495" cy="419724"/>
+          </a:xfrm>
+          <a:prstGeom prst="rect">
+            <a:avLst/>
+          </a:prstGeom>
+          <a:solidFill>
+            <a:schemeClr val="accent4">
+              <a:lumMod val="60000"/>
+              <a:lumOff val="40000"/>
+            </a:schemeClr>
+          </a:solidFill>
+        </p:spPr>
+        <p:style>
+          <a:lnRef idx="2">
+            <a:schemeClr val="accent4">
+              <a:shade val="15000"/>
+            </a:schemeClr>
+          </a:lnRef>
+          <a:fillRef idx="1">
+            <a:schemeClr val="accent4"/>
+          </a:fillRef>
+          <a:effectRef idx="0">
+            <a:schemeClr val="accent4"/>
+          </a:effectRef>
+          <a:fontRef idx="minor">
+            <a:schemeClr val="lt1"/>
+          </a:fontRef>
+        </p:style>
+        <p:txBody>
+          <a:bodyPr rtlCol="0" anchor="ctr"/>
+          <a:lstStyle/>
+          <a:p>
+            <a:pPr algn="ctr"/>
+            <a:endParaRPr kumimoji="1" lang="ko-Kore-KR" altLang="en-US" sz="1200" dirty="0">
+              <a:solidFill>
+                <a:schemeClr val="tx1"/>
+              </a:solidFill>
+              <a:latin typeface="DM Mono" panose="020B0509040201040103" pitchFamily="49" charset="0"/>
+            </a:endParaRPr>
+          </a:p>
+        </p:txBody>
+      </p:sp>
+      <p:sp>
+        <p:nvSpPr>
+          <p:cNvPr id="29" name="TextBox 28">
+            <a:extLst>
+              <a:ext uri="{FF2B5EF4-FFF2-40B4-BE49-F238E27FC236}">
+                <a16:creationId xmlns:a16="http://schemas.microsoft.com/office/drawing/2014/main" id="{BEF84431-C21F-A6FA-6321-06B9AE909101}"/>
+              </a:ext>
+            </a:extLst>
+          </p:cNvPr>
+          <p:cNvSpPr txBox="1"/>
+          <p:nvPr/>
+        </p:nvSpPr>
+        <p:spPr>
+          <a:xfrm>
+            <a:off x="6679680" y="1295851"/>
+            <a:ext cx="585868" cy="261610"/>
+          </a:xfrm>
+          <a:prstGeom prst="rect">
+            <a:avLst/>
+          </a:prstGeom>
+          <a:noFill/>
+        </p:spPr>
+        <p:txBody>
+          <a:bodyPr wrap="square">
+            <a:spAutoFit/>
+          </a:bodyPr>
+          <a:lstStyle/>
+          <a:p>
+            <a:pPr algn="r"/>
+            <a:r>
+              <a:rPr kumimoji="1" lang="en-US" altLang="ko-Kore-KR" sz="1100" dirty="0">
+                <a:solidFill>
+                  <a:schemeClr val="tx1"/>
+                </a:solidFill>
+                <a:latin typeface="DM Mono" panose="020B0509040201040103" pitchFamily="49" charset="0"/>
+              </a:rPr>
+              <a:t>ref</a:t>
+            </a:r>
+            <a:endParaRPr kumimoji="1" lang="ko-Kore-KR" altLang="en-US" sz="1100" dirty="0">
+              <a:solidFill>
+                <a:schemeClr val="tx1"/>
+              </a:solidFill>
+              <a:latin typeface="DM Mono" panose="020B0509040201040103" pitchFamily="49" charset="0"/>
+            </a:endParaRPr>
+          </a:p>
+        </p:txBody>
+      </p:sp>
+      <p:cxnSp>
+        <p:nvCxnSpPr>
+          <p:cNvPr id="30" name="구부러진 연결선[U] 29">
+            <a:extLst>
+              <a:ext uri="{FF2B5EF4-FFF2-40B4-BE49-F238E27FC236}">
+                <a16:creationId xmlns:a16="http://schemas.microsoft.com/office/drawing/2014/main" id="{19F7DFE1-B3EB-5C86-8597-AD36F41DD022}"/>
+              </a:ext>
+            </a:extLst>
+          </p:cNvPr>
+          <p:cNvCxnSpPr>
+            <a:cxnSpLocks/>
+            <a:stCxn id="17" idx="3"/>
+            <a:endCxn id="14" idx="1"/>
+          </p:cNvCxnSpPr>
+          <p:nvPr/>
+        </p:nvCxnSpPr>
+        <p:spPr>
+          <a:xfrm>
+            <a:off x="8035043" y="587208"/>
+            <a:ext cx="1932169" cy="1904909"/>
+          </a:xfrm>
+          <a:prstGeom prst="curvedConnector3">
+            <a:avLst/>
+          </a:prstGeom>
+          <a:ln>
+            <a:tailEnd type="triangle"/>
+          </a:ln>
+        </p:spPr>
+        <p:style>
+          <a:lnRef idx="1">
+            <a:schemeClr val="dk1"/>
+          </a:lnRef>
+          <a:fillRef idx="0">
+            <a:schemeClr val="dk1"/>
+          </a:fillRef>
+          <a:effectRef idx="0">
+            <a:schemeClr val="dk1"/>
+          </a:effectRef>
+          <a:fontRef idx="minor">
+            <a:schemeClr val="tx1"/>
+          </a:fontRef>
+        </p:style>
+      </p:cxnSp>
+      <p:cxnSp>
+        <p:nvCxnSpPr>
+          <p:cNvPr id="33" name="구부러진 연결선[U] 32">
+            <a:extLst>
+              <a:ext uri="{FF2B5EF4-FFF2-40B4-BE49-F238E27FC236}">
+                <a16:creationId xmlns:a16="http://schemas.microsoft.com/office/drawing/2014/main" id="{63773B5C-A89D-18D5-E662-E2DB93F54DE5}"/>
+              </a:ext>
+            </a:extLst>
+          </p:cNvPr>
+          <p:cNvCxnSpPr>
+            <a:cxnSpLocks/>
+            <a:stCxn id="28" idx="3"/>
+            <a:endCxn id="25" idx="1"/>
+          </p:cNvCxnSpPr>
+          <p:nvPr/>
+        </p:nvCxnSpPr>
+        <p:spPr>
+          <a:xfrm>
+            <a:off x="8035043" y="1426656"/>
+            <a:ext cx="2617971" cy="2497022"/>
+          </a:xfrm>
+          <a:prstGeom prst="curvedConnector3">
+            <a:avLst/>
+          </a:prstGeom>
+          <a:ln>
+            <a:tailEnd type="triangle"/>
+          </a:ln>
+        </p:spPr>
+        <p:style>
+          <a:lnRef idx="1">
+            <a:schemeClr val="dk1"/>
+          </a:lnRef>
+          <a:fillRef idx="0">
+            <a:schemeClr val="dk1"/>
+          </a:fillRef>
+          <a:effectRef idx="0">
+            <a:schemeClr val="dk1"/>
+          </a:effectRef>
+          <a:fontRef idx="minor">
+            <a:schemeClr val="tx1"/>
+          </a:fontRef>
+        </p:style>
+      </p:cxnSp>
+      <p:sp>
+        <p:nvSpPr>
+          <p:cNvPr id="36" name="TextBox 35">
+            <a:extLst>
+              <a:ext uri="{FF2B5EF4-FFF2-40B4-BE49-F238E27FC236}">
+                <a16:creationId xmlns:a16="http://schemas.microsoft.com/office/drawing/2014/main" id="{72C9156E-D6E1-8131-581B-2CFF05BD44FA}"/>
+              </a:ext>
+            </a:extLst>
+          </p:cNvPr>
+          <p:cNvSpPr txBox="1"/>
+          <p:nvPr/>
+        </p:nvSpPr>
+        <p:spPr>
+          <a:xfrm>
+            <a:off x="296057" y="65282"/>
+            <a:ext cx="6096000" cy="1600438"/>
+          </a:xfrm>
+          <a:prstGeom prst="rect">
+            <a:avLst/>
+          </a:prstGeom>
+          <a:noFill/>
+        </p:spPr>
+        <p:txBody>
+          <a:bodyPr wrap="square">
+            <a:spAutoFit/>
+          </a:bodyPr>
+          <a:lstStyle/>
+          <a:p>
+            <a:r>
+              <a:rPr lang="ko-Kore-KR" altLang="en-US" sz="1400" dirty="0">
+                <a:latin typeface="DM Mono" panose="020B0509040201040103" pitchFamily="49" charset="0"/>
+              </a:rPr>
+              <a:t> </a:t>
+            </a:r>
+            <a:r>
+              <a:rPr lang="en-US" altLang="ko-Kore-KR" sz="1400" dirty="0">
+                <a:latin typeface="DM Mono" panose="020B0509040201040103" pitchFamily="49" charset="0"/>
+              </a:rPr>
+              <a:t>   </a:t>
+            </a:r>
+            <a:r>
+              <a:rPr lang="ko-Kore-KR" altLang="en-US" sz="1400" dirty="0">
+                <a:latin typeface="DM Mono" panose="020B0509040201040103" pitchFamily="49" charset="0"/>
+              </a:rPr>
+              <a:t>User(const User&amp; rhs)</a:t>
+            </a:r>
+          </a:p>
+          <a:p>
+            <a:r>
+              <a:rPr lang="ko-Kore-KR" altLang="en-US" sz="1400" dirty="0">
+                <a:latin typeface="DM Mono" panose="020B0509040201040103" pitchFamily="49" charset="0"/>
+              </a:rPr>
+              <a:t>        : name(rhs.name)</a:t>
+            </a:r>
+          </a:p>
+          <a:p>
+            <a:r>
+              <a:rPr lang="ko-Kore-KR" altLang="en-US" sz="1400" dirty="0">
+                <a:latin typeface="DM Mono" panose="020B0509040201040103" pitchFamily="49" charset="0"/>
+              </a:rPr>
+              <a:t>        , age(rhs.age)</a:t>
+            </a:r>
+          </a:p>
+          <a:p>
+            <a:r>
+              <a:rPr lang="ko-Kore-KR" altLang="en-US" sz="1400" dirty="0">
+                <a:latin typeface="DM Mono" panose="020B0509040201040103" pitchFamily="49" charset="0"/>
+              </a:rPr>
+              <a:t>        , ref(rhs.ref)</a:t>
+            </a:r>
+          </a:p>
+          <a:p>
+            <a:r>
+              <a:rPr lang="ko-Kore-KR" altLang="en-US" sz="1400" dirty="0">
+                <a:latin typeface="DM Mono" panose="020B0509040201040103" pitchFamily="49" charset="0"/>
+              </a:rPr>
+              <a:t>    {</a:t>
+            </a:r>
+          </a:p>
+          <a:p>
+            <a:r>
+              <a:rPr lang="en-US" altLang="ko-Kore-KR" sz="1400" dirty="0">
+                <a:latin typeface="DM Mono" panose="020B0509040201040103" pitchFamily="49" charset="0"/>
+              </a:rPr>
+              <a:t>         </a:t>
+            </a:r>
+            <a:r>
+              <a:rPr lang="ko-Kore-KR" altLang="en-US" sz="1400" dirty="0">
+                <a:solidFill>
+                  <a:srgbClr val="FF0000"/>
+                </a:solidFill>
+                <a:latin typeface="DM Mono" panose="020B0509040201040103" pitchFamily="49" charset="0"/>
+              </a:rPr>
+              <a:t>++(*ref);</a:t>
+            </a:r>
+          </a:p>
+          <a:p>
+            <a:r>
+              <a:rPr lang="ko-Kore-KR" altLang="en-US" sz="1400" dirty="0">
+                <a:latin typeface="DM Mono" panose="020B0509040201040103" pitchFamily="49" charset="0"/>
+              </a:rPr>
+              <a:t>    }</a:t>
+            </a:r>
+          </a:p>
+        </p:txBody>
+      </p:sp>
+    </p:spTree>
+    <p:extLst>
+      <p:ext uri="{BB962C8B-B14F-4D97-AF65-F5344CB8AC3E}">
+        <p14:creationId xmlns:p14="http://schemas.microsoft.com/office/powerpoint/2010/main" val="1998636906"/>
+      </p:ext>
+    </p:extLst>
+  </p:cSld>
+  <p:clrMapOvr>
+    <a:masterClrMapping/>
+  </p:clrMapOvr>
+</p:sld>
+</file>
+
+<file path=ppt/slides/slide22.xml><?xml version="1.0" encoding="utf-8"?>
+<p:sld xmlns:a="http://schemas.openxmlformats.org/drawingml/2006/main" xmlns:r="http://schemas.openxmlformats.org/officeDocument/2006/relationships" xmlns:p="http://schemas.openxmlformats.org/presentationml/2006/main">
+  <p:cSld>
+    <p:spTree>
+      <p:nvGrpSpPr>
+        <p:cNvPr id="1" name=""/>
+        <p:cNvGrpSpPr/>
+        <p:nvPr/>
+      </p:nvGrpSpPr>
+      <p:grpSpPr>
+        <a:xfrm>
+          <a:off x="0" y="0"/>
+          <a:ext cx="0" cy="0"/>
+          <a:chOff x="0" y="0"/>
+          <a:chExt cx="0" cy="0"/>
+        </a:xfrm>
+      </p:grpSpPr>
+      <p:sp>
+        <p:nvSpPr>
+          <p:cNvPr id="7" name="직사각형 6">
+            <a:extLst>
+              <a:ext uri="{FF2B5EF4-FFF2-40B4-BE49-F238E27FC236}">
+                <a16:creationId xmlns:a16="http://schemas.microsoft.com/office/drawing/2014/main" id="{31CCB710-0121-1DC8-86D7-67AEA020399A}"/>
+              </a:ext>
+            </a:extLst>
+          </p:cNvPr>
+          <p:cNvSpPr/>
+          <p:nvPr/>
+        </p:nvSpPr>
+        <p:spPr>
+          <a:xfrm>
+            <a:off x="7261487" y="4497051"/>
+            <a:ext cx="769495" cy="419724"/>
+          </a:xfrm>
+          <a:prstGeom prst="rect">
+            <a:avLst/>
+          </a:prstGeom>
+          <a:solidFill>
+            <a:schemeClr val="accent4">
+              <a:lumMod val="60000"/>
+              <a:lumOff val="40000"/>
+            </a:schemeClr>
+          </a:solidFill>
+        </p:spPr>
+        <p:style>
+          <a:lnRef idx="2">
+            <a:schemeClr val="accent4">
+              <a:shade val="15000"/>
+            </a:schemeClr>
+          </a:lnRef>
+          <a:fillRef idx="1">
+            <a:schemeClr val="accent4"/>
+          </a:fillRef>
+          <a:effectRef idx="0">
+            <a:schemeClr val="accent4"/>
+          </a:effectRef>
+          <a:fontRef idx="minor">
+            <a:schemeClr val="lt1"/>
+          </a:fontRef>
+        </p:style>
+        <p:txBody>
+          <a:bodyPr rtlCol="0" anchor="ctr"/>
+          <a:lstStyle/>
+          <a:p>
+            <a:pPr algn="ctr"/>
+            <a:r>
+              <a:rPr kumimoji="1" lang="en-US" altLang="ko-Kore-KR" sz="1200" dirty="0">
+                <a:solidFill>
+                  <a:schemeClr val="tx1"/>
+                </a:solidFill>
+                <a:latin typeface="DM Mono" panose="020B0509040201040103" pitchFamily="49" charset="0"/>
+              </a:rPr>
+              <a:t>0x1000</a:t>
+            </a:r>
+            <a:endParaRPr kumimoji="1" lang="ko-Kore-KR" altLang="en-US" sz="1200" dirty="0">
+              <a:solidFill>
+                <a:schemeClr val="tx1"/>
+              </a:solidFill>
+              <a:latin typeface="DM Mono" panose="020B0509040201040103" pitchFamily="49" charset="0"/>
+            </a:endParaRPr>
+          </a:p>
+        </p:txBody>
+      </p:sp>
+      <p:sp>
+        <p:nvSpPr>
+          <p:cNvPr id="8" name="TextBox 7">
+            <a:extLst>
+              <a:ext uri="{FF2B5EF4-FFF2-40B4-BE49-F238E27FC236}">
+                <a16:creationId xmlns:a16="http://schemas.microsoft.com/office/drawing/2014/main" id="{0E51DEEF-5480-C48B-053D-43D22F6A7663}"/>
+              </a:ext>
+            </a:extLst>
+          </p:cNvPr>
+          <p:cNvSpPr txBox="1"/>
+          <p:nvPr/>
+        </p:nvSpPr>
+        <p:spPr>
+          <a:xfrm>
+            <a:off x="6575685" y="4576108"/>
+            <a:ext cx="685802" cy="261610"/>
+          </a:xfrm>
+          <a:prstGeom prst="rect">
+            <a:avLst/>
+          </a:prstGeom>
+          <a:noFill/>
+        </p:spPr>
+        <p:txBody>
+          <a:bodyPr wrap="square">
+            <a:spAutoFit/>
+          </a:bodyPr>
+          <a:lstStyle/>
+          <a:p>
+            <a:pPr algn="r"/>
+            <a:r>
+              <a:rPr kumimoji="1" lang="en-US" altLang="ko-Kore-KR" sz="1100" dirty="0">
+                <a:latin typeface="DM Mono" panose="020B0509040201040103" pitchFamily="49" charset="0"/>
+              </a:rPr>
+              <a:t>name</a:t>
+            </a:r>
+            <a:endParaRPr kumimoji="1" lang="ko-Kore-KR" altLang="en-US" sz="1100" dirty="0">
+              <a:solidFill>
+                <a:schemeClr val="tx1"/>
+              </a:solidFill>
+              <a:latin typeface="DM Mono" panose="020B0509040201040103" pitchFamily="49" charset="0"/>
+            </a:endParaRPr>
+          </a:p>
+        </p:txBody>
+      </p:sp>
+      <p:sp>
+        <p:nvSpPr>
+          <p:cNvPr id="10" name="직사각형 9">
+            <a:extLst>
+              <a:ext uri="{FF2B5EF4-FFF2-40B4-BE49-F238E27FC236}">
+                <a16:creationId xmlns:a16="http://schemas.microsoft.com/office/drawing/2014/main" id="{FA835144-65A9-5595-9B94-37E2A8886E68}"/>
+              </a:ext>
+            </a:extLst>
+          </p:cNvPr>
+          <p:cNvSpPr/>
+          <p:nvPr/>
+        </p:nvSpPr>
+        <p:spPr>
+          <a:xfrm>
+            <a:off x="7261487" y="4916775"/>
+            <a:ext cx="769495" cy="419724"/>
+          </a:xfrm>
+          <a:prstGeom prst="rect">
+            <a:avLst/>
+          </a:prstGeom>
+          <a:solidFill>
+            <a:schemeClr val="accent4">
+              <a:lumMod val="60000"/>
+              <a:lumOff val="40000"/>
+            </a:schemeClr>
+          </a:solidFill>
+        </p:spPr>
+        <p:style>
+          <a:lnRef idx="2">
+            <a:schemeClr val="accent4">
+              <a:shade val="15000"/>
+            </a:schemeClr>
+          </a:lnRef>
+          <a:fillRef idx="1">
+            <a:schemeClr val="accent4"/>
+          </a:fillRef>
+          <a:effectRef idx="0">
+            <a:schemeClr val="accent4"/>
+          </a:effectRef>
+          <a:fontRef idx="minor">
+            <a:schemeClr val="lt1"/>
+          </a:fontRef>
+        </p:style>
+        <p:txBody>
+          <a:bodyPr rtlCol="0" anchor="ctr"/>
+          <a:lstStyle/>
+          <a:p>
+            <a:pPr algn="ctr"/>
+            <a:r>
+              <a:rPr kumimoji="1" lang="en-US" altLang="ko-Kore-KR" sz="1200" dirty="0">
+                <a:solidFill>
+                  <a:schemeClr val="tx1"/>
+                </a:solidFill>
+                <a:latin typeface="DM Mono" panose="020B0509040201040103" pitchFamily="49" charset="0"/>
+              </a:rPr>
+              <a:t>42</a:t>
+            </a:r>
+            <a:endParaRPr kumimoji="1" lang="ko-Kore-KR" altLang="en-US" sz="1200" dirty="0">
+              <a:solidFill>
+                <a:schemeClr val="tx1"/>
+              </a:solidFill>
+              <a:latin typeface="DM Mono" panose="020B0509040201040103" pitchFamily="49" charset="0"/>
+            </a:endParaRPr>
+          </a:p>
+        </p:txBody>
+      </p:sp>
+      <p:sp>
+        <p:nvSpPr>
+          <p:cNvPr id="11" name="TextBox 10">
+            <a:extLst>
+              <a:ext uri="{FF2B5EF4-FFF2-40B4-BE49-F238E27FC236}">
+                <a16:creationId xmlns:a16="http://schemas.microsoft.com/office/drawing/2014/main" id="{CD781AC7-D447-DC8B-4CC7-5C8FA9DEF990}"/>
+              </a:ext>
+            </a:extLst>
+          </p:cNvPr>
+          <p:cNvSpPr txBox="1"/>
+          <p:nvPr/>
+        </p:nvSpPr>
+        <p:spPr>
+          <a:xfrm>
+            <a:off x="6675619" y="4995832"/>
+            <a:ext cx="585868" cy="261610"/>
+          </a:xfrm>
+          <a:prstGeom prst="rect">
+            <a:avLst/>
+          </a:prstGeom>
+          <a:noFill/>
+        </p:spPr>
+        <p:txBody>
+          <a:bodyPr wrap="square">
+            <a:spAutoFit/>
+          </a:bodyPr>
+          <a:lstStyle/>
+          <a:p>
+            <a:pPr algn="r"/>
+            <a:r>
+              <a:rPr kumimoji="1" lang="en-US" altLang="ko-Kore-KR" sz="1100" dirty="0">
+                <a:solidFill>
+                  <a:schemeClr val="tx1"/>
+                </a:solidFill>
+                <a:latin typeface="DM Mono" panose="020B0509040201040103" pitchFamily="49" charset="0"/>
+              </a:rPr>
+              <a:t>age</a:t>
+            </a:r>
+            <a:endParaRPr kumimoji="1" lang="ko-Kore-KR" altLang="en-US" sz="1100" dirty="0">
+              <a:solidFill>
+                <a:schemeClr val="tx1"/>
+              </a:solidFill>
+              <a:latin typeface="DM Mono" panose="020B0509040201040103" pitchFamily="49" charset="0"/>
+            </a:endParaRPr>
+          </a:p>
+        </p:txBody>
+      </p:sp>
+      <p:sp>
+        <p:nvSpPr>
+          <p:cNvPr id="12" name="TextBox 11">
+            <a:extLst>
+              <a:ext uri="{FF2B5EF4-FFF2-40B4-BE49-F238E27FC236}">
+                <a16:creationId xmlns:a16="http://schemas.microsoft.com/office/drawing/2014/main" id="{32C7DE22-336B-08D6-92F4-AEB004179CFE}"/>
+              </a:ext>
+            </a:extLst>
+          </p:cNvPr>
+          <p:cNvSpPr txBox="1"/>
+          <p:nvPr/>
+        </p:nvSpPr>
+        <p:spPr>
+          <a:xfrm>
+            <a:off x="7198714" y="4215521"/>
+            <a:ext cx="895039" cy="261610"/>
+          </a:xfrm>
+          <a:prstGeom prst="rect">
+            <a:avLst/>
+          </a:prstGeom>
+          <a:noFill/>
+        </p:spPr>
+        <p:txBody>
+          <a:bodyPr wrap="square">
+            <a:spAutoFit/>
+          </a:bodyPr>
+          <a:lstStyle/>
+          <a:p>
+            <a:pPr algn="ctr"/>
+            <a:r>
+              <a:rPr kumimoji="1" lang="en-US" altLang="ko-Kore-KR" sz="1100" dirty="0">
+                <a:solidFill>
+                  <a:schemeClr val="tx1"/>
+                </a:solidFill>
+                <a:latin typeface="DM Mono" panose="020B0509040201040103" pitchFamily="49" charset="0"/>
+              </a:rPr>
+              <a:t>user</a:t>
+            </a:r>
+            <a:endParaRPr kumimoji="1" lang="ko-Kore-KR" altLang="en-US" sz="1100" dirty="0">
+              <a:solidFill>
+                <a:schemeClr val="tx1"/>
+              </a:solidFill>
+              <a:latin typeface="DM Mono" panose="020B0509040201040103" pitchFamily="49" charset="0"/>
+            </a:endParaRPr>
+          </a:p>
+        </p:txBody>
+      </p:sp>
+      <p:sp>
+        <p:nvSpPr>
+          <p:cNvPr id="14" name="직사각형 13">
+            <a:extLst>
+              <a:ext uri="{FF2B5EF4-FFF2-40B4-BE49-F238E27FC236}">
+                <a16:creationId xmlns:a16="http://schemas.microsoft.com/office/drawing/2014/main" id="{2282578C-D4EE-EBCA-7553-FA9931C6BB9F}"/>
+              </a:ext>
+            </a:extLst>
+          </p:cNvPr>
+          <p:cNvSpPr/>
+          <p:nvPr/>
+        </p:nvSpPr>
+        <p:spPr>
+          <a:xfrm>
+            <a:off x="9967212" y="2320979"/>
+            <a:ext cx="1110519" cy="342275"/>
+          </a:xfrm>
+          <a:prstGeom prst="rect">
+            <a:avLst/>
+          </a:prstGeom>
+          <a:solidFill>
+            <a:schemeClr val="accent4">
+              <a:lumMod val="60000"/>
+              <a:lumOff val="40000"/>
+            </a:schemeClr>
+          </a:solidFill>
+        </p:spPr>
+        <p:style>
+          <a:lnRef idx="2">
+            <a:schemeClr val="accent4">
+              <a:shade val="15000"/>
+            </a:schemeClr>
+          </a:lnRef>
+          <a:fillRef idx="1">
+            <a:schemeClr val="accent4"/>
+          </a:fillRef>
+          <a:effectRef idx="0">
+            <a:schemeClr val="accent4"/>
+          </a:effectRef>
+          <a:fontRef idx="minor">
+            <a:schemeClr val="lt1"/>
+          </a:fontRef>
+        </p:style>
+        <p:txBody>
+          <a:bodyPr rtlCol="0" anchor="ctr"/>
+          <a:lstStyle/>
+          <a:p>
+            <a:pPr algn="ctr"/>
+            <a:r>
+              <a:rPr kumimoji="1" lang="en-US" altLang="ko-Kore-KR" sz="1200" dirty="0">
+                <a:solidFill>
+                  <a:schemeClr val="tx1"/>
+                </a:solidFill>
+                <a:latin typeface="DM Mono" panose="020B0509040201040103" pitchFamily="49" charset="0"/>
+              </a:rPr>
+              <a:t>“Tom”</a:t>
+            </a:r>
+            <a:endParaRPr kumimoji="1" lang="ko-Kore-KR" altLang="en-US" sz="1200" dirty="0">
+              <a:solidFill>
+                <a:schemeClr val="tx1"/>
+              </a:solidFill>
+              <a:latin typeface="DM Mono" panose="020B0509040201040103" pitchFamily="49" charset="0"/>
+            </a:endParaRPr>
+          </a:p>
+        </p:txBody>
+      </p:sp>
+      <p:cxnSp>
+        <p:nvCxnSpPr>
+          <p:cNvPr id="16" name="구부러진 연결선[U] 15">
+            <a:extLst>
+              <a:ext uri="{FF2B5EF4-FFF2-40B4-BE49-F238E27FC236}">
+                <a16:creationId xmlns:a16="http://schemas.microsoft.com/office/drawing/2014/main" id="{2E0DF4BE-0E64-C1DE-6326-7CBB8CACCB63}"/>
+              </a:ext>
+            </a:extLst>
+          </p:cNvPr>
+          <p:cNvCxnSpPr>
+            <a:stCxn id="7" idx="3"/>
+            <a:endCxn id="14" idx="1"/>
+          </p:cNvCxnSpPr>
+          <p:nvPr/>
+        </p:nvCxnSpPr>
+        <p:spPr>
+          <a:xfrm flipV="1">
+            <a:off x="8030982" y="2492117"/>
+            <a:ext cx="1936230" cy="2214796"/>
+          </a:xfrm>
+          <a:prstGeom prst="curvedConnector3">
+            <a:avLst/>
+          </a:prstGeom>
+          <a:ln>
+            <a:tailEnd type="triangle"/>
+          </a:ln>
+        </p:spPr>
+        <p:style>
+          <a:lnRef idx="1">
+            <a:schemeClr val="dk1"/>
+          </a:lnRef>
+          <a:fillRef idx="0">
+            <a:schemeClr val="dk1"/>
+          </a:fillRef>
+          <a:effectRef idx="0">
+            <a:schemeClr val="dk1"/>
+          </a:effectRef>
+          <a:fontRef idx="minor">
+            <a:schemeClr val="tx1"/>
+          </a:fontRef>
+        </p:style>
+      </p:cxnSp>
+      <p:sp>
+        <p:nvSpPr>
+          <p:cNvPr id="19" name="TextBox 18">
+            <a:extLst>
+              <a:ext uri="{FF2B5EF4-FFF2-40B4-BE49-F238E27FC236}">
+                <a16:creationId xmlns:a16="http://schemas.microsoft.com/office/drawing/2014/main" id="{5C1515B9-160E-0A92-F019-639A67B6991B}"/>
+              </a:ext>
+            </a:extLst>
+          </p:cNvPr>
+          <p:cNvSpPr txBox="1"/>
+          <p:nvPr/>
+        </p:nvSpPr>
+        <p:spPr>
+          <a:xfrm>
+            <a:off x="9503763" y="2059369"/>
+            <a:ext cx="704538" cy="261610"/>
+          </a:xfrm>
+          <a:prstGeom prst="rect">
+            <a:avLst/>
+          </a:prstGeom>
+          <a:noFill/>
+        </p:spPr>
+        <p:txBody>
+          <a:bodyPr wrap="square">
+            <a:spAutoFit/>
+          </a:bodyPr>
+          <a:lstStyle/>
+          <a:p>
+            <a:r>
+              <a:rPr kumimoji="1" lang="en-US" altLang="ko-Kore-KR" sz="1050" dirty="0">
+                <a:solidFill>
+                  <a:schemeClr val="tx1"/>
+                </a:solidFill>
+                <a:latin typeface="DM Mono" panose="020B0509040201040103" pitchFamily="49" charset="0"/>
+              </a:rPr>
+              <a:t>0x1000</a:t>
+            </a:r>
+            <a:endParaRPr lang="ko-Kore-KR" altLang="en-US" sz="1050" dirty="0"/>
+          </a:p>
+        </p:txBody>
+      </p:sp>
+      <p:sp>
+        <p:nvSpPr>
+          <p:cNvPr id="23" name="직사각형 22">
+            <a:extLst>
+              <a:ext uri="{FF2B5EF4-FFF2-40B4-BE49-F238E27FC236}">
+                <a16:creationId xmlns:a16="http://schemas.microsoft.com/office/drawing/2014/main" id="{4A18D76A-D93E-56A0-E2FE-36C27E67D92F}"/>
+              </a:ext>
+            </a:extLst>
+          </p:cNvPr>
+          <p:cNvSpPr/>
+          <p:nvPr/>
+        </p:nvSpPr>
+        <p:spPr>
+          <a:xfrm>
+            <a:off x="7261487" y="5336499"/>
+            <a:ext cx="769495" cy="419724"/>
+          </a:xfrm>
+          <a:prstGeom prst="rect">
+            <a:avLst/>
+          </a:prstGeom>
+          <a:solidFill>
+            <a:schemeClr val="accent4">
+              <a:lumMod val="60000"/>
+              <a:lumOff val="40000"/>
+            </a:schemeClr>
+          </a:solidFill>
+        </p:spPr>
+        <p:style>
+          <a:lnRef idx="2">
+            <a:schemeClr val="accent4">
+              <a:shade val="15000"/>
+            </a:schemeClr>
+          </a:lnRef>
+          <a:fillRef idx="1">
+            <a:schemeClr val="accent4"/>
+          </a:fillRef>
+          <a:effectRef idx="0">
+            <a:schemeClr val="accent4"/>
+          </a:effectRef>
+          <a:fontRef idx="minor">
+            <a:schemeClr val="lt1"/>
+          </a:fontRef>
+        </p:style>
+        <p:txBody>
+          <a:bodyPr rtlCol="0" anchor="ctr"/>
+          <a:lstStyle/>
+          <a:p>
+            <a:pPr algn="ctr"/>
+            <a:endParaRPr kumimoji="1" lang="ko-Kore-KR" altLang="en-US" sz="1200" dirty="0">
+              <a:solidFill>
+                <a:schemeClr val="tx1"/>
+              </a:solidFill>
+              <a:latin typeface="DM Mono" panose="020B0509040201040103" pitchFamily="49" charset="0"/>
+            </a:endParaRPr>
+          </a:p>
+        </p:txBody>
+      </p:sp>
+      <p:sp>
+        <p:nvSpPr>
+          <p:cNvPr id="24" name="TextBox 23">
+            <a:extLst>
+              <a:ext uri="{FF2B5EF4-FFF2-40B4-BE49-F238E27FC236}">
+                <a16:creationId xmlns:a16="http://schemas.microsoft.com/office/drawing/2014/main" id="{B4ECBCA6-5D42-5490-08B5-4450482D05DF}"/>
+              </a:ext>
+            </a:extLst>
+          </p:cNvPr>
+          <p:cNvSpPr txBox="1"/>
+          <p:nvPr/>
+        </p:nvSpPr>
+        <p:spPr>
+          <a:xfrm>
+            <a:off x="6675619" y="5415556"/>
+            <a:ext cx="585868" cy="261610"/>
+          </a:xfrm>
+          <a:prstGeom prst="rect">
+            <a:avLst/>
+          </a:prstGeom>
+          <a:noFill/>
+        </p:spPr>
+        <p:txBody>
+          <a:bodyPr wrap="square">
+            <a:spAutoFit/>
+          </a:bodyPr>
+          <a:lstStyle/>
+          <a:p>
+            <a:pPr algn="r"/>
+            <a:r>
+              <a:rPr kumimoji="1" lang="en-US" altLang="ko-Kore-KR" sz="1100" dirty="0">
+                <a:solidFill>
+                  <a:schemeClr val="tx1"/>
+                </a:solidFill>
+                <a:latin typeface="DM Mono" panose="020B0509040201040103" pitchFamily="49" charset="0"/>
+              </a:rPr>
+              <a:t>ref</a:t>
+            </a:r>
+            <a:endParaRPr kumimoji="1" lang="ko-Kore-KR" altLang="en-US" sz="1100" dirty="0">
+              <a:solidFill>
+                <a:schemeClr val="tx1"/>
+              </a:solidFill>
+              <a:latin typeface="DM Mono" panose="020B0509040201040103" pitchFamily="49" charset="0"/>
+            </a:endParaRPr>
+          </a:p>
+        </p:txBody>
+      </p:sp>
+      <p:sp>
+        <p:nvSpPr>
+          <p:cNvPr id="25" name="직사각형 24">
+            <a:extLst>
+              <a:ext uri="{FF2B5EF4-FFF2-40B4-BE49-F238E27FC236}">
+                <a16:creationId xmlns:a16="http://schemas.microsoft.com/office/drawing/2014/main" id="{D78137EB-9AB1-2419-CF91-A8732AF7CA5F}"/>
+              </a:ext>
+            </a:extLst>
+          </p:cNvPr>
+          <p:cNvSpPr/>
+          <p:nvPr/>
+        </p:nvSpPr>
+        <p:spPr>
+          <a:xfrm>
+            <a:off x="10653014" y="3752540"/>
+            <a:ext cx="464691" cy="342275"/>
+          </a:xfrm>
+          <a:prstGeom prst="rect">
+            <a:avLst/>
+          </a:prstGeom>
+          <a:solidFill>
+            <a:schemeClr val="accent4">
+              <a:lumMod val="60000"/>
+              <a:lumOff val="40000"/>
+            </a:schemeClr>
+          </a:solidFill>
+        </p:spPr>
+        <p:style>
+          <a:lnRef idx="2">
+            <a:schemeClr val="accent4">
+              <a:shade val="15000"/>
+            </a:schemeClr>
+          </a:lnRef>
+          <a:fillRef idx="1">
+            <a:schemeClr val="accent4"/>
+          </a:fillRef>
+          <a:effectRef idx="0">
+            <a:schemeClr val="accent4"/>
+          </a:effectRef>
+          <a:fontRef idx="minor">
+            <a:schemeClr val="lt1"/>
+          </a:fontRef>
+        </p:style>
+        <p:txBody>
+          <a:bodyPr rtlCol="0" anchor="ctr"/>
+          <a:lstStyle/>
+          <a:p>
+            <a:pPr algn="ctr"/>
+            <a:r>
+              <a:rPr kumimoji="1" lang="en-US" altLang="ko-Kore-KR" sz="1200" dirty="0">
+                <a:solidFill>
+                  <a:srgbClr val="FF0000"/>
+                </a:solidFill>
+                <a:latin typeface="DM Mono" panose="020B0509040201040103" pitchFamily="49" charset="0"/>
+              </a:rPr>
+              <a:t>2</a:t>
+            </a:r>
+            <a:endParaRPr kumimoji="1" lang="ko-Kore-KR" altLang="en-US" sz="1200" dirty="0">
+              <a:solidFill>
+                <a:srgbClr val="FF0000"/>
+              </a:solidFill>
+              <a:latin typeface="DM Mono" panose="020B0509040201040103" pitchFamily="49" charset="0"/>
+            </a:endParaRPr>
+          </a:p>
+        </p:txBody>
+      </p:sp>
+      <p:cxnSp>
+        <p:nvCxnSpPr>
+          <p:cNvPr id="26" name="구부러진 연결선[U] 25">
+            <a:extLst>
+              <a:ext uri="{FF2B5EF4-FFF2-40B4-BE49-F238E27FC236}">
+                <a16:creationId xmlns:a16="http://schemas.microsoft.com/office/drawing/2014/main" id="{31185740-D738-8494-6675-5BECEAF46E01}"/>
+              </a:ext>
+            </a:extLst>
+          </p:cNvPr>
+          <p:cNvCxnSpPr>
+            <a:cxnSpLocks/>
+            <a:stCxn id="23" idx="3"/>
+            <a:endCxn id="25" idx="1"/>
+          </p:cNvCxnSpPr>
+          <p:nvPr/>
+        </p:nvCxnSpPr>
+        <p:spPr>
+          <a:xfrm flipV="1">
+            <a:off x="8030982" y="3923678"/>
+            <a:ext cx="2622032" cy="1622683"/>
+          </a:xfrm>
+          <a:prstGeom prst="curvedConnector3">
+            <a:avLst/>
+          </a:prstGeom>
+          <a:ln>
+            <a:tailEnd type="triangle"/>
+          </a:ln>
+        </p:spPr>
+        <p:style>
+          <a:lnRef idx="1">
+            <a:schemeClr val="dk1"/>
+          </a:lnRef>
+          <a:fillRef idx="0">
+            <a:schemeClr val="dk1"/>
+          </a:fillRef>
+          <a:effectRef idx="0">
+            <a:schemeClr val="dk1"/>
+          </a:effectRef>
+          <a:fontRef idx="minor">
+            <a:schemeClr val="tx1"/>
+          </a:fontRef>
+        </p:style>
+      </p:cxnSp>
+      <p:sp>
+        <p:nvSpPr>
+          <p:cNvPr id="2" name="직사각형 1">
+            <a:extLst>
+              <a:ext uri="{FF2B5EF4-FFF2-40B4-BE49-F238E27FC236}">
+                <a16:creationId xmlns:a16="http://schemas.microsoft.com/office/drawing/2014/main" id="{E2F404A4-DE92-E07A-3ADF-0EB8ABF9D319}"/>
+              </a:ext>
+            </a:extLst>
+          </p:cNvPr>
+          <p:cNvSpPr/>
+          <p:nvPr/>
+        </p:nvSpPr>
+        <p:spPr>
+          <a:xfrm>
+            <a:off x="7261487" y="2163744"/>
+            <a:ext cx="769495" cy="419724"/>
+          </a:xfrm>
+          <a:prstGeom prst="rect">
+            <a:avLst/>
+          </a:prstGeom>
+          <a:solidFill>
+            <a:schemeClr val="accent4">
+              <a:lumMod val="60000"/>
+              <a:lumOff val="40000"/>
+            </a:schemeClr>
+          </a:solidFill>
+        </p:spPr>
+        <p:style>
+          <a:lnRef idx="2">
+            <a:schemeClr val="accent4">
+              <a:shade val="15000"/>
+            </a:schemeClr>
+          </a:lnRef>
+          <a:fillRef idx="1">
+            <a:schemeClr val="accent4"/>
+          </a:fillRef>
+          <a:effectRef idx="0">
+            <a:schemeClr val="accent4"/>
+          </a:effectRef>
+          <a:fontRef idx="minor">
+            <a:schemeClr val="lt1"/>
+          </a:fontRef>
+        </p:style>
+        <p:txBody>
+          <a:bodyPr rtlCol="0" anchor="ctr"/>
+          <a:lstStyle/>
+          <a:p>
+            <a:pPr algn="ctr"/>
+            <a:r>
+              <a:rPr kumimoji="1" lang="en-US" altLang="ko-Kore-KR" sz="1200" dirty="0">
+                <a:solidFill>
+                  <a:schemeClr val="tx1"/>
+                </a:solidFill>
+                <a:latin typeface="DM Mono" panose="020B0509040201040103" pitchFamily="49" charset="0"/>
+              </a:rPr>
+              <a:t>0x1000</a:t>
+            </a:r>
+            <a:endParaRPr kumimoji="1" lang="ko-Kore-KR" altLang="en-US" sz="1200" dirty="0">
+              <a:solidFill>
+                <a:schemeClr val="tx1"/>
+              </a:solidFill>
+              <a:latin typeface="DM Mono" panose="020B0509040201040103" pitchFamily="49" charset="0"/>
+            </a:endParaRPr>
+          </a:p>
+        </p:txBody>
+      </p:sp>
+      <p:sp>
+        <p:nvSpPr>
+          <p:cNvPr id="3" name="TextBox 2">
+            <a:extLst>
+              <a:ext uri="{FF2B5EF4-FFF2-40B4-BE49-F238E27FC236}">
+                <a16:creationId xmlns:a16="http://schemas.microsoft.com/office/drawing/2014/main" id="{9747063F-9C8C-1E93-0810-FAEA0B9861E7}"/>
+              </a:ext>
+            </a:extLst>
+          </p:cNvPr>
+          <p:cNvSpPr txBox="1"/>
+          <p:nvPr/>
+        </p:nvSpPr>
+        <p:spPr>
+          <a:xfrm>
+            <a:off x="6575685" y="2242801"/>
+            <a:ext cx="685802" cy="261610"/>
+          </a:xfrm>
+          <a:prstGeom prst="rect">
+            <a:avLst/>
+          </a:prstGeom>
+          <a:noFill/>
+        </p:spPr>
+        <p:txBody>
+          <a:bodyPr wrap="square">
+            <a:spAutoFit/>
+          </a:bodyPr>
+          <a:lstStyle/>
+          <a:p>
+            <a:pPr algn="r"/>
+            <a:r>
+              <a:rPr kumimoji="1" lang="en-US" altLang="ko-Kore-KR" sz="1100" dirty="0">
+                <a:latin typeface="DM Mono" panose="020B0509040201040103" pitchFamily="49" charset="0"/>
+              </a:rPr>
+              <a:t>name</a:t>
+            </a:r>
+            <a:endParaRPr kumimoji="1" lang="ko-Kore-KR" altLang="en-US" sz="1100" dirty="0">
+              <a:solidFill>
+                <a:schemeClr val="tx1"/>
+              </a:solidFill>
+              <a:latin typeface="DM Mono" panose="020B0509040201040103" pitchFamily="49" charset="0"/>
+            </a:endParaRPr>
+          </a:p>
+        </p:txBody>
+      </p:sp>
+      <p:sp>
+        <p:nvSpPr>
+          <p:cNvPr id="4" name="직사각형 3">
+            <a:extLst>
+              <a:ext uri="{FF2B5EF4-FFF2-40B4-BE49-F238E27FC236}">
+                <a16:creationId xmlns:a16="http://schemas.microsoft.com/office/drawing/2014/main" id="{4FEBF014-99B2-28A0-A21B-33DD08A7FCB8}"/>
+              </a:ext>
+            </a:extLst>
+          </p:cNvPr>
+          <p:cNvSpPr/>
+          <p:nvPr/>
+        </p:nvSpPr>
+        <p:spPr>
+          <a:xfrm>
+            <a:off x="7261487" y="2583468"/>
+            <a:ext cx="769495" cy="419724"/>
+          </a:xfrm>
+          <a:prstGeom prst="rect">
+            <a:avLst/>
+          </a:prstGeom>
+          <a:solidFill>
+            <a:schemeClr val="accent4">
+              <a:lumMod val="60000"/>
+              <a:lumOff val="40000"/>
+            </a:schemeClr>
+          </a:solidFill>
+        </p:spPr>
+        <p:style>
+          <a:lnRef idx="2">
+            <a:schemeClr val="accent4">
+              <a:shade val="15000"/>
+            </a:schemeClr>
+          </a:lnRef>
+          <a:fillRef idx="1">
+            <a:schemeClr val="accent4"/>
+          </a:fillRef>
+          <a:effectRef idx="0">
+            <a:schemeClr val="accent4"/>
+          </a:effectRef>
+          <a:fontRef idx="minor">
+            <a:schemeClr val="lt1"/>
+          </a:fontRef>
+        </p:style>
+        <p:txBody>
+          <a:bodyPr rtlCol="0" anchor="ctr"/>
+          <a:lstStyle/>
+          <a:p>
+            <a:pPr algn="ctr"/>
+            <a:r>
+              <a:rPr kumimoji="1" lang="en-US" altLang="ko-Kore-KR" sz="1200" dirty="0">
+                <a:solidFill>
+                  <a:schemeClr val="tx1"/>
+                </a:solidFill>
+                <a:latin typeface="DM Mono" panose="020B0509040201040103" pitchFamily="49" charset="0"/>
+              </a:rPr>
+              <a:t>42</a:t>
+            </a:r>
+            <a:endParaRPr kumimoji="1" lang="ko-Kore-KR" altLang="en-US" sz="1200" dirty="0">
+              <a:solidFill>
+                <a:schemeClr val="tx1"/>
+              </a:solidFill>
+              <a:latin typeface="DM Mono" panose="020B0509040201040103" pitchFamily="49" charset="0"/>
+            </a:endParaRPr>
+          </a:p>
+        </p:txBody>
+      </p:sp>
+      <p:sp>
+        <p:nvSpPr>
+          <p:cNvPr id="5" name="TextBox 4">
+            <a:extLst>
+              <a:ext uri="{FF2B5EF4-FFF2-40B4-BE49-F238E27FC236}">
+                <a16:creationId xmlns:a16="http://schemas.microsoft.com/office/drawing/2014/main" id="{D5E1FFFA-75FB-324F-30B5-DF6CF704B464}"/>
+              </a:ext>
+            </a:extLst>
+          </p:cNvPr>
+          <p:cNvSpPr txBox="1"/>
+          <p:nvPr/>
+        </p:nvSpPr>
+        <p:spPr>
+          <a:xfrm>
+            <a:off x="6675619" y="2662525"/>
+            <a:ext cx="585868" cy="261610"/>
+          </a:xfrm>
+          <a:prstGeom prst="rect">
+            <a:avLst/>
+          </a:prstGeom>
+          <a:noFill/>
+        </p:spPr>
+        <p:txBody>
+          <a:bodyPr wrap="square">
+            <a:spAutoFit/>
+          </a:bodyPr>
+          <a:lstStyle/>
+          <a:p>
+            <a:pPr algn="r"/>
+            <a:r>
+              <a:rPr kumimoji="1" lang="en-US" altLang="ko-Kore-KR" sz="1100" dirty="0">
+                <a:solidFill>
+                  <a:schemeClr val="tx1"/>
+                </a:solidFill>
+                <a:latin typeface="DM Mono" panose="020B0509040201040103" pitchFamily="49" charset="0"/>
+              </a:rPr>
+              <a:t>age</a:t>
+            </a:r>
+            <a:endParaRPr kumimoji="1" lang="ko-Kore-KR" altLang="en-US" sz="1100" dirty="0">
+              <a:solidFill>
+                <a:schemeClr val="tx1"/>
+              </a:solidFill>
+              <a:latin typeface="DM Mono" panose="020B0509040201040103" pitchFamily="49" charset="0"/>
+            </a:endParaRPr>
+          </a:p>
+        </p:txBody>
+      </p:sp>
+      <p:sp>
+        <p:nvSpPr>
+          <p:cNvPr id="6" name="TextBox 5">
+            <a:extLst>
+              <a:ext uri="{FF2B5EF4-FFF2-40B4-BE49-F238E27FC236}">
+                <a16:creationId xmlns:a16="http://schemas.microsoft.com/office/drawing/2014/main" id="{9A34FBB7-7938-44D1-A72C-BBBC40612B73}"/>
+              </a:ext>
+            </a:extLst>
+          </p:cNvPr>
+          <p:cNvSpPr txBox="1"/>
+          <p:nvPr/>
+        </p:nvSpPr>
+        <p:spPr>
+          <a:xfrm>
+            <a:off x="7198714" y="1882214"/>
+            <a:ext cx="895039" cy="261610"/>
+          </a:xfrm>
+          <a:prstGeom prst="rect">
+            <a:avLst/>
+          </a:prstGeom>
+          <a:noFill/>
+        </p:spPr>
+        <p:txBody>
+          <a:bodyPr wrap="square">
+            <a:spAutoFit/>
+          </a:bodyPr>
+          <a:lstStyle/>
+          <a:p>
+            <a:pPr algn="ctr"/>
+            <a:r>
+              <a:rPr kumimoji="1" lang="en-US" altLang="ko-Kore-KR" sz="1100" dirty="0">
+                <a:solidFill>
+                  <a:schemeClr val="tx1"/>
+                </a:solidFill>
+                <a:latin typeface="DM Mono" panose="020B0509040201040103" pitchFamily="49" charset="0"/>
+              </a:rPr>
+              <a:t>other</a:t>
+            </a:r>
+            <a:endParaRPr kumimoji="1" lang="ko-Kore-KR" altLang="en-US" sz="1100" dirty="0">
+              <a:solidFill>
+                <a:schemeClr val="tx1"/>
+              </a:solidFill>
+              <a:latin typeface="DM Mono" panose="020B0509040201040103" pitchFamily="49" charset="0"/>
+            </a:endParaRPr>
+          </a:p>
+        </p:txBody>
+      </p:sp>
+      <p:sp>
+        <p:nvSpPr>
+          <p:cNvPr id="9" name="직사각형 8">
+            <a:extLst>
+              <a:ext uri="{FF2B5EF4-FFF2-40B4-BE49-F238E27FC236}">
+                <a16:creationId xmlns:a16="http://schemas.microsoft.com/office/drawing/2014/main" id="{D55A0B36-F089-6388-6BBC-A6D953BE43C1}"/>
+              </a:ext>
+            </a:extLst>
+          </p:cNvPr>
+          <p:cNvSpPr/>
+          <p:nvPr/>
+        </p:nvSpPr>
+        <p:spPr>
+          <a:xfrm>
+            <a:off x="7261487" y="3003192"/>
+            <a:ext cx="769495" cy="419724"/>
+          </a:xfrm>
+          <a:prstGeom prst="rect">
+            <a:avLst/>
+          </a:prstGeom>
+          <a:solidFill>
+            <a:schemeClr val="accent4">
+              <a:lumMod val="60000"/>
+              <a:lumOff val="40000"/>
+            </a:schemeClr>
+          </a:solidFill>
+        </p:spPr>
+        <p:style>
+          <a:lnRef idx="2">
+            <a:schemeClr val="accent4">
+              <a:shade val="15000"/>
+            </a:schemeClr>
+          </a:lnRef>
+          <a:fillRef idx="1">
+            <a:schemeClr val="accent4"/>
+          </a:fillRef>
+          <a:effectRef idx="0">
+            <a:schemeClr val="accent4"/>
+          </a:effectRef>
+          <a:fontRef idx="minor">
+            <a:schemeClr val="lt1"/>
+          </a:fontRef>
+        </p:style>
+        <p:txBody>
+          <a:bodyPr rtlCol="0" anchor="ctr"/>
+          <a:lstStyle/>
+          <a:p>
+            <a:pPr algn="ctr"/>
+            <a:endParaRPr kumimoji="1" lang="ko-Kore-KR" altLang="en-US" sz="1200" dirty="0">
+              <a:solidFill>
+                <a:schemeClr val="tx1"/>
+              </a:solidFill>
+              <a:latin typeface="DM Mono" panose="020B0509040201040103" pitchFamily="49" charset="0"/>
+            </a:endParaRPr>
+          </a:p>
+        </p:txBody>
+      </p:sp>
+      <p:sp>
+        <p:nvSpPr>
+          <p:cNvPr id="13" name="TextBox 12">
+            <a:extLst>
+              <a:ext uri="{FF2B5EF4-FFF2-40B4-BE49-F238E27FC236}">
+                <a16:creationId xmlns:a16="http://schemas.microsoft.com/office/drawing/2014/main" id="{FC32C88B-291E-9E50-F2C2-2FFAC3E83EAF}"/>
+              </a:ext>
+            </a:extLst>
+          </p:cNvPr>
+          <p:cNvSpPr txBox="1"/>
+          <p:nvPr/>
+        </p:nvSpPr>
+        <p:spPr>
+          <a:xfrm>
+            <a:off x="6675619" y="3082249"/>
+            <a:ext cx="585868" cy="261610"/>
+          </a:xfrm>
+          <a:prstGeom prst="rect">
+            <a:avLst/>
+          </a:prstGeom>
+          <a:noFill/>
+        </p:spPr>
+        <p:txBody>
+          <a:bodyPr wrap="square">
+            <a:spAutoFit/>
+          </a:bodyPr>
+          <a:lstStyle/>
+          <a:p>
+            <a:pPr algn="r"/>
+            <a:r>
+              <a:rPr kumimoji="1" lang="en-US" altLang="ko-Kore-KR" sz="1100" dirty="0">
+                <a:solidFill>
+                  <a:schemeClr val="tx1"/>
+                </a:solidFill>
+                <a:latin typeface="DM Mono" panose="020B0509040201040103" pitchFamily="49" charset="0"/>
+              </a:rPr>
+              <a:t>ref</a:t>
+            </a:r>
+            <a:endParaRPr kumimoji="1" lang="ko-Kore-KR" altLang="en-US" sz="1100" dirty="0">
+              <a:solidFill>
+                <a:schemeClr val="tx1"/>
+              </a:solidFill>
+              <a:latin typeface="DM Mono" panose="020B0509040201040103" pitchFamily="49" charset="0"/>
+            </a:endParaRPr>
+          </a:p>
+        </p:txBody>
+      </p:sp>
+      <p:cxnSp>
+        <p:nvCxnSpPr>
+          <p:cNvPr id="15" name="구부러진 연결선[U] 14">
+            <a:extLst>
+              <a:ext uri="{FF2B5EF4-FFF2-40B4-BE49-F238E27FC236}">
+                <a16:creationId xmlns:a16="http://schemas.microsoft.com/office/drawing/2014/main" id="{36DED199-9245-7ADA-B26D-1E17BBDA7904}"/>
+              </a:ext>
+            </a:extLst>
+          </p:cNvPr>
+          <p:cNvCxnSpPr>
+            <a:cxnSpLocks/>
+            <a:stCxn id="2" idx="3"/>
+            <a:endCxn id="14" idx="1"/>
+          </p:cNvCxnSpPr>
+          <p:nvPr/>
+        </p:nvCxnSpPr>
+        <p:spPr>
+          <a:xfrm>
+            <a:off x="8030982" y="2373606"/>
+            <a:ext cx="1936230" cy="118511"/>
+          </a:xfrm>
+          <a:prstGeom prst="curvedConnector3">
+            <a:avLst/>
+          </a:prstGeom>
+          <a:ln>
+            <a:tailEnd type="triangle"/>
+          </a:ln>
+        </p:spPr>
+        <p:style>
+          <a:lnRef idx="1">
+            <a:schemeClr val="dk1"/>
+          </a:lnRef>
+          <a:fillRef idx="0">
+            <a:schemeClr val="dk1"/>
+          </a:fillRef>
+          <a:effectRef idx="0">
+            <a:schemeClr val="dk1"/>
+          </a:effectRef>
+          <a:fontRef idx="minor">
+            <a:schemeClr val="tx1"/>
+          </a:fontRef>
+        </p:style>
+      </p:cxnSp>
+      <p:cxnSp>
+        <p:nvCxnSpPr>
+          <p:cNvPr id="20" name="구부러진 연결선[U] 19">
+            <a:extLst>
+              <a:ext uri="{FF2B5EF4-FFF2-40B4-BE49-F238E27FC236}">
+                <a16:creationId xmlns:a16="http://schemas.microsoft.com/office/drawing/2014/main" id="{CAFE245B-700D-E5BB-D153-77EC21427D7B}"/>
+              </a:ext>
+            </a:extLst>
+          </p:cNvPr>
+          <p:cNvCxnSpPr>
+            <a:cxnSpLocks/>
+            <a:stCxn id="9" idx="3"/>
+            <a:endCxn id="25" idx="1"/>
+          </p:cNvCxnSpPr>
+          <p:nvPr/>
+        </p:nvCxnSpPr>
+        <p:spPr>
+          <a:xfrm>
+            <a:off x="8030982" y="3213054"/>
+            <a:ext cx="2622032" cy="710624"/>
+          </a:xfrm>
+          <a:prstGeom prst="curvedConnector3">
+            <a:avLst/>
+          </a:prstGeom>
+          <a:ln>
+            <a:tailEnd type="triangle"/>
+          </a:ln>
+        </p:spPr>
+        <p:style>
+          <a:lnRef idx="1">
+            <a:schemeClr val="dk1"/>
+          </a:lnRef>
+          <a:fillRef idx="0">
+            <a:schemeClr val="dk1"/>
+          </a:fillRef>
+          <a:effectRef idx="0">
+            <a:schemeClr val="dk1"/>
+          </a:effectRef>
+          <a:fontRef idx="minor">
+            <a:schemeClr val="tx1"/>
+          </a:fontRef>
+        </p:style>
+      </p:cxnSp>
+      <p:sp>
+        <p:nvSpPr>
+          <p:cNvPr id="17" name="직사각형 16">
+            <a:extLst>
+              <a:ext uri="{FF2B5EF4-FFF2-40B4-BE49-F238E27FC236}">
+                <a16:creationId xmlns:a16="http://schemas.microsoft.com/office/drawing/2014/main" id="{ED911B94-C102-DAB8-E7CC-4787BD4F1646}"/>
+              </a:ext>
+            </a:extLst>
+          </p:cNvPr>
+          <p:cNvSpPr/>
+          <p:nvPr/>
+        </p:nvSpPr>
+        <p:spPr>
+          <a:xfrm>
+            <a:off x="7265548" y="377346"/>
+            <a:ext cx="769495" cy="419724"/>
+          </a:xfrm>
+          <a:prstGeom prst="rect">
+            <a:avLst/>
+          </a:prstGeom>
+          <a:solidFill>
+            <a:schemeClr val="accent4">
+              <a:lumMod val="60000"/>
+              <a:lumOff val="40000"/>
+            </a:schemeClr>
+          </a:solidFill>
+          <a:ln>
+            <a:solidFill>
+              <a:srgbClr val="FF0000"/>
+            </a:solidFill>
+          </a:ln>
+        </p:spPr>
+        <p:style>
+          <a:lnRef idx="2">
+            <a:schemeClr val="accent4">
+              <a:shade val="15000"/>
+            </a:schemeClr>
+          </a:lnRef>
+          <a:fillRef idx="1">
+            <a:schemeClr val="accent4"/>
+          </a:fillRef>
+          <a:effectRef idx="0">
+            <a:schemeClr val="accent4"/>
+          </a:effectRef>
+          <a:fontRef idx="minor">
+            <a:schemeClr val="lt1"/>
+          </a:fontRef>
+        </p:style>
+        <p:txBody>
+          <a:bodyPr rtlCol="0" anchor="ctr"/>
+          <a:lstStyle/>
+          <a:p>
+            <a:pPr algn="ctr"/>
+            <a:r>
+              <a:rPr kumimoji="1" lang="en-US" altLang="ko-Kore-KR" sz="1200" dirty="0">
+                <a:solidFill>
+                  <a:schemeClr val="tx1"/>
+                </a:solidFill>
+                <a:latin typeface="DM Mono" panose="020B0509040201040103" pitchFamily="49" charset="0"/>
+              </a:rPr>
+              <a:t>0x1000</a:t>
+            </a:r>
+            <a:endParaRPr kumimoji="1" lang="ko-Kore-KR" altLang="en-US" sz="1200" dirty="0">
+              <a:solidFill>
+                <a:schemeClr val="tx1"/>
+              </a:solidFill>
+              <a:latin typeface="DM Mono" panose="020B0509040201040103" pitchFamily="49" charset="0"/>
+            </a:endParaRPr>
+          </a:p>
+        </p:txBody>
+      </p:sp>
+      <p:sp>
+        <p:nvSpPr>
+          <p:cNvPr id="18" name="TextBox 17">
+            <a:extLst>
+              <a:ext uri="{FF2B5EF4-FFF2-40B4-BE49-F238E27FC236}">
+                <a16:creationId xmlns:a16="http://schemas.microsoft.com/office/drawing/2014/main" id="{586F8BCA-07B7-1BFF-F34B-4B37302C4E9C}"/>
+              </a:ext>
+            </a:extLst>
+          </p:cNvPr>
+          <p:cNvSpPr txBox="1"/>
+          <p:nvPr/>
+        </p:nvSpPr>
+        <p:spPr>
+          <a:xfrm>
+            <a:off x="6579746" y="456403"/>
+            <a:ext cx="685802" cy="261610"/>
+          </a:xfrm>
+          <a:prstGeom prst="rect">
+            <a:avLst/>
+          </a:prstGeom>
+          <a:noFill/>
+        </p:spPr>
+        <p:txBody>
+          <a:bodyPr wrap="square">
+            <a:spAutoFit/>
+          </a:bodyPr>
+          <a:lstStyle/>
+          <a:p>
+            <a:pPr algn="r"/>
+            <a:r>
+              <a:rPr kumimoji="1" lang="en-US" altLang="ko-Kore-KR" sz="1100" dirty="0">
+                <a:latin typeface="DM Mono" panose="020B0509040201040103" pitchFamily="49" charset="0"/>
+              </a:rPr>
+              <a:t>name</a:t>
+            </a:r>
+            <a:endParaRPr kumimoji="1" lang="ko-Kore-KR" altLang="en-US" sz="1100" dirty="0">
+              <a:solidFill>
+                <a:schemeClr val="tx1"/>
+              </a:solidFill>
+              <a:latin typeface="DM Mono" panose="020B0509040201040103" pitchFamily="49" charset="0"/>
+            </a:endParaRPr>
+          </a:p>
+        </p:txBody>
+      </p:sp>
+      <p:sp>
+        <p:nvSpPr>
+          <p:cNvPr id="21" name="직사각형 20">
+            <a:extLst>
+              <a:ext uri="{FF2B5EF4-FFF2-40B4-BE49-F238E27FC236}">
+                <a16:creationId xmlns:a16="http://schemas.microsoft.com/office/drawing/2014/main" id="{A8EF9E2A-426E-D346-DF9E-F32D11407959}"/>
+              </a:ext>
+            </a:extLst>
+          </p:cNvPr>
+          <p:cNvSpPr/>
+          <p:nvPr/>
+        </p:nvSpPr>
+        <p:spPr>
+          <a:xfrm>
+            <a:off x="7265548" y="797070"/>
+            <a:ext cx="769495" cy="419724"/>
+          </a:xfrm>
+          <a:prstGeom prst="rect">
+            <a:avLst/>
+          </a:prstGeom>
+          <a:solidFill>
+            <a:schemeClr val="accent4">
+              <a:lumMod val="60000"/>
+              <a:lumOff val="40000"/>
+            </a:schemeClr>
+          </a:solidFill>
+          <a:ln>
+            <a:solidFill>
+              <a:srgbClr val="FF0000"/>
+            </a:solidFill>
+          </a:ln>
+        </p:spPr>
+        <p:style>
+          <a:lnRef idx="2">
+            <a:schemeClr val="accent4">
+              <a:shade val="15000"/>
+            </a:schemeClr>
+          </a:lnRef>
+          <a:fillRef idx="1">
+            <a:schemeClr val="accent4"/>
+          </a:fillRef>
+          <a:effectRef idx="0">
+            <a:schemeClr val="accent4"/>
+          </a:effectRef>
+          <a:fontRef idx="minor">
+            <a:schemeClr val="lt1"/>
+          </a:fontRef>
+        </p:style>
+        <p:txBody>
+          <a:bodyPr rtlCol="0" anchor="ctr"/>
+          <a:lstStyle/>
+          <a:p>
+            <a:pPr algn="ctr"/>
+            <a:r>
+              <a:rPr kumimoji="1" lang="en-US" altLang="ko-Kore-KR" sz="1200" dirty="0">
+                <a:solidFill>
+                  <a:schemeClr val="tx1"/>
+                </a:solidFill>
+                <a:latin typeface="DM Mono" panose="020B0509040201040103" pitchFamily="49" charset="0"/>
+              </a:rPr>
+              <a:t>42</a:t>
+            </a:r>
+            <a:endParaRPr kumimoji="1" lang="ko-Kore-KR" altLang="en-US" sz="1200" dirty="0">
+              <a:solidFill>
+                <a:schemeClr val="tx1"/>
+              </a:solidFill>
+              <a:latin typeface="DM Mono" panose="020B0509040201040103" pitchFamily="49" charset="0"/>
+            </a:endParaRPr>
+          </a:p>
+        </p:txBody>
+      </p:sp>
+      <p:sp>
+        <p:nvSpPr>
+          <p:cNvPr id="22" name="TextBox 21">
+            <a:extLst>
+              <a:ext uri="{FF2B5EF4-FFF2-40B4-BE49-F238E27FC236}">
+                <a16:creationId xmlns:a16="http://schemas.microsoft.com/office/drawing/2014/main" id="{853E996D-4AB1-623C-959A-C63860A32D30}"/>
+              </a:ext>
+            </a:extLst>
+          </p:cNvPr>
+          <p:cNvSpPr txBox="1"/>
+          <p:nvPr/>
+        </p:nvSpPr>
+        <p:spPr>
+          <a:xfrm>
+            <a:off x="6679680" y="876127"/>
+            <a:ext cx="585868" cy="261610"/>
+          </a:xfrm>
+          <a:prstGeom prst="rect">
+            <a:avLst/>
+          </a:prstGeom>
+          <a:noFill/>
+        </p:spPr>
+        <p:txBody>
+          <a:bodyPr wrap="square">
+            <a:spAutoFit/>
+          </a:bodyPr>
+          <a:lstStyle/>
+          <a:p>
+            <a:pPr algn="r"/>
+            <a:r>
+              <a:rPr kumimoji="1" lang="en-US" altLang="ko-Kore-KR" sz="1100" dirty="0">
+                <a:solidFill>
+                  <a:schemeClr val="tx1"/>
+                </a:solidFill>
+                <a:latin typeface="DM Mono" panose="020B0509040201040103" pitchFamily="49" charset="0"/>
+              </a:rPr>
+              <a:t>age</a:t>
+            </a:r>
+            <a:endParaRPr kumimoji="1" lang="ko-Kore-KR" altLang="en-US" sz="1100" dirty="0">
+              <a:solidFill>
+                <a:schemeClr val="tx1"/>
+              </a:solidFill>
+              <a:latin typeface="DM Mono" panose="020B0509040201040103" pitchFamily="49" charset="0"/>
+            </a:endParaRPr>
+          </a:p>
+        </p:txBody>
+      </p:sp>
+      <p:sp>
+        <p:nvSpPr>
+          <p:cNvPr id="27" name="TextBox 26">
+            <a:extLst>
+              <a:ext uri="{FF2B5EF4-FFF2-40B4-BE49-F238E27FC236}">
+                <a16:creationId xmlns:a16="http://schemas.microsoft.com/office/drawing/2014/main" id="{03CF7B3C-163F-B992-787F-1016FBC318FA}"/>
+              </a:ext>
+            </a:extLst>
+          </p:cNvPr>
+          <p:cNvSpPr txBox="1"/>
+          <p:nvPr/>
+        </p:nvSpPr>
+        <p:spPr>
+          <a:xfrm>
+            <a:off x="7202775" y="95816"/>
+            <a:ext cx="895039" cy="261610"/>
+          </a:xfrm>
+          <a:prstGeom prst="rect">
+            <a:avLst/>
+          </a:prstGeom>
+          <a:noFill/>
+        </p:spPr>
+        <p:txBody>
+          <a:bodyPr wrap="square">
+            <a:spAutoFit/>
+          </a:bodyPr>
+          <a:lstStyle/>
+          <a:p>
+            <a:pPr algn="ctr"/>
+            <a:r>
+              <a:rPr kumimoji="1" lang="en-US" altLang="ko-Kore-KR" sz="1100" dirty="0">
+                <a:solidFill>
+                  <a:schemeClr val="tx1"/>
+                </a:solidFill>
+                <a:latin typeface="DM Mono" panose="020B0509040201040103" pitchFamily="49" charset="0"/>
+              </a:rPr>
+              <a:t>other2</a:t>
+            </a:r>
+            <a:endParaRPr kumimoji="1" lang="ko-Kore-KR" altLang="en-US" sz="1100" dirty="0">
+              <a:solidFill>
+                <a:schemeClr val="tx1"/>
+              </a:solidFill>
+              <a:latin typeface="DM Mono" panose="020B0509040201040103" pitchFamily="49" charset="0"/>
+            </a:endParaRPr>
+          </a:p>
+        </p:txBody>
+      </p:sp>
+      <p:sp>
+        <p:nvSpPr>
+          <p:cNvPr id="28" name="직사각형 27">
+            <a:extLst>
+              <a:ext uri="{FF2B5EF4-FFF2-40B4-BE49-F238E27FC236}">
+                <a16:creationId xmlns:a16="http://schemas.microsoft.com/office/drawing/2014/main" id="{5F4B3172-808E-BE97-EE2B-F7E03C9B0359}"/>
+              </a:ext>
+            </a:extLst>
+          </p:cNvPr>
+          <p:cNvSpPr/>
+          <p:nvPr/>
+        </p:nvSpPr>
+        <p:spPr>
+          <a:xfrm>
+            <a:off x="7265548" y="1216794"/>
+            <a:ext cx="769495" cy="419724"/>
+          </a:xfrm>
+          <a:prstGeom prst="rect">
+            <a:avLst/>
+          </a:prstGeom>
+          <a:solidFill>
+            <a:schemeClr val="accent4">
+              <a:lumMod val="60000"/>
+              <a:lumOff val="40000"/>
+            </a:schemeClr>
+          </a:solidFill>
+          <a:ln>
+            <a:solidFill>
+              <a:srgbClr val="FF0000"/>
+            </a:solidFill>
+          </a:ln>
+        </p:spPr>
+        <p:style>
+          <a:lnRef idx="2">
+            <a:schemeClr val="accent4">
+              <a:shade val="15000"/>
+            </a:schemeClr>
+          </a:lnRef>
+          <a:fillRef idx="1">
+            <a:schemeClr val="accent4"/>
+          </a:fillRef>
+          <a:effectRef idx="0">
+            <a:schemeClr val="accent4"/>
+          </a:effectRef>
+          <a:fontRef idx="minor">
+            <a:schemeClr val="lt1"/>
+          </a:fontRef>
+        </p:style>
+        <p:txBody>
+          <a:bodyPr rtlCol="0" anchor="ctr"/>
+          <a:lstStyle/>
+          <a:p>
+            <a:pPr algn="ctr"/>
+            <a:endParaRPr kumimoji="1" lang="ko-Kore-KR" altLang="en-US" sz="1200" dirty="0">
+              <a:solidFill>
+                <a:schemeClr val="tx1"/>
+              </a:solidFill>
+              <a:latin typeface="DM Mono" panose="020B0509040201040103" pitchFamily="49" charset="0"/>
+            </a:endParaRPr>
+          </a:p>
+        </p:txBody>
+      </p:sp>
+      <p:sp>
+        <p:nvSpPr>
+          <p:cNvPr id="29" name="TextBox 28">
+            <a:extLst>
+              <a:ext uri="{FF2B5EF4-FFF2-40B4-BE49-F238E27FC236}">
+                <a16:creationId xmlns:a16="http://schemas.microsoft.com/office/drawing/2014/main" id="{BEF84431-C21F-A6FA-6321-06B9AE909101}"/>
+              </a:ext>
+            </a:extLst>
+          </p:cNvPr>
+          <p:cNvSpPr txBox="1"/>
+          <p:nvPr/>
+        </p:nvSpPr>
+        <p:spPr>
+          <a:xfrm>
+            <a:off x="6679680" y="1295851"/>
+            <a:ext cx="585868" cy="261610"/>
+          </a:xfrm>
+          <a:prstGeom prst="rect">
+            <a:avLst/>
+          </a:prstGeom>
+          <a:noFill/>
+        </p:spPr>
+        <p:txBody>
+          <a:bodyPr wrap="square">
+            <a:spAutoFit/>
+          </a:bodyPr>
+          <a:lstStyle/>
+          <a:p>
+            <a:pPr algn="r"/>
+            <a:r>
+              <a:rPr kumimoji="1" lang="en-US" altLang="ko-Kore-KR" sz="1100" dirty="0">
+                <a:solidFill>
+                  <a:schemeClr val="tx1"/>
+                </a:solidFill>
+                <a:latin typeface="DM Mono" panose="020B0509040201040103" pitchFamily="49" charset="0"/>
+              </a:rPr>
+              <a:t>ref</a:t>
+            </a:r>
+            <a:endParaRPr kumimoji="1" lang="ko-Kore-KR" altLang="en-US" sz="1100" dirty="0">
+              <a:solidFill>
+                <a:schemeClr val="tx1"/>
+              </a:solidFill>
+              <a:latin typeface="DM Mono" panose="020B0509040201040103" pitchFamily="49" charset="0"/>
+            </a:endParaRPr>
+          </a:p>
+        </p:txBody>
+      </p:sp>
+    </p:spTree>
+    <p:extLst>
+      <p:ext uri="{BB962C8B-B14F-4D97-AF65-F5344CB8AC3E}">
+        <p14:creationId xmlns:p14="http://schemas.microsoft.com/office/powerpoint/2010/main" val="3635853545"/>
+      </p:ext>
+    </p:extLst>
+  </p:cSld>
+  <p:clrMapOvr>
+    <a:masterClrMapping/>
+  </p:clrMapOvr>
+</p:sld>
+</file>
+
+<file path=ppt/slides/slide23.xml><?xml version="1.0" encoding="utf-8"?>
+<p:sld xmlns:a="http://schemas.openxmlformats.org/drawingml/2006/main" xmlns:r="http://schemas.openxmlformats.org/officeDocument/2006/relationships" xmlns:p="http://schemas.openxmlformats.org/presentationml/2006/main">
+  <p:cSld>
+    <p:spTree>
+      <p:nvGrpSpPr>
+        <p:cNvPr id="1" name=""/>
+        <p:cNvGrpSpPr/>
+        <p:nvPr/>
+      </p:nvGrpSpPr>
+      <p:grpSpPr>
+        <a:xfrm>
+          <a:off x="0" y="0"/>
+          <a:ext cx="0" cy="0"/>
+          <a:chOff x="0" y="0"/>
+          <a:chExt cx="0" cy="0"/>
+        </a:xfrm>
+      </p:grpSpPr>
+      <p:sp>
+        <p:nvSpPr>
+          <p:cNvPr id="7" name="직사각형 6">
+            <a:extLst>
+              <a:ext uri="{FF2B5EF4-FFF2-40B4-BE49-F238E27FC236}">
+                <a16:creationId xmlns:a16="http://schemas.microsoft.com/office/drawing/2014/main" id="{31CCB710-0121-1DC8-86D7-67AEA020399A}"/>
+              </a:ext>
+            </a:extLst>
+          </p:cNvPr>
+          <p:cNvSpPr/>
+          <p:nvPr/>
+        </p:nvSpPr>
+        <p:spPr>
+          <a:xfrm>
+            <a:off x="7261487" y="4497051"/>
+            <a:ext cx="769495" cy="419724"/>
+          </a:xfrm>
+          <a:prstGeom prst="rect">
+            <a:avLst/>
+          </a:prstGeom>
+          <a:solidFill>
+            <a:schemeClr val="accent4">
+              <a:lumMod val="60000"/>
+              <a:lumOff val="40000"/>
+            </a:schemeClr>
+          </a:solidFill>
+        </p:spPr>
+        <p:style>
+          <a:lnRef idx="2">
+            <a:schemeClr val="accent4">
+              <a:shade val="15000"/>
+            </a:schemeClr>
+          </a:lnRef>
+          <a:fillRef idx="1">
+            <a:schemeClr val="accent4"/>
+          </a:fillRef>
+          <a:effectRef idx="0">
+            <a:schemeClr val="accent4"/>
+          </a:effectRef>
+          <a:fontRef idx="minor">
+            <a:schemeClr val="lt1"/>
+          </a:fontRef>
+        </p:style>
+        <p:txBody>
+          <a:bodyPr rtlCol="0" anchor="ctr"/>
+          <a:lstStyle/>
+          <a:p>
+            <a:pPr algn="ctr"/>
+            <a:r>
+              <a:rPr kumimoji="1" lang="en-US" altLang="ko-Kore-KR" sz="1200" dirty="0">
+                <a:solidFill>
+                  <a:schemeClr val="tx1"/>
+                </a:solidFill>
+                <a:latin typeface="DM Mono" panose="020B0509040201040103" pitchFamily="49" charset="0"/>
+              </a:rPr>
+              <a:t>0x1000</a:t>
+            </a:r>
+            <a:endParaRPr kumimoji="1" lang="ko-Kore-KR" altLang="en-US" sz="1200" dirty="0">
+              <a:solidFill>
+                <a:schemeClr val="tx1"/>
+              </a:solidFill>
+              <a:latin typeface="DM Mono" panose="020B0509040201040103" pitchFamily="49" charset="0"/>
+            </a:endParaRPr>
+          </a:p>
+        </p:txBody>
+      </p:sp>
+      <p:sp>
+        <p:nvSpPr>
+          <p:cNvPr id="8" name="TextBox 7">
+            <a:extLst>
+              <a:ext uri="{FF2B5EF4-FFF2-40B4-BE49-F238E27FC236}">
+                <a16:creationId xmlns:a16="http://schemas.microsoft.com/office/drawing/2014/main" id="{0E51DEEF-5480-C48B-053D-43D22F6A7663}"/>
+              </a:ext>
+            </a:extLst>
+          </p:cNvPr>
+          <p:cNvSpPr txBox="1"/>
+          <p:nvPr/>
+        </p:nvSpPr>
+        <p:spPr>
+          <a:xfrm>
+            <a:off x="6575685" y="4576108"/>
+            <a:ext cx="685802" cy="261610"/>
+          </a:xfrm>
+          <a:prstGeom prst="rect">
+            <a:avLst/>
+          </a:prstGeom>
+          <a:noFill/>
+        </p:spPr>
+        <p:txBody>
+          <a:bodyPr wrap="square">
+            <a:spAutoFit/>
+          </a:bodyPr>
+          <a:lstStyle/>
+          <a:p>
+            <a:pPr algn="r"/>
+            <a:r>
+              <a:rPr kumimoji="1" lang="en-US" altLang="ko-Kore-KR" sz="1100" dirty="0">
+                <a:latin typeface="DM Mono" panose="020B0509040201040103" pitchFamily="49" charset="0"/>
+              </a:rPr>
+              <a:t>name</a:t>
+            </a:r>
+            <a:endParaRPr kumimoji="1" lang="ko-Kore-KR" altLang="en-US" sz="1100" dirty="0">
+              <a:solidFill>
+                <a:schemeClr val="tx1"/>
+              </a:solidFill>
+              <a:latin typeface="DM Mono" panose="020B0509040201040103" pitchFamily="49" charset="0"/>
+            </a:endParaRPr>
+          </a:p>
+        </p:txBody>
+      </p:sp>
+      <p:sp>
+        <p:nvSpPr>
+          <p:cNvPr id="10" name="직사각형 9">
+            <a:extLst>
+              <a:ext uri="{FF2B5EF4-FFF2-40B4-BE49-F238E27FC236}">
+                <a16:creationId xmlns:a16="http://schemas.microsoft.com/office/drawing/2014/main" id="{FA835144-65A9-5595-9B94-37E2A8886E68}"/>
+              </a:ext>
+            </a:extLst>
+          </p:cNvPr>
+          <p:cNvSpPr/>
+          <p:nvPr/>
+        </p:nvSpPr>
+        <p:spPr>
+          <a:xfrm>
+            <a:off x="7261487" y="4916775"/>
+            <a:ext cx="769495" cy="419724"/>
+          </a:xfrm>
+          <a:prstGeom prst="rect">
+            <a:avLst/>
+          </a:prstGeom>
+          <a:solidFill>
+            <a:schemeClr val="accent4">
+              <a:lumMod val="60000"/>
+              <a:lumOff val="40000"/>
+            </a:schemeClr>
+          </a:solidFill>
+        </p:spPr>
+        <p:style>
+          <a:lnRef idx="2">
+            <a:schemeClr val="accent4">
+              <a:shade val="15000"/>
+            </a:schemeClr>
+          </a:lnRef>
+          <a:fillRef idx="1">
+            <a:schemeClr val="accent4"/>
+          </a:fillRef>
+          <a:effectRef idx="0">
+            <a:schemeClr val="accent4"/>
+          </a:effectRef>
+          <a:fontRef idx="minor">
+            <a:schemeClr val="lt1"/>
+          </a:fontRef>
+        </p:style>
+        <p:txBody>
+          <a:bodyPr rtlCol="0" anchor="ctr"/>
+          <a:lstStyle/>
+          <a:p>
+            <a:pPr algn="ctr"/>
+            <a:r>
+              <a:rPr kumimoji="1" lang="en-US" altLang="ko-Kore-KR" sz="1200" dirty="0">
+                <a:solidFill>
+                  <a:schemeClr val="tx1"/>
+                </a:solidFill>
+                <a:latin typeface="DM Mono" panose="020B0509040201040103" pitchFamily="49" charset="0"/>
+              </a:rPr>
+              <a:t>42</a:t>
+            </a:r>
+            <a:endParaRPr kumimoji="1" lang="ko-Kore-KR" altLang="en-US" sz="1200" dirty="0">
+              <a:solidFill>
+                <a:schemeClr val="tx1"/>
+              </a:solidFill>
+              <a:latin typeface="DM Mono" panose="020B0509040201040103" pitchFamily="49" charset="0"/>
+            </a:endParaRPr>
+          </a:p>
+        </p:txBody>
+      </p:sp>
+      <p:sp>
+        <p:nvSpPr>
+          <p:cNvPr id="11" name="TextBox 10">
+            <a:extLst>
+              <a:ext uri="{FF2B5EF4-FFF2-40B4-BE49-F238E27FC236}">
+                <a16:creationId xmlns:a16="http://schemas.microsoft.com/office/drawing/2014/main" id="{CD781AC7-D447-DC8B-4CC7-5C8FA9DEF990}"/>
+              </a:ext>
+            </a:extLst>
+          </p:cNvPr>
+          <p:cNvSpPr txBox="1"/>
+          <p:nvPr/>
+        </p:nvSpPr>
+        <p:spPr>
+          <a:xfrm>
+            <a:off x="6675619" y="4995832"/>
+            <a:ext cx="585868" cy="261610"/>
+          </a:xfrm>
+          <a:prstGeom prst="rect">
+            <a:avLst/>
+          </a:prstGeom>
+          <a:noFill/>
+        </p:spPr>
+        <p:txBody>
+          <a:bodyPr wrap="square">
+            <a:spAutoFit/>
+          </a:bodyPr>
+          <a:lstStyle/>
+          <a:p>
+            <a:pPr algn="r"/>
+            <a:r>
+              <a:rPr kumimoji="1" lang="en-US" altLang="ko-Kore-KR" sz="1100" dirty="0">
+                <a:solidFill>
+                  <a:schemeClr val="tx1"/>
+                </a:solidFill>
+                <a:latin typeface="DM Mono" panose="020B0509040201040103" pitchFamily="49" charset="0"/>
+              </a:rPr>
+              <a:t>age</a:t>
+            </a:r>
+            <a:endParaRPr kumimoji="1" lang="ko-Kore-KR" altLang="en-US" sz="1100" dirty="0">
+              <a:solidFill>
+                <a:schemeClr val="tx1"/>
+              </a:solidFill>
+              <a:latin typeface="DM Mono" panose="020B0509040201040103" pitchFamily="49" charset="0"/>
+            </a:endParaRPr>
+          </a:p>
+        </p:txBody>
+      </p:sp>
+      <p:sp>
+        <p:nvSpPr>
+          <p:cNvPr id="12" name="TextBox 11">
+            <a:extLst>
+              <a:ext uri="{FF2B5EF4-FFF2-40B4-BE49-F238E27FC236}">
+                <a16:creationId xmlns:a16="http://schemas.microsoft.com/office/drawing/2014/main" id="{32C7DE22-336B-08D6-92F4-AEB004179CFE}"/>
+              </a:ext>
+            </a:extLst>
+          </p:cNvPr>
+          <p:cNvSpPr txBox="1"/>
+          <p:nvPr/>
+        </p:nvSpPr>
+        <p:spPr>
+          <a:xfrm>
+            <a:off x="7198714" y="4215521"/>
+            <a:ext cx="895039" cy="261610"/>
+          </a:xfrm>
+          <a:prstGeom prst="rect">
+            <a:avLst/>
+          </a:prstGeom>
+          <a:noFill/>
+        </p:spPr>
+        <p:txBody>
+          <a:bodyPr wrap="square">
+            <a:spAutoFit/>
+          </a:bodyPr>
+          <a:lstStyle/>
+          <a:p>
+            <a:pPr algn="ctr"/>
+            <a:r>
+              <a:rPr kumimoji="1" lang="en-US" altLang="ko-Kore-KR" sz="1100" dirty="0">
+                <a:solidFill>
+                  <a:schemeClr val="tx1"/>
+                </a:solidFill>
+                <a:latin typeface="DM Mono" panose="020B0509040201040103" pitchFamily="49" charset="0"/>
+              </a:rPr>
+              <a:t>user</a:t>
+            </a:r>
+            <a:endParaRPr kumimoji="1" lang="ko-Kore-KR" altLang="en-US" sz="1100" dirty="0">
+              <a:solidFill>
+                <a:schemeClr val="tx1"/>
+              </a:solidFill>
+              <a:latin typeface="DM Mono" panose="020B0509040201040103" pitchFamily="49" charset="0"/>
+            </a:endParaRPr>
+          </a:p>
+        </p:txBody>
+      </p:sp>
+      <p:sp>
+        <p:nvSpPr>
+          <p:cNvPr id="14" name="직사각형 13">
+            <a:extLst>
+              <a:ext uri="{FF2B5EF4-FFF2-40B4-BE49-F238E27FC236}">
+                <a16:creationId xmlns:a16="http://schemas.microsoft.com/office/drawing/2014/main" id="{2282578C-D4EE-EBCA-7553-FA9931C6BB9F}"/>
+              </a:ext>
+            </a:extLst>
+          </p:cNvPr>
+          <p:cNvSpPr/>
+          <p:nvPr/>
+        </p:nvSpPr>
+        <p:spPr>
+          <a:xfrm>
+            <a:off x="9967212" y="2320979"/>
+            <a:ext cx="1110519" cy="342275"/>
+          </a:xfrm>
+          <a:prstGeom prst="rect">
+            <a:avLst/>
+          </a:prstGeom>
+          <a:solidFill>
+            <a:schemeClr val="accent4">
+              <a:lumMod val="60000"/>
+              <a:lumOff val="40000"/>
+            </a:schemeClr>
+          </a:solidFill>
+        </p:spPr>
+        <p:style>
+          <a:lnRef idx="2">
+            <a:schemeClr val="accent4">
+              <a:shade val="15000"/>
+            </a:schemeClr>
+          </a:lnRef>
+          <a:fillRef idx="1">
+            <a:schemeClr val="accent4"/>
+          </a:fillRef>
+          <a:effectRef idx="0">
+            <a:schemeClr val="accent4"/>
+          </a:effectRef>
+          <a:fontRef idx="minor">
+            <a:schemeClr val="lt1"/>
+          </a:fontRef>
+        </p:style>
+        <p:txBody>
+          <a:bodyPr rtlCol="0" anchor="ctr"/>
+          <a:lstStyle/>
+          <a:p>
+            <a:pPr algn="ctr"/>
+            <a:r>
+              <a:rPr kumimoji="1" lang="en-US" altLang="ko-Kore-KR" sz="1200" dirty="0">
+                <a:solidFill>
+                  <a:schemeClr val="tx1"/>
+                </a:solidFill>
+                <a:latin typeface="DM Mono" panose="020B0509040201040103" pitchFamily="49" charset="0"/>
+              </a:rPr>
+              <a:t>“Tom”</a:t>
+            </a:r>
+            <a:endParaRPr kumimoji="1" lang="ko-Kore-KR" altLang="en-US" sz="1200" dirty="0">
+              <a:solidFill>
+                <a:schemeClr val="tx1"/>
+              </a:solidFill>
+              <a:latin typeface="DM Mono" panose="020B0509040201040103" pitchFamily="49" charset="0"/>
+            </a:endParaRPr>
+          </a:p>
+        </p:txBody>
+      </p:sp>
+      <p:cxnSp>
+        <p:nvCxnSpPr>
+          <p:cNvPr id="16" name="구부러진 연결선[U] 15">
+            <a:extLst>
+              <a:ext uri="{FF2B5EF4-FFF2-40B4-BE49-F238E27FC236}">
+                <a16:creationId xmlns:a16="http://schemas.microsoft.com/office/drawing/2014/main" id="{2E0DF4BE-0E64-C1DE-6326-7CBB8CACCB63}"/>
+              </a:ext>
+            </a:extLst>
+          </p:cNvPr>
+          <p:cNvCxnSpPr>
+            <a:stCxn id="7" idx="3"/>
+            <a:endCxn id="14" idx="1"/>
+          </p:cNvCxnSpPr>
+          <p:nvPr/>
+        </p:nvCxnSpPr>
+        <p:spPr>
+          <a:xfrm flipV="1">
+            <a:off x="8030982" y="2492117"/>
+            <a:ext cx="1936230" cy="2214796"/>
+          </a:xfrm>
+          <a:prstGeom prst="curvedConnector3">
+            <a:avLst/>
+          </a:prstGeom>
+          <a:ln>
+            <a:tailEnd type="triangle"/>
+          </a:ln>
+        </p:spPr>
+        <p:style>
+          <a:lnRef idx="1">
+            <a:schemeClr val="dk1"/>
+          </a:lnRef>
+          <a:fillRef idx="0">
+            <a:schemeClr val="dk1"/>
+          </a:fillRef>
+          <a:effectRef idx="0">
+            <a:schemeClr val="dk1"/>
+          </a:effectRef>
+          <a:fontRef idx="minor">
+            <a:schemeClr val="tx1"/>
+          </a:fontRef>
+        </p:style>
+      </p:cxnSp>
+      <p:sp>
+        <p:nvSpPr>
+          <p:cNvPr id="19" name="TextBox 18">
+            <a:extLst>
+              <a:ext uri="{FF2B5EF4-FFF2-40B4-BE49-F238E27FC236}">
+                <a16:creationId xmlns:a16="http://schemas.microsoft.com/office/drawing/2014/main" id="{5C1515B9-160E-0A92-F019-639A67B6991B}"/>
+              </a:ext>
+            </a:extLst>
+          </p:cNvPr>
+          <p:cNvSpPr txBox="1"/>
+          <p:nvPr/>
+        </p:nvSpPr>
+        <p:spPr>
+          <a:xfrm>
+            <a:off x="9503763" y="2059369"/>
+            <a:ext cx="704538" cy="261610"/>
+          </a:xfrm>
+          <a:prstGeom prst="rect">
+            <a:avLst/>
+          </a:prstGeom>
+          <a:noFill/>
+        </p:spPr>
+        <p:txBody>
+          <a:bodyPr wrap="square">
+            <a:spAutoFit/>
+          </a:bodyPr>
+          <a:lstStyle/>
+          <a:p>
+            <a:r>
+              <a:rPr kumimoji="1" lang="en-US" altLang="ko-Kore-KR" sz="1050" dirty="0">
+                <a:solidFill>
+                  <a:schemeClr val="tx1"/>
+                </a:solidFill>
+                <a:latin typeface="DM Mono" panose="020B0509040201040103" pitchFamily="49" charset="0"/>
+              </a:rPr>
+              <a:t>0x1000</a:t>
+            </a:r>
+            <a:endParaRPr lang="ko-Kore-KR" altLang="en-US" sz="1050" dirty="0"/>
+          </a:p>
+        </p:txBody>
+      </p:sp>
+      <p:sp>
+        <p:nvSpPr>
+          <p:cNvPr id="23" name="직사각형 22">
+            <a:extLst>
+              <a:ext uri="{FF2B5EF4-FFF2-40B4-BE49-F238E27FC236}">
+                <a16:creationId xmlns:a16="http://schemas.microsoft.com/office/drawing/2014/main" id="{4A18D76A-D93E-56A0-E2FE-36C27E67D92F}"/>
+              </a:ext>
+            </a:extLst>
+          </p:cNvPr>
+          <p:cNvSpPr/>
+          <p:nvPr/>
+        </p:nvSpPr>
+        <p:spPr>
+          <a:xfrm>
+            <a:off x="7261487" y="5336499"/>
+            <a:ext cx="769495" cy="419724"/>
+          </a:xfrm>
+          <a:prstGeom prst="rect">
+            <a:avLst/>
+          </a:prstGeom>
+          <a:solidFill>
+            <a:schemeClr val="accent4">
+              <a:lumMod val="60000"/>
+              <a:lumOff val="40000"/>
+            </a:schemeClr>
+          </a:solidFill>
+        </p:spPr>
+        <p:style>
+          <a:lnRef idx="2">
+            <a:schemeClr val="accent4">
+              <a:shade val="15000"/>
+            </a:schemeClr>
+          </a:lnRef>
+          <a:fillRef idx="1">
+            <a:schemeClr val="accent4"/>
+          </a:fillRef>
+          <a:effectRef idx="0">
+            <a:schemeClr val="accent4"/>
+          </a:effectRef>
+          <a:fontRef idx="minor">
+            <a:schemeClr val="lt1"/>
+          </a:fontRef>
+        </p:style>
+        <p:txBody>
+          <a:bodyPr rtlCol="0" anchor="ctr"/>
+          <a:lstStyle/>
+          <a:p>
+            <a:pPr algn="ctr"/>
+            <a:endParaRPr kumimoji="1" lang="ko-Kore-KR" altLang="en-US" sz="1200" dirty="0">
+              <a:solidFill>
+                <a:schemeClr val="tx1"/>
+              </a:solidFill>
+              <a:latin typeface="DM Mono" panose="020B0509040201040103" pitchFamily="49" charset="0"/>
+            </a:endParaRPr>
+          </a:p>
+        </p:txBody>
+      </p:sp>
+      <p:sp>
+        <p:nvSpPr>
+          <p:cNvPr id="24" name="TextBox 23">
+            <a:extLst>
+              <a:ext uri="{FF2B5EF4-FFF2-40B4-BE49-F238E27FC236}">
+                <a16:creationId xmlns:a16="http://schemas.microsoft.com/office/drawing/2014/main" id="{B4ECBCA6-5D42-5490-08B5-4450482D05DF}"/>
+              </a:ext>
+            </a:extLst>
+          </p:cNvPr>
+          <p:cNvSpPr txBox="1"/>
+          <p:nvPr/>
+        </p:nvSpPr>
+        <p:spPr>
+          <a:xfrm>
+            <a:off x="6675619" y="5415556"/>
+            <a:ext cx="585868" cy="261610"/>
+          </a:xfrm>
+          <a:prstGeom prst="rect">
+            <a:avLst/>
+          </a:prstGeom>
+          <a:noFill/>
+        </p:spPr>
+        <p:txBody>
+          <a:bodyPr wrap="square">
+            <a:spAutoFit/>
+          </a:bodyPr>
+          <a:lstStyle/>
+          <a:p>
+            <a:pPr algn="r"/>
+            <a:r>
+              <a:rPr kumimoji="1" lang="en-US" altLang="ko-Kore-KR" sz="1100" dirty="0">
+                <a:solidFill>
+                  <a:schemeClr val="tx1"/>
+                </a:solidFill>
+                <a:latin typeface="DM Mono" panose="020B0509040201040103" pitchFamily="49" charset="0"/>
+              </a:rPr>
+              <a:t>ref</a:t>
+            </a:r>
+            <a:endParaRPr kumimoji="1" lang="ko-Kore-KR" altLang="en-US" sz="1100" dirty="0">
+              <a:solidFill>
+                <a:schemeClr val="tx1"/>
+              </a:solidFill>
+              <a:latin typeface="DM Mono" panose="020B0509040201040103" pitchFamily="49" charset="0"/>
+            </a:endParaRPr>
+          </a:p>
+        </p:txBody>
+      </p:sp>
+      <p:sp>
+        <p:nvSpPr>
+          <p:cNvPr id="25" name="직사각형 24">
+            <a:extLst>
+              <a:ext uri="{FF2B5EF4-FFF2-40B4-BE49-F238E27FC236}">
+                <a16:creationId xmlns:a16="http://schemas.microsoft.com/office/drawing/2014/main" id="{D78137EB-9AB1-2419-CF91-A8732AF7CA5F}"/>
+              </a:ext>
+            </a:extLst>
+          </p:cNvPr>
+          <p:cNvSpPr/>
+          <p:nvPr/>
+        </p:nvSpPr>
+        <p:spPr>
+          <a:xfrm>
+            <a:off x="10653014" y="3752540"/>
+            <a:ext cx="464691" cy="342275"/>
+          </a:xfrm>
+          <a:prstGeom prst="rect">
+            <a:avLst/>
+          </a:prstGeom>
+          <a:solidFill>
+            <a:schemeClr val="accent4">
+              <a:lumMod val="60000"/>
+              <a:lumOff val="40000"/>
+            </a:schemeClr>
+          </a:solidFill>
+        </p:spPr>
+        <p:style>
+          <a:lnRef idx="2">
+            <a:schemeClr val="accent4">
+              <a:shade val="15000"/>
+            </a:schemeClr>
+          </a:lnRef>
+          <a:fillRef idx="1">
+            <a:schemeClr val="accent4"/>
+          </a:fillRef>
+          <a:effectRef idx="0">
+            <a:schemeClr val="accent4"/>
+          </a:effectRef>
+          <a:fontRef idx="minor">
+            <a:schemeClr val="lt1"/>
+          </a:fontRef>
+        </p:style>
+        <p:txBody>
+          <a:bodyPr rtlCol="0" anchor="ctr"/>
+          <a:lstStyle/>
+          <a:p>
+            <a:pPr algn="ctr"/>
+            <a:r>
+              <a:rPr kumimoji="1" lang="en-US" altLang="ko-Kore-KR" sz="1200" dirty="0">
+                <a:solidFill>
+                  <a:srgbClr val="FF0000"/>
+                </a:solidFill>
+                <a:latin typeface="DM Mono" panose="020B0509040201040103" pitchFamily="49" charset="0"/>
+              </a:rPr>
+              <a:t>1</a:t>
+            </a:r>
+            <a:endParaRPr kumimoji="1" lang="ko-Kore-KR" altLang="en-US" sz="1200" dirty="0">
+              <a:solidFill>
+                <a:srgbClr val="FF0000"/>
+              </a:solidFill>
+              <a:latin typeface="DM Mono" panose="020B0509040201040103" pitchFamily="49" charset="0"/>
+            </a:endParaRPr>
+          </a:p>
+        </p:txBody>
+      </p:sp>
+      <p:cxnSp>
+        <p:nvCxnSpPr>
+          <p:cNvPr id="26" name="구부러진 연결선[U] 25">
+            <a:extLst>
+              <a:ext uri="{FF2B5EF4-FFF2-40B4-BE49-F238E27FC236}">
+                <a16:creationId xmlns:a16="http://schemas.microsoft.com/office/drawing/2014/main" id="{31185740-D738-8494-6675-5BECEAF46E01}"/>
+              </a:ext>
+            </a:extLst>
+          </p:cNvPr>
+          <p:cNvCxnSpPr>
+            <a:cxnSpLocks/>
+            <a:stCxn id="23" idx="3"/>
+            <a:endCxn id="25" idx="1"/>
+          </p:cNvCxnSpPr>
+          <p:nvPr/>
+        </p:nvCxnSpPr>
+        <p:spPr>
+          <a:xfrm flipV="1">
+            <a:off x="8030982" y="3923678"/>
+            <a:ext cx="2622032" cy="1622683"/>
+          </a:xfrm>
+          <a:prstGeom prst="curvedConnector3">
+            <a:avLst/>
+          </a:prstGeom>
+          <a:ln>
+            <a:tailEnd type="triangle"/>
+          </a:ln>
+        </p:spPr>
+        <p:style>
+          <a:lnRef idx="1">
+            <a:schemeClr val="dk1"/>
+          </a:lnRef>
+          <a:fillRef idx="0">
+            <a:schemeClr val="dk1"/>
+          </a:fillRef>
+          <a:effectRef idx="0">
+            <a:schemeClr val="dk1"/>
+          </a:effectRef>
+          <a:fontRef idx="minor">
+            <a:schemeClr val="tx1"/>
+          </a:fontRef>
+        </p:style>
+      </p:cxnSp>
+      <p:sp>
+        <p:nvSpPr>
+          <p:cNvPr id="2" name="직사각형 1">
+            <a:extLst>
+              <a:ext uri="{FF2B5EF4-FFF2-40B4-BE49-F238E27FC236}">
+                <a16:creationId xmlns:a16="http://schemas.microsoft.com/office/drawing/2014/main" id="{E2F404A4-DE92-E07A-3ADF-0EB8ABF9D319}"/>
+              </a:ext>
+            </a:extLst>
+          </p:cNvPr>
+          <p:cNvSpPr/>
+          <p:nvPr/>
+        </p:nvSpPr>
+        <p:spPr>
+          <a:xfrm>
+            <a:off x="7261487" y="2163744"/>
+            <a:ext cx="769495" cy="419724"/>
+          </a:xfrm>
+          <a:prstGeom prst="rect">
+            <a:avLst/>
+          </a:prstGeom>
+          <a:solidFill>
+            <a:schemeClr val="accent4">
+              <a:lumMod val="60000"/>
+              <a:lumOff val="40000"/>
+            </a:schemeClr>
+          </a:solidFill>
+          <a:ln>
+            <a:solidFill>
+              <a:srgbClr val="FF0000"/>
+            </a:solidFill>
+          </a:ln>
+        </p:spPr>
+        <p:style>
+          <a:lnRef idx="2">
+            <a:schemeClr val="accent4">
+              <a:shade val="15000"/>
+            </a:schemeClr>
+          </a:lnRef>
+          <a:fillRef idx="1">
+            <a:schemeClr val="accent4"/>
+          </a:fillRef>
+          <a:effectRef idx="0">
+            <a:schemeClr val="accent4"/>
+          </a:effectRef>
+          <a:fontRef idx="minor">
+            <a:schemeClr val="lt1"/>
+          </a:fontRef>
+        </p:style>
+        <p:txBody>
+          <a:bodyPr rtlCol="0" anchor="ctr"/>
+          <a:lstStyle/>
+          <a:p>
+            <a:pPr algn="ctr"/>
+            <a:r>
+              <a:rPr kumimoji="1" lang="en-US" altLang="ko-Kore-KR" sz="1200" dirty="0">
+                <a:solidFill>
+                  <a:schemeClr val="tx1"/>
+                </a:solidFill>
+                <a:latin typeface="DM Mono" panose="020B0509040201040103" pitchFamily="49" charset="0"/>
+              </a:rPr>
+              <a:t>0x1000</a:t>
+            </a:r>
+            <a:endParaRPr kumimoji="1" lang="ko-Kore-KR" altLang="en-US" sz="1200" dirty="0">
+              <a:solidFill>
+                <a:schemeClr val="tx1"/>
+              </a:solidFill>
+              <a:latin typeface="DM Mono" panose="020B0509040201040103" pitchFamily="49" charset="0"/>
+            </a:endParaRPr>
+          </a:p>
+        </p:txBody>
+      </p:sp>
+      <p:sp>
+        <p:nvSpPr>
+          <p:cNvPr id="3" name="TextBox 2">
+            <a:extLst>
+              <a:ext uri="{FF2B5EF4-FFF2-40B4-BE49-F238E27FC236}">
+                <a16:creationId xmlns:a16="http://schemas.microsoft.com/office/drawing/2014/main" id="{9747063F-9C8C-1E93-0810-FAEA0B9861E7}"/>
+              </a:ext>
+            </a:extLst>
+          </p:cNvPr>
+          <p:cNvSpPr txBox="1"/>
+          <p:nvPr/>
+        </p:nvSpPr>
+        <p:spPr>
+          <a:xfrm>
+            <a:off x="6575685" y="2242801"/>
+            <a:ext cx="685802" cy="261610"/>
+          </a:xfrm>
+          <a:prstGeom prst="rect">
+            <a:avLst/>
+          </a:prstGeom>
+          <a:noFill/>
+        </p:spPr>
+        <p:txBody>
+          <a:bodyPr wrap="square">
+            <a:spAutoFit/>
+          </a:bodyPr>
+          <a:lstStyle/>
+          <a:p>
+            <a:pPr algn="r"/>
+            <a:r>
+              <a:rPr kumimoji="1" lang="en-US" altLang="ko-Kore-KR" sz="1100" dirty="0">
+                <a:latin typeface="DM Mono" panose="020B0509040201040103" pitchFamily="49" charset="0"/>
+              </a:rPr>
+              <a:t>name</a:t>
+            </a:r>
+            <a:endParaRPr kumimoji="1" lang="ko-Kore-KR" altLang="en-US" sz="1100" dirty="0">
+              <a:solidFill>
+                <a:schemeClr val="tx1"/>
+              </a:solidFill>
+              <a:latin typeface="DM Mono" panose="020B0509040201040103" pitchFamily="49" charset="0"/>
+            </a:endParaRPr>
+          </a:p>
+        </p:txBody>
+      </p:sp>
+      <p:sp>
+        <p:nvSpPr>
+          <p:cNvPr id="4" name="직사각형 3">
+            <a:extLst>
+              <a:ext uri="{FF2B5EF4-FFF2-40B4-BE49-F238E27FC236}">
+                <a16:creationId xmlns:a16="http://schemas.microsoft.com/office/drawing/2014/main" id="{4FEBF014-99B2-28A0-A21B-33DD08A7FCB8}"/>
+              </a:ext>
+            </a:extLst>
+          </p:cNvPr>
+          <p:cNvSpPr/>
+          <p:nvPr/>
+        </p:nvSpPr>
+        <p:spPr>
+          <a:xfrm>
+            <a:off x="7261487" y="2583468"/>
+            <a:ext cx="769495" cy="419724"/>
+          </a:xfrm>
+          <a:prstGeom prst="rect">
+            <a:avLst/>
+          </a:prstGeom>
+          <a:solidFill>
+            <a:schemeClr val="accent4">
+              <a:lumMod val="60000"/>
+              <a:lumOff val="40000"/>
+            </a:schemeClr>
+          </a:solidFill>
+          <a:ln>
+            <a:solidFill>
+              <a:srgbClr val="FF0000"/>
+            </a:solidFill>
+          </a:ln>
+        </p:spPr>
+        <p:style>
+          <a:lnRef idx="2">
+            <a:schemeClr val="accent4">
+              <a:shade val="15000"/>
+            </a:schemeClr>
+          </a:lnRef>
+          <a:fillRef idx="1">
+            <a:schemeClr val="accent4"/>
+          </a:fillRef>
+          <a:effectRef idx="0">
+            <a:schemeClr val="accent4"/>
+          </a:effectRef>
+          <a:fontRef idx="minor">
+            <a:schemeClr val="lt1"/>
+          </a:fontRef>
+        </p:style>
+        <p:txBody>
+          <a:bodyPr rtlCol="0" anchor="ctr"/>
+          <a:lstStyle/>
+          <a:p>
+            <a:pPr algn="ctr"/>
+            <a:r>
+              <a:rPr kumimoji="1" lang="en-US" altLang="ko-Kore-KR" sz="1200" dirty="0">
+                <a:solidFill>
+                  <a:schemeClr val="tx1"/>
+                </a:solidFill>
+                <a:latin typeface="DM Mono" panose="020B0509040201040103" pitchFamily="49" charset="0"/>
+              </a:rPr>
+              <a:t>42</a:t>
+            </a:r>
+            <a:endParaRPr kumimoji="1" lang="ko-Kore-KR" altLang="en-US" sz="1200" dirty="0">
+              <a:solidFill>
+                <a:schemeClr val="tx1"/>
+              </a:solidFill>
+              <a:latin typeface="DM Mono" panose="020B0509040201040103" pitchFamily="49" charset="0"/>
+            </a:endParaRPr>
+          </a:p>
+        </p:txBody>
+      </p:sp>
+      <p:sp>
+        <p:nvSpPr>
+          <p:cNvPr id="5" name="TextBox 4">
+            <a:extLst>
+              <a:ext uri="{FF2B5EF4-FFF2-40B4-BE49-F238E27FC236}">
+                <a16:creationId xmlns:a16="http://schemas.microsoft.com/office/drawing/2014/main" id="{D5E1FFFA-75FB-324F-30B5-DF6CF704B464}"/>
+              </a:ext>
+            </a:extLst>
+          </p:cNvPr>
+          <p:cNvSpPr txBox="1"/>
+          <p:nvPr/>
+        </p:nvSpPr>
+        <p:spPr>
+          <a:xfrm>
+            <a:off x="6675619" y="2662525"/>
+            <a:ext cx="585868" cy="261610"/>
+          </a:xfrm>
+          <a:prstGeom prst="rect">
+            <a:avLst/>
+          </a:prstGeom>
+          <a:noFill/>
+        </p:spPr>
+        <p:txBody>
+          <a:bodyPr wrap="square">
+            <a:spAutoFit/>
+          </a:bodyPr>
+          <a:lstStyle/>
+          <a:p>
+            <a:pPr algn="r"/>
+            <a:r>
+              <a:rPr kumimoji="1" lang="en-US" altLang="ko-Kore-KR" sz="1100" dirty="0">
+                <a:solidFill>
+                  <a:schemeClr val="tx1"/>
+                </a:solidFill>
+                <a:latin typeface="DM Mono" panose="020B0509040201040103" pitchFamily="49" charset="0"/>
+              </a:rPr>
+              <a:t>age</a:t>
+            </a:r>
+            <a:endParaRPr kumimoji="1" lang="ko-Kore-KR" altLang="en-US" sz="1100" dirty="0">
+              <a:solidFill>
+                <a:schemeClr val="tx1"/>
+              </a:solidFill>
+              <a:latin typeface="DM Mono" panose="020B0509040201040103" pitchFamily="49" charset="0"/>
+            </a:endParaRPr>
+          </a:p>
+        </p:txBody>
+      </p:sp>
+      <p:sp>
+        <p:nvSpPr>
+          <p:cNvPr id="6" name="TextBox 5">
+            <a:extLst>
+              <a:ext uri="{FF2B5EF4-FFF2-40B4-BE49-F238E27FC236}">
+                <a16:creationId xmlns:a16="http://schemas.microsoft.com/office/drawing/2014/main" id="{9A34FBB7-7938-44D1-A72C-BBBC40612B73}"/>
+              </a:ext>
+            </a:extLst>
+          </p:cNvPr>
+          <p:cNvSpPr txBox="1"/>
+          <p:nvPr/>
+        </p:nvSpPr>
+        <p:spPr>
+          <a:xfrm>
+            <a:off x="7198714" y="1882214"/>
+            <a:ext cx="895039" cy="261610"/>
+          </a:xfrm>
+          <a:prstGeom prst="rect">
+            <a:avLst/>
+          </a:prstGeom>
+          <a:noFill/>
+        </p:spPr>
+        <p:txBody>
+          <a:bodyPr wrap="square">
+            <a:spAutoFit/>
+          </a:bodyPr>
+          <a:lstStyle/>
+          <a:p>
+            <a:pPr algn="ctr"/>
+            <a:r>
+              <a:rPr kumimoji="1" lang="en-US" altLang="ko-Kore-KR" sz="1100" dirty="0">
+                <a:solidFill>
+                  <a:schemeClr val="tx1"/>
+                </a:solidFill>
+                <a:latin typeface="DM Mono" panose="020B0509040201040103" pitchFamily="49" charset="0"/>
+              </a:rPr>
+              <a:t>other</a:t>
+            </a:r>
+            <a:endParaRPr kumimoji="1" lang="ko-Kore-KR" altLang="en-US" sz="1100" dirty="0">
+              <a:solidFill>
+                <a:schemeClr val="tx1"/>
+              </a:solidFill>
+              <a:latin typeface="DM Mono" panose="020B0509040201040103" pitchFamily="49" charset="0"/>
+            </a:endParaRPr>
+          </a:p>
+        </p:txBody>
+      </p:sp>
+      <p:sp>
+        <p:nvSpPr>
+          <p:cNvPr id="9" name="직사각형 8">
+            <a:extLst>
+              <a:ext uri="{FF2B5EF4-FFF2-40B4-BE49-F238E27FC236}">
+                <a16:creationId xmlns:a16="http://schemas.microsoft.com/office/drawing/2014/main" id="{D55A0B36-F089-6388-6BBC-A6D953BE43C1}"/>
+              </a:ext>
+            </a:extLst>
+          </p:cNvPr>
+          <p:cNvSpPr/>
+          <p:nvPr/>
+        </p:nvSpPr>
+        <p:spPr>
+          <a:xfrm>
+            <a:off x="7261487" y="3003192"/>
+            <a:ext cx="769495" cy="419724"/>
+          </a:xfrm>
+          <a:prstGeom prst="rect">
+            <a:avLst/>
+          </a:prstGeom>
+          <a:solidFill>
+            <a:schemeClr val="accent4">
+              <a:lumMod val="60000"/>
+              <a:lumOff val="40000"/>
+            </a:schemeClr>
+          </a:solidFill>
+          <a:ln>
+            <a:solidFill>
+              <a:srgbClr val="FF0000"/>
+            </a:solidFill>
+          </a:ln>
+        </p:spPr>
+        <p:style>
+          <a:lnRef idx="2">
+            <a:schemeClr val="accent4">
+              <a:shade val="15000"/>
+            </a:schemeClr>
+          </a:lnRef>
+          <a:fillRef idx="1">
+            <a:schemeClr val="accent4"/>
+          </a:fillRef>
+          <a:effectRef idx="0">
+            <a:schemeClr val="accent4"/>
+          </a:effectRef>
+          <a:fontRef idx="minor">
+            <a:schemeClr val="lt1"/>
+          </a:fontRef>
+        </p:style>
+        <p:txBody>
+          <a:bodyPr rtlCol="0" anchor="ctr"/>
+          <a:lstStyle/>
+          <a:p>
+            <a:pPr algn="ctr"/>
+            <a:endParaRPr kumimoji="1" lang="ko-Kore-KR" altLang="en-US" sz="1200" dirty="0">
+              <a:solidFill>
+                <a:schemeClr val="tx1"/>
+              </a:solidFill>
+              <a:latin typeface="DM Mono" panose="020B0509040201040103" pitchFamily="49" charset="0"/>
+            </a:endParaRPr>
+          </a:p>
+        </p:txBody>
+      </p:sp>
+      <p:sp>
+        <p:nvSpPr>
+          <p:cNvPr id="13" name="TextBox 12">
+            <a:extLst>
+              <a:ext uri="{FF2B5EF4-FFF2-40B4-BE49-F238E27FC236}">
+                <a16:creationId xmlns:a16="http://schemas.microsoft.com/office/drawing/2014/main" id="{FC32C88B-291E-9E50-F2C2-2FFAC3E83EAF}"/>
+              </a:ext>
+            </a:extLst>
+          </p:cNvPr>
+          <p:cNvSpPr txBox="1"/>
+          <p:nvPr/>
+        </p:nvSpPr>
+        <p:spPr>
+          <a:xfrm>
+            <a:off x="6675619" y="3082249"/>
+            <a:ext cx="585868" cy="261610"/>
+          </a:xfrm>
+          <a:prstGeom prst="rect">
+            <a:avLst/>
+          </a:prstGeom>
+          <a:noFill/>
+        </p:spPr>
+        <p:txBody>
+          <a:bodyPr wrap="square">
+            <a:spAutoFit/>
+          </a:bodyPr>
+          <a:lstStyle/>
+          <a:p>
+            <a:pPr algn="r"/>
+            <a:r>
+              <a:rPr kumimoji="1" lang="en-US" altLang="ko-Kore-KR" sz="1100" dirty="0">
+                <a:solidFill>
+                  <a:schemeClr val="tx1"/>
+                </a:solidFill>
+                <a:latin typeface="DM Mono" panose="020B0509040201040103" pitchFamily="49" charset="0"/>
+              </a:rPr>
+              <a:t>ref</a:t>
+            </a:r>
+            <a:endParaRPr kumimoji="1" lang="ko-Kore-KR" altLang="en-US" sz="1100" dirty="0">
+              <a:solidFill>
+                <a:schemeClr val="tx1"/>
+              </a:solidFill>
+              <a:latin typeface="DM Mono" panose="020B0509040201040103" pitchFamily="49" charset="0"/>
+            </a:endParaRPr>
+          </a:p>
+        </p:txBody>
+      </p:sp>
+    </p:spTree>
+    <p:extLst>
+      <p:ext uri="{BB962C8B-B14F-4D97-AF65-F5344CB8AC3E}">
+        <p14:creationId xmlns:p14="http://schemas.microsoft.com/office/powerpoint/2010/main" val="2747147291"/>
+      </p:ext>
+    </p:extLst>
+  </p:cSld>
+  <p:clrMapOvr>
+    <a:masterClrMapping/>
+  </p:clrMapOvr>
+</p:sld>
+</file>
+
+<file path=ppt/slides/slide24.xml><?xml version="1.0" encoding="utf-8"?>
+<p:sld xmlns:a="http://schemas.openxmlformats.org/drawingml/2006/main" xmlns:r="http://schemas.openxmlformats.org/officeDocument/2006/relationships" xmlns:p="http://schemas.openxmlformats.org/presentationml/2006/main">
+  <p:cSld>
+    <p:spTree>
+      <p:nvGrpSpPr>
+        <p:cNvPr id="1" name=""/>
+        <p:cNvGrpSpPr/>
+        <p:nvPr/>
+      </p:nvGrpSpPr>
+      <p:grpSpPr>
+        <a:xfrm>
+          <a:off x="0" y="0"/>
+          <a:ext cx="0" cy="0"/>
+          <a:chOff x="0" y="0"/>
+          <a:chExt cx="0" cy="0"/>
+        </a:xfrm>
+      </p:grpSpPr>
+      <p:sp>
+        <p:nvSpPr>
+          <p:cNvPr id="7" name="직사각형 6">
+            <a:extLst>
+              <a:ext uri="{FF2B5EF4-FFF2-40B4-BE49-F238E27FC236}">
+                <a16:creationId xmlns:a16="http://schemas.microsoft.com/office/drawing/2014/main" id="{31CCB710-0121-1DC8-86D7-67AEA020399A}"/>
+              </a:ext>
+            </a:extLst>
+          </p:cNvPr>
+          <p:cNvSpPr/>
+          <p:nvPr/>
+        </p:nvSpPr>
+        <p:spPr>
+          <a:xfrm>
+            <a:off x="7261487" y="4497051"/>
+            <a:ext cx="769495" cy="419724"/>
+          </a:xfrm>
+          <a:prstGeom prst="rect">
+            <a:avLst/>
+          </a:prstGeom>
+          <a:solidFill>
+            <a:schemeClr val="accent4">
+              <a:lumMod val="60000"/>
+              <a:lumOff val="40000"/>
+            </a:schemeClr>
+          </a:solidFill>
+          <a:ln>
+            <a:solidFill>
+              <a:srgbClr val="FF0000"/>
+            </a:solidFill>
+          </a:ln>
+        </p:spPr>
+        <p:style>
+          <a:lnRef idx="2">
+            <a:schemeClr val="accent4">
+              <a:shade val="15000"/>
+            </a:schemeClr>
+          </a:lnRef>
+          <a:fillRef idx="1">
+            <a:schemeClr val="accent4"/>
+          </a:fillRef>
+          <a:effectRef idx="0">
+            <a:schemeClr val="accent4"/>
+          </a:effectRef>
+          <a:fontRef idx="minor">
+            <a:schemeClr val="lt1"/>
+          </a:fontRef>
+        </p:style>
+        <p:txBody>
+          <a:bodyPr rtlCol="0" anchor="ctr"/>
+          <a:lstStyle/>
+          <a:p>
+            <a:pPr algn="ctr"/>
+            <a:r>
+              <a:rPr kumimoji="1" lang="en-US" altLang="ko-Kore-KR" sz="1200" dirty="0">
+                <a:solidFill>
+                  <a:schemeClr val="tx1"/>
+                </a:solidFill>
+                <a:latin typeface="DM Mono" panose="020B0509040201040103" pitchFamily="49" charset="0"/>
+              </a:rPr>
+              <a:t>0x1000</a:t>
+            </a:r>
+            <a:endParaRPr kumimoji="1" lang="ko-Kore-KR" altLang="en-US" sz="1200" dirty="0">
+              <a:solidFill>
+                <a:schemeClr val="tx1"/>
+              </a:solidFill>
+              <a:latin typeface="DM Mono" panose="020B0509040201040103" pitchFamily="49" charset="0"/>
+            </a:endParaRPr>
+          </a:p>
+        </p:txBody>
+      </p:sp>
+      <p:sp>
+        <p:nvSpPr>
+          <p:cNvPr id="8" name="TextBox 7">
+            <a:extLst>
+              <a:ext uri="{FF2B5EF4-FFF2-40B4-BE49-F238E27FC236}">
+                <a16:creationId xmlns:a16="http://schemas.microsoft.com/office/drawing/2014/main" id="{0E51DEEF-5480-C48B-053D-43D22F6A7663}"/>
+              </a:ext>
+            </a:extLst>
+          </p:cNvPr>
+          <p:cNvSpPr txBox="1"/>
+          <p:nvPr/>
+        </p:nvSpPr>
+        <p:spPr>
+          <a:xfrm>
+            <a:off x="6575685" y="4576108"/>
+            <a:ext cx="685802" cy="261610"/>
+          </a:xfrm>
+          <a:prstGeom prst="rect">
+            <a:avLst/>
+          </a:prstGeom>
+          <a:noFill/>
+        </p:spPr>
+        <p:txBody>
+          <a:bodyPr wrap="square">
+            <a:spAutoFit/>
+          </a:bodyPr>
+          <a:lstStyle/>
+          <a:p>
+            <a:pPr algn="r"/>
+            <a:r>
+              <a:rPr kumimoji="1" lang="en-US" altLang="ko-Kore-KR" sz="1100" dirty="0">
+                <a:latin typeface="DM Mono" panose="020B0509040201040103" pitchFamily="49" charset="0"/>
+              </a:rPr>
+              <a:t>name</a:t>
+            </a:r>
+            <a:endParaRPr kumimoji="1" lang="ko-Kore-KR" altLang="en-US" sz="1100" dirty="0">
+              <a:solidFill>
+                <a:schemeClr val="tx1"/>
+              </a:solidFill>
+              <a:latin typeface="DM Mono" panose="020B0509040201040103" pitchFamily="49" charset="0"/>
+            </a:endParaRPr>
+          </a:p>
+        </p:txBody>
+      </p:sp>
+      <p:sp>
+        <p:nvSpPr>
+          <p:cNvPr id="10" name="직사각형 9">
+            <a:extLst>
+              <a:ext uri="{FF2B5EF4-FFF2-40B4-BE49-F238E27FC236}">
+                <a16:creationId xmlns:a16="http://schemas.microsoft.com/office/drawing/2014/main" id="{FA835144-65A9-5595-9B94-37E2A8886E68}"/>
+              </a:ext>
+            </a:extLst>
+          </p:cNvPr>
+          <p:cNvSpPr/>
+          <p:nvPr/>
+        </p:nvSpPr>
+        <p:spPr>
+          <a:xfrm>
+            <a:off x="7261487" y="4916775"/>
+            <a:ext cx="769495" cy="419724"/>
+          </a:xfrm>
+          <a:prstGeom prst="rect">
+            <a:avLst/>
+          </a:prstGeom>
+          <a:solidFill>
+            <a:schemeClr val="accent4">
+              <a:lumMod val="60000"/>
+              <a:lumOff val="40000"/>
+            </a:schemeClr>
+          </a:solidFill>
+          <a:ln>
+            <a:solidFill>
+              <a:srgbClr val="FF0000"/>
+            </a:solidFill>
+          </a:ln>
+        </p:spPr>
+        <p:style>
+          <a:lnRef idx="2">
+            <a:schemeClr val="accent4">
+              <a:shade val="15000"/>
+            </a:schemeClr>
+          </a:lnRef>
+          <a:fillRef idx="1">
+            <a:schemeClr val="accent4"/>
+          </a:fillRef>
+          <a:effectRef idx="0">
+            <a:schemeClr val="accent4"/>
+          </a:effectRef>
+          <a:fontRef idx="minor">
+            <a:schemeClr val="lt1"/>
+          </a:fontRef>
+        </p:style>
+        <p:txBody>
+          <a:bodyPr rtlCol="0" anchor="ctr"/>
+          <a:lstStyle/>
+          <a:p>
+            <a:pPr algn="ctr"/>
+            <a:r>
+              <a:rPr kumimoji="1" lang="en-US" altLang="ko-Kore-KR" sz="1200" dirty="0">
+                <a:solidFill>
+                  <a:schemeClr val="tx1"/>
+                </a:solidFill>
+                <a:latin typeface="DM Mono" panose="020B0509040201040103" pitchFamily="49" charset="0"/>
+              </a:rPr>
+              <a:t>42</a:t>
+            </a:r>
+            <a:endParaRPr kumimoji="1" lang="ko-Kore-KR" altLang="en-US" sz="1200" dirty="0">
+              <a:solidFill>
+                <a:schemeClr val="tx1"/>
+              </a:solidFill>
+              <a:latin typeface="DM Mono" panose="020B0509040201040103" pitchFamily="49" charset="0"/>
+            </a:endParaRPr>
+          </a:p>
+        </p:txBody>
+      </p:sp>
+      <p:sp>
+        <p:nvSpPr>
+          <p:cNvPr id="11" name="TextBox 10">
+            <a:extLst>
+              <a:ext uri="{FF2B5EF4-FFF2-40B4-BE49-F238E27FC236}">
+                <a16:creationId xmlns:a16="http://schemas.microsoft.com/office/drawing/2014/main" id="{CD781AC7-D447-DC8B-4CC7-5C8FA9DEF990}"/>
+              </a:ext>
+            </a:extLst>
+          </p:cNvPr>
+          <p:cNvSpPr txBox="1"/>
+          <p:nvPr/>
+        </p:nvSpPr>
+        <p:spPr>
+          <a:xfrm>
+            <a:off x="6675619" y="4995832"/>
+            <a:ext cx="585868" cy="261610"/>
+          </a:xfrm>
+          <a:prstGeom prst="rect">
+            <a:avLst/>
+          </a:prstGeom>
+          <a:noFill/>
+        </p:spPr>
+        <p:txBody>
+          <a:bodyPr wrap="square">
+            <a:spAutoFit/>
+          </a:bodyPr>
+          <a:lstStyle/>
+          <a:p>
+            <a:pPr algn="r"/>
+            <a:r>
+              <a:rPr kumimoji="1" lang="en-US" altLang="ko-Kore-KR" sz="1100" dirty="0">
+                <a:solidFill>
+                  <a:schemeClr val="tx1"/>
+                </a:solidFill>
+                <a:latin typeface="DM Mono" panose="020B0509040201040103" pitchFamily="49" charset="0"/>
+              </a:rPr>
+              <a:t>age</a:t>
+            </a:r>
+            <a:endParaRPr kumimoji="1" lang="ko-Kore-KR" altLang="en-US" sz="1100" dirty="0">
+              <a:solidFill>
+                <a:schemeClr val="tx1"/>
+              </a:solidFill>
+              <a:latin typeface="DM Mono" panose="020B0509040201040103" pitchFamily="49" charset="0"/>
+            </a:endParaRPr>
+          </a:p>
+        </p:txBody>
+      </p:sp>
+      <p:sp>
+        <p:nvSpPr>
+          <p:cNvPr id="12" name="TextBox 11">
+            <a:extLst>
+              <a:ext uri="{FF2B5EF4-FFF2-40B4-BE49-F238E27FC236}">
+                <a16:creationId xmlns:a16="http://schemas.microsoft.com/office/drawing/2014/main" id="{32C7DE22-336B-08D6-92F4-AEB004179CFE}"/>
+              </a:ext>
+            </a:extLst>
+          </p:cNvPr>
+          <p:cNvSpPr txBox="1"/>
+          <p:nvPr/>
+        </p:nvSpPr>
+        <p:spPr>
+          <a:xfrm>
+            <a:off x="7198714" y="4215521"/>
+            <a:ext cx="895039" cy="261610"/>
+          </a:xfrm>
+          <a:prstGeom prst="rect">
+            <a:avLst/>
+          </a:prstGeom>
+          <a:noFill/>
+        </p:spPr>
+        <p:txBody>
+          <a:bodyPr wrap="square">
+            <a:spAutoFit/>
+          </a:bodyPr>
+          <a:lstStyle/>
+          <a:p>
+            <a:pPr algn="ctr"/>
+            <a:r>
+              <a:rPr kumimoji="1" lang="en-US" altLang="ko-Kore-KR" sz="1100" dirty="0">
+                <a:solidFill>
+                  <a:schemeClr val="tx1"/>
+                </a:solidFill>
+                <a:latin typeface="DM Mono" panose="020B0509040201040103" pitchFamily="49" charset="0"/>
+              </a:rPr>
+              <a:t>user</a:t>
+            </a:r>
+            <a:endParaRPr kumimoji="1" lang="ko-Kore-KR" altLang="en-US" sz="1100" dirty="0">
+              <a:solidFill>
+                <a:schemeClr val="tx1"/>
+              </a:solidFill>
+              <a:latin typeface="DM Mono" panose="020B0509040201040103" pitchFamily="49" charset="0"/>
+            </a:endParaRPr>
+          </a:p>
+        </p:txBody>
+      </p:sp>
+      <p:sp>
+        <p:nvSpPr>
+          <p:cNvPr id="14" name="직사각형 13">
+            <a:extLst>
+              <a:ext uri="{FF2B5EF4-FFF2-40B4-BE49-F238E27FC236}">
+                <a16:creationId xmlns:a16="http://schemas.microsoft.com/office/drawing/2014/main" id="{2282578C-D4EE-EBCA-7553-FA9931C6BB9F}"/>
+              </a:ext>
+            </a:extLst>
+          </p:cNvPr>
+          <p:cNvSpPr/>
+          <p:nvPr/>
+        </p:nvSpPr>
+        <p:spPr>
+          <a:xfrm>
+            <a:off x="9967212" y="2320979"/>
+            <a:ext cx="1110519" cy="342275"/>
+          </a:xfrm>
+          <a:prstGeom prst="rect">
+            <a:avLst/>
+          </a:prstGeom>
+          <a:solidFill>
+            <a:schemeClr val="accent4">
+              <a:lumMod val="60000"/>
+              <a:lumOff val="40000"/>
+            </a:schemeClr>
+          </a:solidFill>
+          <a:ln>
+            <a:solidFill>
+              <a:srgbClr val="FF0000"/>
+            </a:solidFill>
+          </a:ln>
+        </p:spPr>
+        <p:style>
+          <a:lnRef idx="2">
+            <a:schemeClr val="accent4">
+              <a:shade val="15000"/>
+            </a:schemeClr>
+          </a:lnRef>
+          <a:fillRef idx="1">
+            <a:schemeClr val="accent4"/>
+          </a:fillRef>
+          <a:effectRef idx="0">
+            <a:schemeClr val="accent4"/>
+          </a:effectRef>
+          <a:fontRef idx="minor">
+            <a:schemeClr val="lt1"/>
+          </a:fontRef>
+        </p:style>
+        <p:txBody>
+          <a:bodyPr rtlCol="0" anchor="ctr"/>
+          <a:lstStyle/>
+          <a:p>
+            <a:pPr algn="ctr"/>
+            <a:r>
+              <a:rPr kumimoji="1" lang="en-US" altLang="ko-Kore-KR" sz="1200" dirty="0">
+                <a:solidFill>
+                  <a:schemeClr val="tx1"/>
+                </a:solidFill>
+                <a:latin typeface="DM Mono" panose="020B0509040201040103" pitchFamily="49" charset="0"/>
+              </a:rPr>
+              <a:t>“Tom”</a:t>
+            </a:r>
+            <a:endParaRPr kumimoji="1" lang="ko-Kore-KR" altLang="en-US" sz="1200" dirty="0">
+              <a:solidFill>
+                <a:schemeClr val="tx1"/>
+              </a:solidFill>
+              <a:latin typeface="DM Mono" panose="020B0509040201040103" pitchFamily="49" charset="0"/>
+            </a:endParaRPr>
+          </a:p>
+        </p:txBody>
+      </p:sp>
+      <p:cxnSp>
+        <p:nvCxnSpPr>
+          <p:cNvPr id="16" name="구부러진 연결선[U] 15">
+            <a:extLst>
+              <a:ext uri="{FF2B5EF4-FFF2-40B4-BE49-F238E27FC236}">
+                <a16:creationId xmlns:a16="http://schemas.microsoft.com/office/drawing/2014/main" id="{2E0DF4BE-0E64-C1DE-6326-7CBB8CACCB63}"/>
+              </a:ext>
+            </a:extLst>
+          </p:cNvPr>
+          <p:cNvCxnSpPr>
+            <a:stCxn id="7" idx="3"/>
+            <a:endCxn id="14" idx="1"/>
+          </p:cNvCxnSpPr>
+          <p:nvPr/>
+        </p:nvCxnSpPr>
+        <p:spPr>
+          <a:xfrm flipV="1">
+            <a:off x="8030982" y="2492117"/>
+            <a:ext cx="1936230" cy="2214796"/>
+          </a:xfrm>
+          <a:prstGeom prst="curvedConnector3">
+            <a:avLst/>
+          </a:prstGeom>
+          <a:ln>
+            <a:tailEnd type="triangle"/>
+          </a:ln>
+        </p:spPr>
+        <p:style>
+          <a:lnRef idx="1">
+            <a:schemeClr val="dk1"/>
+          </a:lnRef>
+          <a:fillRef idx="0">
+            <a:schemeClr val="dk1"/>
+          </a:fillRef>
+          <a:effectRef idx="0">
+            <a:schemeClr val="dk1"/>
+          </a:effectRef>
+          <a:fontRef idx="minor">
+            <a:schemeClr val="tx1"/>
+          </a:fontRef>
+        </p:style>
+      </p:cxnSp>
+      <p:sp>
+        <p:nvSpPr>
+          <p:cNvPr id="19" name="TextBox 18">
+            <a:extLst>
+              <a:ext uri="{FF2B5EF4-FFF2-40B4-BE49-F238E27FC236}">
+                <a16:creationId xmlns:a16="http://schemas.microsoft.com/office/drawing/2014/main" id="{5C1515B9-160E-0A92-F019-639A67B6991B}"/>
+              </a:ext>
+            </a:extLst>
+          </p:cNvPr>
+          <p:cNvSpPr txBox="1"/>
+          <p:nvPr/>
+        </p:nvSpPr>
+        <p:spPr>
+          <a:xfrm>
+            <a:off x="9503763" y="2059369"/>
+            <a:ext cx="704538" cy="261610"/>
+          </a:xfrm>
+          <a:prstGeom prst="rect">
+            <a:avLst/>
+          </a:prstGeom>
+          <a:noFill/>
+        </p:spPr>
+        <p:txBody>
+          <a:bodyPr wrap="square">
+            <a:spAutoFit/>
+          </a:bodyPr>
+          <a:lstStyle/>
+          <a:p>
+            <a:r>
+              <a:rPr kumimoji="1" lang="en-US" altLang="ko-Kore-KR" sz="1050" dirty="0">
+                <a:solidFill>
+                  <a:schemeClr val="tx1"/>
+                </a:solidFill>
+                <a:latin typeface="DM Mono" panose="020B0509040201040103" pitchFamily="49" charset="0"/>
+              </a:rPr>
+              <a:t>0x1000</a:t>
+            </a:r>
+            <a:endParaRPr lang="ko-Kore-KR" altLang="en-US" sz="1050" dirty="0"/>
+          </a:p>
+        </p:txBody>
+      </p:sp>
+      <p:sp>
+        <p:nvSpPr>
+          <p:cNvPr id="23" name="직사각형 22">
+            <a:extLst>
+              <a:ext uri="{FF2B5EF4-FFF2-40B4-BE49-F238E27FC236}">
+                <a16:creationId xmlns:a16="http://schemas.microsoft.com/office/drawing/2014/main" id="{4A18D76A-D93E-56A0-E2FE-36C27E67D92F}"/>
+              </a:ext>
+            </a:extLst>
+          </p:cNvPr>
+          <p:cNvSpPr/>
+          <p:nvPr/>
+        </p:nvSpPr>
+        <p:spPr>
+          <a:xfrm>
+            <a:off x="7261487" y="5336499"/>
+            <a:ext cx="769495" cy="419724"/>
+          </a:xfrm>
+          <a:prstGeom prst="rect">
+            <a:avLst/>
+          </a:prstGeom>
+          <a:solidFill>
+            <a:schemeClr val="accent4">
+              <a:lumMod val="60000"/>
+              <a:lumOff val="40000"/>
+            </a:schemeClr>
+          </a:solidFill>
+          <a:ln>
+            <a:solidFill>
+              <a:srgbClr val="FF0000"/>
+            </a:solidFill>
+          </a:ln>
+        </p:spPr>
+        <p:style>
+          <a:lnRef idx="2">
+            <a:schemeClr val="accent4">
+              <a:shade val="15000"/>
+            </a:schemeClr>
+          </a:lnRef>
+          <a:fillRef idx="1">
+            <a:schemeClr val="accent4"/>
+          </a:fillRef>
+          <a:effectRef idx="0">
+            <a:schemeClr val="accent4"/>
+          </a:effectRef>
+          <a:fontRef idx="minor">
+            <a:schemeClr val="lt1"/>
+          </a:fontRef>
+        </p:style>
+        <p:txBody>
+          <a:bodyPr rtlCol="0" anchor="ctr"/>
+          <a:lstStyle/>
+          <a:p>
+            <a:pPr algn="ctr"/>
+            <a:endParaRPr kumimoji="1" lang="ko-Kore-KR" altLang="en-US" sz="1200" dirty="0">
+              <a:solidFill>
+                <a:schemeClr val="tx1"/>
+              </a:solidFill>
+              <a:latin typeface="DM Mono" panose="020B0509040201040103" pitchFamily="49" charset="0"/>
+            </a:endParaRPr>
+          </a:p>
+        </p:txBody>
+      </p:sp>
+      <p:sp>
+        <p:nvSpPr>
+          <p:cNvPr id="24" name="TextBox 23">
+            <a:extLst>
+              <a:ext uri="{FF2B5EF4-FFF2-40B4-BE49-F238E27FC236}">
+                <a16:creationId xmlns:a16="http://schemas.microsoft.com/office/drawing/2014/main" id="{B4ECBCA6-5D42-5490-08B5-4450482D05DF}"/>
+              </a:ext>
+            </a:extLst>
+          </p:cNvPr>
+          <p:cNvSpPr txBox="1"/>
+          <p:nvPr/>
+        </p:nvSpPr>
+        <p:spPr>
+          <a:xfrm>
+            <a:off x="6675619" y="5415556"/>
+            <a:ext cx="585868" cy="261610"/>
+          </a:xfrm>
+          <a:prstGeom prst="rect">
+            <a:avLst/>
+          </a:prstGeom>
+          <a:noFill/>
+        </p:spPr>
+        <p:txBody>
+          <a:bodyPr wrap="square">
+            <a:spAutoFit/>
+          </a:bodyPr>
+          <a:lstStyle/>
+          <a:p>
+            <a:pPr algn="r"/>
+            <a:r>
+              <a:rPr kumimoji="1" lang="en-US" altLang="ko-Kore-KR" sz="1100" dirty="0">
+                <a:solidFill>
+                  <a:schemeClr val="tx1"/>
+                </a:solidFill>
+                <a:latin typeface="DM Mono" panose="020B0509040201040103" pitchFamily="49" charset="0"/>
+              </a:rPr>
+              <a:t>ref</a:t>
+            </a:r>
+            <a:endParaRPr kumimoji="1" lang="ko-Kore-KR" altLang="en-US" sz="1100" dirty="0">
+              <a:solidFill>
+                <a:schemeClr val="tx1"/>
+              </a:solidFill>
+              <a:latin typeface="DM Mono" panose="020B0509040201040103" pitchFamily="49" charset="0"/>
+            </a:endParaRPr>
+          </a:p>
+        </p:txBody>
+      </p:sp>
+      <p:sp>
+        <p:nvSpPr>
+          <p:cNvPr id="25" name="직사각형 24">
+            <a:extLst>
+              <a:ext uri="{FF2B5EF4-FFF2-40B4-BE49-F238E27FC236}">
+                <a16:creationId xmlns:a16="http://schemas.microsoft.com/office/drawing/2014/main" id="{D78137EB-9AB1-2419-CF91-A8732AF7CA5F}"/>
+              </a:ext>
+            </a:extLst>
+          </p:cNvPr>
+          <p:cNvSpPr/>
+          <p:nvPr/>
+        </p:nvSpPr>
+        <p:spPr>
+          <a:xfrm>
+            <a:off x="10653014" y="3752540"/>
+            <a:ext cx="464691" cy="342275"/>
+          </a:xfrm>
+          <a:prstGeom prst="rect">
+            <a:avLst/>
+          </a:prstGeom>
+          <a:solidFill>
+            <a:schemeClr val="accent4">
+              <a:lumMod val="60000"/>
+              <a:lumOff val="40000"/>
+            </a:schemeClr>
+          </a:solidFill>
+          <a:ln>
+            <a:solidFill>
+              <a:srgbClr val="FF0000"/>
+            </a:solidFill>
+          </a:ln>
+        </p:spPr>
+        <p:style>
+          <a:lnRef idx="2">
+            <a:schemeClr val="accent4">
+              <a:shade val="15000"/>
+            </a:schemeClr>
+          </a:lnRef>
+          <a:fillRef idx="1">
+            <a:schemeClr val="accent4"/>
+          </a:fillRef>
+          <a:effectRef idx="0">
+            <a:schemeClr val="accent4"/>
+          </a:effectRef>
+          <a:fontRef idx="minor">
+            <a:schemeClr val="lt1"/>
+          </a:fontRef>
+        </p:style>
+        <p:txBody>
+          <a:bodyPr rtlCol="0" anchor="ctr"/>
+          <a:lstStyle/>
+          <a:p>
+            <a:pPr algn="ctr"/>
+            <a:r>
+              <a:rPr kumimoji="1" lang="en-US" altLang="ko-Kore-KR" sz="1200" dirty="0">
+                <a:solidFill>
+                  <a:srgbClr val="FF0000"/>
+                </a:solidFill>
+                <a:latin typeface="DM Mono" panose="020B0509040201040103" pitchFamily="49" charset="0"/>
+              </a:rPr>
+              <a:t>0</a:t>
+            </a:r>
+            <a:endParaRPr kumimoji="1" lang="ko-Kore-KR" altLang="en-US" sz="1200" dirty="0">
+              <a:solidFill>
+                <a:srgbClr val="FF0000"/>
+              </a:solidFill>
+              <a:latin typeface="DM Mono" panose="020B0509040201040103" pitchFamily="49" charset="0"/>
+            </a:endParaRPr>
+          </a:p>
+        </p:txBody>
+      </p:sp>
+      <p:cxnSp>
+        <p:nvCxnSpPr>
+          <p:cNvPr id="26" name="구부러진 연결선[U] 25">
+            <a:extLst>
+              <a:ext uri="{FF2B5EF4-FFF2-40B4-BE49-F238E27FC236}">
+                <a16:creationId xmlns:a16="http://schemas.microsoft.com/office/drawing/2014/main" id="{31185740-D738-8494-6675-5BECEAF46E01}"/>
+              </a:ext>
+            </a:extLst>
+          </p:cNvPr>
+          <p:cNvCxnSpPr>
+            <a:cxnSpLocks/>
+            <a:stCxn id="23" idx="3"/>
+            <a:endCxn id="25" idx="1"/>
+          </p:cNvCxnSpPr>
+          <p:nvPr/>
+        </p:nvCxnSpPr>
+        <p:spPr>
+          <a:xfrm flipV="1">
+            <a:off x="8030982" y="3923678"/>
+            <a:ext cx="2622032" cy="1622683"/>
+          </a:xfrm>
+          <a:prstGeom prst="curvedConnector3">
+            <a:avLst/>
+          </a:prstGeom>
+          <a:ln>
+            <a:tailEnd type="triangle"/>
+          </a:ln>
+        </p:spPr>
+        <p:style>
+          <a:lnRef idx="1">
+            <a:schemeClr val="dk1"/>
+          </a:lnRef>
+          <a:fillRef idx="0">
+            <a:schemeClr val="dk1"/>
+          </a:fillRef>
+          <a:effectRef idx="0">
+            <a:schemeClr val="dk1"/>
+          </a:effectRef>
+          <a:fontRef idx="minor">
+            <a:schemeClr val="tx1"/>
+          </a:fontRef>
+        </p:style>
+      </p:cxnSp>
+    </p:spTree>
+    <p:extLst>
+      <p:ext uri="{BB962C8B-B14F-4D97-AF65-F5344CB8AC3E}">
+        <p14:creationId xmlns:p14="http://schemas.microsoft.com/office/powerpoint/2010/main" val="2542177023"/>
       </p:ext>
     </p:extLst>
   </p:cSld>

--- a/230612.pptx
+++ b/230612.pptx
@@ -17198,6 +17198,118 @@
           </a:p>
         </p:txBody>
       </p:sp>
+      <p:sp>
+        <p:nvSpPr>
+          <p:cNvPr id="32" name="TextBox 31">
+            <a:extLst>
+              <a:ext uri="{FF2B5EF4-FFF2-40B4-BE49-F238E27FC236}">
+                <a16:creationId xmlns:a16="http://schemas.microsoft.com/office/drawing/2014/main" id="{02FC6578-B004-C88D-58C9-41DD4BADE689}"/>
+              </a:ext>
+            </a:extLst>
+          </p:cNvPr>
+          <p:cNvSpPr txBox="1"/>
+          <p:nvPr/>
+        </p:nvSpPr>
+        <p:spPr>
+          <a:xfrm>
+            <a:off x="366324" y="240002"/>
+            <a:ext cx="6096000" cy="1600438"/>
+          </a:xfrm>
+          <a:prstGeom prst="rect">
+            <a:avLst/>
+          </a:prstGeom>
+          <a:noFill/>
+        </p:spPr>
+        <p:txBody>
+          <a:bodyPr wrap="square">
+            <a:spAutoFit/>
+          </a:bodyPr>
+          <a:lstStyle/>
+          <a:p>
+            <a:r>
+              <a:rPr lang="ko-Kore-KR" altLang="en-US" sz="1400" dirty="0">
+                <a:latin typeface="DM Mono" panose="020B0509040201040103" pitchFamily="49" charset="0"/>
+              </a:rPr>
+              <a:t> </a:t>
+            </a:r>
+            <a:r>
+              <a:rPr lang="en-US" altLang="ko-Kore-KR" sz="1400" dirty="0">
+                <a:latin typeface="DM Mono" panose="020B0509040201040103" pitchFamily="49" charset="0"/>
+              </a:rPr>
+              <a:t>   </a:t>
+            </a:r>
+            <a:r>
+              <a:rPr lang="ko-Kore-KR" altLang="en-US" sz="1400" dirty="0">
+                <a:latin typeface="DM Mono" panose="020B0509040201040103" pitchFamily="49" charset="0"/>
+              </a:rPr>
+              <a:t>~User()</a:t>
+            </a:r>
+          </a:p>
+          <a:p>
+            <a:r>
+              <a:rPr lang="ko-Kore-KR" altLang="en-US" sz="1400" dirty="0">
+                <a:latin typeface="DM Mono" panose="020B0509040201040103" pitchFamily="49" charset="0"/>
+              </a:rPr>
+              <a:t>    {</a:t>
+            </a:r>
+          </a:p>
+          <a:p>
+            <a:r>
+              <a:rPr lang="ko-Kore-KR" altLang="en-US" sz="1400" dirty="0">
+                <a:latin typeface="DM Mono" panose="020B0509040201040103" pitchFamily="49" charset="0"/>
+              </a:rPr>
+              <a:t>        if </a:t>
+            </a:r>
+            <a:r>
+              <a:rPr lang="ko-Kore-KR" altLang="en-US" sz="1400" dirty="0">
+                <a:solidFill>
+                  <a:srgbClr val="FF0000"/>
+                </a:solidFill>
+                <a:latin typeface="DM Mono" panose="020B0509040201040103" pitchFamily="49" charset="0"/>
+              </a:rPr>
+              <a:t>(--(*ref) == 0)</a:t>
+            </a:r>
+            <a:r>
+              <a:rPr lang="ko-Kore-KR" altLang="en-US" sz="1400" dirty="0">
+                <a:latin typeface="DM Mono" panose="020B0509040201040103" pitchFamily="49" charset="0"/>
+              </a:rPr>
+              <a:t> {</a:t>
+            </a:r>
+          </a:p>
+          <a:p>
+            <a:r>
+              <a:rPr lang="ko-Kore-KR" altLang="en-US" sz="1400" dirty="0">
+                <a:latin typeface="DM Mono" panose="020B0509040201040103" pitchFamily="49" charset="0"/>
+              </a:rPr>
+              <a:t>            delete[] name;</a:t>
+            </a:r>
+          </a:p>
+          <a:p>
+            <a:r>
+              <a:rPr lang="ko-Kore-KR" altLang="en-US" sz="1400" dirty="0">
+                <a:latin typeface="DM Mono" panose="020B0509040201040103" pitchFamily="49" charset="0"/>
+              </a:rPr>
+              <a:t>            delete ref;</a:t>
+            </a:r>
+          </a:p>
+          <a:p>
+            <a:r>
+              <a:rPr lang="ko-Kore-KR" altLang="en-US" sz="1400" dirty="0">
+                <a:latin typeface="DM Mono" panose="020B0509040201040103" pitchFamily="49" charset="0"/>
+              </a:rPr>
+              <a:t>        }</a:t>
+            </a:r>
+          </a:p>
+          <a:p>
+            <a:r>
+              <a:rPr lang="ko-Kore-KR" altLang="en-US" sz="1400" dirty="0">
+                <a:latin typeface="DM Mono" panose="020B0509040201040103" pitchFamily="49" charset="0"/>
+              </a:rPr>
+              <a:t>    }</a:t>
+            </a:r>
+          </a:p>
+        </p:txBody>
+      </p:sp>
     </p:spTree>
     <p:extLst>
       <p:ext uri="{BB962C8B-B14F-4D97-AF65-F5344CB8AC3E}">
@@ -18249,6 +18361,118 @@
           </a:p>
         </p:txBody>
       </p:sp>
+      <p:sp>
+        <p:nvSpPr>
+          <p:cNvPr id="32" name="TextBox 31">
+            <a:extLst>
+              <a:ext uri="{FF2B5EF4-FFF2-40B4-BE49-F238E27FC236}">
+                <a16:creationId xmlns:a16="http://schemas.microsoft.com/office/drawing/2014/main" id="{0F17AC15-2E84-D2B6-889D-6E46127BF701}"/>
+              </a:ext>
+            </a:extLst>
+          </p:cNvPr>
+          <p:cNvSpPr txBox="1"/>
+          <p:nvPr/>
+        </p:nvSpPr>
+        <p:spPr>
+          <a:xfrm>
+            <a:off x="366324" y="240002"/>
+            <a:ext cx="6096000" cy="1600438"/>
+          </a:xfrm>
+          <a:prstGeom prst="rect">
+            <a:avLst/>
+          </a:prstGeom>
+          <a:noFill/>
+        </p:spPr>
+        <p:txBody>
+          <a:bodyPr wrap="square">
+            <a:spAutoFit/>
+          </a:bodyPr>
+          <a:lstStyle/>
+          <a:p>
+            <a:r>
+              <a:rPr lang="ko-Kore-KR" altLang="en-US" sz="1400" dirty="0">
+                <a:latin typeface="DM Mono" panose="020B0509040201040103" pitchFamily="49" charset="0"/>
+              </a:rPr>
+              <a:t> </a:t>
+            </a:r>
+            <a:r>
+              <a:rPr lang="en-US" altLang="ko-Kore-KR" sz="1400" dirty="0">
+                <a:latin typeface="DM Mono" panose="020B0509040201040103" pitchFamily="49" charset="0"/>
+              </a:rPr>
+              <a:t>   </a:t>
+            </a:r>
+            <a:r>
+              <a:rPr lang="ko-Kore-KR" altLang="en-US" sz="1400" dirty="0">
+                <a:latin typeface="DM Mono" panose="020B0509040201040103" pitchFamily="49" charset="0"/>
+              </a:rPr>
+              <a:t>~User()</a:t>
+            </a:r>
+          </a:p>
+          <a:p>
+            <a:r>
+              <a:rPr lang="ko-Kore-KR" altLang="en-US" sz="1400" dirty="0">
+                <a:latin typeface="DM Mono" panose="020B0509040201040103" pitchFamily="49" charset="0"/>
+              </a:rPr>
+              <a:t>    {</a:t>
+            </a:r>
+          </a:p>
+          <a:p>
+            <a:r>
+              <a:rPr lang="ko-Kore-KR" altLang="en-US" sz="1400" dirty="0">
+                <a:latin typeface="DM Mono" panose="020B0509040201040103" pitchFamily="49" charset="0"/>
+              </a:rPr>
+              <a:t>        if </a:t>
+            </a:r>
+            <a:r>
+              <a:rPr lang="ko-Kore-KR" altLang="en-US" sz="1400" dirty="0">
+                <a:solidFill>
+                  <a:srgbClr val="FF0000"/>
+                </a:solidFill>
+                <a:latin typeface="DM Mono" panose="020B0509040201040103" pitchFamily="49" charset="0"/>
+              </a:rPr>
+              <a:t>(--(*ref) == 0)</a:t>
+            </a:r>
+            <a:r>
+              <a:rPr lang="ko-Kore-KR" altLang="en-US" sz="1400" dirty="0">
+                <a:latin typeface="DM Mono" panose="020B0509040201040103" pitchFamily="49" charset="0"/>
+              </a:rPr>
+              <a:t> {</a:t>
+            </a:r>
+          </a:p>
+          <a:p>
+            <a:r>
+              <a:rPr lang="ko-Kore-KR" altLang="en-US" sz="1400" dirty="0">
+                <a:latin typeface="DM Mono" panose="020B0509040201040103" pitchFamily="49" charset="0"/>
+              </a:rPr>
+              <a:t>            delete[] name;</a:t>
+            </a:r>
+          </a:p>
+          <a:p>
+            <a:r>
+              <a:rPr lang="ko-Kore-KR" altLang="en-US" sz="1400" dirty="0">
+                <a:latin typeface="DM Mono" panose="020B0509040201040103" pitchFamily="49" charset="0"/>
+              </a:rPr>
+              <a:t>            delete ref;</a:t>
+            </a:r>
+          </a:p>
+          <a:p>
+            <a:r>
+              <a:rPr lang="ko-Kore-KR" altLang="en-US" sz="1400" dirty="0">
+                <a:latin typeface="DM Mono" panose="020B0509040201040103" pitchFamily="49" charset="0"/>
+              </a:rPr>
+              <a:t>        }</a:t>
+            </a:r>
+          </a:p>
+          <a:p>
+            <a:r>
+              <a:rPr lang="ko-Kore-KR" altLang="en-US" sz="1400" dirty="0">
+                <a:latin typeface="DM Mono" panose="020B0509040201040103" pitchFamily="49" charset="0"/>
+              </a:rPr>
+              <a:t>    }</a:t>
+            </a:r>
+          </a:p>
+        </p:txBody>
+      </p:sp>
     </p:spTree>
     <p:extLst>
       <p:ext uri="{BB962C8B-B14F-4D97-AF65-F5344CB8AC3E}">
@@ -18936,6 +19160,136 @@
           </a:fontRef>
         </p:style>
       </p:cxnSp>
+      <p:sp>
+        <p:nvSpPr>
+          <p:cNvPr id="15" name="TextBox 14">
+            <a:extLst>
+              <a:ext uri="{FF2B5EF4-FFF2-40B4-BE49-F238E27FC236}">
+                <a16:creationId xmlns:a16="http://schemas.microsoft.com/office/drawing/2014/main" id="{EE8EAB89-6FC8-6CB2-3330-192DE5CD7A91}"/>
+              </a:ext>
+            </a:extLst>
+          </p:cNvPr>
+          <p:cNvSpPr txBox="1"/>
+          <p:nvPr/>
+        </p:nvSpPr>
+        <p:spPr>
+          <a:xfrm>
+            <a:off x="366324" y="240002"/>
+            <a:ext cx="6096000" cy="1600438"/>
+          </a:xfrm>
+          <a:prstGeom prst="rect">
+            <a:avLst/>
+          </a:prstGeom>
+          <a:noFill/>
+        </p:spPr>
+        <p:txBody>
+          <a:bodyPr wrap="square">
+            <a:spAutoFit/>
+          </a:bodyPr>
+          <a:lstStyle/>
+          <a:p>
+            <a:r>
+              <a:rPr lang="ko-Kore-KR" altLang="en-US" sz="1400" dirty="0">
+                <a:latin typeface="DM Mono" panose="020B0509040201040103" pitchFamily="49" charset="0"/>
+              </a:rPr>
+              <a:t> </a:t>
+            </a:r>
+            <a:r>
+              <a:rPr lang="en-US" altLang="ko-Kore-KR" sz="1400" dirty="0">
+                <a:latin typeface="DM Mono" panose="020B0509040201040103" pitchFamily="49" charset="0"/>
+              </a:rPr>
+              <a:t>   </a:t>
+            </a:r>
+            <a:r>
+              <a:rPr lang="ko-Kore-KR" altLang="en-US" sz="1400" dirty="0">
+                <a:latin typeface="DM Mono" panose="020B0509040201040103" pitchFamily="49" charset="0"/>
+              </a:rPr>
+              <a:t>~User()</a:t>
+            </a:r>
+          </a:p>
+          <a:p>
+            <a:r>
+              <a:rPr lang="ko-Kore-KR" altLang="en-US" sz="1400" dirty="0">
+                <a:latin typeface="DM Mono" panose="020B0509040201040103" pitchFamily="49" charset="0"/>
+              </a:rPr>
+              <a:t>    {</a:t>
+            </a:r>
+          </a:p>
+          <a:p>
+            <a:r>
+              <a:rPr lang="ko-Kore-KR" altLang="en-US" sz="1400" dirty="0">
+                <a:latin typeface="DM Mono" panose="020B0509040201040103" pitchFamily="49" charset="0"/>
+              </a:rPr>
+              <a:t>        if </a:t>
+            </a:r>
+            <a:r>
+              <a:rPr lang="ko-Kore-KR" altLang="en-US" sz="1400" dirty="0">
+                <a:solidFill>
+                  <a:srgbClr val="FF0000"/>
+                </a:solidFill>
+                <a:latin typeface="DM Mono" panose="020B0509040201040103" pitchFamily="49" charset="0"/>
+              </a:rPr>
+              <a:t>(--(*ref) == 0)</a:t>
+            </a:r>
+            <a:r>
+              <a:rPr lang="ko-Kore-KR" altLang="en-US" sz="1400" dirty="0">
+                <a:latin typeface="DM Mono" panose="020B0509040201040103" pitchFamily="49" charset="0"/>
+              </a:rPr>
+              <a:t> </a:t>
+            </a:r>
+            <a:r>
+              <a:rPr lang="ko-Kore-KR" altLang="en-US" sz="1400" dirty="0">
+                <a:solidFill>
+                  <a:srgbClr val="FF0000"/>
+                </a:solidFill>
+                <a:latin typeface="DM Mono" panose="020B0509040201040103" pitchFamily="49" charset="0"/>
+              </a:rPr>
+              <a:t>{</a:t>
+            </a:r>
+          </a:p>
+          <a:p>
+            <a:r>
+              <a:rPr lang="ko-Kore-KR" altLang="en-US" sz="1400" dirty="0">
+                <a:solidFill>
+                  <a:srgbClr val="FF0000"/>
+                </a:solidFill>
+                <a:latin typeface="DM Mono" panose="020B0509040201040103" pitchFamily="49" charset="0"/>
+              </a:rPr>
+              <a:t>            delete[] name;</a:t>
+            </a:r>
+          </a:p>
+          <a:p>
+            <a:r>
+              <a:rPr lang="ko-Kore-KR" altLang="en-US" sz="1400" dirty="0">
+                <a:solidFill>
+                  <a:srgbClr val="FF0000"/>
+                </a:solidFill>
+                <a:latin typeface="DM Mono" panose="020B0509040201040103" pitchFamily="49" charset="0"/>
+              </a:rPr>
+              <a:t>            delete ref;</a:t>
+            </a:r>
+          </a:p>
+          <a:p>
+            <a:r>
+              <a:rPr lang="ko-Kore-KR" altLang="en-US" sz="1400" dirty="0">
+                <a:solidFill>
+                  <a:srgbClr val="FF0000"/>
+                </a:solidFill>
+                <a:latin typeface="DM Mono" panose="020B0509040201040103" pitchFamily="49" charset="0"/>
+              </a:rPr>
+              <a:t>        }</a:t>
+            </a:r>
+          </a:p>
+          <a:p>
+            <a:r>
+              <a:rPr lang="ko-Kore-KR" altLang="en-US" sz="1400" dirty="0">
+                <a:latin typeface="DM Mono" panose="020B0509040201040103" pitchFamily="49" charset="0"/>
+              </a:rPr>
+              <a:t>    }</a:t>
+            </a:r>
+          </a:p>
+        </p:txBody>
+      </p:sp>
     </p:spTree>
     <p:extLst>
       <p:ext uri="{BB962C8B-B14F-4D97-AF65-F5344CB8AC3E}">

--- a/230612.pptx
+++ b/230612.pptx
@@ -28,7 +28,8 @@
     <p:sldId id="276" r:id="rId22"/>
     <p:sldId id="277" r:id="rId23"/>
     <p:sldId id="278" r:id="rId24"/>
-    <p:sldId id="279" r:id="rId25"/>
+    <p:sldId id="280" r:id="rId25"/>
+    <p:sldId id="279" r:id="rId26"/>
   </p:sldIdLst>
   <p:sldSz cx="12192000" cy="6858000"/>
   <p:notesSz cx="6858000" cy="9144000"/>
@@ -18487,6 +18488,196 @@
 </file>
 
 <file path=ppt/slides/slide24.xml><?xml version="1.0" encoding="utf-8"?>
+<p:sld xmlns:a="http://schemas.openxmlformats.org/drawingml/2006/main" xmlns:r="http://schemas.openxmlformats.org/officeDocument/2006/relationships" xmlns:p="http://schemas.openxmlformats.org/presentationml/2006/main">
+  <p:cSld>
+    <p:spTree>
+      <p:nvGrpSpPr>
+        <p:cNvPr id="1" name=""/>
+        <p:cNvGrpSpPr/>
+        <p:nvPr/>
+      </p:nvGrpSpPr>
+      <p:grpSpPr>
+        <a:xfrm>
+          <a:off x="0" y="0"/>
+          <a:ext cx="0" cy="0"/>
+          <a:chOff x="0" y="0"/>
+          <a:chExt cx="0" cy="0"/>
+        </a:xfrm>
+      </p:grpSpPr>
+      <p:sp>
+        <p:nvSpPr>
+          <p:cNvPr id="5" name="TextBox 4">
+            <a:extLst>
+              <a:ext uri="{FF2B5EF4-FFF2-40B4-BE49-F238E27FC236}">
+                <a16:creationId xmlns:a16="http://schemas.microsoft.com/office/drawing/2014/main" id="{30A4A4E1-78DD-C0E4-84BC-7140EEB81421}"/>
+              </a:ext>
+            </a:extLst>
+          </p:cNvPr>
+          <p:cNvSpPr txBox="1"/>
+          <p:nvPr/>
+        </p:nvSpPr>
+        <p:spPr>
+          <a:xfrm>
+            <a:off x="504669" y="320189"/>
+            <a:ext cx="6096000" cy="3046988"/>
+          </a:xfrm>
+          <a:prstGeom prst="rect">
+            <a:avLst/>
+          </a:prstGeom>
+          <a:noFill/>
+        </p:spPr>
+        <p:txBody>
+          <a:bodyPr wrap="square">
+            <a:spAutoFit/>
+          </a:bodyPr>
+          <a:lstStyle/>
+          <a:p>
+            <a:r>
+              <a:rPr lang="ko-Kore-KR" altLang="en-US" sz="1200" dirty="0">
+                <a:latin typeface="DM Mono" panose="020B0509040201040103" pitchFamily="49" charset="0"/>
+              </a:rPr>
+              <a:t>class Car {</a:t>
+            </a:r>
+          </a:p>
+          <a:p>
+            <a:r>
+              <a:rPr lang="ko-Kore-KR" altLang="en-US" sz="1200" dirty="0">
+                <a:latin typeface="DM Mono" panose="020B0509040201040103" pitchFamily="49" charset="0"/>
+              </a:rPr>
+              <a:t>private:</a:t>
+            </a:r>
+          </a:p>
+          <a:p>
+            <a:r>
+              <a:rPr lang="ko-Kore-KR" altLang="en-US" sz="1200" dirty="0">
+                <a:latin typeface="DM Mono" panose="020B0509040201040103" pitchFamily="49" charset="0"/>
+              </a:rPr>
+              <a:t>    int color;</a:t>
+            </a:r>
+          </a:p>
+          <a:p>
+            <a:endParaRPr lang="ko-Kore-KR" altLang="en-US" sz="1200" dirty="0">
+              <a:latin typeface="DM Mono" panose="020B0509040201040103" pitchFamily="49" charset="0"/>
+            </a:endParaRPr>
+          </a:p>
+          <a:p>
+            <a:r>
+              <a:rPr lang="ko-Kore-KR" altLang="en-US" sz="1200" dirty="0">
+                <a:latin typeface="DM Mono" panose="020B0509040201040103" pitchFamily="49" charset="0"/>
+              </a:rPr>
+              <a:t>public:</a:t>
+            </a:r>
+          </a:p>
+          <a:p>
+            <a:r>
+              <a:rPr lang="ko-Kore-KR" altLang="en-US" sz="1200" dirty="0">
+                <a:latin typeface="DM Mono" panose="020B0509040201040103" pitchFamily="49" charset="0"/>
+              </a:rPr>
+              <a:t>    static int cnt; </a:t>
+            </a:r>
+            <a:endParaRPr lang="en-US" altLang="ko-Kore-KR" sz="1200" dirty="0">
+              <a:latin typeface="DM Mono" panose="020B0509040201040103" pitchFamily="49" charset="0"/>
+            </a:endParaRPr>
+          </a:p>
+          <a:p>
+            <a:endParaRPr lang="ko-Kore-KR" altLang="en-US" sz="1200" dirty="0">
+              <a:latin typeface="DM Mono" panose="020B0509040201040103" pitchFamily="49" charset="0"/>
+            </a:endParaRPr>
+          </a:p>
+          <a:p>
+            <a:r>
+              <a:rPr lang="ko-Kore-KR" altLang="en-US" sz="1200" dirty="0">
+                <a:latin typeface="DM Mono" panose="020B0509040201040103" pitchFamily="49" charset="0"/>
+              </a:rPr>
+              <a:t>    Car() { cnt++; }</a:t>
+            </a:r>
+          </a:p>
+          <a:p>
+            <a:r>
+              <a:rPr lang="ko-Kore-KR" altLang="en-US" sz="1200" dirty="0">
+                <a:latin typeface="DM Mono" panose="020B0509040201040103" pitchFamily="49" charset="0"/>
+              </a:rPr>
+              <a:t>    ~Car() { cnt--; }</a:t>
+            </a:r>
+          </a:p>
+          <a:p>
+            <a:r>
+              <a:rPr lang="ko-Kore-KR" altLang="en-US" sz="1200" dirty="0">
+                <a:latin typeface="DM Mono" panose="020B0509040201040103" pitchFamily="49" charset="0"/>
+              </a:rPr>
+              <a:t>};</a:t>
+            </a:r>
+            <a:endParaRPr lang="en-US" altLang="ko-Kore-KR" sz="1200" dirty="0">
+              <a:latin typeface="DM Mono" panose="020B0509040201040103" pitchFamily="49" charset="0"/>
+            </a:endParaRPr>
+          </a:p>
+          <a:p>
+            <a:endParaRPr lang="en-US" altLang="ko-Kore-KR" sz="1200" dirty="0">
+              <a:latin typeface="DM Mono" panose="020B0509040201040103" pitchFamily="49" charset="0"/>
+            </a:endParaRPr>
+          </a:p>
+          <a:p>
+            <a:r>
+              <a:rPr lang="en" altLang="ko-Kore-KR" sz="1200" dirty="0">
+                <a:latin typeface="DM Mono" panose="020B0509040201040103" pitchFamily="49" charset="0"/>
+              </a:rPr>
+              <a:t>int main()</a:t>
+            </a:r>
+          </a:p>
+          <a:p>
+            <a:r>
+              <a:rPr lang="en" altLang="ko-Kore-KR" sz="1200" dirty="0">
+                <a:latin typeface="DM Mono" panose="020B0509040201040103" pitchFamily="49" charset="0"/>
+              </a:rPr>
+              <a:t>{</a:t>
+            </a:r>
+          </a:p>
+          <a:p>
+            <a:r>
+              <a:rPr lang="en" altLang="ko-Kore-KR" sz="1200" dirty="0">
+                <a:latin typeface="DM Mono" panose="020B0509040201040103" pitchFamily="49" charset="0"/>
+              </a:rPr>
+              <a:t>    Car c1;</a:t>
+            </a:r>
+          </a:p>
+          <a:p>
+            <a:r>
+              <a:rPr lang="en" altLang="ko-Kore-KR" sz="1200" dirty="0">
+                <a:latin typeface="DM Mono" panose="020B0509040201040103" pitchFamily="49" charset="0"/>
+              </a:rPr>
+              <a:t>    Car c2;</a:t>
+            </a:r>
+            <a:endParaRPr lang="en-US" altLang="ko-Kore-KR" sz="1200" dirty="0">
+              <a:latin typeface="DM Mono" panose="020B0509040201040103" pitchFamily="49" charset="0"/>
+            </a:endParaRPr>
+          </a:p>
+          <a:p>
+            <a:r>
+              <a:rPr lang="en-US" altLang="ko-Kore-KR" sz="1200" dirty="0">
+                <a:latin typeface="DM Mono" panose="020B0509040201040103" pitchFamily="49" charset="0"/>
+              </a:rPr>
+              <a:t>}</a:t>
+            </a:r>
+            <a:endParaRPr lang="ko-Kore-KR" altLang="en-US" sz="1200" dirty="0">
+              <a:latin typeface="DM Mono" panose="020B0509040201040103" pitchFamily="49" charset="0"/>
+            </a:endParaRPr>
+          </a:p>
+        </p:txBody>
+      </p:sp>
+    </p:spTree>
+    <p:extLst>
+      <p:ext uri="{BB962C8B-B14F-4D97-AF65-F5344CB8AC3E}">
+        <p14:creationId xmlns:p14="http://schemas.microsoft.com/office/powerpoint/2010/main" val="1374311571"/>
+      </p:ext>
+    </p:extLst>
+  </p:cSld>
+  <p:clrMapOvr>
+    <a:masterClrMapping/>
+  </p:clrMapOvr>
+</p:sld>
+</file>
+
+<file path=ppt/slides/slide25.xml><?xml version="1.0" encoding="utf-8"?>
 <p:sld xmlns:a="http://schemas.openxmlformats.org/drawingml/2006/main" xmlns:r="http://schemas.openxmlformats.org/officeDocument/2006/relationships" xmlns:p="http://schemas.openxmlformats.org/presentationml/2006/main">
   <p:cSld>
     <p:spTree>

--- a/230612.pptx
+++ b/230612.pptx
@@ -28,8 +28,9 @@
     <p:sldId id="276" r:id="rId22"/>
     <p:sldId id="277" r:id="rId23"/>
     <p:sldId id="278" r:id="rId24"/>
-    <p:sldId id="280" r:id="rId25"/>
-    <p:sldId id="279" r:id="rId26"/>
+    <p:sldId id="279" r:id="rId25"/>
+    <p:sldId id="280" r:id="rId26"/>
+    <p:sldId id="281" r:id="rId27"/>
   </p:sldIdLst>
   <p:sldSz cx="12192000" cy="6858000"/>
   <p:notesSz cx="6858000" cy="9144000"/>
@@ -11114,7 +11115,7 @@
             <a:r>
               <a:rPr kumimoji="1" lang="en-US" altLang="ko-Kore-KR" sz="1200" dirty="0">
                 <a:solidFill>
-                  <a:schemeClr val="tx1"/>
+                  <a:srgbClr val="FF0000"/>
                 </a:solidFill>
                 <a:latin typeface="DM Mono" panose="020B0509040201040103" pitchFamily="49" charset="0"/>
               </a:rPr>
@@ -11122,7 +11123,7 @@
             </a:r>
             <a:endParaRPr kumimoji="1" lang="ko-Kore-KR" altLang="en-US" sz="1200" dirty="0">
               <a:solidFill>
-                <a:schemeClr val="tx1"/>
+                <a:srgbClr val="FF0000"/>
               </a:solidFill>
               <a:latin typeface="DM Mono" panose="020B0509040201040103" pitchFamily="49" charset="0"/>
             </a:endParaRPr>
@@ -11224,7 +11225,7 @@
             <a:r>
               <a:rPr kumimoji="1" lang="en-US" altLang="ko-Kore-KR" sz="1200" dirty="0">
                 <a:solidFill>
-                  <a:schemeClr val="tx1"/>
+                  <a:srgbClr val="FF0000"/>
                 </a:solidFill>
                 <a:latin typeface="DM Mono" panose="020B0509040201040103" pitchFamily="49" charset="0"/>
               </a:rPr>
@@ -11232,7 +11233,7 @@
             </a:r>
             <a:endParaRPr kumimoji="1" lang="ko-Kore-KR" altLang="en-US" sz="1200" dirty="0">
               <a:solidFill>
-                <a:schemeClr val="tx1"/>
+                <a:srgbClr val="FF0000"/>
               </a:solidFill>
               <a:latin typeface="DM Mono" panose="020B0509040201040103" pitchFamily="49" charset="0"/>
             </a:endParaRPr>
@@ -18506,10 +18507,81 @@
       </p:grpSpPr>
       <p:sp>
         <p:nvSpPr>
-          <p:cNvPr id="5" name="TextBox 4">
-            <a:extLst>
-              <a:ext uri="{FF2B5EF4-FFF2-40B4-BE49-F238E27FC236}">
-                <a16:creationId xmlns:a16="http://schemas.microsoft.com/office/drawing/2014/main" id="{30A4A4E1-78DD-C0E4-84BC-7140EEB81421}"/>
+          <p:cNvPr id="7" name="직사각형 6">
+            <a:extLst>
+              <a:ext uri="{FF2B5EF4-FFF2-40B4-BE49-F238E27FC236}">
+                <a16:creationId xmlns:a16="http://schemas.microsoft.com/office/drawing/2014/main" id="{31CCB710-0121-1DC8-86D7-67AEA020399A}"/>
+              </a:ext>
+            </a:extLst>
+          </p:cNvPr>
+          <p:cNvSpPr/>
+          <p:nvPr/>
+        </p:nvSpPr>
+        <p:spPr>
+          <a:xfrm>
+            <a:off x="7261487" y="4497051"/>
+            <a:ext cx="769495" cy="419724"/>
+          </a:xfrm>
+          <a:prstGeom prst="rect">
+            <a:avLst/>
+          </a:prstGeom>
+          <a:solidFill>
+            <a:schemeClr val="accent4">
+              <a:lumMod val="60000"/>
+              <a:lumOff val="40000"/>
+            </a:schemeClr>
+          </a:solidFill>
+          <a:ln>
+            <a:solidFill>
+              <a:srgbClr val="FF0000"/>
+            </a:solidFill>
+          </a:ln>
+        </p:spPr>
+        <p:style>
+          <a:lnRef idx="2">
+            <a:schemeClr val="accent4">
+              <a:shade val="15000"/>
+            </a:schemeClr>
+          </a:lnRef>
+          <a:fillRef idx="1">
+            <a:schemeClr val="accent4"/>
+          </a:fillRef>
+          <a:effectRef idx="0">
+            <a:schemeClr val="accent4"/>
+          </a:effectRef>
+          <a:fontRef idx="minor">
+            <a:schemeClr val="lt1"/>
+          </a:fontRef>
+        </p:style>
+        <p:txBody>
+          <a:bodyPr rtlCol="0" anchor="ctr"/>
+          <a:lstStyle/>
+          <a:p>
+            <a:pPr algn="ctr"/>
+            <a:r>
+              <a:rPr kumimoji="1" lang="en-US" altLang="ko-Kore-KR" sz="1200" dirty="0">
+                <a:solidFill>
+                  <a:schemeClr val="tx1"/>
+                </a:solidFill>
+                <a:latin typeface="DM Mono" panose="020B0509040201040103" pitchFamily="49" charset="0"/>
+              </a:rPr>
+              <a:t>0x1000</a:t>
+            </a:r>
+            <a:endParaRPr kumimoji="1" lang="ko-Kore-KR" altLang="en-US" sz="1200" dirty="0">
+              <a:solidFill>
+                <a:schemeClr val="tx1"/>
+              </a:solidFill>
+              <a:latin typeface="DM Mono" panose="020B0509040201040103" pitchFamily="49" charset="0"/>
+            </a:endParaRPr>
+          </a:p>
+        </p:txBody>
+      </p:sp>
+      <p:sp>
+        <p:nvSpPr>
+          <p:cNvPr id="8" name="TextBox 7">
+            <a:extLst>
+              <a:ext uri="{FF2B5EF4-FFF2-40B4-BE49-F238E27FC236}">
+                <a16:creationId xmlns:a16="http://schemas.microsoft.com/office/drawing/2014/main" id="{0E51DEEF-5480-C48B-053D-43D22F6A7663}"/>
               </a:ext>
             </a:extLst>
           </p:cNvPr>
@@ -18518,8 +18590,8 @@
         </p:nvSpPr>
         <p:spPr>
           <a:xfrm>
-            <a:off x="504669" y="320189"/>
-            <a:ext cx="6096000" cy="3046988"/>
+            <a:off x="6575685" y="4576108"/>
+            <a:ext cx="685802" cy="261610"/>
           </a:xfrm>
           <a:prstGeom prst="rect">
             <a:avLst/>
@@ -18532,101 +18604,646 @@
           </a:bodyPr>
           <a:lstStyle/>
           <a:p>
-            <a:r>
-              <a:rPr lang="ko-Kore-KR" altLang="en-US" sz="1200" dirty="0">
-                <a:latin typeface="DM Mono" panose="020B0509040201040103" pitchFamily="49" charset="0"/>
-              </a:rPr>
-              <a:t>class Car {</a:t>
-            </a:r>
-          </a:p>
-          <a:p>
-            <a:r>
-              <a:rPr lang="ko-Kore-KR" altLang="en-US" sz="1200" dirty="0">
-                <a:latin typeface="DM Mono" panose="020B0509040201040103" pitchFamily="49" charset="0"/>
-              </a:rPr>
-              <a:t>private:</a:t>
-            </a:r>
-          </a:p>
-          <a:p>
-            <a:r>
-              <a:rPr lang="ko-Kore-KR" altLang="en-US" sz="1200" dirty="0">
-                <a:latin typeface="DM Mono" panose="020B0509040201040103" pitchFamily="49" charset="0"/>
-              </a:rPr>
-              <a:t>    int color;</a:t>
-            </a:r>
-          </a:p>
-          <a:p>
-            <a:endParaRPr lang="ko-Kore-KR" altLang="en-US" sz="1200" dirty="0">
-              <a:latin typeface="DM Mono" panose="020B0509040201040103" pitchFamily="49" charset="0"/>
-            </a:endParaRPr>
-          </a:p>
-          <a:p>
-            <a:r>
-              <a:rPr lang="ko-Kore-KR" altLang="en-US" sz="1200" dirty="0">
-                <a:latin typeface="DM Mono" panose="020B0509040201040103" pitchFamily="49" charset="0"/>
-              </a:rPr>
-              <a:t>public:</a:t>
-            </a:r>
-          </a:p>
-          <a:p>
-            <a:r>
-              <a:rPr lang="ko-Kore-KR" altLang="en-US" sz="1200" dirty="0">
-                <a:latin typeface="DM Mono" panose="020B0509040201040103" pitchFamily="49" charset="0"/>
-              </a:rPr>
-              <a:t>    static int cnt; </a:t>
-            </a:r>
-            <a:endParaRPr lang="en-US" altLang="ko-Kore-KR" sz="1200" dirty="0">
-              <a:latin typeface="DM Mono" panose="020B0509040201040103" pitchFamily="49" charset="0"/>
-            </a:endParaRPr>
-          </a:p>
-          <a:p>
-            <a:endParaRPr lang="ko-Kore-KR" altLang="en-US" sz="1200" dirty="0">
-              <a:latin typeface="DM Mono" panose="020B0509040201040103" pitchFamily="49" charset="0"/>
-            </a:endParaRPr>
-          </a:p>
-          <a:p>
-            <a:r>
-              <a:rPr lang="ko-Kore-KR" altLang="en-US" sz="1200" dirty="0">
-                <a:latin typeface="DM Mono" panose="020B0509040201040103" pitchFamily="49" charset="0"/>
-              </a:rPr>
-              <a:t>    Car() { cnt++; }</a:t>
-            </a:r>
-          </a:p>
-          <a:p>
-            <a:r>
-              <a:rPr lang="ko-Kore-KR" altLang="en-US" sz="1200" dirty="0">
-                <a:latin typeface="DM Mono" panose="020B0509040201040103" pitchFamily="49" charset="0"/>
-              </a:rPr>
-              <a:t>    ~Car() { cnt--; }</a:t>
-            </a:r>
-          </a:p>
-          <a:p>
-            <a:r>
-              <a:rPr lang="ko-Kore-KR" altLang="en-US" sz="1200" dirty="0">
-                <a:latin typeface="DM Mono" panose="020B0509040201040103" pitchFamily="49" charset="0"/>
-              </a:rPr>
-              <a:t>};</a:t>
-            </a:r>
-            <a:endParaRPr lang="en-US" altLang="ko-Kore-KR" sz="1200" dirty="0">
-              <a:latin typeface="DM Mono" panose="020B0509040201040103" pitchFamily="49" charset="0"/>
-            </a:endParaRPr>
-          </a:p>
-          <a:p>
-            <a:endParaRPr lang="en-US" altLang="ko-Kore-KR" sz="1200" dirty="0">
-              <a:latin typeface="DM Mono" panose="020B0509040201040103" pitchFamily="49" charset="0"/>
-            </a:endParaRPr>
-          </a:p>
-          <a:p>
-            <a:r>
-              <a:rPr lang="en" altLang="ko-Kore-KR" sz="1200" dirty="0">
-                <a:latin typeface="DM Mono" panose="020B0509040201040103" pitchFamily="49" charset="0"/>
-              </a:rPr>
-              <a:t>int main()</a:t>
-            </a:r>
-          </a:p>
-          <a:p>
-            <a:r>
-              <a:rPr lang="en" altLang="ko-Kore-KR" sz="1200" dirty="0">
+            <a:pPr algn="r"/>
+            <a:r>
+              <a:rPr kumimoji="1" lang="en-US" altLang="ko-Kore-KR" sz="1100" dirty="0">
+                <a:latin typeface="DM Mono" panose="020B0509040201040103" pitchFamily="49" charset="0"/>
+              </a:rPr>
+              <a:t>name</a:t>
+            </a:r>
+            <a:endParaRPr kumimoji="1" lang="ko-Kore-KR" altLang="en-US" sz="1100" dirty="0">
+              <a:solidFill>
+                <a:schemeClr val="tx1"/>
+              </a:solidFill>
+              <a:latin typeface="DM Mono" panose="020B0509040201040103" pitchFamily="49" charset="0"/>
+            </a:endParaRPr>
+          </a:p>
+        </p:txBody>
+      </p:sp>
+      <p:sp>
+        <p:nvSpPr>
+          <p:cNvPr id="10" name="직사각형 9">
+            <a:extLst>
+              <a:ext uri="{FF2B5EF4-FFF2-40B4-BE49-F238E27FC236}">
+                <a16:creationId xmlns:a16="http://schemas.microsoft.com/office/drawing/2014/main" id="{FA835144-65A9-5595-9B94-37E2A8886E68}"/>
+              </a:ext>
+            </a:extLst>
+          </p:cNvPr>
+          <p:cNvSpPr/>
+          <p:nvPr/>
+        </p:nvSpPr>
+        <p:spPr>
+          <a:xfrm>
+            <a:off x="7261487" y="4916775"/>
+            <a:ext cx="769495" cy="419724"/>
+          </a:xfrm>
+          <a:prstGeom prst="rect">
+            <a:avLst/>
+          </a:prstGeom>
+          <a:solidFill>
+            <a:schemeClr val="accent4">
+              <a:lumMod val="60000"/>
+              <a:lumOff val="40000"/>
+            </a:schemeClr>
+          </a:solidFill>
+          <a:ln>
+            <a:solidFill>
+              <a:srgbClr val="FF0000"/>
+            </a:solidFill>
+          </a:ln>
+        </p:spPr>
+        <p:style>
+          <a:lnRef idx="2">
+            <a:schemeClr val="accent4">
+              <a:shade val="15000"/>
+            </a:schemeClr>
+          </a:lnRef>
+          <a:fillRef idx="1">
+            <a:schemeClr val="accent4"/>
+          </a:fillRef>
+          <a:effectRef idx="0">
+            <a:schemeClr val="accent4"/>
+          </a:effectRef>
+          <a:fontRef idx="minor">
+            <a:schemeClr val="lt1"/>
+          </a:fontRef>
+        </p:style>
+        <p:txBody>
+          <a:bodyPr rtlCol="0" anchor="ctr"/>
+          <a:lstStyle/>
+          <a:p>
+            <a:pPr algn="ctr"/>
+            <a:r>
+              <a:rPr kumimoji="1" lang="en-US" altLang="ko-Kore-KR" sz="1200" dirty="0">
+                <a:solidFill>
+                  <a:schemeClr val="tx1"/>
+                </a:solidFill>
+                <a:latin typeface="DM Mono" panose="020B0509040201040103" pitchFamily="49" charset="0"/>
+              </a:rPr>
+              <a:t>42</a:t>
+            </a:r>
+            <a:endParaRPr kumimoji="1" lang="ko-Kore-KR" altLang="en-US" sz="1200" dirty="0">
+              <a:solidFill>
+                <a:schemeClr val="tx1"/>
+              </a:solidFill>
+              <a:latin typeface="DM Mono" panose="020B0509040201040103" pitchFamily="49" charset="0"/>
+            </a:endParaRPr>
+          </a:p>
+        </p:txBody>
+      </p:sp>
+      <p:sp>
+        <p:nvSpPr>
+          <p:cNvPr id="11" name="TextBox 10">
+            <a:extLst>
+              <a:ext uri="{FF2B5EF4-FFF2-40B4-BE49-F238E27FC236}">
+                <a16:creationId xmlns:a16="http://schemas.microsoft.com/office/drawing/2014/main" id="{CD781AC7-D447-DC8B-4CC7-5C8FA9DEF990}"/>
+              </a:ext>
+            </a:extLst>
+          </p:cNvPr>
+          <p:cNvSpPr txBox="1"/>
+          <p:nvPr/>
+        </p:nvSpPr>
+        <p:spPr>
+          <a:xfrm>
+            <a:off x="6675619" y="4995832"/>
+            <a:ext cx="585868" cy="261610"/>
+          </a:xfrm>
+          <a:prstGeom prst="rect">
+            <a:avLst/>
+          </a:prstGeom>
+          <a:noFill/>
+        </p:spPr>
+        <p:txBody>
+          <a:bodyPr wrap="square">
+            <a:spAutoFit/>
+          </a:bodyPr>
+          <a:lstStyle/>
+          <a:p>
+            <a:pPr algn="r"/>
+            <a:r>
+              <a:rPr kumimoji="1" lang="en-US" altLang="ko-Kore-KR" sz="1100" dirty="0">
+                <a:solidFill>
+                  <a:schemeClr val="tx1"/>
+                </a:solidFill>
+                <a:latin typeface="DM Mono" panose="020B0509040201040103" pitchFamily="49" charset="0"/>
+              </a:rPr>
+              <a:t>age</a:t>
+            </a:r>
+            <a:endParaRPr kumimoji="1" lang="ko-Kore-KR" altLang="en-US" sz="1100" dirty="0">
+              <a:solidFill>
+                <a:schemeClr val="tx1"/>
+              </a:solidFill>
+              <a:latin typeface="DM Mono" panose="020B0509040201040103" pitchFamily="49" charset="0"/>
+            </a:endParaRPr>
+          </a:p>
+        </p:txBody>
+      </p:sp>
+      <p:sp>
+        <p:nvSpPr>
+          <p:cNvPr id="12" name="TextBox 11">
+            <a:extLst>
+              <a:ext uri="{FF2B5EF4-FFF2-40B4-BE49-F238E27FC236}">
+                <a16:creationId xmlns:a16="http://schemas.microsoft.com/office/drawing/2014/main" id="{32C7DE22-336B-08D6-92F4-AEB004179CFE}"/>
+              </a:ext>
+            </a:extLst>
+          </p:cNvPr>
+          <p:cNvSpPr txBox="1"/>
+          <p:nvPr/>
+        </p:nvSpPr>
+        <p:spPr>
+          <a:xfrm>
+            <a:off x="7198714" y="4215521"/>
+            <a:ext cx="895039" cy="261610"/>
+          </a:xfrm>
+          <a:prstGeom prst="rect">
+            <a:avLst/>
+          </a:prstGeom>
+          <a:noFill/>
+        </p:spPr>
+        <p:txBody>
+          <a:bodyPr wrap="square">
+            <a:spAutoFit/>
+          </a:bodyPr>
+          <a:lstStyle/>
+          <a:p>
+            <a:pPr algn="ctr"/>
+            <a:r>
+              <a:rPr kumimoji="1" lang="en-US" altLang="ko-Kore-KR" sz="1100" dirty="0">
+                <a:solidFill>
+                  <a:schemeClr val="tx1"/>
+                </a:solidFill>
+                <a:latin typeface="DM Mono" panose="020B0509040201040103" pitchFamily="49" charset="0"/>
+              </a:rPr>
+              <a:t>user</a:t>
+            </a:r>
+            <a:endParaRPr kumimoji="1" lang="ko-Kore-KR" altLang="en-US" sz="1100" dirty="0">
+              <a:solidFill>
+                <a:schemeClr val="tx1"/>
+              </a:solidFill>
+              <a:latin typeface="DM Mono" panose="020B0509040201040103" pitchFamily="49" charset="0"/>
+            </a:endParaRPr>
+          </a:p>
+        </p:txBody>
+      </p:sp>
+      <p:sp>
+        <p:nvSpPr>
+          <p:cNvPr id="14" name="직사각형 13">
+            <a:extLst>
+              <a:ext uri="{FF2B5EF4-FFF2-40B4-BE49-F238E27FC236}">
+                <a16:creationId xmlns:a16="http://schemas.microsoft.com/office/drawing/2014/main" id="{2282578C-D4EE-EBCA-7553-FA9931C6BB9F}"/>
+              </a:ext>
+            </a:extLst>
+          </p:cNvPr>
+          <p:cNvSpPr/>
+          <p:nvPr/>
+        </p:nvSpPr>
+        <p:spPr>
+          <a:xfrm>
+            <a:off x="9967212" y="2320979"/>
+            <a:ext cx="1110519" cy="342275"/>
+          </a:xfrm>
+          <a:prstGeom prst="rect">
+            <a:avLst/>
+          </a:prstGeom>
+          <a:solidFill>
+            <a:schemeClr val="accent4">
+              <a:lumMod val="60000"/>
+              <a:lumOff val="40000"/>
+            </a:schemeClr>
+          </a:solidFill>
+          <a:ln>
+            <a:solidFill>
+              <a:srgbClr val="FF0000"/>
+            </a:solidFill>
+          </a:ln>
+        </p:spPr>
+        <p:style>
+          <a:lnRef idx="2">
+            <a:schemeClr val="accent4">
+              <a:shade val="15000"/>
+            </a:schemeClr>
+          </a:lnRef>
+          <a:fillRef idx="1">
+            <a:schemeClr val="accent4"/>
+          </a:fillRef>
+          <a:effectRef idx="0">
+            <a:schemeClr val="accent4"/>
+          </a:effectRef>
+          <a:fontRef idx="minor">
+            <a:schemeClr val="lt1"/>
+          </a:fontRef>
+        </p:style>
+        <p:txBody>
+          <a:bodyPr rtlCol="0" anchor="ctr"/>
+          <a:lstStyle/>
+          <a:p>
+            <a:pPr algn="ctr"/>
+            <a:r>
+              <a:rPr kumimoji="1" lang="en-US" altLang="ko-Kore-KR" sz="1200" dirty="0">
+                <a:solidFill>
+                  <a:schemeClr val="tx1"/>
+                </a:solidFill>
+                <a:latin typeface="DM Mono" panose="020B0509040201040103" pitchFamily="49" charset="0"/>
+              </a:rPr>
+              <a:t>“Tom”</a:t>
+            </a:r>
+            <a:endParaRPr kumimoji="1" lang="ko-Kore-KR" altLang="en-US" sz="1200" dirty="0">
+              <a:solidFill>
+                <a:schemeClr val="tx1"/>
+              </a:solidFill>
+              <a:latin typeface="DM Mono" panose="020B0509040201040103" pitchFamily="49" charset="0"/>
+            </a:endParaRPr>
+          </a:p>
+        </p:txBody>
+      </p:sp>
+      <p:cxnSp>
+        <p:nvCxnSpPr>
+          <p:cNvPr id="16" name="구부러진 연결선[U] 15">
+            <a:extLst>
+              <a:ext uri="{FF2B5EF4-FFF2-40B4-BE49-F238E27FC236}">
+                <a16:creationId xmlns:a16="http://schemas.microsoft.com/office/drawing/2014/main" id="{2E0DF4BE-0E64-C1DE-6326-7CBB8CACCB63}"/>
+              </a:ext>
+            </a:extLst>
+          </p:cNvPr>
+          <p:cNvCxnSpPr>
+            <a:stCxn id="7" idx="3"/>
+            <a:endCxn id="14" idx="1"/>
+          </p:cNvCxnSpPr>
+          <p:nvPr/>
+        </p:nvCxnSpPr>
+        <p:spPr>
+          <a:xfrm flipV="1">
+            <a:off x="8030982" y="2492117"/>
+            <a:ext cx="1936230" cy="2214796"/>
+          </a:xfrm>
+          <a:prstGeom prst="curvedConnector3">
+            <a:avLst/>
+          </a:prstGeom>
+          <a:ln>
+            <a:tailEnd type="triangle"/>
+          </a:ln>
+        </p:spPr>
+        <p:style>
+          <a:lnRef idx="1">
+            <a:schemeClr val="dk1"/>
+          </a:lnRef>
+          <a:fillRef idx="0">
+            <a:schemeClr val="dk1"/>
+          </a:fillRef>
+          <a:effectRef idx="0">
+            <a:schemeClr val="dk1"/>
+          </a:effectRef>
+          <a:fontRef idx="minor">
+            <a:schemeClr val="tx1"/>
+          </a:fontRef>
+        </p:style>
+      </p:cxnSp>
+      <p:sp>
+        <p:nvSpPr>
+          <p:cNvPr id="19" name="TextBox 18">
+            <a:extLst>
+              <a:ext uri="{FF2B5EF4-FFF2-40B4-BE49-F238E27FC236}">
+                <a16:creationId xmlns:a16="http://schemas.microsoft.com/office/drawing/2014/main" id="{5C1515B9-160E-0A92-F019-639A67B6991B}"/>
+              </a:ext>
+            </a:extLst>
+          </p:cNvPr>
+          <p:cNvSpPr txBox="1"/>
+          <p:nvPr/>
+        </p:nvSpPr>
+        <p:spPr>
+          <a:xfrm>
+            <a:off x="9503763" y="2059369"/>
+            <a:ext cx="704538" cy="261610"/>
+          </a:xfrm>
+          <a:prstGeom prst="rect">
+            <a:avLst/>
+          </a:prstGeom>
+          <a:noFill/>
+        </p:spPr>
+        <p:txBody>
+          <a:bodyPr wrap="square">
+            <a:spAutoFit/>
+          </a:bodyPr>
+          <a:lstStyle/>
+          <a:p>
+            <a:r>
+              <a:rPr kumimoji="1" lang="en-US" altLang="ko-Kore-KR" sz="1050" dirty="0">
+                <a:solidFill>
+                  <a:schemeClr val="tx1"/>
+                </a:solidFill>
+                <a:latin typeface="DM Mono" panose="020B0509040201040103" pitchFamily="49" charset="0"/>
+              </a:rPr>
+              <a:t>0x1000</a:t>
+            </a:r>
+            <a:endParaRPr lang="ko-Kore-KR" altLang="en-US" sz="1050" dirty="0"/>
+          </a:p>
+        </p:txBody>
+      </p:sp>
+      <p:sp>
+        <p:nvSpPr>
+          <p:cNvPr id="23" name="직사각형 22">
+            <a:extLst>
+              <a:ext uri="{FF2B5EF4-FFF2-40B4-BE49-F238E27FC236}">
+                <a16:creationId xmlns:a16="http://schemas.microsoft.com/office/drawing/2014/main" id="{4A18D76A-D93E-56A0-E2FE-36C27E67D92F}"/>
+              </a:ext>
+            </a:extLst>
+          </p:cNvPr>
+          <p:cNvSpPr/>
+          <p:nvPr/>
+        </p:nvSpPr>
+        <p:spPr>
+          <a:xfrm>
+            <a:off x="7261487" y="5336499"/>
+            <a:ext cx="769495" cy="419724"/>
+          </a:xfrm>
+          <a:prstGeom prst="rect">
+            <a:avLst/>
+          </a:prstGeom>
+          <a:solidFill>
+            <a:schemeClr val="accent4">
+              <a:lumMod val="60000"/>
+              <a:lumOff val="40000"/>
+            </a:schemeClr>
+          </a:solidFill>
+          <a:ln>
+            <a:solidFill>
+              <a:srgbClr val="FF0000"/>
+            </a:solidFill>
+          </a:ln>
+        </p:spPr>
+        <p:style>
+          <a:lnRef idx="2">
+            <a:schemeClr val="accent4">
+              <a:shade val="15000"/>
+            </a:schemeClr>
+          </a:lnRef>
+          <a:fillRef idx="1">
+            <a:schemeClr val="accent4"/>
+          </a:fillRef>
+          <a:effectRef idx="0">
+            <a:schemeClr val="accent4"/>
+          </a:effectRef>
+          <a:fontRef idx="minor">
+            <a:schemeClr val="lt1"/>
+          </a:fontRef>
+        </p:style>
+        <p:txBody>
+          <a:bodyPr rtlCol="0" anchor="ctr"/>
+          <a:lstStyle/>
+          <a:p>
+            <a:pPr algn="ctr"/>
+            <a:endParaRPr kumimoji="1" lang="ko-Kore-KR" altLang="en-US" sz="1200" dirty="0">
+              <a:solidFill>
+                <a:schemeClr val="tx1"/>
+              </a:solidFill>
+              <a:latin typeface="DM Mono" panose="020B0509040201040103" pitchFamily="49" charset="0"/>
+            </a:endParaRPr>
+          </a:p>
+        </p:txBody>
+      </p:sp>
+      <p:sp>
+        <p:nvSpPr>
+          <p:cNvPr id="24" name="TextBox 23">
+            <a:extLst>
+              <a:ext uri="{FF2B5EF4-FFF2-40B4-BE49-F238E27FC236}">
+                <a16:creationId xmlns:a16="http://schemas.microsoft.com/office/drawing/2014/main" id="{B4ECBCA6-5D42-5490-08B5-4450482D05DF}"/>
+              </a:ext>
+            </a:extLst>
+          </p:cNvPr>
+          <p:cNvSpPr txBox="1"/>
+          <p:nvPr/>
+        </p:nvSpPr>
+        <p:spPr>
+          <a:xfrm>
+            <a:off x="6675619" y="5415556"/>
+            <a:ext cx="585868" cy="261610"/>
+          </a:xfrm>
+          <a:prstGeom prst="rect">
+            <a:avLst/>
+          </a:prstGeom>
+          <a:noFill/>
+        </p:spPr>
+        <p:txBody>
+          <a:bodyPr wrap="square">
+            <a:spAutoFit/>
+          </a:bodyPr>
+          <a:lstStyle/>
+          <a:p>
+            <a:pPr algn="r"/>
+            <a:r>
+              <a:rPr kumimoji="1" lang="en-US" altLang="ko-Kore-KR" sz="1100" dirty="0">
+                <a:solidFill>
+                  <a:schemeClr val="tx1"/>
+                </a:solidFill>
+                <a:latin typeface="DM Mono" panose="020B0509040201040103" pitchFamily="49" charset="0"/>
+              </a:rPr>
+              <a:t>ref</a:t>
+            </a:r>
+            <a:endParaRPr kumimoji="1" lang="ko-Kore-KR" altLang="en-US" sz="1100" dirty="0">
+              <a:solidFill>
+                <a:schemeClr val="tx1"/>
+              </a:solidFill>
+              <a:latin typeface="DM Mono" panose="020B0509040201040103" pitchFamily="49" charset="0"/>
+            </a:endParaRPr>
+          </a:p>
+        </p:txBody>
+      </p:sp>
+      <p:sp>
+        <p:nvSpPr>
+          <p:cNvPr id="25" name="직사각형 24">
+            <a:extLst>
+              <a:ext uri="{FF2B5EF4-FFF2-40B4-BE49-F238E27FC236}">
+                <a16:creationId xmlns:a16="http://schemas.microsoft.com/office/drawing/2014/main" id="{D78137EB-9AB1-2419-CF91-A8732AF7CA5F}"/>
+              </a:ext>
+            </a:extLst>
+          </p:cNvPr>
+          <p:cNvSpPr/>
+          <p:nvPr/>
+        </p:nvSpPr>
+        <p:spPr>
+          <a:xfrm>
+            <a:off x="10653014" y="3752540"/>
+            <a:ext cx="464691" cy="342275"/>
+          </a:xfrm>
+          <a:prstGeom prst="rect">
+            <a:avLst/>
+          </a:prstGeom>
+          <a:solidFill>
+            <a:schemeClr val="accent4">
+              <a:lumMod val="60000"/>
+              <a:lumOff val="40000"/>
+            </a:schemeClr>
+          </a:solidFill>
+          <a:ln>
+            <a:solidFill>
+              <a:srgbClr val="FF0000"/>
+            </a:solidFill>
+          </a:ln>
+        </p:spPr>
+        <p:style>
+          <a:lnRef idx="2">
+            <a:schemeClr val="accent4">
+              <a:shade val="15000"/>
+            </a:schemeClr>
+          </a:lnRef>
+          <a:fillRef idx="1">
+            <a:schemeClr val="accent4"/>
+          </a:fillRef>
+          <a:effectRef idx="0">
+            <a:schemeClr val="accent4"/>
+          </a:effectRef>
+          <a:fontRef idx="minor">
+            <a:schemeClr val="lt1"/>
+          </a:fontRef>
+        </p:style>
+        <p:txBody>
+          <a:bodyPr rtlCol="0" anchor="ctr"/>
+          <a:lstStyle/>
+          <a:p>
+            <a:pPr algn="ctr"/>
+            <a:r>
+              <a:rPr kumimoji="1" lang="en-US" altLang="ko-Kore-KR" sz="1200" dirty="0">
+                <a:solidFill>
+                  <a:srgbClr val="FF0000"/>
+                </a:solidFill>
+                <a:latin typeface="DM Mono" panose="020B0509040201040103" pitchFamily="49" charset="0"/>
+              </a:rPr>
+              <a:t>0</a:t>
+            </a:r>
+            <a:endParaRPr kumimoji="1" lang="ko-Kore-KR" altLang="en-US" sz="1200" dirty="0">
+              <a:solidFill>
+                <a:srgbClr val="FF0000"/>
+              </a:solidFill>
+              <a:latin typeface="DM Mono" panose="020B0509040201040103" pitchFamily="49" charset="0"/>
+            </a:endParaRPr>
+          </a:p>
+        </p:txBody>
+      </p:sp>
+      <p:cxnSp>
+        <p:nvCxnSpPr>
+          <p:cNvPr id="26" name="구부러진 연결선[U] 25">
+            <a:extLst>
+              <a:ext uri="{FF2B5EF4-FFF2-40B4-BE49-F238E27FC236}">
+                <a16:creationId xmlns:a16="http://schemas.microsoft.com/office/drawing/2014/main" id="{31185740-D738-8494-6675-5BECEAF46E01}"/>
+              </a:ext>
+            </a:extLst>
+          </p:cNvPr>
+          <p:cNvCxnSpPr>
+            <a:cxnSpLocks/>
+            <a:stCxn id="23" idx="3"/>
+            <a:endCxn id="25" idx="1"/>
+          </p:cNvCxnSpPr>
+          <p:nvPr/>
+        </p:nvCxnSpPr>
+        <p:spPr>
+          <a:xfrm flipV="1">
+            <a:off x="8030982" y="3923678"/>
+            <a:ext cx="2622032" cy="1622683"/>
+          </a:xfrm>
+          <a:prstGeom prst="curvedConnector3">
+            <a:avLst/>
+          </a:prstGeom>
+          <a:ln>
+            <a:tailEnd type="triangle"/>
+          </a:ln>
+        </p:spPr>
+        <p:style>
+          <a:lnRef idx="1">
+            <a:schemeClr val="dk1"/>
+          </a:lnRef>
+          <a:fillRef idx="0">
+            <a:schemeClr val="dk1"/>
+          </a:fillRef>
+          <a:effectRef idx="0">
+            <a:schemeClr val="dk1"/>
+          </a:effectRef>
+          <a:fontRef idx="minor">
+            <a:schemeClr val="tx1"/>
+          </a:fontRef>
+        </p:style>
+      </p:cxnSp>
+      <p:sp>
+        <p:nvSpPr>
+          <p:cNvPr id="15" name="TextBox 14">
+            <a:extLst>
+              <a:ext uri="{FF2B5EF4-FFF2-40B4-BE49-F238E27FC236}">
+                <a16:creationId xmlns:a16="http://schemas.microsoft.com/office/drawing/2014/main" id="{EE8EAB89-6FC8-6CB2-3330-192DE5CD7A91}"/>
+              </a:ext>
+            </a:extLst>
+          </p:cNvPr>
+          <p:cNvSpPr txBox="1"/>
+          <p:nvPr/>
+        </p:nvSpPr>
+        <p:spPr>
+          <a:xfrm>
+            <a:off x="366324" y="240002"/>
+            <a:ext cx="6096000" cy="1600438"/>
+          </a:xfrm>
+          <a:prstGeom prst="rect">
+            <a:avLst/>
+          </a:prstGeom>
+          <a:noFill/>
+        </p:spPr>
+        <p:txBody>
+          <a:bodyPr wrap="square">
+            <a:spAutoFit/>
+          </a:bodyPr>
+          <a:lstStyle/>
+          <a:p>
+            <a:r>
+              <a:rPr lang="ko-Kore-KR" altLang="en-US" sz="1400" dirty="0">
+                <a:latin typeface="DM Mono" panose="020B0509040201040103" pitchFamily="49" charset="0"/>
+              </a:rPr>
+              <a:t> </a:t>
+            </a:r>
+            <a:r>
+              <a:rPr lang="en-US" altLang="ko-Kore-KR" sz="1400" dirty="0">
+                <a:latin typeface="DM Mono" panose="020B0509040201040103" pitchFamily="49" charset="0"/>
+              </a:rPr>
+              <a:t>   </a:t>
+            </a:r>
+            <a:r>
+              <a:rPr lang="ko-Kore-KR" altLang="en-US" sz="1400" dirty="0">
+                <a:latin typeface="DM Mono" panose="020B0509040201040103" pitchFamily="49" charset="0"/>
+              </a:rPr>
+              <a:t>~User()</a:t>
+            </a:r>
+          </a:p>
+          <a:p>
+            <a:r>
+              <a:rPr lang="ko-Kore-KR" altLang="en-US" sz="1400" dirty="0">
+                <a:latin typeface="DM Mono" panose="020B0509040201040103" pitchFamily="49" charset="0"/>
+              </a:rPr>
+              <a:t>    {</a:t>
+            </a:r>
+          </a:p>
+          <a:p>
+            <a:r>
+              <a:rPr lang="ko-Kore-KR" altLang="en-US" sz="1400" dirty="0">
+                <a:latin typeface="DM Mono" panose="020B0509040201040103" pitchFamily="49" charset="0"/>
+              </a:rPr>
+              <a:t>        if </a:t>
+            </a:r>
+            <a:r>
+              <a:rPr lang="ko-Kore-KR" altLang="en-US" sz="1400" dirty="0">
+                <a:solidFill>
+                  <a:srgbClr val="FF0000"/>
+                </a:solidFill>
+                <a:latin typeface="DM Mono" panose="020B0509040201040103" pitchFamily="49" charset="0"/>
+              </a:rPr>
+              <a:t>(--(*ref) == 0)</a:t>
+            </a:r>
+            <a:r>
+              <a:rPr lang="ko-Kore-KR" altLang="en-US" sz="1400" dirty="0">
+                <a:latin typeface="DM Mono" panose="020B0509040201040103" pitchFamily="49" charset="0"/>
+              </a:rPr>
+              <a:t> </a:t>
+            </a:r>
+            <a:r>
+              <a:rPr lang="ko-Kore-KR" altLang="en-US" sz="1400" dirty="0">
+                <a:solidFill>
+                  <a:srgbClr val="FF0000"/>
+                </a:solidFill>
                 <a:latin typeface="DM Mono" panose="020B0509040201040103" pitchFamily="49" charset="0"/>
               </a:rPr>
               <a:t>{</a:t>
@@ -18634,40 +19251,51 @@
           </a:p>
           <a:p>
             <a:r>
-              <a:rPr lang="en" altLang="ko-Kore-KR" sz="1200" dirty="0">
-                <a:latin typeface="DM Mono" panose="020B0509040201040103" pitchFamily="49" charset="0"/>
-              </a:rPr>
-              <a:t>    Car c1;</a:t>
-            </a:r>
-          </a:p>
-          <a:p>
-            <a:r>
-              <a:rPr lang="en" altLang="ko-Kore-KR" sz="1200" dirty="0">
-                <a:latin typeface="DM Mono" panose="020B0509040201040103" pitchFamily="49" charset="0"/>
-              </a:rPr>
-              <a:t>    Car c2;</a:t>
-            </a:r>
-            <a:endParaRPr lang="en-US" altLang="ko-Kore-KR" sz="1200" dirty="0">
-              <a:latin typeface="DM Mono" panose="020B0509040201040103" pitchFamily="49" charset="0"/>
-            </a:endParaRPr>
-          </a:p>
-          <a:p>
-            <a:r>
-              <a:rPr lang="en-US" altLang="ko-Kore-KR" sz="1200" dirty="0">
-                <a:latin typeface="DM Mono" panose="020B0509040201040103" pitchFamily="49" charset="0"/>
-              </a:rPr>
-              <a:t>}</a:t>
-            </a:r>
-            <a:endParaRPr lang="ko-Kore-KR" altLang="en-US" sz="1200" dirty="0">
-              <a:latin typeface="DM Mono" panose="020B0509040201040103" pitchFamily="49" charset="0"/>
-            </a:endParaRPr>
+              <a:rPr lang="ko-Kore-KR" altLang="en-US" sz="1400" dirty="0">
+                <a:solidFill>
+                  <a:srgbClr val="FF0000"/>
+                </a:solidFill>
+                <a:latin typeface="DM Mono" panose="020B0509040201040103" pitchFamily="49" charset="0"/>
+              </a:rPr>
+              <a:t>            delete[] name;</a:t>
+            </a:r>
+          </a:p>
+          <a:p>
+            <a:r>
+              <a:rPr lang="ko-Kore-KR" altLang="en-US" sz="1400" dirty="0">
+                <a:solidFill>
+                  <a:srgbClr val="FF0000"/>
+                </a:solidFill>
+                <a:latin typeface="DM Mono" panose="020B0509040201040103" pitchFamily="49" charset="0"/>
+              </a:rPr>
+              <a:t>            delete ref;</a:t>
+            </a:r>
+          </a:p>
+          <a:p>
+            <a:r>
+              <a:rPr lang="ko-Kore-KR" altLang="en-US" sz="1400" dirty="0">
+                <a:solidFill>
+                  <a:srgbClr val="FF0000"/>
+                </a:solidFill>
+                <a:latin typeface="DM Mono" panose="020B0509040201040103" pitchFamily="49" charset="0"/>
+              </a:rPr>
+              <a:t>        }</a:t>
+            </a:r>
+          </a:p>
+          <a:p>
+            <a:r>
+              <a:rPr lang="ko-Kore-KR" altLang="en-US" sz="1400" dirty="0">
+                <a:latin typeface="DM Mono" panose="020B0509040201040103" pitchFamily="49" charset="0"/>
+              </a:rPr>
+              <a:t>    }</a:t>
+            </a:r>
           </a:p>
         </p:txBody>
       </p:sp>
     </p:spTree>
     <p:extLst>
       <p:ext uri="{BB962C8B-B14F-4D97-AF65-F5344CB8AC3E}">
-        <p14:creationId xmlns:p14="http://schemas.microsoft.com/office/powerpoint/2010/main" val="1374311571"/>
+        <p14:creationId xmlns:p14="http://schemas.microsoft.com/office/powerpoint/2010/main" val="2542177023"/>
       </p:ext>
     </p:extLst>
   </p:cSld>
@@ -18696,10 +19324,195 @@
       </p:grpSpPr>
       <p:sp>
         <p:nvSpPr>
-          <p:cNvPr id="7" name="직사각형 6">
-            <a:extLst>
-              <a:ext uri="{FF2B5EF4-FFF2-40B4-BE49-F238E27FC236}">
-                <a16:creationId xmlns:a16="http://schemas.microsoft.com/office/drawing/2014/main" id="{31CCB710-0121-1DC8-86D7-67AEA020399A}"/>
+          <p:cNvPr id="5" name="TextBox 4">
+            <a:extLst>
+              <a:ext uri="{FF2B5EF4-FFF2-40B4-BE49-F238E27FC236}">
+                <a16:creationId xmlns:a16="http://schemas.microsoft.com/office/drawing/2014/main" id="{30A4A4E1-78DD-C0E4-84BC-7140EEB81421}"/>
+              </a:ext>
+            </a:extLst>
+          </p:cNvPr>
+          <p:cNvSpPr txBox="1"/>
+          <p:nvPr/>
+        </p:nvSpPr>
+        <p:spPr>
+          <a:xfrm>
+            <a:off x="504669" y="320189"/>
+            <a:ext cx="6096000" cy="3416320"/>
+          </a:xfrm>
+          <a:prstGeom prst="rect">
+            <a:avLst/>
+          </a:prstGeom>
+          <a:noFill/>
+        </p:spPr>
+        <p:txBody>
+          <a:bodyPr wrap="square">
+            <a:spAutoFit/>
+          </a:bodyPr>
+          <a:lstStyle/>
+          <a:p>
+            <a:r>
+              <a:rPr lang="ko-Kore-KR" altLang="en-US" sz="1200" dirty="0">
+                <a:latin typeface="DM Mono" panose="020B0509040201040103" pitchFamily="49" charset="0"/>
+              </a:rPr>
+              <a:t>class Car {</a:t>
+            </a:r>
+          </a:p>
+          <a:p>
+            <a:r>
+              <a:rPr lang="ko-Kore-KR" altLang="en-US" sz="1200" dirty="0">
+                <a:latin typeface="DM Mono" panose="020B0509040201040103" pitchFamily="49" charset="0"/>
+              </a:rPr>
+              <a:t>private:</a:t>
+            </a:r>
+          </a:p>
+          <a:p>
+            <a:r>
+              <a:rPr lang="ko-Kore-KR" altLang="en-US" sz="1200" dirty="0">
+                <a:latin typeface="DM Mono" panose="020B0509040201040103" pitchFamily="49" charset="0"/>
+              </a:rPr>
+              <a:t>    int color;</a:t>
+            </a:r>
+          </a:p>
+          <a:p>
+            <a:endParaRPr lang="ko-Kore-KR" altLang="en-US" sz="1200" dirty="0">
+              <a:latin typeface="DM Mono" panose="020B0509040201040103" pitchFamily="49" charset="0"/>
+            </a:endParaRPr>
+          </a:p>
+          <a:p>
+            <a:r>
+              <a:rPr lang="ko-Kore-KR" altLang="en-US" sz="1200" dirty="0">
+                <a:latin typeface="DM Mono" panose="020B0509040201040103" pitchFamily="49" charset="0"/>
+              </a:rPr>
+              <a:t>public:</a:t>
+            </a:r>
+          </a:p>
+          <a:p>
+            <a:r>
+              <a:rPr lang="ko-Kore-KR" altLang="en-US" sz="1200" dirty="0">
+                <a:latin typeface="DM Mono" panose="020B0509040201040103" pitchFamily="49" charset="0"/>
+              </a:rPr>
+              <a:t>    static int cnt; </a:t>
+            </a:r>
+            <a:endParaRPr lang="en-US" altLang="ko-Kore-KR" sz="1200" dirty="0">
+              <a:latin typeface="DM Mono" panose="020B0509040201040103" pitchFamily="49" charset="0"/>
+            </a:endParaRPr>
+          </a:p>
+          <a:p>
+            <a:endParaRPr lang="ko-Kore-KR" altLang="en-US" sz="1200" dirty="0">
+              <a:latin typeface="DM Mono" panose="020B0509040201040103" pitchFamily="49" charset="0"/>
+            </a:endParaRPr>
+          </a:p>
+          <a:p>
+            <a:r>
+              <a:rPr lang="ko-Kore-KR" altLang="en-US" sz="1200" dirty="0">
+                <a:latin typeface="DM Mono" panose="020B0509040201040103" pitchFamily="49" charset="0"/>
+              </a:rPr>
+              <a:t>    Car() { cnt++; }</a:t>
+            </a:r>
+          </a:p>
+          <a:p>
+            <a:r>
+              <a:rPr lang="ko-Kore-KR" altLang="en-US" sz="1200" dirty="0">
+                <a:latin typeface="DM Mono" panose="020B0509040201040103" pitchFamily="49" charset="0"/>
+              </a:rPr>
+              <a:t>    ~Car() { cnt--; }</a:t>
+            </a:r>
+          </a:p>
+          <a:p>
+            <a:r>
+              <a:rPr lang="ko-Kore-KR" altLang="en-US" sz="1200" dirty="0">
+                <a:latin typeface="DM Mono" panose="020B0509040201040103" pitchFamily="49" charset="0"/>
+              </a:rPr>
+              <a:t>};</a:t>
+            </a:r>
+            <a:endParaRPr lang="en-US" altLang="ko-Kore-KR" sz="1200" dirty="0">
+              <a:latin typeface="DM Mono" panose="020B0509040201040103" pitchFamily="49" charset="0"/>
+            </a:endParaRPr>
+          </a:p>
+          <a:p>
+            <a:endParaRPr lang="en-US" altLang="ko-Kore-KR" sz="1200" dirty="0">
+              <a:latin typeface="DM Mono" panose="020B0509040201040103" pitchFamily="49" charset="0"/>
+            </a:endParaRPr>
+          </a:p>
+          <a:p>
+            <a:r>
+              <a:rPr lang="en-US" altLang="ko-Kore-KR" sz="1200" dirty="0">
+                <a:latin typeface="DM Mono" panose="020B0509040201040103" pitchFamily="49" charset="0"/>
+              </a:rPr>
+              <a:t>int Car::</a:t>
+            </a:r>
+            <a:r>
+              <a:rPr lang="en-US" altLang="ko-Kore-KR" sz="1200" dirty="0" err="1">
+                <a:latin typeface="DM Mono" panose="020B0509040201040103" pitchFamily="49" charset="0"/>
+              </a:rPr>
+              <a:t>cnt</a:t>
+            </a:r>
+            <a:r>
+              <a:rPr lang="en-US" altLang="ko-Kore-KR" sz="1200" dirty="0">
+                <a:latin typeface="DM Mono" panose="020B0509040201040103" pitchFamily="49" charset="0"/>
+              </a:rPr>
+              <a:t> = 0;</a:t>
+            </a:r>
+          </a:p>
+          <a:p>
+            <a:endParaRPr lang="en-US" altLang="ko-Kore-KR" sz="1200" dirty="0">
+              <a:latin typeface="DM Mono" panose="020B0509040201040103" pitchFamily="49" charset="0"/>
+            </a:endParaRPr>
+          </a:p>
+          <a:p>
+            <a:r>
+              <a:rPr lang="en" altLang="ko-Kore-KR" sz="1200" dirty="0">
+                <a:latin typeface="DM Mono" panose="020B0509040201040103" pitchFamily="49" charset="0"/>
+              </a:rPr>
+              <a:t>int main()</a:t>
+            </a:r>
+          </a:p>
+          <a:p>
+            <a:r>
+              <a:rPr lang="en" altLang="ko-Kore-KR" sz="1200" dirty="0">
+                <a:latin typeface="DM Mono" panose="020B0509040201040103" pitchFamily="49" charset="0"/>
+              </a:rPr>
+              <a:t>{</a:t>
+            </a:r>
+          </a:p>
+          <a:p>
+            <a:r>
+              <a:rPr lang="en" altLang="ko-Kore-KR" sz="1200" dirty="0">
+                <a:latin typeface="DM Mono" panose="020B0509040201040103" pitchFamily="49" charset="0"/>
+              </a:rPr>
+              <a:t>    Car c1;</a:t>
+            </a:r>
+          </a:p>
+          <a:p>
+            <a:r>
+              <a:rPr lang="en" altLang="ko-Kore-KR" sz="1200" dirty="0">
+                <a:latin typeface="DM Mono" panose="020B0509040201040103" pitchFamily="49" charset="0"/>
+              </a:rPr>
+              <a:t>    Car c2;</a:t>
+            </a:r>
+            <a:endParaRPr lang="en-US" altLang="ko-Kore-KR" sz="1200" dirty="0">
+              <a:latin typeface="DM Mono" panose="020B0509040201040103" pitchFamily="49" charset="0"/>
+            </a:endParaRPr>
+          </a:p>
+          <a:p>
+            <a:r>
+              <a:rPr lang="en-US" altLang="ko-Kore-KR" sz="1200" dirty="0">
+                <a:latin typeface="DM Mono" panose="020B0509040201040103" pitchFamily="49" charset="0"/>
+              </a:rPr>
+              <a:t>}</a:t>
+            </a:r>
+            <a:endParaRPr lang="ko-Kore-KR" altLang="en-US" sz="1200" dirty="0">
+              <a:latin typeface="DM Mono" panose="020B0509040201040103" pitchFamily="49" charset="0"/>
+            </a:endParaRPr>
+          </a:p>
+        </p:txBody>
+      </p:sp>
+      <p:sp>
+        <p:nvSpPr>
+          <p:cNvPr id="6" name="직사각형 5">
+            <a:extLst>
+              <a:ext uri="{FF2B5EF4-FFF2-40B4-BE49-F238E27FC236}">
+                <a16:creationId xmlns:a16="http://schemas.microsoft.com/office/drawing/2014/main" id="{90EAFDB5-4BF2-013F-48E5-534DCABA59A4}"/>
               </a:ext>
             </a:extLst>
           </p:cNvPr>
@@ -18708,7 +19521,7 @@
         </p:nvSpPr>
         <p:spPr>
           <a:xfrm>
-            <a:off x="7261487" y="4497051"/>
+            <a:off x="9774838" y="1349116"/>
             <a:ext cx="769495" cy="419724"/>
           </a:xfrm>
           <a:prstGeom prst="rect">
@@ -18720,11 +19533,6 @@
               <a:lumOff val="40000"/>
             </a:schemeClr>
           </a:solidFill>
-          <a:ln>
-            <a:solidFill>
-              <a:srgbClr val="FF0000"/>
-            </a:solidFill>
-          </a:ln>
         </p:spPr>
         <p:style>
           <a:lnRef idx="2">
@@ -18754,7 +19562,7 @@
                 </a:solidFill>
                 <a:latin typeface="DM Mono" panose="020B0509040201040103" pitchFamily="49" charset="0"/>
               </a:rPr>
-              <a:t>0x1000</a:t>
+              <a:t>0</a:t>
             </a:r>
             <a:endParaRPr kumimoji="1" lang="ko-Kore-KR" altLang="en-US" sz="1200" dirty="0">
               <a:solidFill>
@@ -18767,10 +19575,10 @@
       </p:sp>
       <p:sp>
         <p:nvSpPr>
-          <p:cNvPr id="8" name="TextBox 7">
-            <a:extLst>
-              <a:ext uri="{FF2B5EF4-FFF2-40B4-BE49-F238E27FC236}">
-                <a16:creationId xmlns:a16="http://schemas.microsoft.com/office/drawing/2014/main" id="{0E51DEEF-5480-C48B-053D-43D22F6A7663}"/>
+          <p:cNvPr id="7" name="TextBox 6">
+            <a:extLst>
+              <a:ext uri="{FF2B5EF4-FFF2-40B4-BE49-F238E27FC236}">
+                <a16:creationId xmlns:a16="http://schemas.microsoft.com/office/drawing/2014/main" id="{64F42461-1DCC-F2E4-16D8-201B15D0AFFE}"/>
               </a:ext>
             </a:extLst>
           </p:cNvPr>
@@ -18779,8 +19587,8 @@
         </p:nvSpPr>
         <p:spPr>
           <a:xfrm>
-            <a:off x="6575685" y="4576108"/>
-            <a:ext cx="685802" cy="261610"/>
+            <a:off x="8824210" y="1428173"/>
+            <a:ext cx="950628" cy="261610"/>
           </a:xfrm>
           <a:prstGeom prst="rect">
             <a:avLst/>
@@ -18798,7 +19606,13 @@
               <a:rPr kumimoji="1" lang="en-US" altLang="ko-Kore-KR" sz="1100" dirty="0">
                 <a:latin typeface="DM Mono" panose="020B0509040201040103" pitchFamily="49" charset="0"/>
               </a:rPr>
-              <a:t>name</a:t>
+              <a:t>Car::</a:t>
+            </a:r>
+            <a:r>
+              <a:rPr kumimoji="1" lang="en-US" altLang="ko-Kore-KR" sz="1100" dirty="0" err="1">
+                <a:latin typeface="DM Mono" panose="020B0509040201040103" pitchFamily="49" charset="0"/>
+              </a:rPr>
+              <a:t>cnt</a:t>
             </a:r>
             <a:endParaRPr kumimoji="1" lang="ko-Kore-KR" altLang="en-US" sz="1100" dirty="0">
               <a:solidFill>
@@ -18809,12 +19623,236 @@
           </a:p>
         </p:txBody>
       </p:sp>
-      <p:sp>
-        <p:nvSpPr>
-          <p:cNvPr id="10" name="직사각형 9">
-            <a:extLst>
-              <a:ext uri="{FF2B5EF4-FFF2-40B4-BE49-F238E27FC236}">
-                <a16:creationId xmlns:a16="http://schemas.microsoft.com/office/drawing/2014/main" id="{FA835144-65A9-5595-9B94-37E2A8886E68}"/>
+    </p:spTree>
+    <p:extLst>
+      <p:ext uri="{BB962C8B-B14F-4D97-AF65-F5344CB8AC3E}">
+        <p14:creationId xmlns:p14="http://schemas.microsoft.com/office/powerpoint/2010/main" val="1374311571"/>
+      </p:ext>
+    </p:extLst>
+  </p:cSld>
+  <p:clrMapOvr>
+    <a:masterClrMapping/>
+  </p:clrMapOvr>
+</p:sld>
+</file>
+
+<file path=ppt/slides/slide26.xml><?xml version="1.0" encoding="utf-8"?>
+<p:sld xmlns:a="http://schemas.openxmlformats.org/drawingml/2006/main" xmlns:r="http://schemas.openxmlformats.org/officeDocument/2006/relationships" xmlns:p="http://schemas.openxmlformats.org/presentationml/2006/main">
+  <p:cSld>
+    <p:spTree>
+      <p:nvGrpSpPr>
+        <p:cNvPr id="1" name=""/>
+        <p:cNvGrpSpPr/>
+        <p:nvPr/>
+      </p:nvGrpSpPr>
+      <p:grpSpPr>
+        <a:xfrm>
+          <a:off x="0" y="0"/>
+          <a:ext cx="0" cy="0"/>
+          <a:chOff x="0" y="0"/>
+          <a:chExt cx="0" cy="0"/>
+        </a:xfrm>
+      </p:grpSpPr>
+      <p:sp>
+        <p:nvSpPr>
+          <p:cNvPr id="5" name="TextBox 4">
+            <a:extLst>
+              <a:ext uri="{FF2B5EF4-FFF2-40B4-BE49-F238E27FC236}">
+                <a16:creationId xmlns:a16="http://schemas.microsoft.com/office/drawing/2014/main" id="{30A4A4E1-78DD-C0E4-84BC-7140EEB81421}"/>
+              </a:ext>
+            </a:extLst>
+          </p:cNvPr>
+          <p:cNvSpPr txBox="1"/>
+          <p:nvPr/>
+        </p:nvSpPr>
+        <p:spPr>
+          <a:xfrm>
+            <a:off x="504669" y="320189"/>
+            <a:ext cx="6096000" cy="3416320"/>
+          </a:xfrm>
+          <a:prstGeom prst="rect">
+            <a:avLst/>
+          </a:prstGeom>
+          <a:noFill/>
+        </p:spPr>
+        <p:txBody>
+          <a:bodyPr wrap="square">
+            <a:spAutoFit/>
+          </a:bodyPr>
+          <a:lstStyle/>
+          <a:p>
+            <a:r>
+              <a:rPr lang="ko-Kore-KR" altLang="en-US" sz="1200" dirty="0">
+                <a:latin typeface="DM Mono" panose="020B0509040201040103" pitchFamily="49" charset="0"/>
+              </a:rPr>
+              <a:t>class Car {</a:t>
+            </a:r>
+          </a:p>
+          <a:p>
+            <a:r>
+              <a:rPr lang="ko-Kore-KR" altLang="en-US" sz="1200" dirty="0">
+                <a:latin typeface="DM Mono" panose="020B0509040201040103" pitchFamily="49" charset="0"/>
+              </a:rPr>
+              <a:t>private:</a:t>
+            </a:r>
+          </a:p>
+          <a:p>
+            <a:r>
+              <a:rPr lang="ko-Kore-KR" altLang="en-US" sz="1200" dirty="0">
+                <a:latin typeface="DM Mono" panose="020B0509040201040103" pitchFamily="49" charset="0"/>
+              </a:rPr>
+              <a:t>    int color;</a:t>
+            </a:r>
+          </a:p>
+          <a:p>
+            <a:endParaRPr lang="ko-Kore-KR" altLang="en-US" sz="1200" dirty="0">
+              <a:latin typeface="DM Mono" panose="020B0509040201040103" pitchFamily="49" charset="0"/>
+            </a:endParaRPr>
+          </a:p>
+          <a:p>
+            <a:r>
+              <a:rPr lang="ko-Kore-KR" altLang="en-US" sz="1200" dirty="0">
+                <a:latin typeface="DM Mono" panose="020B0509040201040103" pitchFamily="49" charset="0"/>
+              </a:rPr>
+              <a:t>public:</a:t>
+            </a:r>
+          </a:p>
+          <a:p>
+            <a:r>
+              <a:rPr lang="ko-Kore-KR" altLang="en-US" sz="1200" dirty="0">
+                <a:latin typeface="DM Mono" panose="020B0509040201040103" pitchFamily="49" charset="0"/>
+              </a:rPr>
+              <a:t>    static int cnt; </a:t>
+            </a:r>
+            <a:endParaRPr lang="en-US" altLang="ko-Kore-KR" sz="1200" dirty="0">
+              <a:latin typeface="DM Mono" panose="020B0509040201040103" pitchFamily="49" charset="0"/>
+            </a:endParaRPr>
+          </a:p>
+          <a:p>
+            <a:endParaRPr lang="ko-Kore-KR" altLang="en-US" sz="1200" dirty="0">
+              <a:latin typeface="DM Mono" panose="020B0509040201040103" pitchFamily="49" charset="0"/>
+            </a:endParaRPr>
+          </a:p>
+          <a:p>
+            <a:r>
+              <a:rPr lang="ko-Kore-KR" altLang="en-US" sz="1200" dirty="0">
+                <a:latin typeface="DM Mono" panose="020B0509040201040103" pitchFamily="49" charset="0"/>
+              </a:rPr>
+              <a:t>    Car() { cnt++; }</a:t>
+            </a:r>
+          </a:p>
+          <a:p>
+            <a:r>
+              <a:rPr lang="ko-Kore-KR" altLang="en-US" sz="1200" dirty="0">
+                <a:latin typeface="DM Mono" panose="020B0509040201040103" pitchFamily="49" charset="0"/>
+              </a:rPr>
+              <a:t>    ~Car() { cnt--; }</a:t>
+            </a:r>
+          </a:p>
+          <a:p>
+            <a:r>
+              <a:rPr lang="ko-Kore-KR" altLang="en-US" sz="1200" dirty="0">
+                <a:latin typeface="DM Mono" panose="020B0509040201040103" pitchFamily="49" charset="0"/>
+              </a:rPr>
+              <a:t>};</a:t>
+            </a:r>
+            <a:endParaRPr lang="en-US" altLang="ko-Kore-KR" sz="1200" dirty="0">
+              <a:latin typeface="DM Mono" panose="020B0509040201040103" pitchFamily="49" charset="0"/>
+            </a:endParaRPr>
+          </a:p>
+          <a:p>
+            <a:endParaRPr lang="en-US" altLang="ko-Kore-KR" sz="1200" dirty="0">
+              <a:latin typeface="DM Mono" panose="020B0509040201040103" pitchFamily="49" charset="0"/>
+            </a:endParaRPr>
+          </a:p>
+          <a:p>
+            <a:r>
+              <a:rPr lang="en-US" altLang="ko-Kore-KR" sz="1200" dirty="0">
+                <a:latin typeface="DM Mono" panose="020B0509040201040103" pitchFamily="49" charset="0"/>
+              </a:rPr>
+              <a:t>int Car::</a:t>
+            </a:r>
+            <a:r>
+              <a:rPr lang="en-US" altLang="ko-Kore-KR" sz="1200" dirty="0" err="1">
+                <a:latin typeface="DM Mono" panose="020B0509040201040103" pitchFamily="49" charset="0"/>
+              </a:rPr>
+              <a:t>cnt</a:t>
+            </a:r>
+            <a:r>
+              <a:rPr lang="en-US" altLang="ko-Kore-KR" sz="1200" dirty="0">
+                <a:latin typeface="DM Mono" panose="020B0509040201040103" pitchFamily="49" charset="0"/>
+              </a:rPr>
+              <a:t> = 0;</a:t>
+            </a:r>
+          </a:p>
+          <a:p>
+            <a:endParaRPr lang="en-US" altLang="ko-Kore-KR" sz="1200" dirty="0">
+              <a:latin typeface="DM Mono" panose="020B0509040201040103" pitchFamily="49" charset="0"/>
+            </a:endParaRPr>
+          </a:p>
+          <a:p>
+            <a:r>
+              <a:rPr lang="en" altLang="ko-Kore-KR" sz="1200" dirty="0">
+                <a:latin typeface="DM Mono" panose="020B0509040201040103" pitchFamily="49" charset="0"/>
+              </a:rPr>
+              <a:t>int main()</a:t>
+            </a:r>
+          </a:p>
+          <a:p>
+            <a:r>
+              <a:rPr lang="en" altLang="ko-Kore-KR" sz="1200" dirty="0">
+                <a:latin typeface="DM Mono" panose="020B0509040201040103" pitchFamily="49" charset="0"/>
+              </a:rPr>
+              <a:t>{</a:t>
+            </a:r>
+          </a:p>
+          <a:p>
+            <a:r>
+              <a:rPr lang="en" altLang="ko-Kore-KR" sz="1200" dirty="0">
+                <a:solidFill>
+                  <a:srgbClr val="FF0000"/>
+                </a:solidFill>
+                <a:latin typeface="DM Mono" panose="020B0509040201040103" pitchFamily="49" charset="0"/>
+              </a:rPr>
+              <a:t>    Car c1;</a:t>
+            </a:r>
+          </a:p>
+          <a:p>
+            <a:r>
+              <a:rPr lang="en" altLang="ko-Kore-KR" sz="1200" dirty="0">
+                <a:solidFill>
+                  <a:srgbClr val="FF0000"/>
+                </a:solidFill>
+                <a:latin typeface="DM Mono" panose="020B0509040201040103" pitchFamily="49" charset="0"/>
+              </a:rPr>
+              <a:t>    Car c2;</a:t>
+            </a:r>
+            <a:endParaRPr lang="en-US" altLang="ko-Kore-KR" sz="1200" dirty="0">
+              <a:solidFill>
+                <a:srgbClr val="FF0000"/>
+              </a:solidFill>
+              <a:latin typeface="DM Mono" panose="020B0509040201040103" pitchFamily="49" charset="0"/>
+            </a:endParaRPr>
+          </a:p>
+          <a:p>
+            <a:r>
+              <a:rPr lang="en-US" altLang="ko-Kore-KR" sz="1200" dirty="0">
+                <a:latin typeface="DM Mono" panose="020B0509040201040103" pitchFamily="49" charset="0"/>
+              </a:rPr>
+              <a:t>}</a:t>
+            </a:r>
+            <a:endParaRPr lang="ko-Kore-KR" altLang="en-US" sz="1200" dirty="0">
+              <a:latin typeface="DM Mono" panose="020B0509040201040103" pitchFamily="49" charset="0"/>
+            </a:endParaRPr>
+          </a:p>
+        </p:txBody>
+      </p:sp>
+      <p:sp>
+        <p:nvSpPr>
+          <p:cNvPr id="6" name="직사각형 5">
+            <a:extLst>
+              <a:ext uri="{FF2B5EF4-FFF2-40B4-BE49-F238E27FC236}">
+                <a16:creationId xmlns:a16="http://schemas.microsoft.com/office/drawing/2014/main" id="{90EAFDB5-4BF2-013F-48E5-534DCABA59A4}"/>
               </a:ext>
             </a:extLst>
           </p:cNvPr>
@@ -18823,7 +19861,7 @@
         </p:nvSpPr>
         <p:spPr>
           <a:xfrm>
-            <a:off x="7261487" y="4916775"/>
+            <a:off x="9774838" y="1349116"/>
             <a:ext cx="769495" cy="419724"/>
           </a:xfrm>
           <a:prstGeom prst="rect">
@@ -18835,11 +19873,6 @@
               <a:lumOff val="40000"/>
             </a:schemeClr>
           </a:solidFill>
-          <a:ln>
-            <a:solidFill>
-              <a:srgbClr val="FF0000"/>
-            </a:solidFill>
-          </a:ln>
         </p:spPr>
         <p:style>
           <a:lnRef idx="2">
@@ -18869,7 +19902,7 @@
                 </a:solidFill>
                 <a:latin typeface="DM Mono" panose="020B0509040201040103" pitchFamily="49" charset="0"/>
               </a:rPr>
-              <a:t>42</a:t>
+              <a:t>0</a:t>
             </a:r>
             <a:endParaRPr kumimoji="1" lang="ko-Kore-KR" altLang="en-US" sz="1200" dirty="0">
               <a:solidFill>
@@ -18882,10 +19915,10 @@
       </p:sp>
       <p:sp>
         <p:nvSpPr>
-          <p:cNvPr id="11" name="TextBox 10">
-            <a:extLst>
-              <a:ext uri="{FF2B5EF4-FFF2-40B4-BE49-F238E27FC236}">
-                <a16:creationId xmlns:a16="http://schemas.microsoft.com/office/drawing/2014/main" id="{CD781AC7-D447-DC8B-4CC7-5C8FA9DEF990}"/>
+          <p:cNvPr id="7" name="TextBox 6">
+            <a:extLst>
+              <a:ext uri="{FF2B5EF4-FFF2-40B4-BE49-F238E27FC236}">
+                <a16:creationId xmlns:a16="http://schemas.microsoft.com/office/drawing/2014/main" id="{64F42461-1DCC-F2E4-16D8-201B15D0AFFE}"/>
               </a:ext>
             </a:extLst>
           </p:cNvPr>
@@ -18894,8 +19927,8 @@
         </p:nvSpPr>
         <p:spPr>
           <a:xfrm>
-            <a:off x="6675619" y="4995832"/>
-            <a:ext cx="585868" cy="261610"/>
+            <a:off x="8824210" y="1428173"/>
+            <a:ext cx="950628" cy="261610"/>
           </a:xfrm>
           <a:prstGeom prst="rect">
             <a:avLst/>
@@ -18911,12 +19944,15 @@
             <a:pPr algn="r"/>
             <a:r>
               <a:rPr kumimoji="1" lang="en-US" altLang="ko-Kore-KR" sz="1100" dirty="0">
-                <a:solidFill>
-                  <a:schemeClr val="tx1"/>
-                </a:solidFill>
-                <a:latin typeface="DM Mono" panose="020B0509040201040103" pitchFamily="49" charset="0"/>
-              </a:rPr>
-              <a:t>age</a:t>
+                <a:latin typeface="DM Mono" panose="020B0509040201040103" pitchFamily="49" charset="0"/>
+              </a:rPr>
+              <a:t>Car::</a:t>
+            </a:r>
+            <a:r>
+              <a:rPr kumimoji="1" lang="en-US" altLang="ko-Kore-KR" sz="1100" dirty="0" err="1">
+                <a:latin typeface="DM Mono" panose="020B0509040201040103" pitchFamily="49" charset="0"/>
+              </a:rPr>
+              <a:t>cnt</a:t>
             </a:r>
             <a:endParaRPr kumimoji="1" lang="ko-Kore-KR" altLang="en-US" sz="1100" dirty="0">
               <a:solidFill>
@@ -18929,57 +19965,10 @@
       </p:sp>
       <p:sp>
         <p:nvSpPr>
-          <p:cNvPr id="12" name="TextBox 11">
-            <a:extLst>
-              <a:ext uri="{FF2B5EF4-FFF2-40B4-BE49-F238E27FC236}">
-                <a16:creationId xmlns:a16="http://schemas.microsoft.com/office/drawing/2014/main" id="{32C7DE22-336B-08D6-92F4-AEB004179CFE}"/>
-              </a:ext>
-            </a:extLst>
-          </p:cNvPr>
-          <p:cNvSpPr txBox="1"/>
-          <p:nvPr/>
-        </p:nvSpPr>
-        <p:spPr>
-          <a:xfrm>
-            <a:off x="7198714" y="4215521"/>
-            <a:ext cx="895039" cy="261610"/>
-          </a:xfrm>
-          <a:prstGeom prst="rect">
-            <a:avLst/>
-          </a:prstGeom>
-          <a:noFill/>
-        </p:spPr>
-        <p:txBody>
-          <a:bodyPr wrap="square">
-            <a:spAutoFit/>
-          </a:bodyPr>
-          <a:lstStyle/>
-          <a:p>
-            <a:pPr algn="ctr"/>
-            <a:r>
-              <a:rPr kumimoji="1" lang="en-US" altLang="ko-Kore-KR" sz="1100" dirty="0">
-                <a:solidFill>
-                  <a:schemeClr val="tx1"/>
-                </a:solidFill>
-                <a:latin typeface="DM Mono" panose="020B0509040201040103" pitchFamily="49" charset="0"/>
-              </a:rPr>
-              <a:t>user</a:t>
-            </a:r>
-            <a:endParaRPr kumimoji="1" lang="ko-Kore-KR" altLang="en-US" sz="1100" dirty="0">
-              <a:solidFill>
-                <a:schemeClr val="tx1"/>
-              </a:solidFill>
-              <a:latin typeface="DM Mono" panose="020B0509040201040103" pitchFamily="49" charset="0"/>
-            </a:endParaRPr>
-          </a:p>
-        </p:txBody>
-      </p:sp>
-      <p:sp>
-        <p:nvSpPr>
-          <p:cNvPr id="14" name="직사각형 13">
-            <a:extLst>
-              <a:ext uri="{FF2B5EF4-FFF2-40B4-BE49-F238E27FC236}">
-                <a16:creationId xmlns:a16="http://schemas.microsoft.com/office/drawing/2014/main" id="{2282578C-D4EE-EBCA-7553-FA9931C6BB9F}"/>
+          <p:cNvPr id="2" name="직사각형 1">
+            <a:extLst>
+              <a:ext uri="{FF2B5EF4-FFF2-40B4-BE49-F238E27FC236}">
+                <a16:creationId xmlns:a16="http://schemas.microsoft.com/office/drawing/2014/main" id="{E06DA101-531B-154F-B7AB-6D01DEF73D7A}"/>
               </a:ext>
             </a:extLst>
           </p:cNvPr>
@@ -18988,8 +19977,8 @@
         </p:nvSpPr>
         <p:spPr>
           <a:xfrm>
-            <a:off x="9967212" y="2320979"/>
-            <a:ext cx="1110519" cy="342275"/>
+            <a:off x="4483310" y="4576999"/>
+            <a:ext cx="769495" cy="419724"/>
           </a:xfrm>
           <a:prstGeom prst="rect">
             <a:avLst/>
@@ -19000,11 +19989,6 @@
               <a:lumOff val="40000"/>
             </a:schemeClr>
           </a:solidFill>
-          <a:ln>
-            <a:solidFill>
-              <a:srgbClr val="FF0000"/>
-            </a:solidFill>
-          </a:ln>
         </p:spPr>
         <p:style>
           <a:lnRef idx="2">
@@ -19027,15 +20011,6 @@
           <a:lstStyle/>
           <a:p>
             <a:pPr algn="ctr"/>
-            <a:r>
-              <a:rPr kumimoji="1" lang="en-US" altLang="ko-Kore-KR" sz="1200" dirty="0">
-                <a:solidFill>
-                  <a:schemeClr val="tx1"/>
-                </a:solidFill>
-                <a:latin typeface="DM Mono" panose="020B0509040201040103" pitchFamily="49" charset="0"/>
-              </a:rPr>
-              <a:t>“Tom”</a:t>
-            </a:r>
             <a:endParaRPr kumimoji="1" lang="ko-Kore-KR" altLang="en-US" sz="1200" dirty="0">
               <a:solidFill>
                 <a:schemeClr val="tx1"/>
@@ -19045,54 +20020,12 @@
           </a:p>
         </p:txBody>
       </p:sp>
-      <p:cxnSp>
-        <p:nvCxnSpPr>
-          <p:cNvPr id="16" name="구부러진 연결선[U] 15">
-            <a:extLst>
-              <a:ext uri="{FF2B5EF4-FFF2-40B4-BE49-F238E27FC236}">
-                <a16:creationId xmlns:a16="http://schemas.microsoft.com/office/drawing/2014/main" id="{2E0DF4BE-0E64-C1DE-6326-7CBB8CACCB63}"/>
-              </a:ext>
-            </a:extLst>
-          </p:cNvPr>
-          <p:cNvCxnSpPr>
-            <a:stCxn id="7" idx="3"/>
-            <a:endCxn id="14" idx="1"/>
-          </p:cNvCxnSpPr>
-          <p:nvPr/>
-        </p:nvCxnSpPr>
-        <p:spPr>
-          <a:xfrm flipV="1">
-            <a:off x="8030982" y="2492117"/>
-            <a:ext cx="1936230" cy="2214796"/>
-          </a:xfrm>
-          <a:prstGeom prst="curvedConnector3">
-            <a:avLst/>
-          </a:prstGeom>
-          <a:ln>
-            <a:tailEnd type="triangle"/>
-          </a:ln>
-        </p:spPr>
-        <p:style>
-          <a:lnRef idx="1">
-            <a:schemeClr val="dk1"/>
-          </a:lnRef>
-          <a:fillRef idx="0">
-            <a:schemeClr val="dk1"/>
-          </a:fillRef>
-          <a:effectRef idx="0">
-            <a:schemeClr val="dk1"/>
-          </a:effectRef>
-          <a:fontRef idx="minor">
-            <a:schemeClr val="tx1"/>
-          </a:fontRef>
-        </p:style>
-      </p:cxnSp>
-      <p:sp>
-        <p:nvSpPr>
-          <p:cNvPr id="19" name="TextBox 18">
-            <a:extLst>
-              <a:ext uri="{FF2B5EF4-FFF2-40B4-BE49-F238E27FC236}">
-                <a16:creationId xmlns:a16="http://schemas.microsoft.com/office/drawing/2014/main" id="{5C1515B9-160E-0A92-F019-639A67B6991B}"/>
+      <p:sp>
+        <p:nvSpPr>
+          <p:cNvPr id="3" name="TextBox 2">
+            <a:extLst>
+              <a:ext uri="{FF2B5EF4-FFF2-40B4-BE49-F238E27FC236}">
+                <a16:creationId xmlns:a16="http://schemas.microsoft.com/office/drawing/2014/main" id="{8CA5CA60-1644-C71A-49EA-0F0E0D0BD055}"/>
               </a:ext>
             </a:extLst>
           </p:cNvPr>
@@ -19101,8 +20034,8 @@
         </p:nvSpPr>
         <p:spPr>
           <a:xfrm>
-            <a:off x="9503763" y="2059369"/>
-            <a:ext cx="704538" cy="261610"/>
+            <a:off x="3797508" y="4656056"/>
+            <a:ext cx="685802" cy="261610"/>
           </a:xfrm>
           <a:prstGeom prst="rect">
             <a:avLst/>
@@ -19115,25 +20048,75 @@
           </a:bodyPr>
           <a:lstStyle/>
           <a:p>
-            <a:r>
-              <a:rPr kumimoji="1" lang="en-US" altLang="ko-Kore-KR" sz="1050" dirty="0">
+            <a:pPr algn="r"/>
+            <a:r>
+              <a:rPr kumimoji="1" lang="en-US" altLang="ko-Kore-KR" sz="1100" dirty="0">
+                <a:latin typeface="DM Mono" panose="020B0509040201040103" pitchFamily="49" charset="0"/>
+              </a:rPr>
+              <a:t>color</a:t>
+            </a:r>
+            <a:endParaRPr kumimoji="1" lang="ko-Kore-KR" altLang="en-US" sz="1100" dirty="0">
+              <a:solidFill>
+                <a:schemeClr val="tx1"/>
+              </a:solidFill>
+              <a:latin typeface="DM Mono" panose="020B0509040201040103" pitchFamily="49" charset="0"/>
+            </a:endParaRPr>
+          </a:p>
+        </p:txBody>
+      </p:sp>
+      <p:sp>
+        <p:nvSpPr>
+          <p:cNvPr id="4" name="TextBox 3">
+            <a:extLst>
+              <a:ext uri="{FF2B5EF4-FFF2-40B4-BE49-F238E27FC236}">
+                <a16:creationId xmlns:a16="http://schemas.microsoft.com/office/drawing/2014/main" id="{E7E4C454-01CA-E280-609C-A7419657C7F4}"/>
+              </a:ext>
+            </a:extLst>
+          </p:cNvPr>
+          <p:cNvSpPr txBox="1"/>
+          <p:nvPr/>
+        </p:nvSpPr>
+        <p:spPr>
+          <a:xfrm>
+            <a:off x="4420537" y="4295469"/>
+            <a:ext cx="895039" cy="261610"/>
+          </a:xfrm>
+          <a:prstGeom prst="rect">
+            <a:avLst/>
+          </a:prstGeom>
+          <a:noFill/>
+        </p:spPr>
+        <p:txBody>
+          <a:bodyPr wrap="square">
+            <a:spAutoFit/>
+          </a:bodyPr>
+          <a:lstStyle/>
+          <a:p>
+            <a:pPr algn="ctr"/>
+            <a:r>
+              <a:rPr kumimoji="1" lang="en-US" altLang="ko-Kore-KR" sz="1100" dirty="0">
                 <a:solidFill>
                   <a:schemeClr val="tx1"/>
                 </a:solidFill>
                 <a:latin typeface="DM Mono" panose="020B0509040201040103" pitchFamily="49" charset="0"/>
               </a:rPr>
-              <a:t>0x1000</a:t>
-            </a:r>
-            <a:endParaRPr lang="ko-Kore-KR" altLang="en-US" sz="1050" dirty="0"/>
-          </a:p>
-        </p:txBody>
-      </p:sp>
-      <p:sp>
-        <p:nvSpPr>
-          <p:cNvPr id="23" name="직사각형 22">
-            <a:extLst>
-              <a:ext uri="{FF2B5EF4-FFF2-40B4-BE49-F238E27FC236}">
-                <a16:creationId xmlns:a16="http://schemas.microsoft.com/office/drawing/2014/main" id="{4A18D76A-D93E-56A0-E2FE-36C27E67D92F}"/>
+              <a:t>c1</a:t>
+            </a:r>
+            <a:endParaRPr kumimoji="1" lang="ko-Kore-KR" altLang="en-US" sz="1100" dirty="0">
+              <a:solidFill>
+                <a:schemeClr val="tx1"/>
+              </a:solidFill>
+              <a:latin typeface="DM Mono" panose="020B0509040201040103" pitchFamily="49" charset="0"/>
+            </a:endParaRPr>
+          </a:p>
+        </p:txBody>
+      </p:sp>
+      <p:sp>
+        <p:nvSpPr>
+          <p:cNvPr id="8" name="직사각형 7">
+            <a:extLst>
+              <a:ext uri="{FF2B5EF4-FFF2-40B4-BE49-F238E27FC236}">
+                <a16:creationId xmlns:a16="http://schemas.microsoft.com/office/drawing/2014/main" id="{D998B1A7-CA78-65A5-A93F-4ECCE4E2CEBB}"/>
               </a:ext>
             </a:extLst>
           </p:cNvPr>
@@ -19142,7 +20125,7 @@
         </p:nvSpPr>
         <p:spPr>
           <a:xfrm>
-            <a:off x="7261487" y="5336499"/>
+            <a:off x="6096000" y="4557079"/>
             <a:ext cx="769495" cy="419724"/>
           </a:xfrm>
           <a:prstGeom prst="rect">
@@ -19154,11 +20137,6 @@
               <a:lumOff val="40000"/>
             </a:schemeClr>
           </a:solidFill>
-          <a:ln>
-            <a:solidFill>
-              <a:srgbClr val="FF0000"/>
-            </a:solidFill>
-          </a:ln>
         </p:spPr>
         <p:style>
           <a:lnRef idx="2">
@@ -19192,10 +20170,10 @@
       </p:sp>
       <p:sp>
         <p:nvSpPr>
-          <p:cNvPr id="24" name="TextBox 23">
-            <a:extLst>
-              <a:ext uri="{FF2B5EF4-FFF2-40B4-BE49-F238E27FC236}">
-                <a16:creationId xmlns:a16="http://schemas.microsoft.com/office/drawing/2014/main" id="{B4ECBCA6-5D42-5490-08B5-4450482D05DF}"/>
+          <p:cNvPr id="9" name="TextBox 8">
+            <a:extLst>
+              <a:ext uri="{FF2B5EF4-FFF2-40B4-BE49-F238E27FC236}">
+                <a16:creationId xmlns:a16="http://schemas.microsoft.com/office/drawing/2014/main" id="{96E04830-2703-61AE-7F73-A6ACEDCA6A97}"/>
               </a:ext>
             </a:extLst>
           </p:cNvPr>
@@ -19204,8 +20182,8 @@
         </p:nvSpPr>
         <p:spPr>
           <a:xfrm>
-            <a:off x="6675619" y="5415556"/>
-            <a:ext cx="585868" cy="261610"/>
+            <a:off x="5410198" y="4636136"/>
+            <a:ext cx="685802" cy="261610"/>
           </a:xfrm>
           <a:prstGeom prst="rect">
             <a:avLst/>
@@ -19219,6 +20197,50 @@
           <a:lstStyle/>
           <a:p>
             <a:pPr algn="r"/>
+            <a:r>
+              <a:rPr kumimoji="1" lang="en-US" altLang="ko-Kore-KR" sz="1100" dirty="0">
+                <a:latin typeface="DM Mono" panose="020B0509040201040103" pitchFamily="49" charset="0"/>
+              </a:rPr>
+              <a:t>color</a:t>
+            </a:r>
+            <a:endParaRPr kumimoji="1" lang="ko-Kore-KR" altLang="en-US" sz="1100" dirty="0">
+              <a:solidFill>
+                <a:schemeClr val="tx1"/>
+              </a:solidFill>
+              <a:latin typeface="DM Mono" panose="020B0509040201040103" pitchFamily="49" charset="0"/>
+            </a:endParaRPr>
+          </a:p>
+        </p:txBody>
+      </p:sp>
+      <p:sp>
+        <p:nvSpPr>
+          <p:cNvPr id="10" name="TextBox 9">
+            <a:extLst>
+              <a:ext uri="{FF2B5EF4-FFF2-40B4-BE49-F238E27FC236}">
+                <a16:creationId xmlns:a16="http://schemas.microsoft.com/office/drawing/2014/main" id="{3ADFB67B-BB54-DA8C-141D-48F706B2EF91}"/>
+              </a:ext>
+            </a:extLst>
+          </p:cNvPr>
+          <p:cNvSpPr txBox="1"/>
+          <p:nvPr/>
+        </p:nvSpPr>
+        <p:spPr>
+          <a:xfrm>
+            <a:off x="6033227" y="4275549"/>
+            <a:ext cx="895039" cy="261610"/>
+          </a:xfrm>
+          <a:prstGeom prst="rect">
+            <a:avLst/>
+          </a:prstGeom>
+          <a:noFill/>
+        </p:spPr>
+        <p:txBody>
+          <a:bodyPr wrap="square">
+            <a:spAutoFit/>
+          </a:bodyPr>
+          <a:lstStyle/>
+          <a:p>
+            <a:pPr algn="ctr"/>
             <a:r>
               <a:rPr kumimoji="1" lang="en-US" altLang="ko-Kore-KR" sz="1100" dirty="0">
                 <a:solidFill>
@@ -19226,7 +20248,7 @@
                 </a:solidFill>
                 <a:latin typeface="DM Mono" panose="020B0509040201040103" pitchFamily="49" charset="0"/>
               </a:rPr>
-              <a:t>ref</a:t>
+              <a:t>c2</a:t>
             </a:r>
             <a:endParaRPr kumimoji="1" lang="ko-Kore-KR" altLang="en-US" sz="1100" dirty="0">
               <a:solidFill>
@@ -19237,254 +20259,10 @@
           </a:p>
         </p:txBody>
       </p:sp>
-      <p:sp>
-        <p:nvSpPr>
-          <p:cNvPr id="25" name="직사각형 24">
-            <a:extLst>
-              <a:ext uri="{FF2B5EF4-FFF2-40B4-BE49-F238E27FC236}">
-                <a16:creationId xmlns:a16="http://schemas.microsoft.com/office/drawing/2014/main" id="{D78137EB-9AB1-2419-CF91-A8732AF7CA5F}"/>
-              </a:ext>
-            </a:extLst>
-          </p:cNvPr>
-          <p:cNvSpPr/>
-          <p:nvPr/>
-        </p:nvSpPr>
-        <p:spPr>
-          <a:xfrm>
-            <a:off x="10653014" y="3752540"/>
-            <a:ext cx="464691" cy="342275"/>
-          </a:xfrm>
-          <a:prstGeom prst="rect">
-            <a:avLst/>
-          </a:prstGeom>
-          <a:solidFill>
-            <a:schemeClr val="accent4">
-              <a:lumMod val="60000"/>
-              <a:lumOff val="40000"/>
-            </a:schemeClr>
-          </a:solidFill>
-          <a:ln>
-            <a:solidFill>
-              <a:srgbClr val="FF0000"/>
-            </a:solidFill>
-          </a:ln>
-        </p:spPr>
-        <p:style>
-          <a:lnRef idx="2">
-            <a:schemeClr val="accent4">
-              <a:shade val="15000"/>
-            </a:schemeClr>
-          </a:lnRef>
-          <a:fillRef idx="1">
-            <a:schemeClr val="accent4"/>
-          </a:fillRef>
-          <a:effectRef idx="0">
-            <a:schemeClr val="accent4"/>
-          </a:effectRef>
-          <a:fontRef idx="minor">
-            <a:schemeClr val="lt1"/>
-          </a:fontRef>
-        </p:style>
-        <p:txBody>
-          <a:bodyPr rtlCol="0" anchor="ctr"/>
-          <a:lstStyle/>
-          <a:p>
-            <a:pPr algn="ctr"/>
-            <a:r>
-              <a:rPr kumimoji="1" lang="en-US" altLang="ko-Kore-KR" sz="1200" dirty="0">
-                <a:solidFill>
-                  <a:srgbClr val="FF0000"/>
-                </a:solidFill>
-                <a:latin typeface="DM Mono" panose="020B0509040201040103" pitchFamily="49" charset="0"/>
-              </a:rPr>
-              <a:t>0</a:t>
-            </a:r>
-            <a:endParaRPr kumimoji="1" lang="ko-Kore-KR" altLang="en-US" sz="1200" dirty="0">
-              <a:solidFill>
-                <a:srgbClr val="FF0000"/>
-              </a:solidFill>
-              <a:latin typeface="DM Mono" panose="020B0509040201040103" pitchFamily="49" charset="0"/>
-            </a:endParaRPr>
-          </a:p>
-        </p:txBody>
-      </p:sp>
-      <p:cxnSp>
-        <p:nvCxnSpPr>
-          <p:cNvPr id="26" name="구부러진 연결선[U] 25">
-            <a:extLst>
-              <a:ext uri="{FF2B5EF4-FFF2-40B4-BE49-F238E27FC236}">
-                <a16:creationId xmlns:a16="http://schemas.microsoft.com/office/drawing/2014/main" id="{31185740-D738-8494-6675-5BECEAF46E01}"/>
-              </a:ext>
-            </a:extLst>
-          </p:cNvPr>
-          <p:cNvCxnSpPr>
-            <a:cxnSpLocks/>
-            <a:stCxn id="23" idx="3"/>
-            <a:endCxn id="25" idx="1"/>
-          </p:cNvCxnSpPr>
-          <p:nvPr/>
-        </p:nvCxnSpPr>
-        <p:spPr>
-          <a:xfrm flipV="1">
-            <a:off x="8030982" y="3923678"/>
-            <a:ext cx="2622032" cy="1622683"/>
-          </a:xfrm>
-          <a:prstGeom prst="curvedConnector3">
-            <a:avLst/>
-          </a:prstGeom>
-          <a:ln>
-            <a:tailEnd type="triangle"/>
-          </a:ln>
-        </p:spPr>
-        <p:style>
-          <a:lnRef idx="1">
-            <a:schemeClr val="dk1"/>
-          </a:lnRef>
-          <a:fillRef idx="0">
-            <a:schemeClr val="dk1"/>
-          </a:fillRef>
-          <a:effectRef idx="0">
-            <a:schemeClr val="dk1"/>
-          </a:effectRef>
-          <a:fontRef idx="minor">
-            <a:schemeClr val="tx1"/>
-          </a:fontRef>
-        </p:style>
-      </p:cxnSp>
-      <p:sp>
-        <p:nvSpPr>
-          <p:cNvPr id="15" name="TextBox 14">
-            <a:extLst>
-              <a:ext uri="{FF2B5EF4-FFF2-40B4-BE49-F238E27FC236}">
-                <a16:creationId xmlns:a16="http://schemas.microsoft.com/office/drawing/2014/main" id="{EE8EAB89-6FC8-6CB2-3330-192DE5CD7A91}"/>
-              </a:ext>
-            </a:extLst>
-          </p:cNvPr>
-          <p:cNvSpPr txBox="1"/>
-          <p:nvPr/>
-        </p:nvSpPr>
-        <p:spPr>
-          <a:xfrm>
-            <a:off x="366324" y="240002"/>
-            <a:ext cx="6096000" cy="1600438"/>
-          </a:xfrm>
-          <a:prstGeom prst="rect">
-            <a:avLst/>
-          </a:prstGeom>
-          <a:noFill/>
-        </p:spPr>
-        <p:txBody>
-          <a:bodyPr wrap="square">
-            <a:spAutoFit/>
-          </a:bodyPr>
-          <a:lstStyle/>
-          <a:p>
-            <a:r>
-              <a:rPr lang="ko-Kore-KR" altLang="en-US" sz="1400" dirty="0">
-                <a:latin typeface="DM Mono" panose="020B0509040201040103" pitchFamily="49" charset="0"/>
-              </a:rPr>
-              <a:t> </a:t>
-            </a:r>
-            <a:r>
-              <a:rPr lang="en-US" altLang="ko-Kore-KR" sz="1400" dirty="0">
-                <a:latin typeface="DM Mono" panose="020B0509040201040103" pitchFamily="49" charset="0"/>
-              </a:rPr>
-              <a:t>   </a:t>
-            </a:r>
-            <a:r>
-              <a:rPr lang="ko-Kore-KR" altLang="en-US" sz="1400" dirty="0">
-                <a:latin typeface="DM Mono" panose="020B0509040201040103" pitchFamily="49" charset="0"/>
-              </a:rPr>
-              <a:t>~User()</a:t>
-            </a:r>
-          </a:p>
-          <a:p>
-            <a:r>
-              <a:rPr lang="ko-Kore-KR" altLang="en-US" sz="1400" dirty="0">
-                <a:latin typeface="DM Mono" panose="020B0509040201040103" pitchFamily="49" charset="0"/>
-              </a:rPr>
-              <a:t>    {</a:t>
-            </a:r>
-          </a:p>
-          <a:p>
-            <a:r>
-              <a:rPr lang="ko-Kore-KR" altLang="en-US" sz="1400" dirty="0">
-                <a:latin typeface="DM Mono" panose="020B0509040201040103" pitchFamily="49" charset="0"/>
-              </a:rPr>
-              <a:t>        if </a:t>
-            </a:r>
-            <a:r>
-              <a:rPr lang="ko-Kore-KR" altLang="en-US" sz="1400" dirty="0">
-                <a:solidFill>
-                  <a:srgbClr val="FF0000"/>
-                </a:solidFill>
-                <a:latin typeface="DM Mono" panose="020B0509040201040103" pitchFamily="49" charset="0"/>
-              </a:rPr>
-              <a:t>(--(*ref) == 0)</a:t>
-            </a:r>
-            <a:r>
-              <a:rPr lang="ko-Kore-KR" altLang="en-US" sz="1400" dirty="0">
-                <a:latin typeface="DM Mono" panose="020B0509040201040103" pitchFamily="49" charset="0"/>
-              </a:rPr>
-              <a:t> </a:t>
-            </a:r>
-            <a:r>
-              <a:rPr lang="ko-Kore-KR" altLang="en-US" sz="1400" dirty="0">
-                <a:solidFill>
-                  <a:srgbClr val="FF0000"/>
-                </a:solidFill>
-                <a:latin typeface="DM Mono" panose="020B0509040201040103" pitchFamily="49" charset="0"/>
-              </a:rPr>
-              <a:t>{</a:t>
-            </a:r>
-          </a:p>
-          <a:p>
-            <a:r>
-              <a:rPr lang="ko-Kore-KR" altLang="en-US" sz="1400" dirty="0">
-                <a:solidFill>
-                  <a:srgbClr val="FF0000"/>
-                </a:solidFill>
-                <a:latin typeface="DM Mono" panose="020B0509040201040103" pitchFamily="49" charset="0"/>
-              </a:rPr>
-              <a:t>            delete[] name;</a:t>
-            </a:r>
-          </a:p>
-          <a:p>
-            <a:r>
-              <a:rPr lang="ko-Kore-KR" altLang="en-US" sz="1400" dirty="0">
-                <a:solidFill>
-                  <a:srgbClr val="FF0000"/>
-                </a:solidFill>
-                <a:latin typeface="DM Mono" panose="020B0509040201040103" pitchFamily="49" charset="0"/>
-              </a:rPr>
-              <a:t>            delete ref;</a:t>
-            </a:r>
-          </a:p>
-          <a:p>
-            <a:r>
-              <a:rPr lang="ko-Kore-KR" altLang="en-US" sz="1400" dirty="0">
-                <a:solidFill>
-                  <a:srgbClr val="FF0000"/>
-                </a:solidFill>
-                <a:latin typeface="DM Mono" panose="020B0509040201040103" pitchFamily="49" charset="0"/>
-              </a:rPr>
-              <a:t>        }</a:t>
-            </a:r>
-          </a:p>
-          <a:p>
-            <a:r>
-              <a:rPr lang="ko-Kore-KR" altLang="en-US" sz="1400" dirty="0">
-                <a:latin typeface="DM Mono" panose="020B0509040201040103" pitchFamily="49" charset="0"/>
-              </a:rPr>
-              <a:t>    }</a:t>
-            </a:r>
-          </a:p>
-        </p:txBody>
-      </p:sp>
     </p:spTree>
     <p:extLst>
       <p:ext uri="{BB962C8B-B14F-4D97-AF65-F5344CB8AC3E}">
-        <p14:creationId xmlns:p14="http://schemas.microsoft.com/office/powerpoint/2010/main" val="2542177023"/>
+        <p14:creationId xmlns:p14="http://schemas.microsoft.com/office/powerpoint/2010/main" val="865816238"/>
       </p:ext>
     </p:extLst>
   </p:cSld>

--- a/230612.pptx
+++ b/230612.pptx
@@ -29,8 +29,12 @@
     <p:sldId id="277" r:id="rId23"/>
     <p:sldId id="278" r:id="rId24"/>
     <p:sldId id="279" r:id="rId25"/>
-    <p:sldId id="280" r:id="rId26"/>
-    <p:sldId id="281" r:id="rId27"/>
+    <p:sldId id="282" r:id="rId26"/>
+    <p:sldId id="283" r:id="rId27"/>
+    <p:sldId id="280" r:id="rId28"/>
+    <p:sldId id="281" r:id="rId29"/>
+    <p:sldId id="284" r:id="rId30"/>
+    <p:sldId id="285" r:id="rId31"/>
   </p:sldIdLst>
   <p:sldSz cx="12192000" cy="6858000"/>
   <p:notesSz cx="6858000" cy="9144000"/>
@@ -11115,7 +11119,7 @@
             <a:r>
               <a:rPr kumimoji="1" lang="en-US" altLang="ko-Kore-KR" sz="1200" dirty="0">
                 <a:solidFill>
-                  <a:srgbClr val="FF0000"/>
+                  <a:schemeClr val="tx1"/>
                 </a:solidFill>
                 <a:latin typeface="DM Mono" panose="020B0509040201040103" pitchFamily="49" charset="0"/>
               </a:rPr>
@@ -11123,7 +11127,7 @@
             </a:r>
             <a:endParaRPr kumimoji="1" lang="ko-Kore-KR" altLang="en-US" sz="1200" dirty="0">
               <a:solidFill>
-                <a:srgbClr val="FF0000"/>
+                <a:schemeClr val="tx1"/>
               </a:solidFill>
               <a:latin typeface="DM Mono" panose="020B0509040201040103" pitchFamily="49" charset="0"/>
             </a:endParaRPr>
@@ -19324,195 +19328,10 @@
       </p:grpSpPr>
       <p:sp>
         <p:nvSpPr>
-          <p:cNvPr id="5" name="TextBox 4">
-            <a:extLst>
-              <a:ext uri="{FF2B5EF4-FFF2-40B4-BE49-F238E27FC236}">
-                <a16:creationId xmlns:a16="http://schemas.microsoft.com/office/drawing/2014/main" id="{30A4A4E1-78DD-C0E4-84BC-7140EEB81421}"/>
-              </a:ext>
-            </a:extLst>
-          </p:cNvPr>
-          <p:cNvSpPr txBox="1"/>
-          <p:nvPr/>
-        </p:nvSpPr>
-        <p:spPr>
-          <a:xfrm>
-            <a:off x="504669" y="320189"/>
-            <a:ext cx="6096000" cy="3416320"/>
-          </a:xfrm>
-          <a:prstGeom prst="rect">
-            <a:avLst/>
-          </a:prstGeom>
-          <a:noFill/>
-        </p:spPr>
-        <p:txBody>
-          <a:bodyPr wrap="square">
-            <a:spAutoFit/>
-          </a:bodyPr>
-          <a:lstStyle/>
-          <a:p>
-            <a:r>
-              <a:rPr lang="ko-Kore-KR" altLang="en-US" sz="1200" dirty="0">
-                <a:latin typeface="DM Mono" panose="020B0509040201040103" pitchFamily="49" charset="0"/>
-              </a:rPr>
-              <a:t>class Car {</a:t>
-            </a:r>
-          </a:p>
-          <a:p>
-            <a:r>
-              <a:rPr lang="ko-Kore-KR" altLang="en-US" sz="1200" dirty="0">
-                <a:latin typeface="DM Mono" panose="020B0509040201040103" pitchFamily="49" charset="0"/>
-              </a:rPr>
-              <a:t>private:</a:t>
-            </a:r>
-          </a:p>
-          <a:p>
-            <a:r>
-              <a:rPr lang="ko-Kore-KR" altLang="en-US" sz="1200" dirty="0">
-                <a:latin typeface="DM Mono" panose="020B0509040201040103" pitchFamily="49" charset="0"/>
-              </a:rPr>
-              <a:t>    int color;</a:t>
-            </a:r>
-          </a:p>
-          <a:p>
-            <a:endParaRPr lang="ko-Kore-KR" altLang="en-US" sz="1200" dirty="0">
-              <a:latin typeface="DM Mono" panose="020B0509040201040103" pitchFamily="49" charset="0"/>
-            </a:endParaRPr>
-          </a:p>
-          <a:p>
-            <a:r>
-              <a:rPr lang="ko-Kore-KR" altLang="en-US" sz="1200" dirty="0">
-                <a:latin typeface="DM Mono" panose="020B0509040201040103" pitchFamily="49" charset="0"/>
-              </a:rPr>
-              <a:t>public:</a:t>
-            </a:r>
-          </a:p>
-          <a:p>
-            <a:r>
-              <a:rPr lang="ko-Kore-KR" altLang="en-US" sz="1200" dirty="0">
-                <a:latin typeface="DM Mono" panose="020B0509040201040103" pitchFamily="49" charset="0"/>
-              </a:rPr>
-              <a:t>    static int cnt; </a:t>
-            </a:r>
-            <a:endParaRPr lang="en-US" altLang="ko-Kore-KR" sz="1200" dirty="0">
-              <a:latin typeface="DM Mono" panose="020B0509040201040103" pitchFamily="49" charset="0"/>
-            </a:endParaRPr>
-          </a:p>
-          <a:p>
-            <a:endParaRPr lang="ko-Kore-KR" altLang="en-US" sz="1200" dirty="0">
-              <a:latin typeface="DM Mono" panose="020B0509040201040103" pitchFamily="49" charset="0"/>
-            </a:endParaRPr>
-          </a:p>
-          <a:p>
-            <a:r>
-              <a:rPr lang="ko-Kore-KR" altLang="en-US" sz="1200" dirty="0">
-                <a:latin typeface="DM Mono" panose="020B0509040201040103" pitchFamily="49" charset="0"/>
-              </a:rPr>
-              <a:t>    Car() { cnt++; }</a:t>
-            </a:r>
-          </a:p>
-          <a:p>
-            <a:r>
-              <a:rPr lang="ko-Kore-KR" altLang="en-US" sz="1200" dirty="0">
-                <a:latin typeface="DM Mono" panose="020B0509040201040103" pitchFamily="49" charset="0"/>
-              </a:rPr>
-              <a:t>    ~Car() { cnt--; }</a:t>
-            </a:r>
-          </a:p>
-          <a:p>
-            <a:r>
-              <a:rPr lang="ko-Kore-KR" altLang="en-US" sz="1200" dirty="0">
-                <a:latin typeface="DM Mono" panose="020B0509040201040103" pitchFamily="49" charset="0"/>
-              </a:rPr>
-              <a:t>};</a:t>
-            </a:r>
-            <a:endParaRPr lang="en-US" altLang="ko-Kore-KR" sz="1200" dirty="0">
-              <a:latin typeface="DM Mono" panose="020B0509040201040103" pitchFamily="49" charset="0"/>
-            </a:endParaRPr>
-          </a:p>
-          <a:p>
-            <a:endParaRPr lang="en-US" altLang="ko-Kore-KR" sz="1200" dirty="0">
-              <a:latin typeface="DM Mono" panose="020B0509040201040103" pitchFamily="49" charset="0"/>
-            </a:endParaRPr>
-          </a:p>
-          <a:p>
-            <a:r>
-              <a:rPr lang="en-US" altLang="ko-Kore-KR" sz="1200" dirty="0">
-                <a:latin typeface="DM Mono" panose="020B0509040201040103" pitchFamily="49" charset="0"/>
-              </a:rPr>
-              <a:t>int Car::</a:t>
-            </a:r>
-            <a:r>
-              <a:rPr lang="en-US" altLang="ko-Kore-KR" sz="1200" dirty="0" err="1">
-                <a:latin typeface="DM Mono" panose="020B0509040201040103" pitchFamily="49" charset="0"/>
-              </a:rPr>
-              <a:t>cnt</a:t>
-            </a:r>
-            <a:r>
-              <a:rPr lang="en-US" altLang="ko-Kore-KR" sz="1200" dirty="0">
-                <a:latin typeface="DM Mono" panose="020B0509040201040103" pitchFamily="49" charset="0"/>
-              </a:rPr>
-              <a:t> = 0;</a:t>
-            </a:r>
-          </a:p>
-          <a:p>
-            <a:endParaRPr lang="en-US" altLang="ko-Kore-KR" sz="1200" dirty="0">
-              <a:latin typeface="DM Mono" panose="020B0509040201040103" pitchFamily="49" charset="0"/>
-            </a:endParaRPr>
-          </a:p>
-          <a:p>
-            <a:r>
-              <a:rPr lang="en" altLang="ko-Kore-KR" sz="1200" dirty="0">
-                <a:latin typeface="DM Mono" panose="020B0509040201040103" pitchFamily="49" charset="0"/>
-              </a:rPr>
-              <a:t>int main()</a:t>
-            </a:r>
-          </a:p>
-          <a:p>
-            <a:r>
-              <a:rPr lang="en" altLang="ko-Kore-KR" sz="1200" dirty="0">
-                <a:latin typeface="DM Mono" panose="020B0509040201040103" pitchFamily="49" charset="0"/>
-              </a:rPr>
-              <a:t>{</a:t>
-            </a:r>
-          </a:p>
-          <a:p>
-            <a:r>
-              <a:rPr lang="en" altLang="ko-Kore-KR" sz="1200" dirty="0">
-                <a:latin typeface="DM Mono" panose="020B0509040201040103" pitchFamily="49" charset="0"/>
-              </a:rPr>
-              <a:t>    Car c1;</a:t>
-            </a:r>
-          </a:p>
-          <a:p>
-            <a:r>
-              <a:rPr lang="en" altLang="ko-Kore-KR" sz="1200" dirty="0">
-                <a:latin typeface="DM Mono" panose="020B0509040201040103" pitchFamily="49" charset="0"/>
-              </a:rPr>
-              <a:t>    Car c2;</a:t>
-            </a:r>
-            <a:endParaRPr lang="en-US" altLang="ko-Kore-KR" sz="1200" dirty="0">
-              <a:latin typeface="DM Mono" panose="020B0509040201040103" pitchFamily="49" charset="0"/>
-            </a:endParaRPr>
-          </a:p>
-          <a:p>
-            <a:r>
-              <a:rPr lang="en-US" altLang="ko-Kore-KR" sz="1200" dirty="0">
-                <a:latin typeface="DM Mono" panose="020B0509040201040103" pitchFamily="49" charset="0"/>
-              </a:rPr>
-              <a:t>}</a:t>
-            </a:r>
-            <a:endParaRPr lang="ko-Kore-KR" altLang="en-US" sz="1200" dirty="0">
-              <a:latin typeface="DM Mono" panose="020B0509040201040103" pitchFamily="49" charset="0"/>
-            </a:endParaRPr>
-          </a:p>
-        </p:txBody>
-      </p:sp>
-      <p:sp>
-        <p:nvSpPr>
-          <p:cNvPr id="6" name="직사각형 5">
-            <a:extLst>
-              <a:ext uri="{FF2B5EF4-FFF2-40B4-BE49-F238E27FC236}">
-                <a16:creationId xmlns:a16="http://schemas.microsoft.com/office/drawing/2014/main" id="{90EAFDB5-4BF2-013F-48E5-534DCABA59A4}"/>
+          <p:cNvPr id="7" name="직사각형 6">
+            <a:extLst>
+              <a:ext uri="{FF2B5EF4-FFF2-40B4-BE49-F238E27FC236}">
+                <a16:creationId xmlns:a16="http://schemas.microsoft.com/office/drawing/2014/main" id="{31CCB710-0121-1DC8-86D7-67AEA020399A}"/>
               </a:ext>
             </a:extLst>
           </p:cNvPr>
@@ -19521,7 +19340,7 @@
         </p:nvSpPr>
         <p:spPr>
           <a:xfrm>
-            <a:off x="9774838" y="1349116"/>
+            <a:off x="5547612" y="3762531"/>
             <a:ext cx="769495" cy="419724"/>
           </a:xfrm>
           <a:prstGeom prst="rect">
@@ -19562,7 +19381,7 @@
                 </a:solidFill>
                 <a:latin typeface="DM Mono" panose="020B0509040201040103" pitchFamily="49" charset="0"/>
               </a:rPr>
-              <a:t>0</a:t>
+              <a:t>0x1000</a:t>
             </a:r>
             <a:endParaRPr kumimoji="1" lang="ko-Kore-KR" altLang="en-US" sz="1200" dirty="0">
               <a:solidFill>
@@ -19575,10 +19394,10 @@
       </p:sp>
       <p:sp>
         <p:nvSpPr>
-          <p:cNvPr id="7" name="TextBox 6">
-            <a:extLst>
-              <a:ext uri="{FF2B5EF4-FFF2-40B4-BE49-F238E27FC236}">
-                <a16:creationId xmlns:a16="http://schemas.microsoft.com/office/drawing/2014/main" id="{64F42461-1DCC-F2E4-16D8-201B15D0AFFE}"/>
+          <p:cNvPr id="8" name="TextBox 7">
+            <a:extLst>
+              <a:ext uri="{FF2B5EF4-FFF2-40B4-BE49-F238E27FC236}">
+                <a16:creationId xmlns:a16="http://schemas.microsoft.com/office/drawing/2014/main" id="{0E51DEEF-5480-C48B-053D-43D22F6A7663}"/>
               </a:ext>
             </a:extLst>
           </p:cNvPr>
@@ -19587,8 +19406,8 @@
         </p:nvSpPr>
         <p:spPr>
           <a:xfrm>
-            <a:off x="8824210" y="1428173"/>
-            <a:ext cx="950628" cy="261610"/>
+            <a:off x="4861810" y="3841588"/>
+            <a:ext cx="685802" cy="261610"/>
           </a:xfrm>
           <a:prstGeom prst="rect">
             <a:avLst/>
@@ -19606,13 +19425,7 @@
               <a:rPr kumimoji="1" lang="en-US" altLang="ko-Kore-KR" sz="1100" dirty="0">
                 <a:latin typeface="DM Mono" panose="020B0509040201040103" pitchFamily="49" charset="0"/>
               </a:rPr>
-              <a:t>Car::</a:t>
-            </a:r>
-            <a:r>
-              <a:rPr kumimoji="1" lang="en-US" altLang="ko-Kore-KR" sz="1100" dirty="0" err="1">
-                <a:latin typeface="DM Mono" panose="020B0509040201040103" pitchFamily="49" charset="0"/>
-              </a:rPr>
-              <a:t>cnt</a:t>
+              <a:t>name</a:t>
             </a:r>
             <a:endParaRPr kumimoji="1" lang="ko-Kore-KR" altLang="en-US" sz="1100" dirty="0">
               <a:solidFill>
@@ -19623,10 +19436,643 @@
           </a:p>
         </p:txBody>
       </p:sp>
+      <p:sp>
+        <p:nvSpPr>
+          <p:cNvPr id="10" name="직사각형 9">
+            <a:extLst>
+              <a:ext uri="{FF2B5EF4-FFF2-40B4-BE49-F238E27FC236}">
+                <a16:creationId xmlns:a16="http://schemas.microsoft.com/office/drawing/2014/main" id="{FA835144-65A9-5595-9B94-37E2A8886E68}"/>
+              </a:ext>
+            </a:extLst>
+          </p:cNvPr>
+          <p:cNvSpPr/>
+          <p:nvPr/>
+        </p:nvSpPr>
+        <p:spPr>
+          <a:xfrm>
+            <a:off x="5547612" y="4182255"/>
+            <a:ext cx="769495" cy="419724"/>
+          </a:xfrm>
+          <a:prstGeom prst="rect">
+            <a:avLst/>
+          </a:prstGeom>
+          <a:solidFill>
+            <a:schemeClr val="accent4">
+              <a:lumMod val="60000"/>
+              <a:lumOff val="40000"/>
+            </a:schemeClr>
+          </a:solidFill>
+        </p:spPr>
+        <p:style>
+          <a:lnRef idx="2">
+            <a:schemeClr val="accent4">
+              <a:shade val="15000"/>
+            </a:schemeClr>
+          </a:lnRef>
+          <a:fillRef idx="1">
+            <a:schemeClr val="accent4"/>
+          </a:fillRef>
+          <a:effectRef idx="0">
+            <a:schemeClr val="accent4"/>
+          </a:effectRef>
+          <a:fontRef idx="minor">
+            <a:schemeClr val="lt1"/>
+          </a:fontRef>
+        </p:style>
+        <p:txBody>
+          <a:bodyPr rtlCol="0" anchor="ctr"/>
+          <a:lstStyle/>
+          <a:p>
+            <a:pPr algn="ctr"/>
+            <a:r>
+              <a:rPr kumimoji="1" lang="en-US" altLang="ko-Kore-KR" sz="1200" dirty="0">
+                <a:solidFill>
+                  <a:schemeClr val="tx1"/>
+                </a:solidFill>
+                <a:latin typeface="DM Mono" panose="020B0509040201040103" pitchFamily="49" charset="0"/>
+              </a:rPr>
+              <a:t>42</a:t>
+            </a:r>
+            <a:endParaRPr kumimoji="1" lang="ko-Kore-KR" altLang="en-US" sz="1200" dirty="0">
+              <a:solidFill>
+                <a:schemeClr val="tx1"/>
+              </a:solidFill>
+              <a:latin typeface="DM Mono" panose="020B0509040201040103" pitchFamily="49" charset="0"/>
+            </a:endParaRPr>
+          </a:p>
+        </p:txBody>
+      </p:sp>
+      <p:sp>
+        <p:nvSpPr>
+          <p:cNvPr id="11" name="TextBox 10">
+            <a:extLst>
+              <a:ext uri="{FF2B5EF4-FFF2-40B4-BE49-F238E27FC236}">
+                <a16:creationId xmlns:a16="http://schemas.microsoft.com/office/drawing/2014/main" id="{CD781AC7-D447-DC8B-4CC7-5C8FA9DEF990}"/>
+              </a:ext>
+            </a:extLst>
+          </p:cNvPr>
+          <p:cNvSpPr txBox="1"/>
+          <p:nvPr/>
+        </p:nvSpPr>
+        <p:spPr>
+          <a:xfrm>
+            <a:off x="4961744" y="4261312"/>
+            <a:ext cx="585868" cy="261610"/>
+          </a:xfrm>
+          <a:prstGeom prst="rect">
+            <a:avLst/>
+          </a:prstGeom>
+          <a:noFill/>
+        </p:spPr>
+        <p:txBody>
+          <a:bodyPr wrap="square">
+            <a:spAutoFit/>
+          </a:bodyPr>
+          <a:lstStyle/>
+          <a:p>
+            <a:pPr algn="r"/>
+            <a:r>
+              <a:rPr kumimoji="1" lang="en-US" altLang="ko-Kore-KR" sz="1100" dirty="0">
+                <a:solidFill>
+                  <a:schemeClr val="tx1"/>
+                </a:solidFill>
+                <a:latin typeface="DM Mono" panose="020B0509040201040103" pitchFamily="49" charset="0"/>
+              </a:rPr>
+              <a:t>age</a:t>
+            </a:r>
+            <a:endParaRPr kumimoji="1" lang="ko-Kore-KR" altLang="en-US" sz="1100" dirty="0">
+              <a:solidFill>
+                <a:schemeClr val="tx1"/>
+              </a:solidFill>
+              <a:latin typeface="DM Mono" panose="020B0509040201040103" pitchFamily="49" charset="0"/>
+            </a:endParaRPr>
+          </a:p>
+        </p:txBody>
+      </p:sp>
+      <p:sp>
+        <p:nvSpPr>
+          <p:cNvPr id="12" name="TextBox 11">
+            <a:extLst>
+              <a:ext uri="{FF2B5EF4-FFF2-40B4-BE49-F238E27FC236}">
+                <a16:creationId xmlns:a16="http://schemas.microsoft.com/office/drawing/2014/main" id="{32C7DE22-336B-08D6-92F4-AEB004179CFE}"/>
+              </a:ext>
+            </a:extLst>
+          </p:cNvPr>
+          <p:cNvSpPr txBox="1"/>
+          <p:nvPr/>
+        </p:nvSpPr>
+        <p:spPr>
+          <a:xfrm>
+            <a:off x="5484839" y="3481001"/>
+            <a:ext cx="895039" cy="261610"/>
+          </a:xfrm>
+          <a:prstGeom prst="rect">
+            <a:avLst/>
+          </a:prstGeom>
+          <a:noFill/>
+        </p:spPr>
+        <p:txBody>
+          <a:bodyPr wrap="square">
+            <a:spAutoFit/>
+          </a:bodyPr>
+          <a:lstStyle/>
+          <a:p>
+            <a:pPr algn="ctr"/>
+            <a:r>
+              <a:rPr kumimoji="1" lang="ko-Kore-KR" altLang="en-US" sz="1100" dirty="0">
+                <a:latin typeface="DM Mono" panose="020B0509040201040103" pitchFamily="49" charset="0"/>
+              </a:rPr>
+              <a:t>임시객체</a:t>
+            </a:r>
+            <a:endParaRPr kumimoji="1" lang="ko-Kore-KR" altLang="en-US" sz="1100" dirty="0">
+              <a:solidFill>
+                <a:schemeClr val="tx1"/>
+              </a:solidFill>
+              <a:latin typeface="DM Mono" panose="020B0509040201040103" pitchFamily="49" charset="0"/>
+            </a:endParaRPr>
+          </a:p>
+        </p:txBody>
+      </p:sp>
+      <p:sp>
+        <p:nvSpPr>
+          <p:cNvPr id="14" name="직사각형 13">
+            <a:extLst>
+              <a:ext uri="{FF2B5EF4-FFF2-40B4-BE49-F238E27FC236}">
+                <a16:creationId xmlns:a16="http://schemas.microsoft.com/office/drawing/2014/main" id="{2282578C-D4EE-EBCA-7553-FA9931C6BB9F}"/>
+              </a:ext>
+            </a:extLst>
+          </p:cNvPr>
+          <p:cNvSpPr/>
+          <p:nvPr/>
+        </p:nvSpPr>
+        <p:spPr>
+          <a:xfrm>
+            <a:off x="9592458" y="3429000"/>
+            <a:ext cx="1110519" cy="342275"/>
+          </a:xfrm>
+          <a:prstGeom prst="rect">
+            <a:avLst/>
+          </a:prstGeom>
+          <a:solidFill>
+            <a:schemeClr val="accent4">
+              <a:lumMod val="60000"/>
+              <a:lumOff val="40000"/>
+            </a:schemeClr>
+          </a:solidFill>
+        </p:spPr>
+        <p:style>
+          <a:lnRef idx="2">
+            <a:schemeClr val="accent4">
+              <a:shade val="15000"/>
+            </a:schemeClr>
+          </a:lnRef>
+          <a:fillRef idx="1">
+            <a:schemeClr val="accent4"/>
+          </a:fillRef>
+          <a:effectRef idx="0">
+            <a:schemeClr val="accent4"/>
+          </a:effectRef>
+          <a:fontRef idx="minor">
+            <a:schemeClr val="lt1"/>
+          </a:fontRef>
+        </p:style>
+        <p:txBody>
+          <a:bodyPr rtlCol="0" anchor="ctr"/>
+          <a:lstStyle/>
+          <a:p>
+            <a:pPr algn="ctr"/>
+            <a:r>
+              <a:rPr kumimoji="1" lang="en-US" altLang="ko-Kore-KR" sz="1200" dirty="0">
+                <a:solidFill>
+                  <a:schemeClr val="tx1"/>
+                </a:solidFill>
+                <a:latin typeface="DM Mono" panose="020B0509040201040103" pitchFamily="49" charset="0"/>
+              </a:rPr>
+              <a:t>“Tom”</a:t>
+            </a:r>
+            <a:endParaRPr kumimoji="1" lang="ko-Kore-KR" altLang="en-US" sz="1200" dirty="0">
+              <a:solidFill>
+                <a:schemeClr val="tx1"/>
+              </a:solidFill>
+              <a:latin typeface="DM Mono" panose="020B0509040201040103" pitchFamily="49" charset="0"/>
+            </a:endParaRPr>
+          </a:p>
+        </p:txBody>
+      </p:sp>
+      <p:cxnSp>
+        <p:nvCxnSpPr>
+          <p:cNvPr id="16" name="구부러진 연결선[U] 15">
+            <a:extLst>
+              <a:ext uri="{FF2B5EF4-FFF2-40B4-BE49-F238E27FC236}">
+                <a16:creationId xmlns:a16="http://schemas.microsoft.com/office/drawing/2014/main" id="{2E0DF4BE-0E64-C1DE-6326-7CBB8CACCB63}"/>
+              </a:ext>
+            </a:extLst>
+          </p:cNvPr>
+          <p:cNvCxnSpPr>
+            <a:cxnSpLocks/>
+            <a:stCxn id="7" idx="3"/>
+            <a:endCxn id="14" idx="1"/>
+          </p:cNvCxnSpPr>
+          <p:nvPr/>
+        </p:nvCxnSpPr>
+        <p:spPr>
+          <a:xfrm flipV="1">
+            <a:off x="6317107" y="3600138"/>
+            <a:ext cx="3275351" cy="372255"/>
+          </a:xfrm>
+          <a:prstGeom prst="curvedConnector3">
+            <a:avLst/>
+          </a:prstGeom>
+          <a:ln>
+            <a:tailEnd type="triangle"/>
+          </a:ln>
+        </p:spPr>
+        <p:style>
+          <a:lnRef idx="1">
+            <a:schemeClr val="dk1"/>
+          </a:lnRef>
+          <a:fillRef idx="0">
+            <a:schemeClr val="dk1"/>
+          </a:fillRef>
+          <a:effectRef idx="0">
+            <a:schemeClr val="dk1"/>
+          </a:effectRef>
+          <a:fontRef idx="minor">
+            <a:schemeClr val="tx1"/>
+          </a:fontRef>
+        </p:style>
+      </p:cxnSp>
+      <p:sp>
+        <p:nvSpPr>
+          <p:cNvPr id="19" name="TextBox 18">
+            <a:extLst>
+              <a:ext uri="{FF2B5EF4-FFF2-40B4-BE49-F238E27FC236}">
+                <a16:creationId xmlns:a16="http://schemas.microsoft.com/office/drawing/2014/main" id="{5C1515B9-160E-0A92-F019-639A67B6991B}"/>
+              </a:ext>
+            </a:extLst>
+          </p:cNvPr>
+          <p:cNvSpPr txBox="1"/>
+          <p:nvPr/>
+        </p:nvSpPr>
+        <p:spPr>
+          <a:xfrm>
+            <a:off x="9129009" y="3167390"/>
+            <a:ext cx="704538" cy="261610"/>
+          </a:xfrm>
+          <a:prstGeom prst="rect">
+            <a:avLst/>
+          </a:prstGeom>
+          <a:noFill/>
+        </p:spPr>
+        <p:txBody>
+          <a:bodyPr wrap="square">
+            <a:spAutoFit/>
+          </a:bodyPr>
+          <a:lstStyle/>
+          <a:p>
+            <a:r>
+              <a:rPr kumimoji="1" lang="en-US" altLang="ko-Kore-KR" sz="1050" dirty="0">
+                <a:solidFill>
+                  <a:schemeClr val="tx1"/>
+                </a:solidFill>
+                <a:latin typeface="DM Mono" panose="020B0509040201040103" pitchFamily="49" charset="0"/>
+              </a:rPr>
+              <a:t>0x1000</a:t>
+            </a:r>
+            <a:endParaRPr lang="ko-Kore-KR" altLang="en-US" sz="1050" dirty="0"/>
+          </a:p>
+        </p:txBody>
+      </p:sp>
+      <p:sp>
+        <p:nvSpPr>
+          <p:cNvPr id="2" name="직사각형 1">
+            <a:extLst>
+              <a:ext uri="{FF2B5EF4-FFF2-40B4-BE49-F238E27FC236}">
+                <a16:creationId xmlns:a16="http://schemas.microsoft.com/office/drawing/2014/main" id="{FED75449-E51C-50C6-1BEA-2208689E225C}"/>
+              </a:ext>
+            </a:extLst>
+          </p:cNvPr>
+          <p:cNvSpPr/>
+          <p:nvPr/>
+        </p:nvSpPr>
+        <p:spPr>
+          <a:xfrm>
+            <a:off x="5516226" y="1566472"/>
+            <a:ext cx="769495" cy="419724"/>
+          </a:xfrm>
+          <a:prstGeom prst="rect">
+            <a:avLst/>
+          </a:prstGeom>
+          <a:solidFill>
+            <a:schemeClr val="accent4">
+              <a:lumMod val="60000"/>
+              <a:lumOff val="40000"/>
+            </a:schemeClr>
+          </a:solidFill>
+        </p:spPr>
+        <p:style>
+          <a:lnRef idx="2">
+            <a:schemeClr val="accent4">
+              <a:shade val="15000"/>
+            </a:schemeClr>
+          </a:lnRef>
+          <a:fillRef idx="1">
+            <a:schemeClr val="accent4"/>
+          </a:fillRef>
+          <a:effectRef idx="0">
+            <a:schemeClr val="accent4"/>
+          </a:effectRef>
+          <a:fontRef idx="minor">
+            <a:schemeClr val="lt1"/>
+          </a:fontRef>
+        </p:style>
+        <p:txBody>
+          <a:bodyPr rtlCol="0" anchor="ctr"/>
+          <a:lstStyle/>
+          <a:p>
+            <a:pPr algn="ctr"/>
+            <a:r>
+              <a:rPr kumimoji="1" lang="en-US" altLang="ko-Kore-KR" sz="1200" dirty="0">
+                <a:solidFill>
+                  <a:schemeClr val="tx1"/>
+                </a:solidFill>
+                <a:latin typeface="DM Mono" panose="020B0509040201040103" pitchFamily="49" charset="0"/>
+              </a:rPr>
+              <a:t>0x2000</a:t>
+            </a:r>
+            <a:endParaRPr kumimoji="1" lang="ko-Kore-KR" altLang="en-US" sz="1200" dirty="0">
+              <a:solidFill>
+                <a:schemeClr val="tx1"/>
+              </a:solidFill>
+              <a:latin typeface="DM Mono" panose="020B0509040201040103" pitchFamily="49" charset="0"/>
+            </a:endParaRPr>
+          </a:p>
+        </p:txBody>
+      </p:sp>
+      <p:sp>
+        <p:nvSpPr>
+          <p:cNvPr id="3" name="직사각형 2">
+            <a:extLst>
+              <a:ext uri="{FF2B5EF4-FFF2-40B4-BE49-F238E27FC236}">
+                <a16:creationId xmlns:a16="http://schemas.microsoft.com/office/drawing/2014/main" id="{8E63E8D1-3C64-57FA-34D0-F89D266BD751}"/>
+              </a:ext>
+            </a:extLst>
+          </p:cNvPr>
+          <p:cNvSpPr/>
+          <p:nvPr/>
+        </p:nvSpPr>
+        <p:spPr>
+          <a:xfrm>
+            <a:off x="5516226" y="1986196"/>
+            <a:ext cx="769495" cy="419724"/>
+          </a:xfrm>
+          <a:prstGeom prst="rect">
+            <a:avLst/>
+          </a:prstGeom>
+          <a:solidFill>
+            <a:schemeClr val="accent4">
+              <a:lumMod val="60000"/>
+              <a:lumOff val="40000"/>
+            </a:schemeClr>
+          </a:solidFill>
+        </p:spPr>
+        <p:style>
+          <a:lnRef idx="2">
+            <a:schemeClr val="accent4">
+              <a:shade val="15000"/>
+            </a:schemeClr>
+          </a:lnRef>
+          <a:fillRef idx="1">
+            <a:schemeClr val="accent4"/>
+          </a:fillRef>
+          <a:effectRef idx="0">
+            <a:schemeClr val="accent4"/>
+          </a:effectRef>
+          <a:fontRef idx="minor">
+            <a:schemeClr val="lt1"/>
+          </a:fontRef>
+        </p:style>
+        <p:txBody>
+          <a:bodyPr rtlCol="0" anchor="ctr"/>
+          <a:lstStyle/>
+          <a:p>
+            <a:pPr algn="ctr"/>
+            <a:r>
+              <a:rPr kumimoji="1" lang="en-US" altLang="ko-Kore-KR" sz="1200" dirty="0">
+                <a:solidFill>
+                  <a:schemeClr val="tx1"/>
+                </a:solidFill>
+                <a:latin typeface="DM Mono" panose="020B0509040201040103" pitchFamily="49" charset="0"/>
+              </a:rPr>
+              <a:t>42</a:t>
+            </a:r>
+            <a:endParaRPr kumimoji="1" lang="ko-Kore-KR" altLang="en-US" sz="1200" dirty="0">
+              <a:solidFill>
+                <a:schemeClr val="tx1"/>
+              </a:solidFill>
+              <a:latin typeface="DM Mono" panose="020B0509040201040103" pitchFamily="49" charset="0"/>
+            </a:endParaRPr>
+          </a:p>
+        </p:txBody>
+      </p:sp>
+      <p:sp>
+        <p:nvSpPr>
+          <p:cNvPr id="4" name="TextBox 3">
+            <a:extLst>
+              <a:ext uri="{FF2B5EF4-FFF2-40B4-BE49-F238E27FC236}">
+                <a16:creationId xmlns:a16="http://schemas.microsoft.com/office/drawing/2014/main" id="{5F2970CB-BE63-0ABA-A1A6-988D704C94D0}"/>
+              </a:ext>
+            </a:extLst>
+          </p:cNvPr>
+          <p:cNvSpPr txBox="1"/>
+          <p:nvPr/>
+        </p:nvSpPr>
+        <p:spPr>
+          <a:xfrm>
+            <a:off x="5453453" y="1323973"/>
+            <a:ext cx="895039" cy="261610"/>
+          </a:xfrm>
+          <a:prstGeom prst="rect">
+            <a:avLst/>
+          </a:prstGeom>
+          <a:noFill/>
+        </p:spPr>
+        <p:txBody>
+          <a:bodyPr wrap="square">
+            <a:spAutoFit/>
+          </a:bodyPr>
+          <a:lstStyle/>
+          <a:p>
+            <a:pPr algn="ctr"/>
+            <a:r>
+              <a:rPr kumimoji="1" lang="en-US" altLang="ko-Kore-KR" sz="1100" dirty="0">
+                <a:latin typeface="DM Mono" panose="020B0509040201040103" pitchFamily="49" charset="0"/>
+              </a:rPr>
+              <a:t>other</a:t>
+            </a:r>
+            <a:endParaRPr kumimoji="1" lang="ko-Kore-KR" altLang="en-US" sz="1100" dirty="0">
+              <a:solidFill>
+                <a:schemeClr val="tx1"/>
+              </a:solidFill>
+              <a:latin typeface="DM Mono" panose="020B0509040201040103" pitchFamily="49" charset="0"/>
+            </a:endParaRPr>
+          </a:p>
+        </p:txBody>
+      </p:sp>
+      <p:sp>
+        <p:nvSpPr>
+          <p:cNvPr id="9" name="직사각형 8">
+            <a:extLst>
+              <a:ext uri="{FF2B5EF4-FFF2-40B4-BE49-F238E27FC236}">
+                <a16:creationId xmlns:a16="http://schemas.microsoft.com/office/drawing/2014/main" id="{5FA61EC4-7BF2-8C19-5A09-642D37AA3C76}"/>
+              </a:ext>
+            </a:extLst>
+          </p:cNvPr>
+          <p:cNvSpPr/>
+          <p:nvPr/>
+        </p:nvSpPr>
+        <p:spPr>
+          <a:xfrm>
+            <a:off x="9425068" y="1323973"/>
+            <a:ext cx="1110519" cy="342275"/>
+          </a:xfrm>
+          <a:prstGeom prst="rect">
+            <a:avLst/>
+          </a:prstGeom>
+          <a:solidFill>
+            <a:schemeClr val="accent4">
+              <a:lumMod val="60000"/>
+              <a:lumOff val="40000"/>
+            </a:schemeClr>
+          </a:solidFill>
+        </p:spPr>
+        <p:style>
+          <a:lnRef idx="2">
+            <a:schemeClr val="accent4">
+              <a:shade val="15000"/>
+            </a:schemeClr>
+          </a:lnRef>
+          <a:fillRef idx="1">
+            <a:schemeClr val="accent4"/>
+          </a:fillRef>
+          <a:effectRef idx="0">
+            <a:schemeClr val="accent4"/>
+          </a:effectRef>
+          <a:fontRef idx="minor">
+            <a:schemeClr val="lt1"/>
+          </a:fontRef>
+        </p:style>
+        <p:txBody>
+          <a:bodyPr rtlCol="0" anchor="ctr"/>
+          <a:lstStyle/>
+          <a:p>
+            <a:pPr algn="ctr"/>
+            <a:r>
+              <a:rPr kumimoji="1" lang="en-US" altLang="ko-Kore-KR" sz="1200" dirty="0">
+                <a:solidFill>
+                  <a:schemeClr val="tx1"/>
+                </a:solidFill>
+                <a:latin typeface="DM Mono" panose="020B0509040201040103" pitchFamily="49" charset="0"/>
+              </a:rPr>
+              <a:t>“Tom”</a:t>
+            </a:r>
+            <a:endParaRPr kumimoji="1" lang="ko-Kore-KR" altLang="en-US" sz="1200" dirty="0">
+              <a:solidFill>
+                <a:schemeClr val="tx1"/>
+              </a:solidFill>
+              <a:latin typeface="DM Mono" panose="020B0509040201040103" pitchFamily="49" charset="0"/>
+            </a:endParaRPr>
+          </a:p>
+        </p:txBody>
+      </p:sp>
+      <p:sp>
+        <p:nvSpPr>
+          <p:cNvPr id="13" name="TextBox 12">
+            <a:extLst>
+              <a:ext uri="{FF2B5EF4-FFF2-40B4-BE49-F238E27FC236}">
+                <a16:creationId xmlns:a16="http://schemas.microsoft.com/office/drawing/2014/main" id="{DA2C72C4-C7DF-143A-C6CB-ABAB0EE9E762}"/>
+              </a:ext>
+            </a:extLst>
+          </p:cNvPr>
+          <p:cNvSpPr txBox="1"/>
+          <p:nvPr/>
+        </p:nvSpPr>
+        <p:spPr>
+          <a:xfrm>
+            <a:off x="8961619" y="1062363"/>
+            <a:ext cx="704538" cy="261610"/>
+          </a:xfrm>
+          <a:prstGeom prst="rect">
+            <a:avLst/>
+          </a:prstGeom>
+          <a:noFill/>
+        </p:spPr>
+        <p:txBody>
+          <a:bodyPr wrap="square">
+            <a:spAutoFit/>
+          </a:bodyPr>
+          <a:lstStyle/>
+          <a:p>
+            <a:r>
+              <a:rPr kumimoji="1" lang="en-US" altLang="ko-Kore-KR" sz="1050" dirty="0">
+                <a:solidFill>
+                  <a:schemeClr val="tx1"/>
+                </a:solidFill>
+                <a:latin typeface="DM Mono" panose="020B0509040201040103" pitchFamily="49" charset="0"/>
+              </a:rPr>
+              <a:t>0x2000</a:t>
+            </a:r>
+            <a:endParaRPr lang="ko-Kore-KR" altLang="en-US" sz="1050" dirty="0"/>
+          </a:p>
+        </p:txBody>
+      </p:sp>
+      <p:cxnSp>
+        <p:nvCxnSpPr>
+          <p:cNvPr id="15" name="구부러진 연결선[U] 14">
+            <a:extLst>
+              <a:ext uri="{FF2B5EF4-FFF2-40B4-BE49-F238E27FC236}">
+                <a16:creationId xmlns:a16="http://schemas.microsoft.com/office/drawing/2014/main" id="{00457914-0A80-8770-5B51-19B178A179D4}"/>
+              </a:ext>
+            </a:extLst>
+          </p:cNvPr>
+          <p:cNvCxnSpPr>
+            <a:cxnSpLocks/>
+            <a:stCxn id="2" idx="3"/>
+            <a:endCxn id="9" idx="1"/>
+          </p:cNvCxnSpPr>
+          <p:nvPr/>
+        </p:nvCxnSpPr>
+        <p:spPr>
+          <a:xfrm flipV="1">
+            <a:off x="6285721" y="1495111"/>
+            <a:ext cx="3139347" cy="281223"/>
+          </a:xfrm>
+          <a:prstGeom prst="curvedConnector3">
+            <a:avLst/>
+          </a:prstGeom>
+          <a:ln>
+            <a:tailEnd type="triangle"/>
+          </a:ln>
+        </p:spPr>
+        <p:style>
+          <a:lnRef idx="1">
+            <a:schemeClr val="dk1"/>
+          </a:lnRef>
+          <a:fillRef idx="0">
+            <a:schemeClr val="dk1"/>
+          </a:fillRef>
+          <a:effectRef idx="0">
+            <a:schemeClr val="dk1"/>
+          </a:effectRef>
+          <a:fontRef idx="minor">
+            <a:schemeClr val="tx1"/>
+          </a:fontRef>
+        </p:style>
+      </p:cxnSp>
     </p:spTree>
     <p:extLst>
       <p:ext uri="{BB962C8B-B14F-4D97-AF65-F5344CB8AC3E}">
-        <p14:creationId xmlns:p14="http://schemas.microsoft.com/office/powerpoint/2010/main" val="1374311571"/>
+        <p14:creationId xmlns:p14="http://schemas.microsoft.com/office/powerpoint/2010/main" val="777129095"/>
       </p:ext>
     </p:extLst>
   </p:cSld>
@@ -19655,204 +20101,10 @@
       </p:grpSpPr>
       <p:sp>
         <p:nvSpPr>
-          <p:cNvPr id="5" name="TextBox 4">
-            <a:extLst>
-              <a:ext uri="{FF2B5EF4-FFF2-40B4-BE49-F238E27FC236}">
-                <a16:creationId xmlns:a16="http://schemas.microsoft.com/office/drawing/2014/main" id="{30A4A4E1-78DD-C0E4-84BC-7140EEB81421}"/>
-              </a:ext>
-            </a:extLst>
-          </p:cNvPr>
-          <p:cNvSpPr txBox="1"/>
-          <p:nvPr/>
-        </p:nvSpPr>
-        <p:spPr>
-          <a:xfrm>
-            <a:off x="504669" y="320189"/>
-            <a:ext cx="6096000" cy="3416320"/>
-          </a:xfrm>
-          <a:prstGeom prst="rect">
-            <a:avLst/>
-          </a:prstGeom>
-          <a:noFill/>
-        </p:spPr>
-        <p:txBody>
-          <a:bodyPr wrap="square">
-            <a:spAutoFit/>
-          </a:bodyPr>
-          <a:lstStyle/>
-          <a:p>
-            <a:r>
-              <a:rPr lang="ko-Kore-KR" altLang="en-US" sz="1200" dirty="0">
-                <a:latin typeface="DM Mono" panose="020B0509040201040103" pitchFamily="49" charset="0"/>
-              </a:rPr>
-              <a:t>class Car {</a:t>
-            </a:r>
-          </a:p>
-          <a:p>
-            <a:r>
-              <a:rPr lang="ko-Kore-KR" altLang="en-US" sz="1200" dirty="0">
-                <a:latin typeface="DM Mono" panose="020B0509040201040103" pitchFamily="49" charset="0"/>
-              </a:rPr>
-              <a:t>private:</a:t>
-            </a:r>
-          </a:p>
-          <a:p>
-            <a:r>
-              <a:rPr lang="ko-Kore-KR" altLang="en-US" sz="1200" dirty="0">
-                <a:latin typeface="DM Mono" panose="020B0509040201040103" pitchFamily="49" charset="0"/>
-              </a:rPr>
-              <a:t>    int color;</a:t>
-            </a:r>
-          </a:p>
-          <a:p>
-            <a:endParaRPr lang="ko-Kore-KR" altLang="en-US" sz="1200" dirty="0">
-              <a:latin typeface="DM Mono" panose="020B0509040201040103" pitchFamily="49" charset="0"/>
-            </a:endParaRPr>
-          </a:p>
-          <a:p>
-            <a:r>
-              <a:rPr lang="ko-Kore-KR" altLang="en-US" sz="1200" dirty="0">
-                <a:latin typeface="DM Mono" panose="020B0509040201040103" pitchFamily="49" charset="0"/>
-              </a:rPr>
-              <a:t>public:</a:t>
-            </a:r>
-          </a:p>
-          <a:p>
-            <a:r>
-              <a:rPr lang="ko-Kore-KR" altLang="en-US" sz="1200" dirty="0">
-                <a:latin typeface="DM Mono" panose="020B0509040201040103" pitchFamily="49" charset="0"/>
-              </a:rPr>
-              <a:t>    static int cnt; </a:t>
-            </a:r>
-            <a:endParaRPr lang="en-US" altLang="ko-Kore-KR" sz="1200" dirty="0">
-              <a:latin typeface="DM Mono" panose="020B0509040201040103" pitchFamily="49" charset="0"/>
-            </a:endParaRPr>
-          </a:p>
-          <a:p>
-            <a:endParaRPr lang="ko-Kore-KR" altLang="en-US" sz="1200" dirty="0">
-              <a:latin typeface="DM Mono" panose="020B0509040201040103" pitchFamily="49" charset="0"/>
-            </a:endParaRPr>
-          </a:p>
-          <a:p>
-            <a:r>
-              <a:rPr lang="ko-Kore-KR" altLang="en-US" sz="1200" dirty="0">
-                <a:latin typeface="DM Mono" panose="020B0509040201040103" pitchFamily="49" charset="0"/>
-              </a:rPr>
-              <a:t>    Car() { cnt++; }</a:t>
-            </a:r>
-          </a:p>
-          <a:p>
-            <a:r>
-              <a:rPr lang="ko-Kore-KR" altLang="en-US" sz="1200" dirty="0">
-                <a:latin typeface="DM Mono" panose="020B0509040201040103" pitchFamily="49" charset="0"/>
-              </a:rPr>
-              <a:t>    ~Car() { cnt--; }</a:t>
-            </a:r>
-          </a:p>
-          <a:p>
-            <a:r>
-              <a:rPr lang="ko-Kore-KR" altLang="en-US" sz="1200" dirty="0">
-                <a:latin typeface="DM Mono" panose="020B0509040201040103" pitchFamily="49" charset="0"/>
-              </a:rPr>
-              <a:t>};</a:t>
-            </a:r>
-            <a:endParaRPr lang="en-US" altLang="ko-Kore-KR" sz="1200" dirty="0">
-              <a:latin typeface="DM Mono" panose="020B0509040201040103" pitchFamily="49" charset="0"/>
-            </a:endParaRPr>
-          </a:p>
-          <a:p>
-            <a:endParaRPr lang="en-US" altLang="ko-Kore-KR" sz="1200" dirty="0">
-              <a:latin typeface="DM Mono" panose="020B0509040201040103" pitchFamily="49" charset="0"/>
-            </a:endParaRPr>
-          </a:p>
-          <a:p>
-            <a:r>
-              <a:rPr lang="en-US" altLang="ko-Kore-KR" sz="1200" dirty="0">
-                <a:latin typeface="DM Mono" panose="020B0509040201040103" pitchFamily="49" charset="0"/>
-              </a:rPr>
-              <a:t>int Car::</a:t>
-            </a:r>
-            <a:r>
-              <a:rPr lang="en-US" altLang="ko-Kore-KR" sz="1200" dirty="0" err="1">
-                <a:latin typeface="DM Mono" panose="020B0509040201040103" pitchFamily="49" charset="0"/>
-              </a:rPr>
-              <a:t>cnt</a:t>
-            </a:r>
-            <a:r>
-              <a:rPr lang="en-US" altLang="ko-Kore-KR" sz="1200" dirty="0">
-                <a:latin typeface="DM Mono" panose="020B0509040201040103" pitchFamily="49" charset="0"/>
-              </a:rPr>
-              <a:t> = 0;</a:t>
-            </a:r>
-          </a:p>
-          <a:p>
-            <a:endParaRPr lang="en-US" altLang="ko-Kore-KR" sz="1200" dirty="0">
-              <a:latin typeface="DM Mono" panose="020B0509040201040103" pitchFamily="49" charset="0"/>
-            </a:endParaRPr>
-          </a:p>
-          <a:p>
-            <a:r>
-              <a:rPr lang="en" altLang="ko-Kore-KR" sz="1200" dirty="0">
-                <a:latin typeface="DM Mono" panose="020B0509040201040103" pitchFamily="49" charset="0"/>
-              </a:rPr>
-              <a:t>int main()</a:t>
-            </a:r>
-          </a:p>
-          <a:p>
-            <a:r>
-              <a:rPr lang="en" altLang="ko-Kore-KR" sz="1200" dirty="0">
-                <a:latin typeface="DM Mono" panose="020B0509040201040103" pitchFamily="49" charset="0"/>
-              </a:rPr>
-              <a:t>{</a:t>
-            </a:r>
-          </a:p>
-          <a:p>
-            <a:r>
-              <a:rPr lang="en" altLang="ko-Kore-KR" sz="1200" dirty="0">
-                <a:solidFill>
-                  <a:srgbClr val="FF0000"/>
-                </a:solidFill>
-                <a:latin typeface="DM Mono" panose="020B0509040201040103" pitchFamily="49" charset="0"/>
-              </a:rPr>
-              <a:t>    Car c1;</a:t>
-            </a:r>
-          </a:p>
-          <a:p>
-            <a:r>
-              <a:rPr lang="en" altLang="ko-Kore-KR" sz="1200" dirty="0">
-                <a:solidFill>
-                  <a:srgbClr val="FF0000"/>
-                </a:solidFill>
-                <a:latin typeface="DM Mono" panose="020B0509040201040103" pitchFamily="49" charset="0"/>
-              </a:rPr>
-              <a:t>    Car c2;</a:t>
-            </a:r>
-            <a:endParaRPr lang="en-US" altLang="ko-Kore-KR" sz="1200" dirty="0">
-              <a:solidFill>
-                <a:srgbClr val="FF0000"/>
-              </a:solidFill>
-              <a:latin typeface="DM Mono" panose="020B0509040201040103" pitchFamily="49" charset="0"/>
-            </a:endParaRPr>
-          </a:p>
-          <a:p>
-            <a:r>
-              <a:rPr lang="en-US" altLang="ko-Kore-KR" sz="1200" dirty="0">
-                <a:latin typeface="DM Mono" panose="020B0509040201040103" pitchFamily="49" charset="0"/>
-              </a:rPr>
-              <a:t>}</a:t>
-            </a:r>
-            <a:endParaRPr lang="ko-Kore-KR" altLang="en-US" sz="1200" dirty="0">
-              <a:latin typeface="DM Mono" panose="020B0509040201040103" pitchFamily="49" charset="0"/>
-            </a:endParaRPr>
-          </a:p>
-        </p:txBody>
-      </p:sp>
-      <p:sp>
-        <p:nvSpPr>
-          <p:cNvPr id="6" name="직사각형 5">
-            <a:extLst>
-              <a:ext uri="{FF2B5EF4-FFF2-40B4-BE49-F238E27FC236}">
-                <a16:creationId xmlns:a16="http://schemas.microsoft.com/office/drawing/2014/main" id="{90EAFDB5-4BF2-013F-48E5-534DCABA59A4}"/>
+          <p:cNvPr id="7" name="직사각형 6">
+            <a:extLst>
+              <a:ext uri="{FF2B5EF4-FFF2-40B4-BE49-F238E27FC236}">
+                <a16:creationId xmlns:a16="http://schemas.microsoft.com/office/drawing/2014/main" id="{31CCB710-0121-1DC8-86D7-67AEA020399A}"/>
               </a:ext>
             </a:extLst>
           </p:cNvPr>
@@ -19861,7 +20113,7 @@
         </p:nvSpPr>
         <p:spPr>
           <a:xfrm>
-            <a:off x="9774838" y="1349116"/>
+            <a:off x="5547612" y="3762531"/>
             <a:ext cx="769495" cy="419724"/>
           </a:xfrm>
           <a:prstGeom prst="rect">
@@ -19896,29 +20148,29 @@
           <a:p>
             <a:pPr algn="ctr"/>
             <a:r>
-              <a:rPr kumimoji="1" lang="en-US" altLang="ko-Kore-KR" sz="1200" dirty="0">
+              <a:rPr kumimoji="1" lang="en-US" altLang="ko-Kore-KR" sz="1050" dirty="0" err="1">
                 <a:solidFill>
-                  <a:schemeClr val="tx1"/>
+                  <a:srgbClr val="FF0000"/>
                 </a:solidFill>
                 <a:latin typeface="DM Mono" panose="020B0509040201040103" pitchFamily="49" charset="0"/>
               </a:rPr>
-              <a:t>0</a:t>
-            </a:r>
-            <a:endParaRPr kumimoji="1" lang="ko-Kore-KR" altLang="en-US" sz="1200" dirty="0">
-              <a:solidFill>
-                <a:schemeClr val="tx1"/>
-              </a:solidFill>
-              <a:latin typeface="DM Mono" panose="020B0509040201040103" pitchFamily="49" charset="0"/>
-            </a:endParaRPr>
-          </a:p>
-        </p:txBody>
-      </p:sp>
-      <p:sp>
-        <p:nvSpPr>
-          <p:cNvPr id="7" name="TextBox 6">
-            <a:extLst>
-              <a:ext uri="{FF2B5EF4-FFF2-40B4-BE49-F238E27FC236}">
-                <a16:creationId xmlns:a16="http://schemas.microsoft.com/office/drawing/2014/main" id="{64F42461-1DCC-F2E4-16D8-201B15D0AFFE}"/>
+              <a:t>nullptr</a:t>
+            </a:r>
+            <a:endParaRPr kumimoji="1" lang="ko-Kore-KR" altLang="en-US" sz="1050" dirty="0">
+              <a:solidFill>
+                <a:srgbClr val="FF0000"/>
+              </a:solidFill>
+              <a:latin typeface="DM Mono" panose="020B0509040201040103" pitchFamily="49" charset="0"/>
+            </a:endParaRPr>
+          </a:p>
+        </p:txBody>
+      </p:sp>
+      <p:sp>
+        <p:nvSpPr>
+          <p:cNvPr id="8" name="TextBox 7">
+            <a:extLst>
+              <a:ext uri="{FF2B5EF4-FFF2-40B4-BE49-F238E27FC236}">
+                <a16:creationId xmlns:a16="http://schemas.microsoft.com/office/drawing/2014/main" id="{0E51DEEF-5480-C48B-053D-43D22F6A7663}"/>
               </a:ext>
             </a:extLst>
           </p:cNvPr>
@@ -19927,8 +20179,8 @@
         </p:nvSpPr>
         <p:spPr>
           <a:xfrm>
-            <a:off x="8824210" y="1428173"/>
-            <a:ext cx="950628" cy="261610"/>
+            <a:off x="4861810" y="3841588"/>
+            <a:ext cx="685802" cy="261610"/>
           </a:xfrm>
           <a:prstGeom prst="rect">
             <a:avLst/>
@@ -19946,13 +20198,7 @@
               <a:rPr kumimoji="1" lang="en-US" altLang="ko-Kore-KR" sz="1100" dirty="0">
                 <a:latin typeface="DM Mono" panose="020B0509040201040103" pitchFamily="49" charset="0"/>
               </a:rPr>
-              <a:t>Car::</a:t>
-            </a:r>
-            <a:r>
-              <a:rPr kumimoji="1" lang="en-US" altLang="ko-Kore-KR" sz="1100" dirty="0" err="1">
-                <a:latin typeface="DM Mono" panose="020B0509040201040103" pitchFamily="49" charset="0"/>
-              </a:rPr>
-              <a:t>cnt</a:t>
+              <a:t>name</a:t>
             </a:r>
             <a:endParaRPr kumimoji="1" lang="ko-Kore-KR" altLang="en-US" sz="1100" dirty="0">
               <a:solidFill>
@@ -19965,10 +20211,10 @@
       </p:sp>
       <p:sp>
         <p:nvSpPr>
-          <p:cNvPr id="2" name="직사각형 1">
-            <a:extLst>
-              <a:ext uri="{FF2B5EF4-FFF2-40B4-BE49-F238E27FC236}">
-                <a16:creationId xmlns:a16="http://schemas.microsoft.com/office/drawing/2014/main" id="{E06DA101-531B-154F-B7AB-6D01DEF73D7A}"/>
+          <p:cNvPr id="10" name="직사각형 9">
+            <a:extLst>
+              <a:ext uri="{FF2B5EF4-FFF2-40B4-BE49-F238E27FC236}">
+                <a16:creationId xmlns:a16="http://schemas.microsoft.com/office/drawing/2014/main" id="{FA835144-65A9-5595-9B94-37E2A8886E68}"/>
               </a:ext>
             </a:extLst>
           </p:cNvPr>
@@ -19977,7 +20223,7 @@
         </p:nvSpPr>
         <p:spPr>
           <a:xfrm>
-            <a:off x="4483310" y="4576999"/>
+            <a:off x="5547612" y="4182255"/>
             <a:ext cx="769495" cy="419724"/>
           </a:xfrm>
           <a:prstGeom prst="rect">
@@ -20011,6 +20257,15 @@
           <a:lstStyle/>
           <a:p>
             <a:pPr algn="ctr"/>
+            <a:r>
+              <a:rPr kumimoji="1" lang="en-US" altLang="ko-Kore-KR" sz="1200" dirty="0">
+                <a:solidFill>
+                  <a:schemeClr val="tx1"/>
+                </a:solidFill>
+                <a:latin typeface="DM Mono" panose="020B0509040201040103" pitchFamily="49" charset="0"/>
+              </a:rPr>
+              <a:t>42</a:t>
+            </a:r>
             <a:endParaRPr kumimoji="1" lang="ko-Kore-KR" altLang="en-US" sz="1200" dirty="0">
               <a:solidFill>
                 <a:schemeClr val="tx1"/>
@@ -20022,10 +20277,10 @@
       </p:sp>
       <p:sp>
         <p:nvSpPr>
-          <p:cNvPr id="3" name="TextBox 2">
-            <a:extLst>
-              <a:ext uri="{FF2B5EF4-FFF2-40B4-BE49-F238E27FC236}">
-                <a16:creationId xmlns:a16="http://schemas.microsoft.com/office/drawing/2014/main" id="{8CA5CA60-1644-C71A-49EA-0F0E0D0BD055}"/>
+          <p:cNvPr id="11" name="TextBox 10">
+            <a:extLst>
+              <a:ext uri="{FF2B5EF4-FFF2-40B4-BE49-F238E27FC236}">
+                <a16:creationId xmlns:a16="http://schemas.microsoft.com/office/drawing/2014/main" id="{CD781AC7-D447-DC8B-4CC7-5C8FA9DEF990}"/>
               </a:ext>
             </a:extLst>
           </p:cNvPr>
@@ -20034,8 +20289,8 @@
         </p:nvSpPr>
         <p:spPr>
           <a:xfrm>
-            <a:off x="3797508" y="4656056"/>
-            <a:ext cx="685802" cy="261610"/>
+            <a:off x="4961744" y="4261312"/>
+            <a:ext cx="585868" cy="261610"/>
           </a:xfrm>
           <a:prstGeom prst="rect">
             <a:avLst/>
@@ -20049,50 +20304,6 @@
           <a:lstStyle/>
           <a:p>
             <a:pPr algn="r"/>
-            <a:r>
-              <a:rPr kumimoji="1" lang="en-US" altLang="ko-Kore-KR" sz="1100" dirty="0">
-                <a:latin typeface="DM Mono" panose="020B0509040201040103" pitchFamily="49" charset="0"/>
-              </a:rPr>
-              <a:t>color</a:t>
-            </a:r>
-            <a:endParaRPr kumimoji="1" lang="ko-Kore-KR" altLang="en-US" sz="1100" dirty="0">
-              <a:solidFill>
-                <a:schemeClr val="tx1"/>
-              </a:solidFill>
-              <a:latin typeface="DM Mono" panose="020B0509040201040103" pitchFamily="49" charset="0"/>
-            </a:endParaRPr>
-          </a:p>
-        </p:txBody>
-      </p:sp>
-      <p:sp>
-        <p:nvSpPr>
-          <p:cNvPr id="4" name="TextBox 3">
-            <a:extLst>
-              <a:ext uri="{FF2B5EF4-FFF2-40B4-BE49-F238E27FC236}">
-                <a16:creationId xmlns:a16="http://schemas.microsoft.com/office/drawing/2014/main" id="{E7E4C454-01CA-E280-609C-A7419657C7F4}"/>
-              </a:ext>
-            </a:extLst>
-          </p:cNvPr>
-          <p:cNvSpPr txBox="1"/>
-          <p:nvPr/>
-        </p:nvSpPr>
-        <p:spPr>
-          <a:xfrm>
-            <a:off x="4420537" y="4295469"/>
-            <a:ext cx="895039" cy="261610"/>
-          </a:xfrm>
-          <a:prstGeom prst="rect">
-            <a:avLst/>
-          </a:prstGeom>
-          <a:noFill/>
-        </p:spPr>
-        <p:txBody>
-          <a:bodyPr wrap="square">
-            <a:spAutoFit/>
-          </a:bodyPr>
-          <a:lstStyle/>
-          <a:p>
-            <a:pPr algn="ctr"/>
             <a:r>
               <a:rPr kumimoji="1" lang="en-US" altLang="ko-Kore-KR" sz="1100" dirty="0">
                 <a:solidFill>
@@ -20100,7 +20311,7 @@
                 </a:solidFill>
                 <a:latin typeface="DM Mono" panose="020B0509040201040103" pitchFamily="49" charset="0"/>
               </a:rPr>
-              <a:t>c1</a:t>
+              <a:t>age</a:t>
             </a:r>
             <a:endParaRPr kumimoji="1" lang="ko-Kore-KR" altLang="en-US" sz="1100" dirty="0">
               <a:solidFill>
@@ -20113,10 +20324,54 @@
       </p:sp>
       <p:sp>
         <p:nvSpPr>
-          <p:cNvPr id="8" name="직사각형 7">
-            <a:extLst>
-              <a:ext uri="{FF2B5EF4-FFF2-40B4-BE49-F238E27FC236}">
-                <a16:creationId xmlns:a16="http://schemas.microsoft.com/office/drawing/2014/main" id="{D998B1A7-CA78-65A5-A93F-4ECCE4E2CEBB}"/>
+          <p:cNvPr id="12" name="TextBox 11">
+            <a:extLst>
+              <a:ext uri="{FF2B5EF4-FFF2-40B4-BE49-F238E27FC236}">
+                <a16:creationId xmlns:a16="http://schemas.microsoft.com/office/drawing/2014/main" id="{32C7DE22-336B-08D6-92F4-AEB004179CFE}"/>
+              </a:ext>
+            </a:extLst>
+          </p:cNvPr>
+          <p:cNvSpPr txBox="1"/>
+          <p:nvPr/>
+        </p:nvSpPr>
+        <p:spPr>
+          <a:xfrm>
+            <a:off x="5484839" y="3481001"/>
+            <a:ext cx="895039" cy="261610"/>
+          </a:xfrm>
+          <a:prstGeom prst="rect">
+            <a:avLst/>
+          </a:prstGeom>
+          <a:noFill/>
+        </p:spPr>
+        <p:txBody>
+          <a:bodyPr wrap="square">
+            <a:spAutoFit/>
+          </a:bodyPr>
+          <a:lstStyle/>
+          <a:p>
+            <a:pPr algn="ctr"/>
+            <a:r>
+              <a:rPr kumimoji="1" lang="ko-Kore-KR" altLang="en-US" sz="1100" dirty="0">
+                <a:latin typeface="DM Mono" panose="020B0509040201040103" pitchFamily="49" charset="0"/>
+              </a:rPr>
+              <a:t>임시객체</a:t>
+            </a:r>
+            <a:endParaRPr kumimoji="1" lang="ko-Kore-KR" altLang="en-US" sz="1100" dirty="0">
+              <a:solidFill>
+                <a:schemeClr val="tx1"/>
+              </a:solidFill>
+              <a:latin typeface="DM Mono" panose="020B0509040201040103" pitchFamily="49" charset="0"/>
+            </a:endParaRPr>
+          </a:p>
+        </p:txBody>
+      </p:sp>
+      <p:sp>
+        <p:nvSpPr>
+          <p:cNvPr id="14" name="직사각형 13">
+            <a:extLst>
+              <a:ext uri="{FF2B5EF4-FFF2-40B4-BE49-F238E27FC236}">
+                <a16:creationId xmlns:a16="http://schemas.microsoft.com/office/drawing/2014/main" id="{2282578C-D4EE-EBCA-7553-FA9931C6BB9F}"/>
               </a:ext>
             </a:extLst>
           </p:cNvPr>
@@ -20125,8 +20380,8 @@
         </p:nvSpPr>
         <p:spPr>
           <a:xfrm>
-            <a:off x="6096000" y="4557079"/>
-            <a:ext cx="769495" cy="419724"/>
+            <a:off x="9592458" y="3429000"/>
+            <a:ext cx="1110519" cy="342275"/>
           </a:xfrm>
           <a:prstGeom prst="rect">
             <a:avLst/>
@@ -20159,6 +20414,15 @@
           <a:lstStyle/>
           <a:p>
             <a:pPr algn="ctr"/>
+            <a:r>
+              <a:rPr kumimoji="1" lang="en-US" altLang="ko-Kore-KR" sz="1200" dirty="0">
+                <a:solidFill>
+                  <a:schemeClr val="tx1"/>
+                </a:solidFill>
+                <a:latin typeface="DM Mono" panose="020B0509040201040103" pitchFamily="49" charset="0"/>
+              </a:rPr>
+              <a:t>“Tom”</a:t>
+            </a:r>
             <a:endParaRPr kumimoji="1" lang="ko-Kore-KR" altLang="en-US" sz="1200" dirty="0">
               <a:solidFill>
                 <a:schemeClr val="tx1"/>
@@ -20170,10 +20434,10 @@
       </p:sp>
       <p:sp>
         <p:nvSpPr>
-          <p:cNvPr id="9" name="TextBox 8">
-            <a:extLst>
-              <a:ext uri="{FF2B5EF4-FFF2-40B4-BE49-F238E27FC236}">
-                <a16:creationId xmlns:a16="http://schemas.microsoft.com/office/drawing/2014/main" id="{96E04830-2703-61AE-7F73-A6ACEDCA6A97}"/>
+          <p:cNvPr id="19" name="TextBox 18">
+            <a:extLst>
+              <a:ext uri="{FF2B5EF4-FFF2-40B4-BE49-F238E27FC236}">
+                <a16:creationId xmlns:a16="http://schemas.microsoft.com/office/drawing/2014/main" id="{5C1515B9-160E-0A92-F019-639A67B6991B}"/>
               </a:ext>
             </a:extLst>
           </p:cNvPr>
@@ -20182,8 +20446,8 @@
         </p:nvSpPr>
         <p:spPr>
           <a:xfrm>
-            <a:off x="5410198" y="4636136"/>
-            <a:ext cx="685802" cy="261610"/>
+            <a:off x="9129009" y="3167390"/>
+            <a:ext cx="704538" cy="261610"/>
           </a:xfrm>
           <a:prstGeom prst="rect">
             <a:avLst/>
@@ -20196,11 +20460,999 @@
           </a:bodyPr>
           <a:lstStyle/>
           <a:p>
+            <a:r>
+              <a:rPr kumimoji="1" lang="en-US" altLang="ko-Kore-KR" sz="1050" dirty="0">
+                <a:solidFill>
+                  <a:schemeClr val="tx1"/>
+                </a:solidFill>
+                <a:latin typeface="DM Mono" panose="020B0509040201040103" pitchFamily="49" charset="0"/>
+              </a:rPr>
+              <a:t>0x1000</a:t>
+            </a:r>
+            <a:endParaRPr lang="ko-Kore-KR" altLang="en-US" sz="1050" dirty="0"/>
+          </a:p>
+        </p:txBody>
+      </p:sp>
+      <p:sp>
+        <p:nvSpPr>
+          <p:cNvPr id="2" name="직사각형 1">
+            <a:extLst>
+              <a:ext uri="{FF2B5EF4-FFF2-40B4-BE49-F238E27FC236}">
+                <a16:creationId xmlns:a16="http://schemas.microsoft.com/office/drawing/2014/main" id="{FED75449-E51C-50C6-1BEA-2208689E225C}"/>
+              </a:ext>
+            </a:extLst>
+          </p:cNvPr>
+          <p:cNvSpPr/>
+          <p:nvPr/>
+        </p:nvSpPr>
+        <p:spPr>
+          <a:xfrm>
+            <a:off x="5516226" y="1566472"/>
+            <a:ext cx="769495" cy="419724"/>
+          </a:xfrm>
+          <a:prstGeom prst="rect">
+            <a:avLst/>
+          </a:prstGeom>
+          <a:solidFill>
+            <a:schemeClr val="accent4">
+              <a:lumMod val="60000"/>
+              <a:lumOff val="40000"/>
+            </a:schemeClr>
+          </a:solidFill>
+        </p:spPr>
+        <p:style>
+          <a:lnRef idx="2">
+            <a:schemeClr val="accent4">
+              <a:shade val="15000"/>
+            </a:schemeClr>
+          </a:lnRef>
+          <a:fillRef idx="1">
+            <a:schemeClr val="accent4"/>
+          </a:fillRef>
+          <a:effectRef idx="0">
+            <a:schemeClr val="accent4"/>
+          </a:effectRef>
+          <a:fontRef idx="minor">
+            <a:schemeClr val="lt1"/>
+          </a:fontRef>
+        </p:style>
+        <p:txBody>
+          <a:bodyPr rtlCol="0" anchor="ctr"/>
+          <a:lstStyle/>
+          <a:p>
+            <a:pPr algn="ctr"/>
+            <a:r>
+              <a:rPr kumimoji="1" lang="en-US" altLang="ko-Kore-KR" sz="1200" dirty="0">
+                <a:solidFill>
+                  <a:schemeClr val="tx1"/>
+                </a:solidFill>
+                <a:latin typeface="DM Mono" panose="020B0509040201040103" pitchFamily="49" charset="0"/>
+              </a:rPr>
+              <a:t>0x1000</a:t>
+            </a:r>
+            <a:endParaRPr kumimoji="1" lang="ko-Kore-KR" altLang="en-US" sz="1200" dirty="0">
+              <a:solidFill>
+                <a:schemeClr val="tx1"/>
+              </a:solidFill>
+              <a:latin typeface="DM Mono" panose="020B0509040201040103" pitchFamily="49" charset="0"/>
+            </a:endParaRPr>
+          </a:p>
+        </p:txBody>
+      </p:sp>
+      <p:sp>
+        <p:nvSpPr>
+          <p:cNvPr id="3" name="직사각형 2">
+            <a:extLst>
+              <a:ext uri="{FF2B5EF4-FFF2-40B4-BE49-F238E27FC236}">
+                <a16:creationId xmlns:a16="http://schemas.microsoft.com/office/drawing/2014/main" id="{8E63E8D1-3C64-57FA-34D0-F89D266BD751}"/>
+              </a:ext>
+            </a:extLst>
+          </p:cNvPr>
+          <p:cNvSpPr/>
+          <p:nvPr/>
+        </p:nvSpPr>
+        <p:spPr>
+          <a:xfrm>
+            <a:off x="5516226" y="1986196"/>
+            <a:ext cx="769495" cy="419724"/>
+          </a:xfrm>
+          <a:prstGeom prst="rect">
+            <a:avLst/>
+          </a:prstGeom>
+          <a:solidFill>
+            <a:schemeClr val="accent4">
+              <a:lumMod val="60000"/>
+              <a:lumOff val="40000"/>
+            </a:schemeClr>
+          </a:solidFill>
+        </p:spPr>
+        <p:style>
+          <a:lnRef idx="2">
+            <a:schemeClr val="accent4">
+              <a:shade val="15000"/>
+            </a:schemeClr>
+          </a:lnRef>
+          <a:fillRef idx="1">
+            <a:schemeClr val="accent4"/>
+          </a:fillRef>
+          <a:effectRef idx="0">
+            <a:schemeClr val="accent4"/>
+          </a:effectRef>
+          <a:fontRef idx="minor">
+            <a:schemeClr val="lt1"/>
+          </a:fontRef>
+        </p:style>
+        <p:txBody>
+          <a:bodyPr rtlCol="0" anchor="ctr"/>
+          <a:lstStyle/>
+          <a:p>
+            <a:pPr algn="ctr"/>
+            <a:r>
+              <a:rPr kumimoji="1" lang="en-US" altLang="ko-Kore-KR" sz="1200" dirty="0">
+                <a:solidFill>
+                  <a:schemeClr val="tx1"/>
+                </a:solidFill>
+                <a:latin typeface="DM Mono" panose="020B0509040201040103" pitchFamily="49" charset="0"/>
+              </a:rPr>
+              <a:t>42</a:t>
+            </a:r>
+            <a:endParaRPr kumimoji="1" lang="ko-Kore-KR" altLang="en-US" sz="1200" dirty="0">
+              <a:solidFill>
+                <a:schemeClr val="tx1"/>
+              </a:solidFill>
+              <a:latin typeface="DM Mono" panose="020B0509040201040103" pitchFamily="49" charset="0"/>
+            </a:endParaRPr>
+          </a:p>
+        </p:txBody>
+      </p:sp>
+      <p:sp>
+        <p:nvSpPr>
+          <p:cNvPr id="4" name="TextBox 3">
+            <a:extLst>
+              <a:ext uri="{FF2B5EF4-FFF2-40B4-BE49-F238E27FC236}">
+                <a16:creationId xmlns:a16="http://schemas.microsoft.com/office/drawing/2014/main" id="{5F2970CB-BE63-0ABA-A1A6-988D704C94D0}"/>
+              </a:ext>
+            </a:extLst>
+          </p:cNvPr>
+          <p:cNvSpPr txBox="1"/>
+          <p:nvPr/>
+        </p:nvSpPr>
+        <p:spPr>
+          <a:xfrm>
+            <a:off x="5453453" y="1323973"/>
+            <a:ext cx="895039" cy="261610"/>
+          </a:xfrm>
+          <a:prstGeom prst="rect">
+            <a:avLst/>
+          </a:prstGeom>
+          <a:noFill/>
+        </p:spPr>
+        <p:txBody>
+          <a:bodyPr wrap="square">
+            <a:spAutoFit/>
+          </a:bodyPr>
+          <a:lstStyle/>
+          <a:p>
+            <a:pPr algn="ctr"/>
+            <a:r>
+              <a:rPr kumimoji="1" lang="en-US" altLang="ko-Kore-KR" sz="1100" dirty="0">
+                <a:latin typeface="DM Mono" panose="020B0509040201040103" pitchFamily="49" charset="0"/>
+              </a:rPr>
+              <a:t>other</a:t>
+            </a:r>
+            <a:endParaRPr kumimoji="1" lang="ko-Kore-KR" altLang="en-US" sz="1100" dirty="0">
+              <a:solidFill>
+                <a:schemeClr val="tx1"/>
+              </a:solidFill>
+              <a:latin typeface="DM Mono" panose="020B0509040201040103" pitchFamily="49" charset="0"/>
+            </a:endParaRPr>
+          </a:p>
+        </p:txBody>
+      </p:sp>
+      <p:cxnSp>
+        <p:nvCxnSpPr>
+          <p:cNvPr id="5" name="구부러진 연결선[U] 4">
+            <a:extLst>
+              <a:ext uri="{FF2B5EF4-FFF2-40B4-BE49-F238E27FC236}">
+                <a16:creationId xmlns:a16="http://schemas.microsoft.com/office/drawing/2014/main" id="{2A1A3A59-F0FC-41FC-8947-0F042D291121}"/>
+              </a:ext>
+            </a:extLst>
+          </p:cNvPr>
+          <p:cNvCxnSpPr>
+            <a:cxnSpLocks/>
+            <a:stCxn id="2" idx="3"/>
+            <a:endCxn id="14" idx="1"/>
+          </p:cNvCxnSpPr>
+          <p:nvPr/>
+        </p:nvCxnSpPr>
+        <p:spPr>
+          <a:xfrm>
+            <a:off x="6285721" y="1776334"/>
+            <a:ext cx="3306737" cy="1823804"/>
+          </a:xfrm>
+          <a:prstGeom prst="curvedConnector3">
+            <a:avLst/>
+          </a:prstGeom>
+          <a:ln>
+            <a:tailEnd type="triangle"/>
+          </a:ln>
+        </p:spPr>
+        <p:style>
+          <a:lnRef idx="1">
+            <a:schemeClr val="dk1"/>
+          </a:lnRef>
+          <a:fillRef idx="0">
+            <a:schemeClr val="dk1"/>
+          </a:fillRef>
+          <a:effectRef idx="0">
+            <a:schemeClr val="dk1"/>
+          </a:effectRef>
+          <a:fontRef idx="minor">
+            <a:schemeClr val="tx1"/>
+          </a:fontRef>
+        </p:style>
+      </p:cxnSp>
+    </p:spTree>
+    <p:extLst>
+      <p:ext uri="{BB962C8B-B14F-4D97-AF65-F5344CB8AC3E}">
+        <p14:creationId xmlns:p14="http://schemas.microsoft.com/office/powerpoint/2010/main" val="1888086191"/>
+      </p:ext>
+    </p:extLst>
+  </p:cSld>
+  <p:clrMapOvr>
+    <a:masterClrMapping/>
+  </p:clrMapOvr>
+</p:sld>
+</file>
+
+<file path=ppt/slides/slide27.xml><?xml version="1.0" encoding="utf-8"?>
+<p:sld xmlns:a="http://schemas.openxmlformats.org/drawingml/2006/main" xmlns:r="http://schemas.openxmlformats.org/officeDocument/2006/relationships" xmlns:p="http://schemas.openxmlformats.org/presentationml/2006/main">
+  <p:cSld>
+    <p:spTree>
+      <p:nvGrpSpPr>
+        <p:cNvPr id="1" name=""/>
+        <p:cNvGrpSpPr/>
+        <p:nvPr/>
+      </p:nvGrpSpPr>
+      <p:grpSpPr>
+        <a:xfrm>
+          <a:off x="0" y="0"/>
+          <a:ext cx="0" cy="0"/>
+          <a:chOff x="0" y="0"/>
+          <a:chExt cx="0" cy="0"/>
+        </a:xfrm>
+      </p:grpSpPr>
+      <p:sp>
+        <p:nvSpPr>
+          <p:cNvPr id="5" name="TextBox 4">
+            <a:extLst>
+              <a:ext uri="{FF2B5EF4-FFF2-40B4-BE49-F238E27FC236}">
+                <a16:creationId xmlns:a16="http://schemas.microsoft.com/office/drawing/2014/main" id="{30A4A4E1-78DD-C0E4-84BC-7140EEB81421}"/>
+              </a:ext>
+            </a:extLst>
+          </p:cNvPr>
+          <p:cNvSpPr txBox="1"/>
+          <p:nvPr/>
+        </p:nvSpPr>
+        <p:spPr>
+          <a:xfrm>
+            <a:off x="504669" y="320189"/>
+            <a:ext cx="6096000" cy="3416320"/>
+          </a:xfrm>
+          <a:prstGeom prst="rect">
+            <a:avLst/>
+          </a:prstGeom>
+          <a:noFill/>
+        </p:spPr>
+        <p:txBody>
+          <a:bodyPr wrap="square">
+            <a:spAutoFit/>
+          </a:bodyPr>
+          <a:lstStyle/>
+          <a:p>
+            <a:r>
+              <a:rPr lang="ko-Kore-KR" altLang="en-US" sz="1200" dirty="0">
+                <a:latin typeface="DM Mono" panose="020B0509040201040103" pitchFamily="49" charset="0"/>
+              </a:rPr>
+              <a:t>class Car {</a:t>
+            </a:r>
+          </a:p>
+          <a:p>
+            <a:r>
+              <a:rPr lang="ko-Kore-KR" altLang="en-US" sz="1200" dirty="0">
+                <a:latin typeface="DM Mono" panose="020B0509040201040103" pitchFamily="49" charset="0"/>
+              </a:rPr>
+              <a:t>private:</a:t>
+            </a:r>
+          </a:p>
+          <a:p>
+            <a:r>
+              <a:rPr lang="ko-Kore-KR" altLang="en-US" sz="1200" dirty="0">
+                <a:latin typeface="DM Mono" panose="020B0509040201040103" pitchFamily="49" charset="0"/>
+              </a:rPr>
+              <a:t>    int color;</a:t>
+            </a:r>
+          </a:p>
+          <a:p>
+            <a:endParaRPr lang="ko-Kore-KR" altLang="en-US" sz="1200" dirty="0">
+              <a:latin typeface="DM Mono" panose="020B0509040201040103" pitchFamily="49" charset="0"/>
+            </a:endParaRPr>
+          </a:p>
+          <a:p>
+            <a:r>
+              <a:rPr lang="ko-Kore-KR" altLang="en-US" sz="1200" dirty="0">
+                <a:latin typeface="DM Mono" panose="020B0509040201040103" pitchFamily="49" charset="0"/>
+              </a:rPr>
+              <a:t>public:</a:t>
+            </a:r>
+          </a:p>
+          <a:p>
+            <a:r>
+              <a:rPr lang="ko-Kore-KR" altLang="en-US" sz="1200" dirty="0">
+                <a:latin typeface="DM Mono" panose="020B0509040201040103" pitchFamily="49" charset="0"/>
+              </a:rPr>
+              <a:t>    static int cnt; </a:t>
+            </a:r>
+            <a:endParaRPr lang="en-US" altLang="ko-Kore-KR" sz="1200" dirty="0">
+              <a:latin typeface="DM Mono" panose="020B0509040201040103" pitchFamily="49" charset="0"/>
+            </a:endParaRPr>
+          </a:p>
+          <a:p>
+            <a:endParaRPr lang="ko-Kore-KR" altLang="en-US" sz="1200" dirty="0">
+              <a:latin typeface="DM Mono" panose="020B0509040201040103" pitchFamily="49" charset="0"/>
+            </a:endParaRPr>
+          </a:p>
+          <a:p>
+            <a:r>
+              <a:rPr lang="ko-Kore-KR" altLang="en-US" sz="1200" dirty="0">
+                <a:latin typeface="DM Mono" panose="020B0509040201040103" pitchFamily="49" charset="0"/>
+              </a:rPr>
+              <a:t>    Car() { cnt++; }</a:t>
+            </a:r>
+          </a:p>
+          <a:p>
+            <a:r>
+              <a:rPr lang="ko-Kore-KR" altLang="en-US" sz="1200" dirty="0">
+                <a:latin typeface="DM Mono" panose="020B0509040201040103" pitchFamily="49" charset="0"/>
+              </a:rPr>
+              <a:t>    ~Car() { cnt--; }</a:t>
+            </a:r>
+          </a:p>
+          <a:p>
+            <a:r>
+              <a:rPr lang="ko-Kore-KR" altLang="en-US" sz="1200" dirty="0">
+                <a:latin typeface="DM Mono" panose="020B0509040201040103" pitchFamily="49" charset="0"/>
+              </a:rPr>
+              <a:t>};</a:t>
+            </a:r>
+            <a:endParaRPr lang="en-US" altLang="ko-Kore-KR" sz="1200" dirty="0">
+              <a:latin typeface="DM Mono" panose="020B0509040201040103" pitchFamily="49" charset="0"/>
+            </a:endParaRPr>
+          </a:p>
+          <a:p>
+            <a:endParaRPr lang="en-US" altLang="ko-Kore-KR" sz="1200" dirty="0">
+              <a:latin typeface="DM Mono" panose="020B0509040201040103" pitchFamily="49" charset="0"/>
+            </a:endParaRPr>
+          </a:p>
+          <a:p>
+            <a:r>
+              <a:rPr lang="en-US" altLang="ko-Kore-KR" sz="1200" dirty="0">
+                <a:latin typeface="DM Mono" panose="020B0509040201040103" pitchFamily="49" charset="0"/>
+              </a:rPr>
+              <a:t>int Car::</a:t>
+            </a:r>
+            <a:r>
+              <a:rPr lang="en-US" altLang="ko-Kore-KR" sz="1200" dirty="0" err="1">
+                <a:latin typeface="DM Mono" panose="020B0509040201040103" pitchFamily="49" charset="0"/>
+              </a:rPr>
+              <a:t>cnt</a:t>
+            </a:r>
+            <a:r>
+              <a:rPr lang="en-US" altLang="ko-Kore-KR" sz="1200" dirty="0">
+                <a:latin typeface="DM Mono" panose="020B0509040201040103" pitchFamily="49" charset="0"/>
+              </a:rPr>
+              <a:t> = 0;</a:t>
+            </a:r>
+          </a:p>
+          <a:p>
+            <a:endParaRPr lang="en-US" altLang="ko-Kore-KR" sz="1200" dirty="0">
+              <a:latin typeface="DM Mono" panose="020B0509040201040103" pitchFamily="49" charset="0"/>
+            </a:endParaRPr>
+          </a:p>
+          <a:p>
+            <a:r>
+              <a:rPr lang="en" altLang="ko-Kore-KR" sz="1200" dirty="0">
+                <a:latin typeface="DM Mono" panose="020B0509040201040103" pitchFamily="49" charset="0"/>
+              </a:rPr>
+              <a:t>int main()</a:t>
+            </a:r>
+          </a:p>
+          <a:p>
+            <a:r>
+              <a:rPr lang="en" altLang="ko-Kore-KR" sz="1200" dirty="0">
+                <a:latin typeface="DM Mono" panose="020B0509040201040103" pitchFamily="49" charset="0"/>
+              </a:rPr>
+              <a:t>{</a:t>
+            </a:r>
+          </a:p>
+          <a:p>
+            <a:r>
+              <a:rPr lang="en" altLang="ko-Kore-KR" sz="1200" dirty="0">
+                <a:latin typeface="DM Mono" panose="020B0509040201040103" pitchFamily="49" charset="0"/>
+              </a:rPr>
+              <a:t>    Car c1;</a:t>
+            </a:r>
+          </a:p>
+          <a:p>
+            <a:r>
+              <a:rPr lang="en" altLang="ko-Kore-KR" sz="1200" dirty="0">
+                <a:latin typeface="DM Mono" panose="020B0509040201040103" pitchFamily="49" charset="0"/>
+              </a:rPr>
+              <a:t>    Car c2;</a:t>
+            </a:r>
+            <a:endParaRPr lang="en-US" altLang="ko-Kore-KR" sz="1200" dirty="0">
+              <a:latin typeface="DM Mono" panose="020B0509040201040103" pitchFamily="49" charset="0"/>
+            </a:endParaRPr>
+          </a:p>
+          <a:p>
+            <a:r>
+              <a:rPr lang="en-US" altLang="ko-Kore-KR" sz="1200" dirty="0">
+                <a:latin typeface="DM Mono" panose="020B0509040201040103" pitchFamily="49" charset="0"/>
+              </a:rPr>
+              <a:t>}</a:t>
+            </a:r>
+            <a:endParaRPr lang="ko-Kore-KR" altLang="en-US" sz="1200" dirty="0">
+              <a:latin typeface="DM Mono" panose="020B0509040201040103" pitchFamily="49" charset="0"/>
+            </a:endParaRPr>
+          </a:p>
+        </p:txBody>
+      </p:sp>
+      <p:sp>
+        <p:nvSpPr>
+          <p:cNvPr id="6" name="직사각형 5">
+            <a:extLst>
+              <a:ext uri="{FF2B5EF4-FFF2-40B4-BE49-F238E27FC236}">
+                <a16:creationId xmlns:a16="http://schemas.microsoft.com/office/drawing/2014/main" id="{90EAFDB5-4BF2-013F-48E5-534DCABA59A4}"/>
+              </a:ext>
+            </a:extLst>
+          </p:cNvPr>
+          <p:cNvSpPr/>
+          <p:nvPr/>
+        </p:nvSpPr>
+        <p:spPr>
+          <a:xfrm>
+            <a:off x="9774838" y="1349116"/>
+            <a:ext cx="769495" cy="419724"/>
+          </a:xfrm>
+          <a:prstGeom prst="rect">
+            <a:avLst/>
+          </a:prstGeom>
+          <a:solidFill>
+            <a:schemeClr val="accent4">
+              <a:lumMod val="60000"/>
+              <a:lumOff val="40000"/>
+            </a:schemeClr>
+          </a:solidFill>
+        </p:spPr>
+        <p:style>
+          <a:lnRef idx="2">
+            <a:schemeClr val="accent4">
+              <a:shade val="15000"/>
+            </a:schemeClr>
+          </a:lnRef>
+          <a:fillRef idx="1">
+            <a:schemeClr val="accent4"/>
+          </a:fillRef>
+          <a:effectRef idx="0">
+            <a:schemeClr val="accent4"/>
+          </a:effectRef>
+          <a:fontRef idx="minor">
+            <a:schemeClr val="lt1"/>
+          </a:fontRef>
+        </p:style>
+        <p:txBody>
+          <a:bodyPr rtlCol="0" anchor="ctr"/>
+          <a:lstStyle/>
+          <a:p>
+            <a:pPr algn="ctr"/>
+            <a:r>
+              <a:rPr kumimoji="1" lang="en-US" altLang="ko-Kore-KR" sz="1200" dirty="0">
+                <a:solidFill>
+                  <a:schemeClr val="tx1"/>
+                </a:solidFill>
+                <a:latin typeface="DM Mono" panose="020B0509040201040103" pitchFamily="49" charset="0"/>
+              </a:rPr>
+              <a:t>0</a:t>
+            </a:r>
+            <a:endParaRPr kumimoji="1" lang="ko-Kore-KR" altLang="en-US" sz="1200" dirty="0">
+              <a:solidFill>
+                <a:schemeClr val="tx1"/>
+              </a:solidFill>
+              <a:latin typeface="DM Mono" panose="020B0509040201040103" pitchFamily="49" charset="0"/>
+            </a:endParaRPr>
+          </a:p>
+        </p:txBody>
+      </p:sp>
+      <p:sp>
+        <p:nvSpPr>
+          <p:cNvPr id="7" name="TextBox 6">
+            <a:extLst>
+              <a:ext uri="{FF2B5EF4-FFF2-40B4-BE49-F238E27FC236}">
+                <a16:creationId xmlns:a16="http://schemas.microsoft.com/office/drawing/2014/main" id="{64F42461-1DCC-F2E4-16D8-201B15D0AFFE}"/>
+              </a:ext>
+            </a:extLst>
+          </p:cNvPr>
+          <p:cNvSpPr txBox="1"/>
+          <p:nvPr/>
+        </p:nvSpPr>
+        <p:spPr>
+          <a:xfrm>
+            <a:off x="8824210" y="1428173"/>
+            <a:ext cx="950628" cy="261610"/>
+          </a:xfrm>
+          <a:prstGeom prst="rect">
+            <a:avLst/>
+          </a:prstGeom>
+          <a:noFill/>
+        </p:spPr>
+        <p:txBody>
+          <a:bodyPr wrap="square">
+            <a:spAutoFit/>
+          </a:bodyPr>
+          <a:lstStyle/>
+          <a:p>
             <a:pPr algn="r"/>
             <a:r>
               <a:rPr kumimoji="1" lang="en-US" altLang="ko-Kore-KR" sz="1100" dirty="0">
                 <a:latin typeface="DM Mono" panose="020B0509040201040103" pitchFamily="49" charset="0"/>
               </a:rPr>
+              <a:t>Car::</a:t>
+            </a:r>
+            <a:r>
+              <a:rPr kumimoji="1" lang="en-US" altLang="ko-Kore-KR" sz="1100" dirty="0" err="1">
+                <a:latin typeface="DM Mono" panose="020B0509040201040103" pitchFamily="49" charset="0"/>
+              </a:rPr>
+              <a:t>cnt</a:t>
+            </a:r>
+            <a:endParaRPr kumimoji="1" lang="ko-Kore-KR" altLang="en-US" sz="1100" dirty="0">
+              <a:solidFill>
+                <a:schemeClr val="tx1"/>
+              </a:solidFill>
+              <a:latin typeface="DM Mono" panose="020B0509040201040103" pitchFamily="49" charset="0"/>
+            </a:endParaRPr>
+          </a:p>
+        </p:txBody>
+      </p:sp>
+    </p:spTree>
+    <p:extLst>
+      <p:ext uri="{BB962C8B-B14F-4D97-AF65-F5344CB8AC3E}">
+        <p14:creationId xmlns:p14="http://schemas.microsoft.com/office/powerpoint/2010/main" val="1374311571"/>
+      </p:ext>
+    </p:extLst>
+  </p:cSld>
+  <p:clrMapOvr>
+    <a:masterClrMapping/>
+  </p:clrMapOvr>
+</p:sld>
+</file>
+
+<file path=ppt/slides/slide28.xml><?xml version="1.0" encoding="utf-8"?>
+<p:sld xmlns:a="http://schemas.openxmlformats.org/drawingml/2006/main" xmlns:r="http://schemas.openxmlformats.org/officeDocument/2006/relationships" xmlns:p="http://schemas.openxmlformats.org/presentationml/2006/main">
+  <p:cSld>
+    <p:spTree>
+      <p:nvGrpSpPr>
+        <p:cNvPr id="1" name=""/>
+        <p:cNvGrpSpPr/>
+        <p:nvPr/>
+      </p:nvGrpSpPr>
+      <p:grpSpPr>
+        <a:xfrm>
+          <a:off x="0" y="0"/>
+          <a:ext cx="0" cy="0"/>
+          <a:chOff x="0" y="0"/>
+          <a:chExt cx="0" cy="0"/>
+        </a:xfrm>
+      </p:grpSpPr>
+      <p:sp>
+        <p:nvSpPr>
+          <p:cNvPr id="5" name="TextBox 4">
+            <a:extLst>
+              <a:ext uri="{FF2B5EF4-FFF2-40B4-BE49-F238E27FC236}">
+                <a16:creationId xmlns:a16="http://schemas.microsoft.com/office/drawing/2014/main" id="{30A4A4E1-78DD-C0E4-84BC-7140EEB81421}"/>
+              </a:ext>
+            </a:extLst>
+          </p:cNvPr>
+          <p:cNvSpPr txBox="1"/>
+          <p:nvPr/>
+        </p:nvSpPr>
+        <p:spPr>
+          <a:xfrm>
+            <a:off x="504669" y="320189"/>
+            <a:ext cx="6096000" cy="3416320"/>
+          </a:xfrm>
+          <a:prstGeom prst="rect">
+            <a:avLst/>
+          </a:prstGeom>
+          <a:noFill/>
+        </p:spPr>
+        <p:txBody>
+          <a:bodyPr wrap="square">
+            <a:spAutoFit/>
+          </a:bodyPr>
+          <a:lstStyle/>
+          <a:p>
+            <a:r>
+              <a:rPr lang="ko-Kore-KR" altLang="en-US" sz="1200" dirty="0">
+                <a:latin typeface="DM Mono" panose="020B0509040201040103" pitchFamily="49" charset="0"/>
+              </a:rPr>
+              <a:t>class Car {</a:t>
+            </a:r>
+          </a:p>
+          <a:p>
+            <a:r>
+              <a:rPr lang="ko-Kore-KR" altLang="en-US" sz="1200" dirty="0">
+                <a:latin typeface="DM Mono" panose="020B0509040201040103" pitchFamily="49" charset="0"/>
+              </a:rPr>
+              <a:t>private:</a:t>
+            </a:r>
+          </a:p>
+          <a:p>
+            <a:r>
+              <a:rPr lang="ko-Kore-KR" altLang="en-US" sz="1200" dirty="0">
+                <a:latin typeface="DM Mono" panose="020B0509040201040103" pitchFamily="49" charset="0"/>
+              </a:rPr>
+              <a:t>    int color;</a:t>
+            </a:r>
+          </a:p>
+          <a:p>
+            <a:endParaRPr lang="ko-Kore-KR" altLang="en-US" sz="1200" dirty="0">
+              <a:latin typeface="DM Mono" panose="020B0509040201040103" pitchFamily="49" charset="0"/>
+            </a:endParaRPr>
+          </a:p>
+          <a:p>
+            <a:r>
+              <a:rPr lang="ko-Kore-KR" altLang="en-US" sz="1200" dirty="0">
+                <a:latin typeface="DM Mono" panose="020B0509040201040103" pitchFamily="49" charset="0"/>
+              </a:rPr>
+              <a:t>public:</a:t>
+            </a:r>
+          </a:p>
+          <a:p>
+            <a:r>
+              <a:rPr lang="ko-Kore-KR" altLang="en-US" sz="1200" dirty="0">
+                <a:latin typeface="DM Mono" panose="020B0509040201040103" pitchFamily="49" charset="0"/>
+              </a:rPr>
+              <a:t>    static int cnt; </a:t>
+            </a:r>
+            <a:endParaRPr lang="en-US" altLang="ko-Kore-KR" sz="1200" dirty="0">
+              <a:latin typeface="DM Mono" panose="020B0509040201040103" pitchFamily="49" charset="0"/>
+            </a:endParaRPr>
+          </a:p>
+          <a:p>
+            <a:endParaRPr lang="ko-Kore-KR" altLang="en-US" sz="1200" dirty="0">
+              <a:latin typeface="DM Mono" panose="020B0509040201040103" pitchFamily="49" charset="0"/>
+            </a:endParaRPr>
+          </a:p>
+          <a:p>
+            <a:r>
+              <a:rPr lang="ko-Kore-KR" altLang="en-US" sz="1200" dirty="0">
+                <a:latin typeface="DM Mono" panose="020B0509040201040103" pitchFamily="49" charset="0"/>
+              </a:rPr>
+              <a:t>    Car() { cnt++; }</a:t>
+            </a:r>
+          </a:p>
+          <a:p>
+            <a:r>
+              <a:rPr lang="ko-Kore-KR" altLang="en-US" sz="1200" dirty="0">
+                <a:latin typeface="DM Mono" panose="020B0509040201040103" pitchFamily="49" charset="0"/>
+              </a:rPr>
+              <a:t>    ~Car() { cnt--; }</a:t>
+            </a:r>
+          </a:p>
+          <a:p>
+            <a:r>
+              <a:rPr lang="ko-Kore-KR" altLang="en-US" sz="1200" dirty="0">
+                <a:latin typeface="DM Mono" panose="020B0509040201040103" pitchFamily="49" charset="0"/>
+              </a:rPr>
+              <a:t>};</a:t>
+            </a:r>
+            <a:endParaRPr lang="en-US" altLang="ko-Kore-KR" sz="1200" dirty="0">
+              <a:latin typeface="DM Mono" panose="020B0509040201040103" pitchFamily="49" charset="0"/>
+            </a:endParaRPr>
+          </a:p>
+          <a:p>
+            <a:endParaRPr lang="en-US" altLang="ko-Kore-KR" sz="1200" dirty="0">
+              <a:latin typeface="DM Mono" panose="020B0509040201040103" pitchFamily="49" charset="0"/>
+            </a:endParaRPr>
+          </a:p>
+          <a:p>
+            <a:r>
+              <a:rPr lang="en-US" altLang="ko-Kore-KR" sz="1200" dirty="0">
+                <a:latin typeface="DM Mono" panose="020B0509040201040103" pitchFamily="49" charset="0"/>
+              </a:rPr>
+              <a:t>int Car::</a:t>
+            </a:r>
+            <a:r>
+              <a:rPr lang="en-US" altLang="ko-Kore-KR" sz="1200" dirty="0" err="1">
+                <a:latin typeface="DM Mono" panose="020B0509040201040103" pitchFamily="49" charset="0"/>
+              </a:rPr>
+              <a:t>cnt</a:t>
+            </a:r>
+            <a:r>
+              <a:rPr lang="en-US" altLang="ko-Kore-KR" sz="1200" dirty="0">
+                <a:latin typeface="DM Mono" panose="020B0509040201040103" pitchFamily="49" charset="0"/>
+              </a:rPr>
+              <a:t> = 0;</a:t>
+            </a:r>
+          </a:p>
+          <a:p>
+            <a:endParaRPr lang="en-US" altLang="ko-Kore-KR" sz="1200" dirty="0">
+              <a:latin typeface="DM Mono" panose="020B0509040201040103" pitchFamily="49" charset="0"/>
+            </a:endParaRPr>
+          </a:p>
+          <a:p>
+            <a:r>
+              <a:rPr lang="en" altLang="ko-Kore-KR" sz="1200" dirty="0">
+                <a:latin typeface="DM Mono" panose="020B0509040201040103" pitchFamily="49" charset="0"/>
+              </a:rPr>
+              <a:t>int main()</a:t>
+            </a:r>
+          </a:p>
+          <a:p>
+            <a:r>
+              <a:rPr lang="en" altLang="ko-Kore-KR" sz="1200" dirty="0">
+                <a:latin typeface="DM Mono" panose="020B0509040201040103" pitchFamily="49" charset="0"/>
+              </a:rPr>
+              <a:t>{</a:t>
+            </a:r>
+          </a:p>
+          <a:p>
+            <a:r>
+              <a:rPr lang="en" altLang="ko-Kore-KR" sz="1200" dirty="0">
+                <a:solidFill>
+                  <a:srgbClr val="FF0000"/>
+                </a:solidFill>
+                <a:latin typeface="DM Mono" panose="020B0509040201040103" pitchFamily="49" charset="0"/>
+              </a:rPr>
+              <a:t>    Car c1;</a:t>
+            </a:r>
+          </a:p>
+          <a:p>
+            <a:r>
+              <a:rPr lang="en" altLang="ko-Kore-KR" sz="1200" dirty="0">
+                <a:solidFill>
+                  <a:srgbClr val="FF0000"/>
+                </a:solidFill>
+                <a:latin typeface="DM Mono" panose="020B0509040201040103" pitchFamily="49" charset="0"/>
+              </a:rPr>
+              <a:t>    Car c2;</a:t>
+            </a:r>
+            <a:endParaRPr lang="en-US" altLang="ko-Kore-KR" sz="1200" dirty="0">
+              <a:solidFill>
+                <a:srgbClr val="FF0000"/>
+              </a:solidFill>
+              <a:latin typeface="DM Mono" panose="020B0509040201040103" pitchFamily="49" charset="0"/>
+            </a:endParaRPr>
+          </a:p>
+          <a:p>
+            <a:r>
+              <a:rPr lang="en-US" altLang="ko-Kore-KR" sz="1200" dirty="0">
+                <a:latin typeface="DM Mono" panose="020B0509040201040103" pitchFamily="49" charset="0"/>
+              </a:rPr>
+              <a:t>}</a:t>
+            </a:r>
+            <a:endParaRPr lang="ko-Kore-KR" altLang="en-US" sz="1200" dirty="0">
+              <a:latin typeface="DM Mono" panose="020B0509040201040103" pitchFamily="49" charset="0"/>
+            </a:endParaRPr>
+          </a:p>
+        </p:txBody>
+      </p:sp>
+      <p:sp>
+        <p:nvSpPr>
+          <p:cNvPr id="6" name="직사각형 5">
+            <a:extLst>
+              <a:ext uri="{FF2B5EF4-FFF2-40B4-BE49-F238E27FC236}">
+                <a16:creationId xmlns:a16="http://schemas.microsoft.com/office/drawing/2014/main" id="{90EAFDB5-4BF2-013F-48E5-534DCABA59A4}"/>
+              </a:ext>
+            </a:extLst>
+          </p:cNvPr>
+          <p:cNvSpPr/>
+          <p:nvPr/>
+        </p:nvSpPr>
+        <p:spPr>
+          <a:xfrm>
+            <a:off x="9774838" y="1349116"/>
+            <a:ext cx="769495" cy="419724"/>
+          </a:xfrm>
+          <a:prstGeom prst="rect">
+            <a:avLst/>
+          </a:prstGeom>
+          <a:solidFill>
+            <a:schemeClr val="accent4">
+              <a:lumMod val="60000"/>
+              <a:lumOff val="40000"/>
+            </a:schemeClr>
+          </a:solidFill>
+        </p:spPr>
+        <p:style>
+          <a:lnRef idx="2">
+            <a:schemeClr val="accent4">
+              <a:shade val="15000"/>
+            </a:schemeClr>
+          </a:lnRef>
+          <a:fillRef idx="1">
+            <a:schemeClr val="accent4"/>
+          </a:fillRef>
+          <a:effectRef idx="0">
+            <a:schemeClr val="accent4"/>
+          </a:effectRef>
+          <a:fontRef idx="minor">
+            <a:schemeClr val="lt1"/>
+          </a:fontRef>
+        </p:style>
+        <p:txBody>
+          <a:bodyPr rtlCol="0" anchor="ctr"/>
+          <a:lstStyle/>
+          <a:p>
+            <a:pPr algn="ctr"/>
+            <a:r>
+              <a:rPr kumimoji="1" lang="en-US" altLang="ko-Kore-KR" sz="1200" dirty="0">
+                <a:solidFill>
+                  <a:schemeClr val="tx1"/>
+                </a:solidFill>
+                <a:latin typeface="DM Mono" panose="020B0509040201040103" pitchFamily="49" charset="0"/>
+              </a:rPr>
+              <a:t>0</a:t>
+            </a:r>
+            <a:endParaRPr kumimoji="1" lang="ko-Kore-KR" altLang="en-US" sz="1200" dirty="0">
+              <a:solidFill>
+                <a:schemeClr val="tx1"/>
+              </a:solidFill>
+              <a:latin typeface="DM Mono" panose="020B0509040201040103" pitchFamily="49" charset="0"/>
+            </a:endParaRPr>
+          </a:p>
+        </p:txBody>
+      </p:sp>
+      <p:sp>
+        <p:nvSpPr>
+          <p:cNvPr id="7" name="TextBox 6">
+            <a:extLst>
+              <a:ext uri="{FF2B5EF4-FFF2-40B4-BE49-F238E27FC236}">
+                <a16:creationId xmlns:a16="http://schemas.microsoft.com/office/drawing/2014/main" id="{64F42461-1DCC-F2E4-16D8-201B15D0AFFE}"/>
+              </a:ext>
+            </a:extLst>
+          </p:cNvPr>
+          <p:cNvSpPr txBox="1"/>
+          <p:nvPr/>
+        </p:nvSpPr>
+        <p:spPr>
+          <a:xfrm>
+            <a:off x="8824210" y="1428173"/>
+            <a:ext cx="950628" cy="261610"/>
+          </a:xfrm>
+          <a:prstGeom prst="rect">
+            <a:avLst/>
+          </a:prstGeom>
+          <a:noFill/>
+        </p:spPr>
+        <p:txBody>
+          <a:bodyPr wrap="square">
+            <a:spAutoFit/>
+          </a:bodyPr>
+          <a:lstStyle/>
+          <a:p>
+            <a:pPr algn="r"/>
+            <a:r>
+              <a:rPr kumimoji="1" lang="en-US" altLang="ko-Kore-KR" sz="1100" dirty="0">
+                <a:latin typeface="DM Mono" panose="020B0509040201040103" pitchFamily="49" charset="0"/>
+              </a:rPr>
+              <a:t>Car::</a:t>
+            </a:r>
+            <a:r>
+              <a:rPr kumimoji="1" lang="en-US" altLang="ko-Kore-KR" sz="1100" dirty="0" err="1">
+                <a:latin typeface="DM Mono" panose="020B0509040201040103" pitchFamily="49" charset="0"/>
+              </a:rPr>
+              <a:t>cnt</a:t>
+            </a:r>
+            <a:endParaRPr kumimoji="1" lang="ko-Kore-KR" altLang="en-US" sz="1100" dirty="0">
+              <a:solidFill>
+                <a:schemeClr val="tx1"/>
+              </a:solidFill>
+              <a:latin typeface="DM Mono" panose="020B0509040201040103" pitchFamily="49" charset="0"/>
+            </a:endParaRPr>
+          </a:p>
+        </p:txBody>
+      </p:sp>
+      <p:sp>
+        <p:nvSpPr>
+          <p:cNvPr id="2" name="직사각형 1">
+            <a:extLst>
+              <a:ext uri="{FF2B5EF4-FFF2-40B4-BE49-F238E27FC236}">
+                <a16:creationId xmlns:a16="http://schemas.microsoft.com/office/drawing/2014/main" id="{E06DA101-531B-154F-B7AB-6D01DEF73D7A}"/>
+              </a:ext>
+            </a:extLst>
+          </p:cNvPr>
+          <p:cNvSpPr/>
+          <p:nvPr/>
+        </p:nvSpPr>
+        <p:spPr>
+          <a:xfrm>
+            <a:off x="4483310" y="4576999"/>
+            <a:ext cx="769495" cy="419724"/>
+          </a:xfrm>
+          <a:prstGeom prst="rect">
+            <a:avLst/>
+          </a:prstGeom>
+          <a:solidFill>
+            <a:schemeClr val="accent4">
+              <a:lumMod val="60000"/>
+              <a:lumOff val="40000"/>
+            </a:schemeClr>
+          </a:solidFill>
+        </p:spPr>
+        <p:style>
+          <a:lnRef idx="2">
+            <a:schemeClr val="accent4">
+              <a:shade val="15000"/>
+            </a:schemeClr>
+          </a:lnRef>
+          <a:fillRef idx="1">
+            <a:schemeClr val="accent4"/>
+          </a:fillRef>
+          <a:effectRef idx="0">
+            <a:schemeClr val="accent4"/>
+          </a:effectRef>
+          <a:fontRef idx="minor">
+            <a:schemeClr val="lt1"/>
+          </a:fontRef>
+        </p:style>
+        <p:txBody>
+          <a:bodyPr rtlCol="0" anchor="ctr"/>
+          <a:lstStyle/>
+          <a:p>
+            <a:pPr algn="ctr"/>
+            <a:endParaRPr kumimoji="1" lang="ko-Kore-KR" altLang="en-US" sz="1200" dirty="0">
+              <a:solidFill>
+                <a:schemeClr val="tx1"/>
+              </a:solidFill>
+              <a:latin typeface="DM Mono" panose="020B0509040201040103" pitchFamily="49" charset="0"/>
+            </a:endParaRPr>
+          </a:p>
+        </p:txBody>
+      </p:sp>
+      <p:sp>
+        <p:nvSpPr>
+          <p:cNvPr id="3" name="TextBox 2">
+            <a:extLst>
+              <a:ext uri="{FF2B5EF4-FFF2-40B4-BE49-F238E27FC236}">
+                <a16:creationId xmlns:a16="http://schemas.microsoft.com/office/drawing/2014/main" id="{8CA5CA60-1644-C71A-49EA-0F0E0D0BD055}"/>
+              </a:ext>
+            </a:extLst>
+          </p:cNvPr>
+          <p:cNvSpPr txBox="1"/>
+          <p:nvPr/>
+        </p:nvSpPr>
+        <p:spPr>
+          <a:xfrm>
+            <a:off x="3797508" y="4656056"/>
+            <a:ext cx="685802" cy="261610"/>
+          </a:xfrm>
+          <a:prstGeom prst="rect">
+            <a:avLst/>
+          </a:prstGeom>
+          <a:noFill/>
+        </p:spPr>
+        <p:txBody>
+          <a:bodyPr wrap="square">
+            <a:spAutoFit/>
+          </a:bodyPr>
+          <a:lstStyle/>
+          <a:p>
+            <a:pPr algn="r"/>
+            <a:r>
+              <a:rPr kumimoji="1" lang="en-US" altLang="ko-Kore-KR" sz="1100" dirty="0">
+                <a:latin typeface="DM Mono" panose="020B0509040201040103" pitchFamily="49" charset="0"/>
+              </a:rPr>
               <a:t>color</a:t>
             </a:r>
             <a:endParaRPr kumimoji="1" lang="ko-Kore-KR" altLang="en-US" sz="1100" dirty="0">
@@ -20214,10 +21466,10 @@
       </p:sp>
       <p:sp>
         <p:nvSpPr>
-          <p:cNvPr id="10" name="TextBox 9">
-            <a:extLst>
-              <a:ext uri="{FF2B5EF4-FFF2-40B4-BE49-F238E27FC236}">
-                <a16:creationId xmlns:a16="http://schemas.microsoft.com/office/drawing/2014/main" id="{3ADFB67B-BB54-DA8C-141D-48F706B2EF91}"/>
+          <p:cNvPr id="4" name="TextBox 3">
+            <a:extLst>
+              <a:ext uri="{FF2B5EF4-FFF2-40B4-BE49-F238E27FC236}">
+                <a16:creationId xmlns:a16="http://schemas.microsoft.com/office/drawing/2014/main" id="{E7E4C454-01CA-E280-609C-A7419657C7F4}"/>
               </a:ext>
             </a:extLst>
           </p:cNvPr>
@@ -20226,7 +21478,7 @@
         </p:nvSpPr>
         <p:spPr>
           <a:xfrm>
-            <a:off x="6033227" y="4275549"/>
+            <a:off x="4420537" y="4295469"/>
             <a:ext cx="895039" cy="261610"/>
           </a:xfrm>
           <a:prstGeom prst="rect">
@@ -20248,6 +21500,154 @@
                 </a:solidFill>
                 <a:latin typeface="DM Mono" panose="020B0509040201040103" pitchFamily="49" charset="0"/>
               </a:rPr>
+              <a:t>c1</a:t>
+            </a:r>
+            <a:endParaRPr kumimoji="1" lang="ko-Kore-KR" altLang="en-US" sz="1100" dirty="0">
+              <a:solidFill>
+                <a:schemeClr val="tx1"/>
+              </a:solidFill>
+              <a:latin typeface="DM Mono" panose="020B0509040201040103" pitchFamily="49" charset="0"/>
+            </a:endParaRPr>
+          </a:p>
+        </p:txBody>
+      </p:sp>
+      <p:sp>
+        <p:nvSpPr>
+          <p:cNvPr id="8" name="직사각형 7">
+            <a:extLst>
+              <a:ext uri="{FF2B5EF4-FFF2-40B4-BE49-F238E27FC236}">
+                <a16:creationId xmlns:a16="http://schemas.microsoft.com/office/drawing/2014/main" id="{D998B1A7-CA78-65A5-A93F-4ECCE4E2CEBB}"/>
+              </a:ext>
+            </a:extLst>
+          </p:cNvPr>
+          <p:cNvSpPr/>
+          <p:nvPr/>
+        </p:nvSpPr>
+        <p:spPr>
+          <a:xfrm>
+            <a:off x="6096000" y="4557079"/>
+            <a:ext cx="769495" cy="419724"/>
+          </a:xfrm>
+          <a:prstGeom prst="rect">
+            <a:avLst/>
+          </a:prstGeom>
+          <a:solidFill>
+            <a:schemeClr val="accent4">
+              <a:lumMod val="60000"/>
+              <a:lumOff val="40000"/>
+            </a:schemeClr>
+          </a:solidFill>
+        </p:spPr>
+        <p:style>
+          <a:lnRef idx="2">
+            <a:schemeClr val="accent4">
+              <a:shade val="15000"/>
+            </a:schemeClr>
+          </a:lnRef>
+          <a:fillRef idx="1">
+            <a:schemeClr val="accent4"/>
+          </a:fillRef>
+          <a:effectRef idx="0">
+            <a:schemeClr val="accent4"/>
+          </a:effectRef>
+          <a:fontRef idx="minor">
+            <a:schemeClr val="lt1"/>
+          </a:fontRef>
+        </p:style>
+        <p:txBody>
+          <a:bodyPr rtlCol="0" anchor="ctr"/>
+          <a:lstStyle/>
+          <a:p>
+            <a:pPr algn="ctr"/>
+            <a:endParaRPr kumimoji="1" lang="ko-Kore-KR" altLang="en-US" sz="1200" dirty="0">
+              <a:solidFill>
+                <a:schemeClr val="tx1"/>
+              </a:solidFill>
+              <a:latin typeface="DM Mono" panose="020B0509040201040103" pitchFamily="49" charset="0"/>
+            </a:endParaRPr>
+          </a:p>
+        </p:txBody>
+      </p:sp>
+      <p:sp>
+        <p:nvSpPr>
+          <p:cNvPr id="9" name="TextBox 8">
+            <a:extLst>
+              <a:ext uri="{FF2B5EF4-FFF2-40B4-BE49-F238E27FC236}">
+                <a16:creationId xmlns:a16="http://schemas.microsoft.com/office/drawing/2014/main" id="{96E04830-2703-61AE-7F73-A6ACEDCA6A97}"/>
+              </a:ext>
+            </a:extLst>
+          </p:cNvPr>
+          <p:cNvSpPr txBox="1"/>
+          <p:nvPr/>
+        </p:nvSpPr>
+        <p:spPr>
+          <a:xfrm>
+            <a:off x="5410198" y="4636136"/>
+            <a:ext cx="685802" cy="261610"/>
+          </a:xfrm>
+          <a:prstGeom prst="rect">
+            <a:avLst/>
+          </a:prstGeom>
+          <a:noFill/>
+        </p:spPr>
+        <p:txBody>
+          <a:bodyPr wrap="square">
+            <a:spAutoFit/>
+          </a:bodyPr>
+          <a:lstStyle/>
+          <a:p>
+            <a:pPr algn="r"/>
+            <a:r>
+              <a:rPr kumimoji="1" lang="en-US" altLang="ko-Kore-KR" sz="1100" dirty="0">
+                <a:latin typeface="DM Mono" panose="020B0509040201040103" pitchFamily="49" charset="0"/>
+              </a:rPr>
+              <a:t>color</a:t>
+            </a:r>
+            <a:endParaRPr kumimoji="1" lang="ko-Kore-KR" altLang="en-US" sz="1100" dirty="0">
+              <a:solidFill>
+                <a:schemeClr val="tx1"/>
+              </a:solidFill>
+              <a:latin typeface="DM Mono" panose="020B0509040201040103" pitchFamily="49" charset="0"/>
+            </a:endParaRPr>
+          </a:p>
+        </p:txBody>
+      </p:sp>
+      <p:sp>
+        <p:nvSpPr>
+          <p:cNvPr id="10" name="TextBox 9">
+            <a:extLst>
+              <a:ext uri="{FF2B5EF4-FFF2-40B4-BE49-F238E27FC236}">
+                <a16:creationId xmlns:a16="http://schemas.microsoft.com/office/drawing/2014/main" id="{3ADFB67B-BB54-DA8C-141D-48F706B2EF91}"/>
+              </a:ext>
+            </a:extLst>
+          </p:cNvPr>
+          <p:cNvSpPr txBox="1"/>
+          <p:nvPr/>
+        </p:nvSpPr>
+        <p:spPr>
+          <a:xfrm>
+            <a:off x="6033227" y="4275549"/>
+            <a:ext cx="895039" cy="261610"/>
+          </a:xfrm>
+          <a:prstGeom prst="rect">
+            <a:avLst/>
+          </a:prstGeom>
+          <a:noFill/>
+        </p:spPr>
+        <p:txBody>
+          <a:bodyPr wrap="square">
+            <a:spAutoFit/>
+          </a:bodyPr>
+          <a:lstStyle/>
+          <a:p>
+            <a:pPr algn="ctr"/>
+            <a:r>
+              <a:rPr kumimoji="1" lang="en-US" altLang="ko-Kore-KR" sz="1100" dirty="0">
+                <a:solidFill>
+                  <a:schemeClr val="tx1"/>
+                </a:solidFill>
+                <a:latin typeface="DM Mono" panose="020B0509040201040103" pitchFamily="49" charset="0"/>
+              </a:rPr>
               <a:t>c2</a:t>
             </a:r>
             <a:endParaRPr kumimoji="1" lang="ko-Kore-KR" altLang="en-US" sz="1100" dirty="0">
@@ -20263,6 +21663,1137 @@
     <p:extLst>
       <p:ext uri="{BB962C8B-B14F-4D97-AF65-F5344CB8AC3E}">
         <p14:creationId xmlns:p14="http://schemas.microsoft.com/office/powerpoint/2010/main" val="865816238"/>
+      </p:ext>
+    </p:extLst>
+  </p:cSld>
+  <p:clrMapOvr>
+    <a:masterClrMapping/>
+  </p:clrMapOvr>
+</p:sld>
+</file>
+
+<file path=ppt/slides/slide29.xml><?xml version="1.0" encoding="utf-8"?>
+<p:sld xmlns:a="http://schemas.openxmlformats.org/drawingml/2006/main" xmlns:r="http://schemas.openxmlformats.org/officeDocument/2006/relationships" xmlns:p="http://schemas.openxmlformats.org/presentationml/2006/main">
+  <p:cSld>
+    <p:spTree>
+      <p:nvGrpSpPr>
+        <p:cNvPr id="1" name=""/>
+        <p:cNvGrpSpPr/>
+        <p:nvPr/>
+      </p:nvGrpSpPr>
+      <p:grpSpPr>
+        <a:xfrm>
+          <a:off x="0" y="0"/>
+          <a:ext cx="0" cy="0"/>
+          <a:chOff x="0" y="0"/>
+          <a:chExt cx="0" cy="0"/>
+        </a:xfrm>
+      </p:grpSpPr>
+      <p:sp>
+        <p:nvSpPr>
+          <p:cNvPr id="5" name="TextBox 4">
+            <a:extLst>
+              <a:ext uri="{FF2B5EF4-FFF2-40B4-BE49-F238E27FC236}">
+                <a16:creationId xmlns:a16="http://schemas.microsoft.com/office/drawing/2014/main" id="{2C9EC753-F62E-7AB6-7177-0DBB47585498}"/>
+              </a:ext>
+            </a:extLst>
+          </p:cNvPr>
+          <p:cNvSpPr txBox="1"/>
+          <p:nvPr/>
+        </p:nvSpPr>
+        <p:spPr>
+          <a:xfrm>
+            <a:off x="264827" y="186555"/>
+            <a:ext cx="3412760" cy="3600986"/>
+          </a:xfrm>
+          <a:prstGeom prst="rect">
+            <a:avLst/>
+          </a:prstGeom>
+          <a:noFill/>
+        </p:spPr>
+        <p:txBody>
+          <a:bodyPr wrap="square">
+            <a:spAutoFit/>
+          </a:bodyPr>
+          <a:lstStyle/>
+          <a:p>
+            <a:r>
+              <a:rPr lang="ko-Kore-KR" altLang="en-US" sz="1200" dirty="0">
+                <a:latin typeface="DM Mono" panose="020B0509040201040103" pitchFamily="49" charset="0"/>
+              </a:rPr>
+              <a:t>class Dog {</a:t>
+            </a:r>
+          </a:p>
+          <a:p>
+            <a:r>
+              <a:rPr lang="ko-Kore-KR" altLang="en-US" sz="1200" dirty="0">
+                <a:latin typeface="DM Mono" panose="020B0509040201040103" pitchFamily="49" charset="0"/>
+              </a:rPr>
+              <a:t>    int color;</a:t>
+            </a:r>
+          </a:p>
+          <a:p>
+            <a:r>
+              <a:rPr lang="ko-Kore-KR" altLang="en-US" sz="1200" dirty="0">
+                <a:latin typeface="DM Mono" panose="020B0509040201040103" pitchFamily="49" charset="0"/>
+              </a:rPr>
+              <a:t>    int age;</a:t>
+            </a:r>
+          </a:p>
+          <a:p>
+            <a:r>
+              <a:rPr lang="ko-Kore-KR" altLang="en-US" sz="1200" dirty="0">
+                <a:latin typeface="DM Mono" panose="020B0509040201040103" pitchFamily="49" charset="0"/>
+              </a:rPr>
+              <a:t>    string name;</a:t>
+            </a:r>
+          </a:p>
+          <a:p>
+            <a:r>
+              <a:rPr lang="ko-Kore-KR" altLang="en-US" sz="1200" dirty="0">
+                <a:latin typeface="DM Mono" panose="020B0509040201040103" pitchFamily="49" charset="0"/>
+              </a:rPr>
+              <a:t>    string owner;</a:t>
+            </a:r>
+          </a:p>
+          <a:p>
+            <a:r>
+              <a:rPr lang="ko-Kore-KR" altLang="en-US" sz="1200" dirty="0">
+                <a:latin typeface="DM Mono" panose="020B0509040201040103" pitchFamily="49" charset="0"/>
+              </a:rPr>
+              <a:t>};</a:t>
+            </a:r>
+          </a:p>
+          <a:p>
+            <a:endParaRPr lang="ko-Kore-KR" altLang="en-US" sz="1200" dirty="0">
+              <a:latin typeface="DM Mono" panose="020B0509040201040103" pitchFamily="49" charset="0"/>
+            </a:endParaRPr>
+          </a:p>
+          <a:p>
+            <a:r>
+              <a:rPr lang="ko-Kore-KR" altLang="en-US" sz="1200" dirty="0">
+                <a:latin typeface="DM Mono" panose="020B0509040201040103" pitchFamily="49" charset="0"/>
+              </a:rPr>
+              <a:t>class Cat {</a:t>
+            </a:r>
+            <a:endParaRPr lang="en-US" altLang="ko-Kore-KR" sz="1200" dirty="0">
+              <a:latin typeface="DM Mono" panose="020B0509040201040103" pitchFamily="49" charset="0"/>
+            </a:endParaRPr>
+          </a:p>
+          <a:p>
+            <a:r>
+              <a:rPr lang="en-US" altLang="ko-Kore-KR" sz="1200" dirty="0">
+                <a:latin typeface="DM Mono" panose="020B0509040201040103" pitchFamily="49" charset="0"/>
+              </a:rPr>
+              <a:t>    int color;</a:t>
+            </a:r>
+            <a:endParaRPr lang="ko-Kore-KR" altLang="en-US" sz="1200" dirty="0">
+              <a:latin typeface="DM Mono" panose="020B0509040201040103" pitchFamily="49" charset="0"/>
+            </a:endParaRPr>
+          </a:p>
+          <a:p>
+            <a:r>
+              <a:rPr lang="ko-Kore-KR" altLang="en-US" sz="1200" dirty="0">
+                <a:latin typeface="DM Mono" panose="020B0509040201040103" pitchFamily="49" charset="0"/>
+              </a:rPr>
+              <a:t>    int age;</a:t>
+            </a:r>
+          </a:p>
+          <a:p>
+            <a:r>
+              <a:rPr lang="ko-Kore-KR" altLang="en-US" sz="1200" dirty="0">
+                <a:latin typeface="DM Mono" panose="020B0509040201040103" pitchFamily="49" charset="0"/>
+              </a:rPr>
+              <a:t>    string name;</a:t>
+            </a:r>
+          </a:p>
+          <a:p>
+            <a:r>
+              <a:rPr lang="ko-Kore-KR" altLang="en-US" sz="1200" dirty="0">
+                <a:latin typeface="DM Mono" panose="020B0509040201040103" pitchFamily="49" charset="0"/>
+              </a:rPr>
+              <a:t>    string address;</a:t>
+            </a:r>
+          </a:p>
+          <a:p>
+            <a:r>
+              <a:rPr lang="ko-Kore-KR" altLang="en-US" sz="1200" dirty="0">
+                <a:latin typeface="DM Mono" panose="020B0509040201040103" pitchFamily="49" charset="0"/>
+              </a:rPr>
+              <a:t>};</a:t>
+            </a:r>
+          </a:p>
+          <a:p>
+            <a:endParaRPr lang="ko-Kore-KR" altLang="en-US" sz="1200" dirty="0">
+              <a:latin typeface="DM Mono" panose="020B0509040201040103" pitchFamily="49" charset="0"/>
+            </a:endParaRPr>
+          </a:p>
+          <a:p>
+            <a:r>
+              <a:rPr lang="ko-Kore-KR" altLang="en-US" sz="1200" dirty="0">
+                <a:latin typeface="DM Mono" panose="020B0509040201040103" pitchFamily="49" charset="0"/>
+              </a:rPr>
+              <a:t>int main()</a:t>
+            </a:r>
+          </a:p>
+          <a:p>
+            <a:r>
+              <a:rPr lang="ko-Kore-KR" altLang="en-US" sz="1200" dirty="0">
+                <a:latin typeface="DM Mono" panose="020B0509040201040103" pitchFamily="49" charset="0"/>
+              </a:rPr>
+              <a:t>{</a:t>
+            </a:r>
+          </a:p>
+          <a:p>
+            <a:r>
+              <a:rPr lang="ko-Kore-KR" altLang="en-US" sz="1200" dirty="0">
+                <a:latin typeface="DM Mono" panose="020B0509040201040103" pitchFamily="49" charset="0"/>
+              </a:rPr>
+              <a:t>    Dog d;</a:t>
+            </a:r>
+          </a:p>
+          <a:p>
+            <a:r>
+              <a:rPr lang="ko-Kore-KR" altLang="en-US" sz="1200" dirty="0">
+                <a:latin typeface="DM Mono" panose="020B0509040201040103" pitchFamily="49" charset="0"/>
+              </a:rPr>
+              <a:t>    Cat c;</a:t>
+            </a:r>
+          </a:p>
+          <a:p>
+            <a:r>
+              <a:rPr lang="ko-Kore-KR" altLang="en-US" sz="1200" dirty="0">
+                <a:latin typeface="DM Mono" panose="020B0509040201040103" pitchFamily="49" charset="0"/>
+              </a:rPr>
+              <a:t>}</a:t>
+            </a:r>
+          </a:p>
+        </p:txBody>
+      </p:sp>
+      <p:sp>
+        <p:nvSpPr>
+          <p:cNvPr id="6" name="직사각형 5">
+            <a:extLst>
+              <a:ext uri="{FF2B5EF4-FFF2-40B4-BE49-F238E27FC236}">
+                <a16:creationId xmlns:a16="http://schemas.microsoft.com/office/drawing/2014/main" id="{865BB9AD-6472-60D1-588E-79B55839BD58}"/>
+              </a:ext>
+            </a:extLst>
+          </p:cNvPr>
+          <p:cNvSpPr/>
+          <p:nvPr/>
+        </p:nvSpPr>
+        <p:spPr>
+          <a:xfrm>
+            <a:off x="5547612" y="3762531"/>
+            <a:ext cx="769495" cy="419724"/>
+          </a:xfrm>
+          <a:prstGeom prst="rect">
+            <a:avLst/>
+          </a:prstGeom>
+          <a:solidFill>
+            <a:schemeClr val="accent4">
+              <a:lumMod val="60000"/>
+              <a:lumOff val="40000"/>
+            </a:schemeClr>
+          </a:solidFill>
+        </p:spPr>
+        <p:style>
+          <a:lnRef idx="2">
+            <a:schemeClr val="accent4">
+              <a:shade val="15000"/>
+            </a:schemeClr>
+          </a:lnRef>
+          <a:fillRef idx="1">
+            <a:schemeClr val="accent4"/>
+          </a:fillRef>
+          <a:effectRef idx="0">
+            <a:schemeClr val="accent4"/>
+          </a:effectRef>
+          <a:fontRef idx="minor">
+            <a:schemeClr val="lt1"/>
+          </a:fontRef>
+        </p:style>
+        <p:txBody>
+          <a:bodyPr rtlCol="0" anchor="ctr"/>
+          <a:lstStyle/>
+          <a:p>
+            <a:pPr algn="ctr"/>
+            <a:endParaRPr kumimoji="1" lang="ko-Kore-KR" altLang="en-US" sz="1200" dirty="0">
+              <a:solidFill>
+                <a:schemeClr val="tx1"/>
+              </a:solidFill>
+              <a:latin typeface="DM Mono" panose="020B0509040201040103" pitchFamily="49" charset="0"/>
+            </a:endParaRPr>
+          </a:p>
+        </p:txBody>
+      </p:sp>
+      <p:sp>
+        <p:nvSpPr>
+          <p:cNvPr id="7" name="TextBox 6">
+            <a:extLst>
+              <a:ext uri="{FF2B5EF4-FFF2-40B4-BE49-F238E27FC236}">
+                <a16:creationId xmlns:a16="http://schemas.microsoft.com/office/drawing/2014/main" id="{9BA72D84-1C52-D197-375F-76C98BEFFEAB}"/>
+              </a:ext>
+            </a:extLst>
+          </p:cNvPr>
+          <p:cNvSpPr txBox="1"/>
+          <p:nvPr/>
+        </p:nvSpPr>
+        <p:spPr>
+          <a:xfrm>
+            <a:off x="4861810" y="3841588"/>
+            <a:ext cx="685802" cy="261610"/>
+          </a:xfrm>
+          <a:prstGeom prst="rect">
+            <a:avLst/>
+          </a:prstGeom>
+          <a:noFill/>
+        </p:spPr>
+        <p:txBody>
+          <a:bodyPr wrap="square">
+            <a:spAutoFit/>
+          </a:bodyPr>
+          <a:lstStyle/>
+          <a:p>
+            <a:pPr algn="r"/>
+            <a:r>
+              <a:rPr kumimoji="1" lang="en-US" altLang="ko-Kore-KR" sz="1100" dirty="0">
+                <a:latin typeface="DM Mono" panose="020B0509040201040103" pitchFamily="49" charset="0"/>
+              </a:rPr>
+              <a:t>color</a:t>
+            </a:r>
+            <a:endParaRPr kumimoji="1" lang="ko-Kore-KR" altLang="en-US" sz="1100" dirty="0">
+              <a:solidFill>
+                <a:schemeClr val="tx1"/>
+              </a:solidFill>
+              <a:latin typeface="DM Mono" panose="020B0509040201040103" pitchFamily="49" charset="0"/>
+            </a:endParaRPr>
+          </a:p>
+        </p:txBody>
+      </p:sp>
+      <p:sp>
+        <p:nvSpPr>
+          <p:cNvPr id="8" name="직사각형 7">
+            <a:extLst>
+              <a:ext uri="{FF2B5EF4-FFF2-40B4-BE49-F238E27FC236}">
+                <a16:creationId xmlns:a16="http://schemas.microsoft.com/office/drawing/2014/main" id="{C236FD0A-6C6B-CAE7-07BB-3794E7CB20D6}"/>
+              </a:ext>
+            </a:extLst>
+          </p:cNvPr>
+          <p:cNvSpPr/>
+          <p:nvPr/>
+        </p:nvSpPr>
+        <p:spPr>
+          <a:xfrm>
+            <a:off x="5547612" y="4182255"/>
+            <a:ext cx="769495" cy="419724"/>
+          </a:xfrm>
+          <a:prstGeom prst="rect">
+            <a:avLst/>
+          </a:prstGeom>
+          <a:solidFill>
+            <a:schemeClr val="accent4">
+              <a:lumMod val="60000"/>
+              <a:lumOff val="40000"/>
+            </a:schemeClr>
+          </a:solidFill>
+        </p:spPr>
+        <p:style>
+          <a:lnRef idx="2">
+            <a:schemeClr val="accent4">
+              <a:shade val="15000"/>
+            </a:schemeClr>
+          </a:lnRef>
+          <a:fillRef idx="1">
+            <a:schemeClr val="accent4"/>
+          </a:fillRef>
+          <a:effectRef idx="0">
+            <a:schemeClr val="accent4"/>
+          </a:effectRef>
+          <a:fontRef idx="minor">
+            <a:schemeClr val="lt1"/>
+          </a:fontRef>
+        </p:style>
+        <p:txBody>
+          <a:bodyPr rtlCol="0" anchor="ctr"/>
+          <a:lstStyle/>
+          <a:p>
+            <a:pPr algn="ctr"/>
+            <a:endParaRPr kumimoji="1" lang="ko-Kore-KR" altLang="en-US" sz="1200" dirty="0">
+              <a:solidFill>
+                <a:schemeClr val="tx1"/>
+              </a:solidFill>
+              <a:latin typeface="DM Mono" panose="020B0509040201040103" pitchFamily="49" charset="0"/>
+            </a:endParaRPr>
+          </a:p>
+        </p:txBody>
+      </p:sp>
+      <p:sp>
+        <p:nvSpPr>
+          <p:cNvPr id="9" name="TextBox 8">
+            <a:extLst>
+              <a:ext uri="{FF2B5EF4-FFF2-40B4-BE49-F238E27FC236}">
+                <a16:creationId xmlns:a16="http://schemas.microsoft.com/office/drawing/2014/main" id="{9EF01225-E464-B1C5-E41F-47922F0739B1}"/>
+              </a:ext>
+            </a:extLst>
+          </p:cNvPr>
+          <p:cNvSpPr txBox="1"/>
+          <p:nvPr/>
+        </p:nvSpPr>
+        <p:spPr>
+          <a:xfrm>
+            <a:off x="4961744" y="4261312"/>
+            <a:ext cx="585868" cy="261610"/>
+          </a:xfrm>
+          <a:prstGeom prst="rect">
+            <a:avLst/>
+          </a:prstGeom>
+          <a:noFill/>
+        </p:spPr>
+        <p:txBody>
+          <a:bodyPr wrap="square">
+            <a:spAutoFit/>
+          </a:bodyPr>
+          <a:lstStyle/>
+          <a:p>
+            <a:pPr algn="r"/>
+            <a:r>
+              <a:rPr kumimoji="1" lang="en-US" altLang="ko-Kore-KR" sz="1100" dirty="0">
+                <a:solidFill>
+                  <a:schemeClr val="tx1"/>
+                </a:solidFill>
+                <a:latin typeface="DM Mono" panose="020B0509040201040103" pitchFamily="49" charset="0"/>
+              </a:rPr>
+              <a:t>age</a:t>
+            </a:r>
+            <a:endParaRPr kumimoji="1" lang="ko-Kore-KR" altLang="en-US" sz="1100" dirty="0">
+              <a:solidFill>
+                <a:schemeClr val="tx1"/>
+              </a:solidFill>
+              <a:latin typeface="DM Mono" panose="020B0509040201040103" pitchFamily="49" charset="0"/>
+            </a:endParaRPr>
+          </a:p>
+        </p:txBody>
+      </p:sp>
+      <p:sp>
+        <p:nvSpPr>
+          <p:cNvPr id="10" name="TextBox 9">
+            <a:extLst>
+              <a:ext uri="{FF2B5EF4-FFF2-40B4-BE49-F238E27FC236}">
+                <a16:creationId xmlns:a16="http://schemas.microsoft.com/office/drawing/2014/main" id="{C620A16A-84FF-A0B8-16A5-7F7A439F0604}"/>
+              </a:ext>
+            </a:extLst>
+          </p:cNvPr>
+          <p:cNvSpPr txBox="1"/>
+          <p:nvPr/>
+        </p:nvSpPr>
+        <p:spPr>
+          <a:xfrm>
+            <a:off x="5484839" y="3481001"/>
+            <a:ext cx="895039" cy="261610"/>
+          </a:xfrm>
+          <a:prstGeom prst="rect">
+            <a:avLst/>
+          </a:prstGeom>
+          <a:noFill/>
+        </p:spPr>
+        <p:txBody>
+          <a:bodyPr wrap="square">
+            <a:spAutoFit/>
+          </a:bodyPr>
+          <a:lstStyle/>
+          <a:p>
+            <a:pPr algn="ctr"/>
+            <a:r>
+              <a:rPr kumimoji="1" lang="en-US" altLang="ko-Kore-KR" sz="1100" dirty="0">
+                <a:solidFill>
+                  <a:schemeClr val="tx1"/>
+                </a:solidFill>
+                <a:latin typeface="DM Mono" panose="020B0509040201040103" pitchFamily="49" charset="0"/>
+              </a:rPr>
+              <a:t>Dog d</a:t>
+            </a:r>
+            <a:endParaRPr kumimoji="1" lang="ko-Kore-KR" altLang="en-US" sz="1100" dirty="0">
+              <a:solidFill>
+                <a:schemeClr val="tx1"/>
+              </a:solidFill>
+              <a:latin typeface="DM Mono" panose="020B0509040201040103" pitchFamily="49" charset="0"/>
+            </a:endParaRPr>
+          </a:p>
+        </p:txBody>
+      </p:sp>
+      <p:sp>
+        <p:nvSpPr>
+          <p:cNvPr id="11" name="직사각형 10">
+            <a:extLst>
+              <a:ext uri="{FF2B5EF4-FFF2-40B4-BE49-F238E27FC236}">
+                <a16:creationId xmlns:a16="http://schemas.microsoft.com/office/drawing/2014/main" id="{168F392A-4E3C-BED3-26D1-9496729990CE}"/>
+              </a:ext>
+            </a:extLst>
+          </p:cNvPr>
+          <p:cNvSpPr/>
+          <p:nvPr/>
+        </p:nvSpPr>
+        <p:spPr>
+          <a:xfrm>
+            <a:off x="5547612" y="4601979"/>
+            <a:ext cx="769495" cy="419724"/>
+          </a:xfrm>
+          <a:prstGeom prst="rect">
+            <a:avLst/>
+          </a:prstGeom>
+          <a:solidFill>
+            <a:schemeClr val="accent4">
+              <a:lumMod val="60000"/>
+              <a:lumOff val="40000"/>
+            </a:schemeClr>
+          </a:solidFill>
+        </p:spPr>
+        <p:style>
+          <a:lnRef idx="2">
+            <a:schemeClr val="accent4">
+              <a:shade val="15000"/>
+            </a:schemeClr>
+          </a:lnRef>
+          <a:fillRef idx="1">
+            <a:schemeClr val="accent4"/>
+          </a:fillRef>
+          <a:effectRef idx="0">
+            <a:schemeClr val="accent4"/>
+          </a:effectRef>
+          <a:fontRef idx="minor">
+            <a:schemeClr val="lt1"/>
+          </a:fontRef>
+        </p:style>
+        <p:txBody>
+          <a:bodyPr rtlCol="0" anchor="ctr"/>
+          <a:lstStyle/>
+          <a:p>
+            <a:pPr algn="ctr"/>
+            <a:endParaRPr kumimoji="1" lang="ko-Kore-KR" altLang="en-US" sz="1200" dirty="0">
+              <a:solidFill>
+                <a:schemeClr val="tx1"/>
+              </a:solidFill>
+              <a:latin typeface="DM Mono" panose="020B0509040201040103" pitchFamily="49" charset="0"/>
+            </a:endParaRPr>
+          </a:p>
+        </p:txBody>
+      </p:sp>
+      <p:sp>
+        <p:nvSpPr>
+          <p:cNvPr id="12" name="TextBox 11">
+            <a:extLst>
+              <a:ext uri="{FF2B5EF4-FFF2-40B4-BE49-F238E27FC236}">
+                <a16:creationId xmlns:a16="http://schemas.microsoft.com/office/drawing/2014/main" id="{057DB328-97AE-B74C-108B-0CD767935637}"/>
+              </a:ext>
+            </a:extLst>
+          </p:cNvPr>
+          <p:cNvSpPr txBox="1"/>
+          <p:nvPr/>
+        </p:nvSpPr>
+        <p:spPr>
+          <a:xfrm>
+            <a:off x="4961744" y="4681036"/>
+            <a:ext cx="585868" cy="261610"/>
+          </a:xfrm>
+          <a:prstGeom prst="rect">
+            <a:avLst/>
+          </a:prstGeom>
+          <a:noFill/>
+        </p:spPr>
+        <p:txBody>
+          <a:bodyPr wrap="square">
+            <a:spAutoFit/>
+          </a:bodyPr>
+          <a:lstStyle/>
+          <a:p>
+            <a:pPr algn="r"/>
+            <a:r>
+              <a:rPr kumimoji="1" lang="en-US" altLang="ko-Kore-KR" sz="1100" dirty="0">
+                <a:solidFill>
+                  <a:schemeClr val="tx1"/>
+                </a:solidFill>
+                <a:latin typeface="DM Mono" panose="020B0509040201040103" pitchFamily="49" charset="0"/>
+              </a:rPr>
+              <a:t>name</a:t>
+            </a:r>
+            <a:endParaRPr kumimoji="1" lang="ko-Kore-KR" altLang="en-US" sz="1100" dirty="0">
+              <a:solidFill>
+                <a:schemeClr val="tx1"/>
+              </a:solidFill>
+              <a:latin typeface="DM Mono" panose="020B0509040201040103" pitchFamily="49" charset="0"/>
+            </a:endParaRPr>
+          </a:p>
+        </p:txBody>
+      </p:sp>
+      <p:sp>
+        <p:nvSpPr>
+          <p:cNvPr id="13" name="직사각형 12">
+            <a:extLst>
+              <a:ext uri="{FF2B5EF4-FFF2-40B4-BE49-F238E27FC236}">
+                <a16:creationId xmlns:a16="http://schemas.microsoft.com/office/drawing/2014/main" id="{C2467AFB-C57B-D79F-260F-725173F67EF2}"/>
+              </a:ext>
+            </a:extLst>
+          </p:cNvPr>
+          <p:cNvSpPr/>
+          <p:nvPr/>
+        </p:nvSpPr>
+        <p:spPr>
+          <a:xfrm>
+            <a:off x="5547612" y="5021703"/>
+            <a:ext cx="769495" cy="419724"/>
+          </a:xfrm>
+          <a:prstGeom prst="rect">
+            <a:avLst/>
+          </a:prstGeom>
+          <a:solidFill>
+            <a:schemeClr val="accent4">
+              <a:lumMod val="60000"/>
+              <a:lumOff val="40000"/>
+            </a:schemeClr>
+          </a:solidFill>
+        </p:spPr>
+        <p:style>
+          <a:lnRef idx="2">
+            <a:schemeClr val="accent4">
+              <a:shade val="15000"/>
+            </a:schemeClr>
+          </a:lnRef>
+          <a:fillRef idx="1">
+            <a:schemeClr val="accent4"/>
+          </a:fillRef>
+          <a:effectRef idx="0">
+            <a:schemeClr val="accent4"/>
+          </a:effectRef>
+          <a:fontRef idx="minor">
+            <a:schemeClr val="lt1"/>
+          </a:fontRef>
+        </p:style>
+        <p:txBody>
+          <a:bodyPr rtlCol="0" anchor="ctr"/>
+          <a:lstStyle/>
+          <a:p>
+            <a:pPr algn="ctr"/>
+            <a:endParaRPr kumimoji="1" lang="ko-Kore-KR" altLang="en-US" sz="1200" dirty="0">
+              <a:solidFill>
+                <a:schemeClr val="tx1"/>
+              </a:solidFill>
+              <a:latin typeface="DM Mono" panose="020B0509040201040103" pitchFamily="49" charset="0"/>
+            </a:endParaRPr>
+          </a:p>
+        </p:txBody>
+      </p:sp>
+      <p:sp>
+        <p:nvSpPr>
+          <p:cNvPr id="14" name="TextBox 13">
+            <a:extLst>
+              <a:ext uri="{FF2B5EF4-FFF2-40B4-BE49-F238E27FC236}">
+                <a16:creationId xmlns:a16="http://schemas.microsoft.com/office/drawing/2014/main" id="{C1151BD6-BBE0-FFF3-BABC-536079340597}"/>
+              </a:ext>
+            </a:extLst>
+          </p:cNvPr>
+          <p:cNvSpPr txBox="1"/>
+          <p:nvPr/>
+        </p:nvSpPr>
+        <p:spPr>
+          <a:xfrm>
+            <a:off x="4861810" y="5100760"/>
+            <a:ext cx="685802" cy="261610"/>
+          </a:xfrm>
+          <a:prstGeom prst="rect">
+            <a:avLst/>
+          </a:prstGeom>
+          <a:noFill/>
+        </p:spPr>
+        <p:txBody>
+          <a:bodyPr wrap="square">
+            <a:spAutoFit/>
+          </a:bodyPr>
+          <a:lstStyle/>
+          <a:p>
+            <a:pPr algn="r"/>
+            <a:r>
+              <a:rPr kumimoji="1" lang="en-US" altLang="ko-Kore-KR" sz="1100" dirty="0">
+                <a:solidFill>
+                  <a:schemeClr val="tx1"/>
+                </a:solidFill>
+                <a:latin typeface="DM Mono" panose="020B0509040201040103" pitchFamily="49" charset="0"/>
+              </a:rPr>
+              <a:t>owner</a:t>
+            </a:r>
+            <a:endParaRPr kumimoji="1" lang="ko-Kore-KR" altLang="en-US" sz="1100" dirty="0">
+              <a:solidFill>
+                <a:schemeClr val="tx1"/>
+              </a:solidFill>
+              <a:latin typeface="DM Mono" panose="020B0509040201040103" pitchFamily="49" charset="0"/>
+            </a:endParaRPr>
+          </a:p>
+        </p:txBody>
+      </p:sp>
+      <p:sp>
+        <p:nvSpPr>
+          <p:cNvPr id="15" name="직사각형 14">
+            <a:extLst>
+              <a:ext uri="{FF2B5EF4-FFF2-40B4-BE49-F238E27FC236}">
+                <a16:creationId xmlns:a16="http://schemas.microsoft.com/office/drawing/2014/main" id="{080A3C52-91BB-CC73-4271-3918135E5229}"/>
+              </a:ext>
+            </a:extLst>
+          </p:cNvPr>
+          <p:cNvSpPr/>
+          <p:nvPr/>
+        </p:nvSpPr>
+        <p:spPr>
+          <a:xfrm>
+            <a:off x="7737428" y="3762531"/>
+            <a:ext cx="769495" cy="419724"/>
+          </a:xfrm>
+          <a:prstGeom prst="rect">
+            <a:avLst/>
+          </a:prstGeom>
+          <a:solidFill>
+            <a:schemeClr val="accent4">
+              <a:lumMod val="60000"/>
+              <a:lumOff val="40000"/>
+            </a:schemeClr>
+          </a:solidFill>
+        </p:spPr>
+        <p:style>
+          <a:lnRef idx="2">
+            <a:schemeClr val="accent4">
+              <a:shade val="15000"/>
+            </a:schemeClr>
+          </a:lnRef>
+          <a:fillRef idx="1">
+            <a:schemeClr val="accent4"/>
+          </a:fillRef>
+          <a:effectRef idx="0">
+            <a:schemeClr val="accent4"/>
+          </a:effectRef>
+          <a:fontRef idx="minor">
+            <a:schemeClr val="lt1"/>
+          </a:fontRef>
+        </p:style>
+        <p:txBody>
+          <a:bodyPr rtlCol="0" anchor="ctr"/>
+          <a:lstStyle/>
+          <a:p>
+            <a:pPr algn="ctr"/>
+            <a:endParaRPr kumimoji="1" lang="ko-Kore-KR" altLang="en-US" sz="1200" dirty="0">
+              <a:solidFill>
+                <a:schemeClr val="tx1"/>
+              </a:solidFill>
+              <a:latin typeface="DM Mono" panose="020B0509040201040103" pitchFamily="49" charset="0"/>
+            </a:endParaRPr>
+          </a:p>
+        </p:txBody>
+      </p:sp>
+      <p:sp>
+        <p:nvSpPr>
+          <p:cNvPr id="16" name="TextBox 15">
+            <a:extLst>
+              <a:ext uri="{FF2B5EF4-FFF2-40B4-BE49-F238E27FC236}">
+                <a16:creationId xmlns:a16="http://schemas.microsoft.com/office/drawing/2014/main" id="{AC042294-EF28-8E01-18B3-569077F989D1}"/>
+              </a:ext>
+            </a:extLst>
+          </p:cNvPr>
+          <p:cNvSpPr txBox="1"/>
+          <p:nvPr/>
+        </p:nvSpPr>
+        <p:spPr>
+          <a:xfrm>
+            <a:off x="7051626" y="3841588"/>
+            <a:ext cx="685802" cy="261610"/>
+          </a:xfrm>
+          <a:prstGeom prst="rect">
+            <a:avLst/>
+          </a:prstGeom>
+          <a:noFill/>
+        </p:spPr>
+        <p:txBody>
+          <a:bodyPr wrap="square">
+            <a:spAutoFit/>
+          </a:bodyPr>
+          <a:lstStyle/>
+          <a:p>
+            <a:pPr algn="r"/>
+            <a:r>
+              <a:rPr kumimoji="1" lang="en-US" altLang="ko-Kore-KR" sz="1100" dirty="0">
+                <a:latin typeface="DM Mono" panose="020B0509040201040103" pitchFamily="49" charset="0"/>
+              </a:rPr>
+              <a:t>color</a:t>
+            </a:r>
+            <a:endParaRPr kumimoji="1" lang="ko-Kore-KR" altLang="en-US" sz="1100" dirty="0">
+              <a:solidFill>
+                <a:schemeClr val="tx1"/>
+              </a:solidFill>
+              <a:latin typeface="DM Mono" panose="020B0509040201040103" pitchFamily="49" charset="0"/>
+            </a:endParaRPr>
+          </a:p>
+        </p:txBody>
+      </p:sp>
+      <p:sp>
+        <p:nvSpPr>
+          <p:cNvPr id="17" name="직사각형 16">
+            <a:extLst>
+              <a:ext uri="{FF2B5EF4-FFF2-40B4-BE49-F238E27FC236}">
+                <a16:creationId xmlns:a16="http://schemas.microsoft.com/office/drawing/2014/main" id="{F3F00D38-C553-5A5A-DEF5-EE93B673C05C}"/>
+              </a:ext>
+            </a:extLst>
+          </p:cNvPr>
+          <p:cNvSpPr/>
+          <p:nvPr/>
+        </p:nvSpPr>
+        <p:spPr>
+          <a:xfrm>
+            <a:off x="7737428" y="4182255"/>
+            <a:ext cx="769495" cy="419724"/>
+          </a:xfrm>
+          <a:prstGeom prst="rect">
+            <a:avLst/>
+          </a:prstGeom>
+          <a:solidFill>
+            <a:schemeClr val="accent4">
+              <a:lumMod val="60000"/>
+              <a:lumOff val="40000"/>
+            </a:schemeClr>
+          </a:solidFill>
+        </p:spPr>
+        <p:style>
+          <a:lnRef idx="2">
+            <a:schemeClr val="accent4">
+              <a:shade val="15000"/>
+            </a:schemeClr>
+          </a:lnRef>
+          <a:fillRef idx="1">
+            <a:schemeClr val="accent4"/>
+          </a:fillRef>
+          <a:effectRef idx="0">
+            <a:schemeClr val="accent4"/>
+          </a:effectRef>
+          <a:fontRef idx="minor">
+            <a:schemeClr val="lt1"/>
+          </a:fontRef>
+        </p:style>
+        <p:txBody>
+          <a:bodyPr rtlCol="0" anchor="ctr"/>
+          <a:lstStyle/>
+          <a:p>
+            <a:pPr algn="ctr"/>
+            <a:endParaRPr kumimoji="1" lang="ko-Kore-KR" altLang="en-US" sz="1200" dirty="0">
+              <a:solidFill>
+                <a:schemeClr val="tx1"/>
+              </a:solidFill>
+              <a:latin typeface="DM Mono" panose="020B0509040201040103" pitchFamily="49" charset="0"/>
+            </a:endParaRPr>
+          </a:p>
+        </p:txBody>
+      </p:sp>
+      <p:sp>
+        <p:nvSpPr>
+          <p:cNvPr id="18" name="TextBox 17">
+            <a:extLst>
+              <a:ext uri="{FF2B5EF4-FFF2-40B4-BE49-F238E27FC236}">
+                <a16:creationId xmlns:a16="http://schemas.microsoft.com/office/drawing/2014/main" id="{87F04911-EC50-A569-95F3-E7612A0ED743}"/>
+              </a:ext>
+            </a:extLst>
+          </p:cNvPr>
+          <p:cNvSpPr txBox="1"/>
+          <p:nvPr/>
+        </p:nvSpPr>
+        <p:spPr>
+          <a:xfrm>
+            <a:off x="7151560" y="4261312"/>
+            <a:ext cx="585868" cy="261610"/>
+          </a:xfrm>
+          <a:prstGeom prst="rect">
+            <a:avLst/>
+          </a:prstGeom>
+          <a:noFill/>
+        </p:spPr>
+        <p:txBody>
+          <a:bodyPr wrap="square">
+            <a:spAutoFit/>
+          </a:bodyPr>
+          <a:lstStyle/>
+          <a:p>
+            <a:pPr algn="r"/>
+            <a:r>
+              <a:rPr kumimoji="1" lang="en-US" altLang="ko-Kore-KR" sz="1100" dirty="0">
+                <a:solidFill>
+                  <a:schemeClr val="tx1"/>
+                </a:solidFill>
+                <a:latin typeface="DM Mono" panose="020B0509040201040103" pitchFamily="49" charset="0"/>
+              </a:rPr>
+              <a:t>age</a:t>
+            </a:r>
+            <a:endParaRPr kumimoji="1" lang="ko-Kore-KR" altLang="en-US" sz="1100" dirty="0">
+              <a:solidFill>
+                <a:schemeClr val="tx1"/>
+              </a:solidFill>
+              <a:latin typeface="DM Mono" panose="020B0509040201040103" pitchFamily="49" charset="0"/>
+            </a:endParaRPr>
+          </a:p>
+        </p:txBody>
+      </p:sp>
+      <p:sp>
+        <p:nvSpPr>
+          <p:cNvPr id="19" name="TextBox 18">
+            <a:extLst>
+              <a:ext uri="{FF2B5EF4-FFF2-40B4-BE49-F238E27FC236}">
+                <a16:creationId xmlns:a16="http://schemas.microsoft.com/office/drawing/2014/main" id="{353C0FD4-D428-BE51-E07A-3E2DE1406B81}"/>
+              </a:ext>
+            </a:extLst>
+          </p:cNvPr>
+          <p:cNvSpPr txBox="1"/>
+          <p:nvPr/>
+        </p:nvSpPr>
+        <p:spPr>
+          <a:xfrm>
+            <a:off x="7674655" y="3481001"/>
+            <a:ext cx="895039" cy="261610"/>
+          </a:xfrm>
+          <a:prstGeom prst="rect">
+            <a:avLst/>
+          </a:prstGeom>
+          <a:noFill/>
+        </p:spPr>
+        <p:txBody>
+          <a:bodyPr wrap="square">
+            <a:spAutoFit/>
+          </a:bodyPr>
+          <a:lstStyle/>
+          <a:p>
+            <a:pPr algn="ctr"/>
+            <a:r>
+              <a:rPr kumimoji="1" lang="en-US" altLang="ko-Kore-KR" sz="1100" dirty="0">
+                <a:solidFill>
+                  <a:schemeClr val="tx1"/>
+                </a:solidFill>
+                <a:latin typeface="DM Mono" panose="020B0509040201040103" pitchFamily="49" charset="0"/>
+              </a:rPr>
+              <a:t>Cat c</a:t>
+            </a:r>
+            <a:endParaRPr kumimoji="1" lang="ko-Kore-KR" altLang="en-US" sz="1100" dirty="0">
+              <a:solidFill>
+                <a:schemeClr val="tx1"/>
+              </a:solidFill>
+              <a:latin typeface="DM Mono" panose="020B0509040201040103" pitchFamily="49" charset="0"/>
+            </a:endParaRPr>
+          </a:p>
+        </p:txBody>
+      </p:sp>
+      <p:sp>
+        <p:nvSpPr>
+          <p:cNvPr id="20" name="직사각형 19">
+            <a:extLst>
+              <a:ext uri="{FF2B5EF4-FFF2-40B4-BE49-F238E27FC236}">
+                <a16:creationId xmlns:a16="http://schemas.microsoft.com/office/drawing/2014/main" id="{6424C8DF-3077-E417-30A6-A09A93DCC04E}"/>
+              </a:ext>
+            </a:extLst>
+          </p:cNvPr>
+          <p:cNvSpPr/>
+          <p:nvPr/>
+        </p:nvSpPr>
+        <p:spPr>
+          <a:xfrm>
+            <a:off x="7737428" y="4601979"/>
+            <a:ext cx="769495" cy="419724"/>
+          </a:xfrm>
+          <a:prstGeom prst="rect">
+            <a:avLst/>
+          </a:prstGeom>
+          <a:solidFill>
+            <a:schemeClr val="accent4">
+              <a:lumMod val="60000"/>
+              <a:lumOff val="40000"/>
+            </a:schemeClr>
+          </a:solidFill>
+        </p:spPr>
+        <p:style>
+          <a:lnRef idx="2">
+            <a:schemeClr val="accent4">
+              <a:shade val="15000"/>
+            </a:schemeClr>
+          </a:lnRef>
+          <a:fillRef idx="1">
+            <a:schemeClr val="accent4"/>
+          </a:fillRef>
+          <a:effectRef idx="0">
+            <a:schemeClr val="accent4"/>
+          </a:effectRef>
+          <a:fontRef idx="minor">
+            <a:schemeClr val="lt1"/>
+          </a:fontRef>
+        </p:style>
+        <p:txBody>
+          <a:bodyPr rtlCol="0" anchor="ctr"/>
+          <a:lstStyle/>
+          <a:p>
+            <a:pPr algn="ctr"/>
+            <a:endParaRPr kumimoji="1" lang="ko-Kore-KR" altLang="en-US" sz="1200" dirty="0">
+              <a:solidFill>
+                <a:schemeClr val="tx1"/>
+              </a:solidFill>
+              <a:latin typeface="DM Mono" panose="020B0509040201040103" pitchFamily="49" charset="0"/>
+            </a:endParaRPr>
+          </a:p>
+        </p:txBody>
+      </p:sp>
+      <p:sp>
+        <p:nvSpPr>
+          <p:cNvPr id="21" name="TextBox 20">
+            <a:extLst>
+              <a:ext uri="{FF2B5EF4-FFF2-40B4-BE49-F238E27FC236}">
+                <a16:creationId xmlns:a16="http://schemas.microsoft.com/office/drawing/2014/main" id="{B3DC2295-A96B-B09E-D474-7661F9382AF0}"/>
+              </a:ext>
+            </a:extLst>
+          </p:cNvPr>
+          <p:cNvSpPr txBox="1"/>
+          <p:nvPr/>
+        </p:nvSpPr>
+        <p:spPr>
+          <a:xfrm>
+            <a:off x="7151560" y="4681036"/>
+            <a:ext cx="585868" cy="261610"/>
+          </a:xfrm>
+          <a:prstGeom prst="rect">
+            <a:avLst/>
+          </a:prstGeom>
+          <a:noFill/>
+        </p:spPr>
+        <p:txBody>
+          <a:bodyPr wrap="square">
+            <a:spAutoFit/>
+          </a:bodyPr>
+          <a:lstStyle/>
+          <a:p>
+            <a:pPr algn="r"/>
+            <a:r>
+              <a:rPr kumimoji="1" lang="en-US" altLang="ko-Kore-KR" sz="1100" dirty="0">
+                <a:solidFill>
+                  <a:schemeClr val="tx1"/>
+                </a:solidFill>
+                <a:latin typeface="DM Mono" panose="020B0509040201040103" pitchFamily="49" charset="0"/>
+              </a:rPr>
+              <a:t>name</a:t>
+            </a:r>
+            <a:endParaRPr kumimoji="1" lang="ko-Kore-KR" altLang="en-US" sz="1100" dirty="0">
+              <a:solidFill>
+                <a:schemeClr val="tx1"/>
+              </a:solidFill>
+              <a:latin typeface="DM Mono" panose="020B0509040201040103" pitchFamily="49" charset="0"/>
+            </a:endParaRPr>
+          </a:p>
+        </p:txBody>
+      </p:sp>
+      <p:sp>
+        <p:nvSpPr>
+          <p:cNvPr id="22" name="직사각형 21">
+            <a:extLst>
+              <a:ext uri="{FF2B5EF4-FFF2-40B4-BE49-F238E27FC236}">
+                <a16:creationId xmlns:a16="http://schemas.microsoft.com/office/drawing/2014/main" id="{C23AEA71-9052-19B2-37A1-B6E305943B4C}"/>
+              </a:ext>
+            </a:extLst>
+          </p:cNvPr>
+          <p:cNvSpPr/>
+          <p:nvPr/>
+        </p:nvSpPr>
+        <p:spPr>
+          <a:xfrm>
+            <a:off x="7737428" y="5021703"/>
+            <a:ext cx="769495" cy="419724"/>
+          </a:xfrm>
+          <a:prstGeom prst="rect">
+            <a:avLst/>
+          </a:prstGeom>
+          <a:solidFill>
+            <a:schemeClr val="accent4">
+              <a:lumMod val="60000"/>
+              <a:lumOff val="40000"/>
+            </a:schemeClr>
+          </a:solidFill>
+        </p:spPr>
+        <p:style>
+          <a:lnRef idx="2">
+            <a:schemeClr val="accent4">
+              <a:shade val="15000"/>
+            </a:schemeClr>
+          </a:lnRef>
+          <a:fillRef idx="1">
+            <a:schemeClr val="accent4"/>
+          </a:fillRef>
+          <a:effectRef idx="0">
+            <a:schemeClr val="accent4"/>
+          </a:effectRef>
+          <a:fontRef idx="minor">
+            <a:schemeClr val="lt1"/>
+          </a:fontRef>
+        </p:style>
+        <p:txBody>
+          <a:bodyPr rtlCol="0" anchor="ctr"/>
+          <a:lstStyle/>
+          <a:p>
+            <a:pPr algn="ctr"/>
+            <a:endParaRPr kumimoji="1" lang="ko-Kore-KR" altLang="en-US" sz="1200" dirty="0">
+              <a:solidFill>
+                <a:schemeClr val="tx1"/>
+              </a:solidFill>
+              <a:latin typeface="DM Mono" panose="020B0509040201040103" pitchFamily="49" charset="0"/>
+            </a:endParaRPr>
+          </a:p>
+        </p:txBody>
+      </p:sp>
+      <p:sp>
+        <p:nvSpPr>
+          <p:cNvPr id="23" name="TextBox 22">
+            <a:extLst>
+              <a:ext uri="{FF2B5EF4-FFF2-40B4-BE49-F238E27FC236}">
+                <a16:creationId xmlns:a16="http://schemas.microsoft.com/office/drawing/2014/main" id="{BA4DAC61-D271-462F-54B4-DE805033A88D}"/>
+              </a:ext>
+            </a:extLst>
+          </p:cNvPr>
+          <p:cNvSpPr txBox="1"/>
+          <p:nvPr/>
+        </p:nvSpPr>
+        <p:spPr>
+          <a:xfrm>
+            <a:off x="6860498" y="5100760"/>
+            <a:ext cx="876930" cy="261610"/>
+          </a:xfrm>
+          <a:prstGeom prst="rect">
+            <a:avLst/>
+          </a:prstGeom>
+          <a:noFill/>
+        </p:spPr>
+        <p:txBody>
+          <a:bodyPr wrap="square">
+            <a:spAutoFit/>
+          </a:bodyPr>
+          <a:lstStyle/>
+          <a:p>
+            <a:pPr algn="r"/>
+            <a:r>
+              <a:rPr kumimoji="1" lang="en-US" altLang="ko-Kore-KR" sz="1100" dirty="0">
+                <a:solidFill>
+                  <a:schemeClr val="tx1"/>
+                </a:solidFill>
+                <a:latin typeface="DM Mono" panose="020B0509040201040103" pitchFamily="49" charset="0"/>
+              </a:rPr>
+              <a:t>address</a:t>
+            </a:r>
+            <a:endParaRPr kumimoji="1" lang="ko-Kore-KR" altLang="en-US" sz="1100" dirty="0">
+              <a:solidFill>
+                <a:schemeClr val="tx1"/>
+              </a:solidFill>
+              <a:latin typeface="DM Mono" panose="020B0509040201040103" pitchFamily="49" charset="0"/>
+            </a:endParaRPr>
+          </a:p>
+        </p:txBody>
+      </p:sp>
+    </p:spTree>
+    <p:extLst>
+      <p:ext uri="{BB962C8B-B14F-4D97-AF65-F5344CB8AC3E}">
+        <p14:creationId xmlns:p14="http://schemas.microsoft.com/office/powerpoint/2010/main" val="2464118684"/>
       </p:ext>
     </p:extLst>
   </p:cSld>
@@ -20585,6 +23116,1291 @@
     <p:extLst>
       <p:ext uri="{BB962C8B-B14F-4D97-AF65-F5344CB8AC3E}">
         <p14:creationId xmlns:p14="http://schemas.microsoft.com/office/powerpoint/2010/main" val="3244935234"/>
+      </p:ext>
+    </p:extLst>
+  </p:cSld>
+  <p:clrMapOvr>
+    <a:masterClrMapping/>
+  </p:clrMapOvr>
+</p:sld>
+</file>
+
+<file path=ppt/slides/slide30.xml><?xml version="1.0" encoding="utf-8"?>
+<p:sld xmlns:a="http://schemas.openxmlformats.org/drawingml/2006/main" xmlns:r="http://schemas.openxmlformats.org/officeDocument/2006/relationships" xmlns:p="http://schemas.openxmlformats.org/presentationml/2006/main">
+  <p:cSld>
+    <p:spTree>
+      <p:nvGrpSpPr>
+        <p:cNvPr id="1" name=""/>
+        <p:cNvGrpSpPr/>
+        <p:nvPr/>
+      </p:nvGrpSpPr>
+      <p:grpSpPr>
+        <a:xfrm>
+          <a:off x="0" y="0"/>
+          <a:ext cx="0" cy="0"/>
+          <a:chOff x="0" y="0"/>
+          <a:chExt cx="0" cy="0"/>
+        </a:xfrm>
+      </p:grpSpPr>
+      <p:sp>
+        <p:nvSpPr>
+          <p:cNvPr id="5" name="TextBox 4">
+            <a:extLst>
+              <a:ext uri="{FF2B5EF4-FFF2-40B4-BE49-F238E27FC236}">
+                <a16:creationId xmlns:a16="http://schemas.microsoft.com/office/drawing/2014/main" id="{2C9EC753-F62E-7AB6-7177-0DBB47585498}"/>
+              </a:ext>
+            </a:extLst>
+          </p:cNvPr>
+          <p:cNvSpPr txBox="1"/>
+          <p:nvPr/>
+        </p:nvSpPr>
+        <p:spPr>
+          <a:xfrm>
+            <a:off x="264827" y="186555"/>
+            <a:ext cx="3412760" cy="3785652"/>
+          </a:xfrm>
+          <a:prstGeom prst="rect">
+            <a:avLst/>
+          </a:prstGeom>
+          <a:noFill/>
+        </p:spPr>
+        <p:txBody>
+          <a:bodyPr wrap="square">
+            <a:spAutoFit/>
+          </a:bodyPr>
+          <a:lstStyle/>
+          <a:p>
+            <a:r>
+              <a:rPr lang="en" altLang="ko-Kore-KR" sz="1200" dirty="0">
+                <a:latin typeface="DM Mono" panose="020B0509040201040103" pitchFamily="49" charset="0"/>
+              </a:rPr>
+              <a:t>class Animal {</a:t>
+            </a:r>
+          </a:p>
+          <a:p>
+            <a:r>
+              <a:rPr lang="en" altLang="ko-Kore-KR" sz="1200" dirty="0">
+                <a:latin typeface="DM Mono" panose="020B0509040201040103" pitchFamily="49" charset="0"/>
+              </a:rPr>
+              <a:t>    int color;</a:t>
+            </a:r>
+          </a:p>
+          <a:p>
+            <a:r>
+              <a:rPr lang="en" altLang="ko-Kore-KR" sz="1200" dirty="0">
+                <a:latin typeface="DM Mono" panose="020B0509040201040103" pitchFamily="49" charset="0"/>
+              </a:rPr>
+              <a:t>    int age;</a:t>
+            </a:r>
+          </a:p>
+          <a:p>
+            <a:r>
+              <a:rPr lang="en" altLang="ko-Kore-KR" sz="1200" dirty="0">
+                <a:latin typeface="DM Mono" panose="020B0509040201040103" pitchFamily="49" charset="0"/>
+              </a:rPr>
+              <a:t>    string name;</a:t>
+            </a:r>
+          </a:p>
+          <a:p>
+            <a:r>
+              <a:rPr lang="en" altLang="ko-Kore-KR" sz="1200" dirty="0">
+                <a:latin typeface="DM Mono" panose="020B0509040201040103" pitchFamily="49" charset="0"/>
+              </a:rPr>
+              <a:t>};</a:t>
+            </a:r>
+          </a:p>
+          <a:p>
+            <a:endParaRPr lang="en" altLang="ko-Kore-KR" sz="1200" dirty="0">
+              <a:latin typeface="DM Mono" panose="020B0509040201040103" pitchFamily="49" charset="0"/>
+            </a:endParaRPr>
+          </a:p>
+          <a:p>
+            <a:r>
+              <a:rPr lang="en" altLang="ko-Kore-KR" sz="1200" dirty="0">
+                <a:latin typeface="DM Mono" panose="020B0509040201040103" pitchFamily="49" charset="0"/>
+              </a:rPr>
+              <a:t>class Dog : public Animal {</a:t>
+            </a:r>
+          </a:p>
+          <a:p>
+            <a:r>
+              <a:rPr lang="en" altLang="ko-Kore-KR" sz="1200" dirty="0">
+                <a:latin typeface="DM Mono" panose="020B0509040201040103" pitchFamily="49" charset="0"/>
+              </a:rPr>
+              <a:t>    string owner;</a:t>
+            </a:r>
+          </a:p>
+          <a:p>
+            <a:r>
+              <a:rPr lang="en" altLang="ko-Kore-KR" sz="1200" dirty="0">
+                <a:latin typeface="DM Mono" panose="020B0509040201040103" pitchFamily="49" charset="0"/>
+              </a:rPr>
+              <a:t>};</a:t>
+            </a:r>
+          </a:p>
+          <a:p>
+            <a:endParaRPr lang="en" altLang="ko-Kore-KR" sz="1200" dirty="0">
+              <a:latin typeface="DM Mono" panose="020B0509040201040103" pitchFamily="49" charset="0"/>
+            </a:endParaRPr>
+          </a:p>
+          <a:p>
+            <a:r>
+              <a:rPr lang="en" altLang="ko-Kore-KR" sz="1200" dirty="0">
+                <a:latin typeface="DM Mono" panose="020B0509040201040103" pitchFamily="49" charset="0"/>
+              </a:rPr>
+              <a:t>class Cat : public Animal {</a:t>
+            </a:r>
+          </a:p>
+          <a:p>
+            <a:r>
+              <a:rPr lang="en" altLang="ko-Kore-KR" sz="1200" dirty="0">
+                <a:latin typeface="DM Mono" panose="020B0509040201040103" pitchFamily="49" charset="0"/>
+              </a:rPr>
+              <a:t>    string address;</a:t>
+            </a:r>
+          </a:p>
+          <a:p>
+            <a:r>
+              <a:rPr lang="en" altLang="ko-Kore-KR" sz="1200" dirty="0">
+                <a:latin typeface="DM Mono" panose="020B0509040201040103" pitchFamily="49" charset="0"/>
+              </a:rPr>
+              <a:t>};</a:t>
+            </a:r>
+          </a:p>
+          <a:p>
+            <a:endParaRPr lang="en" altLang="ko-Kore-KR" sz="1200" dirty="0">
+              <a:latin typeface="DM Mono" panose="020B0509040201040103" pitchFamily="49" charset="0"/>
+            </a:endParaRPr>
+          </a:p>
+          <a:p>
+            <a:r>
+              <a:rPr lang="ko-Kore-KR" altLang="en-US" sz="1200" dirty="0">
+                <a:latin typeface="DM Mono" panose="020B0509040201040103" pitchFamily="49" charset="0"/>
+              </a:rPr>
+              <a:t>int main()</a:t>
+            </a:r>
+          </a:p>
+          <a:p>
+            <a:r>
+              <a:rPr lang="ko-Kore-KR" altLang="en-US" sz="1200" dirty="0">
+                <a:latin typeface="DM Mono" panose="020B0509040201040103" pitchFamily="49" charset="0"/>
+              </a:rPr>
+              <a:t>{</a:t>
+            </a:r>
+          </a:p>
+          <a:p>
+            <a:r>
+              <a:rPr lang="ko-Kore-KR" altLang="en-US" sz="1200" dirty="0">
+                <a:latin typeface="DM Mono" panose="020B0509040201040103" pitchFamily="49" charset="0"/>
+              </a:rPr>
+              <a:t>    Dog d;</a:t>
+            </a:r>
+          </a:p>
+          <a:p>
+            <a:r>
+              <a:rPr lang="ko-Kore-KR" altLang="en-US" sz="1200" dirty="0">
+                <a:latin typeface="DM Mono" panose="020B0509040201040103" pitchFamily="49" charset="0"/>
+              </a:rPr>
+              <a:t>    Cat c;</a:t>
+            </a:r>
+          </a:p>
+          <a:p>
+            <a:r>
+              <a:rPr lang="ko-Kore-KR" altLang="en-US" sz="1200" dirty="0">
+                <a:latin typeface="DM Mono" panose="020B0509040201040103" pitchFamily="49" charset="0"/>
+              </a:rPr>
+              <a:t>}</a:t>
+            </a:r>
+          </a:p>
+          <a:p>
+            <a:endParaRPr lang="ko-Kore-KR" altLang="en-US" sz="1200" dirty="0">
+              <a:latin typeface="DM Mono" panose="020B0509040201040103" pitchFamily="49" charset="0"/>
+            </a:endParaRPr>
+          </a:p>
+        </p:txBody>
+      </p:sp>
+      <p:sp>
+        <p:nvSpPr>
+          <p:cNvPr id="6" name="직사각형 5">
+            <a:extLst>
+              <a:ext uri="{FF2B5EF4-FFF2-40B4-BE49-F238E27FC236}">
+                <a16:creationId xmlns:a16="http://schemas.microsoft.com/office/drawing/2014/main" id="{865BB9AD-6472-60D1-588E-79B55839BD58}"/>
+              </a:ext>
+            </a:extLst>
+          </p:cNvPr>
+          <p:cNvSpPr/>
+          <p:nvPr/>
+        </p:nvSpPr>
+        <p:spPr>
+          <a:xfrm>
+            <a:off x="5547612" y="3762531"/>
+            <a:ext cx="769495" cy="419724"/>
+          </a:xfrm>
+          <a:prstGeom prst="rect">
+            <a:avLst/>
+          </a:prstGeom>
+          <a:solidFill>
+            <a:srgbClr val="92D050"/>
+          </a:solidFill>
+        </p:spPr>
+        <p:style>
+          <a:lnRef idx="2">
+            <a:schemeClr val="accent4">
+              <a:shade val="15000"/>
+            </a:schemeClr>
+          </a:lnRef>
+          <a:fillRef idx="1">
+            <a:schemeClr val="accent4"/>
+          </a:fillRef>
+          <a:effectRef idx="0">
+            <a:schemeClr val="accent4"/>
+          </a:effectRef>
+          <a:fontRef idx="minor">
+            <a:schemeClr val="lt1"/>
+          </a:fontRef>
+        </p:style>
+        <p:txBody>
+          <a:bodyPr rtlCol="0" anchor="ctr"/>
+          <a:lstStyle/>
+          <a:p>
+            <a:pPr algn="ctr"/>
+            <a:endParaRPr kumimoji="1" lang="ko-Kore-KR" altLang="en-US" sz="1200" dirty="0">
+              <a:solidFill>
+                <a:schemeClr val="tx1"/>
+              </a:solidFill>
+              <a:latin typeface="DM Mono" panose="020B0509040201040103" pitchFamily="49" charset="0"/>
+            </a:endParaRPr>
+          </a:p>
+        </p:txBody>
+      </p:sp>
+      <p:sp>
+        <p:nvSpPr>
+          <p:cNvPr id="7" name="TextBox 6">
+            <a:extLst>
+              <a:ext uri="{FF2B5EF4-FFF2-40B4-BE49-F238E27FC236}">
+                <a16:creationId xmlns:a16="http://schemas.microsoft.com/office/drawing/2014/main" id="{9BA72D84-1C52-D197-375F-76C98BEFFEAB}"/>
+              </a:ext>
+            </a:extLst>
+          </p:cNvPr>
+          <p:cNvSpPr txBox="1"/>
+          <p:nvPr/>
+        </p:nvSpPr>
+        <p:spPr>
+          <a:xfrm>
+            <a:off x="4861810" y="3841588"/>
+            <a:ext cx="685802" cy="261610"/>
+          </a:xfrm>
+          <a:prstGeom prst="rect">
+            <a:avLst/>
+          </a:prstGeom>
+          <a:noFill/>
+        </p:spPr>
+        <p:txBody>
+          <a:bodyPr wrap="square">
+            <a:spAutoFit/>
+          </a:bodyPr>
+          <a:lstStyle/>
+          <a:p>
+            <a:pPr algn="r"/>
+            <a:r>
+              <a:rPr kumimoji="1" lang="en-US" altLang="ko-Kore-KR" sz="1100" dirty="0">
+                <a:latin typeface="DM Mono" panose="020B0509040201040103" pitchFamily="49" charset="0"/>
+              </a:rPr>
+              <a:t>color</a:t>
+            </a:r>
+            <a:endParaRPr kumimoji="1" lang="ko-Kore-KR" altLang="en-US" sz="1100" dirty="0">
+              <a:solidFill>
+                <a:schemeClr val="tx1"/>
+              </a:solidFill>
+              <a:latin typeface="DM Mono" panose="020B0509040201040103" pitchFamily="49" charset="0"/>
+            </a:endParaRPr>
+          </a:p>
+        </p:txBody>
+      </p:sp>
+      <p:sp>
+        <p:nvSpPr>
+          <p:cNvPr id="8" name="직사각형 7">
+            <a:extLst>
+              <a:ext uri="{FF2B5EF4-FFF2-40B4-BE49-F238E27FC236}">
+                <a16:creationId xmlns:a16="http://schemas.microsoft.com/office/drawing/2014/main" id="{C236FD0A-6C6B-CAE7-07BB-3794E7CB20D6}"/>
+              </a:ext>
+            </a:extLst>
+          </p:cNvPr>
+          <p:cNvSpPr/>
+          <p:nvPr/>
+        </p:nvSpPr>
+        <p:spPr>
+          <a:xfrm>
+            <a:off x="5547612" y="4182255"/>
+            <a:ext cx="769495" cy="419724"/>
+          </a:xfrm>
+          <a:prstGeom prst="rect">
+            <a:avLst/>
+          </a:prstGeom>
+          <a:solidFill>
+            <a:srgbClr val="92D050"/>
+          </a:solidFill>
+        </p:spPr>
+        <p:style>
+          <a:lnRef idx="2">
+            <a:schemeClr val="accent4">
+              <a:shade val="15000"/>
+            </a:schemeClr>
+          </a:lnRef>
+          <a:fillRef idx="1">
+            <a:schemeClr val="accent4"/>
+          </a:fillRef>
+          <a:effectRef idx="0">
+            <a:schemeClr val="accent4"/>
+          </a:effectRef>
+          <a:fontRef idx="minor">
+            <a:schemeClr val="lt1"/>
+          </a:fontRef>
+        </p:style>
+        <p:txBody>
+          <a:bodyPr rtlCol="0" anchor="ctr"/>
+          <a:lstStyle/>
+          <a:p>
+            <a:pPr algn="ctr"/>
+            <a:endParaRPr kumimoji="1" lang="ko-Kore-KR" altLang="en-US" sz="1200" dirty="0">
+              <a:solidFill>
+                <a:schemeClr val="tx1"/>
+              </a:solidFill>
+              <a:latin typeface="DM Mono" panose="020B0509040201040103" pitchFamily="49" charset="0"/>
+            </a:endParaRPr>
+          </a:p>
+        </p:txBody>
+      </p:sp>
+      <p:sp>
+        <p:nvSpPr>
+          <p:cNvPr id="9" name="TextBox 8">
+            <a:extLst>
+              <a:ext uri="{FF2B5EF4-FFF2-40B4-BE49-F238E27FC236}">
+                <a16:creationId xmlns:a16="http://schemas.microsoft.com/office/drawing/2014/main" id="{9EF01225-E464-B1C5-E41F-47922F0739B1}"/>
+              </a:ext>
+            </a:extLst>
+          </p:cNvPr>
+          <p:cNvSpPr txBox="1"/>
+          <p:nvPr/>
+        </p:nvSpPr>
+        <p:spPr>
+          <a:xfrm>
+            <a:off x="4961744" y="4261312"/>
+            <a:ext cx="585868" cy="261610"/>
+          </a:xfrm>
+          <a:prstGeom prst="rect">
+            <a:avLst/>
+          </a:prstGeom>
+          <a:noFill/>
+        </p:spPr>
+        <p:txBody>
+          <a:bodyPr wrap="square">
+            <a:spAutoFit/>
+          </a:bodyPr>
+          <a:lstStyle/>
+          <a:p>
+            <a:pPr algn="r"/>
+            <a:r>
+              <a:rPr kumimoji="1" lang="en-US" altLang="ko-Kore-KR" sz="1100" dirty="0">
+                <a:solidFill>
+                  <a:schemeClr val="tx1"/>
+                </a:solidFill>
+                <a:latin typeface="DM Mono" panose="020B0509040201040103" pitchFamily="49" charset="0"/>
+              </a:rPr>
+              <a:t>age</a:t>
+            </a:r>
+            <a:endParaRPr kumimoji="1" lang="ko-Kore-KR" altLang="en-US" sz="1100" dirty="0">
+              <a:solidFill>
+                <a:schemeClr val="tx1"/>
+              </a:solidFill>
+              <a:latin typeface="DM Mono" panose="020B0509040201040103" pitchFamily="49" charset="0"/>
+            </a:endParaRPr>
+          </a:p>
+        </p:txBody>
+      </p:sp>
+      <p:sp>
+        <p:nvSpPr>
+          <p:cNvPr id="10" name="TextBox 9">
+            <a:extLst>
+              <a:ext uri="{FF2B5EF4-FFF2-40B4-BE49-F238E27FC236}">
+                <a16:creationId xmlns:a16="http://schemas.microsoft.com/office/drawing/2014/main" id="{C620A16A-84FF-A0B8-16A5-7F7A439F0604}"/>
+              </a:ext>
+            </a:extLst>
+          </p:cNvPr>
+          <p:cNvSpPr txBox="1"/>
+          <p:nvPr/>
+        </p:nvSpPr>
+        <p:spPr>
+          <a:xfrm>
+            <a:off x="5484839" y="3481001"/>
+            <a:ext cx="895039" cy="261610"/>
+          </a:xfrm>
+          <a:prstGeom prst="rect">
+            <a:avLst/>
+          </a:prstGeom>
+          <a:noFill/>
+        </p:spPr>
+        <p:txBody>
+          <a:bodyPr wrap="square">
+            <a:spAutoFit/>
+          </a:bodyPr>
+          <a:lstStyle/>
+          <a:p>
+            <a:pPr algn="ctr"/>
+            <a:r>
+              <a:rPr kumimoji="1" lang="en-US" altLang="ko-Kore-KR" sz="1100" dirty="0">
+                <a:solidFill>
+                  <a:schemeClr val="tx1"/>
+                </a:solidFill>
+                <a:latin typeface="DM Mono" panose="020B0509040201040103" pitchFamily="49" charset="0"/>
+              </a:rPr>
+              <a:t>Dog d</a:t>
+            </a:r>
+            <a:endParaRPr kumimoji="1" lang="ko-Kore-KR" altLang="en-US" sz="1100" dirty="0">
+              <a:solidFill>
+                <a:schemeClr val="tx1"/>
+              </a:solidFill>
+              <a:latin typeface="DM Mono" panose="020B0509040201040103" pitchFamily="49" charset="0"/>
+            </a:endParaRPr>
+          </a:p>
+        </p:txBody>
+      </p:sp>
+      <p:sp>
+        <p:nvSpPr>
+          <p:cNvPr id="11" name="직사각형 10">
+            <a:extLst>
+              <a:ext uri="{FF2B5EF4-FFF2-40B4-BE49-F238E27FC236}">
+                <a16:creationId xmlns:a16="http://schemas.microsoft.com/office/drawing/2014/main" id="{168F392A-4E3C-BED3-26D1-9496729990CE}"/>
+              </a:ext>
+            </a:extLst>
+          </p:cNvPr>
+          <p:cNvSpPr/>
+          <p:nvPr/>
+        </p:nvSpPr>
+        <p:spPr>
+          <a:xfrm>
+            <a:off x="5547612" y="4601979"/>
+            <a:ext cx="769495" cy="419724"/>
+          </a:xfrm>
+          <a:prstGeom prst="rect">
+            <a:avLst/>
+          </a:prstGeom>
+          <a:solidFill>
+            <a:srgbClr val="92D050"/>
+          </a:solidFill>
+        </p:spPr>
+        <p:style>
+          <a:lnRef idx="2">
+            <a:schemeClr val="accent4">
+              <a:shade val="15000"/>
+            </a:schemeClr>
+          </a:lnRef>
+          <a:fillRef idx="1">
+            <a:schemeClr val="accent4"/>
+          </a:fillRef>
+          <a:effectRef idx="0">
+            <a:schemeClr val="accent4"/>
+          </a:effectRef>
+          <a:fontRef idx="minor">
+            <a:schemeClr val="lt1"/>
+          </a:fontRef>
+        </p:style>
+        <p:txBody>
+          <a:bodyPr rtlCol="0" anchor="ctr"/>
+          <a:lstStyle/>
+          <a:p>
+            <a:pPr algn="ctr"/>
+            <a:endParaRPr kumimoji="1" lang="ko-Kore-KR" altLang="en-US" sz="1200" dirty="0">
+              <a:solidFill>
+                <a:schemeClr val="tx1"/>
+              </a:solidFill>
+              <a:latin typeface="DM Mono" panose="020B0509040201040103" pitchFamily="49" charset="0"/>
+            </a:endParaRPr>
+          </a:p>
+        </p:txBody>
+      </p:sp>
+      <p:sp>
+        <p:nvSpPr>
+          <p:cNvPr id="12" name="TextBox 11">
+            <a:extLst>
+              <a:ext uri="{FF2B5EF4-FFF2-40B4-BE49-F238E27FC236}">
+                <a16:creationId xmlns:a16="http://schemas.microsoft.com/office/drawing/2014/main" id="{057DB328-97AE-B74C-108B-0CD767935637}"/>
+              </a:ext>
+            </a:extLst>
+          </p:cNvPr>
+          <p:cNvSpPr txBox="1"/>
+          <p:nvPr/>
+        </p:nvSpPr>
+        <p:spPr>
+          <a:xfrm>
+            <a:off x="4961744" y="4681036"/>
+            <a:ext cx="585868" cy="261610"/>
+          </a:xfrm>
+          <a:prstGeom prst="rect">
+            <a:avLst/>
+          </a:prstGeom>
+          <a:noFill/>
+        </p:spPr>
+        <p:txBody>
+          <a:bodyPr wrap="square">
+            <a:spAutoFit/>
+          </a:bodyPr>
+          <a:lstStyle/>
+          <a:p>
+            <a:pPr algn="r"/>
+            <a:r>
+              <a:rPr kumimoji="1" lang="en-US" altLang="ko-Kore-KR" sz="1100" dirty="0">
+                <a:solidFill>
+                  <a:schemeClr val="tx1"/>
+                </a:solidFill>
+                <a:latin typeface="DM Mono" panose="020B0509040201040103" pitchFamily="49" charset="0"/>
+              </a:rPr>
+              <a:t>name</a:t>
+            </a:r>
+            <a:endParaRPr kumimoji="1" lang="ko-Kore-KR" altLang="en-US" sz="1100" dirty="0">
+              <a:solidFill>
+                <a:schemeClr val="tx1"/>
+              </a:solidFill>
+              <a:latin typeface="DM Mono" panose="020B0509040201040103" pitchFamily="49" charset="0"/>
+            </a:endParaRPr>
+          </a:p>
+        </p:txBody>
+      </p:sp>
+      <p:sp>
+        <p:nvSpPr>
+          <p:cNvPr id="13" name="직사각형 12">
+            <a:extLst>
+              <a:ext uri="{FF2B5EF4-FFF2-40B4-BE49-F238E27FC236}">
+                <a16:creationId xmlns:a16="http://schemas.microsoft.com/office/drawing/2014/main" id="{C2467AFB-C57B-D79F-260F-725173F67EF2}"/>
+              </a:ext>
+            </a:extLst>
+          </p:cNvPr>
+          <p:cNvSpPr/>
+          <p:nvPr/>
+        </p:nvSpPr>
+        <p:spPr>
+          <a:xfrm>
+            <a:off x="5547612" y="5021703"/>
+            <a:ext cx="769495" cy="419724"/>
+          </a:xfrm>
+          <a:prstGeom prst="rect">
+            <a:avLst/>
+          </a:prstGeom>
+          <a:solidFill>
+            <a:schemeClr val="accent4">
+              <a:lumMod val="60000"/>
+              <a:lumOff val="40000"/>
+            </a:schemeClr>
+          </a:solidFill>
+        </p:spPr>
+        <p:style>
+          <a:lnRef idx="2">
+            <a:schemeClr val="accent4">
+              <a:shade val="15000"/>
+            </a:schemeClr>
+          </a:lnRef>
+          <a:fillRef idx="1">
+            <a:schemeClr val="accent4"/>
+          </a:fillRef>
+          <a:effectRef idx="0">
+            <a:schemeClr val="accent4"/>
+          </a:effectRef>
+          <a:fontRef idx="minor">
+            <a:schemeClr val="lt1"/>
+          </a:fontRef>
+        </p:style>
+        <p:txBody>
+          <a:bodyPr rtlCol="0" anchor="ctr"/>
+          <a:lstStyle/>
+          <a:p>
+            <a:pPr algn="ctr"/>
+            <a:endParaRPr kumimoji="1" lang="ko-Kore-KR" altLang="en-US" sz="1200" dirty="0">
+              <a:solidFill>
+                <a:schemeClr val="tx1"/>
+              </a:solidFill>
+              <a:latin typeface="DM Mono" panose="020B0509040201040103" pitchFamily="49" charset="0"/>
+            </a:endParaRPr>
+          </a:p>
+        </p:txBody>
+      </p:sp>
+      <p:sp>
+        <p:nvSpPr>
+          <p:cNvPr id="14" name="TextBox 13">
+            <a:extLst>
+              <a:ext uri="{FF2B5EF4-FFF2-40B4-BE49-F238E27FC236}">
+                <a16:creationId xmlns:a16="http://schemas.microsoft.com/office/drawing/2014/main" id="{C1151BD6-BBE0-FFF3-BABC-536079340597}"/>
+              </a:ext>
+            </a:extLst>
+          </p:cNvPr>
+          <p:cNvSpPr txBox="1"/>
+          <p:nvPr/>
+        </p:nvSpPr>
+        <p:spPr>
+          <a:xfrm>
+            <a:off x="4861810" y="5100760"/>
+            <a:ext cx="685802" cy="261610"/>
+          </a:xfrm>
+          <a:prstGeom prst="rect">
+            <a:avLst/>
+          </a:prstGeom>
+          <a:noFill/>
+        </p:spPr>
+        <p:txBody>
+          <a:bodyPr wrap="square">
+            <a:spAutoFit/>
+          </a:bodyPr>
+          <a:lstStyle/>
+          <a:p>
+            <a:pPr algn="r"/>
+            <a:r>
+              <a:rPr kumimoji="1" lang="en-US" altLang="ko-Kore-KR" sz="1100" dirty="0">
+                <a:solidFill>
+                  <a:schemeClr val="tx1"/>
+                </a:solidFill>
+                <a:latin typeface="DM Mono" panose="020B0509040201040103" pitchFamily="49" charset="0"/>
+              </a:rPr>
+              <a:t>owner</a:t>
+            </a:r>
+            <a:endParaRPr kumimoji="1" lang="ko-Kore-KR" altLang="en-US" sz="1100" dirty="0">
+              <a:solidFill>
+                <a:schemeClr val="tx1"/>
+              </a:solidFill>
+              <a:latin typeface="DM Mono" panose="020B0509040201040103" pitchFamily="49" charset="0"/>
+            </a:endParaRPr>
+          </a:p>
+        </p:txBody>
+      </p:sp>
+      <p:sp>
+        <p:nvSpPr>
+          <p:cNvPr id="15" name="직사각형 14">
+            <a:extLst>
+              <a:ext uri="{FF2B5EF4-FFF2-40B4-BE49-F238E27FC236}">
+                <a16:creationId xmlns:a16="http://schemas.microsoft.com/office/drawing/2014/main" id="{080A3C52-91BB-CC73-4271-3918135E5229}"/>
+              </a:ext>
+            </a:extLst>
+          </p:cNvPr>
+          <p:cNvSpPr/>
+          <p:nvPr/>
+        </p:nvSpPr>
+        <p:spPr>
+          <a:xfrm>
+            <a:off x="8571880" y="3762531"/>
+            <a:ext cx="769495" cy="419724"/>
+          </a:xfrm>
+          <a:prstGeom prst="rect">
+            <a:avLst/>
+          </a:prstGeom>
+          <a:solidFill>
+            <a:srgbClr val="92D050"/>
+          </a:solidFill>
+        </p:spPr>
+        <p:style>
+          <a:lnRef idx="2">
+            <a:schemeClr val="accent4">
+              <a:shade val="15000"/>
+            </a:schemeClr>
+          </a:lnRef>
+          <a:fillRef idx="1">
+            <a:schemeClr val="accent4"/>
+          </a:fillRef>
+          <a:effectRef idx="0">
+            <a:schemeClr val="accent4"/>
+          </a:effectRef>
+          <a:fontRef idx="minor">
+            <a:schemeClr val="lt1"/>
+          </a:fontRef>
+        </p:style>
+        <p:txBody>
+          <a:bodyPr rtlCol="0" anchor="ctr"/>
+          <a:lstStyle/>
+          <a:p>
+            <a:pPr algn="ctr"/>
+            <a:endParaRPr kumimoji="1" lang="ko-Kore-KR" altLang="en-US" sz="1200" dirty="0">
+              <a:solidFill>
+                <a:schemeClr val="tx1"/>
+              </a:solidFill>
+              <a:latin typeface="DM Mono" panose="020B0509040201040103" pitchFamily="49" charset="0"/>
+            </a:endParaRPr>
+          </a:p>
+        </p:txBody>
+      </p:sp>
+      <p:sp>
+        <p:nvSpPr>
+          <p:cNvPr id="16" name="TextBox 15">
+            <a:extLst>
+              <a:ext uri="{FF2B5EF4-FFF2-40B4-BE49-F238E27FC236}">
+                <a16:creationId xmlns:a16="http://schemas.microsoft.com/office/drawing/2014/main" id="{AC042294-EF28-8E01-18B3-569077F989D1}"/>
+              </a:ext>
+            </a:extLst>
+          </p:cNvPr>
+          <p:cNvSpPr txBox="1"/>
+          <p:nvPr/>
+        </p:nvSpPr>
+        <p:spPr>
+          <a:xfrm>
+            <a:off x="7886078" y="3841588"/>
+            <a:ext cx="685802" cy="261610"/>
+          </a:xfrm>
+          <a:prstGeom prst="rect">
+            <a:avLst/>
+          </a:prstGeom>
+          <a:noFill/>
+        </p:spPr>
+        <p:txBody>
+          <a:bodyPr wrap="square">
+            <a:spAutoFit/>
+          </a:bodyPr>
+          <a:lstStyle/>
+          <a:p>
+            <a:pPr algn="r"/>
+            <a:r>
+              <a:rPr kumimoji="1" lang="en-US" altLang="ko-Kore-KR" sz="1100" dirty="0">
+                <a:latin typeface="DM Mono" panose="020B0509040201040103" pitchFamily="49" charset="0"/>
+              </a:rPr>
+              <a:t>color</a:t>
+            </a:r>
+            <a:endParaRPr kumimoji="1" lang="ko-Kore-KR" altLang="en-US" sz="1100" dirty="0">
+              <a:solidFill>
+                <a:schemeClr val="tx1"/>
+              </a:solidFill>
+              <a:latin typeface="DM Mono" panose="020B0509040201040103" pitchFamily="49" charset="0"/>
+            </a:endParaRPr>
+          </a:p>
+        </p:txBody>
+      </p:sp>
+      <p:sp>
+        <p:nvSpPr>
+          <p:cNvPr id="17" name="직사각형 16">
+            <a:extLst>
+              <a:ext uri="{FF2B5EF4-FFF2-40B4-BE49-F238E27FC236}">
+                <a16:creationId xmlns:a16="http://schemas.microsoft.com/office/drawing/2014/main" id="{F3F00D38-C553-5A5A-DEF5-EE93B673C05C}"/>
+              </a:ext>
+            </a:extLst>
+          </p:cNvPr>
+          <p:cNvSpPr/>
+          <p:nvPr/>
+        </p:nvSpPr>
+        <p:spPr>
+          <a:xfrm>
+            <a:off x="8571880" y="4182255"/>
+            <a:ext cx="769495" cy="419724"/>
+          </a:xfrm>
+          <a:prstGeom prst="rect">
+            <a:avLst/>
+          </a:prstGeom>
+          <a:solidFill>
+            <a:srgbClr val="92D050"/>
+          </a:solidFill>
+        </p:spPr>
+        <p:style>
+          <a:lnRef idx="2">
+            <a:schemeClr val="accent4">
+              <a:shade val="15000"/>
+            </a:schemeClr>
+          </a:lnRef>
+          <a:fillRef idx="1">
+            <a:schemeClr val="accent4"/>
+          </a:fillRef>
+          <a:effectRef idx="0">
+            <a:schemeClr val="accent4"/>
+          </a:effectRef>
+          <a:fontRef idx="minor">
+            <a:schemeClr val="lt1"/>
+          </a:fontRef>
+        </p:style>
+        <p:txBody>
+          <a:bodyPr rtlCol="0" anchor="ctr"/>
+          <a:lstStyle/>
+          <a:p>
+            <a:pPr algn="ctr"/>
+            <a:endParaRPr kumimoji="1" lang="ko-Kore-KR" altLang="en-US" sz="1200" dirty="0">
+              <a:solidFill>
+                <a:schemeClr val="tx1"/>
+              </a:solidFill>
+              <a:latin typeface="DM Mono" panose="020B0509040201040103" pitchFamily="49" charset="0"/>
+            </a:endParaRPr>
+          </a:p>
+        </p:txBody>
+      </p:sp>
+      <p:sp>
+        <p:nvSpPr>
+          <p:cNvPr id="18" name="TextBox 17">
+            <a:extLst>
+              <a:ext uri="{FF2B5EF4-FFF2-40B4-BE49-F238E27FC236}">
+                <a16:creationId xmlns:a16="http://schemas.microsoft.com/office/drawing/2014/main" id="{87F04911-EC50-A569-95F3-E7612A0ED743}"/>
+              </a:ext>
+            </a:extLst>
+          </p:cNvPr>
+          <p:cNvSpPr txBox="1"/>
+          <p:nvPr/>
+        </p:nvSpPr>
+        <p:spPr>
+          <a:xfrm>
+            <a:off x="7986012" y="4261312"/>
+            <a:ext cx="585868" cy="261610"/>
+          </a:xfrm>
+          <a:prstGeom prst="rect">
+            <a:avLst/>
+          </a:prstGeom>
+          <a:noFill/>
+        </p:spPr>
+        <p:txBody>
+          <a:bodyPr wrap="square">
+            <a:spAutoFit/>
+          </a:bodyPr>
+          <a:lstStyle/>
+          <a:p>
+            <a:pPr algn="r"/>
+            <a:r>
+              <a:rPr kumimoji="1" lang="en-US" altLang="ko-Kore-KR" sz="1100" dirty="0">
+                <a:solidFill>
+                  <a:schemeClr val="tx1"/>
+                </a:solidFill>
+                <a:latin typeface="DM Mono" panose="020B0509040201040103" pitchFamily="49" charset="0"/>
+              </a:rPr>
+              <a:t>age</a:t>
+            </a:r>
+            <a:endParaRPr kumimoji="1" lang="ko-Kore-KR" altLang="en-US" sz="1100" dirty="0">
+              <a:solidFill>
+                <a:schemeClr val="tx1"/>
+              </a:solidFill>
+              <a:latin typeface="DM Mono" panose="020B0509040201040103" pitchFamily="49" charset="0"/>
+            </a:endParaRPr>
+          </a:p>
+        </p:txBody>
+      </p:sp>
+      <p:sp>
+        <p:nvSpPr>
+          <p:cNvPr id="19" name="TextBox 18">
+            <a:extLst>
+              <a:ext uri="{FF2B5EF4-FFF2-40B4-BE49-F238E27FC236}">
+                <a16:creationId xmlns:a16="http://schemas.microsoft.com/office/drawing/2014/main" id="{353C0FD4-D428-BE51-E07A-3E2DE1406B81}"/>
+              </a:ext>
+            </a:extLst>
+          </p:cNvPr>
+          <p:cNvSpPr txBox="1"/>
+          <p:nvPr/>
+        </p:nvSpPr>
+        <p:spPr>
+          <a:xfrm>
+            <a:off x="8509107" y="3481001"/>
+            <a:ext cx="895039" cy="261610"/>
+          </a:xfrm>
+          <a:prstGeom prst="rect">
+            <a:avLst/>
+          </a:prstGeom>
+          <a:noFill/>
+        </p:spPr>
+        <p:txBody>
+          <a:bodyPr wrap="square">
+            <a:spAutoFit/>
+          </a:bodyPr>
+          <a:lstStyle/>
+          <a:p>
+            <a:pPr algn="ctr"/>
+            <a:r>
+              <a:rPr kumimoji="1" lang="en-US" altLang="ko-Kore-KR" sz="1100" dirty="0">
+                <a:solidFill>
+                  <a:schemeClr val="tx1"/>
+                </a:solidFill>
+                <a:latin typeface="DM Mono" panose="020B0509040201040103" pitchFamily="49" charset="0"/>
+              </a:rPr>
+              <a:t>Cat c</a:t>
+            </a:r>
+            <a:endParaRPr kumimoji="1" lang="ko-Kore-KR" altLang="en-US" sz="1100" dirty="0">
+              <a:solidFill>
+                <a:schemeClr val="tx1"/>
+              </a:solidFill>
+              <a:latin typeface="DM Mono" panose="020B0509040201040103" pitchFamily="49" charset="0"/>
+            </a:endParaRPr>
+          </a:p>
+        </p:txBody>
+      </p:sp>
+      <p:sp>
+        <p:nvSpPr>
+          <p:cNvPr id="20" name="직사각형 19">
+            <a:extLst>
+              <a:ext uri="{FF2B5EF4-FFF2-40B4-BE49-F238E27FC236}">
+                <a16:creationId xmlns:a16="http://schemas.microsoft.com/office/drawing/2014/main" id="{6424C8DF-3077-E417-30A6-A09A93DCC04E}"/>
+              </a:ext>
+            </a:extLst>
+          </p:cNvPr>
+          <p:cNvSpPr/>
+          <p:nvPr/>
+        </p:nvSpPr>
+        <p:spPr>
+          <a:xfrm>
+            <a:off x="8571880" y="4601979"/>
+            <a:ext cx="769495" cy="419724"/>
+          </a:xfrm>
+          <a:prstGeom prst="rect">
+            <a:avLst/>
+          </a:prstGeom>
+          <a:solidFill>
+            <a:srgbClr val="92D050"/>
+          </a:solidFill>
+        </p:spPr>
+        <p:style>
+          <a:lnRef idx="2">
+            <a:schemeClr val="accent4">
+              <a:shade val="15000"/>
+            </a:schemeClr>
+          </a:lnRef>
+          <a:fillRef idx="1">
+            <a:schemeClr val="accent4"/>
+          </a:fillRef>
+          <a:effectRef idx="0">
+            <a:schemeClr val="accent4"/>
+          </a:effectRef>
+          <a:fontRef idx="minor">
+            <a:schemeClr val="lt1"/>
+          </a:fontRef>
+        </p:style>
+        <p:txBody>
+          <a:bodyPr rtlCol="0" anchor="ctr"/>
+          <a:lstStyle/>
+          <a:p>
+            <a:pPr algn="ctr"/>
+            <a:endParaRPr kumimoji="1" lang="ko-Kore-KR" altLang="en-US" sz="1200" dirty="0">
+              <a:solidFill>
+                <a:schemeClr val="tx1"/>
+              </a:solidFill>
+              <a:latin typeface="DM Mono" panose="020B0509040201040103" pitchFamily="49" charset="0"/>
+            </a:endParaRPr>
+          </a:p>
+        </p:txBody>
+      </p:sp>
+      <p:sp>
+        <p:nvSpPr>
+          <p:cNvPr id="21" name="TextBox 20">
+            <a:extLst>
+              <a:ext uri="{FF2B5EF4-FFF2-40B4-BE49-F238E27FC236}">
+                <a16:creationId xmlns:a16="http://schemas.microsoft.com/office/drawing/2014/main" id="{B3DC2295-A96B-B09E-D474-7661F9382AF0}"/>
+              </a:ext>
+            </a:extLst>
+          </p:cNvPr>
+          <p:cNvSpPr txBox="1"/>
+          <p:nvPr/>
+        </p:nvSpPr>
+        <p:spPr>
+          <a:xfrm>
+            <a:off x="7986012" y="4681036"/>
+            <a:ext cx="585868" cy="261610"/>
+          </a:xfrm>
+          <a:prstGeom prst="rect">
+            <a:avLst/>
+          </a:prstGeom>
+          <a:noFill/>
+        </p:spPr>
+        <p:txBody>
+          <a:bodyPr wrap="square">
+            <a:spAutoFit/>
+          </a:bodyPr>
+          <a:lstStyle/>
+          <a:p>
+            <a:pPr algn="r"/>
+            <a:r>
+              <a:rPr kumimoji="1" lang="en-US" altLang="ko-Kore-KR" sz="1100" dirty="0">
+                <a:solidFill>
+                  <a:schemeClr val="tx1"/>
+                </a:solidFill>
+                <a:latin typeface="DM Mono" panose="020B0509040201040103" pitchFamily="49" charset="0"/>
+              </a:rPr>
+              <a:t>name</a:t>
+            </a:r>
+            <a:endParaRPr kumimoji="1" lang="ko-Kore-KR" altLang="en-US" sz="1100" dirty="0">
+              <a:solidFill>
+                <a:schemeClr val="tx1"/>
+              </a:solidFill>
+              <a:latin typeface="DM Mono" panose="020B0509040201040103" pitchFamily="49" charset="0"/>
+            </a:endParaRPr>
+          </a:p>
+        </p:txBody>
+      </p:sp>
+      <p:sp>
+        <p:nvSpPr>
+          <p:cNvPr id="22" name="직사각형 21">
+            <a:extLst>
+              <a:ext uri="{FF2B5EF4-FFF2-40B4-BE49-F238E27FC236}">
+                <a16:creationId xmlns:a16="http://schemas.microsoft.com/office/drawing/2014/main" id="{C23AEA71-9052-19B2-37A1-B6E305943B4C}"/>
+              </a:ext>
+            </a:extLst>
+          </p:cNvPr>
+          <p:cNvSpPr/>
+          <p:nvPr/>
+        </p:nvSpPr>
+        <p:spPr>
+          <a:xfrm>
+            <a:off x="8571880" y="5021703"/>
+            <a:ext cx="769495" cy="419724"/>
+          </a:xfrm>
+          <a:prstGeom prst="rect">
+            <a:avLst/>
+          </a:prstGeom>
+          <a:solidFill>
+            <a:schemeClr val="accent4">
+              <a:lumMod val="60000"/>
+              <a:lumOff val="40000"/>
+            </a:schemeClr>
+          </a:solidFill>
+        </p:spPr>
+        <p:style>
+          <a:lnRef idx="2">
+            <a:schemeClr val="accent4">
+              <a:shade val="15000"/>
+            </a:schemeClr>
+          </a:lnRef>
+          <a:fillRef idx="1">
+            <a:schemeClr val="accent4"/>
+          </a:fillRef>
+          <a:effectRef idx="0">
+            <a:schemeClr val="accent4"/>
+          </a:effectRef>
+          <a:fontRef idx="minor">
+            <a:schemeClr val="lt1"/>
+          </a:fontRef>
+        </p:style>
+        <p:txBody>
+          <a:bodyPr rtlCol="0" anchor="ctr"/>
+          <a:lstStyle/>
+          <a:p>
+            <a:pPr algn="ctr"/>
+            <a:endParaRPr kumimoji="1" lang="ko-Kore-KR" altLang="en-US" sz="1200" dirty="0">
+              <a:solidFill>
+                <a:schemeClr val="tx1"/>
+              </a:solidFill>
+              <a:latin typeface="DM Mono" panose="020B0509040201040103" pitchFamily="49" charset="0"/>
+            </a:endParaRPr>
+          </a:p>
+        </p:txBody>
+      </p:sp>
+      <p:sp>
+        <p:nvSpPr>
+          <p:cNvPr id="23" name="TextBox 22">
+            <a:extLst>
+              <a:ext uri="{FF2B5EF4-FFF2-40B4-BE49-F238E27FC236}">
+                <a16:creationId xmlns:a16="http://schemas.microsoft.com/office/drawing/2014/main" id="{BA4DAC61-D271-462F-54B4-DE805033A88D}"/>
+              </a:ext>
+            </a:extLst>
+          </p:cNvPr>
+          <p:cNvSpPr txBox="1"/>
+          <p:nvPr/>
+        </p:nvSpPr>
+        <p:spPr>
+          <a:xfrm>
+            <a:off x="7694950" y="5100760"/>
+            <a:ext cx="876930" cy="261610"/>
+          </a:xfrm>
+          <a:prstGeom prst="rect">
+            <a:avLst/>
+          </a:prstGeom>
+          <a:noFill/>
+        </p:spPr>
+        <p:txBody>
+          <a:bodyPr wrap="square">
+            <a:spAutoFit/>
+          </a:bodyPr>
+          <a:lstStyle/>
+          <a:p>
+            <a:pPr algn="r"/>
+            <a:r>
+              <a:rPr kumimoji="1" lang="en-US" altLang="ko-Kore-KR" sz="1100" dirty="0">
+                <a:solidFill>
+                  <a:schemeClr val="tx1"/>
+                </a:solidFill>
+                <a:latin typeface="DM Mono" panose="020B0509040201040103" pitchFamily="49" charset="0"/>
+              </a:rPr>
+              <a:t>address</a:t>
+            </a:r>
+            <a:endParaRPr kumimoji="1" lang="ko-Kore-KR" altLang="en-US" sz="1100" dirty="0">
+              <a:solidFill>
+                <a:schemeClr val="tx1"/>
+              </a:solidFill>
+              <a:latin typeface="DM Mono" panose="020B0509040201040103" pitchFamily="49" charset="0"/>
+            </a:endParaRPr>
+          </a:p>
+        </p:txBody>
+      </p:sp>
+      <p:sp>
+        <p:nvSpPr>
+          <p:cNvPr id="2" name="오른쪽 중괄호[R] 1">
+            <a:extLst>
+              <a:ext uri="{FF2B5EF4-FFF2-40B4-BE49-F238E27FC236}">
+                <a16:creationId xmlns:a16="http://schemas.microsoft.com/office/drawing/2014/main" id="{5D4E8FE1-07B6-7993-48D4-209AB9B103DD}"/>
+              </a:ext>
+            </a:extLst>
+          </p:cNvPr>
+          <p:cNvSpPr/>
+          <p:nvPr/>
+        </p:nvSpPr>
+        <p:spPr>
+          <a:xfrm>
+            <a:off x="6505731" y="3802505"/>
+            <a:ext cx="226104" cy="1219198"/>
+          </a:xfrm>
+          <a:prstGeom prst="rightBrace">
+            <a:avLst/>
+          </a:prstGeom>
+          <a:ln>
+            <a:tailEnd type="triangle"/>
+          </a:ln>
+        </p:spPr>
+        <p:style>
+          <a:lnRef idx="1">
+            <a:schemeClr val="dk1"/>
+          </a:lnRef>
+          <a:fillRef idx="0">
+            <a:schemeClr val="dk1"/>
+          </a:fillRef>
+          <a:effectRef idx="0">
+            <a:schemeClr val="dk1"/>
+          </a:effectRef>
+          <a:fontRef idx="minor">
+            <a:schemeClr val="tx1"/>
+          </a:fontRef>
+        </p:style>
+        <p:txBody>
+          <a:bodyPr rtlCol="0" anchor="ctr"/>
+          <a:lstStyle/>
+          <a:p>
+            <a:pPr algn="ctr"/>
+            <a:endParaRPr kumimoji="1" lang="ko-Kore-KR" altLang="en-US"/>
+          </a:p>
+        </p:txBody>
+      </p:sp>
+      <p:sp>
+        <p:nvSpPr>
+          <p:cNvPr id="4" name="TextBox 3">
+            <a:extLst>
+              <a:ext uri="{FF2B5EF4-FFF2-40B4-BE49-F238E27FC236}">
+                <a16:creationId xmlns:a16="http://schemas.microsoft.com/office/drawing/2014/main" id="{ADE51DEF-F10E-3A2B-4783-9B5B96660A1B}"/>
+              </a:ext>
+            </a:extLst>
+          </p:cNvPr>
+          <p:cNvSpPr txBox="1"/>
+          <p:nvPr/>
+        </p:nvSpPr>
+        <p:spPr>
+          <a:xfrm>
+            <a:off x="6619409" y="4273604"/>
+            <a:ext cx="964367" cy="276999"/>
+          </a:xfrm>
+          <a:prstGeom prst="rect">
+            <a:avLst/>
+          </a:prstGeom>
+          <a:noFill/>
+        </p:spPr>
+        <p:txBody>
+          <a:bodyPr wrap="square">
+            <a:spAutoFit/>
+          </a:bodyPr>
+          <a:lstStyle/>
+          <a:p>
+            <a:pPr algn="ctr"/>
+            <a:r>
+              <a:rPr lang="en-US" altLang="ko-Kore-KR" sz="1200" dirty="0">
+                <a:latin typeface="DM Mono" panose="020B0509040201040103" pitchFamily="49" charset="0"/>
+              </a:rPr>
+              <a:t>Animal</a:t>
+            </a:r>
+            <a:endParaRPr lang="ko-Kore-KR" altLang="en-US" sz="1200" dirty="0">
+              <a:latin typeface="DM Mono" panose="020B0509040201040103" pitchFamily="49" charset="0"/>
+            </a:endParaRPr>
+          </a:p>
+        </p:txBody>
+      </p:sp>
+      <p:sp>
+        <p:nvSpPr>
+          <p:cNvPr id="24" name="오른쪽 중괄호[R] 23">
+            <a:extLst>
+              <a:ext uri="{FF2B5EF4-FFF2-40B4-BE49-F238E27FC236}">
+                <a16:creationId xmlns:a16="http://schemas.microsoft.com/office/drawing/2014/main" id="{466ADF7A-2B40-105F-F482-2626A4B979CD}"/>
+              </a:ext>
+            </a:extLst>
+          </p:cNvPr>
+          <p:cNvSpPr/>
+          <p:nvPr/>
+        </p:nvSpPr>
+        <p:spPr>
+          <a:xfrm>
+            <a:off x="9431315" y="3790213"/>
+            <a:ext cx="226104" cy="1219198"/>
+          </a:xfrm>
+          <a:prstGeom prst="rightBrace">
+            <a:avLst/>
+          </a:prstGeom>
+          <a:ln>
+            <a:tailEnd type="triangle"/>
+          </a:ln>
+        </p:spPr>
+        <p:style>
+          <a:lnRef idx="1">
+            <a:schemeClr val="dk1"/>
+          </a:lnRef>
+          <a:fillRef idx="0">
+            <a:schemeClr val="dk1"/>
+          </a:fillRef>
+          <a:effectRef idx="0">
+            <a:schemeClr val="dk1"/>
+          </a:effectRef>
+          <a:fontRef idx="minor">
+            <a:schemeClr val="tx1"/>
+          </a:fontRef>
+        </p:style>
+        <p:txBody>
+          <a:bodyPr rtlCol="0" anchor="ctr"/>
+          <a:lstStyle/>
+          <a:p>
+            <a:pPr algn="ctr"/>
+            <a:endParaRPr kumimoji="1" lang="ko-Kore-KR" altLang="en-US"/>
+          </a:p>
+        </p:txBody>
+      </p:sp>
+      <p:sp>
+        <p:nvSpPr>
+          <p:cNvPr id="25" name="TextBox 24">
+            <a:extLst>
+              <a:ext uri="{FF2B5EF4-FFF2-40B4-BE49-F238E27FC236}">
+                <a16:creationId xmlns:a16="http://schemas.microsoft.com/office/drawing/2014/main" id="{1A85C120-6EDE-67E1-4A1B-16594C76100E}"/>
+              </a:ext>
+            </a:extLst>
+          </p:cNvPr>
+          <p:cNvSpPr txBox="1"/>
+          <p:nvPr/>
+        </p:nvSpPr>
+        <p:spPr>
+          <a:xfrm>
+            <a:off x="9544993" y="4261312"/>
+            <a:ext cx="964367" cy="276999"/>
+          </a:xfrm>
+          <a:prstGeom prst="rect">
+            <a:avLst/>
+          </a:prstGeom>
+          <a:noFill/>
+        </p:spPr>
+        <p:txBody>
+          <a:bodyPr wrap="square">
+            <a:spAutoFit/>
+          </a:bodyPr>
+          <a:lstStyle/>
+          <a:p>
+            <a:pPr algn="ctr"/>
+            <a:r>
+              <a:rPr lang="en-US" altLang="ko-Kore-KR" sz="1200" dirty="0">
+                <a:latin typeface="DM Mono" panose="020B0509040201040103" pitchFamily="49" charset="0"/>
+              </a:rPr>
+              <a:t>Animal</a:t>
+            </a:r>
+            <a:endParaRPr lang="ko-Kore-KR" altLang="en-US" sz="1200" dirty="0">
+              <a:latin typeface="DM Mono" panose="020B0509040201040103" pitchFamily="49" charset="0"/>
+            </a:endParaRPr>
+          </a:p>
+        </p:txBody>
+      </p:sp>
+    </p:spTree>
+    <p:extLst>
+      <p:ext uri="{BB962C8B-B14F-4D97-AF65-F5344CB8AC3E}">
+        <p14:creationId xmlns:p14="http://schemas.microsoft.com/office/powerpoint/2010/main" val="2431336118"/>
       </p:ext>
     </p:extLst>
   </p:cSld>

--- a/230612.pptx
+++ b/230612.pptx
@@ -296,7 +296,7 @@
           <a:p>
             <a:fld id="{3FC803BF-0477-6F43-A895-D2496DADD24E}" type="datetimeFigureOut">
               <a:rPr kumimoji="1" lang="ko-Kore-KR" altLang="en-US" smtClean="0"/>
-              <a:t>2023. 6. 14.</a:t>
+              <a:t>2023. 6. 16.</a:t>
             </a:fld>
             <a:endParaRPr kumimoji="1" lang="ko-Kore-KR" altLang="en-US"/>
           </a:p>
@@ -496,7 +496,7 @@
           <a:p>
             <a:fld id="{3FC803BF-0477-6F43-A895-D2496DADD24E}" type="datetimeFigureOut">
               <a:rPr kumimoji="1" lang="ko-Kore-KR" altLang="en-US" smtClean="0"/>
-              <a:t>2023. 6. 14.</a:t>
+              <a:t>2023. 6. 16.</a:t>
             </a:fld>
             <a:endParaRPr kumimoji="1" lang="ko-Kore-KR" altLang="en-US"/>
           </a:p>
@@ -706,7 +706,7 @@
           <a:p>
             <a:fld id="{3FC803BF-0477-6F43-A895-D2496DADD24E}" type="datetimeFigureOut">
               <a:rPr kumimoji="1" lang="ko-Kore-KR" altLang="en-US" smtClean="0"/>
-              <a:t>2023. 6. 14.</a:t>
+              <a:t>2023. 6. 16.</a:t>
             </a:fld>
             <a:endParaRPr kumimoji="1" lang="ko-Kore-KR" altLang="en-US"/>
           </a:p>
@@ -906,7 +906,7 @@
           <a:p>
             <a:fld id="{3FC803BF-0477-6F43-A895-D2496DADD24E}" type="datetimeFigureOut">
               <a:rPr kumimoji="1" lang="ko-Kore-KR" altLang="en-US" smtClean="0"/>
-              <a:t>2023. 6. 14.</a:t>
+              <a:t>2023. 6. 16.</a:t>
             </a:fld>
             <a:endParaRPr kumimoji="1" lang="ko-Kore-KR" altLang="en-US"/>
           </a:p>
@@ -1182,7 +1182,7 @@
           <a:p>
             <a:fld id="{3FC803BF-0477-6F43-A895-D2496DADD24E}" type="datetimeFigureOut">
               <a:rPr kumimoji="1" lang="ko-Kore-KR" altLang="en-US" smtClean="0"/>
-              <a:t>2023. 6. 14.</a:t>
+              <a:t>2023. 6. 16.</a:t>
             </a:fld>
             <a:endParaRPr kumimoji="1" lang="ko-Kore-KR" altLang="en-US"/>
           </a:p>
@@ -1450,7 +1450,7 @@
           <a:p>
             <a:fld id="{3FC803BF-0477-6F43-A895-D2496DADD24E}" type="datetimeFigureOut">
               <a:rPr kumimoji="1" lang="ko-Kore-KR" altLang="en-US" smtClean="0"/>
-              <a:t>2023. 6. 14.</a:t>
+              <a:t>2023. 6. 16.</a:t>
             </a:fld>
             <a:endParaRPr kumimoji="1" lang="ko-Kore-KR" altLang="en-US"/>
           </a:p>
@@ -1865,7 +1865,7 @@
           <a:p>
             <a:fld id="{3FC803BF-0477-6F43-A895-D2496DADD24E}" type="datetimeFigureOut">
               <a:rPr kumimoji="1" lang="ko-Kore-KR" altLang="en-US" smtClean="0"/>
-              <a:t>2023. 6. 14.</a:t>
+              <a:t>2023. 6. 16.</a:t>
             </a:fld>
             <a:endParaRPr kumimoji="1" lang="ko-Kore-KR" altLang="en-US"/>
           </a:p>
@@ -2007,7 +2007,7 @@
           <a:p>
             <a:fld id="{3FC803BF-0477-6F43-A895-D2496DADD24E}" type="datetimeFigureOut">
               <a:rPr kumimoji="1" lang="ko-Kore-KR" altLang="en-US" smtClean="0"/>
-              <a:t>2023. 6. 14.</a:t>
+              <a:t>2023. 6. 16.</a:t>
             </a:fld>
             <a:endParaRPr kumimoji="1" lang="ko-Kore-KR" altLang="en-US"/>
           </a:p>
@@ -2120,7 +2120,7 @@
           <a:p>
             <a:fld id="{3FC803BF-0477-6F43-A895-D2496DADD24E}" type="datetimeFigureOut">
               <a:rPr kumimoji="1" lang="ko-Kore-KR" altLang="en-US" smtClean="0"/>
-              <a:t>2023. 6. 14.</a:t>
+              <a:t>2023. 6. 16.</a:t>
             </a:fld>
             <a:endParaRPr kumimoji="1" lang="ko-Kore-KR" altLang="en-US"/>
           </a:p>
@@ -2433,7 +2433,7 @@
           <a:p>
             <a:fld id="{3FC803BF-0477-6F43-A895-D2496DADD24E}" type="datetimeFigureOut">
               <a:rPr kumimoji="1" lang="ko-Kore-KR" altLang="en-US" smtClean="0"/>
-              <a:t>2023. 6. 14.</a:t>
+              <a:t>2023. 6. 16.</a:t>
             </a:fld>
             <a:endParaRPr kumimoji="1" lang="ko-Kore-KR" altLang="en-US"/>
           </a:p>
@@ -2722,7 +2722,7 @@
           <a:p>
             <a:fld id="{3FC803BF-0477-6F43-A895-D2496DADD24E}" type="datetimeFigureOut">
               <a:rPr kumimoji="1" lang="ko-Kore-KR" altLang="en-US" smtClean="0"/>
-              <a:t>2023. 6. 14.</a:t>
+              <a:t>2023. 6. 16.</a:t>
             </a:fld>
             <a:endParaRPr kumimoji="1" lang="ko-Kore-KR" altLang="en-US"/>
           </a:p>
@@ -2965,7 +2965,7 @@
           <a:p>
             <a:fld id="{3FC803BF-0477-6F43-A895-D2496DADD24E}" type="datetimeFigureOut">
               <a:rPr kumimoji="1" lang="ko-Kore-KR" altLang="en-US" smtClean="0"/>
-              <a:t>2023. 6. 14.</a:t>
+              <a:t>2023. 6. 16.</a:t>
             </a:fld>
             <a:endParaRPr kumimoji="1" lang="ko-Kore-KR" altLang="en-US"/>
           </a:p>
@@ -21733,6 +21733,9 @@
           <a:p>
             <a:r>
               <a:rPr lang="ko-Kore-KR" altLang="en-US" sz="1200" dirty="0">
+                <a:solidFill>
+                  <a:srgbClr val="00B050"/>
+                </a:solidFill>
                 <a:latin typeface="DM Mono" panose="020B0509040201040103" pitchFamily="49" charset="0"/>
               </a:rPr>
               <a:t>    int color;</a:t>
@@ -21741,6 +21744,9 @@
           <a:p>
             <a:r>
               <a:rPr lang="ko-Kore-KR" altLang="en-US" sz="1200" dirty="0">
+                <a:solidFill>
+                  <a:srgbClr val="00B050"/>
+                </a:solidFill>
                 <a:latin typeface="DM Mono" panose="020B0509040201040103" pitchFamily="49" charset="0"/>
               </a:rPr>
               <a:t>    int age;</a:t>
@@ -21749,6 +21755,9 @@
           <a:p>
             <a:r>
               <a:rPr lang="ko-Kore-KR" altLang="en-US" sz="1200" dirty="0">
+                <a:solidFill>
+                  <a:srgbClr val="00B050"/>
+                </a:solidFill>
                 <a:latin typeface="DM Mono" panose="020B0509040201040103" pitchFamily="49" charset="0"/>
               </a:rPr>
               <a:t>    string name;</a:t>
@@ -21789,17 +21798,26 @@
           <a:p>
             <a:r>
               <a:rPr lang="en-US" altLang="ko-Kore-KR" sz="1200" dirty="0">
+                <a:solidFill>
+                  <a:srgbClr val="00B050"/>
+                </a:solidFill>
                 <a:latin typeface="DM Mono" panose="020B0509040201040103" pitchFamily="49" charset="0"/>
               </a:rPr>
               <a:t>    int color;</a:t>
             </a:r>
             <a:endParaRPr lang="ko-Kore-KR" altLang="en-US" sz="1200" dirty="0">
+              <a:solidFill>
+                <a:srgbClr val="00B050"/>
+              </a:solidFill>
               <a:latin typeface="DM Mono" panose="020B0509040201040103" pitchFamily="49" charset="0"/>
             </a:endParaRPr>
           </a:p>
           <a:p>
             <a:r>
               <a:rPr lang="ko-Kore-KR" altLang="en-US" sz="1200" dirty="0">
+                <a:solidFill>
+                  <a:srgbClr val="00B050"/>
+                </a:solidFill>
                 <a:latin typeface="DM Mono" panose="020B0509040201040103" pitchFamily="49" charset="0"/>
               </a:rPr>
               <a:t>    int age;</a:t>
@@ -21808,6 +21826,9 @@
           <a:p>
             <a:r>
               <a:rPr lang="ko-Kore-KR" altLang="en-US" sz="1200" dirty="0">
+                <a:solidFill>
+                  <a:srgbClr val="00B050"/>
+                </a:solidFill>
                 <a:latin typeface="DM Mono" panose="020B0509040201040103" pitchFamily="49" charset="0"/>
               </a:rPr>
               <a:t>    string name;</a:t>

--- a/230612.pptx
+++ b/230612.pptx
@@ -31448,7 +31448,7 @@
         </p:nvSpPr>
         <p:spPr>
           <a:xfrm>
-            <a:off x="539646" y="289307"/>
+            <a:off x="463133" y="331398"/>
             <a:ext cx="3677587" cy="4893647"/>
           </a:xfrm>
           <a:prstGeom prst="rect">
